--- a/OhMySearch.pptx
+++ b/OhMySearch.pptx
@@ -11,8 +11,8 @@
     <p:sldId id="256" r:id="rId2"/>
     <p:sldId id="257" r:id="rId3"/>
     <p:sldId id="258" r:id="rId4"/>
-    <p:sldId id="262" r:id="rId5"/>
-    <p:sldId id="260" r:id="rId6"/>
+    <p:sldId id="260" r:id="rId5"/>
+    <p:sldId id="262" r:id="rId6"/>
     <p:sldId id="272" r:id="rId7"/>
     <p:sldId id="263" r:id="rId8"/>
     <p:sldId id="269" r:id="rId9"/>
@@ -214,7 +214,7 @@
           <a:p>
             <a:fld id="{52486836-1DD4-4B5A-B7F8-A31B08770D42}" type="datetimeFigureOut">
               <a:rPr lang="en-AU" smtClean="0"/>
-              <a:t>5/06/2016</a:t>
+              <a:t>9/06/2016</a:t>
             </a:fld>
             <a:endParaRPr lang="en-AU"/>
           </a:p>
@@ -526,14 +526,6 @@
           <a:bodyPr/>
           <a:lstStyle/>
           <a:p>
-            <a:r>
-              <a:rPr lang="en-AU" dirty="0" smtClean="0"/>
-              <a:t>* All types share space of</a:t>
-            </a:r>
-            <a:r>
-              <a:rPr lang="en-AU" baseline="0" dirty="0" smtClean="0"/>
-              <a:t> index and need the same field types. You can’t use the same field name with different field types across the index</a:t>
-            </a:r>
             <a:endParaRPr lang="en-AU" dirty="0"/>
           </a:p>
         </p:txBody>
@@ -555,7 +547,7 @@
           <a:p>
             <a:fld id="{147DBD60-72A2-4D24-AFED-423EBE31C632}" type="slidenum">
               <a:rPr lang="en-AU" smtClean="0"/>
-              <a:t>5</a:t>
+              <a:t>1</a:t>
             </a:fld>
             <a:endParaRPr lang="en-AU"/>
           </a:p>
@@ -564,7 +556,1622 @@
     </p:spTree>
     <p:extLst>
       <p:ext uri="{BB962C8B-B14F-4D97-AF65-F5344CB8AC3E}">
-        <p14:creationId xmlns:p14="http://schemas.microsoft.com/office/powerpoint/2010/main" val="2039288159"/>
+        <p14:creationId xmlns:p14="http://schemas.microsoft.com/office/powerpoint/2010/main" val="282553293"/>
+      </p:ext>
+    </p:extLst>
+  </p:cSld>
+  <p:clrMapOvr>
+    <a:masterClrMapping/>
+  </p:clrMapOvr>
+</p:notes>
+</file>
+
+<file path=ppt/notesSlides/notesSlide10.xml><?xml version="1.0" encoding="utf-8"?>
+<p:notes xmlns:a="http://schemas.openxmlformats.org/drawingml/2006/main" xmlns:r="http://schemas.openxmlformats.org/officeDocument/2006/relationships" xmlns:p="http://schemas.openxmlformats.org/presentationml/2006/main">
+  <p:cSld>
+    <p:spTree>
+      <p:nvGrpSpPr>
+        <p:cNvPr id="1" name=""/>
+        <p:cNvGrpSpPr/>
+        <p:nvPr/>
+      </p:nvGrpSpPr>
+      <p:grpSpPr>
+        <a:xfrm>
+          <a:off x="0" y="0"/>
+          <a:ext cx="0" cy="0"/>
+          <a:chOff x="0" y="0"/>
+          <a:chExt cx="0" cy="0"/>
+        </a:xfrm>
+      </p:grpSpPr>
+      <p:sp>
+        <p:nvSpPr>
+          <p:cNvPr id="2" name="Slide Image Placeholder 1"/>
+          <p:cNvSpPr>
+            <a:spLocks noGrp="1" noRot="1" noChangeAspect="1"/>
+          </p:cNvSpPr>
+          <p:nvPr>
+            <p:ph type="sldImg"/>
+          </p:nvPr>
+        </p:nvSpPr>
+        <p:spPr/>
+      </p:sp>
+      <p:sp>
+        <p:nvSpPr>
+          <p:cNvPr id="3" name="Notes Placeholder 2"/>
+          <p:cNvSpPr>
+            <a:spLocks noGrp="1"/>
+          </p:cNvSpPr>
+          <p:nvPr>
+            <p:ph type="body" idx="1"/>
+          </p:nvPr>
+        </p:nvSpPr>
+        <p:spPr/>
+        <p:txBody>
+          <a:bodyPr/>
+          <a:lstStyle/>
+          <a:p>
+            <a:r>
+              <a:rPr lang="en-AU" b="1" dirty="0" smtClean="0"/>
+              <a:t>Connect Power BI to Team Services </a:t>
+            </a:r>
+            <a:r>
+              <a:rPr lang="en-AU" b="0" dirty="0" smtClean="0"/>
+              <a:t>https://www.visualstudio.com/en-au/docs/report/powerbi/connect-vso-pbi-vs</a:t>
+            </a:r>
+          </a:p>
+          <a:p>
+            <a:r>
+              <a:rPr lang="en-AU" b="1" dirty="0" smtClean="0"/>
+              <a:t>Create Power BI dashboards and reports </a:t>
+            </a:r>
+            <a:r>
+              <a:rPr lang="en-AU" dirty="0" smtClean="0"/>
+              <a:t>https://www.visualstudio.com/docs/report/powerbi/report-on-vso-with-power-bi-vs</a:t>
+            </a:r>
+          </a:p>
+          <a:p>
+            <a:r>
+              <a:rPr lang="en-AU" b="1" dirty="0" smtClean="0"/>
+              <a:t>Search code</a:t>
+            </a:r>
+            <a:r>
+              <a:rPr lang="en-AU" dirty="0" smtClean="0"/>
+              <a:t> https://searchcode.com/</a:t>
+            </a:r>
+            <a:endParaRPr lang="en-AU" dirty="0"/>
+          </a:p>
+        </p:txBody>
+      </p:sp>
+      <p:sp>
+        <p:nvSpPr>
+          <p:cNvPr id="4" name="Slide Number Placeholder 3"/>
+          <p:cNvSpPr>
+            <a:spLocks noGrp="1"/>
+          </p:cNvSpPr>
+          <p:nvPr>
+            <p:ph type="sldNum" sz="quarter" idx="10"/>
+          </p:nvPr>
+        </p:nvSpPr>
+        <p:spPr/>
+        <p:txBody>
+          <a:bodyPr/>
+          <a:lstStyle/>
+          <a:p>
+            <a:fld id="{147DBD60-72A2-4D24-AFED-423EBE31C632}" type="slidenum">
+              <a:rPr lang="en-AU" smtClean="0"/>
+              <a:t>11</a:t>
+            </a:fld>
+            <a:endParaRPr lang="en-AU"/>
+          </a:p>
+        </p:txBody>
+      </p:sp>
+    </p:spTree>
+    <p:extLst>
+      <p:ext uri="{BB962C8B-B14F-4D97-AF65-F5344CB8AC3E}">
+        <p14:creationId xmlns:p14="http://schemas.microsoft.com/office/powerpoint/2010/main" val="2240800479"/>
+      </p:ext>
+    </p:extLst>
+  </p:cSld>
+  <p:clrMapOvr>
+    <a:masterClrMapping/>
+  </p:clrMapOvr>
+</p:notes>
+</file>
+
+<file path=ppt/notesSlides/notesSlide11.xml><?xml version="1.0" encoding="utf-8"?>
+<p:notes xmlns:a="http://schemas.openxmlformats.org/drawingml/2006/main" xmlns:r="http://schemas.openxmlformats.org/officeDocument/2006/relationships" xmlns:p="http://schemas.openxmlformats.org/presentationml/2006/main">
+  <p:cSld>
+    <p:spTree>
+      <p:nvGrpSpPr>
+        <p:cNvPr id="1" name=""/>
+        <p:cNvGrpSpPr/>
+        <p:nvPr/>
+      </p:nvGrpSpPr>
+      <p:grpSpPr>
+        <a:xfrm>
+          <a:off x="0" y="0"/>
+          <a:ext cx="0" cy="0"/>
+          <a:chOff x="0" y="0"/>
+          <a:chExt cx="0" cy="0"/>
+        </a:xfrm>
+      </p:grpSpPr>
+      <p:sp>
+        <p:nvSpPr>
+          <p:cNvPr id="2" name="Slide Image Placeholder 1"/>
+          <p:cNvSpPr>
+            <a:spLocks noGrp="1" noRot="1" noChangeAspect="1"/>
+          </p:cNvSpPr>
+          <p:nvPr>
+            <p:ph type="sldImg"/>
+          </p:nvPr>
+        </p:nvSpPr>
+        <p:spPr/>
+      </p:sp>
+      <p:sp>
+        <p:nvSpPr>
+          <p:cNvPr id="3" name="Notes Placeholder 2"/>
+          <p:cNvSpPr>
+            <a:spLocks noGrp="1"/>
+          </p:cNvSpPr>
+          <p:nvPr>
+            <p:ph type="body" idx="1"/>
+          </p:nvPr>
+        </p:nvSpPr>
+        <p:spPr/>
+        <p:txBody>
+          <a:bodyPr/>
+          <a:lstStyle/>
+          <a:p>
+            <a:pPr marL="0" indent="0">
+              <a:buFont typeface="Arial" panose="020B0604020202020204" pitchFamily="34" charset="0"/>
+              <a:buNone/>
+            </a:pPr>
+            <a:r>
+              <a:rPr lang="en-AU" dirty="0" smtClean="0"/>
+              <a:t>*Soundex, </a:t>
+            </a:r>
+            <a:r>
+              <a:rPr lang="en-AU" dirty="0" err="1" smtClean="0"/>
+              <a:t>Metaphone</a:t>
+            </a:r>
+            <a:endParaRPr lang="en-AU" dirty="0" smtClean="0"/>
+          </a:p>
+          <a:p>
+            <a:pPr marL="0" indent="0">
+              <a:buFont typeface="Arial" panose="020B0604020202020204" pitchFamily="34" charset="0"/>
+              <a:buNone/>
+            </a:pPr>
+            <a:endParaRPr lang="en-AU" baseline="0" dirty="0" smtClean="0"/>
+          </a:p>
+          <a:p>
+            <a:pPr marL="0" indent="0">
+              <a:buFont typeface="Arial" panose="020B0604020202020204" pitchFamily="34" charset="0"/>
+              <a:buNone/>
+            </a:pPr>
+            <a:r>
+              <a:rPr lang="en-AU" baseline="0" dirty="0" smtClean="0"/>
+              <a:t>** Breadcrumbing</a:t>
+            </a:r>
+          </a:p>
+          <a:p>
+            <a:pPr marL="171450" indent="-171450">
+              <a:buFont typeface="Arial" panose="020B0604020202020204" pitchFamily="34" charset="0"/>
+              <a:buChar char="•"/>
+            </a:pPr>
+            <a:endParaRPr lang="en-AU" dirty="0" smtClean="0"/>
+          </a:p>
+          <a:p>
+            <a:pPr marL="0" marR="0" lvl="1" indent="0" algn="l" defTabSz="914400" rtl="0" eaLnBrk="1" fontAlgn="auto" latinLnBrk="0" hangingPunct="1">
+              <a:lnSpc>
+                <a:spcPct val="100000"/>
+              </a:lnSpc>
+              <a:spcBef>
+                <a:spcPts val="0"/>
+              </a:spcBef>
+              <a:spcAft>
+                <a:spcPts val="0"/>
+              </a:spcAft>
+              <a:buClrTx/>
+              <a:buSzTx/>
+              <a:buFont typeface="Arial" panose="020B0604020202020204" pitchFamily="34" charset="0"/>
+              <a:buNone/>
+              <a:tabLst/>
+              <a:defRPr/>
+            </a:pPr>
+            <a:r>
+              <a:rPr lang="en-AU" dirty="0" smtClean="0"/>
+              <a:t>Morphology: NEAR, ISABOUT, CONTAINS, LIKE, FORMOF, CLOSE TO</a:t>
+            </a:r>
+          </a:p>
+          <a:p>
+            <a:pPr marL="171450" indent="-171450">
+              <a:buFont typeface="Arial" panose="020B0604020202020204" pitchFamily="34" charset="0"/>
+              <a:buChar char="•"/>
+            </a:pPr>
+            <a:endParaRPr lang="en-AU" dirty="0"/>
+          </a:p>
+        </p:txBody>
+      </p:sp>
+      <p:sp>
+        <p:nvSpPr>
+          <p:cNvPr id="4" name="Slide Number Placeholder 3"/>
+          <p:cNvSpPr>
+            <a:spLocks noGrp="1"/>
+          </p:cNvSpPr>
+          <p:nvPr>
+            <p:ph type="sldNum" sz="quarter" idx="10"/>
+          </p:nvPr>
+        </p:nvSpPr>
+        <p:spPr/>
+        <p:txBody>
+          <a:bodyPr/>
+          <a:lstStyle/>
+          <a:p>
+            <a:fld id="{147DBD60-72A2-4D24-AFED-423EBE31C632}" type="slidenum">
+              <a:rPr lang="en-AU" smtClean="0"/>
+              <a:t>12</a:t>
+            </a:fld>
+            <a:endParaRPr lang="en-AU"/>
+          </a:p>
+        </p:txBody>
+      </p:sp>
+    </p:spTree>
+    <p:extLst>
+      <p:ext uri="{BB962C8B-B14F-4D97-AF65-F5344CB8AC3E}">
+        <p14:creationId xmlns:p14="http://schemas.microsoft.com/office/powerpoint/2010/main" val="2124449275"/>
+      </p:ext>
+    </p:extLst>
+  </p:cSld>
+  <p:clrMapOvr>
+    <a:masterClrMapping/>
+  </p:clrMapOvr>
+</p:notes>
+</file>
+
+<file path=ppt/notesSlides/notesSlide12.xml><?xml version="1.0" encoding="utf-8"?>
+<p:notes xmlns:a="http://schemas.openxmlformats.org/drawingml/2006/main" xmlns:r="http://schemas.openxmlformats.org/officeDocument/2006/relationships" xmlns:p="http://schemas.openxmlformats.org/presentationml/2006/main">
+  <p:cSld>
+    <p:spTree>
+      <p:nvGrpSpPr>
+        <p:cNvPr id="1" name=""/>
+        <p:cNvGrpSpPr/>
+        <p:nvPr/>
+      </p:nvGrpSpPr>
+      <p:grpSpPr>
+        <a:xfrm>
+          <a:off x="0" y="0"/>
+          <a:ext cx="0" cy="0"/>
+          <a:chOff x="0" y="0"/>
+          <a:chExt cx="0" cy="0"/>
+        </a:xfrm>
+      </p:grpSpPr>
+      <p:sp>
+        <p:nvSpPr>
+          <p:cNvPr id="2" name="Slide Image Placeholder 1"/>
+          <p:cNvSpPr>
+            <a:spLocks noGrp="1" noRot="1" noChangeAspect="1"/>
+          </p:cNvSpPr>
+          <p:nvPr>
+            <p:ph type="sldImg"/>
+          </p:nvPr>
+        </p:nvSpPr>
+        <p:spPr/>
+      </p:sp>
+      <p:sp>
+        <p:nvSpPr>
+          <p:cNvPr id="3" name="Notes Placeholder 2"/>
+          <p:cNvSpPr>
+            <a:spLocks noGrp="1"/>
+          </p:cNvSpPr>
+          <p:nvPr>
+            <p:ph type="body" idx="1"/>
+          </p:nvPr>
+        </p:nvSpPr>
+        <p:spPr/>
+        <p:txBody>
+          <a:bodyPr/>
+          <a:lstStyle/>
+          <a:p>
+            <a:r>
+              <a:rPr lang="en-AU" dirty="0" smtClean="0"/>
+              <a:t>Some</a:t>
+            </a:r>
+            <a:r>
+              <a:rPr lang="en-AU" baseline="0" dirty="0" smtClean="0"/>
+              <a:t> commands depend on other. Some of them could be used on different levels</a:t>
+            </a:r>
+          </a:p>
+          <a:p>
+            <a:r>
+              <a:rPr lang="en-AU" baseline="0" dirty="0" err="1" smtClean="0"/>
+              <a:t>Intellisense</a:t>
+            </a:r>
+            <a:r>
+              <a:rPr lang="en-AU" baseline="0" dirty="0" smtClean="0"/>
+              <a:t> is provided in Sense and </a:t>
+            </a:r>
+            <a:r>
+              <a:rPr lang="en-AU" baseline="0" dirty="0" err="1" smtClean="0"/>
+              <a:t>Kibana</a:t>
+            </a:r>
+            <a:endParaRPr lang="en-AU" dirty="0"/>
+          </a:p>
+        </p:txBody>
+      </p:sp>
+      <p:sp>
+        <p:nvSpPr>
+          <p:cNvPr id="4" name="Slide Number Placeholder 3"/>
+          <p:cNvSpPr>
+            <a:spLocks noGrp="1"/>
+          </p:cNvSpPr>
+          <p:nvPr>
+            <p:ph type="sldNum" sz="quarter" idx="10"/>
+          </p:nvPr>
+        </p:nvSpPr>
+        <p:spPr/>
+        <p:txBody>
+          <a:bodyPr/>
+          <a:lstStyle/>
+          <a:p>
+            <a:fld id="{147DBD60-72A2-4D24-AFED-423EBE31C632}" type="slidenum">
+              <a:rPr lang="en-AU" smtClean="0"/>
+              <a:t>13</a:t>
+            </a:fld>
+            <a:endParaRPr lang="en-AU"/>
+          </a:p>
+        </p:txBody>
+      </p:sp>
+    </p:spTree>
+    <p:extLst>
+      <p:ext uri="{BB962C8B-B14F-4D97-AF65-F5344CB8AC3E}">
+        <p14:creationId xmlns:p14="http://schemas.microsoft.com/office/powerpoint/2010/main" val="4098744912"/>
+      </p:ext>
+    </p:extLst>
+  </p:cSld>
+  <p:clrMapOvr>
+    <a:masterClrMapping/>
+  </p:clrMapOvr>
+</p:notes>
+</file>
+
+<file path=ppt/notesSlides/notesSlide13.xml><?xml version="1.0" encoding="utf-8"?>
+<p:notes xmlns:a="http://schemas.openxmlformats.org/drawingml/2006/main" xmlns:r="http://schemas.openxmlformats.org/officeDocument/2006/relationships" xmlns:p="http://schemas.openxmlformats.org/presentationml/2006/main">
+  <p:cSld>
+    <p:spTree>
+      <p:nvGrpSpPr>
+        <p:cNvPr id="1" name=""/>
+        <p:cNvGrpSpPr/>
+        <p:nvPr/>
+      </p:nvGrpSpPr>
+      <p:grpSpPr>
+        <a:xfrm>
+          <a:off x="0" y="0"/>
+          <a:ext cx="0" cy="0"/>
+          <a:chOff x="0" y="0"/>
+          <a:chExt cx="0" cy="0"/>
+        </a:xfrm>
+      </p:grpSpPr>
+      <p:sp>
+        <p:nvSpPr>
+          <p:cNvPr id="2" name="Slide Image Placeholder 1"/>
+          <p:cNvSpPr>
+            <a:spLocks noGrp="1" noRot="1" noChangeAspect="1"/>
+          </p:cNvSpPr>
+          <p:nvPr>
+            <p:ph type="sldImg"/>
+          </p:nvPr>
+        </p:nvSpPr>
+        <p:spPr/>
+      </p:sp>
+      <p:sp>
+        <p:nvSpPr>
+          <p:cNvPr id="3" name="Notes Placeholder 2"/>
+          <p:cNvSpPr>
+            <a:spLocks noGrp="1"/>
+          </p:cNvSpPr>
+          <p:nvPr>
+            <p:ph type="body" idx="1"/>
+          </p:nvPr>
+        </p:nvSpPr>
+        <p:spPr/>
+        <p:txBody>
+          <a:bodyPr/>
+          <a:lstStyle/>
+          <a:p>
+            <a:pPr marL="171450" indent="-171450">
+              <a:buFont typeface="Arial" panose="020B0604020202020204" pitchFamily="34" charset="0"/>
+              <a:buChar char="•"/>
+            </a:pPr>
+            <a:r>
+              <a:rPr lang="en-AU" dirty="0" smtClean="0"/>
+              <a:t>SQL FTA support up to 170</a:t>
+            </a:r>
+            <a:r>
+              <a:rPr lang="en-AU" baseline="0" dirty="0" smtClean="0"/>
+              <a:t> extensions</a:t>
+            </a:r>
+          </a:p>
+          <a:p>
+            <a:pPr marL="171450" indent="-171450">
+              <a:buFont typeface="Arial" panose="020B0604020202020204" pitchFamily="34" charset="0"/>
+              <a:buChar char="•"/>
+            </a:pPr>
+            <a:r>
+              <a:rPr lang="en-AU" baseline="0" dirty="0" smtClean="0"/>
+              <a:t>https://www.elastic.co/guide/en/elasticsearch/reference/current/mapping.html</a:t>
+            </a:r>
+          </a:p>
+          <a:p>
+            <a:r>
+              <a:rPr lang="en-AU" sz="1200" kern="1200" dirty="0" smtClean="0">
+                <a:solidFill>
+                  <a:schemeClr val="tx1"/>
+                </a:solidFill>
+                <a:latin typeface="+mn-lt"/>
+                <a:ea typeface="+mn-ea"/>
+                <a:cs typeface="+mn-cs"/>
+              </a:rPr>
+              <a:t> &amp;$put "adworks_v1/_mapping/</a:t>
+            </a:r>
+            <a:r>
+              <a:rPr lang="en-AU" sz="1200" kern="1200" dirty="0" err="1" smtClean="0">
+                <a:solidFill>
+                  <a:schemeClr val="tx1"/>
+                </a:solidFill>
+                <a:latin typeface="+mn-lt"/>
+                <a:ea typeface="+mn-ea"/>
+                <a:cs typeface="+mn-cs"/>
+              </a:rPr>
+              <a:t>employee?update_all_types</a:t>
+            </a:r>
+            <a:r>
+              <a:rPr lang="en-AU" sz="1200" kern="1200" dirty="0" smtClean="0">
+                <a:solidFill>
+                  <a:schemeClr val="tx1"/>
+                </a:solidFill>
+                <a:latin typeface="+mn-lt"/>
+                <a:ea typeface="+mn-ea"/>
+                <a:cs typeface="+mn-cs"/>
+              </a:rPr>
+              <a:t>" '{"properties":{"</a:t>
+            </a:r>
+            <a:r>
+              <a:rPr lang="en-AU" sz="1200" kern="1200" dirty="0" err="1" smtClean="0">
+                <a:solidFill>
+                  <a:schemeClr val="tx1"/>
+                </a:solidFill>
+                <a:latin typeface="+mn-lt"/>
+                <a:ea typeface="+mn-ea"/>
+                <a:cs typeface="+mn-cs"/>
+              </a:rPr>
+              <a:t>BusinessEntityID</a:t>
+            </a:r>
+            <a:r>
+              <a:rPr lang="en-AU" sz="1200" kern="1200" dirty="0" smtClean="0">
+                <a:solidFill>
+                  <a:schemeClr val="tx1"/>
+                </a:solidFill>
+                <a:latin typeface="+mn-lt"/>
+                <a:ea typeface="+mn-ea"/>
+                <a:cs typeface="+mn-cs"/>
+              </a:rPr>
+              <a:t>":{"</a:t>
+            </a:r>
+            <a:r>
+              <a:rPr lang="en-AU" sz="1200" kern="1200" dirty="0" err="1" smtClean="0">
+                <a:solidFill>
+                  <a:schemeClr val="tx1"/>
+                </a:solidFill>
+                <a:latin typeface="+mn-lt"/>
+                <a:ea typeface="+mn-ea"/>
+                <a:cs typeface="+mn-cs"/>
+              </a:rPr>
+              <a:t>type":"integer</a:t>
+            </a:r>
+            <a:r>
+              <a:rPr lang="en-AU" sz="1200" kern="1200" dirty="0" smtClean="0">
+                <a:solidFill>
+                  <a:schemeClr val="tx1"/>
+                </a:solidFill>
+                <a:latin typeface="+mn-lt"/>
+                <a:ea typeface="+mn-ea"/>
+                <a:cs typeface="+mn-cs"/>
+              </a:rPr>
+              <a:t>"},"</a:t>
+            </a:r>
+            <a:r>
+              <a:rPr lang="en-AU" sz="1200" kern="1200" dirty="0" err="1" smtClean="0">
+                <a:solidFill>
+                  <a:schemeClr val="tx1"/>
+                </a:solidFill>
+                <a:latin typeface="+mn-lt"/>
+                <a:ea typeface="+mn-ea"/>
+                <a:cs typeface="+mn-cs"/>
+              </a:rPr>
+              <a:t>NationalIDNumber</a:t>
+            </a:r>
+            <a:r>
+              <a:rPr lang="en-AU" sz="1200" kern="1200" dirty="0" smtClean="0">
+                <a:solidFill>
+                  <a:schemeClr val="tx1"/>
+                </a:solidFill>
+                <a:latin typeface="+mn-lt"/>
+                <a:ea typeface="+mn-ea"/>
+                <a:cs typeface="+mn-cs"/>
+              </a:rPr>
+              <a:t>":{"</a:t>
+            </a:r>
+            <a:r>
+              <a:rPr lang="en-AU" sz="1200" kern="1200" dirty="0" err="1" smtClean="0">
+                <a:solidFill>
+                  <a:schemeClr val="tx1"/>
+                </a:solidFill>
+                <a:latin typeface="+mn-lt"/>
+                <a:ea typeface="+mn-ea"/>
+                <a:cs typeface="+mn-cs"/>
+              </a:rPr>
+              <a:t>type":"text</a:t>
+            </a:r>
+            <a:r>
+              <a:rPr lang="en-AU" sz="1200" kern="1200" dirty="0" smtClean="0">
+                <a:solidFill>
+                  <a:schemeClr val="tx1"/>
+                </a:solidFill>
+                <a:latin typeface="+mn-lt"/>
+                <a:ea typeface="+mn-ea"/>
+                <a:cs typeface="+mn-cs"/>
+              </a:rPr>
+              <a:t>"},"</a:t>
+            </a:r>
+            <a:r>
+              <a:rPr lang="en-AU" sz="1200" kern="1200" dirty="0" err="1" smtClean="0">
+                <a:solidFill>
+                  <a:schemeClr val="tx1"/>
+                </a:solidFill>
+                <a:latin typeface="+mn-lt"/>
+                <a:ea typeface="+mn-ea"/>
+                <a:cs typeface="+mn-cs"/>
+              </a:rPr>
+              <a:t>LoginID</a:t>
+            </a:r>
+            <a:r>
+              <a:rPr lang="en-AU" sz="1200" kern="1200" dirty="0" smtClean="0">
+                <a:solidFill>
+                  <a:schemeClr val="tx1"/>
+                </a:solidFill>
+                <a:latin typeface="+mn-lt"/>
+                <a:ea typeface="+mn-ea"/>
+                <a:cs typeface="+mn-cs"/>
+              </a:rPr>
+              <a:t>":{"</a:t>
+            </a:r>
+            <a:r>
+              <a:rPr lang="en-AU" sz="1200" kern="1200" dirty="0" err="1" smtClean="0">
+                <a:solidFill>
+                  <a:schemeClr val="tx1"/>
+                </a:solidFill>
+                <a:latin typeface="+mn-lt"/>
+                <a:ea typeface="+mn-ea"/>
+                <a:cs typeface="+mn-cs"/>
+              </a:rPr>
+              <a:t>type":"text</a:t>
+            </a:r>
+            <a:r>
+              <a:rPr lang="en-AU" sz="1200" kern="1200" dirty="0" smtClean="0">
+                <a:solidFill>
+                  <a:schemeClr val="tx1"/>
+                </a:solidFill>
+                <a:latin typeface="+mn-lt"/>
+                <a:ea typeface="+mn-ea"/>
+                <a:cs typeface="+mn-cs"/>
+              </a:rPr>
+              <a:t>"},"</a:t>
+            </a:r>
+            <a:r>
+              <a:rPr lang="en-AU" sz="1200" kern="1200" dirty="0" err="1" smtClean="0">
+                <a:solidFill>
+                  <a:schemeClr val="tx1"/>
+                </a:solidFill>
+                <a:latin typeface="+mn-lt"/>
+                <a:ea typeface="+mn-ea"/>
+                <a:cs typeface="+mn-cs"/>
+              </a:rPr>
+              <a:t>OrganizationNode</a:t>
+            </a:r>
+            <a:r>
+              <a:rPr lang="en-AU" sz="1200" kern="1200" dirty="0" smtClean="0">
+                <a:solidFill>
+                  <a:schemeClr val="tx1"/>
+                </a:solidFill>
+                <a:latin typeface="+mn-lt"/>
+                <a:ea typeface="+mn-ea"/>
+                <a:cs typeface="+mn-cs"/>
+              </a:rPr>
+              <a:t>":{"fields":{"tree":{"type":"string","</a:t>
+            </a:r>
+            <a:r>
+              <a:rPr lang="en-AU" sz="1200" kern="1200" dirty="0" err="1" smtClean="0">
+                <a:solidFill>
+                  <a:schemeClr val="tx1"/>
+                </a:solidFill>
+                <a:latin typeface="+mn-lt"/>
+                <a:ea typeface="+mn-ea"/>
+                <a:cs typeface="+mn-cs"/>
+              </a:rPr>
+              <a:t>analyzer</a:t>
+            </a:r>
+            <a:r>
+              <a:rPr lang="en-AU" sz="1200" kern="1200" dirty="0" smtClean="0">
+                <a:solidFill>
+                  <a:schemeClr val="tx1"/>
+                </a:solidFill>
+                <a:latin typeface="+mn-lt"/>
+                <a:ea typeface="+mn-ea"/>
+                <a:cs typeface="+mn-cs"/>
+              </a:rPr>
+              <a:t>":"</a:t>
+            </a:r>
+            <a:r>
+              <a:rPr lang="en-AU" sz="1200" kern="1200" dirty="0" err="1" smtClean="0">
+                <a:solidFill>
+                  <a:schemeClr val="tx1"/>
+                </a:solidFill>
+                <a:latin typeface="+mn-lt"/>
+                <a:ea typeface="+mn-ea"/>
+                <a:cs typeface="+mn-cs"/>
+              </a:rPr>
+              <a:t>hierarchy_analyzer</a:t>
+            </a:r>
+            <a:r>
+              <a:rPr lang="en-AU" sz="1200" kern="1200" dirty="0" smtClean="0">
+                <a:solidFill>
+                  <a:schemeClr val="tx1"/>
+                </a:solidFill>
+                <a:latin typeface="+mn-lt"/>
+                <a:ea typeface="+mn-ea"/>
+                <a:cs typeface="+mn-cs"/>
+              </a:rPr>
+              <a:t>"}},"type":"string","index":"</a:t>
+            </a:r>
+            <a:r>
+              <a:rPr lang="en-AU" sz="1200" kern="1200" dirty="0" err="1" smtClean="0">
+                <a:solidFill>
+                  <a:schemeClr val="tx1"/>
+                </a:solidFill>
+                <a:latin typeface="+mn-lt"/>
+                <a:ea typeface="+mn-ea"/>
+                <a:cs typeface="+mn-cs"/>
+              </a:rPr>
+              <a:t>not_analyzed</a:t>
+            </a:r>
+            <a:r>
+              <a:rPr lang="en-AU" sz="1200" kern="1200" dirty="0" smtClean="0">
+                <a:solidFill>
+                  <a:schemeClr val="tx1"/>
+                </a:solidFill>
+                <a:latin typeface="+mn-lt"/>
+                <a:ea typeface="+mn-ea"/>
+                <a:cs typeface="+mn-cs"/>
+              </a:rPr>
+              <a:t>"},"</a:t>
+            </a:r>
+            <a:r>
+              <a:rPr lang="en-AU" sz="1200" kern="1200" dirty="0" err="1" smtClean="0">
+                <a:solidFill>
+                  <a:schemeClr val="tx1"/>
+                </a:solidFill>
+                <a:latin typeface="+mn-lt"/>
+                <a:ea typeface="+mn-ea"/>
+                <a:cs typeface="+mn-cs"/>
+              </a:rPr>
+              <a:t>OrganizationLevel</a:t>
+            </a:r>
+            <a:r>
+              <a:rPr lang="en-AU" sz="1200" kern="1200" dirty="0" smtClean="0">
+                <a:solidFill>
+                  <a:schemeClr val="tx1"/>
+                </a:solidFill>
+                <a:latin typeface="+mn-lt"/>
+                <a:ea typeface="+mn-ea"/>
+                <a:cs typeface="+mn-cs"/>
+              </a:rPr>
+              <a:t>":{"</a:t>
+            </a:r>
+            <a:r>
+              <a:rPr lang="en-AU" sz="1200" kern="1200" dirty="0" err="1" smtClean="0">
+                <a:solidFill>
+                  <a:schemeClr val="tx1"/>
+                </a:solidFill>
+                <a:latin typeface="+mn-lt"/>
+                <a:ea typeface="+mn-ea"/>
+                <a:cs typeface="+mn-cs"/>
+              </a:rPr>
+              <a:t>type":"short</a:t>
+            </a:r>
+            <a:r>
+              <a:rPr lang="en-AU" sz="1200" kern="1200" dirty="0" smtClean="0">
+                <a:solidFill>
+                  <a:schemeClr val="tx1"/>
+                </a:solidFill>
+                <a:latin typeface="+mn-lt"/>
+                <a:ea typeface="+mn-ea"/>
+                <a:cs typeface="+mn-cs"/>
+              </a:rPr>
+              <a:t>"},"</a:t>
+            </a:r>
+            <a:r>
+              <a:rPr lang="en-AU" sz="1200" kern="1200" dirty="0" err="1" smtClean="0">
+                <a:solidFill>
+                  <a:schemeClr val="tx1"/>
+                </a:solidFill>
+                <a:latin typeface="+mn-lt"/>
+                <a:ea typeface="+mn-ea"/>
+                <a:cs typeface="+mn-cs"/>
+              </a:rPr>
+              <a:t>JobTitle</a:t>
+            </a:r>
+            <a:r>
+              <a:rPr lang="en-AU" sz="1200" kern="1200" dirty="0" smtClean="0">
+                <a:solidFill>
+                  <a:schemeClr val="tx1"/>
+                </a:solidFill>
+                <a:latin typeface="+mn-lt"/>
+                <a:ea typeface="+mn-ea"/>
+                <a:cs typeface="+mn-cs"/>
+              </a:rPr>
+              <a:t>":{"</a:t>
+            </a:r>
+            <a:r>
+              <a:rPr lang="en-AU" sz="1200" kern="1200" dirty="0" err="1" smtClean="0">
+                <a:solidFill>
+                  <a:schemeClr val="tx1"/>
+                </a:solidFill>
+                <a:latin typeface="+mn-lt"/>
+                <a:ea typeface="+mn-ea"/>
+                <a:cs typeface="+mn-cs"/>
+              </a:rPr>
+              <a:t>type":"text</a:t>
+            </a:r>
+            <a:r>
+              <a:rPr lang="en-AU" sz="1200" kern="1200" dirty="0" smtClean="0">
+                <a:solidFill>
+                  <a:schemeClr val="tx1"/>
+                </a:solidFill>
+                <a:latin typeface="+mn-lt"/>
+                <a:ea typeface="+mn-ea"/>
+                <a:cs typeface="+mn-cs"/>
+              </a:rPr>
+              <a:t>"},"</a:t>
+            </a:r>
+            <a:r>
+              <a:rPr lang="en-AU" sz="1200" kern="1200" dirty="0" err="1" smtClean="0">
+                <a:solidFill>
+                  <a:schemeClr val="tx1"/>
+                </a:solidFill>
+                <a:latin typeface="+mn-lt"/>
+                <a:ea typeface="+mn-ea"/>
+                <a:cs typeface="+mn-cs"/>
+              </a:rPr>
+              <a:t>BirthDate</a:t>
+            </a:r>
+            <a:r>
+              <a:rPr lang="en-AU" sz="1200" kern="1200" dirty="0" smtClean="0">
+                <a:solidFill>
+                  <a:schemeClr val="tx1"/>
+                </a:solidFill>
+                <a:latin typeface="+mn-lt"/>
+                <a:ea typeface="+mn-ea"/>
+                <a:cs typeface="+mn-cs"/>
+              </a:rPr>
+              <a:t>":{"</a:t>
+            </a:r>
+            <a:r>
+              <a:rPr lang="en-AU" sz="1200" kern="1200" dirty="0" err="1" smtClean="0">
+                <a:solidFill>
+                  <a:schemeClr val="tx1"/>
+                </a:solidFill>
+                <a:latin typeface="+mn-lt"/>
+                <a:ea typeface="+mn-ea"/>
+                <a:cs typeface="+mn-cs"/>
+              </a:rPr>
+              <a:t>type":"date","format":"YYYY-MM-DD</a:t>
+            </a:r>
+            <a:r>
+              <a:rPr lang="en-AU" sz="1200" kern="1200" dirty="0" smtClean="0">
+                <a:solidFill>
+                  <a:schemeClr val="tx1"/>
+                </a:solidFill>
+                <a:latin typeface="+mn-lt"/>
+                <a:ea typeface="+mn-ea"/>
+                <a:cs typeface="+mn-cs"/>
+              </a:rPr>
+              <a:t>"},"</a:t>
+            </a:r>
+            <a:r>
+              <a:rPr lang="en-AU" sz="1200" kern="1200" dirty="0" err="1" smtClean="0">
+                <a:solidFill>
+                  <a:schemeClr val="tx1"/>
+                </a:solidFill>
+                <a:latin typeface="+mn-lt"/>
+                <a:ea typeface="+mn-ea"/>
+                <a:cs typeface="+mn-cs"/>
+              </a:rPr>
+              <a:t>MaritalStatus</a:t>
+            </a:r>
+            <a:r>
+              <a:rPr lang="en-AU" sz="1200" kern="1200" dirty="0" smtClean="0">
+                <a:solidFill>
+                  <a:schemeClr val="tx1"/>
+                </a:solidFill>
+                <a:latin typeface="+mn-lt"/>
+                <a:ea typeface="+mn-ea"/>
+                <a:cs typeface="+mn-cs"/>
+              </a:rPr>
+              <a:t>":{"</a:t>
+            </a:r>
+            <a:r>
+              <a:rPr lang="en-AU" sz="1200" kern="1200" dirty="0" err="1" smtClean="0">
+                <a:solidFill>
+                  <a:schemeClr val="tx1"/>
+                </a:solidFill>
+                <a:latin typeface="+mn-lt"/>
+                <a:ea typeface="+mn-ea"/>
+                <a:cs typeface="+mn-cs"/>
+              </a:rPr>
+              <a:t>type":"text</a:t>
+            </a:r>
+            <a:r>
+              <a:rPr lang="en-AU" sz="1200" kern="1200" dirty="0" smtClean="0">
+                <a:solidFill>
+                  <a:schemeClr val="tx1"/>
+                </a:solidFill>
+                <a:latin typeface="+mn-lt"/>
+                <a:ea typeface="+mn-ea"/>
+                <a:cs typeface="+mn-cs"/>
+              </a:rPr>
+              <a:t>"},"Gender":{"</a:t>
+            </a:r>
+            <a:r>
+              <a:rPr lang="en-AU" sz="1200" kern="1200" dirty="0" err="1" smtClean="0">
+                <a:solidFill>
+                  <a:schemeClr val="tx1"/>
+                </a:solidFill>
+                <a:latin typeface="+mn-lt"/>
+                <a:ea typeface="+mn-ea"/>
+                <a:cs typeface="+mn-cs"/>
+              </a:rPr>
+              <a:t>type":"text</a:t>
+            </a:r>
+            <a:r>
+              <a:rPr lang="en-AU" sz="1200" kern="1200" dirty="0" smtClean="0">
+                <a:solidFill>
+                  <a:schemeClr val="tx1"/>
+                </a:solidFill>
+                <a:latin typeface="+mn-lt"/>
+                <a:ea typeface="+mn-ea"/>
+                <a:cs typeface="+mn-cs"/>
+              </a:rPr>
+              <a:t>"},"</a:t>
+            </a:r>
+            <a:r>
+              <a:rPr lang="en-AU" sz="1200" kern="1200" dirty="0" err="1" smtClean="0">
+                <a:solidFill>
+                  <a:schemeClr val="tx1"/>
+                </a:solidFill>
+                <a:latin typeface="+mn-lt"/>
+                <a:ea typeface="+mn-ea"/>
+                <a:cs typeface="+mn-cs"/>
+              </a:rPr>
+              <a:t>HireDate</a:t>
+            </a:r>
+            <a:r>
+              <a:rPr lang="en-AU" sz="1200" kern="1200" dirty="0" smtClean="0">
+                <a:solidFill>
+                  <a:schemeClr val="tx1"/>
+                </a:solidFill>
+                <a:latin typeface="+mn-lt"/>
+                <a:ea typeface="+mn-ea"/>
+                <a:cs typeface="+mn-cs"/>
+              </a:rPr>
+              <a:t>":{"type":"date","format":“</a:t>
+            </a:r>
+            <a:r>
+              <a:rPr lang="en-AU" sz="1200" kern="1200" dirty="0" err="1" smtClean="0">
+                <a:solidFill>
+                  <a:schemeClr val="tx1"/>
+                </a:solidFill>
+                <a:latin typeface="+mn-lt"/>
+                <a:ea typeface="+mn-ea"/>
+                <a:cs typeface="+mn-cs"/>
+              </a:rPr>
+              <a:t>yyyy</a:t>
+            </a:r>
+            <a:r>
+              <a:rPr lang="en-AU" sz="1200" kern="1200" dirty="0" smtClean="0">
+                <a:solidFill>
+                  <a:schemeClr val="tx1"/>
+                </a:solidFill>
+                <a:latin typeface="+mn-lt"/>
+                <a:ea typeface="+mn-ea"/>
+                <a:cs typeface="+mn-cs"/>
+              </a:rPr>
+              <a:t>-MM-DD"},"</a:t>
+            </a:r>
+            <a:r>
+              <a:rPr lang="en-AU" sz="1200" kern="1200" dirty="0" err="1" smtClean="0">
+                <a:solidFill>
+                  <a:schemeClr val="tx1"/>
+                </a:solidFill>
+                <a:latin typeface="+mn-lt"/>
+                <a:ea typeface="+mn-ea"/>
+                <a:cs typeface="+mn-cs"/>
+              </a:rPr>
+              <a:t>SalariedFlag</a:t>
+            </a:r>
+            <a:r>
+              <a:rPr lang="en-AU" sz="1200" kern="1200" dirty="0" smtClean="0">
+                <a:solidFill>
+                  <a:schemeClr val="tx1"/>
+                </a:solidFill>
+                <a:latin typeface="+mn-lt"/>
+                <a:ea typeface="+mn-ea"/>
+                <a:cs typeface="+mn-cs"/>
+              </a:rPr>
+              <a:t>":{"</a:t>
+            </a:r>
+            <a:r>
+              <a:rPr lang="en-AU" sz="1200" kern="1200" dirty="0" err="1" smtClean="0">
+                <a:solidFill>
+                  <a:schemeClr val="tx1"/>
+                </a:solidFill>
+                <a:latin typeface="+mn-lt"/>
+                <a:ea typeface="+mn-ea"/>
+                <a:cs typeface="+mn-cs"/>
+              </a:rPr>
+              <a:t>type":"text</a:t>
+            </a:r>
+            <a:r>
+              <a:rPr lang="en-AU" sz="1200" kern="1200" dirty="0" smtClean="0">
+                <a:solidFill>
+                  <a:schemeClr val="tx1"/>
+                </a:solidFill>
+                <a:latin typeface="+mn-lt"/>
+                <a:ea typeface="+mn-ea"/>
+                <a:cs typeface="+mn-cs"/>
+              </a:rPr>
+              <a:t>"},"</a:t>
+            </a:r>
+            <a:r>
+              <a:rPr lang="en-AU" sz="1200" kern="1200" dirty="0" err="1" smtClean="0">
+                <a:solidFill>
+                  <a:schemeClr val="tx1"/>
+                </a:solidFill>
+                <a:latin typeface="+mn-lt"/>
+                <a:ea typeface="+mn-ea"/>
+                <a:cs typeface="+mn-cs"/>
+              </a:rPr>
+              <a:t>VacationHours</a:t>
+            </a:r>
+            <a:r>
+              <a:rPr lang="en-AU" sz="1200" kern="1200" dirty="0" smtClean="0">
+                <a:solidFill>
+                  <a:schemeClr val="tx1"/>
+                </a:solidFill>
+                <a:latin typeface="+mn-lt"/>
+                <a:ea typeface="+mn-ea"/>
+                <a:cs typeface="+mn-cs"/>
+              </a:rPr>
+              <a:t>":{"</a:t>
+            </a:r>
+            <a:r>
+              <a:rPr lang="en-AU" sz="1200" kern="1200" dirty="0" err="1" smtClean="0">
+                <a:solidFill>
+                  <a:schemeClr val="tx1"/>
+                </a:solidFill>
+                <a:latin typeface="+mn-lt"/>
+                <a:ea typeface="+mn-ea"/>
+                <a:cs typeface="+mn-cs"/>
+              </a:rPr>
+              <a:t>type":"short</a:t>
+            </a:r>
+            <a:r>
+              <a:rPr lang="en-AU" sz="1200" kern="1200" dirty="0" smtClean="0">
+                <a:solidFill>
+                  <a:schemeClr val="tx1"/>
+                </a:solidFill>
+                <a:latin typeface="+mn-lt"/>
+                <a:ea typeface="+mn-ea"/>
+                <a:cs typeface="+mn-cs"/>
+              </a:rPr>
+              <a:t>"},"</a:t>
+            </a:r>
+            <a:r>
+              <a:rPr lang="en-AU" sz="1200" kern="1200" dirty="0" err="1" smtClean="0">
+                <a:solidFill>
+                  <a:schemeClr val="tx1"/>
+                </a:solidFill>
+                <a:latin typeface="+mn-lt"/>
+                <a:ea typeface="+mn-ea"/>
+                <a:cs typeface="+mn-cs"/>
+              </a:rPr>
+              <a:t>SickLeaveHours</a:t>
+            </a:r>
+            <a:r>
+              <a:rPr lang="en-AU" sz="1200" kern="1200" dirty="0" smtClean="0">
+                <a:solidFill>
+                  <a:schemeClr val="tx1"/>
+                </a:solidFill>
+                <a:latin typeface="+mn-lt"/>
+                <a:ea typeface="+mn-ea"/>
+                <a:cs typeface="+mn-cs"/>
+              </a:rPr>
+              <a:t>":{"</a:t>
+            </a:r>
+            <a:r>
+              <a:rPr lang="en-AU" sz="1200" kern="1200" dirty="0" err="1" smtClean="0">
+                <a:solidFill>
+                  <a:schemeClr val="tx1"/>
+                </a:solidFill>
+                <a:latin typeface="+mn-lt"/>
+                <a:ea typeface="+mn-ea"/>
+                <a:cs typeface="+mn-cs"/>
+              </a:rPr>
+              <a:t>type":"short</a:t>
+            </a:r>
+            <a:r>
+              <a:rPr lang="en-AU" sz="1200" kern="1200" dirty="0" smtClean="0">
+                <a:solidFill>
+                  <a:schemeClr val="tx1"/>
+                </a:solidFill>
+                <a:latin typeface="+mn-lt"/>
+                <a:ea typeface="+mn-ea"/>
+                <a:cs typeface="+mn-cs"/>
+              </a:rPr>
+              <a:t>"},"</a:t>
+            </a:r>
+            <a:r>
+              <a:rPr lang="en-AU" sz="1200" kern="1200" dirty="0" err="1" smtClean="0">
+                <a:solidFill>
+                  <a:schemeClr val="tx1"/>
+                </a:solidFill>
+                <a:latin typeface="+mn-lt"/>
+                <a:ea typeface="+mn-ea"/>
+                <a:cs typeface="+mn-cs"/>
+              </a:rPr>
+              <a:t>CurrentFlag</a:t>
+            </a:r>
+            <a:r>
+              <a:rPr lang="en-AU" sz="1200" kern="1200" dirty="0" smtClean="0">
+                <a:solidFill>
+                  <a:schemeClr val="tx1"/>
+                </a:solidFill>
+                <a:latin typeface="+mn-lt"/>
+                <a:ea typeface="+mn-ea"/>
+                <a:cs typeface="+mn-cs"/>
+              </a:rPr>
+              <a:t>":{"</a:t>
+            </a:r>
+            <a:r>
+              <a:rPr lang="en-AU" sz="1200" kern="1200" dirty="0" err="1" smtClean="0">
+                <a:solidFill>
+                  <a:schemeClr val="tx1"/>
+                </a:solidFill>
+                <a:latin typeface="+mn-lt"/>
+                <a:ea typeface="+mn-ea"/>
+                <a:cs typeface="+mn-cs"/>
+              </a:rPr>
+              <a:t>type":"text</a:t>
+            </a:r>
+            <a:r>
+              <a:rPr lang="en-AU" sz="1200" kern="1200" dirty="0" smtClean="0">
+                <a:solidFill>
+                  <a:schemeClr val="tx1"/>
+                </a:solidFill>
+                <a:latin typeface="+mn-lt"/>
+                <a:ea typeface="+mn-ea"/>
+                <a:cs typeface="+mn-cs"/>
+              </a:rPr>
+              <a:t>"},"</a:t>
+            </a:r>
+            <a:r>
+              <a:rPr lang="en-AU" sz="1200" kern="1200" dirty="0" err="1" smtClean="0">
+                <a:solidFill>
+                  <a:schemeClr val="tx1"/>
+                </a:solidFill>
+                <a:latin typeface="+mn-lt"/>
+                <a:ea typeface="+mn-ea"/>
+                <a:cs typeface="+mn-cs"/>
+              </a:rPr>
+              <a:t>rowguid</a:t>
+            </a:r>
+            <a:r>
+              <a:rPr lang="en-AU" sz="1200" kern="1200" dirty="0" smtClean="0">
+                <a:solidFill>
+                  <a:schemeClr val="tx1"/>
+                </a:solidFill>
+                <a:latin typeface="+mn-lt"/>
+                <a:ea typeface="+mn-ea"/>
+                <a:cs typeface="+mn-cs"/>
+              </a:rPr>
+              <a:t>":{"</a:t>
+            </a:r>
+            <a:r>
+              <a:rPr lang="en-AU" sz="1200" kern="1200" dirty="0" err="1" smtClean="0">
+                <a:solidFill>
+                  <a:schemeClr val="tx1"/>
+                </a:solidFill>
+                <a:latin typeface="+mn-lt"/>
+                <a:ea typeface="+mn-ea"/>
+                <a:cs typeface="+mn-cs"/>
+              </a:rPr>
+              <a:t>type":"keyword</a:t>
+            </a:r>
+            <a:r>
+              <a:rPr lang="en-AU" sz="1200" kern="1200" dirty="0" smtClean="0">
+                <a:solidFill>
+                  <a:schemeClr val="tx1"/>
+                </a:solidFill>
+                <a:latin typeface="+mn-lt"/>
+                <a:ea typeface="+mn-ea"/>
+                <a:cs typeface="+mn-cs"/>
+              </a:rPr>
+              <a:t>"},"</a:t>
+            </a:r>
+            <a:r>
+              <a:rPr lang="en-AU" sz="1200" kern="1200" dirty="0" err="1" smtClean="0">
+                <a:solidFill>
+                  <a:schemeClr val="tx1"/>
+                </a:solidFill>
+                <a:latin typeface="+mn-lt"/>
+                <a:ea typeface="+mn-ea"/>
+                <a:cs typeface="+mn-cs"/>
+              </a:rPr>
+              <a:t>ModifiedDate</a:t>
+            </a:r>
+            <a:r>
+              <a:rPr lang="en-AU" sz="1200" kern="1200" dirty="0" smtClean="0">
+                <a:solidFill>
+                  <a:schemeClr val="tx1"/>
+                </a:solidFill>
+                <a:latin typeface="+mn-lt"/>
+                <a:ea typeface="+mn-ea"/>
+                <a:cs typeface="+mn-cs"/>
+              </a:rPr>
+              <a:t>":{"</a:t>
+            </a:r>
+            <a:r>
+              <a:rPr lang="en-AU" sz="1200" kern="1200" dirty="0" err="1" smtClean="0">
+                <a:solidFill>
+                  <a:schemeClr val="tx1"/>
+                </a:solidFill>
+                <a:latin typeface="+mn-lt"/>
+                <a:ea typeface="+mn-ea"/>
+                <a:cs typeface="+mn-cs"/>
+              </a:rPr>
+              <a:t>type":"date","format":"YYYY-MM-DD</a:t>
+            </a:r>
+            <a:r>
+              <a:rPr lang="en-AU" sz="1200" kern="1200" dirty="0" smtClean="0">
+                <a:solidFill>
+                  <a:schemeClr val="tx1"/>
+                </a:solidFill>
+                <a:latin typeface="+mn-lt"/>
+                <a:ea typeface="+mn-ea"/>
+                <a:cs typeface="+mn-cs"/>
+              </a:rPr>
+              <a:t>"}},"</a:t>
+            </a:r>
+            <a:r>
+              <a:rPr lang="en-AU" sz="1200" kern="1200" dirty="0" err="1" smtClean="0">
+                <a:solidFill>
+                  <a:schemeClr val="tx1"/>
+                </a:solidFill>
+                <a:latin typeface="+mn-lt"/>
+                <a:ea typeface="+mn-ea"/>
+                <a:cs typeface="+mn-cs"/>
+              </a:rPr>
+              <a:t>dynamic":true,"date_detection":true</a:t>
+            </a:r>
+            <a:r>
+              <a:rPr lang="en-AU" sz="1200" kern="1200" dirty="0" smtClean="0">
+                <a:solidFill>
+                  <a:schemeClr val="tx1"/>
+                </a:solidFill>
+                <a:latin typeface="+mn-lt"/>
+                <a:ea typeface="+mn-ea"/>
+                <a:cs typeface="+mn-cs"/>
+              </a:rPr>
+              <a:t>}'</a:t>
+            </a:r>
+          </a:p>
+          <a:p>
+            <a:r>
+              <a:rPr lang="en-AU" sz="1200" kern="1200" dirty="0" smtClean="0">
+                <a:solidFill>
+                  <a:schemeClr val="tx1"/>
+                </a:solidFill>
+                <a:latin typeface="+mn-lt"/>
+                <a:ea typeface="+mn-ea"/>
+                <a:cs typeface="+mn-cs"/>
+              </a:rPr>
+              <a:t> </a:t>
+            </a:r>
+            <a:endParaRPr lang="en-AU" dirty="0"/>
+          </a:p>
+        </p:txBody>
+      </p:sp>
+      <p:sp>
+        <p:nvSpPr>
+          <p:cNvPr id="4" name="Slide Number Placeholder 3"/>
+          <p:cNvSpPr>
+            <a:spLocks noGrp="1"/>
+          </p:cNvSpPr>
+          <p:nvPr>
+            <p:ph type="sldNum" sz="quarter" idx="10"/>
+          </p:nvPr>
+        </p:nvSpPr>
+        <p:spPr/>
+        <p:txBody>
+          <a:bodyPr/>
+          <a:lstStyle/>
+          <a:p>
+            <a:fld id="{147DBD60-72A2-4D24-AFED-423EBE31C632}" type="slidenum">
+              <a:rPr lang="en-AU" smtClean="0"/>
+              <a:t>14</a:t>
+            </a:fld>
+            <a:endParaRPr lang="en-AU" dirty="0"/>
+          </a:p>
+        </p:txBody>
+      </p:sp>
+    </p:spTree>
+    <p:extLst>
+      <p:ext uri="{BB962C8B-B14F-4D97-AF65-F5344CB8AC3E}">
+        <p14:creationId xmlns:p14="http://schemas.microsoft.com/office/powerpoint/2010/main" val="1082310472"/>
+      </p:ext>
+    </p:extLst>
+  </p:cSld>
+  <p:clrMapOvr>
+    <a:masterClrMapping/>
+  </p:clrMapOvr>
+</p:notes>
+</file>
+
+<file path=ppt/notesSlides/notesSlide14.xml><?xml version="1.0" encoding="utf-8"?>
+<p:notes xmlns:a="http://schemas.openxmlformats.org/drawingml/2006/main" xmlns:r="http://schemas.openxmlformats.org/officeDocument/2006/relationships" xmlns:p="http://schemas.openxmlformats.org/presentationml/2006/main">
+  <p:cSld>
+    <p:spTree>
+      <p:nvGrpSpPr>
+        <p:cNvPr id="1" name=""/>
+        <p:cNvGrpSpPr/>
+        <p:nvPr/>
+      </p:nvGrpSpPr>
+      <p:grpSpPr>
+        <a:xfrm>
+          <a:off x="0" y="0"/>
+          <a:ext cx="0" cy="0"/>
+          <a:chOff x="0" y="0"/>
+          <a:chExt cx="0" cy="0"/>
+        </a:xfrm>
+      </p:grpSpPr>
+      <p:sp>
+        <p:nvSpPr>
+          <p:cNvPr id="2" name="Slide Image Placeholder 1"/>
+          <p:cNvSpPr>
+            <a:spLocks noGrp="1" noRot="1" noChangeAspect="1"/>
+          </p:cNvSpPr>
+          <p:nvPr>
+            <p:ph type="sldImg"/>
+          </p:nvPr>
+        </p:nvSpPr>
+        <p:spPr/>
+      </p:sp>
+      <p:sp>
+        <p:nvSpPr>
+          <p:cNvPr id="3" name="Notes Placeholder 2"/>
+          <p:cNvSpPr>
+            <a:spLocks noGrp="1"/>
+          </p:cNvSpPr>
+          <p:nvPr>
+            <p:ph type="body" idx="1"/>
+          </p:nvPr>
+        </p:nvSpPr>
+        <p:spPr/>
+        <p:txBody>
+          <a:bodyPr/>
+          <a:lstStyle/>
+          <a:p>
+            <a:pPr marL="0" marR="0" lvl="1" indent="0" algn="l" defTabSz="914400" rtl="0" eaLnBrk="1" fontAlgn="auto" latinLnBrk="0" hangingPunct="1">
+              <a:lnSpc>
+                <a:spcPct val="100000"/>
+              </a:lnSpc>
+              <a:spcBef>
+                <a:spcPts val="0"/>
+              </a:spcBef>
+              <a:spcAft>
+                <a:spcPts val="0"/>
+              </a:spcAft>
+              <a:buClrTx/>
+              <a:buSzTx/>
+              <a:buFontTx/>
+              <a:buNone/>
+              <a:tabLst/>
+              <a:defRPr/>
+            </a:pPr>
+            <a:r>
+              <a:rPr lang="en-AU" sz="2400" dirty="0" smtClean="0"/>
+              <a:t>*</a:t>
+            </a:r>
+            <a:r>
+              <a:rPr lang="en-AU" sz="2400" baseline="0" dirty="0" smtClean="0"/>
+              <a:t> </a:t>
+            </a:r>
+            <a:r>
+              <a:rPr lang="en-AU" sz="2400" dirty="0" smtClean="0"/>
+              <a:t>advisory profile</a:t>
+            </a:r>
+          </a:p>
+        </p:txBody>
+      </p:sp>
+      <p:sp>
+        <p:nvSpPr>
+          <p:cNvPr id="4" name="Slide Number Placeholder 3"/>
+          <p:cNvSpPr>
+            <a:spLocks noGrp="1"/>
+          </p:cNvSpPr>
+          <p:nvPr>
+            <p:ph type="sldNum" sz="quarter" idx="10"/>
+          </p:nvPr>
+        </p:nvSpPr>
+        <p:spPr/>
+        <p:txBody>
+          <a:bodyPr/>
+          <a:lstStyle/>
+          <a:p>
+            <a:fld id="{147DBD60-72A2-4D24-AFED-423EBE31C632}" type="slidenum">
+              <a:rPr lang="en-AU" smtClean="0"/>
+              <a:t>15</a:t>
+            </a:fld>
+            <a:endParaRPr lang="en-AU"/>
+          </a:p>
+        </p:txBody>
+      </p:sp>
+    </p:spTree>
+    <p:extLst>
+      <p:ext uri="{BB962C8B-B14F-4D97-AF65-F5344CB8AC3E}">
+        <p14:creationId xmlns:p14="http://schemas.microsoft.com/office/powerpoint/2010/main" val="3929079188"/>
+      </p:ext>
+    </p:extLst>
+  </p:cSld>
+  <p:clrMapOvr>
+    <a:masterClrMapping/>
+  </p:clrMapOvr>
+</p:notes>
+</file>
+
+<file path=ppt/notesSlides/notesSlide15.xml><?xml version="1.0" encoding="utf-8"?>
+<p:notes xmlns:a="http://schemas.openxmlformats.org/drawingml/2006/main" xmlns:r="http://schemas.openxmlformats.org/officeDocument/2006/relationships" xmlns:p="http://schemas.openxmlformats.org/presentationml/2006/main">
+  <p:cSld>
+    <p:spTree>
+      <p:nvGrpSpPr>
+        <p:cNvPr id="1" name=""/>
+        <p:cNvGrpSpPr/>
+        <p:nvPr/>
+      </p:nvGrpSpPr>
+      <p:grpSpPr>
+        <a:xfrm>
+          <a:off x="0" y="0"/>
+          <a:ext cx="0" cy="0"/>
+          <a:chOff x="0" y="0"/>
+          <a:chExt cx="0" cy="0"/>
+        </a:xfrm>
+      </p:grpSpPr>
+      <p:sp>
+        <p:nvSpPr>
+          <p:cNvPr id="2" name="Slide Image Placeholder 1"/>
+          <p:cNvSpPr>
+            <a:spLocks noGrp="1" noRot="1" noChangeAspect="1"/>
+          </p:cNvSpPr>
+          <p:nvPr>
+            <p:ph type="sldImg"/>
+          </p:nvPr>
+        </p:nvSpPr>
+        <p:spPr/>
+      </p:sp>
+      <p:sp>
+        <p:nvSpPr>
+          <p:cNvPr id="3" name="Notes Placeholder 2"/>
+          <p:cNvSpPr>
+            <a:spLocks noGrp="1"/>
+          </p:cNvSpPr>
+          <p:nvPr>
+            <p:ph type="body" idx="1"/>
+          </p:nvPr>
+        </p:nvSpPr>
+        <p:spPr/>
+        <p:txBody>
+          <a:bodyPr/>
+          <a:lstStyle/>
+          <a:p>
+            <a:endParaRPr lang="en-AU" dirty="0"/>
+          </a:p>
+        </p:txBody>
+      </p:sp>
+      <p:sp>
+        <p:nvSpPr>
+          <p:cNvPr id="4" name="Slide Number Placeholder 3"/>
+          <p:cNvSpPr>
+            <a:spLocks noGrp="1"/>
+          </p:cNvSpPr>
+          <p:nvPr>
+            <p:ph type="sldNum" sz="quarter" idx="10"/>
+          </p:nvPr>
+        </p:nvSpPr>
+        <p:spPr/>
+        <p:txBody>
+          <a:bodyPr/>
+          <a:lstStyle/>
+          <a:p>
+            <a:fld id="{147DBD60-72A2-4D24-AFED-423EBE31C632}" type="slidenum">
+              <a:rPr lang="en-AU" smtClean="0"/>
+              <a:t>17</a:t>
+            </a:fld>
+            <a:endParaRPr lang="en-AU"/>
+          </a:p>
+        </p:txBody>
+      </p:sp>
+    </p:spTree>
+    <p:extLst>
+      <p:ext uri="{BB962C8B-B14F-4D97-AF65-F5344CB8AC3E}">
+        <p14:creationId xmlns:p14="http://schemas.microsoft.com/office/powerpoint/2010/main" val="2052517623"/>
+      </p:ext>
+    </p:extLst>
+  </p:cSld>
+  <p:clrMapOvr>
+    <a:masterClrMapping/>
+  </p:clrMapOvr>
+</p:notes>
+</file>
+
+<file path=ppt/notesSlides/notesSlide16.xml><?xml version="1.0" encoding="utf-8"?>
+<p:notes xmlns:a="http://schemas.openxmlformats.org/drawingml/2006/main" xmlns:r="http://schemas.openxmlformats.org/officeDocument/2006/relationships" xmlns:p="http://schemas.openxmlformats.org/presentationml/2006/main">
+  <p:cSld>
+    <p:spTree>
+      <p:nvGrpSpPr>
+        <p:cNvPr id="1" name=""/>
+        <p:cNvGrpSpPr/>
+        <p:nvPr/>
+      </p:nvGrpSpPr>
+      <p:grpSpPr>
+        <a:xfrm>
+          <a:off x="0" y="0"/>
+          <a:ext cx="0" cy="0"/>
+          <a:chOff x="0" y="0"/>
+          <a:chExt cx="0" cy="0"/>
+        </a:xfrm>
+      </p:grpSpPr>
+      <p:sp>
+        <p:nvSpPr>
+          <p:cNvPr id="2" name="Slide Image Placeholder 1"/>
+          <p:cNvSpPr>
+            <a:spLocks noGrp="1" noRot="1" noChangeAspect="1"/>
+          </p:cNvSpPr>
+          <p:nvPr>
+            <p:ph type="sldImg"/>
+          </p:nvPr>
+        </p:nvSpPr>
+        <p:spPr/>
+      </p:sp>
+      <p:sp>
+        <p:nvSpPr>
+          <p:cNvPr id="3" name="Notes Placeholder 2"/>
+          <p:cNvSpPr>
+            <a:spLocks noGrp="1"/>
+          </p:cNvSpPr>
+          <p:nvPr>
+            <p:ph type="body" idx="1"/>
+          </p:nvPr>
+        </p:nvSpPr>
+        <p:spPr/>
+        <p:txBody>
+          <a:bodyPr/>
+          <a:lstStyle/>
+          <a:p>
+            <a:pPr marL="0" indent="0">
+              <a:buFont typeface="Arial" panose="020B0604020202020204" pitchFamily="34" charset="0"/>
+              <a:buNone/>
+            </a:pPr>
+            <a:r>
+              <a:rPr lang="en-AU" dirty="0" smtClean="0"/>
+              <a:t>Where to start from:</a:t>
+            </a:r>
+          </a:p>
+          <a:p>
+            <a:pPr marL="171450" indent="-171450">
+              <a:buFont typeface="Arial" panose="020B0604020202020204" pitchFamily="34" charset="0"/>
+              <a:buChar char="•"/>
+            </a:pPr>
+            <a:r>
+              <a:rPr lang="en-AU" dirty="0" smtClean="0"/>
+              <a:t>Virtual</a:t>
+            </a:r>
+            <a:r>
+              <a:rPr lang="en-AU" baseline="0" dirty="0" smtClean="0"/>
+              <a:t> machines on premise or local. Build cluster</a:t>
+            </a:r>
+          </a:p>
+          <a:p>
+            <a:pPr marL="171450" indent="-171450">
+              <a:buFont typeface="Arial" panose="020B0604020202020204" pitchFamily="34" charset="0"/>
+              <a:buChar char="•"/>
+            </a:pPr>
+            <a:r>
+              <a:rPr lang="en-AU" dirty="0" smtClean="0"/>
+              <a:t>install last version, build environments, scripts</a:t>
+            </a:r>
+          </a:p>
+          <a:p>
+            <a:pPr marL="171450" indent="-171450">
+              <a:buFont typeface="Arial" panose="020B0604020202020204" pitchFamily="34" charset="0"/>
+              <a:buChar char="•"/>
+            </a:pPr>
+            <a:r>
+              <a:rPr lang="en-AU" dirty="0" smtClean="0"/>
+              <a:t>files, web, </a:t>
+            </a:r>
+            <a:r>
+              <a:rPr lang="en-AU" dirty="0" err="1" smtClean="0"/>
+              <a:t>sql</a:t>
+            </a:r>
+            <a:r>
+              <a:rPr lang="en-AU" dirty="0" smtClean="0"/>
+              <a:t>, other</a:t>
+            </a:r>
+            <a:r>
+              <a:rPr lang="en-AU" baseline="0" dirty="0" smtClean="0"/>
+              <a:t> search engines</a:t>
+            </a:r>
+            <a:endParaRPr lang="en-AU" dirty="0" smtClean="0"/>
+          </a:p>
+          <a:p>
+            <a:pPr marL="171450" indent="-171450">
+              <a:buFont typeface="Arial" panose="020B0604020202020204" pitchFamily="34" charset="0"/>
+              <a:buChar char="•"/>
+            </a:pPr>
+            <a:r>
+              <a:rPr lang="en-AU" dirty="0" smtClean="0"/>
+              <a:t>data at rest and data in motion, integrate with other APIs</a:t>
+            </a:r>
+            <a:endParaRPr lang="en-AU" dirty="0"/>
+          </a:p>
+        </p:txBody>
+      </p:sp>
+      <p:sp>
+        <p:nvSpPr>
+          <p:cNvPr id="4" name="Slide Number Placeholder 3"/>
+          <p:cNvSpPr>
+            <a:spLocks noGrp="1"/>
+          </p:cNvSpPr>
+          <p:nvPr>
+            <p:ph type="sldNum" sz="quarter" idx="10"/>
+          </p:nvPr>
+        </p:nvSpPr>
+        <p:spPr/>
+        <p:txBody>
+          <a:bodyPr/>
+          <a:lstStyle/>
+          <a:p>
+            <a:fld id="{147DBD60-72A2-4D24-AFED-423EBE31C632}" type="slidenum">
+              <a:rPr lang="en-AU" smtClean="0"/>
+              <a:t>18</a:t>
+            </a:fld>
+            <a:endParaRPr lang="en-AU"/>
+          </a:p>
+        </p:txBody>
+      </p:sp>
+    </p:spTree>
+    <p:extLst>
+      <p:ext uri="{BB962C8B-B14F-4D97-AF65-F5344CB8AC3E}">
+        <p14:creationId xmlns:p14="http://schemas.microsoft.com/office/powerpoint/2010/main" val="3194290106"/>
       </p:ext>
     </p:extLst>
   </p:cSld>
@@ -618,6 +2225,10 @@
           <a:bodyPr/>
           <a:lstStyle/>
           <a:p>
+            <a:pPr marL="171450" indent="-171450">
+              <a:buFont typeface="Arial" panose="020B0604020202020204" pitchFamily="34" charset="0"/>
+              <a:buChar char="•"/>
+            </a:pPr>
             <a:r>
               <a:rPr lang="en-AU" sz="1200" b="0" i="0" kern="1200" dirty="0" smtClean="0">
                 <a:solidFill>
@@ -628,20 +2239,51 @@
                 <a:ea typeface="+mn-ea"/>
                 <a:cs typeface="+mn-cs"/>
               </a:rPr>
-              <a:t>Deploying and Scaling </a:t>
-            </a:r>
-            <a:r>
-              <a:rPr lang="en-AU" sz="1200" b="0" i="0" kern="1200" dirty="0" err="1" smtClean="0">
-                <a:solidFill>
-                  <a:schemeClr val="tx1"/>
-                </a:solidFill>
-                <a:effectLst/>
-                <a:latin typeface="+mn-lt"/>
-                <a:ea typeface="+mn-ea"/>
-                <a:cs typeface="+mn-cs"/>
-              </a:rPr>
-              <a:t>Logstash</a:t>
-            </a:r>
+              <a:t>It is not search engine, but computational knowledge engine</a:t>
+            </a:r>
+            <a:endParaRPr lang="ru-RU" sz="1200" b="0" i="0" kern="1200" dirty="0" smtClean="0">
+              <a:solidFill>
+                <a:schemeClr val="tx1"/>
+              </a:solidFill>
+              <a:effectLst/>
+              <a:latin typeface="+mn-lt"/>
+              <a:ea typeface="+mn-ea"/>
+              <a:cs typeface="+mn-cs"/>
+            </a:endParaRPr>
+          </a:p>
+          <a:p>
+            <a:pPr marL="171450" indent="-171450">
+              <a:buFont typeface="Arial" panose="020B0604020202020204" pitchFamily="34" charset="0"/>
+              <a:buChar char="•"/>
+            </a:pPr>
+            <a:endParaRPr lang="ru-RU" sz="1200" b="0" i="0" kern="1200" dirty="0" smtClean="0">
+              <a:solidFill>
+                <a:schemeClr val="tx1"/>
+              </a:solidFill>
+              <a:effectLst/>
+              <a:latin typeface="+mn-lt"/>
+              <a:ea typeface="+mn-ea"/>
+              <a:cs typeface="+mn-cs"/>
+            </a:endParaRPr>
+          </a:p>
+          <a:p>
+            <a:pPr marL="171450" marR="0" indent="-171450" algn="l" defTabSz="914400" rtl="0" eaLnBrk="1" fontAlgn="auto" latinLnBrk="0" hangingPunct="1">
+              <a:lnSpc>
+                <a:spcPct val="100000"/>
+              </a:lnSpc>
+              <a:spcBef>
+                <a:spcPts val="0"/>
+              </a:spcBef>
+              <a:spcAft>
+                <a:spcPts val="0"/>
+              </a:spcAft>
+              <a:buClrTx/>
+              <a:buSzTx/>
+              <a:buFont typeface="Arial" panose="020B0604020202020204" pitchFamily="34" charset="0"/>
+              <a:buChar char="•"/>
+              <a:tabLst/>
+              <a:defRPr/>
+            </a:pPr>
             <a:r>
               <a:rPr lang="en-AU" sz="1200" b="0" i="0" kern="1200" dirty="0" smtClean="0">
                 <a:solidFill>
@@ -652,12 +2294,67 @@
                 <a:ea typeface="+mn-ea"/>
                 <a:cs typeface="+mn-cs"/>
               </a:rPr>
+              <a:t>100 Data and Analytics Predictions Through 2020</a:t>
+            </a:r>
+            <a:r>
+              <a:rPr lang="ru-RU" sz="1200" b="0" i="0" kern="1200" dirty="0" smtClean="0">
+                <a:solidFill>
+                  <a:schemeClr val="tx1"/>
+                </a:solidFill>
+                <a:effectLst/>
+                <a:latin typeface="+mn-lt"/>
+                <a:ea typeface="+mn-ea"/>
+                <a:cs typeface="+mn-cs"/>
+              </a:rPr>
               <a:t> </a:t>
             </a:r>
             <a:r>
-              <a:rPr lang="en-AU" dirty="0" smtClean="0"/>
-              <a:t>https://www.elastic.co/guide/en/logstash/5.0/deploying-and-scaling.html</a:t>
-            </a:r>
+              <a:rPr lang="en-AU" sz="1200" b="0" i="0" kern="1200" dirty="0" smtClean="0">
+                <a:solidFill>
+                  <a:schemeClr val="tx1"/>
+                </a:solidFill>
+                <a:effectLst/>
+                <a:latin typeface="+mn-lt"/>
+                <a:ea typeface="+mn-ea"/>
+                <a:cs typeface="+mn-cs"/>
+              </a:rPr>
+              <a:t>https://www.gartner.com/doc/reprints?id=1-33SAA8U&amp;ct=160418&amp;st=sb</a:t>
+            </a:r>
+            <a:endParaRPr lang="ru-RU" sz="1200" b="0" i="0" kern="1200" dirty="0" smtClean="0">
+              <a:solidFill>
+                <a:schemeClr val="tx1"/>
+              </a:solidFill>
+              <a:effectLst/>
+              <a:latin typeface="+mn-lt"/>
+              <a:ea typeface="+mn-ea"/>
+              <a:cs typeface="+mn-cs"/>
+            </a:endParaRPr>
+          </a:p>
+          <a:p>
+            <a:pPr marL="171450" marR="0" indent="-171450" algn="l" defTabSz="914400" rtl="0" eaLnBrk="1" fontAlgn="auto" latinLnBrk="0" hangingPunct="1">
+              <a:lnSpc>
+                <a:spcPct val="100000"/>
+              </a:lnSpc>
+              <a:spcBef>
+                <a:spcPts val="0"/>
+              </a:spcBef>
+              <a:spcAft>
+                <a:spcPts val="0"/>
+              </a:spcAft>
+              <a:buClrTx/>
+              <a:buSzTx/>
+              <a:buFont typeface="Arial" panose="020B0604020202020204" pitchFamily="34" charset="0"/>
+              <a:buChar char="•"/>
+              <a:tabLst/>
+              <a:defRPr/>
+            </a:pPr>
+            <a:r>
+              <a:rPr lang="ru-RU" dirty="0" smtClean="0"/>
+              <a:t/>
+            </a:r>
+            <a:br>
+              <a:rPr lang="ru-RU" dirty="0" smtClean="0"/>
+            </a:br>
             <a:endParaRPr lang="en-AU" dirty="0"/>
           </a:p>
         </p:txBody>
@@ -679,7 +2376,7 @@
           <a:p>
             <a:fld id="{147DBD60-72A2-4D24-AFED-423EBE31C632}" type="slidenum">
               <a:rPr lang="en-AU" smtClean="0"/>
-              <a:t>6</a:t>
+              <a:t>2</a:t>
             </a:fld>
             <a:endParaRPr lang="en-AU"/>
           </a:p>
@@ -688,7 +2385,7 @@
     </p:spTree>
     <p:extLst>
       <p:ext uri="{BB962C8B-B14F-4D97-AF65-F5344CB8AC3E}">
-        <p14:creationId xmlns:p14="http://schemas.microsoft.com/office/powerpoint/2010/main" val="3140506622"/>
+        <p14:creationId xmlns:p14="http://schemas.microsoft.com/office/powerpoint/2010/main" val="1329297510"/>
       </p:ext>
     </p:extLst>
   </p:cSld>
@@ -742,6 +2439,41 @@
           <a:bodyPr/>
           <a:lstStyle/>
           <a:p>
+            <a:pPr marL="0" marR="0" indent="0" algn="l" defTabSz="914400" rtl="0" eaLnBrk="1" fontAlgn="auto" latinLnBrk="0" hangingPunct="1">
+              <a:lnSpc>
+                <a:spcPct val="100000"/>
+              </a:lnSpc>
+              <a:spcBef>
+                <a:spcPts val="0"/>
+              </a:spcBef>
+              <a:spcAft>
+                <a:spcPts val="0"/>
+              </a:spcAft>
+              <a:buClrTx/>
+              <a:buSzTx/>
+              <a:buFontTx/>
+              <a:buNone/>
+              <a:tabLst/>
+              <a:defRPr/>
+            </a:pPr>
+            <a:r>
+              <a:rPr lang="en-AU" sz="1200" b="0" i="0" kern="1200" dirty="0" smtClean="0">
+                <a:solidFill>
+                  <a:schemeClr val="tx1"/>
+                </a:solidFill>
+                <a:effectLst/>
+                <a:latin typeface="+mn-lt"/>
+                <a:ea typeface="+mn-ea"/>
+                <a:cs typeface="+mn-cs"/>
+              </a:rPr>
+              <a:t>100 Data and Analytics Predictions Through 2020 reprint: </a:t>
+            </a:r>
+            <a:r>
+              <a:rPr lang="en-AU" dirty="0" smtClean="0"/>
+              <a:t>https://www.gartner.com/doc/reprints?id=1-33SAA8U&amp;ct=160418&amp;st=sb</a:t>
+            </a:r>
+          </a:p>
+          <a:p>
             <a:endParaRPr lang="en-AU" dirty="0"/>
           </a:p>
         </p:txBody>
@@ -763,7 +2495,7 @@
           <a:p>
             <a:fld id="{147DBD60-72A2-4D24-AFED-423EBE31C632}" type="slidenum">
               <a:rPr lang="en-AU" smtClean="0"/>
-              <a:t>9</a:t>
+              <a:t>3</a:t>
             </a:fld>
             <a:endParaRPr lang="en-AU"/>
           </a:p>
@@ -772,7 +2504,7 @@
     </p:spTree>
     <p:extLst>
       <p:ext uri="{BB962C8B-B14F-4D97-AF65-F5344CB8AC3E}">
-        <p14:creationId xmlns:p14="http://schemas.microsoft.com/office/powerpoint/2010/main" val="2136666312"/>
+        <p14:creationId xmlns:p14="http://schemas.microsoft.com/office/powerpoint/2010/main" val="3092200570"/>
       </p:ext>
     </p:extLst>
   </p:cSld>
@@ -828,7 +2560,11 @@
           <a:p>
             <a:r>
               <a:rPr lang="en-AU" dirty="0" smtClean="0"/>
-              <a:t>* controllers</a:t>
+              <a:t>* All types share space of</a:t>
+            </a:r>
+            <a:r>
+              <a:rPr lang="en-AU" baseline="0" dirty="0" smtClean="0"/>
+              <a:t> index and need the same field types. You can’t use the same field name with different field types across the index</a:t>
             </a:r>
             <a:endParaRPr lang="en-AU" dirty="0"/>
           </a:p>
@@ -851,7 +2587,7 @@
           <a:p>
             <a:fld id="{147DBD60-72A2-4D24-AFED-423EBE31C632}" type="slidenum">
               <a:rPr lang="en-AU" smtClean="0"/>
-              <a:t>10</a:t>
+              <a:t>4</a:t>
             </a:fld>
             <a:endParaRPr lang="en-AU"/>
           </a:p>
@@ -860,7 +2596,7 @@
     </p:spTree>
     <p:extLst>
       <p:ext uri="{BB962C8B-B14F-4D97-AF65-F5344CB8AC3E}">
-        <p14:creationId xmlns:p14="http://schemas.microsoft.com/office/powerpoint/2010/main" val="3404796899"/>
+        <p14:creationId xmlns:p14="http://schemas.microsoft.com/office/powerpoint/2010/main" val="2039288159"/>
       </p:ext>
     </p:extLst>
   </p:cSld>
@@ -915,22 +2651,44 @@
           <a:lstStyle/>
           <a:p>
             <a:r>
-              <a:rPr lang="en-AU" b="1" dirty="0" smtClean="0"/>
-              <a:t>Connect Power BI to Team Services </a:t>
-            </a:r>
-            <a:r>
-              <a:rPr lang="en-AU" b="0" dirty="0" smtClean="0"/>
-              <a:t>https://www.visualstudio.com/en-au/docs/report/powerbi/connect-vso-pbi-vs</a:t>
-            </a:r>
-          </a:p>
-          <a:p>
-            <a:r>
-              <a:rPr lang="en-AU" b="1" dirty="0" smtClean="0"/>
-              <a:t>Create Power BI dashboards and reports </a:t>
+              <a:rPr lang="en-AU" sz="1200" b="0" i="0" kern="1200" dirty="0" smtClean="0">
+                <a:solidFill>
+                  <a:schemeClr val="tx1"/>
+                </a:solidFill>
+                <a:effectLst/>
+                <a:latin typeface="+mn-lt"/>
+                <a:ea typeface="+mn-ea"/>
+                <a:cs typeface="+mn-cs"/>
+              </a:rPr>
+              <a:t>Deploying and Scaling </a:t>
+            </a:r>
+            <a:r>
+              <a:rPr lang="en-AU" sz="1200" b="0" i="0" kern="1200" dirty="0" err="1" smtClean="0">
+                <a:solidFill>
+                  <a:schemeClr val="tx1"/>
+                </a:solidFill>
+                <a:effectLst/>
+                <a:latin typeface="+mn-lt"/>
+                <a:ea typeface="+mn-ea"/>
+                <a:cs typeface="+mn-cs"/>
+              </a:rPr>
+              <a:t>Logstash</a:t>
+            </a:r>
+            <a:r>
+              <a:rPr lang="en-AU" sz="1200" b="0" i="0" kern="1200" dirty="0" smtClean="0">
+                <a:solidFill>
+                  <a:schemeClr val="tx1"/>
+                </a:solidFill>
+                <a:effectLst/>
+                <a:latin typeface="+mn-lt"/>
+                <a:ea typeface="+mn-ea"/>
+                <a:cs typeface="+mn-cs"/>
+              </a:rPr>
+              <a:t> </a:t>
             </a:r>
             <a:r>
               <a:rPr lang="en-AU" dirty="0" smtClean="0"/>
-              <a:t>https://www.visualstudio.com/docs/report/powerbi/report-on-vso-with-power-bi-vs</a:t>
+              <a:t>https://www.elastic.co/guide/en/logstash/5.0/deploying-and-scaling.html</a:t>
             </a:r>
             <a:endParaRPr lang="en-AU" dirty="0"/>
           </a:p>
@@ -953,7 +2711,7 @@
           <a:p>
             <a:fld id="{147DBD60-72A2-4D24-AFED-423EBE31C632}" type="slidenum">
               <a:rPr lang="en-AU" smtClean="0"/>
-              <a:t>11</a:t>
+              <a:t>6</a:t>
             </a:fld>
             <a:endParaRPr lang="en-AU"/>
           </a:p>
@@ -962,7 +2720,7 @@
     </p:spTree>
     <p:extLst>
       <p:ext uri="{BB962C8B-B14F-4D97-AF65-F5344CB8AC3E}">
-        <p14:creationId xmlns:p14="http://schemas.microsoft.com/office/powerpoint/2010/main" val="2240800479"/>
+        <p14:creationId xmlns:p14="http://schemas.microsoft.com/office/powerpoint/2010/main" val="3140506622"/>
       </p:ext>
     </p:extLst>
   </p:cSld>
@@ -1016,21 +2774,6 @@
           <a:bodyPr/>
           <a:lstStyle/>
           <a:p>
-            <a:pPr marL="171450" indent="-171450">
-              <a:buFont typeface="Arial" panose="020B0604020202020204" pitchFamily="34" charset="0"/>
-              <a:buChar char="•"/>
-            </a:pPr>
-            <a:r>
-              <a:rPr lang="en-AU" baseline="0" dirty="0" err="1" smtClean="0"/>
-              <a:t>Breadcrumbling</a:t>
-            </a:r>
-            <a:endParaRPr lang="en-AU" baseline="0" dirty="0" smtClean="0"/>
-          </a:p>
-          <a:p>
-            <a:pPr marL="171450" indent="-171450">
-              <a:buFont typeface="Arial" panose="020B0604020202020204" pitchFamily="34" charset="0"/>
-              <a:buChar char="•"/>
-            </a:pPr>
             <a:endParaRPr lang="en-AU" dirty="0"/>
           </a:p>
         </p:txBody>
@@ -1052,7 +2795,7 @@
           <a:p>
             <a:fld id="{147DBD60-72A2-4D24-AFED-423EBE31C632}" type="slidenum">
               <a:rPr lang="en-AU" smtClean="0"/>
-              <a:t>12</a:t>
+              <a:t>7</a:t>
             </a:fld>
             <a:endParaRPr lang="en-AU"/>
           </a:p>
@@ -1061,7 +2804,7 @@
     </p:spTree>
     <p:extLst>
       <p:ext uri="{BB962C8B-B14F-4D97-AF65-F5344CB8AC3E}">
-        <p14:creationId xmlns:p14="http://schemas.microsoft.com/office/powerpoint/2010/main" val="2124449275"/>
+        <p14:creationId xmlns:p14="http://schemas.microsoft.com/office/powerpoint/2010/main" val="1039974734"/>
       </p:ext>
     </p:extLst>
   </p:cSld>
@@ -1115,823 +2858,13 @@
           <a:bodyPr/>
           <a:lstStyle/>
           <a:p>
-            <a:pPr marL="171450" indent="-171450">
-              <a:buFont typeface="Arial" panose="020B0604020202020204" pitchFamily="34" charset="0"/>
-              <a:buChar char="•"/>
-            </a:pPr>
             <a:r>
               <a:rPr lang="en-AU" dirty="0" smtClean="0"/>
-              <a:t>SQL FTA support up to 170</a:t>
+              <a:t>The content is stored in hidden folder and hidden files. You can rename, move parent folder or delete hidden one. It</a:t>
             </a:r>
             <a:r>
               <a:rPr lang="en-AU" baseline="0" dirty="0" smtClean="0"/>
-              <a:t> extensions</a:t>
-            </a:r>
-          </a:p>
-          <a:p>
-            <a:pPr marL="171450" indent="-171450">
-              <a:buFont typeface="Arial" panose="020B0604020202020204" pitchFamily="34" charset="0"/>
-              <a:buChar char="•"/>
-            </a:pPr>
-            <a:r>
-              <a:rPr lang="en-AU" baseline="0" dirty="0" smtClean="0"/>
-              <a:t>https://www.elastic.co/guide/en/elasticsearch/reference/current/mapping.html</a:t>
-            </a:r>
-          </a:p>
-          <a:p>
-            <a:r>
-              <a:rPr lang="en-AU" sz="1200" kern="1200" dirty="0" smtClean="0">
-                <a:solidFill>
-                  <a:schemeClr val="tx1"/>
-                </a:solidFill>
-                <a:latin typeface="+mn-lt"/>
-                <a:ea typeface="+mn-ea"/>
-                <a:cs typeface="+mn-cs"/>
-              </a:rPr>
-              <a:t> &amp;$put "adworks_v1/_mapping/</a:t>
-            </a:r>
-            <a:r>
-              <a:rPr lang="en-AU" sz="1200" kern="1200" dirty="0" err="1" smtClean="0">
-                <a:solidFill>
-                  <a:schemeClr val="tx1"/>
-                </a:solidFill>
-                <a:latin typeface="+mn-lt"/>
-                <a:ea typeface="+mn-ea"/>
-                <a:cs typeface="+mn-cs"/>
-              </a:rPr>
-              <a:t>employee?update_all_types</a:t>
-            </a:r>
-            <a:r>
-              <a:rPr lang="en-AU" sz="1200" kern="1200" dirty="0" smtClean="0">
-                <a:solidFill>
-                  <a:schemeClr val="tx1"/>
-                </a:solidFill>
-                <a:latin typeface="+mn-lt"/>
-                <a:ea typeface="+mn-ea"/>
-                <a:cs typeface="+mn-cs"/>
-              </a:rPr>
-              <a:t>" '{"properties":{"</a:t>
-            </a:r>
-            <a:r>
-              <a:rPr lang="en-AU" sz="1200" kern="1200" dirty="0" err="1" smtClean="0">
-                <a:solidFill>
-                  <a:schemeClr val="tx1"/>
-                </a:solidFill>
-                <a:latin typeface="+mn-lt"/>
-                <a:ea typeface="+mn-ea"/>
-                <a:cs typeface="+mn-cs"/>
-              </a:rPr>
-              <a:t>BusinessEntityID</a:t>
-            </a:r>
-            <a:r>
-              <a:rPr lang="en-AU" sz="1200" kern="1200" dirty="0" smtClean="0">
-                <a:solidFill>
-                  <a:schemeClr val="tx1"/>
-                </a:solidFill>
-                <a:latin typeface="+mn-lt"/>
-                <a:ea typeface="+mn-ea"/>
-                <a:cs typeface="+mn-cs"/>
-              </a:rPr>
-              <a:t>":{"</a:t>
-            </a:r>
-            <a:r>
-              <a:rPr lang="en-AU" sz="1200" kern="1200" dirty="0" err="1" smtClean="0">
-                <a:solidFill>
-                  <a:schemeClr val="tx1"/>
-                </a:solidFill>
-                <a:latin typeface="+mn-lt"/>
-                <a:ea typeface="+mn-ea"/>
-                <a:cs typeface="+mn-cs"/>
-              </a:rPr>
-              <a:t>type":"integer</a:t>
-            </a:r>
-            <a:r>
-              <a:rPr lang="en-AU" sz="1200" kern="1200" dirty="0" smtClean="0">
-                <a:solidFill>
-                  <a:schemeClr val="tx1"/>
-                </a:solidFill>
-                <a:latin typeface="+mn-lt"/>
-                <a:ea typeface="+mn-ea"/>
-                <a:cs typeface="+mn-cs"/>
-              </a:rPr>
-              <a:t>"},"</a:t>
-            </a:r>
-            <a:r>
-              <a:rPr lang="en-AU" sz="1200" kern="1200" dirty="0" err="1" smtClean="0">
-                <a:solidFill>
-                  <a:schemeClr val="tx1"/>
-                </a:solidFill>
-                <a:latin typeface="+mn-lt"/>
-                <a:ea typeface="+mn-ea"/>
-                <a:cs typeface="+mn-cs"/>
-              </a:rPr>
-              <a:t>NationalIDNumber</a:t>
-            </a:r>
-            <a:r>
-              <a:rPr lang="en-AU" sz="1200" kern="1200" dirty="0" smtClean="0">
-                <a:solidFill>
-                  <a:schemeClr val="tx1"/>
-                </a:solidFill>
-                <a:latin typeface="+mn-lt"/>
-                <a:ea typeface="+mn-ea"/>
-                <a:cs typeface="+mn-cs"/>
-              </a:rPr>
-              <a:t>":{"</a:t>
-            </a:r>
-            <a:r>
-              <a:rPr lang="en-AU" sz="1200" kern="1200" dirty="0" err="1" smtClean="0">
-                <a:solidFill>
-                  <a:schemeClr val="tx1"/>
-                </a:solidFill>
-                <a:latin typeface="+mn-lt"/>
-                <a:ea typeface="+mn-ea"/>
-                <a:cs typeface="+mn-cs"/>
-              </a:rPr>
-              <a:t>type":"text</a:t>
-            </a:r>
-            <a:r>
-              <a:rPr lang="en-AU" sz="1200" kern="1200" dirty="0" smtClean="0">
-                <a:solidFill>
-                  <a:schemeClr val="tx1"/>
-                </a:solidFill>
-                <a:latin typeface="+mn-lt"/>
-                <a:ea typeface="+mn-ea"/>
-                <a:cs typeface="+mn-cs"/>
-              </a:rPr>
-              <a:t>"},"</a:t>
-            </a:r>
-            <a:r>
-              <a:rPr lang="en-AU" sz="1200" kern="1200" dirty="0" err="1" smtClean="0">
-                <a:solidFill>
-                  <a:schemeClr val="tx1"/>
-                </a:solidFill>
-                <a:latin typeface="+mn-lt"/>
-                <a:ea typeface="+mn-ea"/>
-                <a:cs typeface="+mn-cs"/>
-              </a:rPr>
-              <a:t>LoginID</a:t>
-            </a:r>
-            <a:r>
-              <a:rPr lang="en-AU" sz="1200" kern="1200" dirty="0" smtClean="0">
-                <a:solidFill>
-                  <a:schemeClr val="tx1"/>
-                </a:solidFill>
-                <a:latin typeface="+mn-lt"/>
-                <a:ea typeface="+mn-ea"/>
-                <a:cs typeface="+mn-cs"/>
-              </a:rPr>
-              <a:t>":{"</a:t>
-            </a:r>
-            <a:r>
-              <a:rPr lang="en-AU" sz="1200" kern="1200" dirty="0" err="1" smtClean="0">
-                <a:solidFill>
-                  <a:schemeClr val="tx1"/>
-                </a:solidFill>
-                <a:latin typeface="+mn-lt"/>
-                <a:ea typeface="+mn-ea"/>
-                <a:cs typeface="+mn-cs"/>
-              </a:rPr>
-              <a:t>type":"text</a:t>
-            </a:r>
-            <a:r>
-              <a:rPr lang="en-AU" sz="1200" kern="1200" dirty="0" smtClean="0">
-                <a:solidFill>
-                  <a:schemeClr val="tx1"/>
-                </a:solidFill>
-                <a:latin typeface="+mn-lt"/>
-                <a:ea typeface="+mn-ea"/>
-                <a:cs typeface="+mn-cs"/>
-              </a:rPr>
-              <a:t>"},"</a:t>
-            </a:r>
-            <a:r>
-              <a:rPr lang="en-AU" sz="1200" kern="1200" dirty="0" err="1" smtClean="0">
-                <a:solidFill>
-                  <a:schemeClr val="tx1"/>
-                </a:solidFill>
-                <a:latin typeface="+mn-lt"/>
-                <a:ea typeface="+mn-ea"/>
-                <a:cs typeface="+mn-cs"/>
-              </a:rPr>
-              <a:t>OrganizationNode</a:t>
-            </a:r>
-            <a:r>
-              <a:rPr lang="en-AU" sz="1200" kern="1200" dirty="0" smtClean="0">
-                <a:solidFill>
-                  <a:schemeClr val="tx1"/>
-                </a:solidFill>
-                <a:latin typeface="+mn-lt"/>
-                <a:ea typeface="+mn-ea"/>
-                <a:cs typeface="+mn-cs"/>
-              </a:rPr>
-              <a:t>":{"fields":{"tree":{"type":"string","</a:t>
-            </a:r>
-            <a:r>
-              <a:rPr lang="en-AU" sz="1200" kern="1200" dirty="0" err="1" smtClean="0">
-                <a:solidFill>
-                  <a:schemeClr val="tx1"/>
-                </a:solidFill>
-                <a:latin typeface="+mn-lt"/>
-                <a:ea typeface="+mn-ea"/>
-                <a:cs typeface="+mn-cs"/>
-              </a:rPr>
-              <a:t>analyzer</a:t>
-            </a:r>
-            <a:r>
-              <a:rPr lang="en-AU" sz="1200" kern="1200" dirty="0" smtClean="0">
-                <a:solidFill>
-                  <a:schemeClr val="tx1"/>
-                </a:solidFill>
-                <a:latin typeface="+mn-lt"/>
-                <a:ea typeface="+mn-ea"/>
-                <a:cs typeface="+mn-cs"/>
-              </a:rPr>
-              <a:t>":"</a:t>
-            </a:r>
-            <a:r>
-              <a:rPr lang="en-AU" sz="1200" kern="1200" dirty="0" err="1" smtClean="0">
-                <a:solidFill>
-                  <a:schemeClr val="tx1"/>
-                </a:solidFill>
-                <a:latin typeface="+mn-lt"/>
-                <a:ea typeface="+mn-ea"/>
-                <a:cs typeface="+mn-cs"/>
-              </a:rPr>
-              <a:t>hierarchy_analyzer</a:t>
-            </a:r>
-            <a:r>
-              <a:rPr lang="en-AU" sz="1200" kern="1200" dirty="0" smtClean="0">
-                <a:solidFill>
-                  <a:schemeClr val="tx1"/>
-                </a:solidFill>
-                <a:latin typeface="+mn-lt"/>
-                <a:ea typeface="+mn-ea"/>
-                <a:cs typeface="+mn-cs"/>
-              </a:rPr>
-              <a:t>"}},"type":"string","index":"</a:t>
-            </a:r>
-            <a:r>
-              <a:rPr lang="en-AU" sz="1200" kern="1200" dirty="0" err="1" smtClean="0">
-                <a:solidFill>
-                  <a:schemeClr val="tx1"/>
-                </a:solidFill>
-                <a:latin typeface="+mn-lt"/>
-                <a:ea typeface="+mn-ea"/>
-                <a:cs typeface="+mn-cs"/>
-              </a:rPr>
-              <a:t>not_analyzed</a:t>
-            </a:r>
-            <a:r>
-              <a:rPr lang="en-AU" sz="1200" kern="1200" dirty="0" smtClean="0">
-                <a:solidFill>
-                  <a:schemeClr val="tx1"/>
-                </a:solidFill>
-                <a:latin typeface="+mn-lt"/>
-                <a:ea typeface="+mn-ea"/>
-                <a:cs typeface="+mn-cs"/>
-              </a:rPr>
-              <a:t>"},"</a:t>
-            </a:r>
-            <a:r>
-              <a:rPr lang="en-AU" sz="1200" kern="1200" dirty="0" err="1" smtClean="0">
-                <a:solidFill>
-                  <a:schemeClr val="tx1"/>
-                </a:solidFill>
-                <a:latin typeface="+mn-lt"/>
-                <a:ea typeface="+mn-ea"/>
-                <a:cs typeface="+mn-cs"/>
-              </a:rPr>
-              <a:t>OrganizationLevel</a:t>
-            </a:r>
-            <a:r>
-              <a:rPr lang="en-AU" sz="1200" kern="1200" dirty="0" smtClean="0">
-                <a:solidFill>
-                  <a:schemeClr val="tx1"/>
-                </a:solidFill>
-                <a:latin typeface="+mn-lt"/>
-                <a:ea typeface="+mn-ea"/>
-                <a:cs typeface="+mn-cs"/>
-              </a:rPr>
-              <a:t>":{"</a:t>
-            </a:r>
-            <a:r>
-              <a:rPr lang="en-AU" sz="1200" kern="1200" dirty="0" err="1" smtClean="0">
-                <a:solidFill>
-                  <a:schemeClr val="tx1"/>
-                </a:solidFill>
-                <a:latin typeface="+mn-lt"/>
-                <a:ea typeface="+mn-ea"/>
-                <a:cs typeface="+mn-cs"/>
-              </a:rPr>
-              <a:t>type":"short</a:t>
-            </a:r>
-            <a:r>
-              <a:rPr lang="en-AU" sz="1200" kern="1200" dirty="0" smtClean="0">
-                <a:solidFill>
-                  <a:schemeClr val="tx1"/>
-                </a:solidFill>
-                <a:latin typeface="+mn-lt"/>
-                <a:ea typeface="+mn-ea"/>
-                <a:cs typeface="+mn-cs"/>
-              </a:rPr>
-              <a:t>"},"</a:t>
-            </a:r>
-            <a:r>
-              <a:rPr lang="en-AU" sz="1200" kern="1200" dirty="0" err="1" smtClean="0">
-                <a:solidFill>
-                  <a:schemeClr val="tx1"/>
-                </a:solidFill>
-                <a:latin typeface="+mn-lt"/>
-                <a:ea typeface="+mn-ea"/>
-                <a:cs typeface="+mn-cs"/>
-              </a:rPr>
-              <a:t>JobTitle</a:t>
-            </a:r>
-            <a:r>
-              <a:rPr lang="en-AU" sz="1200" kern="1200" dirty="0" smtClean="0">
-                <a:solidFill>
-                  <a:schemeClr val="tx1"/>
-                </a:solidFill>
-                <a:latin typeface="+mn-lt"/>
-                <a:ea typeface="+mn-ea"/>
-                <a:cs typeface="+mn-cs"/>
-              </a:rPr>
-              <a:t>":{"</a:t>
-            </a:r>
-            <a:r>
-              <a:rPr lang="en-AU" sz="1200" kern="1200" dirty="0" err="1" smtClean="0">
-                <a:solidFill>
-                  <a:schemeClr val="tx1"/>
-                </a:solidFill>
-                <a:latin typeface="+mn-lt"/>
-                <a:ea typeface="+mn-ea"/>
-                <a:cs typeface="+mn-cs"/>
-              </a:rPr>
-              <a:t>type":"text</a:t>
-            </a:r>
-            <a:r>
-              <a:rPr lang="en-AU" sz="1200" kern="1200" dirty="0" smtClean="0">
-                <a:solidFill>
-                  <a:schemeClr val="tx1"/>
-                </a:solidFill>
-                <a:latin typeface="+mn-lt"/>
-                <a:ea typeface="+mn-ea"/>
-                <a:cs typeface="+mn-cs"/>
-              </a:rPr>
-              <a:t>"},"</a:t>
-            </a:r>
-            <a:r>
-              <a:rPr lang="en-AU" sz="1200" kern="1200" dirty="0" err="1" smtClean="0">
-                <a:solidFill>
-                  <a:schemeClr val="tx1"/>
-                </a:solidFill>
-                <a:latin typeface="+mn-lt"/>
-                <a:ea typeface="+mn-ea"/>
-                <a:cs typeface="+mn-cs"/>
-              </a:rPr>
-              <a:t>BirthDate</a:t>
-            </a:r>
-            <a:r>
-              <a:rPr lang="en-AU" sz="1200" kern="1200" dirty="0" smtClean="0">
-                <a:solidFill>
-                  <a:schemeClr val="tx1"/>
-                </a:solidFill>
-                <a:latin typeface="+mn-lt"/>
-                <a:ea typeface="+mn-ea"/>
-                <a:cs typeface="+mn-cs"/>
-              </a:rPr>
-              <a:t>":{"</a:t>
-            </a:r>
-            <a:r>
-              <a:rPr lang="en-AU" sz="1200" kern="1200" dirty="0" err="1" smtClean="0">
-                <a:solidFill>
-                  <a:schemeClr val="tx1"/>
-                </a:solidFill>
-                <a:latin typeface="+mn-lt"/>
-                <a:ea typeface="+mn-ea"/>
-                <a:cs typeface="+mn-cs"/>
-              </a:rPr>
-              <a:t>type":"date","format":"YYYY-MM-DD</a:t>
-            </a:r>
-            <a:r>
-              <a:rPr lang="en-AU" sz="1200" kern="1200" dirty="0" smtClean="0">
-                <a:solidFill>
-                  <a:schemeClr val="tx1"/>
-                </a:solidFill>
-                <a:latin typeface="+mn-lt"/>
-                <a:ea typeface="+mn-ea"/>
-                <a:cs typeface="+mn-cs"/>
-              </a:rPr>
-              <a:t>"},"</a:t>
-            </a:r>
-            <a:r>
-              <a:rPr lang="en-AU" sz="1200" kern="1200" dirty="0" err="1" smtClean="0">
-                <a:solidFill>
-                  <a:schemeClr val="tx1"/>
-                </a:solidFill>
-                <a:latin typeface="+mn-lt"/>
-                <a:ea typeface="+mn-ea"/>
-                <a:cs typeface="+mn-cs"/>
-              </a:rPr>
-              <a:t>MaritalStatus</a:t>
-            </a:r>
-            <a:r>
-              <a:rPr lang="en-AU" sz="1200" kern="1200" dirty="0" smtClean="0">
-                <a:solidFill>
-                  <a:schemeClr val="tx1"/>
-                </a:solidFill>
-                <a:latin typeface="+mn-lt"/>
-                <a:ea typeface="+mn-ea"/>
-                <a:cs typeface="+mn-cs"/>
-              </a:rPr>
-              <a:t>":{"</a:t>
-            </a:r>
-            <a:r>
-              <a:rPr lang="en-AU" sz="1200" kern="1200" dirty="0" err="1" smtClean="0">
-                <a:solidFill>
-                  <a:schemeClr val="tx1"/>
-                </a:solidFill>
-                <a:latin typeface="+mn-lt"/>
-                <a:ea typeface="+mn-ea"/>
-                <a:cs typeface="+mn-cs"/>
-              </a:rPr>
-              <a:t>type":"text</a:t>
-            </a:r>
-            <a:r>
-              <a:rPr lang="en-AU" sz="1200" kern="1200" dirty="0" smtClean="0">
-                <a:solidFill>
-                  <a:schemeClr val="tx1"/>
-                </a:solidFill>
-                <a:latin typeface="+mn-lt"/>
-                <a:ea typeface="+mn-ea"/>
-                <a:cs typeface="+mn-cs"/>
-              </a:rPr>
-              <a:t>"},"Gender":{"</a:t>
-            </a:r>
-            <a:r>
-              <a:rPr lang="en-AU" sz="1200" kern="1200" dirty="0" err="1" smtClean="0">
-                <a:solidFill>
-                  <a:schemeClr val="tx1"/>
-                </a:solidFill>
-                <a:latin typeface="+mn-lt"/>
-                <a:ea typeface="+mn-ea"/>
-                <a:cs typeface="+mn-cs"/>
-              </a:rPr>
-              <a:t>type":"text</a:t>
-            </a:r>
-            <a:r>
-              <a:rPr lang="en-AU" sz="1200" kern="1200" dirty="0" smtClean="0">
-                <a:solidFill>
-                  <a:schemeClr val="tx1"/>
-                </a:solidFill>
-                <a:latin typeface="+mn-lt"/>
-                <a:ea typeface="+mn-ea"/>
-                <a:cs typeface="+mn-cs"/>
-              </a:rPr>
-              <a:t>"},"</a:t>
-            </a:r>
-            <a:r>
-              <a:rPr lang="en-AU" sz="1200" kern="1200" dirty="0" err="1" smtClean="0">
-                <a:solidFill>
-                  <a:schemeClr val="tx1"/>
-                </a:solidFill>
-                <a:latin typeface="+mn-lt"/>
-                <a:ea typeface="+mn-ea"/>
-                <a:cs typeface="+mn-cs"/>
-              </a:rPr>
-              <a:t>HireDate</a:t>
-            </a:r>
-            <a:r>
-              <a:rPr lang="en-AU" sz="1200" kern="1200" dirty="0" smtClean="0">
-                <a:solidFill>
-                  <a:schemeClr val="tx1"/>
-                </a:solidFill>
-                <a:latin typeface="+mn-lt"/>
-                <a:ea typeface="+mn-ea"/>
-                <a:cs typeface="+mn-cs"/>
-              </a:rPr>
-              <a:t>":{"type":"date","format":“</a:t>
-            </a:r>
-            <a:r>
-              <a:rPr lang="en-AU" sz="1200" kern="1200" dirty="0" err="1" smtClean="0">
-                <a:solidFill>
-                  <a:schemeClr val="tx1"/>
-                </a:solidFill>
-                <a:latin typeface="+mn-lt"/>
-                <a:ea typeface="+mn-ea"/>
-                <a:cs typeface="+mn-cs"/>
-              </a:rPr>
-              <a:t>yyyy</a:t>
-            </a:r>
-            <a:r>
-              <a:rPr lang="en-AU" sz="1200" kern="1200" dirty="0" smtClean="0">
-                <a:solidFill>
-                  <a:schemeClr val="tx1"/>
-                </a:solidFill>
-                <a:latin typeface="+mn-lt"/>
-                <a:ea typeface="+mn-ea"/>
-                <a:cs typeface="+mn-cs"/>
-              </a:rPr>
-              <a:t>-MM-DD"},"</a:t>
-            </a:r>
-            <a:r>
-              <a:rPr lang="en-AU" sz="1200" kern="1200" dirty="0" err="1" smtClean="0">
-                <a:solidFill>
-                  <a:schemeClr val="tx1"/>
-                </a:solidFill>
-                <a:latin typeface="+mn-lt"/>
-                <a:ea typeface="+mn-ea"/>
-                <a:cs typeface="+mn-cs"/>
-              </a:rPr>
-              <a:t>SalariedFlag</a:t>
-            </a:r>
-            <a:r>
-              <a:rPr lang="en-AU" sz="1200" kern="1200" dirty="0" smtClean="0">
-                <a:solidFill>
-                  <a:schemeClr val="tx1"/>
-                </a:solidFill>
-                <a:latin typeface="+mn-lt"/>
-                <a:ea typeface="+mn-ea"/>
-                <a:cs typeface="+mn-cs"/>
-              </a:rPr>
-              <a:t>":{"</a:t>
-            </a:r>
-            <a:r>
-              <a:rPr lang="en-AU" sz="1200" kern="1200" dirty="0" err="1" smtClean="0">
-                <a:solidFill>
-                  <a:schemeClr val="tx1"/>
-                </a:solidFill>
-                <a:latin typeface="+mn-lt"/>
-                <a:ea typeface="+mn-ea"/>
-                <a:cs typeface="+mn-cs"/>
-              </a:rPr>
-              <a:t>type":"text</a:t>
-            </a:r>
-            <a:r>
-              <a:rPr lang="en-AU" sz="1200" kern="1200" dirty="0" smtClean="0">
-                <a:solidFill>
-                  <a:schemeClr val="tx1"/>
-                </a:solidFill>
-                <a:latin typeface="+mn-lt"/>
-                <a:ea typeface="+mn-ea"/>
-                <a:cs typeface="+mn-cs"/>
-              </a:rPr>
-              <a:t>"},"</a:t>
-            </a:r>
-            <a:r>
-              <a:rPr lang="en-AU" sz="1200" kern="1200" dirty="0" err="1" smtClean="0">
-                <a:solidFill>
-                  <a:schemeClr val="tx1"/>
-                </a:solidFill>
-                <a:latin typeface="+mn-lt"/>
-                <a:ea typeface="+mn-ea"/>
-                <a:cs typeface="+mn-cs"/>
-              </a:rPr>
-              <a:t>VacationHours</a:t>
-            </a:r>
-            <a:r>
-              <a:rPr lang="en-AU" sz="1200" kern="1200" dirty="0" smtClean="0">
-                <a:solidFill>
-                  <a:schemeClr val="tx1"/>
-                </a:solidFill>
-                <a:latin typeface="+mn-lt"/>
-                <a:ea typeface="+mn-ea"/>
-                <a:cs typeface="+mn-cs"/>
-              </a:rPr>
-              <a:t>":{"</a:t>
-            </a:r>
-            <a:r>
-              <a:rPr lang="en-AU" sz="1200" kern="1200" dirty="0" err="1" smtClean="0">
-                <a:solidFill>
-                  <a:schemeClr val="tx1"/>
-                </a:solidFill>
-                <a:latin typeface="+mn-lt"/>
-                <a:ea typeface="+mn-ea"/>
-                <a:cs typeface="+mn-cs"/>
-              </a:rPr>
-              <a:t>type":"short</a:t>
-            </a:r>
-            <a:r>
-              <a:rPr lang="en-AU" sz="1200" kern="1200" dirty="0" smtClean="0">
-                <a:solidFill>
-                  <a:schemeClr val="tx1"/>
-                </a:solidFill>
-                <a:latin typeface="+mn-lt"/>
-                <a:ea typeface="+mn-ea"/>
-                <a:cs typeface="+mn-cs"/>
-              </a:rPr>
-              <a:t>"},"</a:t>
-            </a:r>
-            <a:r>
-              <a:rPr lang="en-AU" sz="1200" kern="1200" dirty="0" err="1" smtClean="0">
-                <a:solidFill>
-                  <a:schemeClr val="tx1"/>
-                </a:solidFill>
-                <a:latin typeface="+mn-lt"/>
-                <a:ea typeface="+mn-ea"/>
-                <a:cs typeface="+mn-cs"/>
-              </a:rPr>
-              <a:t>SickLeaveHours</a:t>
-            </a:r>
-            <a:r>
-              <a:rPr lang="en-AU" sz="1200" kern="1200" dirty="0" smtClean="0">
-                <a:solidFill>
-                  <a:schemeClr val="tx1"/>
-                </a:solidFill>
-                <a:latin typeface="+mn-lt"/>
-                <a:ea typeface="+mn-ea"/>
-                <a:cs typeface="+mn-cs"/>
-              </a:rPr>
-              <a:t>":{"</a:t>
-            </a:r>
-            <a:r>
-              <a:rPr lang="en-AU" sz="1200" kern="1200" dirty="0" err="1" smtClean="0">
-                <a:solidFill>
-                  <a:schemeClr val="tx1"/>
-                </a:solidFill>
-                <a:latin typeface="+mn-lt"/>
-                <a:ea typeface="+mn-ea"/>
-                <a:cs typeface="+mn-cs"/>
-              </a:rPr>
-              <a:t>type":"short</a:t>
-            </a:r>
-            <a:r>
-              <a:rPr lang="en-AU" sz="1200" kern="1200" dirty="0" smtClean="0">
-                <a:solidFill>
-                  <a:schemeClr val="tx1"/>
-                </a:solidFill>
-                <a:latin typeface="+mn-lt"/>
-                <a:ea typeface="+mn-ea"/>
-                <a:cs typeface="+mn-cs"/>
-              </a:rPr>
-              <a:t>"},"</a:t>
-            </a:r>
-            <a:r>
-              <a:rPr lang="en-AU" sz="1200" kern="1200" dirty="0" err="1" smtClean="0">
-                <a:solidFill>
-                  <a:schemeClr val="tx1"/>
-                </a:solidFill>
-                <a:latin typeface="+mn-lt"/>
-                <a:ea typeface="+mn-ea"/>
-                <a:cs typeface="+mn-cs"/>
-              </a:rPr>
-              <a:t>CurrentFlag</a:t>
-            </a:r>
-            <a:r>
-              <a:rPr lang="en-AU" sz="1200" kern="1200" dirty="0" smtClean="0">
-                <a:solidFill>
-                  <a:schemeClr val="tx1"/>
-                </a:solidFill>
-                <a:latin typeface="+mn-lt"/>
-                <a:ea typeface="+mn-ea"/>
-                <a:cs typeface="+mn-cs"/>
-              </a:rPr>
-              <a:t>":{"</a:t>
-            </a:r>
-            <a:r>
-              <a:rPr lang="en-AU" sz="1200" kern="1200" dirty="0" err="1" smtClean="0">
-                <a:solidFill>
-                  <a:schemeClr val="tx1"/>
-                </a:solidFill>
-                <a:latin typeface="+mn-lt"/>
-                <a:ea typeface="+mn-ea"/>
-                <a:cs typeface="+mn-cs"/>
-              </a:rPr>
-              <a:t>type":"text</a:t>
-            </a:r>
-            <a:r>
-              <a:rPr lang="en-AU" sz="1200" kern="1200" dirty="0" smtClean="0">
-                <a:solidFill>
-                  <a:schemeClr val="tx1"/>
-                </a:solidFill>
-                <a:latin typeface="+mn-lt"/>
-                <a:ea typeface="+mn-ea"/>
-                <a:cs typeface="+mn-cs"/>
-              </a:rPr>
-              <a:t>"},"</a:t>
-            </a:r>
-            <a:r>
-              <a:rPr lang="en-AU" sz="1200" kern="1200" dirty="0" err="1" smtClean="0">
-                <a:solidFill>
-                  <a:schemeClr val="tx1"/>
-                </a:solidFill>
-                <a:latin typeface="+mn-lt"/>
-                <a:ea typeface="+mn-ea"/>
-                <a:cs typeface="+mn-cs"/>
-              </a:rPr>
-              <a:t>rowguid</a:t>
-            </a:r>
-            <a:r>
-              <a:rPr lang="en-AU" sz="1200" kern="1200" dirty="0" smtClean="0">
-                <a:solidFill>
-                  <a:schemeClr val="tx1"/>
-                </a:solidFill>
-                <a:latin typeface="+mn-lt"/>
-                <a:ea typeface="+mn-ea"/>
-                <a:cs typeface="+mn-cs"/>
-              </a:rPr>
-              <a:t>":{"</a:t>
-            </a:r>
-            <a:r>
-              <a:rPr lang="en-AU" sz="1200" kern="1200" dirty="0" err="1" smtClean="0">
-                <a:solidFill>
-                  <a:schemeClr val="tx1"/>
-                </a:solidFill>
-                <a:latin typeface="+mn-lt"/>
-                <a:ea typeface="+mn-ea"/>
-                <a:cs typeface="+mn-cs"/>
-              </a:rPr>
-              <a:t>type":"keyword</a:t>
-            </a:r>
-            <a:r>
-              <a:rPr lang="en-AU" sz="1200" kern="1200" dirty="0" smtClean="0">
-                <a:solidFill>
-                  <a:schemeClr val="tx1"/>
-                </a:solidFill>
-                <a:latin typeface="+mn-lt"/>
-                <a:ea typeface="+mn-ea"/>
-                <a:cs typeface="+mn-cs"/>
-              </a:rPr>
-              <a:t>"},"</a:t>
-            </a:r>
-            <a:r>
-              <a:rPr lang="en-AU" sz="1200" kern="1200" dirty="0" err="1" smtClean="0">
-                <a:solidFill>
-                  <a:schemeClr val="tx1"/>
-                </a:solidFill>
-                <a:latin typeface="+mn-lt"/>
-                <a:ea typeface="+mn-ea"/>
-                <a:cs typeface="+mn-cs"/>
-              </a:rPr>
-              <a:t>ModifiedDate</a:t>
-            </a:r>
-            <a:r>
-              <a:rPr lang="en-AU" sz="1200" kern="1200" dirty="0" smtClean="0">
-                <a:solidFill>
-                  <a:schemeClr val="tx1"/>
-                </a:solidFill>
-                <a:latin typeface="+mn-lt"/>
-                <a:ea typeface="+mn-ea"/>
-                <a:cs typeface="+mn-cs"/>
-              </a:rPr>
-              <a:t>":{"</a:t>
-            </a:r>
-            <a:r>
-              <a:rPr lang="en-AU" sz="1200" kern="1200" dirty="0" err="1" smtClean="0">
-                <a:solidFill>
-                  <a:schemeClr val="tx1"/>
-                </a:solidFill>
-                <a:latin typeface="+mn-lt"/>
-                <a:ea typeface="+mn-ea"/>
-                <a:cs typeface="+mn-cs"/>
-              </a:rPr>
-              <a:t>type":"date","format":"YYYY-MM-DD</a:t>
-            </a:r>
-            <a:r>
-              <a:rPr lang="en-AU" sz="1200" kern="1200" dirty="0" smtClean="0">
-                <a:solidFill>
-                  <a:schemeClr val="tx1"/>
-                </a:solidFill>
-                <a:latin typeface="+mn-lt"/>
-                <a:ea typeface="+mn-ea"/>
-                <a:cs typeface="+mn-cs"/>
-              </a:rPr>
-              <a:t>"}},"</a:t>
-            </a:r>
-            <a:r>
-              <a:rPr lang="en-AU" sz="1200" kern="1200" dirty="0" err="1" smtClean="0">
-                <a:solidFill>
-                  <a:schemeClr val="tx1"/>
-                </a:solidFill>
-                <a:latin typeface="+mn-lt"/>
-                <a:ea typeface="+mn-ea"/>
-                <a:cs typeface="+mn-cs"/>
-              </a:rPr>
-              <a:t>dynamic":true,"date_detection":true</a:t>
-            </a:r>
-            <a:r>
-              <a:rPr lang="en-AU" sz="1200" kern="1200" dirty="0" smtClean="0">
-                <a:solidFill>
-                  <a:schemeClr val="tx1"/>
-                </a:solidFill>
-                <a:latin typeface="+mn-lt"/>
-                <a:ea typeface="+mn-ea"/>
-                <a:cs typeface="+mn-cs"/>
-              </a:rPr>
-              <a:t>}'</a:t>
-            </a:r>
-          </a:p>
-          <a:p>
-            <a:r>
-              <a:rPr lang="en-AU" sz="1200" kern="1200" dirty="0" smtClean="0">
-                <a:solidFill>
-                  <a:schemeClr val="tx1"/>
-                </a:solidFill>
-                <a:latin typeface="+mn-lt"/>
-                <a:ea typeface="+mn-ea"/>
-                <a:cs typeface="+mn-cs"/>
-              </a:rPr>
-              <a:t> </a:t>
+              <a:t> is stable</a:t>
             </a:r>
             <a:endParaRPr lang="en-AU" dirty="0"/>
           </a:p>
@@ -1954,16 +2887,16 @@
           <a:p>
             <a:fld id="{147DBD60-72A2-4D24-AFED-423EBE31C632}" type="slidenum">
               <a:rPr lang="en-AU" smtClean="0"/>
-              <a:t>14</a:t>
+              <a:t>8</a:t>
             </a:fld>
-            <a:endParaRPr lang="en-AU" dirty="0"/>
+            <a:endParaRPr lang="en-AU"/>
           </a:p>
         </p:txBody>
       </p:sp>
     </p:spTree>
     <p:extLst>
       <p:ext uri="{BB962C8B-B14F-4D97-AF65-F5344CB8AC3E}">
-        <p14:creationId xmlns:p14="http://schemas.microsoft.com/office/powerpoint/2010/main" val="1082310472"/>
+        <p14:creationId xmlns:p14="http://schemas.microsoft.com/office/powerpoint/2010/main" val="3071915243"/>
       </p:ext>
     </p:extLst>
   </p:cSld>
@@ -2017,75 +2950,9 @@
           <a:bodyPr/>
           <a:lstStyle/>
           <a:p>
-            <a:pPr marL="0" marR="0" lvl="1" indent="0" algn="l" defTabSz="914400" rtl="0" eaLnBrk="1" fontAlgn="auto" latinLnBrk="0" hangingPunct="1">
-              <a:lnSpc>
-                <a:spcPct val="100000"/>
-              </a:lnSpc>
-              <a:spcBef>
-                <a:spcPts val="0"/>
-              </a:spcBef>
-              <a:spcAft>
-                <a:spcPts val="0"/>
-              </a:spcAft>
-              <a:buClrTx/>
-              <a:buSzTx/>
-              <a:buFontTx/>
-              <a:buNone/>
-              <a:tabLst/>
-              <a:defRPr/>
-            </a:pPr>
-            <a:r>
-              <a:rPr lang="en-AU" sz="2400" dirty="0" smtClean="0"/>
-              <a:t>*</a:t>
-            </a:r>
-            <a:r>
-              <a:rPr lang="en-AU" sz="2400" baseline="0" dirty="0" smtClean="0"/>
-              <a:t> </a:t>
-            </a:r>
-            <a:r>
-              <a:rPr lang="en-AU" sz="2400" dirty="0" smtClean="0"/>
-              <a:t>advisory profile</a:t>
-            </a:r>
-          </a:p>
-          <a:p>
-            <a:endParaRPr lang="en-AU" dirty="0" smtClean="0"/>
-          </a:p>
-          <a:p>
             <a:r>
               <a:rPr lang="en-AU" dirty="0" smtClean="0"/>
-              <a:t>** System </a:t>
-            </a:r>
-            <a:r>
-              <a:rPr lang="en-AU" dirty="0" err="1" smtClean="0"/>
-              <a:t>Center</a:t>
-            </a:r>
-            <a:r>
-              <a:rPr lang="en-AU" dirty="0" smtClean="0"/>
-              <a:t>,</a:t>
-            </a:r>
-            <a:r>
-              <a:rPr lang="en-AU" baseline="0" dirty="0" smtClean="0"/>
-              <a:t> VM templates</a:t>
-            </a:r>
-            <a:r>
-              <a:rPr lang="en-AU" dirty="0" smtClean="0"/>
-              <a:t>, Docker</a:t>
-            </a:r>
-            <a:r>
-              <a:rPr lang="en-AU" baseline="0" dirty="0" smtClean="0"/>
-              <a:t>, </a:t>
-            </a:r>
-            <a:r>
-              <a:rPr lang="en-AU" dirty="0" smtClean="0"/>
-              <a:t>Chocolate, </a:t>
-            </a:r>
-            <a:r>
-              <a:rPr lang="en-AU" baseline="0" dirty="0" smtClean="0"/>
-              <a:t>Chef, etc.</a:t>
-            </a:r>
-            <a:r>
-              <a:rPr lang="en-AU" sz="1200" dirty="0" smtClean="0"/>
-              <a:t> (templates, scripting, deployment, docking)</a:t>
+              <a:t>Project Oxford</a:t>
             </a:r>
             <a:endParaRPr lang="en-AU" dirty="0"/>
           </a:p>
@@ -2108,7 +2975,7 @@
           <a:p>
             <a:fld id="{147DBD60-72A2-4D24-AFED-423EBE31C632}" type="slidenum">
               <a:rPr lang="en-AU" smtClean="0"/>
-              <a:t>15</a:t>
+              <a:t>9</a:t>
             </a:fld>
             <a:endParaRPr lang="en-AU"/>
           </a:p>
@@ -2117,7 +2984,7 @@
     </p:spTree>
     <p:extLst>
       <p:ext uri="{BB962C8B-B14F-4D97-AF65-F5344CB8AC3E}">
-        <p14:creationId xmlns:p14="http://schemas.microsoft.com/office/powerpoint/2010/main" val="3929079188"/>
+        <p14:creationId xmlns:p14="http://schemas.microsoft.com/office/powerpoint/2010/main" val="2136666312"/>
       </p:ext>
     </p:extLst>
   </p:cSld>
@@ -2171,70 +3038,9 @@
           <a:bodyPr/>
           <a:lstStyle/>
           <a:p>
-            <a:pPr marL="0" indent="0">
-              <a:buFont typeface="Arial" panose="020B0604020202020204" pitchFamily="34" charset="0"/>
-              <a:buNone/>
-            </a:pPr>
             <a:r>
               <a:rPr lang="en-AU" dirty="0" smtClean="0"/>
-              <a:t>Where to start from:</a:t>
-            </a:r>
-          </a:p>
-          <a:p>
-            <a:pPr marL="171450" indent="-171450">
-              <a:buFont typeface="Arial" panose="020B0604020202020204" pitchFamily="34" charset="0"/>
-              <a:buChar char="•"/>
-            </a:pPr>
-            <a:r>
-              <a:rPr lang="en-AU" dirty="0" smtClean="0"/>
-              <a:t>Virtual</a:t>
-            </a:r>
-            <a:r>
-              <a:rPr lang="en-AU" baseline="0" dirty="0" smtClean="0"/>
-              <a:t> machines on premise or local. Build cluster</a:t>
-            </a:r>
-          </a:p>
-          <a:p>
-            <a:pPr marL="171450" indent="-171450">
-              <a:buFont typeface="Arial" panose="020B0604020202020204" pitchFamily="34" charset="0"/>
-              <a:buChar char="•"/>
-            </a:pPr>
-            <a:r>
-              <a:rPr lang="en-AU" dirty="0" smtClean="0"/>
-              <a:t>install last version, build environments, scripts</a:t>
-            </a:r>
-          </a:p>
-          <a:p>
-            <a:pPr marL="171450" indent="-171450">
-              <a:buFont typeface="Arial" panose="020B0604020202020204" pitchFamily="34" charset="0"/>
-              <a:buChar char="•"/>
-            </a:pPr>
-            <a:r>
-              <a:rPr lang="en-AU" dirty="0" smtClean="0"/>
-              <a:t>files, web, </a:t>
-            </a:r>
-            <a:r>
-              <a:rPr lang="en-AU" dirty="0" err="1" smtClean="0"/>
-              <a:t>sql</a:t>
-            </a:r>
-            <a:r>
-              <a:rPr lang="en-AU" dirty="0" smtClean="0"/>
-              <a:t>, other</a:t>
-            </a:r>
-            <a:r>
-              <a:rPr lang="en-AU" baseline="0" dirty="0" smtClean="0"/>
-              <a:t> search engines</a:t>
-            </a:r>
-            <a:endParaRPr lang="en-AU" dirty="0" smtClean="0"/>
-          </a:p>
-          <a:p>
-            <a:pPr marL="171450" indent="-171450">
-              <a:buFont typeface="Arial" panose="020B0604020202020204" pitchFamily="34" charset="0"/>
-              <a:buChar char="•"/>
-            </a:pPr>
-            <a:r>
-              <a:rPr lang="en-AU" dirty="0" smtClean="0"/>
-              <a:t>data at rest and data in motion, integrate with other APIs</a:t>
+              <a:t>* controllers</a:t>
             </a:r>
             <a:endParaRPr lang="en-AU" dirty="0"/>
           </a:p>
@@ -2257,7 +3063,7 @@
           <a:p>
             <a:fld id="{147DBD60-72A2-4D24-AFED-423EBE31C632}" type="slidenum">
               <a:rPr lang="en-AU" smtClean="0"/>
-              <a:t>18</a:t>
+              <a:t>10</a:t>
             </a:fld>
             <a:endParaRPr lang="en-AU"/>
           </a:p>
@@ -2266,7 +3072,7 @@
     </p:spTree>
     <p:extLst>
       <p:ext uri="{BB962C8B-B14F-4D97-AF65-F5344CB8AC3E}">
-        <p14:creationId xmlns:p14="http://schemas.microsoft.com/office/powerpoint/2010/main" val="3194290106"/>
+        <p14:creationId xmlns:p14="http://schemas.microsoft.com/office/powerpoint/2010/main" val="3404796899"/>
       </p:ext>
     </p:extLst>
   </p:cSld>
@@ -2679,7 +3485,7 @@
           <a:p>
             <a:fld id="{83284890-85D2-4D7B-8EF5-15A9C1DB8F42}" type="datetimeFigureOut">
               <a:rPr lang="en-US" dirty="0"/>
-              <a:t>6/5/2016</a:t>
+              <a:t>6/9/2016</a:t>
             </a:fld>
             <a:endParaRPr lang="en-US" dirty="0"/>
           </a:p>
@@ -2854,7 +3660,7 @@
           <a:p>
             <a:fld id="{87157CC2-0FC8-4686-B024-99790E0F5162}" type="datetimeFigureOut">
               <a:rPr lang="en-US" dirty="0"/>
-              <a:t>6/5/2016</a:t>
+              <a:t>6/9/2016</a:t>
             </a:fld>
             <a:endParaRPr lang="en-US" dirty="0"/>
           </a:p>
@@ -3029,7 +3835,7 @@
           <a:p>
             <a:fld id="{F6764DA5-CD3D-4590-A511-FCD3BC7A793E}" type="datetimeFigureOut">
               <a:rPr lang="en-US" dirty="0"/>
-              <a:t>6/5/2016</a:t>
+              <a:t>6/9/2016</a:t>
             </a:fld>
             <a:endParaRPr lang="en-US" dirty="0"/>
           </a:p>
@@ -3194,7 +4000,7 @@
           <a:p>
             <a:fld id="{82F5661D-6934-4B32-B92C-470368BF1EC6}" type="datetimeFigureOut">
               <a:rPr lang="en-US" dirty="0"/>
-              <a:t>6/5/2016</a:t>
+              <a:t>6/9/2016</a:t>
             </a:fld>
             <a:endParaRPr lang="en-US" dirty="0"/>
           </a:p>
@@ -3502,7 +4308,7 @@
           <a:p>
             <a:fld id="{C6F822A4-8DA6-4447-9B1F-C5DB58435268}" type="datetimeFigureOut">
               <a:rPr lang="en-US" dirty="0"/>
-              <a:t>6/5/2016</a:t>
+              <a:t>6/9/2016</a:t>
             </a:fld>
             <a:endParaRPr lang="en-US" dirty="0"/>
           </a:p>
@@ -3884,7 +4690,7 @@
           <a:p>
             <a:fld id="{E548D31E-DCDA-41A7-9C67-C4B11B94D21D}" type="datetimeFigureOut">
               <a:rPr lang="en-US" dirty="0"/>
-              <a:t>6/5/2016</a:t>
+              <a:t>6/9/2016</a:t>
             </a:fld>
             <a:endParaRPr lang="en-US" dirty="0"/>
           </a:p>
@@ -4313,7 +5119,7 @@
           <a:p>
             <a:fld id="{9B3762C0-B258-48F1-ADE6-176B4174CCDD}" type="datetimeFigureOut">
               <a:rPr lang="en-US" dirty="0"/>
-              <a:t>6/5/2016</a:t>
+              <a:t>6/9/2016</a:t>
             </a:fld>
             <a:endParaRPr lang="en-US" dirty="0"/>
           </a:p>
@@ -4426,7 +5232,7 @@
           <a:p>
             <a:fld id="{677919A6-33EB-49BD-A62F-1FA56B9F9712}" type="datetimeFigureOut">
               <a:rPr lang="en-US" dirty="0"/>
-              <a:t>6/5/2016</a:t>
+              <a:t>6/9/2016</a:t>
             </a:fld>
             <a:endParaRPr lang="en-US" dirty="0"/>
           </a:p>
@@ -4516,7 +5322,7 @@
           <a:p>
             <a:fld id="{CA4E7D1B-D673-4CF6-8672-009D42ABD2A0}" type="datetimeFigureOut">
               <a:rPr lang="en-US" dirty="0"/>
-              <a:t>6/5/2016</a:t>
+              <a:t>6/9/2016</a:t>
             </a:fld>
             <a:endParaRPr lang="en-US" dirty="0"/>
           </a:p>
@@ -4861,7 +5667,7 @@
           <a:p>
             <a:fld id="{DA16AA21-1863-4931-97CB-99D0A168701B}" type="datetimeFigureOut">
               <a:rPr lang="en-US" dirty="0"/>
-              <a:t>6/5/2016</a:t>
+              <a:t>6/9/2016</a:t>
             </a:fld>
             <a:endParaRPr lang="en-US" dirty="0"/>
           </a:p>
@@ -5281,7 +6087,7 @@
           <a:p>
             <a:fld id="{3772C379-9A7C-4C87-A116-CBE9F58B04C5}" type="datetimeFigureOut">
               <a:rPr lang="en-US" dirty="0"/>
-              <a:t>6/5/2016</a:t>
+              <a:t>6/9/2016</a:t>
             </a:fld>
             <a:endParaRPr lang="en-US" dirty="0"/>
           </a:p>
@@ -5557,7 +6363,7 @@
           <a:p>
             <a:fld id="{8664C608-40B1-4030-A28D-5B74BC98ADCE}" type="datetimeFigureOut">
               <a:rPr lang="en-US" dirty="0"/>
-              <a:t>6/5/2016</a:t>
+              <a:t>6/9/2016</a:t>
             </a:fld>
             <a:endParaRPr lang="en-US" dirty="0"/>
           </a:p>
@@ -6197,20 +7003,32 @@
           </a:p>
           <a:p>
             <a:r>
+              <a:rPr lang="en-AU" dirty="0" smtClean="0">
+                <a:hlinkClick r:id="rId3"/>
+              </a:rPr>
+              <a:t>github.com/</a:t>
+            </a:r>
+            <a:r>
+              <a:rPr lang="en-AU" dirty="0" err="1" smtClean="0">
+                <a:hlinkClick r:id="rId3"/>
+              </a:rPr>
+              <a:t>banban</a:t>
+            </a:r>
+            <a:r>
+              <a:rPr lang="en-AU" dirty="0" smtClean="0">
+                <a:hlinkClick r:id="rId3"/>
+              </a:rPr>
+              <a:t>/</a:t>
+            </a:r>
+            <a:r>
+              <a:rPr lang="en-AU" dirty="0" err="1" smtClean="0">
+                <a:hlinkClick r:id="rId3"/>
+              </a:rPr>
+              <a:t>OhMySearch</a:t>
+            </a:r>
+            <a:r>
               <a:rPr lang="en-AU" dirty="0" smtClean="0"/>
-              <a:t>@</a:t>
-            </a:r>
-            <a:r>
-              <a:rPr lang="en-AU" dirty="0" err="1"/>
-              <a:t>andrew</a:t>
-            </a:r>
-            <a:r>
-              <a:rPr lang="en-AU" sz="2400" b="1" dirty="0" err="1"/>
-              <a:t>_</a:t>
-            </a:r>
-            <a:r>
-              <a:rPr lang="en-AU" dirty="0" err="1"/>
-              <a:t>butenko</a:t>
+              <a:t> </a:t>
             </a:r>
             <a:endParaRPr lang="en-AU" dirty="0"/>
           </a:p>
@@ -6291,8 +7109,8 @@
         </p:nvSpPr>
         <p:spPr>
           <a:xfrm>
-            <a:off x="4799951" y="4945200"/>
-            <a:ext cx="3002206" cy="558597"/>
+            <a:off x="5153597" y="4889640"/>
+            <a:ext cx="2521559" cy="846196"/>
           </a:xfrm>
           <a:prstGeom prst="ellipse">
             <a:avLst/>
@@ -6321,7 +7139,7 @@
             <a:pPr algn="ctr"/>
             <a:r>
               <a:rPr lang="en-AU" dirty="0" smtClean="0"/>
-              <a:t>Search Applications</a:t>
+              <a:t>Search Application Controllers</a:t>
             </a:r>
           </a:p>
         </p:txBody>
@@ -6393,8 +7211,8 @@
         </p:nvSpPr>
         <p:spPr>
           <a:xfrm>
-            <a:off x="2466725" y="1962791"/>
-            <a:ext cx="8844191" cy="571223"/>
+            <a:off x="2449919" y="1944242"/>
+            <a:ext cx="8607020" cy="571223"/>
           </a:xfrm>
           <a:prstGeom prst="flowChartMultidocument">
             <a:avLst/>
@@ -6567,8 +7385,8 @@
         </p:nvSpPr>
         <p:spPr>
           <a:xfrm>
-            <a:off x="9571348" y="843975"/>
-            <a:ext cx="1739569" cy="976443"/>
+            <a:off x="9698349" y="843975"/>
+            <a:ext cx="1358589" cy="976443"/>
           </a:xfrm>
           <a:prstGeom prst="rect">
             <a:avLst/>
@@ -6607,17 +7425,12 @@
             <a:pPr algn="ctr"/>
             <a:r>
               <a:rPr lang="en-AU" sz="1300" dirty="0" smtClean="0"/>
-              <a:t>Bing, Google, Twitter</a:t>
+              <a:t>Bing, Google, Foursquare, </a:t>
             </a:r>
             <a:r>
               <a:rPr lang="en-AU" sz="1300" dirty="0"/>
-              <a:t>, </a:t>
-            </a:r>
-            <a:r>
-              <a:rPr lang="en-AU" sz="1300" dirty="0" smtClean="0"/>
-              <a:t>Foursquare, Flickr, Facebook</a:t>
-            </a:r>
-            <a:endParaRPr lang="en-AU" sz="1300" dirty="0"/>
+              <a:t>Twitter, Flickr</a:t>
+            </a:r>
           </a:p>
         </p:txBody>
       </p:sp>
@@ -6727,8 +7540,8 @@
         </p:nvSpPr>
         <p:spPr>
           <a:xfrm>
-            <a:off x="2983235" y="4945200"/>
-            <a:ext cx="1496415" cy="610983"/>
+            <a:off x="2729235" y="4691201"/>
+            <a:ext cx="2288853" cy="1245339"/>
           </a:xfrm>
           <a:prstGeom prst="leftRightArrow">
             <a:avLst/>
@@ -6759,9 +7572,25 @@
           <a:p>
             <a:pPr algn="ctr"/>
             <a:r>
-              <a:rPr lang="en-AU" sz="1300" dirty="0"/>
-              <a:t>REST &amp; NEST </a:t>
-            </a:r>
+              <a:rPr lang="en-AU" sz="1300" u="sng" dirty="0" smtClean="0"/>
+              <a:t>NEST </a:t>
+            </a:r>
+          </a:p>
+          <a:p>
+            <a:pPr algn="ctr"/>
+            <a:r>
+              <a:rPr lang="en-AU" sz="1400" dirty="0" err="1" smtClean="0"/>
+              <a:t>Elasticsearch.Net</a:t>
+            </a:r>
+            <a:endParaRPr lang="en-AU" sz="1400" dirty="0" smtClean="0"/>
+          </a:p>
+          <a:p>
+            <a:pPr algn="ctr"/>
+            <a:r>
+              <a:rPr lang="en-AU" sz="1400" dirty="0" smtClean="0"/>
+              <a:t>REST</a:t>
+            </a:r>
+            <a:endParaRPr lang="en-AU" sz="1300" dirty="0"/>
           </a:p>
         </p:txBody>
       </p:sp>
@@ -7228,18 +8057,21 @@
       </p:sp>
       <p:sp>
         <p:nvSpPr>
-          <p:cNvPr id="24" name="Down Arrow 23"/>
+          <p:cNvPr id="21" name="Flowchart: Predefined Process 20"/>
           <p:cNvSpPr/>
           <p:nvPr/>
         </p:nvSpPr>
         <p:spPr>
           <a:xfrm>
-            <a:off x="10678507" y="3387725"/>
-            <a:ext cx="746731" cy="1065646"/>
+            <a:off x="2040183" y="3168031"/>
+            <a:ext cx="1391064" cy="439387"/>
           </a:xfrm>
-          <a:prstGeom prst="downArrow">
+          <a:prstGeom prst="flowChartPredefinedProcess">
             <a:avLst/>
           </a:prstGeom>
+          <a:solidFill>
+            <a:srgbClr val="92D050"/>
+          </a:solidFill>
         </p:spPr>
         <p:style>
           <a:lnRef idx="2">
@@ -7263,10 +8095,10 @@
           <a:p>
             <a:pPr algn="ctr"/>
             <a:r>
-              <a:rPr lang="en-AU" sz="1400" dirty="0" smtClean="0"/>
-              <a:t>UI</a:t>
-            </a:r>
-            <a:endParaRPr lang="en-AU" sz="1400" dirty="0"/>
+              <a:rPr lang="en-AU" dirty="0" err="1" smtClean="0"/>
+              <a:t>xPack</a:t>
+            </a:r>
+            <a:endParaRPr lang="en-AU" dirty="0"/>
           </a:p>
         </p:txBody>
       </p:sp>
@@ -7723,7 +8555,7 @@
                                           </p:stCondLst>
                                         </p:cTn>
                                         <p:tgtEl>
-                                          <p:spTgt spid="23"/>
+                                          <p:spTgt spid="21"/>
                                         </p:tgtEl>
                                         <p:attrNameLst>
                                           <p:attrName>style.visibility</p:attrName>
@@ -7737,7 +8569,7 @@
                                       <p:cBhvr additive="base">
                                         <p:cTn id="31" dur="500" fill="hold"/>
                                         <p:tgtEl>
-                                          <p:spTgt spid="23"/>
+                                          <p:spTgt spid="21"/>
                                         </p:tgtEl>
                                         <p:attrNameLst>
                                           <p:attrName>ppt_x</p:attrName>
@@ -7760,7 +8592,7 @@
                                       <p:cBhvr additive="base">
                                         <p:cTn id="32" dur="500" fill="hold"/>
                                         <p:tgtEl>
-                                          <p:spTgt spid="23"/>
+                                          <p:spTgt spid="21"/>
                                         </p:tgtEl>
                                         <p:attrNameLst>
                                           <p:attrName>ppt_y</p:attrName>
@@ -7796,7 +8628,7 @@
                                           </p:stCondLst>
                                         </p:cTn>
                                         <p:tgtEl>
-                                          <p:spTgt spid="12"/>
+                                          <p:spTgt spid="23"/>
                                         </p:tgtEl>
                                         <p:attrNameLst>
                                           <p:attrName>style.visibility</p:attrName>
@@ -7810,7 +8642,7 @@
                                       <p:cBhvr additive="base">
                                         <p:cTn id="35" dur="500" fill="hold"/>
                                         <p:tgtEl>
-                                          <p:spTgt spid="12"/>
+                                          <p:spTgt spid="23"/>
                                         </p:tgtEl>
                                         <p:attrNameLst>
                                           <p:attrName>ppt_x</p:attrName>
@@ -7833,7 +8665,7 @@
                                       <p:cBhvr additive="base">
                                         <p:cTn id="36" dur="500" fill="hold"/>
                                         <p:tgtEl>
-                                          <p:spTgt spid="12"/>
+                                          <p:spTgt spid="23"/>
                                         </p:tgtEl>
                                         <p:attrNameLst>
                                           <p:attrName>ppt_y</p:attrName>
@@ -7869,7 +8701,7 @@
                                           </p:stCondLst>
                                         </p:cTn>
                                         <p:tgtEl>
-                                          <p:spTgt spid="13"/>
+                                          <p:spTgt spid="12"/>
                                         </p:tgtEl>
                                         <p:attrNameLst>
                                           <p:attrName>style.visibility</p:attrName>
@@ -7883,7 +8715,7 @@
                                       <p:cBhvr additive="base">
                                         <p:cTn id="39" dur="500" fill="hold"/>
                                         <p:tgtEl>
-                                          <p:spTgt spid="13"/>
+                                          <p:spTgt spid="12"/>
                                         </p:tgtEl>
                                         <p:attrNameLst>
                                           <p:attrName>ppt_x</p:attrName>
@@ -7906,7 +8738,7 @@
                                       <p:cBhvr additive="base">
                                         <p:cTn id="40" dur="500" fill="hold"/>
                                         <p:tgtEl>
-                                          <p:spTgt spid="13"/>
+                                          <p:spTgt spid="12"/>
                                         </p:tgtEl>
                                         <p:attrNameLst>
                                           <p:attrName>ppt_y</p:attrName>
@@ -7942,7 +8774,7 @@
                                           </p:stCondLst>
                                         </p:cTn>
                                         <p:tgtEl>
-                                          <p:spTgt spid="22"/>
+                                          <p:spTgt spid="13"/>
                                         </p:tgtEl>
                                         <p:attrNameLst>
                                           <p:attrName>style.visibility</p:attrName>
@@ -7956,7 +8788,7 @@
                                       <p:cBhvr additive="base">
                                         <p:cTn id="43" dur="500" fill="hold"/>
                                         <p:tgtEl>
-                                          <p:spTgt spid="22"/>
+                                          <p:spTgt spid="13"/>
                                         </p:tgtEl>
                                         <p:attrNameLst>
                                           <p:attrName>ppt_x</p:attrName>
@@ -7979,7 +8811,7 @@
                                       <p:cBhvr additive="base">
                                         <p:cTn id="44" dur="500" fill="hold"/>
                                         <p:tgtEl>
-                                          <p:spTgt spid="22"/>
+                                          <p:spTgt spid="13"/>
                                         </p:tgtEl>
                                         <p:attrNameLst>
                                           <p:attrName>ppt_y</p:attrName>
@@ -8015,7 +8847,7 @@
                                           </p:stCondLst>
                                         </p:cTn>
                                         <p:tgtEl>
-                                          <p:spTgt spid="8"/>
+                                          <p:spTgt spid="22"/>
                                         </p:tgtEl>
                                         <p:attrNameLst>
                                           <p:attrName>style.visibility</p:attrName>
@@ -8029,7 +8861,7 @@
                                       <p:cBhvr additive="base">
                                         <p:cTn id="47" dur="500" fill="hold"/>
                                         <p:tgtEl>
-                                          <p:spTgt spid="8"/>
+                                          <p:spTgt spid="22"/>
                                         </p:tgtEl>
                                         <p:attrNameLst>
                                           <p:attrName>ppt_x</p:attrName>
@@ -8052,7 +8884,7 @@
                                       <p:cBhvr additive="base">
                                         <p:cTn id="48" dur="500" fill="hold"/>
                                         <p:tgtEl>
-                                          <p:spTgt spid="8"/>
+                                          <p:spTgt spid="22"/>
                                         </p:tgtEl>
                                         <p:attrNameLst>
                                           <p:attrName>ppt_y</p:attrName>
@@ -8074,39 +8906,21 @@
                                   </p:childTnLst>
                                 </p:cTn>
                               </p:par>
-                            </p:childTnLst>
-                          </p:cTn>
-                        </p:par>
-                      </p:childTnLst>
-                    </p:cTn>
-                  </p:par>
-                  <p:par>
-                    <p:cTn id="49" fill="hold">
-                      <p:stCondLst>
-                        <p:cond delay="indefinite"/>
-                      </p:stCondLst>
-                      <p:childTnLst>
-                        <p:par>
-                          <p:cTn id="50" fill="hold">
-                            <p:stCondLst>
-                              <p:cond delay="0"/>
-                            </p:stCondLst>
-                            <p:childTnLst>
                               <p:par>
-                                <p:cTn id="51" presetID="2" presetClass="entr" presetSubtype="4" fill="hold" grpId="0" nodeType="clickEffect">
+                                <p:cTn id="49" presetID="2" presetClass="entr" presetSubtype="4" fill="hold" grpId="0" nodeType="withEffect">
                                   <p:stCondLst>
                                     <p:cond delay="0"/>
                                   </p:stCondLst>
                                   <p:childTnLst>
                                     <p:set>
                                       <p:cBhvr>
-                                        <p:cTn id="52" dur="1" fill="hold">
+                                        <p:cTn id="50" dur="1" fill="hold">
                                           <p:stCondLst>
                                             <p:cond delay="0"/>
                                           </p:stCondLst>
                                         </p:cTn>
                                         <p:tgtEl>
-                                          <p:spTgt spid="24"/>
+                                          <p:spTgt spid="8"/>
                                         </p:tgtEl>
                                         <p:attrNameLst>
                                           <p:attrName>style.visibility</p:attrName>
@@ -8118,9 +8932,9 @@
                                     </p:set>
                                     <p:anim calcmode="lin" valueType="num">
                                       <p:cBhvr additive="base">
-                                        <p:cTn id="53" dur="500" fill="hold"/>
-                                        <p:tgtEl>
-                                          <p:spTgt spid="24"/>
+                                        <p:cTn id="51" dur="500" fill="hold"/>
+                                        <p:tgtEl>
+                                          <p:spTgt spid="8"/>
                                         </p:tgtEl>
                                         <p:attrNameLst>
                                           <p:attrName>ppt_x</p:attrName>
@@ -8141,9 +8955,9 @@
                                     </p:anim>
                                     <p:anim calcmode="lin" valueType="num">
                                       <p:cBhvr additive="base">
-                                        <p:cTn id="54" dur="500" fill="hold"/>
-                                        <p:tgtEl>
-                                          <p:spTgt spid="24"/>
+                                        <p:cTn id="52" dur="500" fill="hold"/>
+                                        <p:tgtEl>
+                                          <p:spTgt spid="8"/>
                                         </p:tgtEl>
                                         <p:attrNameLst>
                                           <p:attrName>ppt_y</p:attrName>
@@ -8166,14 +8980,14 @@
                                 </p:cTn>
                               </p:par>
                               <p:par>
-                                <p:cTn id="55" presetID="2" presetClass="entr" presetSubtype="4" fill="hold" grpId="0" nodeType="withEffect">
+                                <p:cTn id="53" presetID="2" presetClass="entr" presetSubtype="4" fill="hold" grpId="0" nodeType="withEffect">
                                   <p:stCondLst>
                                     <p:cond delay="0"/>
                                   </p:stCondLst>
                                   <p:childTnLst>
                                     <p:set>
                                       <p:cBhvr>
-                                        <p:cTn id="56" dur="1" fill="hold">
+                                        <p:cTn id="54" dur="1" fill="hold">
                                           <p:stCondLst>
                                             <p:cond delay="0"/>
                                           </p:stCondLst>
@@ -8191,7 +9005,7 @@
                                     </p:set>
                                     <p:anim calcmode="lin" valueType="num">
                                       <p:cBhvr additive="base">
-                                        <p:cTn id="57" dur="500" fill="hold"/>
+                                        <p:cTn id="55" dur="500" fill="hold"/>
                                         <p:tgtEl>
                                           <p:spTgt spid="4"/>
                                         </p:tgtEl>
@@ -8214,7 +9028,7 @@
                                     </p:anim>
                                     <p:anim calcmode="lin" valueType="num">
                                       <p:cBhvr additive="base">
-                                        <p:cTn id="58" dur="500" fill="hold"/>
+                                        <p:cTn id="56" dur="500" fill="hold"/>
                                         <p:tgtEl>
                                           <p:spTgt spid="4"/>
                                         </p:tgtEl>
@@ -8239,14 +9053,14 @@
                                 </p:cTn>
                               </p:par>
                               <p:par>
-                                <p:cTn id="59" presetID="2" presetClass="entr" presetSubtype="4" fill="hold" nodeType="withEffect">
+                                <p:cTn id="57" presetID="2" presetClass="entr" presetSubtype="4" fill="hold" nodeType="withEffect">
                                   <p:stCondLst>
                                     <p:cond delay="0"/>
                                   </p:stCondLst>
                                   <p:childTnLst>
                                     <p:set>
                                       <p:cBhvr>
-                                        <p:cTn id="60" dur="1" fill="hold">
+                                        <p:cTn id="58" dur="1" fill="hold">
                                           <p:stCondLst>
                                             <p:cond delay="0"/>
                                           </p:stCondLst>
@@ -8264,7 +9078,7 @@
                                     </p:set>
                                     <p:anim calcmode="lin" valueType="num">
                                       <p:cBhvr additive="base">
-                                        <p:cTn id="61" dur="500" fill="hold"/>
+                                        <p:cTn id="59" dur="500" fill="hold"/>
                                         <p:tgtEl>
                                           <p:spTgt spid="6"/>
                                         </p:tgtEl>
@@ -8287,7 +9101,7 @@
                                     </p:anim>
                                     <p:anim calcmode="lin" valueType="num">
                                       <p:cBhvr additive="base">
-                                        <p:cTn id="62" dur="500" fill="hold"/>
+                                        <p:cTn id="60" dur="500" fill="hold"/>
                                         <p:tgtEl>
                                           <p:spTgt spid="6"/>
                                         </p:tgtEl>
@@ -8350,7 +9164,7 @@
       <p:bldP spid="4" grpId="0" animBg="1"/>
       <p:bldP spid="7" grpId="0" animBg="1"/>
       <p:bldP spid="10" grpId="0" animBg="1"/>
-      <p:bldP spid="24" grpId="0" animBg="1"/>
+      <p:bldP spid="21" grpId="0" animBg="1"/>
     </p:bldLst>
   </p:timing>
 </p:sld>
@@ -9096,6 +9910,87 @@
           </a:prstGeom>
         </p:spPr>
       </p:pic>
+      <p:sp>
+        <p:nvSpPr>
+          <p:cNvPr id="6" name="Up Arrow 5"/>
+          <p:cNvSpPr/>
+          <p:nvPr/>
+        </p:nvSpPr>
+        <p:spPr>
+          <a:xfrm>
+            <a:off x="5842913" y="4806595"/>
+            <a:ext cx="529286" cy="1308455"/>
+          </a:xfrm>
+          <a:prstGeom prst="upArrow">
+            <a:avLst/>
+          </a:prstGeom>
+        </p:spPr>
+        <p:style>
+          <a:lnRef idx="2">
+            <a:schemeClr val="accent1">
+              <a:shade val="50000"/>
+            </a:schemeClr>
+          </a:lnRef>
+          <a:fillRef idx="1">
+            <a:schemeClr val="accent1"/>
+          </a:fillRef>
+          <a:effectRef idx="0">
+            <a:schemeClr val="accent1"/>
+          </a:effectRef>
+          <a:fontRef idx="minor">
+            <a:schemeClr val="lt1"/>
+          </a:fontRef>
+        </p:style>
+        <p:txBody>
+          <a:bodyPr rtlCol="0" anchor="ctr"/>
+          <a:lstStyle/>
+          <a:p>
+            <a:pPr algn="ctr"/>
+            <a:endParaRPr lang="en-AU"/>
+          </a:p>
+        </p:txBody>
+      </p:sp>
+      <p:pic>
+        <p:nvPicPr>
+          <p:cNvPr id="1026" name="Picture 2" descr="https://searchcode.com/static/searchcode_logo.png"/>
+          <p:cNvPicPr>
+            <a:picLocks noChangeAspect="1" noChangeArrowheads="1"/>
+          </p:cNvPicPr>
+          <p:nvPr/>
+        </p:nvPicPr>
+        <p:blipFill>
+          <a:blip r:embed="rId6">
+            <a:extLst>
+              <a:ext uri="{28A0092B-C50C-407E-A947-70E740481C1C}">
+                <a14:useLocalDpi xmlns:a14="http://schemas.microsoft.com/office/drawing/2010/main" val="0"/>
+              </a:ext>
+            </a:extLst>
+          </a:blip>
+          <a:srcRect/>
+          <a:stretch>
+            <a:fillRect/>
+          </a:stretch>
+        </p:blipFill>
+        <p:spPr bwMode="auto">
+          <a:xfrm>
+            <a:off x="5264378" y="6267468"/>
+            <a:ext cx="2066498" cy="418995"/>
+          </a:xfrm>
+          <a:prstGeom prst="rect">
+            <a:avLst/>
+          </a:prstGeom>
+          <a:noFill/>
+          <a:extLst>
+            <a:ext uri="{909E8E84-426E-40DD-AFC4-6F175D3DCCD1}">
+              <a14:hiddenFill xmlns:a14="http://schemas.microsoft.com/office/drawing/2010/main">
+                <a:solidFill>
+                  <a:srgbClr val="FFFFFF"/>
+                </a:solidFill>
+              </a14:hiddenFill>
+            </a:ext>
+          </a:extLst>
+        </p:spPr>
+      </p:pic>
     </p:spTree>
     <p:extLst>
       <p:ext uri="{BB962C8B-B14F-4D97-AF65-F5344CB8AC3E}">
@@ -10101,6 +10996,170 @@
                       </p:childTnLst>
                     </p:cTn>
                   </p:par>
+                  <p:par>
+                    <p:cTn id="63" fill="hold">
+                      <p:stCondLst>
+                        <p:cond delay="indefinite"/>
+                      </p:stCondLst>
+                      <p:childTnLst>
+                        <p:par>
+                          <p:cTn id="64" fill="hold">
+                            <p:stCondLst>
+                              <p:cond delay="0"/>
+                            </p:stCondLst>
+                            <p:childTnLst>
+                              <p:par>
+                                <p:cTn id="65" presetID="2" presetClass="entr" presetSubtype="4" fill="hold" grpId="0" nodeType="clickEffect">
+                                  <p:stCondLst>
+                                    <p:cond delay="0"/>
+                                  </p:stCondLst>
+                                  <p:childTnLst>
+                                    <p:set>
+                                      <p:cBhvr>
+                                        <p:cTn id="66" dur="1" fill="hold">
+                                          <p:stCondLst>
+                                            <p:cond delay="0"/>
+                                          </p:stCondLst>
+                                        </p:cTn>
+                                        <p:tgtEl>
+                                          <p:spTgt spid="6"/>
+                                        </p:tgtEl>
+                                        <p:attrNameLst>
+                                          <p:attrName>style.visibility</p:attrName>
+                                        </p:attrNameLst>
+                                      </p:cBhvr>
+                                      <p:to>
+                                        <p:strVal val="visible"/>
+                                      </p:to>
+                                    </p:set>
+                                    <p:anim calcmode="lin" valueType="num">
+                                      <p:cBhvr additive="base">
+                                        <p:cTn id="67" dur="500" fill="hold"/>
+                                        <p:tgtEl>
+                                          <p:spTgt spid="6"/>
+                                        </p:tgtEl>
+                                        <p:attrNameLst>
+                                          <p:attrName>ppt_x</p:attrName>
+                                        </p:attrNameLst>
+                                      </p:cBhvr>
+                                      <p:tavLst>
+                                        <p:tav tm="0">
+                                          <p:val>
+                                            <p:strVal val="#ppt_x"/>
+                                          </p:val>
+                                        </p:tav>
+                                        <p:tav tm="100000">
+                                          <p:val>
+                                            <p:strVal val="#ppt_x"/>
+                                          </p:val>
+                                        </p:tav>
+                                      </p:tavLst>
+                                    </p:anim>
+                                    <p:anim calcmode="lin" valueType="num">
+                                      <p:cBhvr additive="base">
+                                        <p:cTn id="68" dur="500" fill="hold"/>
+                                        <p:tgtEl>
+                                          <p:spTgt spid="6"/>
+                                        </p:tgtEl>
+                                        <p:attrNameLst>
+                                          <p:attrName>ppt_y</p:attrName>
+                                        </p:attrNameLst>
+                                      </p:cBhvr>
+                                      <p:tavLst>
+                                        <p:tav tm="0">
+                                          <p:val>
+                                            <p:strVal val="1+#ppt_h/2"/>
+                                          </p:val>
+                                        </p:tav>
+                                        <p:tav tm="100000">
+                                          <p:val>
+                                            <p:strVal val="#ppt_y"/>
+                                          </p:val>
+                                        </p:tav>
+                                      </p:tavLst>
+                                    </p:anim>
+                                  </p:childTnLst>
+                                </p:cTn>
+                              </p:par>
+                              <p:par>
+                                <p:cTn id="69" presetID="2" presetClass="entr" presetSubtype="4" fill="hold" nodeType="withEffect">
+                                  <p:stCondLst>
+                                    <p:cond delay="0"/>
+                                  </p:stCondLst>
+                                  <p:childTnLst>
+                                    <p:set>
+                                      <p:cBhvr>
+                                        <p:cTn id="70" dur="1" fill="hold">
+                                          <p:stCondLst>
+                                            <p:cond delay="0"/>
+                                          </p:stCondLst>
+                                        </p:cTn>
+                                        <p:tgtEl>
+                                          <p:spTgt spid="1026"/>
+                                        </p:tgtEl>
+                                        <p:attrNameLst>
+                                          <p:attrName>style.visibility</p:attrName>
+                                        </p:attrNameLst>
+                                      </p:cBhvr>
+                                      <p:to>
+                                        <p:strVal val="visible"/>
+                                      </p:to>
+                                    </p:set>
+                                    <p:anim calcmode="lin" valueType="num">
+                                      <p:cBhvr additive="base">
+                                        <p:cTn id="71" dur="500" fill="hold"/>
+                                        <p:tgtEl>
+                                          <p:spTgt spid="1026"/>
+                                        </p:tgtEl>
+                                        <p:attrNameLst>
+                                          <p:attrName>ppt_x</p:attrName>
+                                        </p:attrNameLst>
+                                      </p:cBhvr>
+                                      <p:tavLst>
+                                        <p:tav tm="0">
+                                          <p:val>
+                                            <p:strVal val="#ppt_x"/>
+                                          </p:val>
+                                        </p:tav>
+                                        <p:tav tm="100000">
+                                          <p:val>
+                                            <p:strVal val="#ppt_x"/>
+                                          </p:val>
+                                        </p:tav>
+                                      </p:tavLst>
+                                    </p:anim>
+                                    <p:anim calcmode="lin" valueType="num">
+                                      <p:cBhvr additive="base">
+                                        <p:cTn id="72" dur="500" fill="hold"/>
+                                        <p:tgtEl>
+                                          <p:spTgt spid="1026"/>
+                                        </p:tgtEl>
+                                        <p:attrNameLst>
+                                          <p:attrName>ppt_y</p:attrName>
+                                        </p:attrNameLst>
+                                      </p:cBhvr>
+                                      <p:tavLst>
+                                        <p:tav tm="0">
+                                          <p:val>
+                                            <p:strVal val="1+#ppt_h/2"/>
+                                          </p:val>
+                                        </p:tav>
+                                        <p:tav tm="100000">
+                                          <p:val>
+                                            <p:strVal val="#ppt_y"/>
+                                          </p:val>
+                                        </p:tav>
+                                      </p:tavLst>
+                                    </p:anim>
+                                  </p:childTnLst>
+                                </p:cTn>
+                              </p:par>
+                            </p:childTnLst>
+                          </p:cTn>
+                        </p:par>
+                      </p:childTnLst>
+                    </p:cTn>
+                  </p:par>
                 </p:childTnLst>
               </p:cTn>
               <p:prevCondLst>
@@ -10132,6 +11191,7 @@
       <p:bldP spid="4" grpId="0" animBg="1"/>
       <p:bldP spid="18" grpId="0" animBg="1"/>
       <p:bldP spid="20" grpId="0" animBg="1"/>
+      <p:bldP spid="6" grpId="0" animBg="1"/>
     </p:bldLst>
   </p:timing>
 </p:sld>
@@ -10178,7 +11238,7 @@
           <a:p>
             <a:r>
               <a:rPr lang="en-AU" dirty="0" smtClean="0"/>
-              <a:t>Search Experience</a:t>
+              <a:t>USER Experience</a:t>
             </a:r>
             <a:endParaRPr lang="en-AU" dirty="0"/>
           </a:p>
@@ -10197,7 +11257,7 @@
         <p:spPr>
           <a:xfrm>
             <a:off x="285007" y="736269"/>
-            <a:ext cx="6873031" cy="5961413"/>
+            <a:ext cx="8339704" cy="5961413"/>
           </a:xfrm>
         </p:spPr>
         <p:txBody>
@@ -10207,27 +11267,31 @@
           <a:lstStyle/>
           <a:p>
             <a:r>
+              <a:rPr lang="en-AU" dirty="0" smtClean="0"/>
+              <a:t>Filtering and aggregations (ex. facets)</a:t>
+            </a:r>
+            <a:endParaRPr lang="en-AU" dirty="0"/>
+          </a:p>
+          <a:p>
+            <a:pPr lvl="1"/>
+            <a:r>
+              <a:rPr lang="en-AU" dirty="0" smtClean="0"/>
+              <a:t>Hierarchy (root </a:t>
+            </a:r>
+            <a:r>
               <a:rPr lang="en-AU" dirty="0"/>
-              <a:t>Scope (</a:t>
-            </a:r>
+              <a:t>-&gt; root\folder -&gt; root\folder\subfolder )</a:t>
+            </a:r>
+          </a:p>
+          <a:p>
+            <a:pPr lvl="1"/>
             <a:r>
               <a:rPr lang="en-AU" dirty="0" smtClean="0"/>
-              <a:t>Filtering, aggregations)</a:t>
-            </a:r>
-            <a:endParaRPr lang="en-AU" dirty="0"/>
-          </a:p>
-          <a:p>
-            <a:pPr lvl="1"/>
+              <a:t>File extension </a:t>
+            </a:r>
             <a:r>
               <a:rPr lang="en-AU" dirty="0"/>
-              <a:t>Location (\\computer\folder\..., \\nova\sharedFolder\... )</a:t>
-            </a:r>
-          </a:p>
-          <a:p>
-            <a:pPr lvl="1"/>
-            <a:r>
-              <a:rPr lang="en-AU" dirty="0"/>
-              <a:t>Extension (.pdf, .</a:t>
+              <a:t>(.pdf, .</a:t>
             </a:r>
             <a:r>
               <a:rPr lang="en-AU" dirty="0" smtClean="0"/>
@@ -10242,23 +11306,11 @@
             <a:pPr lvl="1"/>
             <a:r>
               <a:rPr lang="en-AU" dirty="0" smtClean="0"/>
-              <a:t>Delegate to other engines (SharePoint, ERP, </a:t>
+              <a:t>Date ranges (</a:t>
             </a:r>
             <a:r>
               <a:rPr lang="en-AU" dirty="0"/>
-              <a:t>G</a:t>
-            </a:r>
-            <a:r>
-              <a:rPr lang="en-AU" dirty="0" smtClean="0"/>
-              <a:t>oogle)</a:t>
-            </a:r>
-            <a:endParaRPr lang="en-AU" dirty="0"/>
-          </a:p>
-          <a:p>
-            <a:pPr lvl="1"/>
-            <a:r>
-              <a:rPr lang="en-AU" dirty="0"/>
-              <a:t>Last modified (This Year, </a:t>
+              <a:t>This Year, </a:t>
             </a:r>
             <a:r>
               <a:rPr lang="en-AU" dirty="0" smtClean="0"/>
@@ -10272,8 +11324,12 @@
           <a:p>
             <a:pPr lvl="1"/>
             <a:r>
+              <a:rPr lang="en-AU" dirty="0" smtClean="0"/>
+              <a:t>Attributes (Author</a:t>
+            </a:r>
+            <a:r>
               <a:rPr lang="en-AU" dirty="0"/>
-              <a:t>Property (Author, </a:t>
+              <a:t>, </a:t>
             </a:r>
             <a:r>
               <a:rPr lang="en-AU" dirty="0" smtClean="0"/>
@@ -10292,44 +11348,52 @@
           <a:p>
             <a:r>
               <a:rPr lang="en-AU" dirty="0" smtClean="0"/>
-              <a:t>Morphology</a:t>
-            </a:r>
-            <a:endParaRPr lang="en-AU" dirty="0"/>
+              <a:t>Analysis</a:t>
+            </a:r>
           </a:p>
           <a:p>
             <a:pPr lvl="1"/>
             <a:r>
               <a:rPr lang="en-AU" dirty="0" smtClean="0"/>
-              <a:t> NEAR</a:t>
+              <a:t>Other languages and </a:t>
+            </a:r>
+            <a:r>
+              <a:rPr lang="en-AU" dirty="0" err="1" smtClean="0"/>
+              <a:t>unicode</a:t>
+            </a:r>
+            <a:r>
+              <a:rPr lang="en-AU" dirty="0" smtClean="0"/>
+              <a:t> </a:t>
             </a:r>
             <a:r>
               <a:rPr lang="en-AU" dirty="0"/>
-              <a:t>, ISABOUT, CONTAINS, LIKE, </a:t>
-            </a:r>
+              <a:t>support</a:t>
+            </a:r>
+            <a:endParaRPr lang="en-AU" dirty="0" smtClean="0"/>
+          </a:p>
+          <a:p>
+            <a:pPr lvl="1"/>
             <a:r>
               <a:rPr lang="en-AU" dirty="0" smtClean="0"/>
-              <a:t>FORMOF</a:t>
-            </a:r>
-            <a:endParaRPr lang="en-AU" dirty="0"/>
-          </a:p>
-          <a:p>
+              <a:t>Phonetic analysis </a:t>
+            </a:r>
+            <a:r>
+              <a:rPr lang="en-AU" dirty="0"/>
+              <a:t>and morphology </a:t>
+            </a:r>
             <a:r>
               <a:rPr lang="en-AU" dirty="0" smtClean="0"/>
-              <a:t>Discover, iterate, navigate *</a:t>
-            </a:r>
-            <a:endParaRPr lang="en-AU" dirty="0"/>
-          </a:p>
-          <a:p>
-            <a:pPr lvl="1"/>
+              <a:t>*</a:t>
+            </a:r>
+          </a:p>
+          <a:p>
+            <a:r>
+              <a:rPr lang="en-AU" dirty="0" smtClean="0"/>
+              <a:t>Level </a:t>
+            </a:r>
             <a:r>
               <a:rPr lang="en-AU" dirty="0"/>
-              <a:t>root -&gt; root\folder -&gt; root\folder\subfolder</a:t>
-            </a:r>
-          </a:p>
-          <a:p>
-            <a:r>
-              <a:rPr lang="en-AU" dirty="0"/>
-              <a:t>Level of confidence </a:t>
+              <a:t>of confidence </a:t>
             </a:r>
             <a:r>
               <a:rPr lang="en-AU" dirty="0" smtClean="0"/>
@@ -10337,11 +11401,19 @@
             </a:r>
             <a:r>
               <a:rPr lang="en-AU" dirty="0"/>
+              <a:t>, MLT, </a:t>
+            </a:r>
+            <a:r>
+              <a:rPr lang="en-AU" dirty="0" smtClean="0"/>
+              <a:t>autocomplete</a:t>
+            </a:r>
+            <a:r>
+              <a:rPr lang="en-AU" dirty="0"/>
               <a:t>, </a:t>
             </a:r>
             <a:r>
               <a:rPr lang="en-AU" dirty="0" smtClean="0"/>
-              <a:t>MLT, similarity)</a:t>
+              <a:t>similarity)</a:t>
             </a:r>
             <a:endParaRPr lang="en-AU" dirty="0"/>
           </a:p>
@@ -10356,20 +11428,72 @@
             <a:pPr lvl="1"/>
             <a:r>
               <a:rPr lang="en-AU" dirty="0"/>
-              <a:t>Not sure, but help me</a:t>
-            </a:r>
-          </a:p>
-          <a:p>
+              <a:t>Not sure, </a:t>
+            </a:r>
             <a:r>
               <a:rPr lang="en-AU" dirty="0" smtClean="0"/>
-              <a:t>UI layouts, paging, scrolling</a:t>
+              <a:t>help me</a:t>
             </a:r>
           </a:p>
           <a:p>
             <a:r>
               <a:rPr lang="en-AU" dirty="0" smtClean="0"/>
-              <a:t>Dashboards and sharing</a:t>
-            </a:r>
+              <a:t>UI: </a:t>
+            </a:r>
+          </a:p>
+          <a:p>
+            <a:pPr lvl="1"/>
+            <a:r>
+              <a:rPr lang="en-AU" dirty="0" smtClean="0"/>
+              <a:t>SPA </a:t>
+            </a:r>
+            <a:r>
+              <a:rPr lang="en-AU" dirty="0"/>
+              <a:t>vs MPA, Zoom, Drill, Modal Dialog</a:t>
+            </a:r>
+          </a:p>
+          <a:p>
+            <a:pPr lvl="1"/>
+            <a:r>
+              <a:rPr lang="en-AU" dirty="0" smtClean="0"/>
+              <a:t>Layouts, paging, scrolling, form factor, highlights</a:t>
+            </a:r>
+          </a:p>
+          <a:p>
+            <a:pPr lvl="1"/>
+            <a:r>
+              <a:rPr lang="en-AU" dirty="0" smtClean="0"/>
+              <a:t>Discover</a:t>
+            </a:r>
+            <a:r>
+              <a:rPr lang="en-AU" dirty="0"/>
+              <a:t>, iterate, </a:t>
+            </a:r>
+            <a:r>
+              <a:rPr lang="en-AU" dirty="0" smtClean="0"/>
+              <a:t>navigate, pin, dashboards, maps</a:t>
+            </a:r>
+          </a:p>
+          <a:p>
+            <a:r>
+              <a:rPr lang="en-AU" dirty="0" smtClean="0"/>
+              <a:t>Integrated search </a:t>
+            </a:r>
+            <a:r>
+              <a:rPr lang="en-AU" dirty="0"/>
+              <a:t>(SSRS, SharePoint, ERP, </a:t>
+            </a:r>
+            <a:r>
+              <a:rPr lang="en-AU" dirty="0" smtClean="0"/>
+              <a:t>Social)</a:t>
+            </a:r>
+            <a:endParaRPr lang="en-AU" dirty="0"/>
+          </a:p>
+          <a:p>
+            <a:pPr marL="274320" lvl="1" indent="0">
+              <a:buNone/>
+            </a:pPr>
+            <a:endParaRPr lang="en-AU" dirty="0" smtClean="0"/>
           </a:p>
         </p:txBody>
       </p:sp>
@@ -10420,7 +11544,7 @@
         </p:blipFill>
         <p:spPr bwMode="auto">
           <a:xfrm>
-            <a:off x="6573791" y="2919786"/>
+            <a:off x="7448680" y="2765408"/>
             <a:ext cx="4603962" cy="3309938"/>
           </a:xfrm>
           <a:prstGeom prst="rect">
@@ -10689,7 +11813,7 @@
           <p:nvPr/>
         </p:nvPicPr>
         <p:blipFill>
-          <a:blip r:embed="rId2"/>
+          <a:blip r:embed="rId3"/>
           <a:stretch>
             <a:fillRect/>
           </a:stretch>
@@ -10763,17 +11887,29 @@
               <a:rPr lang="en-AU" dirty="0" smtClean="0"/>
               <a:t>_alias</a:t>
             </a:r>
+            <a:r>
+              <a:rPr lang="en-AU" sz="1400" dirty="0" smtClean="0"/>
+              <a:t> – index name synonym used to merge, split or swap and hide from end user physical index names</a:t>
+            </a:r>
           </a:p>
           <a:p>
             <a:r>
               <a:rPr lang="en-AU" dirty="0" smtClean="0"/>
-              <a:t>_cat</a:t>
+              <a:t>_cat </a:t>
+            </a:r>
+            <a:r>
+              <a:rPr lang="en-AU" sz="1400" dirty="0" smtClean="0"/>
+              <a:t>– group of commands</a:t>
             </a:r>
           </a:p>
           <a:p>
             <a:r>
               <a:rPr lang="en-AU" dirty="0" smtClean="0"/>
-              <a:t>_cluster</a:t>
+              <a:t>_cluster –</a:t>
+            </a:r>
+            <a:r>
+              <a:rPr lang="en-AU" sz="1400" dirty="0" smtClean="0"/>
+              <a:t> collection of nodes</a:t>
             </a:r>
           </a:p>
           <a:p>
@@ -10797,7 +11933,7 @@
             </a:r>
             <a:r>
               <a:rPr lang="en-AU" sz="1400" dirty="0" smtClean="0"/>
-              <a:t>type(table) name</a:t>
+              <a:t>type(table) inside index</a:t>
             </a:r>
             <a:endParaRPr lang="en-AU" sz="1400" dirty="0"/>
           </a:p>
@@ -10965,7 +12101,7 @@
               <a:t>score </a:t>
             </a:r>
             <a:r>
-              <a:rPr lang="en-AU" sz="1400" smtClean="0"/>
+              <a:rPr lang="en-AU" sz="1400" dirty="0" smtClean="0"/>
               <a:t>= rank</a:t>
             </a:r>
             <a:endParaRPr lang="en-AU" sz="1400" dirty="0"/>
@@ -10995,9 +12131,13 @@
             </a:r>
             <a:r>
               <a:rPr lang="en-AU" dirty="0" smtClean="0"/>
-              <a:t>stats </a:t>
-            </a:r>
-            <a:endParaRPr lang="en-AU" dirty="0"/>
+              <a:t>stats</a:t>
+            </a:r>
+            <a:r>
+              <a:rPr lang="en-AU" sz="1400" dirty="0" smtClean="0"/>
+              <a:t> – statistics from specific levels</a:t>
+            </a:r>
+            <a:endParaRPr lang="en-AU" sz="1400" dirty="0"/>
           </a:p>
           <a:p>
             <a:r>
@@ -11042,9 +12182,13 @@
           <a:p>
             <a:r>
               <a:rPr lang="en-AU" dirty="0" smtClean="0"/>
-              <a:t>_template</a:t>
-            </a:r>
-            <a:endParaRPr lang="en-AU" dirty="0"/>
+              <a:t>_template – </a:t>
+            </a:r>
+            <a:r>
+              <a:rPr lang="en-AU" sz="1400" dirty="0" smtClean="0"/>
+              <a:t>predefined prototype of index or mapping</a:t>
+            </a:r>
+            <a:endParaRPr lang="en-AU" sz="1400" dirty="0"/>
           </a:p>
         </p:txBody>
       </p:sp>
@@ -11131,8 +12275,8 @@
         </p:nvSpPr>
         <p:spPr>
           <a:xfrm>
-            <a:off x="296882" y="914400"/>
-            <a:ext cx="10831366" cy="5772150"/>
+            <a:off x="296881" y="914400"/>
+            <a:ext cx="11561743" cy="5772150"/>
           </a:xfrm>
         </p:spPr>
         <p:txBody>
@@ -11154,8 +12298,13 @@
           <a:p>
             <a:r>
               <a:rPr lang="en-AU" sz="2200" dirty="0"/>
-              <a:t>Use scalable solutions (parallel processing, virtualisation, clustering, automation)</a:t>
-            </a:r>
+              <a:t>Use scalable solutions (parallel processing, virtualisation, </a:t>
+            </a:r>
+            <a:r>
+              <a:rPr lang="en-AU" sz="2200" dirty="0" smtClean="0"/>
+              <a:t>clustering, packaging)</a:t>
+            </a:r>
+            <a:endParaRPr lang="en-AU" sz="2200" dirty="0"/>
           </a:p>
           <a:p>
             <a:r>
@@ -11170,13 +12319,26 @@
             </a:r>
             <a:r>
               <a:rPr lang="en-AU" sz="2200" dirty="0"/>
-              <a:t>irrelevant files/folders</a:t>
-            </a:r>
+              <a:t>irrelevant </a:t>
+            </a:r>
+            <a:r>
+              <a:rPr lang="en-AU" sz="2200" dirty="0" smtClean="0"/>
+              <a:t>files/folders (~temp.doc, /archive/, /old/)</a:t>
+            </a:r>
+            <a:endParaRPr lang="en-AU" sz="2200" dirty="0"/>
           </a:p>
           <a:p>
             <a:r>
               <a:rPr lang="en-AU" sz="2200" dirty="0"/>
-              <a:t>Check if file is locked or password protected</a:t>
+              <a:t>Check if </a:t>
+            </a:r>
+            <a:r>
+              <a:rPr lang="en-AU" sz="2200" dirty="0" smtClean="0"/>
+              <a:t>file/folder </a:t>
+            </a:r>
+            <a:r>
+              <a:rPr lang="en-AU" sz="2200" dirty="0"/>
+              <a:t>is locked or password protected</a:t>
             </a:r>
           </a:p>
           <a:p>
@@ -11222,33 +12384,37 @@
           <a:p>
             <a:r>
               <a:rPr lang="en-AU" sz="2200" dirty="0" smtClean="0"/>
-              <a:t>Activate geotags on camera</a:t>
-            </a:r>
-          </a:p>
-          <a:p>
+              <a:t>Avoid dynamic type mapping where it is possible. Same name field must have the same </a:t>
+            </a:r>
+            <a:r>
+              <a:rPr lang="en-AU" sz="2200" dirty="0"/>
+              <a:t>data type across </a:t>
+            </a:r>
             <a:r>
               <a:rPr lang="en-AU" sz="2200" dirty="0" smtClean="0"/>
-              <a:t>Avoid dynamic type mapping where it is possible</a:t>
+              <a:t>all types in index</a:t>
             </a:r>
           </a:p>
           <a:p>
             <a:r>
               <a:rPr lang="en-AU" sz="2200" dirty="0" smtClean="0"/>
-              <a:t>Same name field must have the same </a:t>
-            </a:r>
+              <a:t>Add by batch, but replace the whole document - do not update each field</a:t>
+            </a:r>
+          </a:p>
+          <a:p>
             <a:r>
               <a:rPr lang="en-AU" sz="2200" dirty="0"/>
-              <a:t>data type across index </a:t>
+              <a:t>Activate geotags on </a:t>
             </a:r>
             <a:r>
               <a:rPr lang="en-AU" sz="2200" dirty="0" smtClean="0"/>
-              <a:t>types</a:t>
-            </a:r>
-          </a:p>
-          <a:p>
-            <a:r>
-              <a:rPr lang="en-AU" sz="2200" dirty="0" smtClean="0"/>
-              <a:t>Index data by batch, but replace the whole document - do not update fields</a:t>
+              <a:t>your phone camera </a:t>
+            </a:r>
+            <a:r>
+              <a:rPr lang="en-AU" sz="2200" dirty="0" smtClean="0">
+                <a:sym typeface="Wingdings" panose="05000000000000000000" pitchFamily="2" charset="2"/>
+              </a:rPr>
+              <a:t></a:t>
             </a:r>
             <a:endParaRPr lang="en-AU" sz="2200" dirty="0"/>
           </a:p>
@@ -11355,19 +12521,15 @@
           <a:p>
             <a:pPr lvl="1"/>
             <a:r>
-              <a:rPr lang="en-AU" sz="2400" dirty="0"/>
-              <a:t>Query </a:t>
-            </a:r>
-            <a:r>
               <a:rPr lang="en-AU" sz="2400" dirty="0" smtClean="0"/>
-              <a:t>id and history for sharing and analysis *</a:t>
+              <a:t>Document id, query id and history for analysis *</a:t>
             </a:r>
           </a:p>
           <a:p>
             <a:pPr lvl="1"/>
             <a:r>
               <a:rPr lang="en-AU" sz="2400" dirty="0" smtClean="0"/>
-              <a:t>Rank and promote search </a:t>
+              <a:t>Rank and aggregate search </a:t>
             </a:r>
             <a:r>
               <a:rPr lang="en-AU" sz="2400" dirty="0"/>
@@ -11405,8 +12567,12 @@
           <a:p>
             <a:pPr lvl="1"/>
             <a:r>
+              <a:rPr lang="en-AU" sz="2400" dirty="0" smtClean="0"/>
+              <a:t>Protect </a:t>
+            </a:r>
+            <a:r>
               <a:rPr lang="en-AU" sz="2400" dirty="0"/>
-              <a:t>Authenticate user and apply security for search results </a:t>
+              <a:t>search results </a:t>
             </a:r>
             <a:endParaRPr lang="en-AU" sz="2400" dirty="0" smtClean="0"/>
           </a:p>
@@ -11414,15 +12580,7 @@
             <a:pPr lvl="1"/>
             <a:r>
               <a:rPr lang="en-AU" sz="2400" dirty="0" smtClean="0"/>
-              <a:t>Convert </a:t>
-            </a:r>
-            <a:r>
-              <a:rPr lang="en-AU" sz="2400" dirty="0"/>
-              <a:t>search results to </a:t>
-            </a:r>
-            <a:r>
-              <a:rPr lang="en-AU" sz="2400" dirty="0" smtClean="0"/>
-              <a:t>knowledge</a:t>
+              <a:t>Convert information to knowledge</a:t>
             </a:r>
           </a:p>
           <a:p>
@@ -11455,29 +12613,78 @@
             </a:r>
             <a:r>
               <a:rPr lang="en-AU" sz="2400" dirty="0" smtClean="0"/>
-              <a:t>APIs </a:t>
-            </a:r>
+              <a:t>from one system, embed to another</a:t>
+            </a:r>
+          </a:p>
+          <a:p>
+            <a:pPr lvl="1"/>
             <a:r>
               <a:rPr lang="en-AU" sz="2400" dirty="0"/>
-              <a:t>from </a:t>
+              <a:t>Containerizing and </a:t>
             </a:r>
             <a:r>
               <a:rPr lang="en-AU" sz="2400" dirty="0" smtClean="0"/>
-              <a:t>one systems, embed to others</a:t>
-            </a:r>
+              <a:t>scaffolding: </a:t>
+            </a:r>
+            <a:r>
+              <a:rPr lang="en-AU" sz="2400" dirty="0">
+                <a:hlinkClick r:id="rId3"/>
+              </a:rPr>
+              <a:t>System </a:t>
+            </a:r>
+            <a:r>
+              <a:rPr lang="en-AU" sz="2400" dirty="0" err="1" smtClean="0">
+                <a:hlinkClick r:id="rId3"/>
+              </a:rPr>
+              <a:t>Center</a:t>
+            </a:r>
+            <a:r>
+              <a:rPr lang="en-AU" sz="2400" dirty="0" smtClean="0"/>
+              <a:t>, </a:t>
+            </a:r>
+            <a:r>
+              <a:rPr lang="en-AU" sz="2400" dirty="0" smtClean="0">
+                <a:hlinkClick r:id="rId4" action="ppaction://hlinkfile"/>
+              </a:rPr>
+              <a:t>Docker</a:t>
+            </a:r>
+            <a:r>
+              <a:rPr lang="en-AU" sz="2400" dirty="0" smtClean="0"/>
+              <a:t> , </a:t>
+            </a:r>
+            <a:r>
+              <a:rPr lang="en-AU" sz="2400" dirty="0" smtClean="0">
+                <a:hlinkClick r:id="rId5" action="ppaction://hlinkfile"/>
+              </a:rPr>
+              <a:t>Chocolatey</a:t>
+            </a:r>
+            <a:r>
+              <a:rPr lang="en-AU" sz="2400" dirty="0" smtClean="0"/>
+              <a:t>, </a:t>
+            </a:r>
+            <a:r>
+              <a:rPr lang="en-AU" sz="2400" dirty="0" smtClean="0">
+                <a:hlinkClick r:id="rId6" action="ppaction://hlinkfile"/>
+              </a:rPr>
+              <a:t>Chef</a:t>
+            </a:r>
+            <a:r>
+              <a:rPr lang="en-AU" sz="2400" dirty="0" smtClean="0"/>
+              <a:t>, </a:t>
+            </a:r>
+            <a:r>
+              <a:rPr lang="en-AU" sz="2400" dirty="0" smtClean="0">
+                <a:hlinkClick r:id="rId7" action="ppaction://hlinkfile"/>
+              </a:rPr>
+              <a:t>Yeoman</a:t>
+            </a:r>
+            <a:endParaRPr lang="en-AU" sz="2400" dirty="0"/>
           </a:p>
           <a:p>
             <a:pPr lvl="1"/>
             <a:r>
-              <a:rPr lang="en-AU" sz="2400" dirty="0"/>
-              <a:t>Containerizing and scaffolding</a:t>
-            </a:r>
-          </a:p>
-          <a:p>
-            <a:pPr lvl="1"/>
-            <a:r>
               <a:rPr lang="en-AU" sz="2400" dirty="0" smtClean="0"/>
-              <a:t>Process tenants content **</a:t>
+              <a:t>Process tenants content and monetize</a:t>
             </a:r>
             <a:endParaRPr lang="en-AU" sz="2400" dirty="0"/>
           </a:p>
@@ -11492,7 +12699,7 @@
           <p:nvPr/>
         </p:nvPicPr>
         <p:blipFill>
-          <a:blip r:embed="rId3">
+          <a:blip r:embed="rId8">
             <a:extLst>
               <a:ext uri="{28A0092B-C50C-407E-A947-70E740481C1C}">
                 <a14:useLocalDpi xmlns:a14="http://schemas.microsoft.com/office/drawing/2010/main" val="0"/>
@@ -11854,7 +13061,7 @@
             </a:r>
             <a:r>
               <a:rPr lang="en-AU" dirty="0" smtClean="0"/>
-              <a:t>+ external modules (</a:t>
+              <a:t>+ dependent ones (</a:t>
             </a:r>
             <a:r>
               <a:rPr lang="en-AU" dirty="0" smtClean="0">
@@ -11937,7 +13144,7 @@
           <a:p>
             <a:r>
               <a:rPr lang="en-AU" dirty="0" smtClean="0"/>
-              <a:t>SEARCH Links</a:t>
+              <a:t>Links</a:t>
             </a:r>
             <a:endParaRPr lang="en-AU" dirty="0"/>
           </a:p>
@@ -11966,87 +13173,91 @@
           <a:lstStyle/>
           <a:p>
             <a:r>
+              <a:rPr lang="en-AU" dirty="0" smtClean="0"/>
+              <a:t>ES guide</a:t>
+            </a:r>
+            <a:r>
               <a:rPr lang="en-AU" dirty="0"/>
-              <a:t>ES Guide:  </a:t>
-            </a:r>
-            <a:r>
-              <a:rPr lang="en-AU" dirty="0">
-                <a:hlinkClick r:id="rId2"/>
-              </a:rPr>
-              <a:t>https://www.elastic.co/guide</a:t>
-            </a:r>
-            <a:r>
-              <a:rPr lang="en-AU" dirty="0" smtClean="0">
-                <a:hlinkClick r:id="rId2"/>
-              </a:rPr>
-              <a:t>/</a:t>
-            </a:r>
-            <a:r>
-              <a:rPr lang="en-AU" dirty="0" smtClean="0"/>
-              <a:t> </a:t>
-            </a:r>
-          </a:p>
-          <a:p>
-            <a:r>
-              <a:rPr lang="en-AU" dirty="0" smtClean="0"/>
-              <a:t>ES Forum: </a:t>
-            </a:r>
-            <a:r>
-              <a:rPr lang="en-AU" dirty="0">
-                <a:hlinkClick r:id="rId3"/>
-              </a:rPr>
-              <a:t>https://discuss.elastic.co</a:t>
+              <a:t>:  </a:t>
             </a:r>
             <a:r>
               <a:rPr lang="en-AU" dirty="0" smtClean="0">
                 <a:hlinkClick r:id="rId3"/>
               </a:rPr>
-              <a:t>/</a:t>
-            </a:r>
-            <a:endParaRPr lang="en-AU" dirty="0" smtClean="0"/>
-          </a:p>
-          <a:p>
+              <a:t>elastic.co/guide</a:t>
+            </a:r>
+            <a:r>
+              <a:rPr lang="en-AU" dirty="0" smtClean="0"/>
+              <a:t> </a:t>
+            </a:r>
+          </a:p>
+          <a:p>
+            <a:r>
+              <a:rPr lang="en-AU" dirty="0" smtClean="0"/>
+              <a:t>ES client</a:t>
+            </a:r>
             <a:r>
               <a:rPr lang="en-AU" dirty="0"/>
-              <a:t>ES NEST official </a:t>
-            </a:r>
-            <a:r>
-              <a:rPr lang="en-AU" dirty="0" err="1"/>
-              <a:t>.Net</a:t>
-            </a:r>
-            <a:r>
-              <a:rPr lang="en-AU" dirty="0"/>
-              <a:t> client: </a:t>
-            </a:r>
-            <a:r>
-              <a:rPr lang="en-AU" dirty="0">
+              <a:t>: </a:t>
+            </a:r>
+            <a:r>
+              <a:rPr lang="en-AU" dirty="0" smtClean="0">
                 <a:hlinkClick r:id="rId4"/>
               </a:rPr>
-              <a:t>https://nest.azurewebsites.net/</a:t>
-            </a:r>
-            <a:endParaRPr lang="en-AU" dirty="0"/>
+              <a:t>elastic.co/guide/</a:t>
+            </a:r>
+            <a:r>
+              <a:rPr lang="en-AU" dirty="0" err="1" smtClean="0">
+                <a:hlinkClick r:id="rId4"/>
+              </a:rPr>
+              <a:t>en</a:t>
+            </a:r>
+            <a:r>
+              <a:rPr lang="en-AU" dirty="0" smtClean="0">
+                <a:hlinkClick r:id="rId4"/>
+              </a:rPr>
+              <a:t>/</a:t>
+            </a:r>
+            <a:r>
+              <a:rPr lang="en-AU" dirty="0" err="1" smtClean="0">
+                <a:hlinkClick r:id="rId4"/>
+              </a:rPr>
+              <a:t>elasticsearch</a:t>
+            </a:r>
+            <a:r>
+              <a:rPr lang="en-AU" dirty="0" smtClean="0">
+                <a:hlinkClick r:id="rId4"/>
+              </a:rPr>
+              <a:t>/client/net-</a:t>
+            </a:r>
+            <a:r>
+              <a:rPr lang="en-AU" dirty="0" err="1" smtClean="0">
+                <a:hlinkClick r:id="rId4"/>
+              </a:rPr>
+              <a:t>api</a:t>
+            </a:r>
+            <a:endParaRPr lang="en-AU" dirty="0" smtClean="0"/>
           </a:p>
           <a:p>
             <a:r>
               <a:rPr lang="en-AU" dirty="0" smtClean="0"/>
-              <a:t>ES Network Settings: </a:t>
-            </a:r>
-            <a:r>
-              <a:rPr lang="en-AU" dirty="0">
-                <a:hlinkClick r:id="rId5"/>
-              </a:rPr>
-              <a:t>https://</a:t>
+              <a:t>ES cheat sheet</a:t>
+            </a:r>
+            <a:r>
+              <a:rPr lang="en-AU" dirty="0"/>
+              <a:t>: </a:t>
             </a:r>
             <a:r>
               <a:rPr lang="en-AU" dirty="0" smtClean="0">
                 <a:hlinkClick r:id="rId5"/>
               </a:rPr>
-              <a:t>www.elastic.co/guide/en/elasticsearch/reference/current/modules-network.html</a:t>
+              <a:t>elasticsearch-cheatsheet.jolicode.com</a:t>
             </a:r>
             <a:r>
               <a:rPr lang="en-AU" dirty="0" smtClean="0"/>
               <a:t> </a:t>
             </a:r>
+            <a:endParaRPr lang="en-AU" dirty="0"/>
           </a:p>
           <a:p>
             <a:r>
@@ -12055,7 +13266,7 @@
             </a:r>
             <a:r>
               <a:rPr lang="en-AU" dirty="0" smtClean="0"/>
-              <a:t>cheat sheet</a:t>
+              <a:t>forum</a:t>
             </a:r>
             <a:r>
               <a:rPr lang="en-AU" dirty="0"/>
@@ -12065,12 +13276,9 @@
               <a:rPr lang="en-AU" dirty="0">
                 <a:hlinkClick r:id="rId6"/>
               </a:rPr>
-              <a:t>http://elasticsearch-cheatsheet.jolicode.com/</a:t>
-            </a:r>
-            <a:r>
-              <a:rPr lang="en-AU" dirty="0"/>
-              <a:t> </a:t>
-            </a:r>
+              <a:t>discuss.elastic.co</a:t>
+            </a:r>
+            <a:endParaRPr lang="en-AU" dirty="0"/>
           </a:p>
           <a:p>
             <a:r>
@@ -12082,76 +13290,103 @@
               <a:t>with PowerShell: </a:t>
             </a:r>
             <a:r>
-              <a:rPr lang="en-AU" dirty="0">
+              <a:rPr lang="en-AU" dirty="0" smtClean="0">
                 <a:hlinkClick r:id="rId7"/>
               </a:rPr>
-              <a:t>https://netfxharmonics.com/2015/11/learningelasticps</a:t>
-            </a:r>
-            <a:r>
-              <a:rPr lang="en-AU" dirty="0"/>
+              <a:t>netfxharmonics.com/2015/11/</a:t>
+            </a:r>
+            <a:r>
+              <a:rPr lang="en-AU" dirty="0" err="1" smtClean="0">
+                <a:hlinkClick r:id="rId7"/>
+              </a:rPr>
+              <a:t>learningelasticps</a:t>
+            </a:r>
+            <a:r>
+              <a:rPr lang="en-AU" dirty="0" smtClean="0"/>
               <a:t> </a:t>
             </a:r>
-          </a:p>
-          <a:p>
+            <a:endParaRPr lang="en-AU" dirty="0"/>
+          </a:p>
+          <a:p>
+            <a:r>
+              <a:rPr lang="en-AU" dirty="0" err="1" smtClean="0"/>
+              <a:t>SOLr</a:t>
+            </a:r>
             <a:r>
               <a:rPr lang="en-AU" dirty="0" smtClean="0"/>
-              <a:t>Azure Templates: </a:t>
+              <a:t> vs ES: </a:t>
             </a:r>
             <a:r>
               <a:rPr lang="en-AU" dirty="0" smtClean="0">
                 <a:hlinkClick r:id="rId8"/>
               </a:rPr>
-              <a:t>https://azure.microsoft.com/en-us/documentation/templates</a:t>
+              <a:t>solr-vs-elasticsearch.com</a:t>
             </a:r>
             <a:r>
               <a:rPr lang="en-AU" dirty="0" smtClean="0"/>
               <a:t> </a:t>
             </a:r>
-            <a:endParaRPr lang="en-AU" dirty="0"/>
-          </a:p>
-          <a:p>
-            <a:r>
-              <a:rPr lang="en-AU" dirty="0" err="1" smtClean="0"/>
-              <a:t>SOLr</a:t>
-            </a:r>
-            <a:r>
-              <a:rPr lang="en-AU" dirty="0" smtClean="0"/>
-              <a:t> vs ES: </a:t>
-            </a:r>
+          </a:p>
+          <a:p>
             <a:r>
               <a:rPr lang="en-AU" dirty="0" smtClean="0">
                 <a:hlinkClick r:id="rId9"/>
               </a:rPr>
-              <a:t>http</a:t>
-            </a:r>
-            <a:r>
-              <a:rPr lang="en-AU" dirty="0">
-                <a:hlinkClick r:id="rId9"/>
-              </a:rPr>
-              <a:t>://solr-vs-elasticsearch.com</a:t>
-            </a:r>
-            <a:r>
-              <a:rPr lang="en-AU" dirty="0" smtClean="0">
-                <a:hlinkClick r:id="rId9"/>
-              </a:rPr>
-              <a:t>/</a:t>
+              <a:t>Sense Google Chrome add in</a:t>
             </a:r>
             <a:r>
               <a:rPr lang="en-AU" dirty="0" smtClean="0"/>
               <a:t> </a:t>
             </a:r>
+            <a:endParaRPr lang="en-AU" dirty="0"/>
           </a:p>
           <a:p>
             <a:r>
               <a:rPr lang="en-AU" dirty="0" smtClean="0">
                 <a:hlinkClick r:id="rId10"/>
               </a:rPr>
-              <a:t>Sense Google Chrome add in</a:t>
-            </a:r>
-            <a:r>
-              <a:rPr lang="en-AU" dirty="0" smtClean="0"/>
+              <a:t>searchcode.com</a:t>
+            </a:r>
+            <a:endParaRPr lang="en-AU" dirty="0" smtClean="0"/>
+          </a:p>
+          <a:p>
+            <a:r>
+              <a:rPr lang="en-AU" dirty="0"/>
+              <a:t>Azure templates: </a:t>
+            </a:r>
+            <a:r>
+              <a:rPr lang="en-AU" dirty="0">
+                <a:hlinkClick r:id="rId11"/>
+              </a:rPr>
+              <a:t>azure.microsoft.com/</a:t>
+            </a:r>
+            <a:r>
+              <a:rPr lang="en-AU" dirty="0" err="1">
+                <a:hlinkClick r:id="rId11"/>
+              </a:rPr>
+              <a:t>en</a:t>
+            </a:r>
+            <a:r>
+              <a:rPr lang="en-AU" dirty="0">
+                <a:hlinkClick r:id="rId11"/>
+              </a:rPr>
+              <a:t>-us/documentation/templates</a:t>
+            </a:r>
+            <a:r>
+              <a:rPr lang="en-AU" dirty="0"/>
               <a:t> </a:t>
             </a:r>
+          </a:p>
+          <a:p>
+            <a:pPr marL="0" indent="0">
+              <a:buNone/>
+            </a:pPr>
+            <a:endParaRPr lang="ru-RU" dirty="0" smtClean="0"/>
+          </a:p>
+          <a:p>
+            <a:pPr marL="0" indent="0">
+              <a:buNone/>
+            </a:pPr>
             <a:endParaRPr lang="en-AU" dirty="0"/>
           </a:p>
         </p:txBody>
@@ -12281,7 +13516,7 @@
             <a:pPr lvl="1"/>
             <a:r>
               <a:rPr lang="en-AU" sz="2400" dirty="0" smtClean="0"/>
-              <a:t>Evaluate and choose tools</a:t>
+              <a:t>Evaluate and choose right tools</a:t>
             </a:r>
           </a:p>
           <a:p>
@@ -12312,13 +13547,16 @@
             <a:pPr lvl="1"/>
             <a:r>
               <a:rPr lang="en-AU" sz="2400" dirty="0" smtClean="0"/>
-              <a:t>Discover data with </a:t>
-            </a:r>
-            <a:r>
-              <a:rPr lang="en-AU" sz="2400" dirty="0" err="1" smtClean="0"/>
-              <a:t>Kibana</a:t>
-            </a:r>
-            <a:endParaRPr lang="en-AU" sz="2400" dirty="0" smtClean="0"/>
+              <a:t>Discover </a:t>
+            </a:r>
+            <a:r>
+              <a:rPr lang="en-AU" sz="2400" dirty="0"/>
+              <a:t>and </a:t>
+            </a:r>
+            <a:r>
+              <a:rPr lang="en-AU" sz="2400" dirty="0" smtClean="0"/>
+              <a:t>map data</a:t>
+            </a:r>
           </a:p>
           <a:p>
             <a:r>
@@ -12330,21 +13568,21 @@
             <a:pPr lvl="1"/>
             <a:r>
               <a:rPr lang="en-AU" sz="2400" dirty="0" smtClean="0"/>
-              <a:t>Visualise and deliver frontend</a:t>
+              <a:t>Integrate and visualise</a:t>
             </a:r>
           </a:p>
           <a:p>
             <a:pPr lvl="1"/>
             <a:r>
               <a:rPr lang="en-AU" sz="2400" dirty="0" smtClean="0"/>
-              <a:t>Monitor</a:t>
+              <a:t>Measure and monitor</a:t>
             </a:r>
           </a:p>
           <a:p>
             <a:pPr lvl="1"/>
             <a:r>
               <a:rPr lang="en-AU" sz="2400" dirty="0" smtClean="0"/>
-              <a:t>Improve</a:t>
+              <a:t>Improve and deliver</a:t>
             </a:r>
             <a:endParaRPr lang="en-AU" sz="2400" dirty="0"/>
           </a:p>
@@ -12366,7 +13604,7 @@
             </a:pPr>
             <a:r>
               <a:rPr lang="en-AU" sz="2400" dirty="0" smtClean="0"/>
-              <a:t>Ask me:	</a:t>
+              <a:t>Ask me:	 </a:t>
             </a:r>
             <a:r>
               <a:rPr lang="en-AU" sz="2400" dirty="0" smtClean="0">
@@ -12388,10 +13626,10 @@
             </a:pPr>
             <a:r>
               <a:rPr lang="en-AU" sz="2400" dirty="0" smtClean="0"/>
-              <a:t>Read me:	</a:t>
-            </a:r>
-            <a:r>
-              <a:rPr lang="en-AU" sz="2400" dirty="0">
+              <a:t>Read me:	 </a:t>
+            </a:r>
+            <a:r>
+              <a:rPr lang="en-AU" sz="2400" dirty="0" smtClean="0">
                 <a:hlinkClick r:id="rId4"/>
               </a:rPr>
               <a:t>andrewbutenko.wordpress.com</a:t>
@@ -12404,29 +13642,31 @@
             </a:pPr>
             <a:r>
               <a:rPr lang="en-AU" sz="2400" dirty="0" smtClean="0"/>
-              <a:t>Code with </a:t>
-            </a:r>
-            <a:r>
-              <a:rPr lang="en-AU" sz="2400" dirty="0" err="1" smtClean="0"/>
-              <a:t>me:</a:t>
+              <a:t>Code with me: </a:t>
+            </a:r>
+            <a:r>
+              <a:rPr lang="en-AU" sz="2400" dirty="0" smtClean="0">
+                <a:hlinkClick r:id="rId5"/>
+              </a:rPr>
+              <a:t>github.com/</a:t>
             </a:r>
             <a:r>
               <a:rPr lang="en-AU" sz="2400" dirty="0" err="1" smtClean="0">
                 <a:hlinkClick r:id="rId5"/>
               </a:rPr>
-              <a:t>https</a:t>
-            </a:r>
-            <a:r>
-              <a:rPr lang="en-AU" sz="2400" dirty="0">
-                <a:hlinkClick r:id="rId5"/>
-              </a:rPr>
-              <a:t>://</a:t>
+              <a:t>banban</a:t>
             </a:r>
             <a:r>
               <a:rPr lang="en-AU" sz="2400" dirty="0" smtClean="0">
                 <a:hlinkClick r:id="rId5"/>
               </a:rPr>
-              <a:t>github.com/banban/OhMySearch</a:t>
+              <a:t>/</a:t>
+            </a:r>
+            <a:r>
+              <a:rPr lang="en-AU" sz="2400" dirty="0" err="1" smtClean="0">
+                <a:hlinkClick r:id="rId5"/>
+              </a:rPr>
+              <a:t>OhMySearch</a:t>
             </a:r>
             <a:r>
               <a:rPr lang="en-AU" sz="2400" dirty="0" smtClean="0"/>
@@ -12523,7 +13763,7 @@
           <p:nvPr/>
         </p:nvPicPr>
         <p:blipFill>
-          <a:blip r:embed="rId2">
+          <a:blip r:embed="rId3">
             <a:extLst>
               <a:ext uri="{28A0092B-C50C-407E-A947-70E740481C1C}">
                 <a14:useLocalDpi xmlns:a14="http://schemas.microsoft.com/office/drawing/2010/main" val="0"/>
@@ -12591,130 +13831,157 @@
         </p:spPr>
         <p:txBody>
           <a:bodyPr>
-            <a:normAutofit fontScale="77500" lnSpcReduction="20000"/>
+            <a:normAutofit fontScale="62500" lnSpcReduction="20000"/>
           </a:bodyPr>
           <a:lstStyle/>
           <a:p>
             <a:r>
+              <a:rPr lang="en-AU" sz="3200" dirty="0" err="1" smtClean="0"/>
+              <a:t>Solr</a:t>
+            </a:r>
+            <a:endParaRPr lang="en-AU" sz="3200" dirty="0" smtClean="0"/>
+          </a:p>
+          <a:p>
+            <a:pPr lvl="1"/>
+            <a:r>
+              <a:rPr lang="en-AU" sz="3000" dirty="0" err="1" smtClean="0"/>
+              <a:t>Cnet</a:t>
+            </a:r>
+            <a:endParaRPr lang="en-AU" sz="3000" dirty="0" smtClean="0"/>
+          </a:p>
+          <a:p>
+            <a:pPr lvl="1"/>
+            <a:r>
+              <a:rPr lang="en-AU" sz="3000" dirty="0" smtClean="0"/>
+              <a:t>Netflix</a:t>
+            </a:r>
+          </a:p>
+          <a:p>
+            <a:pPr lvl="1"/>
+            <a:r>
+              <a:rPr lang="en-AU" sz="3000" dirty="0" smtClean="0"/>
+              <a:t>digg.com</a:t>
+            </a:r>
+            <a:endParaRPr lang="en-AU" sz="3000" dirty="0"/>
+          </a:p>
+          <a:p>
+            <a:r>
+              <a:rPr lang="en-AU" sz="3200" dirty="0" err="1" smtClean="0"/>
+              <a:t>Elasticsearch</a:t>
+            </a:r>
+            <a:r>
+              <a:rPr lang="en-AU" sz="3200" dirty="0"/>
+              <a:t>: </a:t>
+            </a:r>
+            <a:endParaRPr lang="en-AU" sz="3200" dirty="0" smtClean="0"/>
+          </a:p>
+          <a:p>
+            <a:pPr lvl="1"/>
+            <a:r>
+              <a:rPr lang="en-AU" sz="3000" dirty="0" smtClean="0"/>
+              <a:t>Foursquare</a:t>
+            </a:r>
+          </a:p>
+          <a:p>
+            <a:pPr lvl="1"/>
+            <a:r>
+              <a:rPr lang="en-AU" sz="3000" dirty="0" smtClean="0"/>
+              <a:t>Github</a:t>
+            </a:r>
+          </a:p>
+          <a:p>
+            <a:pPr lvl="1"/>
+            <a:r>
+              <a:rPr lang="en-AU" sz="3000" dirty="0" smtClean="0"/>
+              <a:t>Amazon</a:t>
+            </a:r>
+          </a:p>
+          <a:p>
+            <a:pPr lvl="1"/>
+            <a:r>
+              <a:rPr lang="en-AU" sz="3000" dirty="0" smtClean="0"/>
+              <a:t>NetSuite</a:t>
+            </a:r>
+          </a:p>
+          <a:p>
+            <a:pPr lvl="1"/>
+            <a:r>
+              <a:rPr lang="en-AU" sz="3000" dirty="0" smtClean="0"/>
+              <a:t>Azure </a:t>
+            </a:r>
+            <a:r>
+              <a:rPr lang="en-AU" sz="3000" dirty="0"/>
+              <a:t>Search</a:t>
+            </a:r>
+          </a:p>
+          <a:p>
+            <a:r>
+              <a:rPr lang="en-AU" sz="3200" dirty="0" smtClean="0"/>
+              <a:t>Microsoft: </a:t>
+            </a:r>
+          </a:p>
+          <a:p>
+            <a:pPr lvl="1"/>
+            <a:r>
+              <a:rPr lang="en-AU" sz="2800" dirty="0"/>
+              <a:t>Azure, </a:t>
+            </a:r>
+            <a:r>
+              <a:rPr lang="en-AU" sz="2800" dirty="0" smtClean="0"/>
+              <a:t>Bing, </a:t>
+            </a:r>
+            <a:r>
+              <a:rPr lang="en-AU" sz="2900" dirty="0"/>
+              <a:t>Hybrid</a:t>
+            </a:r>
+          </a:p>
+          <a:p>
+            <a:r>
+              <a:rPr lang="en-AU" sz="3200" dirty="0"/>
+              <a:t>Google: </a:t>
+            </a:r>
+          </a:p>
+          <a:p>
+            <a:pPr lvl="1"/>
+            <a:r>
+              <a:rPr lang="en-AU" sz="3000" dirty="0"/>
+              <a:t>Thunderstone.com (</a:t>
+            </a:r>
+            <a:r>
+              <a:rPr lang="en-AU" sz="2300" dirty="0"/>
+              <a:t>Google Search Appliance discontinued</a:t>
+            </a:r>
+            <a:r>
+              <a:rPr lang="en-AU" sz="3000" dirty="0"/>
+              <a:t>)</a:t>
+            </a:r>
+          </a:p>
+          <a:p>
+            <a:r>
               <a:rPr lang="en-AU" sz="3200" dirty="0" smtClean="0"/>
               <a:t>Sphinx </a:t>
             </a:r>
+            <a:endParaRPr lang="en-AU" sz="3200" dirty="0"/>
           </a:p>
           <a:p>
             <a:pPr lvl="1"/>
             <a:r>
-              <a:rPr lang="en-AU" sz="3000" dirty="0" smtClean="0"/>
+              <a:rPr lang="en-AU" sz="3000" dirty="0"/>
               <a:t>craigslist.org</a:t>
             </a:r>
-            <a:endParaRPr lang="en-AU" sz="3000" dirty="0"/>
-          </a:p>
-          <a:p>
-            <a:r>
-              <a:rPr lang="en-AU" sz="3200" dirty="0" err="1" smtClean="0"/>
-              <a:t>Solr</a:t>
+          </a:p>
+          <a:p>
+            <a:r>
+              <a:rPr lang="en-AU" sz="3200" dirty="0"/>
+              <a:t>duckduckgo.com</a:t>
             </a:r>
             <a:endParaRPr lang="en-AU" sz="3200" dirty="0" smtClean="0"/>
           </a:p>
           <a:p>
-            <a:pPr lvl="1"/>
-            <a:r>
-              <a:rPr lang="en-AU" sz="3000" dirty="0" err="1" smtClean="0"/>
-              <a:t>Cnet</a:t>
-            </a:r>
-            <a:endParaRPr lang="en-AU" sz="3000" dirty="0" smtClean="0"/>
-          </a:p>
-          <a:p>
-            <a:pPr lvl="1"/>
-            <a:r>
-              <a:rPr lang="en-AU" sz="3000" dirty="0" smtClean="0"/>
-              <a:t>Netflix</a:t>
-            </a:r>
-          </a:p>
-          <a:p>
-            <a:pPr lvl="1"/>
-            <a:r>
-              <a:rPr lang="en-AU" sz="3000" dirty="0" smtClean="0"/>
-              <a:t>digg.com</a:t>
-            </a:r>
-            <a:endParaRPr lang="en-AU" sz="3000" dirty="0"/>
-          </a:p>
-          <a:p>
-            <a:r>
-              <a:rPr lang="en-AU" sz="3200" dirty="0" err="1" smtClean="0"/>
-              <a:t>Elasticsearch</a:t>
-            </a:r>
-            <a:r>
-              <a:rPr lang="en-AU" sz="3200" dirty="0"/>
-              <a:t>: </a:t>
-            </a:r>
-            <a:endParaRPr lang="en-AU" sz="3200" dirty="0" smtClean="0"/>
-          </a:p>
-          <a:p>
-            <a:pPr lvl="1"/>
-            <a:r>
-              <a:rPr lang="en-AU" sz="3000" dirty="0" smtClean="0"/>
-              <a:t>Foursquare</a:t>
-            </a:r>
-          </a:p>
-          <a:p>
-            <a:pPr lvl="1"/>
-            <a:r>
-              <a:rPr lang="en-AU" sz="3000" dirty="0" smtClean="0"/>
-              <a:t>Github</a:t>
-            </a:r>
-          </a:p>
-          <a:p>
-            <a:pPr lvl="1"/>
-            <a:r>
-              <a:rPr lang="en-AU" sz="3000" dirty="0" smtClean="0"/>
-              <a:t>Amazon</a:t>
-            </a:r>
-          </a:p>
-          <a:p>
-            <a:pPr lvl="1"/>
-            <a:r>
-              <a:rPr lang="en-AU" sz="3000" dirty="0" smtClean="0"/>
-              <a:t>NetSuite</a:t>
-            </a:r>
-          </a:p>
-          <a:p>
-            <a:pPr lvl="1"/>
-            <a:r>
-              <a:rPr lang="en-AU" sz="3000" dirty="0" smtClean="0"/>
-              <a:t>Azure </a:t>
-            </a:r>
-            <a:r>
-              <a:rPr lang="en-AU" sz="3000" dirty="0"/>
-              <a:t>Search</a:t>
-            </a:r>
-          </a:p>
-          <a:p>
             <a:r>
               <a:rPr lang="en-AU" sz="3200" dirty="0" smtClean="0"/>
-              <a:t>Bing: </a:t>
-            </a:r>
-          </a:p>
-          <a:p>
-            <a:pPr lvl="1"/>
-            <a:r>
-              <a:rPr lang="en-AU" sz="3000" dirty="0" smtClean="0"/>
-              <a:t>Microsoft</a:t>
-            </a:r>
-            <a:endParaRPr lang="en-AU" sz="3000" dirty="0"/>
-          </a:p>
-          <a:p>
-            <a:r>
-              <a:rPr lang="en-AU" sz="3200" dirty="0" smtClean="0"/>
-              <a:t>Google: </a:t>
-            </a:r>
-          </a:p>
-          <a:p>
-            <a:pPr lvl="1"/>
-            <a:r>
-              <a:rPr lang="en-AU" sz="3000" dirty="0" smtClean="0"/>
-              <a:t>Everywhere</a:t>
-            </a:r>
-            <a:endParaRPr lang="en-AU" sz="3000" dirty="0"/>
+              <a:t>wolframalpha.com *</a:t>
+            </a:r>
           </a:p>
         </p:txBody>
       </p:sp>
@@ -12808,26 +14075,13 @@
           <a:lstStyle/>
           <a:p>
             <a:r>
-              <a:rPr lang="en-AU" dirty="0" smtClean="0"/>
-              <a:t>Sometimes </a:t>
-            </a:r>
-            <a:r>
               <a:rPr lang="en-AU" dirty="0"/>
-              <a:t>the fastest way of searching is not to search at all</a:t>
-            </a:r>
-            <a:r>
-              <a:rPr lang="en-AU" dirty="0" smtClean="0"/>
-              <a:t>. This </a:t>
-            </a:r>
-            <a:r>
-              <a:rPr lang="en-AU" dirty="0"/>
-              <a:t>particular cat may be skinned in myriad ways</a:t>
+              <a:t>Sometimes the fastest way of searching is not to search at all. This particular cat may be skinned in myriad ways</a:t>
             </a:r>
             <a:r>
               <a:rPr lang="en-AU" dirty="0" smtClean="0"/>
               <a:t>.</a:t>
             </a:r>
-            <a:endParaRPr lang="en-AU" dirty="0"/>
           </a:p>
           <a:p>
             <a:r>
@@ -12906,14 +14160,30 @@
             <a:pPr lvl="1"/>
             <a:r>
               <a:rPr lang="en-AU" dirty="0"/>
-              <a:t>Good reason: documents are immutable. Updates involve marking the existing item as deleted and inserting a new document. This is exactly how SQL Server 2014 IMOLTP works. It's one secret of extreme efficiency. It's an excellent practice to follow.</a:t>
+              <a:t>Good reason: documents are immutable. Updates involve marking the existing item as deleted and inserting a new document. This is exactly how SQL Server 2014 IMOLTP works. It's one secret of extreme </a:t>
+            </a:r>
+            <a:r>
+              <a:rPr lang="en-AU" dirty="0" smtClean="0"/>
+              <a:t>efficiency and an </a:t>
+            </a:r>
+            <a:r>
+              <a:rPr lang="en-AU" dirty="0"/>
+              <a:t>excellent practice to follow.</a:t>
             </a:r>
           </a:p>
           <a:p>
             <a:pPr lvl="1"/>
             <a:r>
               <a:rPr lang="en-AU" dirty="0"/>
-              <a:t>Weird reason: you have to update to know the integer ID to update a document. It's highly efficient, which makes it, at worst, "weird"; not "bad". </a:t>
+              <a:t>Weird reason: you have to </a:t>
+            </a:r>
+            <a:r>
+              <a:rPr lang="en-AU" dirty="0" smtClean="0"/>
+              <a:t>know </a:t>
+            </a:r>
+            <a:r>
+              <a:rPr lang="en-AU" dirty="0"/>
+              <a:t>the integer ID to update a document. It's highly efficient, which makes it, at worst, "weird"; not "bad". </a:t>
             </a:r>
           </a:p>
         </p:txBody>
@@ -12967,8 +14237,8 @@
         </p:nvSpPr>
         <p:spPr>
           <a:xfrm>
-            <a:off x="155448" y="111653"/>
-            <a:ext cx="11900194" cy="501957"/>
+            <a:off x="199698" y="0"/>
+            <a:ext cx="11183007" cy="674437"/>
           </a:xfrm>
         </p:spPr>
         <p:txBody>
@@ -12978,12 +14248,8 @@
           <a:lstStyle/>
           <a:p>
             <a:r>
-              <a:rPr lang="en-AU" dirty="0" err="1" smtClean="0"/>
-              <a:t>SEArCH</a:t>
-            </a:r>
-            <a:r>
               <a:rPr lang="en-AU" dirty="0" smtClean="0"/>
-              <a:t> Glossary</a:t>
+              <a:t>TERMINOLOGY (SEARCH vs RDBMS)</a:t>
             </a:r>
             <a:endParaRPr lang="en-AU" dirty="0"/>
           </a:p>
@@ -13001,565 +14267,193 @@
         </p:nvSpPr>
         <p:spPr>
           <a:xfrm>
-            <a:off x="1" y="613610"/>
-            <a:ext cx="11875168" cy="6244390"/>
+            <a:off x="199698" y="1091325"/>
+            <a:ext cx="11183006" cy="5080876"/>
           </a:xfrm>
         </p:spPr>
         <p:txBody>
-          <a:bodyPr numCol="3">
-            <a:noAutofit/>
+          <a:bodyPr>
+            <a:normAutofit fontScale="92500" lnSpcReduction="10000"/>
           </a:bodyPr>
           <a:lstStyle/>
           <a:p>
             <a:r>
-              <a:rPr lang="en-AU" sz="1200" b="1" dirty="0"/>
-              <a:t>Aggregation</a:t>
-            </a:r>
-            <a:r>
-              <a:rPr lang="en-AU" sz="1200" dirty="0"/>
-              <a:t> - new replacement for facets, nested. Facet - not nested, is </a:t>
-            </a:r>
-            <a:r>
-              <a:rPr lang="en-AU" sz="1200" dirty="0" err="1"/>
-              <a:t>depricated</a:t>
-            </a:r>
-            <a:r>
-              <a:rPr lang="en-AU" sz="1200" dirty="0"/>
-              <a:t> and not used </a:t>
-            </a:r>
-            <a:r>
-              <a:rPr lang="en-AU" sz="1200" dirty="0" smtClean="0"/>
-              <a:t>anymore</a:t>
-            </a:r>
-            <a:endParaRPr lang="en-AU" sz="1200" dirty="0"/>
-          </a:p>
-          <a:p>
-            <a:r>
-              <a:rPr lang="en-AU" sz="1200" b="1" dirty="0" smtClean="0"/>
-              <a:t>Boosting</a:t>
-            </a:r>
-            <a:r>
-              <a:rPr lang="en-AU" sz="1200" dirty="0" smtClean="0"/>
+              <a:rPr lang="en-AU" dirty="0" smtClean="0"/>
+              <a:t>Cluster	=  </a:t>
+            </a:r>
+            <a:r>
+              <a:rPr lang="en-AU" dirty="0"/>
+              <a:t>Instance</a:t>
+            </a:r>
+          </a:p>
+          <a:p>
+            <a:r>
+              <a:rPr lang="en-AU" dirty="0" smtClean="0"/>
+              <a:t>Index		=  </a:t>
+            </a:r>
+            <a:r>
+              <a:rPr lang="en-AU" dirty="0"/>
+              <a:t>Database</a:t>
+            </a:r>
+          </a:p>
+          <a:p>
+            <a:r>
+              <a:rPr lang="en-AU" dirty="0" smtClean="0"/>
+              <a:t>Type		=  Table</a:t>
+            </a:r>
+            <a:endParaRPr lang="en-AU" dirty="0"/>
+          </a:p>
+          <a:p>
+            <a:r>
+              <a:rPr lang="en-AU" dirty="0" smtClean="0"/>
+              <a:t>Document	=  </a:t>
+            </a:r>
+            <a:r>
+              <a:rPr lang="en-AU" dirty="0"/>
+              <a:t>Row</a:t>
+            </a:r>
+          </a:p>
+          <a:p>
+            <a:r>
+              <a:rPr lang="en-AU" dirty="0" smtClean="0"/>
+              <a:t>Field		=  Column</a:t>
+            </a:r>
+            <a:endParaRPr lang="en-AU" dirty="0"/>
+          </a:p>
+          <a:p>
+            <a:r>
+              <a:rPr lang="en-AU" dirty="0" smtClean="0"/>
+              <a:t>Mapping	=  Schema</a:t>
+            </a:r>
+            <a:r>
+              <a:rPr lang="en-AU" dirty="0"/>
+              <a:t> *</a:t>
+            </a:r>
+          </a:p>
+          <a:p>
+            <a:r>
+              <a:rPr lang="en-AU" dirty="0" smtClean="0"/>
+              <a:t>Cardinality	=  </a:t>
+            </a:r>
+            <a:r>
+              <a:rPr lang="en-AU" dirty="0"/>
+              <a:t>Distinct values</a:t>
+            </a:r>
+          </a:p>
+          <a:p>
+            <a:r>
+              <a:rPr lang="en-AU" dirty="0" smtClean="0"/>
+              <a:t>Stemming	=  </a:t>
+            </a:r>
+            <a:r>
+              <a:rPr lang="en-AU" dirty="0"/>
+              <a:t>FORMOF, word breaker</a:t>
+            </a:r>
+          </a:p>
+          <a:p>
+            <a:r>
+              <a:rPr lang="en-AU" dirty="0" smtClean="0"/>
+              <a:t>More </a:t>
+            </a:r>
+            <a:r>
+              <a:rPr lang="en-AU" dirty="0"/>
+              <a:t>Like </a:t>
+            </a:r>
+            <a:r>
+              <a:rPr lang="en-AU" dirty="0" smtClean="0"/>
+              <a:t>This	= </a:t>
+            </a:r>
+            <a:r>
+              <a:rPr lang="en-AU" dirty="0"/>
+              <a:t>FTS Semantic </a:t>
+            </a:r>
+            <a:r>
+              <a:rPr lang="en-AU" dirty="0" smtClean="0"/>
+              <a:t>Similarity. </a:t>
+            </a:r>
+          </a:p>
+          <a:p>
+            <a:r>
+              <a:rPr lang="en-AU" dirty="0" smtClean="0"/>
+              <a:t>Similarity 	</a:t>
+            </a:r>
+            <a:r>
+              <a:rPr lang="en-AU" dirty="0" smtClean="0">
+                <a:solidFill>
+                  <a:srgbClr val="FF0000"/>
+                </a:solidFill>
+              </a:rPr>
+              <a:t>!=</a:t>
+            </a:r>
+            <a:r>
+              <a:rPr lang="en-AU" dirty="0" smtClean="0"/>
               <a:t> </a:t>
             </a:r>
             <a:r>
-              <a:rPr lang="en-AU" sz="1200" dirty="0"/>
-              <a:t>-  is used in parameters to increase the relative weight of a clause </a:t>
-            </a:r>
-            <a:endParaRPr lang="en-AU" sz="1200" dirty="0" smtClean="0"/>
-          </a:p>
-          <a:p>
-            <a:r>
-              <a:rPr lang="en-AU" sz="1200" b="1" dirty="0"/>
-              <a:t>BM25</a:t>
-            </a:r>
-            <a:r>
-              <a:rPr lang="en-AU" sz="1200" dirty="0"/>
-              <a:t> - Another TF/IDF based similarity that has built-in </a:t>
-            </a:r>
-            <a:r>
-              <a:rPr lang="en-AU" sz="1200" dirty="0" err="1"/>
-              <a:t>tf</a:t>
-            </a:r>
-            <a:r>
-              <a:rPr lang="en-AU" sz="1200" dirty="0"/>
-              <a:t> normalization and is supposed to work better for short fields (like names).</a:t>
-            </a:r>
-          </a:p>
-          <a:p>
-            <a:r>
-              <a:rPr lang="en-AU" sz="1200" b="1" dirty="0" smtClean="0"/>
-              <a:t>Diacritics</a:t>
-            </a:r>
-            <a:r>
-              <a:rPr lang="en-AU" sz="1200" dirty="0" smtClean="0"/>
-              <a:t> </a:t>
-            </a:r>
-            <a:r>
-              <a:rPr lang="en-AU" sz="1200" dirty="0"/>
-              <a:t>- symbols like ´, ^, and ¨. English uses diacritics only for imported words—like </a:t>
-            </a:r>
-            <a:r>
-              <a:rPr lang="en-AU" sz="1200" dirty="0" err="1"/>
-              <a:t>rôle</a:t>
-            </a:r>
-            <a:r>
-              <a:rPr lang="en-AU" sz="1200" dirty="0"/>
-              <a:t>, déjà, and </a:t>
-            </a:r>
-            <a:r>
-              <a:rPr lang="en-AU" sz="1200" dirty="0" err="1"/>
-              <a:t>däis</a:t>
-            </a:r>
-            <a:r>
-              <a:rPr lang="en-AU" sz="1200" dirty="0"/>
-              <a:t>. Other languages require diacritics in order to be correct. </a:t>
-            </a:r>
-          </a:p>
-          <a:p>
-            <a:r>
-              <a:rPr lang="en-AU" sz="1200" b="1" dirty="0" err="1"/>
-              <a:t>Fielddata</a:t>
-            </a:r>
-            <a:r>
-              <a:rPr lang="en-AU" sz="1200" dirty="0"/>
-              <a:t> - Aggregations work via a data structure known as </a:t>
-            </a:r>
-            <a:r>
-              <a:rPr lang="en-AU" sz="1200" dirty="0" err="1"/>
-              <a:t>fielddata</a:t>
-            </a:r>
-            <a:r>
-              <a:rPr lang="en-AU" sz="1200" dirty="0"/>
-              <a:t>. </a:t>
-            </a:r>
-            <a:r>
-              <a:rPr lang="en-AU" sz="1200" dirty="0" err="1"/>
-              <a:t>Fielddata</a:t>
-            </a:r>
-            <a:r>
-              <a:rPr lang="en-AU" sz="1200" dirty="0"/>
-              <a:t> is often the largest consumer of memory in an </a:t>
-            </a:r>
-            <a:r>
-              <a:rPr lang="en-AU" sz="1200" dirty="0" err="1"/>
-              <a:t>Elasticsearch</a:t>
-            </a:r>
-            <a:r>
-              <a:rPr lang="en-AU" sz="1200" dirty="0"/>
-              <a:t> cluster. </a:t>
-            </a:r>
-            <a:r>
-              <a:rPr lang="en-AU" sz="1200" dirty="0" err="1"/>
-              <a:t>Fielddata</a:t>
-            </a:r>
-            <a:r>
-              <a:rPr lang="en-AU" sz="1200" dirty="0"/>
-              <a:t> is not just used for aggregations. It is required for any operation that needs to look up the value contained in a specific document. Besides aggregations, this includes sorting, scripts that access field values, parent-child relationships</a:t>
-            </a:r>
-          </a:p>
-          <a:p>
-            <a:r>
-              <a:rPr lang="en-AU" sz="1200" b="1" dirty="0"/>
-              <a:t>Filter</a:t>
-            </a:r>
-            <a:r>
-              <a:rPr lang="en-AU" sz="1200" dirty="0"/>
-              <a:t> - cashable </a:t>
-            </a:r>
-            <a:r>
-              <a:rPr lang="en-AU" sz="1200" dirty="0" smtClean="0"/>
-              <a:t>request. Compare with query</a:t>
-            </a:r>
-          </a:p>
-          <a:p>
-            <a:r>
-              <a:rPr lang="en-AU" sz="1200" b="1" dirty="0" err="1" smtClean="0"/>
-              <a:t>Geohashes</a:t>
-            </a:r>
-            <a:r>
-              <a:rPr lang="en-AU" sz="1200" dirty="0" smtClean="0"/>
-              <a:t> </a:t>
-            </a:r>
-            <a:r>
-              <a:rPr lang="en-AU" sz="1200" dirty="0"/>
-              <a:t>- are a way of encoding </a:t>
-            </a:r>
-            <a:r>
-              <a:rPr lang="en-AU" sz="1200" dirty="0" err="1"/>
-              <a:t>lat</a:t>
-            </a:r>
-            <a:r>
-              <a:rPr lang="en-AU" sz="1200" dirty="0"/>
-              <a:t>/</a:t>
-            </a:r>
-            <a:r>
-              <a:rPr lang="en-AU" sz="1200" dirty="0" err="1"/>
-              <a:t>lon</a:t>
-            </a:r>
-            <a:r>
-              <a:rPr lang="en-AU" sz="1200" dirty="0"/>
-              <a:t> points as strings. The original intention was to have a URL-friendly way of specifying geolocations</a:t>
-            </a:r>
-            <a:r>
-              <a:rPr lang="en-AU" sz="1200" dirty="0" smtClean="0"/>
-              <a:t>, </a:t>
-            </a:r>
-            <a:r>
-              <a:rPr lang="en-AU" sz="1200" dirty="0"/>
-              <a:t>but </a:t>
-            </a:r>
-            <a:r>
-              <a:rPr lang="en-AU" sz="1200" dirty="0" err="1"/>
-              <a:t>geohashes</a:t>
-            </a:r>
-            <a:r>
-              <a:rPr lang="en-AU" sz="1200" dirty="0"/>
-              <a:t> have turned out to be a useful way of indexing geo-points and geo-shapes in databases.</a:t>
-            </a:r>
-          </a:p>
-          <a:p>
-            <a:r>
-              <a:rPr lang="en-AU" sz="1200" b="1" dirty="0" smtClean="0"/>
-              <a:t>IDF</a:t>
-            </a:r>
-            <a:r>
-              <a:rPr lang="en-AU" sz="1200" dirty="0" smtClean="0"/>
-              <a:t> </a:t>
-            </a:r>
-            <a:r>
-              <a:rPr lang="en-AU" sz="1200" dirty="0"/>
-              <a:t>takes into account how often a term appears as a percentage of all the documents in the index. The more frequently the term appears, the less weight it has.</a:t>
-            </a:r>
-          </a:p>
-          <a:p>
-            <a:r>
-              <a:rPr lang="en-AU" sz="1200" b="1" dirty="0" smtClean="0"/>
-              <a:t>Inflections</a:t>
-            </a:r>
-            <a:r>
-              <a:rPr lang="en-AU" sz="1200" dirty="0" smtClean="0"/>
-              <a:t> </a:t>
-            </a:r>
-            <a:r>
-              <a:rPr lang="en-AU" sz="1200" dirty="0"/>
-              <a:t>=&gt; Synonyms</a:t>
-            </a:r>
-            <a:r>
-              <a:rPr lang="en-AU" sz="1200" dirty="0" smtClean="0"/>
-              <a:t>:  "</a:t>
-            </a:r>
-            <a:r>
-              <a:rPr lang="en-AU" sz="1200" dirty="0" err="1"/>
-              <a:t>jumps,jumped,leap,leaps,leaped</a:t>
-            </a:r>
-            <a:r>
-              <a:rPr lang="en-AU" sz="1200" dirty="0"/>
-              <a:t> =&gt; jump", "</a:t>
-            </a:r>
-            <a:r>
-              <a:rPr lang="en-AU" sz="1200" dirty="0" err="1"/>
-              <a:t>cat,dog</a:t>
-            </a:r>
-            <a:r>
-              <a:rPr lang="en-AU" sz="1200" dirty="0"/>
-              <a:t> =&gt; pet", "little =&gt; small", ":)=&gt;</a:t>
-            </a:r>
-            <a:r>
-              <a:rPr lang="en-AU" sz="1200" dirty="0" err="1"/>
-              <a:t>emoticon_happy</a:t>
-            </a:r>
-            <a:r>
-              <a:rPr lang="en-AU" sz="1200" dirty="0"/>
-              <a:t>", ":(=&gt;</a:t>
-            </a:r>
-            <a:r>
-              <a:rPr lang="en-AU" sz="1200" dirty="0" err="1"/>
-              <a:t>emoticon_sad</a:t>
-            </a:r>
-            <a:r>
-              <a:rPr lang="en-AU" sz="1200" dirty="0"/>
-              <a:t>"</a:t>
-            </a:r>
-          </a:p>
-          <a:p>
-            <a:r>
-              <a:rPr lang="en-AU" sz="1200" b="1" dirty="0"/>
-              <a:t>MLT</a:t>
-            </a:r>
-            <a:r>
-              <a:rPr lang="en-AU" sz="1200" dirty="0"/>
-              <a:t> - more like this. Recommendation engine</a:t>
-            </a:r>
-          </a:p>
-          <a:p>
-            <a:r>
-              <a:rPr lang="en-AU" sz="1200" b="1" dirty="0" smtClean="0"/>
-              <a:t>TF</a:t>
-            </a:r>
-            <a:r>
-              <a:rPr lang="en-AU" sz="1200" dirty="0" smtClean="0"/>
-              <a:t> counts the number of times a term appears within the field we are querying in the current document. The more times it appears, the more relevant is this document.</a:t>
-            </a:r>
-          </a:p>
-          <a:p>
-            <a:r>
-              <a:rPr lang="en-AU" sz="1200" b="1" dirty="0"/>
-              <a:t>TF/IDF</a:t>
-            </a:r>
-            <a:r>
-              <a:rPr lang="en-AU" sz="1200" dirty="0"/>
-              <a:t> - term frequency / inverse document frequency</a:t>
-            </a:r>
-          </a:p>
-          <a:p>
-            <a:r>
-              <a:rPr lang="en-AU" sz="1200" b="1" dirty="0" smtClean="0"/>
-              <a:t>Precision</a:t>
-            </a:r>
-            <a:r>
-              <a:rPr lang="en-AU" sz="1200" dirty="0" smtClean="0"/>
-              <a:t> </a:t>
-            </a:r>
-            <a:r>
-              <a:rPr lang="en-AU" sz="1200" dirty="0"/>
-              <a:t>- returning as few irrelevant documents as possible.</a:t>
-            </a:r>
-          </a:p>
-          <a:p>
-            <a:r>
-              <a:rPr lang="en-AU" sz="1200" b="1" dirty="0" smtClean="0"/>
-              <a:t>Pagination</a:t>
-            </a:r>
-            <a:r>
-              <a:rPr lang="en-AU" sz="1200" dirty="0" smtClean="0"/>
-              <a:t> </a:t>
-            </a:r>
-            <a:r>
-              <a:rPr lang="en-AU" sz="1200" dirty="0"/>
-              <a:t>- </a:t>
-            </a:r>
-            <a:r>
-              <a:rPr lang="en-AU" sz="1200" dirty="0" smtClean="0"/>
-              <a:t>results </a:t>
-            </a:r>
-            <a:r>
-              <a:rPr lang="en-AU" sz="1200" dirty="0"/>
-              <a:t>by </a:t>
-            </a:r>
-            <a:r>
-              <a:rPr lang="en-AU" sz="1200" dirty="0" smtClean="0"/>
-              <a:t>page (from, size, skip, take )</a:t>
-            </a:r>
-            <a:endParaRPr lang="en-AU" sz="1200" dirty="0"/>
-          </a:p>
-          <a:p>
-            <a:r>
-              <a:rPr lang="en-AU" sz="1200" b="1" dirty="0" smtClean="0"/>
-              <a:t>Proximity </a:t>
-            </a:r>
-            <a:r>
-              <a:rPr lang="en-AU" sz="1200" b="1" dirty="0"/>
-              <a:t>query</a:t>
-            </a:r>
-            <a:r>
-              <a:rPr lang="en-AU" sz="1200" dirty="0"/>
-              <a:t> - a phrase query with slop. </a:t>
-            </a:r>
-          </a:p>
-          <a:p>
-            <a:r>
-              <a:rPr lang="en-AU" sz="1200" b="1" dirty="0" smtClean="0"/>
-              <a:t>Query</a:t>
-            </a:r>
-            <a:r>
-              <a:rPr lang="en-AU" sz="1200" dirty="0" smtClean="0"/>
-              <a:t> </a:t>
-            </a:r>
-            <a:r>
-              <a:rPr lang="en-AU" sz="1200" dirty="0"/>
-              <a:t>- not </a:t>
-            </a:r>
-            <a:r>
-              <a:rPr lang="en-AU" sz="1200" dirty="0" smtClean="0"/>
-              <a:t>cacheable request.  Compare with filter</a:t>
-            </a:r>
-            <a:endParaRPr lang="en-AU" sz="1200" dirty="0"/>
-          </a:p>
-          <a:p>
-            <a:r>
-              <a:rPr lang="en-AU" sz="1200" b="1" dirty="0"/>
-              <a:t>Recall</a:t>
-            </a:r>
-            <a:r>
-              <a:rPr lang="en-AU" sz="1200" dirty="0"/>
-              <a:t> - The number of relevant documents that a search returns.</a:t>
-            </a:r>
-          </a:p>
-          <a:p>
-            <a:r>
-              <a:rPr lang="en-AU" sz="1200" b="1" dirty="0"/>
-              <a:t>Relevance</a:t>
-            </a:r>
-            <a:r>
-              <a:rPr lang="en-AU" sz="1200" dirty="0"/>
-              <a:t> aka Score - calculated weight or rank - _score</a:t>
-            </a:r>
-          </a:p>
-          <a:p>
-            <a:r>
-              <a:rPr lang="en-AU" sz="1200" b="1" dirty="0" smtClean="0"/>
-              <a:t>Routing</a:t>
-            </a:r>
-            <a:r>
-              <a:rPr lang="en-AU" sz="1200" dirty="0" smtClean="0"/>
-              <a:t> </a:t>
-            </a:r>
-            <a:r>
-              <a:rPr lang="en-AU" sz="1200" dirty="0"/>
-              <a:t>- shard placement controlled by using a hash of the document’s id value. Data can be saved to multiple directories, and if each directory is mounted on a different hard drive, </a:t>
-            </a:r>
-          </a:p>
-          <a:p>
-            <a:r>
-              <a:rPr lang="en-AU" sz="1200" b="1" dirty="0"/>
-              <a:t>Similarity</a:t>
-            </a:r>
-            <a:r>
-              <a:rPr lang="en-AU" sz="1200" dirty="0"/>
-              <a:t>  - (scoring / ranking model) defines how matching documents are scored. Similarity is per field, meaning that via the mapping one can define a different similarity per field. The default similarity that is based on the TF/IDF mode</a:t>
-            </a:r>
-          </a:p>
-          <a:p>
-            <a:r>
-              <a:rPr lang="en-AU" sz="1200" b="1" dirty="0" smtClean="0"/>
-              <a:t>Shingles</a:t>
-            </a:r>
-            <a:r>
-              <a:rPr lang="en-AU" sz="1200" dirty="0" smtClean="0"/>
-              <a:t> </a:t>
-            </a:r>
-            <a:r>
-              <a:rPr lang="en-AU" sz="1200" dirty="0"/>
-              <a:t>- These word pairs (or bigrams) : ["sue ate", "ate the", "the alligator</a:t>
-            </a:r>
-            <a:r>
-              <a:rPr lang="en-AU" sz="1200" dirty="0" smtClean="0"/>
-              <a:t>"]. Shingles </a:t>
-            </a:r>
-            <a:r>
-              <a:rPr lang="en-AU" sz="1200" dirty="0"/>
-              <a:t>are not restricted to being pairs of words; you could index word triplets (trigrams) as well: ["sue ate the", "ate the alligator"]</a:t>
-            </a:r>
-          </a:p>
-          <a:p>
-            <a:r>
-              <a:rPr lang="en-AU" sz="1200" b="1" dirty="0"/>
-              <a:t>Source field</a:t>
-            </a:r>
-            <a:r>
-              <a:rPr lang="en-AU" sz="1200" dirty="0"/>
-              <a:t> - By default, the JSON document that you index will be stored in the _source field and will be returned by all get and search requests. This allows you </a:t>
-            </a:r>
-            <a:r>
-              <a:rPr lang="en-AU" sz="1200" dirty="0" err="1" smtClean="0"/>
-              <a:t>aSccess</a:t>
-            </a:r>
-            <a:r>
-              <a:rPr lang="en-AU" sz="1200" dirty="0" smtClean="0"/>
-              <a:t> </a:t>
-            </a:r>
-            <a:r>
-              <a:rPr lang="en-AU" sz="1200" dirty="0"/>
-              <a:t>to the original object directly from search result</a:t>
-            </a:r>
-          </a:p>
-          <a:p>
-            <a:r>
-              <a:rPr lang="en-AU" sz="1200" b="1" dirty="0" smtClean="0"/>
-              <a:t>Stemming</a:t>
-            </a:r>
-            <a:r>
-              <a:rPr lang="en-AU" sz="1200" dirty="0" smtClean="0"/>
-              <a:t> </a:t>
-            </a:r>
-            <a:r>
-              <a:rPr lang="en-AU" sz="1200" dirty="0"/>
-              <a:t>- reduce tokens to their root form: foxes → fox</a:t>
-            </a:r>
-          </a:p>
-          <a:p>
-            <a:r>
-              <a:rPr lang="en-AU" sz="1200" b="1" dirty="0"/>
-              <a:t>Shard</a:t>
-            </a:r>
-            <a:r>
-              <a:rPr lang="en-AU" sz="1200" dirty="0"/>
-              <a:t> - is a single Lucene instance. It is a low-level “worker” unit which is managed automatically by </a:t>
-            </a:r>
-            <a:r>
-              <a:rPr lang="en-AU" sz="1200" dirty="0" err="1"/>
-              <a:t>elasticsearch</a:t>
-            </a:r>
-            <a:endParaRPr lang="en-AU" sz="1200" dirty="0"/>
-          </a:p>
-          <a:p>
-            <a:r>
-              <a:rPr lang="en-AU" sz="1200" b="1" dirty="0"/>
-              <a:t>Suggestions</a:t>
-            </a:r>
-            <a:r>
-              <a:rPr lang="en-AU" sz="1200" dirty="0"/>
-              <a:t> - Did you mean this/Autocomplete (Edge </a:t>
-            </a:r>
-            <a:r>
-              <a:rPr lang="en-AU" sz="1200" dirty="0" err="1"/>
-              <a:t>gramm</a:t>
-            </a:r>
-            <a:r>
-              <a:rPr lang="en-AU" sz="1200" dirty="0"/>
-              <a:t> - some*,</a:t>
-            </a:r>
-            <a:r>
-              <a:rPr lang="en-AU" sz="1200" dirty="0" err="1"/>
-              <a:t>Ngram</a:t>
-            </a:r>
-            <a:r>
-              <a:rPr lang="en-AU" sz="1200" dirty="0"/>
-              <a:t> - *</a:t>
-            </a:r>
-            <a:r>
-              <a:rPr lang="en-AU" sz="1200" dirty="0" err="1"/>
-              <a:t>ome</a:t>
-            </a:r>
-            <a:r>
-              <a:rPr lang="en-AU" sz="1200" dirty="0"/>
-              <a:t>*)</a:t>
-            </a:r>
-          </a:p>
-          <a:p>
-            <a:r>
-              <a:rPr lang="en-AU" sz="1200" b="1" dirty="0" smtClean="0"/>
-              <a:t>Trigrams</a:t>
-            </a:r>
-            <a:r>
-              <a:rPr lang="en-AU" sz="1200" dirty="0" smtClean="0"/>
-              <a:t> </a:t>
-            </a:r>
-            <a:r>
-              <a:rPr lang="en-AU" sz="1200" dirty="0"/>
-              <a:t>give you a higher degree of precision, but greatly increase the number of unique terms in the index. </a:t>
-            </a:r>
-          </a:p>
-          <a:p>
-            <a:r>
-              <a:rPr lang="en-AU" sz="1200" b="1" dirty="0" err="1"/>
-              <a:t>Typoes</a:t>
-            </a:r>
-            <a:r>
-              <a:rPr lang="en-AU" sz="1200" b="1" dirty="0"/>
-              <a:t> and </a:t>
-            </a:r>
-            <a:r>
-              <a:rPr lang="en-AU" sz="1200" b="1" dirty="0" err="1"/>
-              <a:t>Mispelings</a:t>
-            </a:r>
-            <a:r>
-              <a:rPr lang="en-AU" sz="1200" dirty="0"/>
-              <a:t> - Fuzzy matching allows for query-time matching of misspelled words, while phonetic token filters at index time can be used for sounds-like matching. Fuzzy matching treats two words that are “fuzzily” similar as if they were the same word</a:t>
-            </a:r>
-            <a:r>
-              <a:rPr lang="en-AU" sz="1200" dirty="0" smtClean="0"/>
-              <a:t>.</a:t>
-            </a:r>
-            <a:endParaRPr lang="en-AU" sz="1200" dirty="0"/>
+              <a:rPr lang="en-AU" dirty="0"/>
+              <a:t>FTS Semantic </a:t>
+            </a:r>
+            <a:r>
+              <a:rPr lang="en-AU" dirty="0" smtClean="0"/>
+              <a:t>Similarity. It is matching document with score</a:t>
+            </a:r>
+            <a:endParaRPr lang="en-AU" dirty="0"/>
+          </a:p>
+          <a:p>
+            <a:pPr marL="182880" lvl="1">
+              <a:spcBef>
+                <a:spcPts val="1200"/>
+              </a:spcBef>
+              <a:spcAft>
+                <a:spcPts val="0"/>
+              </a:spcAft>
+            </a:pPr>
+            <a:r>
+              <a:rPr lang="en-AU" dirty="0" smtClean="0"/>
+              <a:t>ES </a:t>
+            </a:r>
+            <a:r>
+              <a:rPr lang="en-AU" dirty="0"/>
+              <a:t>does not support ACID transactions. CRUD </a:t>
+            </a:r>
+            <a:r>
+              <a:rPr lang="en-AU" dirty="0" smtClean="0"/>
+              <a:t>&amp; CURL operations</a:t>
+            </a:r>
+            <a:endParaRPr lang="en-AU" dirty="0"/>
+          </a:p>
+          <a:p>
+            <a:r>
+              <a:rPr lang="en-AU" dirty="0" smtClean="0"/>
+              <a:t>ES - simple like </a:t>
+            </a:r>
+            <a:r>
+              <a:rPr lang="en-AU" dirty="0"/>
+              <a:t>SQL Server. </a:t>
+            </a:r>
+            <a:endParaRPr lang="en-AU" dirty="0" smtClean="0"/>
+          </a:p>
+          <a:p>
+            <a:r>
+              <a:rPr lang="en-AU" dirty="0" err="1"/>
+              <a:t>Solr</a:t>
+            </a:r>
+            <a:r>
+              <a:rPr lang="en-AU" dirty="0"/>
+              <a:t> - like Oracle. You need PHD to configure Oracle </a:t>
+            </a:r>
+            <a:r>
+              <a:rPr lang="en-AU" dirty="0" smtClean="0"/>
+              <a:t>:)</a:t>
+            </a:r>
+            <a:endParaRPr lang="en-AU" dirty="0"/>
           </a:p>
         </p:txBody>
       </p:sp>
     </p:spTree>
     <p:extLst>
       <p:ext uri="{BB962C8B-B14F-4D97-AF65-F5344CB8AC3E}">
-        <p14:creationId xmlns:p14="http://schemas.microsoft.com/office/powerpoint/2010/main" val="1177497078"/>
+        <p14:creationId xmlns:p14="http://schemas.microsoft.com/office/powerpoint/2010/main" val="3138598982"/>
       </p:ext>
     </p:extLst>
   </p:cSld>
@@ -13605,8 +14499,8 @@
         </p:nvSpPr>
         <p:spPr>
           <a:xfrm>
-            <a:off x="199698" y="0"/>
-            <a:ext cx="11183007" cy="674437"/>
+            <a:off x="155448" y="111653"/>
+            <a:ext cx="7972552" cy="501957"/>
           </a:xfrm>
         </p:spPr>
         <p:txBody>
@@ -13616,8 +14510,12 @@
           <a:lstStyle/>
           <a:p>
             <a:r>
+              <a:rPr lang="en-AU" dirty="0" err="1" smtClean="0"/>
+              <a:t>SEArCH</a:t>
+            </a:r>
+            <a:r>
               <a:rPr lang="en-AU" dirty="0" smtClean="0"/>
-              <a:t>TERMINOLOGY (SEARCH vs RDBMS)</a:t>
+              <a:t> Glossary</a:t>
             </a:r>
             <a:endParaRPr lang="en-AU" dirty="0"/>
           </a:p>
@@ -13635,180 +14533,596 @@
         </p:nvSpPr>
         <p:spPr>
           <a:xfrm>
-            <a:off x="199698" y="1091325"/>
-            <a:ext cx="11183006" cy="5080876"/>
+            <a:off x="0" y="111653"/>
+            <a:ext cx="12055641" cy="6746347"/>
           </a:xfrm>
         </p:spPr>
         <p:txBody>
-          <a:bodyPr>
-            <a:normAutofit fontScale="92500" lnSpcReduction="10000"/>
+          <a:bodyPr numCol="3">
+            <a:noAutofit/>
           </a:bodyPr>
           <a:lstStyle/>
           <a:p>
-            <a:r>
-              <a:rPr lang="en-AU" dirty="0" smtClean="0"/>
-              <a:t>Cluster	=  </a:t>
-            </a:r>
-            <a:r>
-              <a:rPr lang="en-AU" dirty="0"/>
-              <a:t>Instance</a:t>
-            </a:r>
-          </a:p>
-          <a:p>
-            <a:r>
-              <a:rPr lang="en-AU" dirty="0" smtClean="0"/>
-              <a:t>Index		=  </a:t>
-            </a:r>
-            <a:r>
-              <a:rPr lang="en-AU" dirty="0"/>
-              <a:t>Database</a:t>
-            </a:r>
-          </a:p>
-          <a:p>
-            <a:r>
-              <a:rPr lang="en-AU" dirty="0" smtClean="0"/>
-              <a:t>Type		=  Table</a:t>
-            </a:r>
-            <a:endParaRPr lang="en-AU" dirty="0"/>
-          </a:p>
-          <a:p>
-            <a:r>
-              <a:rPr lang="en-AU" dirty="0" smtClean="0"/>
-              <a:t>Document	=  </a:t>
-            </a:r>
-            <a:r>
-              <a:rPr lang="en-AU" dirty="0"/>
-              <a:t>Row</a:t>
-            </a:r>
-          </a:p>
-          <a:p>
-            <a:r>
-              <a:rPr lang="en-AU" dirty="0" smtClean="0"/>
-              <a:t>Field		=  Column</a:t>
-            </a:r>
-            <a:endParaRPr lang="en-AU" dirty="0"/>
-          </a:p>
-          <a:p>
-            <a:r>
-              <a:rPr lang="en-AU" dirty="0" smtClean="0"/>
-              <a:t>Mapping	=  Schema</a:t>
-            </a:r>
-            <a:r>
-              <a:rPr lang="en-AU" dirty="0"/>
-              <a:t> *</a:t>
-            </a:r>
-          </a:p>
-          <a:p>
-            <a:r>
-              <a:rPr lang="en-AU" dirty="0" smtClean="0"/>
-              <a:t>Cardinality	=  </a:t>
-            </a:r>
-            <a:r>
-              <a:rPr lang="en-AU" dirty="0"/>
-              <a:t>Distinct values</a:t>
-            </a:r>
-          </a:p>
-          <a:p>
-            <a:r>
-              <a:rPr lang="en-AU" dirty="0" smtClean="0"/>
-              <a:t>Stemming	=  </a:t>
-            </a:r>
-            <a:r>
-              <a:rPr lang="en-AU" dirty="0"/>
-              <a:t>FORMOF, word breaker</a:t>
-            </a:r>
-          </a:p>
-          <a:p>
-            <a:r>
-              <a:rPr lang="en-AU" dirty="0" smtClean="0"/>
-              <a:t>More </a:t>
-            </a:r>
-            <a:r>
-              <a:rPr lang="en-AU" dirty="0"/>
-              <a:t>Like </a:t>
-            </a:r>
-            <a:r>
-              <a:rPr lang="en-AU" dirty="0" smtClean="0"/>
-              <a:t>This	= </a:t>
-            </a:r>
-            <a:r>
-              <a:rPr lang="en-AU" dirty="0"/>
-              <a:t>FTS Semantic </a:t>
-            </a:r>
-            <a:r>
-              <a:rPr lang="en-AU" dirty="0" smtClean="0"/>
-              <a:t>Similarity. </a:t>
-            </a:r>
-          </a:p>
-          <a:p>
-            <a:r>
-              <a:rPr lang="en-AU" dirty="0" smtClean="0"/>
-              <a:t>Similarity 	</a:t>
-            </a:r>
-            <a:r>
-              <a:rPr lang="en-AU" dirty="0" smtClean="0">
-                <a:solidFill>
-                  <a:srgbClr val="FF0000"/>
-                </a:solidFill>
-              </a:rPr>
-              <a:t>!=</a:t>
-            </a:r>
-            <a:r>
-              <a:rPr lang="en-AU" dirty="0" smtClean="0"/>
+            <a:endParaRPr lang="en-AU" sz="1300" b="1" dirty="0" smtClean="0"/>
+          </a:p>
+          <a:p>
+            <a:endParaRPr lang="en-AU" sz="1300" b="1" dirty="0"/>
+          </a:p>
+          <a:p>
+            <a:r>
+              <a:rPr lang="en-AU" sz="1300" b="1" dirty="0" smtClean="0"/>
+              <a:t>Aggregation</a:t>
+            </a:r>
+            <a:r>
+              <a:rPr lang="en-AU" sz="1300" dirty="0" smtClean="0"/>
               <a:t> </a:t>
             </a:r>
             <a:r>
-              <a:rPr lang="en-AU" dirty="0"/>
-              <a:t>FTS Semantic </a:t>
-            </a:r>
-            <a:r>
-              <a:rPr lang="en-AU" dirty="0" smtClean="0"/>
-              <a:t>Similarity. It is matching document with score</a:t>
-            </a:r>
-            <a:endParaRPr lang="en-AU" dirty="0"/>
-          </a:p>
-          <a:p>
-            <a:r>
-              <a:rPr lang="en-AU" dirty="0" smtClean="0"/>
-              <a:t>ES </a:t>
-            </a:r>
-            <a:r>
-              <a:rPr lang="en-AU" dirty="0"/>
-              <a:t>does not support ACID transactions. </a:t>
-            </a:r>
-          </a:p>
-          <a:p>
-            <a:r>
-              <a:rPr lang="en-AU" dirty="0" smtClean="0"/>
-              <a:t>ES - simple like </a:t>
-            </a:r>
-            <a:r>
-              <a:rPr lang="en-AU" dirty="0"/>
-              <a:t>SQL Server. </a:t>
-            </a:r>
-            <a:endParaRPr lang="en-AU" dirty="0" smtClean="0"/>
-          </a:p>
-          <a:p>
-            <a:r>
-              <a:rPr lang="en-AU" dirty="0" err="1"/>
-              <a:t>Solr</a:t>
-            </a:r>
-            <a:r>
-              <a:rPr lang="en-AU" dirty="0"/>
-              <a:t> - like Oracle. You need PHD to configure Oracle </a:t>
-            </a:r>
-            <a:r>
-              <a:rPr lang="en-AU" dirty="0" smtClean="0"/>
-              <a:t>:)</a:t>
-            </a:r>
-            <a:endParaRPr lang="en-AU" dirty="0"/>
+              <a:rPr lang="en-AU" sz="1300" dirty="0"/>
+              <a:t>- new replacement for facets, nested. Facet - not nested, is </a:t>
+            </a:r>
+            <a:r>
+              <a:rPr lang="en-AU" sz="1300" dirty="0" err="1"/>
+              <a:t>depricated</a:t>
+            </a:r>
+            <a:r>
+              <a:rPr lang="en-AU" sz="1300" dirty="0"/>
+              <a:t> and not used </a:t>
+            </a:r>
+            <a:r>
+              <a:rPr lang="en-AU" sz="1300" dirty="0" smtClean="0"/>
+              <a:t>anymore</a:t>
+            </a:r>
+            <a:endParaRPr lang="en-AU" sz="1300" dirty="0"/>
+          </a:p>
+          <a:p>
+            <a:r>
+              <a:rPr lang="en-AU" sz="1300" b="1" dirty="0" smtClean="0"/>
+              <a:t>Boosting</a:t>
+            </a:r>
+            <a:r>
+              <a:rPr lang="en-AU" sz="1300" dirty="0" smtClean="0"/>
+              <a:t> </a:t>
+            </a:r>
+            <a:r>
+              <a:rPr lang="en-AU" sz="1300" dirty="0"/>
+              <a:t>-  is used in parameters to increase the relative weight of a clause </a:t>
+            </a:r>
+          </a:p>
+          <a:p>
+            <a:r>
+              <a:rPr lang="en-AU" sz="1300" b="1" dirty="0" smtClean="0"/>
+              <a:t>Diacritics</a:t>
+            </a:r>
+            <a:r>
+              <a:rPr lang="en-AU" sz="1300" dirty="0" smtClean="0"/>
+              <a:t> </a:t>
+            </a:r>
+            <a:r>
+              <a:rPr lang="en-AU" sz="1300" dirty="0"/>
+              <a:t>- symbols like ´, ^, and ¨. English uses diacritics only for imported words—like </a:t>
+            </a:r>
+            <a:r>
+              <a:rPr lang="en-AU" sz="1300" dirty="0" err="1"/>
+              <a:t>rôle</a:t>
+            </a:r>
+            <a:r>
+              <a:rPr lang="en-AU" sz="1300" dirty="0"/>
+              <a:t>, déjà, and </a:t>
+            </a:r>
+            <a:r>
+              <a:rPr lang="en-AU" sz="1300" dirty="0" err="1"/>
+              <a:t>däis</a:t>
+            </a:r>
+            <a:r>
+              <a:rPr lang="en-AU" sz="1300" dirty="0"/>
+              <a:t>. Other languages require diacritics in order to be correct. </a:t>
+            </a:r>
+          </a:p>
+          <a:p>
+            <a:r>
+              <a:rPr lang="en-AU" sz="1300" b="1" dirty="0" err="1"/>
+              <a:t>Fielddata</a:t>
+            </a:r>
+            <a:r>
+              <a:rPr lang="en-AU" sz="1300" dirty="0"/>
+              <a:t> - </a:t>
+            </a:r>
+            <a:r>
+              <a:rPr lang="en-AU" sz="1300" dirty="0" smtClean="0"/>
+              <a:t>aggregations </a:t>
+            </a:r>
+            <a:r>
+              <a:rPr lang="en-AU" sz="1300" dirty="0"/>
+              <a:t>work via a data structure known as </a:t>
+            </a:r>
+            <a:r>
+              <a:rPr lang="en-AU" sz="1300" dirty="0" err="1"/>
+              <a:t>fielddata</a:t>
+            </a:r>
+            <a:r>
+              <a:rPr lang="en-AU" sz="1300" dirty="0"/>
+              <a:t>. </a:t>
+            </a:r>
+            <a:r>
+              <a:rPr lang="en-AU" sz="1300" dirty="0" err="1"/>
+              <a:t>Fielddata</a:t>
+            </a:r>
+            <a:r>
+              <a:rPr lang="en-AU" sz="1300" dirty="0"/>
+              <a:t> is often the largest consumer of memory in an </a:t>
+            </a:r>
+            <a:r>
+              <a:rPr lang="en-AU" sz="1300" dirty="0" err="1"/>
+              <a:t>Elasticsearch</a:t>
+            </a:r>
+            <a:r>
+              <a:rPr lang="en-AU" sz="1300" dirty="0"/>
+              <a:t> cluster. </a:t>
+            </a:r>
+            <a:r>
+              <a:rPr lang="en-AU" sz="1300" dirty="0" err="1"/>
+              <a:t>Fielddata</a:t>
+            </a:r>
+            <a:r>
+              <a:rPr lang="en-AU" sz="1300" dirty="0"/>
+              <a:t> is not just used for aggregations. It is required for any operation that needs to look up the value contained in a specific document. Besides aggregations, this includes sorting, scripts that access field values, parent-child relationships</a:t>
+            </a:r>
+          </a:p>
+          <a:p>
+            <a:r>
+              <a:rPr lang="en-AU" sz="1300" b="1" dirty="0"/>
+              <a:t>Filter</a:t>
+            </a:r>
+            <a:r>
+              <a:rPr lang="en-AU" sz="1300" dirty="0"/>
+              <a:t> - cashable </a:t>
+            </a:r>
+            <a:r>
+              <a:rPr lang="en-AU" sz="1300" dirty="0" smtClean="0"/>
+              <a:t>request. See Query definition</a:t>
+            </a:r>
+          </a:p>
+          <a:p>
+            <a:r>
+              <a:rPr lang="en-AU" sz="1300" b="1" dirty="0" err="1" smtClean="0"/>
+              <a:t>Geohashes</a:t>
+            </a:r>
+            <a:r>
+              <a:rPr lang="en-AU" sz="1300" dirty="0" smtClean="0"/>
+              <a:t> </a:t>
+            </a:r>
+            <a:r>
+              <a:rPr lang="en-AU" sz="1300" dirty="0"/>
+              <a:t>- are a way of encoding </a:t>
+            </a:r>
+            <a:r>
+              <a:rPr lang="en-AU" sz="1300" dirty="0" err="1"/>
+              <a:t>lat</a:t>
+            </a:r>
+            <a:r>
+              <a:rPr lang="en-AU" sz="1300" dirty="0"/>
+              <a:t>/</a:t>
+            </a:r>
+            <a:r>
+              <a:rPr lang="en-AU" sz="1300" dirty="0" err="1"/>
+              <a:t>lon</a:t>
+            </a:r>
+            <a:r>
+              <a:rPr lang="en-AU" sz="1300" dirty="0"/>
+              <a:t> points as strings. The original intention was to have a URL-friendly way of specifying geolocations</a:t>
+            </a:r>
+            <a:r>
+              <a:rPr lang="en-AU" sz="1300" dirty="0" smtClean="0"/>
+              <a:t>, </a:t>
+            </a:r>
+            <a:r>
+              <a:rPr lang="en-AU" sz="1300" dirty="0"/>
+              <a:t>but </a:t>
+            </a:r>
+            <a:r>
+              <a:rPr lang="en-AU" sz="1300" dirty="0" err="1"/>
+              <a:t>geohashes</a:t>
+            </a:r>
+            <a:r>
+              <a:rPr lang="en-AU" sz="1300" dirty="0"/>
+              <a:t> have turned out to be a useful way of indexing geo-points and geo-shapes </a:t>
+            </a:r>
+            <a:r>
+              <a:rPr lang="en-AU" sz="1300" dirty="0" smtClean="0"/>
+              <a:t>in database</a:t>
+            </a:r>
+            <a:endParaRPr lang="en-AU" sz="1300" dirty="0"/>
+          </a:p>
+          <a:p>
+            <a:r>
+              <a:rPr lang="en-AU" sz="1300" b="1" dirty="0" smtClean="0"/>
+              <a:t>Inflections</a:t>
+            </a:r>
+            <a:r>
+              <a:rPr lang="en-AU" sz="1300" dirty="0" smtClean="0"/>
+              <a:t> - synonyms:  "</a:t>
+            </a:r>
+            <a:r>
+              <a:rPr lang="en-AU" sz="1300" dirty="0" err="1"/>
+              <a:t>jumps,jumped,leap,leaps,leaped</a:t>
+            </a:r>
+            <a:r>
+              <a:rPr lang="en-AU" sz="1300" dirty="0"/>
+              <a:t> =&gt; jump", "</a:t>
+            </a:r>
+            <a:r>
+              <a:rPr lang="en-AU" sz="1300" dirty="0" err="1"/>
+              <a:t>cat,dog</a:t>
+            </a:r>
+            <a:r>
+              <a:rPr lang="en-AU" sz="1300" dirty="0"/>
+              <a:t> =&gt; pet", "little =&gt; small", ":)=&gt;</a:t>
+            </a:r>
+            <a:r>
+              <a:rPr lang="en-AU" sz="1300" dirty="0" err="1"/>
+              <a:t>emoticon_happy</a:t>
+            </a:r>
+            <a:r>
+              <a:rPr lang="en-AU" sz="1300" dirty="0"/>
+              <a:t>", ":(=&gt;</a:t>
+            </a:r>
+            <a:r>
+              <a:rPr lang="en-AU" sz="1300" dirty="0" err="1"/>
+              <a:t>emoticon_sad</a:t>
+            </a:r>
+            <a:r>
+              <a:rPr lang="en-AU" sz="1300" dirty="0"/>
+              <a:t>"</a:t>
+            </a:r>
+          </a:p>
+          <a:p>
+            <a:r>
+              <a:rPr lang="en-AU" sz="1300" b="1" dirty="0"/>
+              <a:t>MLT</a:t>
+            </a:r>
+            <a:r>
+              <a:rPr lang="en-AU" sz="1300" dirty="0"/>
+              <a:t> - more like this. Recommendation engine</a:t>
+            </a:r>
+          </a:p>
+          <a:p>
+            <a:r>
+              <a:rPr lang="en-AU" sz="1300" b="1" dirty="0" smtClean="0"/>
+              <a:t>TF/IDF</a:t>
+            </a:r>
+            <a:r>
+              <a:rPr lang="en-AU" sz="1300" dirty="0" smtClean="0"/>
+              <a:t> </a:t>
+            </a:r>
+            <a:r>
+              <a:rPr lang="en-AU" sz="1300" dirty="0"/>
+              <a:t>- term frequency / inverse document </a:t>
+            </a:r>
+            <a:r>
+              <a:rPr lang="en-AU" sz="1300" dirty="0" smtClean="0"/>
+              <a:t>frequency. </a:t>
+            </a:r>
+            <a:r>
+              <a:rPr lang="en-AU" sz="1300" b="1" dirty="0"/>
+              <a:t>TF</a:t>
+            </a:r>
+            <a:r>
+              <a:rPr lang="en-AU" sz="1300" dirty="0"/>
+              <a:t> counts the number of times a term appears within the field we are querying in the current document. The more times it appears, the more relevant is this document. </a:t>
+            </a:r>
+            <a:r>
+              <a:rPr lang="en-AU" sz="1300" b="1" dirty="0" smtClean="0"/>
+              <a:t>IDF</a:t>
+            </a:r>
+            <a:r>
+              <a:rPr lang="en-AU" sz="1300" dirty="0" smtClean="0"/>
+              <a:t> </a:t>
+            </a:r>
+            <a:r>
+              <a:rPr lang="en-AU" sz="1300" dirty="0"/>
+              <a:t>takes into account how often a term appears as a percentage of all the documents in the index. The more frequently the term appears, the less weight it has</a:t>
+            </a:r>
+            <a:r>
+              <a:rPr lang="en-AU" sz="1300" dirty="0" smtClean="0"/>
+              <a:t>. </a:t>
+            </a:r>
+            <a:endParaRPr lang="en-AU" sz="1300" dirty="0"/>
+          </a:p>
+          <a:p>
+            <a:r>
+              <a:rPr lang="en-AU" sz="1300" b="1" dirty="0" smtClean="0"/>
+              <a:t>Precision</a:t>
+            </a:r>
+            <a:r>
+              <a:rPr lang="en-AU" sz="1300" dirty="0" smtClean="0"/>
+              <a:t> </a:t>
+            </a:r>
+            <a:r>
+              <a:rPr lang="en-AU" sz="1300" dirty="0"/>
+              <a:t>- returning as few irrelevant documents as possible.</a:t>
+            </a:r>
+          </a:p>
+          <a:p>
+            <a:r>
+              <a:rPr lang="en-AU" sz="1300" b="1" dirty="0" smtClean="0"/>
+              <a:t>Pagination</a:t>
+            </a:r>
+            <a:r>
+              <a:rPr lang="en-AU" sz="1300" dirty="0" smtClean="0"/>
+              <a:t> </a:t>
+            </a:r>
+            <a:r>
+              <a:rPr lang="en-AU" sz="1300" dirty="0"/>
+              <a:t>- </a:t>
+            </a:r>
+            <a:r>
+              <a:rPr lang="en-AU" sz="1300" dirty="0" smtClean="0"/>
+              <a:t>results </a:t>
+            </a:r>
+            <a:r>
+              <a:rPr lang="en-AU" sz="1300" dirty="0"/>
+              <a:t>by </a:t>
+            </a:r>
+            <a:r>
+              <a:rPr lang="en-AU" sz="1300" dirty="0" smtClean="0"/>
+              <a:t>page (from, size, skip, take )</a:t>
+            </a:r>
+            <a:endParaRPr lang="en-AU" sz="1300" dirty="0"/>
+          </a:p>
+          <a:p>
+            <a:r>
+              <a:rPr lang="en-AU" sz="1300" b="1" dirty="0" smtClean="0"/>
+              <a:t>Proximity </a:t>
+            </a:r>
+            <a:r>
+              <a:rPr lang="en-AU" sz="1300" b="1" dirty="0"/>
+              <a:t>query</a:t>
+            </a:r>
+            <a:r>
+              <a:rPr lang="en-AU" sz="1300" dirty="0"/>
+              <a:t> - a phrase query with slop. </a:t>
+            </a:r>
+          </a:p>
+          <a:p>
+            <a:r>
+              <a:rPr lang="en-AU" sz="1300" b="1" dirty="0" smtClean="0"/>
+              <a:t>Query</a:t>
+            </a:r>
+            <a:r>
+              <a:rPr lang="en-AU" sz="1300" dirty="0" smtClean="0"/>
+              <a:t> </a:t>
+            </a:r>
+            <a:r>
+              <a:rPr lang="en-AU" sz="1300" dirty="0"/>
+              <a:t>- not </a:t>
+            </a:r>
+            <a:r>
+              <a:rPr lang="en-AU" sz="1300" dirty="0" smtClean="0"/>
+              <a:t>cacheable request.  See Filter definition</a:t>
+            </a:r>
+            <a:endParaRPr lang="en-AU" sz="1300" dirty="0"/>
+          </a:p>
+          <a:p>
+            <a:r>
+              <a:rPr lang="en-AU" sz="1300" b="1" dirty="0"/>
+              <a:t>Recall</a:t>
+            </a:r>
+            <a:r>
+              <a:rPr lang="en-AU" sz="1300" dirty="0"/>
+              <a:t> - </a:t>
+            </a:r>
+            <a:r>
+              <a:rPr lang="en-AU" sz="1300" dirty="0" smtClean="0"/>
+              <a:t>the </a:t>
+            </a:r>
+            <a:r>
+              <a:rPr lang="en-AU" sz="1300" dirty="0"/>
+              <a:t>number of relevant documents that a search returns.</a:t>
+            </a:r>
+          </a:p>
+          <a:p>
+            <a:r>
+              <a:rPr lang="en-AU" sz="1300" b="1" dirty="0"/>
+              <a:t>Relevance</a:t>
+            </a:r>
+            <a:r>
+              <a:rPr lang="en-AU" sz="1300" dirty="0"/>
+              <a:t> aka Score - calculated weight or </a:t>
+            </a:r>
+            <a:r>
+              <a:rPr lang="en-AU" sz="1300" dirty="0" smtClean="0"/>
+              <a:t>rank</a:t>
+            </a:r>
+            <a:endParaRPr lang="en-AU" sz="1300" dirty="0"/>
+          </a:p>
+          <a:p>
+            <a:r>
+              <a:rPr lang="en-AU" sz="1300" b="1" dirty="0" smtClean="0"/>
+              <a:t>Routing</a:t>
+            </a:r>
+            <a:r>
+              <a:rPr lang="en-AU" sz="1300" dirty="0" smtClean="0"/>
+              <a:t> </a:t>
+            </a:r>
+            <a:r>
+              <a:rPr lang="en-AU" sz="1300" dirty="0"/>
+              <a:t>- shard placement controlled by using a hash of the document’s id value. Data can be saved to multiple directories, and if each directory is mounted on a different hard drive, </a:t>
+            </a:r>
+          </a:p>
+          <a:p>
+            <a:r>
+              <a:rPr lang="en-AU" sz="1300" b="1" dirty="0"/>
+              <a:t>Similarity</a:t>
+            </a:r>
+            <a:r>
+              <a:rPr lang="en-AU" sz="1300" dirty="0"/>
+              <a:t>  - (scoring / ranking model) defines how matching documents are scored. Similarity is per field, meaning that via the mapping one can define a different similarity per field. The default similarity that is based on the TF/IDF </a:t>
+            </a:r>
+            <a:r>
+              <a:rPr lang="en-AU" sz="1300" dirty="0" smtClean="0"/>
+              <a:t>mode..</a:t>
+            </a:r>
+            <a:endParaRPr lang="en-AU" sz="1300" dirty="0"/>
+          </a:p>
+          <a:p>
+            <a:r>
+              <a:rPr lang="en-AU" sz="1300" b="1" dirty="0" smtClean="0"/>
+              <a:t>Shingles</a:t>
+            </a:r>
+            <a:r>
+              <a:rPr lang="en-AU" sz="1300" dirty="0" smtClean="0"/>
+              <a:t> </a:t>
+            </a:r>
+            <a:r>
+              <a:rPr lang="en-AU" sz="1300" dirty="0"/>
+              <a:t>- </a:t>
+            </a:r>
+            <a:r>
+              <a:rPr lang="en-AU" sz="1300" dirty="0" smtClean="0"/>
+              <a:t>these </a:t>
+            </a:r>
+            <a:r>
+              <a:rPr lang="en-AU" sz="1300" dirty="0"/>
+              <a:t>word pairs (or bigrams) : ["sue ate", "ate the", "the alligator</a:t>
+            </a:r>
+            <a:r>
+              <a:rPr lang="en-AU" sz="1300" dirty="0" smtClean="0"/>
+              <a:t>"]. Shingles </a:t>
+            </a:r>
+            <a:r>
+              <a:rPr lang="en-AU" sz="1300" dirty="0"/>
+              <a:t>are not restricted to being pairs of words; you could index word triplets (trigrams) as well: ["sue ate the", "ate the alligator"]</a:t>
+            </a:r>
+          </a:p>
+          <a:p>
+            <a:r>
+              <a:rPr lang="en-AU" sz="1300" b="1" dirty="0"/>
+              <a:t>Source </a:t>
+            </a:r>
+            <a:r>
+              <a:rPr lang="en-AU" sz="1300" dirty="0" smtClean="0"/>
+              <a:t>- by </a:t>
+            </a:r>
+            <a:r>
+              <a:rPr lang="en-AU" sz="1300" dirty="0"/>
+              <a:t>default, the JSON document that you index will be stored in the _source field and will be returned by all get and search requests. This allows you </a:t>
+            </a:r>
+            <a:r>
+              <a:rPr lang="en-AU" sz="1300" dirty="0" smtClean="0"/>
+              <a:t>access </a:t>
+            </a:r>
+            <a:r>
+              <a:rPr lang="en-AU" sz="1300" dirty="0"/>
+              <a:t>to the original object directly from search result</a:t>
+            </a:r>
+          </a:p>
+          <a:p>
+            <a:r>
+              <a:rPr lang="en-AU" sz="1300" b="1" dirty="0" smtClean="0"/>
+              <a:t>Stemming</a:t>
+            </a:r>
+            <a:r>
+              <a:rPr lang="en-AU" sz="1300" dirty="0" smtClean="0"/>
+              <a:t> </a:t>
+            </a:r>
+            <a:r>
+              <a:rPr lang="en-AU" sz="1300" dirty="0"/>
+              <a:t>- reduce tokens to their root form: foxes → fox</a:t>
+            </a:r>
+          </a:p>
+          <a:p>
+            <a:r>
+              <a:rPr lang="en-AU" sz="1300" b="1" dirty="0"/>
+              <a:t>Shard</a:t>
+            </a:r>
+            <a:r>
+              <a:rPr lang="en-AU" sz="1300" dirty="0"/>
+              <a:t> - is a single Lucene instance. It is a low-level “worker” unit which is managed automatically by </a:t>
+            </a:r>
+            <a:r>
+              <a:rPr lang="en-AU" sz="1300" dirty="0" err="1"/>
+              <a:t>elasticsearch</a:t>
+            </a:r>
+            <a:endParaRPr lang="en-AU" sz="1300" dirty="0"/>
+          </a:p>
+          <a:p>
+            <a:r>
+              <a:rPr lang="en-AU" sz="1300" b="1" dirty="0"/>
+              <a:t>Suggestions</a:t>
+            </a:r>
+            <a:r>
+              <a:rPr lang="en-AU" sz="1300" dirty="0"/>
+              <a:t> - Did you mean this/Autocomplete (Edge </a:t>
+            </a:r>
+            <a:r>
+              <a:rPr lang="en-AU" sz="1300" dirty="0" err="1"/>
+              <a:t>gramm</a:t>
+            </a:r>
+            <a:r>
+              <a:rPr lang="en-AU" sz="1300" dirty="0"/>
+              <a:t> - some*,</a:t>
+            </a:r>
+            <a:r>
+              <a:rPr lang="en-AU" sz="1300" dirty="0" err="1"/>
+              <a:t>Ngram</a:t>
+            </a:r>
+            <a:r>
+              <a:rPr lang="en-AU" sz="1300" dirty="0"/>
+              <a:t> - *</a:t>
+            </a:r>
+            <a:r>
+              <a:rPr lang="en-AU" sz="1300" dirty="0" err="1"/>
+              <a:t>ome</a:t>
+            </a:r>
+            <a:r>
+              <a:rPr lang="en-AU" sz="1300" dirty="0"/>
+              <a:t>*)</a:t>
+            </a:r>
+          </a:p>
+          <a:p>
+            <a:r>
+              <a:rPr lang="en-AU" sz="1300" b="1" dirty="0" smtClean="0"/>
+              <a:t>Trigrams</a:t>
+            </a:r>
+            <a:r>
+              <a:rPr lang="en-AU" sz="1300" dirty="0" smtClean="0"/>
+              <a:t> </a:t>
+            </a:r>
+            <a:r>
+              <a:rPr lang="en-AU" sz="1300" dirty="0"/>
+              <a:t>give you a higher degree of precision, but greatly increase the number of unique terms in the index. </a:t>
+            </a:r>
+          </a:p>
+          <a:p>
+            <a:r>
+              <a:rPr lang="en-AU" sz="1300" b="1" dirty="0" err="1"/>
+              <a:t>Typoes</a:t>
+            </a:r>
+            <a:r>
+              <a:rPr lang="en-AU" sz="1300" b="1" dirty="0"/>
+              <a:t> and </a:t>
+            </a:r>
+            <a:r>
+              <a:rPr lang="en-AU" sz="1300" b="1" dirty="0" err="1"/>
+              <a:t>Mispelings</a:t>
+            </a:r>
+            <a:r>
+              <a:rPr lang="en-AU" sz="1300" dirty="0"/>
+              <a:t> - Fuzzy matching allows for query-time matching of misspelled words, while phonetic token filters at index time can be used for sounds-like matching. Fuzzy matching treats two words that are “fuzzily” similar as if they were the same word</a:t>
+            </a:r>
+            <a:r>
+              <a:rPr lang="en-AU" sz="1300" dirty="0" smtClean="0"/>
+              <a:t>.</a:t>
+            </a:r>
+            <a:endParaRPr lang="en-AU" sz="1300" dirty="0"/>
           </a:p>
         </p:txBody>
       </p:sp>
     </p:spTree>
     <p:extLst>
       <p:ext uri="{BB962C8B-B14F-4D97-AF65-F5344CB8AC3E}">
-        <p14:creationId xmlns:p14="http://schemas.microsoft.com/office/powerpoint/2010/main" val="3138598982"/>
+        <p14:creationId xmlns:p14="http://schemas.microsoft.com/office/powerpoint/2010/main" val="1177497078"/>
       </p:ext>
     </p:extLst>
   </p:cSld>
@@ -14097,7 +15411,7 @@
             <a:pPr algn="ctr"/>
             <a:r>
               <a:rPr lang="en-AU" sz="1400" dirty="0" smtClean="0"/>
-              <a:t>ETL</a:t>
+              <a:t>Extract</a:t>
             </a:r>
             <a:endParaRPr lang="en-AU" sz="1400" dirty="0"/>
           </a:p>
@@ -15229,7 +16543,7 @@
                             </p:stCondLst>
                             <p:childTnLst>
                               <p:par>
-                                <p:cTn id="23" presetID="2" presetClass="entr" presetSubtype="4" fill="hold" grpId="0" nodeType="clickEffect">
+                                <p:cTn id="23" presetID="2" presetClass="entr" presetSubtype="2" fill="hold" nodeType="clickEffect">
                                   <p:stCondLst>
                                     <p:cond delay="0"/>
                                   </p:stCondLst>
@@ -15242,7 +16556,7 @@
                                           </p:stCondLst>
                                         </p:cTn>
                                         <p:tgtEl>
-                                          <p:spTgt spid="26"/>
+                                          <p:spTgt spid="1026"/>
                                         </p:tgtEl>
                                         <p:attrNameLst>
                                           <p:attrName>style.visibility</p:attrName>
@@ -15256,7 +16570,7 @@
                                       <p:cBhvr additive="base">
                                         <p:cTn id="25" dur="500" fill="hold"/>
                                         <p:tgtEl>
-                                          <p:spTgt spid="26"/>
+                                          <p:spTgt spid="1026"/>
                                         </p:tgtEl>
                                         <p:attrNameLst>
                                           <p:attrName>ppt_x</p:attrName>
@@ -15265,7 +16579,7 @@
                                       <p:tavLst>
                                         <p:tav tm="0">
                                           <p:val>
-                                            <p:strVal val="#ppt_x"/>
+                                            <p:strVal val="1+#ppt_w/2"/>
                                           </p:val>
                                         </p:tav>
                                         <p:tav tm="100000">
@@ -15279,7 +16593,7 @@
                                       <p:cBhvr additive="base">
                                         <p:cTn id="26" dur="500" fill="hold"/>
                                         <p:tgtEl>
-                                          <p:spTgt spid="26"/>
+                                          <p:spTgt spid="1026"/>
                                         </p:tgtEl>
                                         <p:attrNameLst>
                                           <p:attrName>ppt_y</p:attrName>
@@ -15288,7 +16602,7 @@
                                       <p:tavLst>
                                         <p:tav tm="0">
                                           <p:val>
-                                            <p:strVal val="1+#ppt_h/2"/>
+                                            <p:strVal val="#ppt_y"/>
                                           </p:val>
                                         </p:tav>
                                         <p:tav tm="100000">
@@ -15302,7 +16616,7 @@
                                 </p:cTn>
                               </p:par>
                               <p:par>
-                                <p:cTn id="27" presetID="2" presetClass="entr" presetSubtype="4" fill="hold" grpId="0" nodeType="withEffect">
+                                <p:cTn id="27" presetID="2" presetClass="entr" presetSubtype="2" fill="hold" nodeType="withEffect">
                                   <p:stCondLst>
                                     <p:cond delay="0"/>
                                   </p:stCondLst>
@@ -15315,7 +16629,7 @@
                                           </p:stCondLst>
                                         </p:cTn>
                                         <p:tgtEl>
-                                          <p:spTgt spid="25"/>
+                                          <p:spTgt spid="1028"/>
                                         </p:tgtEl>
                                         <p:attrNameLst>
                                           <p:attrName>style.visibility</p:attrName>
@@ -15329,7 +16643,7 @@
                                       <p:cBhvr additive="base">
                                         <p:cTn id="29" dur="500" fill="hold"/>
                                         <p:tgtEl>
-                                          <p:spTgt spid="25"/>
+                                          <p:spTgt spid="1028"/>
                                         </p:tgtEl>
                                         <p:attrNameLst>
                                           <p:attrName>ppt_x</p:attrName>
@@ -15338,7 +16652,7 @@
                                       <p:tavLst>
                                         <p:tav tm="0">
                                           <p:val>
-                                            <p:strVal val="#ppt_x"/>
+                                            <p:strVal val="1+#ppt_w/2"/>
                                           </p:val>
                                         </p:tav>
                                         <p:tav tm="100000">
@@ -15352,7 +16666,7 @@
                                       <p:cBhvr additive="base">
                                         <p:cTn id="30" dur="500" fill="hold"/>
                                         <p:tgtEl>
-                                          <p:spTgt spid="25"/>
+                                          <p:spTgt spid="1028"/>
                                         </p:tgtEl>
                                         <p:attrNameLst>
                                           <p:attrName>ppt_y</p:attrName>
@@ -15361,153 +16675,7 @@
                                       <p:tavLst>
                                         <p:tav tm="0">
                                           <p:val>
-                                            <p:strVal val="1+#ppt_h/2"/>
-                                          </p:val>
-                                        </p:tav>
-                                        <p:tav tm="100000">
-                                          <p:val>
                                             <p:strVal val="#ppt_y"/>
-                                          </p:val>
-                                        </p:tav>
-                                      </p:tavLst>
-                                    </p:anim>
-                                  </p:childTnLst>
-                                </p:cTn>
-                              </p:par>
-                              <p:par>
-                                <p:cTn id="31" presetID="2" presetClass="entr" presetSubtype="4" fill="hold" grpId="0" nodeType="withEffect">
-                                  <p:stCondLst>
-                                    <p:cond delay="0"/>
-                                  </p:stCondLst>
-                                  <p:childTnLst>
-                                    <p:set>
-                                      <p:cBhvr>
-                                        <p:cTn id="32" dur="1" fill="hold">
-                                          <p:stCondLst>
-                                            <p:cond delay="0"/>
-                                          </p:stCondLst>
-                                        </p:cTn>
-                                        <p:tgtEl>
-                                          <p:spTgt spid="20"/>
-                                        </p:tgtEl>
-                                        <p:attrNameLst>
-                                          <p:attrName>style.visibility</p:attrName>
-                                        </p:attrNameLst>
-                                      </p:cBhvr>
-                                      <p:to>
-                                        <p:strVal val="visible"/>
-                                      </p:to>
-                                    </p:set>
-                                    <p:anim calcmode="lin" valueType="num">
-                                      <p:cBhvr additive="base">
-                                        <p:cTn id="33" dur="500" fill="hold"/>
-                                        <p:tgtEl>
-                                          <p:spTgt spid="20"/>
-                                        </p:tgtEl>
-                                        <p:attrNameLst>
-                                          <p:attrName>ppt_x</p:attrName>
-                                        </p:attrNameLst>
-                                      </p:cBhvr>
-                                      <p:tavLst>
-                                        <p:tav tm="0">
-                                          <p:val>
-                                            <p:strVal val="#ppt_x"/>
-                                          </p:val>
-                                        </p:tav>
-                                        <p:tav tm="100000">
-                                          <p:val>
-                                            <p:strVal val="#ppt_x"/>
-                                          </p:val>
-                                        </p:tav>
-                                      </p:tavLst>
-                                    </p:anim>
-                                    <p:anim calcmode="lin" valueType="num">
-                                      <p:cBhvr additive="base">
-                                        <p:cTn id="34" dur="500" fill="hold"/>
-                                        <p:tgtEl>
-                                          <p:spTgt spid="20"/>
-                                        </p:tgtEl>
-                                        <p:attrNameLst>
-                                          <p:attrName>ppt_y</p:attrName>
-                                        </p:attrNameLst>
-                                      </p:cBhvr>
-                                      <p:tavLst>
-                                        <p:tav tm="0">
-                                          <p:val>
-                                            <p:strVal val="1+#ppt_h/2"/>
-                                          </p:val>
-                                        </p:tav>
-                                        <p:tav tm="100000">
-                                          <p:val>
-                                            <p:strVal val="#ppt_y"/>
-                                          </p:val>
-                                        </p:tav>
-                                      </p:tavLst>
-                                    </p:anim>
-                                  </p:childTnLst>
-                                </p:cTn>
-                              </p:par>
-                              <p:par>
-                                <p:cTn id="35" presetID="2" presetClass="entr" presetSubtype="4" fill="hold" grpId="0" nodeType="withEffect">
-                                  <p:stCondLst>
-                                    <p:cond delay="0"/>
-                                  </p:stCondLst>
-                                  <p:childTnLst>
-                                    <p:set>
-                                      <p:cBhvr>
-                                        <p:cTn id="36" dur="1" fill="hold">
-                                          <p:stCondLst>
-                                            <p:cond delay="0"/>
-                                          </p:stCondLst>
-                                        </p:cTn>
-                                        <p:tgtEl>
-                                          <p:spTgt spid="40"/>
-                                        </p:tgtEl>
-                                        <p:attrNameLst>
-                                          <p:attrName>style.visibility</p:attrName>
-                                        </p:attrNameLst>
-                                      </p:cBhvr>
-                                      <p:to>
-                                        <p:strVal val="visible"/>
-                                      </p:to>
-                                    </p:set>
-                                    <p:anim calcmode="lin" valueType="num">
-                                      <p:cBhvr additive="base">
-                                        <p:cTn id="37" dur="500" fill="hold"/>
-                                        <p:tgtEl>
-                                          <p:spTgt spid="40"/>
-                                        </p:tgtEl>
-                                        <p:attrNameLst>
-                                          <p:attrName>ppt_x</p:attrName>
-                                        </p:attrNameLst>
-                                      </p:cBhvr>
-                                      <p:tavLst>
-                                        <p:tav tm="0">
-                                          <p:val>
-                                            <p:strVal val="#ppt_x"/>
-                                          </p:val>
-                                        </p:tav>
-                                        <p:tav tm="100000">
-                                          <p:val>
-                                            <p:strVal val="#ppt_x"/>
-                                          </p:val>
-                                        </p:tav>
-                                      </p:tavLst>
-                                    </p:anim>
-                                    <p:anim calcmode="lin" valueType="num">
-                                      <p:cBhvr additive="base">
-                                        <p:cTn id="38" dur="500" fill="hold"/>
-                                        <p:tgtEl>
-                                          <p:spTgt spid="40"/>
-                                        </p:tgtEl>
-                                        <p:attrNameLst>
-                                          <p:attrName>ppt_y</p:attrName>
-                                        </p:attrNameLst>
-                                      </p:cBhvr>
-                                      <p:tavLst>
-                                        <p:tav tm="0">
-                                          <p:val>
-                                            <p:strVal val="1+#ppt_h/2"/>
                                           </p:val>
                                         </p:tav>
                                         <p:tav tm="100000">
@@ -15527,19 +16695,165 @@
                     </p:cTn>
                   </p:par>
                   <p:par>
-                    <p:cTn id="39" fill="hold">
+                    <p:cTn id="31" fill="hold">
                       <p:stCondLst>
                         <p:cond delay="indefinite"/>
                       </p:stCondLst>
                       <p:childTnLst>
                         <p:par>
-                          <p:cTn id="40" fill="hold">
+                          <p:cTn id="32" fill="hold">
                             <p:stCondLst>
                               <p:cond delay="0"/>
                             </p:stCondLst>
                             <p:childTnLst>
                               <p:par>
-                                <p:cTn id="41" presetID="2" presetClass="entr" presetSubtype="4" fill="hold" grpId="0" nodeType="clickEffect">
+                                <p:cTn id="33" presetID="2" presetClass="entr" presetSubtype="4" fill="hold" grpId="0" nodeType="clickEffect">
+                                  <p:stCondLst>
+                                    <p:cond delay="0"/>
+                                  </p:stCondLst>
+                                  <p:childTnLst>
+                                    <p:set>
+                                      <p:cBhvr>
+                                        <p:cTn id="34" dur="1" fill="hold">
+                                          <p:stCondLst>
+                                            <p:cond delay="0"/>
+                                          </p:stCondLst>
+                                        </p:cTn>
+                                        <p:tgtEl>
+                                          <p:spTgt spid="26"/>
+                                        </p:tgtEl>
+                                        <p:attrNameLst>
+                                          <p:attrName>style.visibility</p:attrName>
+                                        </p:attrNameLst>
+                                      </p:cBhvr>
+                                      <p:to>
+                                        <p:strVal val="visible"/>
+                                      </p:to>
+                                    </p:set>
+                                    <p:anim calcmode="lin" valueType="num">
+                                      <p:cBhvr additive="base">
+                                        <p:cTn id="35" dur="500" fill="hold"/>
+                                        <p:tgtEl>
+                                          <p:spTgt spid="26"/>
+                                        </p:tgtEl>
+                                        <p:attrNameLst>
+                                          <p:attrName>ppt_x</p:attrName>
+                                        </p:attrNameLst>
+                                      </p:cBhvr>
+                                      <p:tavLst>
+                                        <p:tav tm="0">
+                                          <p:val>
+                                            <p:strVal val="#ppt_x"/>
+                                          </p:val>
+                                        </p:tav>
+                                        <p:tav tm="100000">
+                                          <p:val>
+                                            <p:strVal val="#ppt_x"/>
+                                          </p:val>
+                                        </p:tav>
+                                      </p:tavLst>
+                                    </p:anim>
+                                    <p:anim calcmode="lin" valueType="num">
+                                      <p:cBhvr additive="base">
+                                        <p:cTn id="36" dur="500" fill="hold"/>
+                                        <p:tgtEl>
+                                          <p:spTgt spid="26"/>
+                                        </p:tgtEl>
+                                        <p:attrNameLst>
+                                          <p:attrName>ppt_y</p:attrName>
+                                        </p:attrNameLst>
+                                      </p:cBhvr>
+                                      <p:tavLst>
+                                        <p:tav tm="0">
+                                          <p:val>
+                                            <p:strVal val="1+#ppt_h/2"/>
+                                          </p:val>
+                                        </p:tav>
+                                        <p:tav tm="100000">
+                                          <p:val>
+                                            <p:strVal val="#ppt_y"/>
+                                          </p:val>
+                                        </p:tav>
+                                      </p:tavLst>
+                                    </p:anim>
+                                  </p:childTnLst>
+                                </p:cTn>
+                              </p:par>
+                              <p:par>
+                                <p:cTn id="37" presetID="2" presetClass="entr" presetSubtype="4" fill="hold" grpId="0" nodeType="withEffect">
+                                  <p:stCondLst>
+                                    <p:cond delay="0"/>
+                                  </p:stCondLst>
+                                  <p:childTnLst>
+                                    <p:set>
+                                      <p:cBhvr>
+                                        <p:cTn id="38" dur="1" fill="hold">
+                                          <p:stCondLst>
+                                            <p:cond delay="0"/>
+                                          </p:stCondLst>
+                                        </p:cTn>
+                                        <p:tgtEl>
+                                          <p:spTgt spid="25"/>
+                                        </p:tgtEl>
+                                        <p:attrNameLst>
+                                          <p:attrName>style.visibility</p:attrName>
+                                        </p:attrNameLst>
+                                      </p:cBhvr>
+                                      <p:to>
+                                        <p:strVal val="visible"/>
+                                      </p:to>
+                                    </p:set>
+                                    <p:anim calcmode="lin" valueType="num">
+                                      <p:cBhvr additive="base">
+                                        <p:cTn id="39" dur="500" fill="hold"/>
+                                        <p:tgtEl>
+                                          <p:spTgt spid="25"/>
+                                        </p:tgtEl>
+                                        <p:attrNameLst>
+                                          <p:attrName>ppt_x</p:attrName>
+                                        </p:attrNameLst>
+                                      </p:cBhvr>
+                                      <p:tavLst>
+                                        <p:tav tm="0">
+                                          <p:val>
+                                            <p:strVal val="#ppt_x"/>
+                                          </p:val>
+                                        </p:tav>
+                                        <p:tav tm="100000">
+                                          <p:val>
+                                            <p:strVal val="#ppt_x"/>
+                                          </p:val>
+                                        </p:tav>
+                                      </p:tavLst>
+                                    </p:anim>
+                                    <p:anim calcmode="lin" valueType="num">
+                                      <p:cBhvr additive="base">
+                                        <p:cTn id="40" dur="500" fill="hold"/>
+                                        <p:tgtEl>
+                                          <p:spTgt spid="25"/>
+                                        </p:tgtEl>
+                                        <p:attrNameLst>
+                                          <p:attrName>ppt_y</p:attrName>
+                                        </p:attrNameLst>
+                                      </p:cBhvr>
+                                      <p:tavLst>
+                                        <p:tav tm="0">
+                                          <p:val>
+                                            <p:strVal val="1+#ppt_h/2"/>
+                                          </p:val>
+                                        </p:tav>
+                                        <p:tav tm="100000">
+                                          <p:val>
+                                            <p:strVal val="#ppt_y"/>
+                                          </p:val>
+                                        </p:tav>
+                                      </p:tavLst>
+                                    </p:anim>
+                                  </p:childTnLst>
+                                </p:cTn>
+                              </p:par>
+                              <p:par>
+                                <p:cTn id="41" presetID="2" presetClass="entr" presetSubtype="4" fill="hold" grpId="0" nodeType="withEffect">
                                   <p:stCondLst>
                                     <p:cond delay="0"/>
                                   </p:stCondLst>
@@ -15552,7 +16866,7 @@
                                           </p:stCondLst>
                                         </p:cTn>
                                         <p:tgtEl>
-                                          <p:spTgt spid="19"/>
+                                          <p:spTgt spid="20"/>
                                         </p:tgtEl>
                                         <p:attrNameLst>
                                           <p:attrName>style.visibility</p:attrName>
@@ -15566,7 +16880,7 @@
                                       <p:cBhvr additive="base">
                                         <p:cTn id="43" dur="500" fill="hold"/>
                                         <p:tgtEl>
-                                          <p:spTgt spid="19"/>
+                                          <p:spTgt spid="20"/>
                                         </p:tgtEl>
                                         <p:attrNameLst>
                                           <p:attrName>ppt_x</p:attrName>
@@ -15589,7 +16903,7 @@
                                       <p:cBhvr additive="base">
                                         <p:cTn id="44" dur="500" fill="hold"/>
                                         <p:tgtEl>
-                                          <p:spTgt spid="19"/>
+                                          <p:spTgt spid="20"/>
                                         </p:tgtEl>
                                         <p:attrNameLst>
                                           <p:attrName>ppt_y</p:attrName>
@@ -15612,7 +16926,7 @@
                                 </p:cTn>
                               </p:par>
                               <p:par>
-                                <p:cTn id="45" presetID="2" presetClass="entr" presetSubtype="2" fill="hold" grpId="0" nodeType="withEffect">
+                                <p:cTn id="45" presetID="2" presetClass="entr" presetSubtype="4" fill="hold" grpId="0" nodeType="withEffect">
                                   <p:stCondLst>
                                     <p:cond delay="0"/>
                                   </p:stCondLst>
@@ -15625,7 +16939,7 @@
                                           </p:stCondLst>
                                         </p:cTn>
                                         <p:tgtEl>
-                                          <p:spTgt spid="4"/>
+                                          <p:spTgt spid="40"/>
                                         </p:tgtEl>
                                         <p:attrNameLst>
                                           <p:attrName>style.visibility</p:attrName>
@@ -15639,7 +16953,7 @@
                                       <p:cBhvr additive="base">
                                         <p:cTn id="47" dur="500" fill="hold"/>
                                         <p:tgtEl>
-                                          <p:spTgt spid="4"/>
+                                          <p:spTgt spid="40"/>
                                         </p:tgtEl>
                                         <p:attrNameLst>
                                           <p:attrName>ppt_x</p:attrName>
@@ -15648,7 +16962,7 @@
                                       <p:tavLst>
                                         <p:tav tm="0">
                                           <p:val>
-                                            <p:strVal val="1+#ppt_w/2"/>
+                                            <p:strVal val="#ppt_x"/>
                                           </p:val>
                                         </p:tav>
                                         <p:tav tm="100000">
@@ -15662,7 +16976,7 @@
                                       <p:cBhvr additive="base">
                                         <p:cTn id="48" dur="500" fill="hold"/>
                                         <p:tgtEl>
-                                          <p:spTgt spid="4"/>
+                                          <p:spTgt spid="40"/>
                                         </p:tgtEl>
                                         <p:attrNameLst>
                                           <p:attrName>ppt_y</p:attrName>
@@ -15671,7 +16985,7 @@
                                       <p:tavLst>
                                         <p:tav tm="0">
                                           <p:val>
-                                            <p:strVal val="#ppt_y"/>
+                                            <p:strVal val="1+#ppt_h/2"/>
                                           </p:val>
                                         </p:tav>
                                         <p:tav tm="100000">
@@ -15716,7 +17030,7 @@
                                           </p:stCondLst>
                                         </p:cTn>
                                         <p:tgtEl>
-                                          <p:spTgt spid="21"/>
+                                          <p:spTgt spid="19"/>
                                         </p:tgtEl>
                                         <p:attrNameLst>
                                           <p:attrName>style.visibility</p:attrName>
@@ -15730,7 +17044,7 @@
                                       <p:cBhvr additive="base">
                                         <p:cTn id="53" dur="500" fill="hold"/>
                                         <p:tgtEl>
-                                          <p:spTgt spid="21"/>
+                                          <p:spTgt spid="19"/>
                                         </p:tgtEl>
                                         <p:attrNameLst>
                                           <p:attrName>ppt_x</p:attrName>
@@ -15753,7 +17067,7 @@
                                       <p:cBhvr additive="base">
                                         <p:cTn id="54" dur="500" fill="hold"/>
                                         <p:tgtEl>
-                                          <p:spTgt spid="21"/>
+                                          <p:spTgt spid="19"/>
                                         </p:tgtEl>
                                         <p:attrNameLst>
                                           <p:attrName>ppt_y</p:attrName>
@@ -15776,7 +17090,7 @@
                                 </p:cTn>
                               </p:par>
                               <p:par>
-                                <p:cTn id="55" presetID="2" presetClass="entr" presetSubtype="4" fill="hold" grpId="0" nodeType="withEffect">
+                                <p:cTn id="55" presetID="2" presetClass="entr" presetSubtype="2" fill="hold" grpId="0" nodeType="withEffect">
                                   <p:stCondLst>
                                     <p:cond delay="0"/>
                                   </p:stCondLst>
@@ -15789,7 +17103,7 @@
                                           </p:stCondLst>
                                         </p:cTn>
                                         <p:tgtEl>
-                                          <p:spTgt spid="22"/>
+                                          <p:spTgt spid="4"/>
                                         </p:tgtEl>
                                         <p:attrNameLst>
                                           <p:attrName>style.visibility</p:attrName>
@@ -15803,7 +17117,7 @@
                                       <p:cBhvr additive="base">
                                         <p:cTn id="57" dur="500" fill="hold"/>
                                         <p:tgtEl>
-                                          <p:spTgt spid="22"/>
+                                          <p:spTgt spid="4"/>
                                         </p:tgtEl>
                                         <p:attrNameLst>
                                           <p:attrName>ppt_x</p:attrName>
@@ -15812,7 +17126,7 @@
                                       <p:tavLst>
                                         <p:tav tm="0">
                                           <p:val>
-                                            <p:strVal val="#ppt_x"/>
+                                            <p:strVal val="1+#ppt_w/2"/>
                                           </p:val>
                                         </p:tav>
                                         <p:tav tm="100000">
@@ -15826,7 +17140,98 @@
                                       <p:cBhvr additive="base">
                                         <p:cTn id="58" dur="500" fill="hold"/>
                                         <p:tgtEl>
-                                          <p:spTgt spid="22"/>
+                                          <p:spTgt spid="4"/>
+                                        </p:tgtEl>
+                                        <p:attrNameLst>
+                                          <p:attrName>ppt_y</p:attrName>
+                                        </p:attrNameLst>
+                                      </p:cBhvr>
+                                      <p:tavLst>
+                                        <p:tav tm="0">
+                                          <p:val>
+                                            <p:strVal val="#ppt_y"/>
+                                          </p:val>
+                                        </p:tav>
+                                        <p:tav tm="100000">
+                                          <p:val>
+                                            <p:strVal val="#ppt_y"/>
+                                          </p:val>
+                                        </p:tav>
+                                      </p:tavLst>
+                                    </p:anim>
+                                  </p:childTnLst>
+                                </p:cTn>
+                              </p:par>
+                            </p:childTnLst>
+                          </p:cTn>
+                        </p:par>
+                      </p:childTnLst>
+                    </p:cTn>
+                  </p:par>
+                  <p:par>
+                    <p:cTn id="59" fill="hold">
+                      <p:stCondLst>
+                        <p:cond delay="indefinite"/>
+                      </p:stCondLst>
+                      <p:childTnLst>
+                        <p:par>
+                          <p:cTn id="60" fill="hold">
+                            <p:stCondLst>
+                              <p:cond delay="0"/>
+                            </p:stCondLst>
+                            <p:childTnLst>
+                              <p:par>
+                                <p:cTn id="61" presetID="2" presetClass="entr" presetSubtype="4" fill="hold" grpId="0" nodeType="clickEffect">
+                                  <p:stCondLst>
+                                    <p:cond delay="0"/>
+                                  </p:stCondLst>
+                                  <p:childTnLst>
+                                    <p:set>
+                                      <p:cBhvr>
+                                        <p:cTn id="62" dur="1" fill="hold">
+                                          <p:stCondLst>
+                                            <p:cond delay="0"/>
+                                          </p:stCondLst>
+                                        </p:cTn>
+                                        <p:tgtEl>
+                                          <p:spTgt spid="21"/>
+                                        </p:tgtEl>
+                                        <p:attrNameLst>
+                                          <p:attrName>style.visibility</p:attrName>
+                                        </p:attrNameLst>
+                                      </p:cBhvr>
+                                      <p:to>
+                                        <p:strVal val="visible"/>
+                                      </p:to>
+                                    </p:set>
+                                    <p:anim calcmode="lin" valueType="num">
+                                      <p:cBhvr additive="base">
+                                        <p:cTn id="63" dur="500" fill="hold"/>
+                                        <p:tgtEl>
+                                          <p:spTgt spid="21"/>
+                                        </p:tgtEl>
+                                        <p:attrNameLst>
+                                          <p:attrName>ppt_x</p:attrName>
+                                        </p:attrNameLst>
+                                      </p:cBhvr>
+                                      <p:tavLst>
+                                        <p:tav tm="0">
+                                          <p:val>
+                                            <p:strVal val="#ppt_x"/>
+                                          </p:val>
+                                        </p:tav>
+                                        <p:tav tm="100000">
+                                          <p:val>
+                                            <p:strVal val="#ppt_x"/>
+                                          </p:val>
+                                        </p:tav>
+                                      </p:tavLst>
+                                    </p:anim>
+                                    <p:anim calcmode="lin" valueType="num">
+                                      <p:cBhvr additive="base">
+                                        <p:cTn id="64" dur="500" fill="hold"/>
+                                        <p:tgtEl>
+                                          <p:spTgt spid="21"/>
                                         </p:tgtEl>
                                         <p:attrNameLst>
                                           <p:attrName>ppt_y</p:attrName>
@@ -15849,20 +17254,20 @@
                                 </p:cTn>
                               </p:par>
                               <p:par>
-                                <p:cTn id="59" presetID="2" presetClass="entr" presetSubtype="4" fill="hold" grpId="0" nodeType="withEffect">
+                                <p:cTn id="65" presetID="2" presetClass="entr" presetSubtype="4" fill="hold" grpId="0" nodeType="withEffect">
                                   <p:stCondLst>
                                     <p:cond delay="0"/>
                                   </p:stCondLst>
                                   <p:childTnLst>
                                     <p:set>
                                       <p:cBhvr>
-                                        <p:cTn id="60" dur="1" fill="hold">
+                                        <p:cTn id="66" dur="1" fill="hold">
                                           <p:stCondLst>
                                             <p:cond delay="0"/>
                                           </p:stCondLst>
                                         </p:cTn>
                                         <p:tgtEl>
-                                          <p:spTgt spid="35"/>
+                                          <p:spTgt spid="22"/>
                                         </p:tgtEl>
                                         <p:attrNameLst>
                                           <p:attrName>style.visibility</p:attrName>
@@ -15874,9 +17279,9 @@
                                     </p:set>
                                     <p:anim calcmode="lin" valueType="num">
                                       <p:cBhvr additive="base">
-                                        <p:cTn id="61" dur="500" fill="hold"/>
-                                        <p:tgtEl>
-                                          <p:spTgt spid="35"/>
+                                        <p:cTn id="67" dur="500" fill="hold"/>
+                                        <p:tgtEl>
+                                          <p:spTgt spid="22"/>
                                         </p:tgtEl>
                                         <p:attrNameLst>
                                           <p:attrName>ppt_x</p:attrName>
@@ -15897,9 +17302,9 @@
                                     </p:anim>
                                     <p:anim calcmode="lin" valueType="num">
                                       <p:cBhvr additive="base">
-                                        <p:cTn id="62" dur="500" fill="hold"/>
-                                        <p:tgtEl>
-                                          <p:spTgt spid="35"/>
+                                        <p:cTn id="68" dur="500" fill="hold"/>
+                                        <p:tgtEl>
+                                          <p:spTgt spid="22"/>
                                         </p:tgtEl>
                                         <p:attrNameLst>
                                           <p:attrName>ppt_y</p:attrName>
@@ -15922,20 +17327,20 @@
                                 </p:cTn>
                               </p:par>
                               <p:par>
-                                <p:cTn id="63" presetID="2" presetClass="entr" presetSubtype="4" fill="hold" grpId="0" nodeType="withEffect">
+                                <p:cTn id="69" presetID="2" presetClass="entr" presetSubtype="4" fill="hold" grpId="0" nodeType="withEffect">
                                   <p:stCondLst>
                                     <p:cond delay="0"/>
                                   </p:stCondLst>
                                   <p:childTnLst>
                                     <p:set>
                                       <p:cBhvr>
-                                        <p:cTn id="64" dur="1" fill="hold">
+                                        <p:cTn id="70" dur="1" fill="hold">
                                           <p:stCondLst>
                                             <p:cond delay="0"/>
                                           </p:stCondLst>
                                         </p:cTn>
                                         <p:tgtEl>
-                                          <p:spTgt spid="36"/>
+                                          <p:spTgt spid="35"/>
                                         </p:tgtEl>
                                         <p:attrNameLst>
                                           <p:attrName>style.visibility</p:attrName>
@@ -15947,9 +17352,9 @@
                                     </p:set>
                                     <p:anim calcmode="lin" valueType="num">
                                       <p:cBhvr additive="base">
-                                        <p:cTn id="65" dur="500" fill="hold"/>
-                                        <p:tgtEl>
-                                          <p:spTgt spid="36"/>
+                                        <p:cTn id="71" dur="500" fill="hold"/>
+                                        <p:tgtEl>
+                                          <p:spTgt spid="35"/>
                                         </p:tgtEl>
                                         <p:attrNameLst>
                                           <p:attrName>ppt_x</p:attrName>
@@ -15970,9 +17375,9 @@
                                     </p:anim>
                                     <p:anim calcmode="lin" valueType="num">
                                       <p:cBhvr additive="base">
-                                        <p:cTn id="66" dur="500" fill="hold"/>
-                                        <p:tgtEl>
-                                          <p:spTgt spid="36"/>
+                                        <p:cTn id="72" dur="500" fill="hold"/>
+                                        <p:tgtEl>
+                                          <p:spTgt spid="35"/>
                                         </p:tgtEl>
                                         <p:attrNameLst>
                                           <p:attrName>ppt_y</p:attrName>
@@ -15995,20 +17400,20 @@
                                 </p:cTn>
                               </p:par>
                               <p:par>
-                                <p:cTn id="67" presetID="2" presetClass="entr" presetSubtype="4" fill="hold" grpId="0" nodeType="withEffect">
+                                <p:cTn id="73" presetID="2" presetClass="entr" presetSubtype="4" fill="hold" grpId="0" nodeType="withEffect">
                                   <p:stCondLst>
                                     <p:cond delay="0"/>
                                   </p:stCondLst>
                                   <p:childTnLst>
                                     <p:set>
                                       <p:cBhvr>
-                                        <p:cTn id="68" dur="1" fill="hold">
+                                        <p:cTn id="74" dur="1" fill="hold">
                                           <p:stCondLst>
                                             <p:cond delay="0"/>
                                           </p:stCondLst>
                                         </p:cTn>
                                         <p:tgtEl>
-                                          <p:spTgt spid="50"/>
+                                          <p:spTgt spid="36"/>
                                         </p:tgtEl>
                                         <p:attrNameLst>
                                           <p:attrName>style.visibility</p:attrName>
@@ -16020,9 +17425,9 @@
                                     </p:set>
                                     <p:anim calcmode="lin" valueType="num">
                                       <p:cBhvr additive="base">
-                                        <p:cTn id="69" dur="500" fill="hold"/>
-                                        <p:tgtEl>
-                                          <p:spTgt spid="50"/>
+                                        <p:cTn id="75" dur="500" fill="hold"/>
+                                        <p:tgtEl>
+                                          <p:spTgt spid="36"/>
                                         </p:tgtEl>
                                         <p:attrNameLst>
                                           <p:attrName>ppt_x</p:attrName>
@@ -16043,9 +17448,9 @@
                                     </p:anim>
                                     <p:anim calcmode="lin" valueType="num">
                                       <p:cBhvr additive="base">
-                                        <p:cTn id="70" dur="500" fill="hold"/>
-                                        <p:tgtEl>
-                                          <p:spTgt spid="50"/>
+                                        <p:cTn id="76" dur="500" fill="hold"/>
+                                        <p:tgtEl>
+                                          <p:spTgt spid="36"/>
                                         </p:tgtEl>
                                         <p:attrNameLst>
                                           <p:attrName>ppt_y</p:attrName>
@@ -16068,20 +17473,20 @@
                                 </p:cTn>
                               </p:par>
                               <p:par>
-                                <p:cTn id="71" presetID="2" presetClass="entr" presetSubtype="4" fill="hold" grpId="0" nodeType="withEffect">
+                                <p:cTn id="77" presetID="2" presetClass="entr" presetSubtype="4" fill="hold" grpId="0" nodeType="withEffect">
                                   <p:stCondLst>
                                     <p:cond delay="0"/>
                                   </p:stCondLst>
                                   <p:childTnLst>
                                     <p:set>
                                       <p:cBhvr>
-                                        <p:cTn id="72" dur="1" fill="hold">
+                                        <p:cTn id="78" dur="1" fill="hold">
                                           <p:stCondLst>
                                             <p:cond delay="0"/>
                                           </p:stCondLst>
                                         </p:cTn>
                                         <p:tgtEl>
-                                          <p:spTgt spid="51"/>
+                                          <p:spTgt spid="50"/>
                                         </p:tgtEl>
                                         <p:attrNameLst>
                                           <p:attrName>style.visibility</p:attrName>
@@ -16093,9 +17498,9 @@
                                     </p:set>
                                     <p:anim calcmode="lin" valueType="num">
                                       <p:cBhvr additive="base">
-                                        <p:cTn id="73" dur="500" fill="hold"/>
-                                        <p:tgtEl>
-                                          <p:spTgt spid="51"/>
+                                        <p:cTn id="79" dur="500" fill="hold"/>
+                                        <p:tgtEl>
+                                          <p:spTgt spid="50"/>
                                         </p:tgtEl>
                                         <p:attrNameLst>
                                           <p:attrName>ppt_x</p:attrName>
@@ -16116,7 +17521,80 @@
                                     </p:anim>
                                     <p:anim calcmode="lin" valueType="num">
                                       <p:cBhvr additive="base">
-                                        <p:cTn id="74" dur="500" fill="hold"/>
+                                        <p:cTn id="80" dur="500" fill="hold"/>
+                                        <p:tgtEl>
+                                          <p:spTgt spid="50"/>
+                                        </p:tgtEl>
+                                        <p:attrNameLst>
+                                          <p:attrName>ppt_y</p:attrName>
+                                        </p:attrNameLst>
+                                      </p:cBhvr>
+                                      <p:tavLst>
+                                        <p:tav tm="0">
+                                          <p:val>
+                                            <p:strVal val="1+#ppt_h/2"/>
+                                          </p:val>
+                                        </p:tav>
+                                        <p:tav tm="100000">
+                                          <p:val>
+                                            <p:strVal val="#ppt_y"/>
+                                          </p:val>
+                                        </p:tav>
+                                      </p:tavLst>
+                                    </p:anim>
+                                  </p:childTnLst>
+                                </p:cTn>
+                              </p:par>
+                              <p:par>
+                                <p:cTn id="81" presetID="2" presetClass="entr" presetSubtype="4" fill="hold" grpId="0" nodeType="withEffect">
+                                  <p:stCondLst>
+                                    <p:cond delay="0"/>
+                                  </p:stCondLst>
+                                  <p:childTnLst>
+                                    <p:set>
+                                      <p:cBhvr>
+                                        <p:cTn id="82" dur="1" fill="hold">
+                                          <p:stCondLst>
+                                            <p:cond delay="0"/>
+                                          </p:stCondLst>
+                                        </p:cTn>
+                                        <p:tgtEl>
+                                          <p:spTgt spid="51"/>
+                                        </p:tgtEl>
+                                        <p:attrNameLst>
+                                          <p:attrName>style.visibility</p:attrName>
+                                        </p:attrNameLst>
+                                      </p:cBhvr>
+                                      <p:to>
+                                        <p:strVal val="visible"/>
+                                      </p:to>
+                                    </p:set>
+                                    <p:anim calcmode="lin" valueType="num">
+                                      <p:cBhvr additive="base">
+                                        <p:cTn id="83" dur="500" fill="hold"/>
+                                        <p:tgtEl>
+                                          <p:spTgt spid="51"/>
+                                        </p:tgtEl>
+                                        <p:attrNameLst>
+                                          <p:attrName>ppt_x</p:attrName>
+                                        </p:attrNameLst>
+                                      </p:cBhvr>
+                                      <p:tavLst>
+                                        <p:tav tm="0">
+                                          <p:val>
+                                            <p:strVal val="#ppt_x"/>
+                                          </p:val>
+                                        </p:tav>
+                                        <p:tav tm="100000">
+                                          <p:val>
+                                            <p:strVal val="#ppt_x"/>
+                                          </p:val>
+                                        </p:tav>
+                                      </p:tavLst>
+                                    </p:anim>
+                                    <p:anim calcmode="lin" valueType="num">
+                                      <p:cBhvr additive="base">
+                                        <p:cTn id="84" dur="500" fill="hold"/>
                                         <p:tgtEl>
                                           <p:spTgt spid="51"/>
                                         </p:tgtEl>
@@ -16247,7 +17725,7 @@
           </p:nvPr>
         </p:nvPicPr>
         <p:blipFill>
-          <a:blip r:embed="rId2">
+          <a:blip r:embed="rId3">
             <a:extLst>
               <a:ext uri="{28A0092B-C50C-407E-A947-70E740481C1C}">
                 <a14:useLocalDpi xmlns:a14="http://schemas.microsoft.com/office/drawing/2010/main" val="0"/>
@@ -16260,7 +17738,7 @@
         </p:blipFill>
         <p:spPr>
           <a:xfrm>
-            <a:off x="127456" y="777291"/>
+            <a:off x="635456" y="777291"/>
             <a:ext cx="10173540" cy="5980761"/>
           </a:xfrm>
         </p:spPr>
@@ -18185,6 +19663,50 @@
               <a:t>msg</a:t>
             </a:r>
             <a:endParaRPr lang="en-AU" sz="1600" dirty="0"/>
+          </a:p>
+        </p:txBody>
+      </p:sp>
+      <p:sp>
+        <p:nvSpPr>
+          <p:cNvPr id="42" name="Flowchart: Multidocument 41"/>
+          <p:cNvSpPr/>
+          <p:nvPr/>
+        </p:nvSpPr>
+        <p:spPr>
+          <a:xfrm>
+            <a:off x="9692862" y="1458898"/>
+            <a:ext cx="2184476" cy="396059"/>
+          </a:xfrm>
+          <a:prstGeom prst="flowChartMultidocument">
+            <a:avLst/>
+          </a:prstGeom>
+        </p:spPr>
+        <p:style>
+          <a:lnRef idx="2">
+            <a:schemeClr val="accent1">
+              <a:shade val="50000"/>
+            </a:schemeClr>
+          </a:lnRef>
+          <a:fillRef idx="1">
+            <a:schemeClr val="accent1"/>
+          </a:fillRef>
+          <a:effectRef idx="0">
+            <a:schemeClr val="accent1"/>
+          </a:effectRef>
+          <a:fontRef idx="minor">
+            <a:schemeClr val="lt1"/>
+          </a:fontRef>
+        </p:style>
+        <p:txBody>
+          <a:bodyPr rtlCol="0" anchor="ctr"/>
+          <a:lstStyle/>
+          <a:p>
+            <a:pPr algn="ctr"/>
+            <a:r>
+              <a:rPr lang="en-AU" dirty="0" smtClean="0"/>
+              <a:t>_search</a:t>
+            </a:r>
+            <a:endParaRPr lang="en-AU" dirty="0"/>
           </a:p>
         </p:txBody>
       </p:sp>
@@ -20407,6 +21929,79 @@
                                   </p:childTnLst>
                                 </p:cTn>
                               </p:par>
+                              <p:par>
+                                <p:cTn id="129" presetID="2" presetClass="entr" presetSubtype="2" fill="hold" grpId="0" nodeType="withEffect">
+                                  <p:stCondLst>
+                                    <p:cond delay="0"/>
+                                  </p:stCondLst>
+                                  <p:childTnLst>
+                                    <p:set>
+                                      <p:cBhvr>
+                                        <p:cTn id="130" dur="1" fill="hold">
+                                          <p:stCondLst>
+                                            <p:cond delay="0"/>
+                                          </p:stCondLst>
+                                        </p:cTn>
+                                        <p:tgtEl>
+                                          <p:spTgt spid="42"/>
+                                        </p:tgtEl>
+                                        <p:attrNameLst>
+                                          <p:attrName>style.visibility</p:attrName>
+                                        </p:attrNameLst>
+                                      </p:cBhvr>
+                                      <p:to>
+                                        <p:strVal val="visible"/>
+                                      </p:to>
+                                    </p:set>
+                                    <p:anim calcmode="lin" valueType="num">
+                                      <p:cBhvr additive="base">
+                                        <p:cTn id="131" dur="500" fill="hold"/>
+                                        <p:tgtEl>
+                                          <p:spTgt spid="42"/>
+                                        </p:tgtEl>
+                                        <p:attrNameLst>
+                                          <p:attrName>ppt_x</p:attrName>
+                                        </p:attrNameLst>
+                                      </p:cBhvr>
+                                      <p:tavLst>
+                                        <p:tav tm="0">
+                                          <p:val>
+                                            <p:strVal val="1+#ppt_w/2"/>
+                                          </p:val>
+                                        </p:tav>
+                                        <p:tav tm="100000">
+                                          <p:val>
+                                            <p:strVal val="#ppt_x"/>
+                                          </p:val>
+                                        </p:tav>
+                                      </p:tavLst>
+                                    </p:anim>
+                                    <p:anim calcmode="lin" valueType="num">
+                                      <p:cBhvr additive="base">
+                                        <p:cTn id="132" dur="500" fill="hold"/>
+                                        <p:tgtEl>
+                                          <p:spTgt spid="42"/>
+                                        </p:tgtEl>
+                                        <p:attrNameLst>
+                                          <p:attrName>ppt_y</p:attrName>
+                                        </p:attrNameLst>
+                                      </p:cBhvr>
+                                      <p:tavLst>
+                                        <p:tav tm="0">
+                                          <p:val>
+                                            <p:strVal val="#ppt_y"/>
+                                          </p:val>
+                                        </p:tav>
+                                        <p:tav tm="100000">
+                                          <p:val>
+                                            <p:strVal val="#ppt_y"/>
+                                          </p:val>
+                                        </p:tav>
+                                      </p:tavLst>
+                                    </p:anim>
+                                  </p:childTnLst>
+                                </p:cTn>
+                              </p:par>
                             </p:childTnLst>
                           </p:cTn>
                         </p:par>
@@ -20414,92 +22009,19 @@
                     </p:cTn>
                   </p:par>
                   <p:par>
-                    <p:cTn id="129" fill="hold">
+                    <p:cTn id="133" fill="hold">
                       <p:stCondLst>
                         <p:cond delay="indefinite"/>
                       </p:stCondLst>
                       <p:childTnLst>
                         <p:par>
-                          <p:cTn id="130" fill="hold">
+                          <p:cTn id="134" fill="hold">
                             <p:stCondLst>
                               <p:cond delay="0"/>
                             </p:stCondLst>
                             <p:childTnLst>
                               <p:par>
-                                <p:cTn id="131" presetID="2" presetClass="entr" presetSubtype="4" fill="hold" grpId="0" nodeType="clickEffect">
-                                  <p:stCondLst>
-                                    <p:cond delay="0"/>
-                                  </p:stCondLst>
-                                  <p:childTnLst>
-                                    <p:set>
-                                      <p:cBhvr>
-                                        <p:cTn id="132" dur="1" fill="hold">
-                                          <p:stCondLst>
-                                            <p:cond delay="0"/>
-                                          </p:stCondLst>
-                                        </p:cTn>
-                                        <p:tgtEl>
-                                          <p:spTgt spid="20"/>
-                                        </p:tgtEl>
-                                        <p:attrNameLst>
-                                          <p:attrName>style.visibility</p:attrName>
-                                        </p:attrNameLst>
-                                      </p:cBhvr>
-                                      <p:to>
-                                        <p:strVal val="visible"/>
-                                      </p:to>
-                                    </p:set>
-                                    <p:anim calcmode="lin" valueType="num">
-                                      <p:cBhvr additive="base">
-                                        <p:cTn id="133" dur="500" fill="hold"/>
-                                        <p:tgtEl>
-                                          <p:spTgt spid="20"/>
-                                        </p:tgtEl>
-                                        <p:attrNameLst>
-                                          <p:attrName>ppt_x</p:attrName>
-                                        </p:attrNameLst>
-                                      </p:cBhvr>
-                                      <p:tavLst>
-                                        <p:tav tm="0">
-                                          <p:val>
-                                            <p:strVal val="#ppt_x"/>
-                                          </p:val>
-                                        </p:tav>
-                                        <p:tav tm="100000">
-                                          <p:val>
-                                            <p:strVal val="#ppt_x"/>
-                                          </p:val>
-                                        </p:tav>
-                                      </p:tavLst>
-                                    </p:anim>
-                                    <p:anim calcmode="lin" valueType="num">
-                                      <p:cBhvr additive="base">
-                                        <p:cTn id="134" dur="500" fill="hold"/>
-                                        <p:tgtEl>
-                                          <p:spTgt spid="20"/>
-                                        </p:tgtEl>
-                                        <p:attrNameLst>
-                                          <p:attrName>ppt_y</p:attrName>
-                                        </p:attrNameLst>
-                                      </p:cBhvr>
-                                      <p:tavLst>
-                                        <p:tav tm="0">
-                                          <p:val>
-                                            <p:strVal val="1+#ppt_h/2"/>
-                                          </p:val>
-                                        </p:tav>
-                                        <p:tav tm="100000">
-                                          <p:val>
-                                            <p:strVal val="#ppt_y"/>
-                                          </p:val>
-                                        </p:tav>
-                                      </p:tavLst>
-                                    </p:anim>
-                                  </p:childTnLst>
-                                </p:cTn>
-                              </p:par>
-                              <p:par>
-                                <p:cTn id="135" presetID="2" presetClass="entr" presetSubtype="4" fill="hold" grpId="0" nodeType="withEffect">
+                                <p:cTn id="135" presetID="2" presetClass="entr" presetSubtype="4" fill="hold" grpId="0" nodeType="clickEffect">
                                   <p:stCondLst>
                                     <p:cond delay="0"/>
                                   </p:stCondLst>
@@ -20512,7 +22034,7 @@
                                           </p:stCondLst>
                                         </p:cTn>
                                         <p:tgtEl>
-                                          <p:spTgt spid="52"/>
+                                          <p:spTgt spid="20"/>
                                         </p:tgtEl>
                                         <p:attrNameLst>
                                           <p:attrName>style.visibility</p:attrName>
@@ -20526,7 +22048,7 @@
                                       <p:cBhvr additive="base">
                                         <p:cTn id="137" dur="500" fill="hold"/>
                                         <p:tgtEl>
-                                          <p:spTgt spid="52"/>
+                                          <p:spTgt spid="20"/>
                                         </p:tgtEl>
                                         <p:attrNameLst>
                                           <p:attrName>ppt_x</p:attrName>
@@ -20549,7 +22071,7 @@
                                       <p:cBhvr additive="base">
                                         <p:cTn id="138" dur="500" fill="hold"/>
                                         <p:tgtEl>
-                                          <p:spTgt spid="52"/>
+                                          <p:spTgt spid="20"/>
                                         </p:tgtEl>
                                         <p:attrNameLst>
                                           <p:attrName>ppt_y</p:attrName>
@@ -20585,7 +22107,7 @@
                                           </p:stCondLst>
                                         </p:cTn>
                                         <p:tgtEl>
-                                          <p:spTgt spid="53"/>
+                                          <p:spTgt spid="52"/>
                                         </p:tgtEl>
                                         <p:attrNameLst>
                                           <p:attrName>style.visibility</p:attrName>
@@ -20599,7 +22121,7 @@
                                       <p:cBhvr additive="base">
                                         <p:cTn id="141" dur="500" fill="hold"/>
                                         <p:tgtEl>
-                                          <p:spTgt spid="53"/>
+                                          <p:spTgt spid="52"/>
                                         </p:tgtEl>
                                         <p:attrNameLst>
                                           <p:attrName>ppt_x</p:attrName>
@@ -20622,7 +22144,7 @@
                                       <p:cBhvr additive="base">
                                         <p:cTn id="142" dur="500" fill="hold"/>
                                         <p:tgtEl>
-                                          <p:spTgt spid="53"/>
+                                          <p:spTgt spid="52"/>
                                         </p:tgtEl>
                                         <p:attrNameLst>
                                           <p:attrName>ppt_y</p:attrName>
@@ -20658,7 +22180,7 @@
                                           </p:stCondLst>
                                         </p:cTn>
                                         <p:tgtEl>
-                                          <p:spTgt spid="54"/>
+                                          <p:spTgt spid="53"/>
                                         </p:tgtEl>
                                         <p:attrNameLst>
                                           <p:attrName>style.visibility</p:attrName>
@@ -20672,7 +22194,7 @@
                                       <p:cBhvr additive="base">
                                         <p:cTn id="145" dur="500" fill="hold"/>
                                         <p:tgtEl>
-                                          <p:spTgt spid="54"/>
+                                          <p:spTgt spid="53"/>
                                         </p:tgtEl>
                                         <p:attrNameLst>
                                           <p:attrName>ppt_x</p:attrName>
@@ -20695,7 +22217,7 @@
                                       <p:cBhvr additive="base">
                                         <p:cTn id="146" dur="500" fill="hold"/>
                                         <p:tgtEl>
-                                          <p:spTgt spid="54"/>
+                                          <p:spTgt spid="53"/>
                                         </p:tgtEl>
                                         <p:attrNameLst>
                                           <p:attrName>ppt_y</p:attrName>
@@ -20731,7 +22253,7 @@
                                           </p:stCondLst>
                                         </p:cTn>
                                         <p:tgtEl>
-                                          <p:spTgt spid="55"/>
+                                          <p:spTgt spid="54"/>
                                         </p:tgtEl>
                                         <p:attrNameLst>
                                           <p:attrName>style.visibility</p:attrName>
@@ -20745,7 +22267,7 @@
                                       <p:cBhvr additive="base">
                                         <p:cTn id="149" dur="500" fill="hold"/>
                                         <p:tgtEl>
-                                          <p:spTgt spid="55"/>
+                                          <p:spTgt spid="54"/>
                                         </p:tgtEl>
                                         <p:attrNameLst>
                                           <p:attrName>ppt_x</p:attrName>
@@ -20768,7 +22290,7 @@
                                       <p:cBhvr additive="base">
                                         <p:cTn id="150" dur="500" fill="hold"/>
                                         <p:tgtEl>
-                                          <p:spTgt spid="55"/>
+                                          <p:spTgt spid="54"/>
                                         </p:tgtEl>
                                         <p:attrNameLst>
                                           <p:attrName>ppt_y</p:attrName>
@@ -20804,7 +22326,7 @@
                                           </p:stCondLst>
                                         </p:cTn>
                                         <p:tgtEl>
-                                          <p:spTgt spid="56"/>
+                                          <p:spTgt spid="55"/>
                                         </p:tgtEl>
                                         <p:attrNameLst>
                                           <p:attrName>style.visibility</p:attrName>
@@ -20818,7 +22340,7 @@
                                       <p:cBhvr additive="base">
                                         <p:cTn id="153" dur="500" fill="hold"/>
                                         <p:tgtEl>
-                                          <p:spTgt spid="56"/>
+                                          <p:spTgt spid="55"/>
                                         </p:tgtEl>
                                         <p:attrNameLst>
                                           <p:attrName>ppt_x</p:attrName>
@@ -20840,6 +22362,79 @@
                                     <p:anim calcmode="lin" valueType="num">
                                       <p:cBhvr additive="base">
                                         <p:cTn id="154" dur="500" fill="hold"/>
+                                        <p:tgtEl>
+                                          <p:spTgt spid="55"/>
+                                        </p:tgtEl>
+                                        <p:attrNameLst>
+                                          <p:attrName>ppt_y</p:attrName>
+                                        </p:attrNameLst>
+                                      </p:cBhvr>
+                                      <p:tavLst>
+                                        <p:tav tm="0">
+                                          <p:val>
+                                            <p:strVal val="1+#ppt_h/2"/>
+                                          </p:val>
+                                        </p:tav>
+                                        <p:tav tm="100000">
+                                          <p:val>
+                                            <p:strVal val="#ppt_y"/>
+                                          </p:val>
+                                        </p:tav>
+                                      </p:tavLst>
+                                    </p:anim>
+                                  </p:childTnLst>
+                                </p:cTn>
+                              </p:par>
+                              <p:par>
+                                <p:cTn id="155" presetID="2" presetClass="entr" presetSubtype="4" fill="hold" grpId="0" nodeType="withEffect">
+                                  <p:stCondLst>
+                                    <p:cond delay="0"/>
+                                  </p:stCondLst>
+                                  <p:childTnLst>
+                                    <p:set>
+                                      <p:cBhvr>
+                                        <p:cTn id="156" dur="1" fill="hold">
+                                          <p:stCondLst>
+                                            <p:cond delay="0"/>
+                                          </p:stCondLst>
+                                        </p:cTn>
+                                        <p:tgtEl>
+                                          <p:spTgt spid="56"/>
+                                        </p:tgtEl>
+                                        <p:attrNameLst>
+                                          <p:attrName>style.visibility</p:attrName>
+                                        </p:attrNameLst>
+                                      </p:cBhvr>
+                                      <p:to>
+                                        <p:strVal val="visible"/>
+                                      </p:to>
+                                    </p:set>
+                                    <p:anim calcmode="lin" valueType="num">
+                                      <p:cBhvr additive="base">
+                                        <p:cTn id="157" dur="500" fill="hold"/>
+                                        <p:tgtEl>
+                                          <p:spTgt spid="56"/>
+                                        </p:tgtEl>
+                                        <p:attrNameLst>
+                                          <p:attrName>ppt_x</p:attrName>
+                                        </p:attrNameLst>
+                                      </p:cBhvr>
+                                      <p:tavLst>
+                                        <p:tav tm="0">
+                                          <p:val>
+                                            <p:strVal val="#ppt_x"/>
+                                          </p:val>
+                                        </p:tav>
+                                        <p:tav tm="100000">
+                                          <p:val>
+                                            <p:strVal val="#ppt_x"/>
+                                          </p:val>
+                                        </p:tav>
+                                      </p:tavLst>
+                                    </p:anim>
+                                    <p:anim calcmode="lin" valueType="num">
+                                      <p:cBhvr additive="base">
+                                        <p:cTn id="158" dur="500" fill="hold"/>
                                         <p:tgtEl>
                                           <p:spTgt spid="56"/>
                                         </p:tgtEl>
@@ -20926,6 +22521,7 @@
       <p:bldP spid="38" grpId="0" animBg="1"/>
       <p:bldP spid="3" grpId="0"/>
       <p:bldP spid="40" grpId="0" animBg="1"/>
+      <p:bldP spid="42" grpId="0" animBg="1"/>
     </p:bldLst>
   </p:timing>
 </p:sld>

--- a/OhMySearch.pptx
+++ b/OhMySearch.pptx
@@ -214,7 +214,7 @@
           <a:p>
             <a:fld id="{52486836-1DD4-4B5A-B7F8-A31B08770D42}" type="datetimeFigureOut">
               <a:rPr lang="en-AU" smtClean="0"/>
-              <a:t>9/06/2016</a:t>
+              <a:t>11/06/2016</a:t>
             </a:fld>
             <a:endParaRPr lang="en-AU"/>
           </a:p>
@@ -611,32 +611,71 @@
           <a:lstStyle/>
           <a:p>
             <a:r>
-              <a:rPr lang="en-AU" b="1" dirty="0" smtClean="0"/>
-              <a:t>Connect Power BI to Team Services </a:t>
-            </a:r>
-            <a:r>
-              <a:rPr lang="en-AU" b="0" dirty="0" smtClean="0"/>
-              <a:t>https://www.visualstudio.com/en-au/docs/report/powerbi/connect-vso-pbi-vs</a:t>
-            </a:r>
-          </a:p>
-          <a:p>
-            <a:r>
-              <a:rPr lang="en-AU" b="1" dirty="0" smtClean="0"/>
-              <a:t>Create Power BI dashboards and reports </a:t>
-            </a:r>
-            <a:r>
               <a:rPr lang="en-AU" dirty="0" smtClean="0"/>
-              <a:t>https://www.visualstudio.com/docs/report/powerbi/report-on-vso-with-power-bi-vs</a:t>
-            </a:r>
-          </a:p>
-          <a:p>
-            <a:r>
-              <a:rPr lang="en-AU" b="1" dirty="0" smtClean="0"/>
-              <a:t>Search code</a:t>
-            </a:r>
-            <a:r>
-              <a:rPr lang="en-AU" dirty="0" smtClean="0"/>
-              <a:t> https://searchcode.com/</a:t>
+              <a:t>The main problem of high level app is strongly typed</a:t>
+            </a:r>
+            <a:r>
+              <a:rPr lang="en-AU" baseline="0" dirty="0" smtClean="0"/>
+              <a:t> POCO model</a:t>
+            </a:r>
+          </a:p>
+          <a:p>
+            <a:pPr marL="0" marR="0" indent="0" algn="l" defTabSz="914400" rtl="0" eaLnBrk="1" fontAlgn="auto" latinLnBrk="0" hangingPunct="1">
+              <a:lnSpc>
+                <a:spcPct val="100000"/>
+              </a:lnSpc>
+              <a:spcBef>
+                <a:spcPts val="0"/>
+              </a:spcBef>
+              <a:spcAft>
+                <a:spcPts val="0"/>
+              </a:spcAft>
+              <a:buClrTx/>
+              <a:buSzTx/>
+              <a:buFontTx/>
+              <a:buNone/>
+              <a:tabLst/>
+              <a:defRPr/>
+            </a:pPr>
+            <a:r>
+              <a:rPr lang="en-AU" baseline="0" dirty="0" smtClean="0"/>
+              <a:t>We can bind some generic types (file, </a:t>
+            </a:r>
+            <a:r>
+              <a:rPr lang="en-AU" baseline="0" dirty="0" err="1" smtClean="0"/>
+              <a:t>db</a:t>
+            </a:r>
+            <a:r>
+              <a:rPr lang="en-AU" baseline="0" dirty="0" smtClean="0"/>
+              <a:t> records, photo to Nest objects mapping connection </a:t>
+            </a:r>
+            <a:r>
+              <a:rPr lang="en-AU" sz="1200" b="0" i="0" kern="1200" dirty="0" err="1" smtClean="0">
+                <a:solidFill>
+                  <a:schemeClr val="tx1"/>
+                </a:solidFill>
+                <a:effectLst/>
+                <a:latin typeface="+mn-lt"/>
+                <a:ea typeface="+mn-ea"/>
+                <a:cs typeface="+mn-cs"/>
+              </a:rPr>
+              <a:t>MapDefaultTypeIndicesmethid</a:t>
+            </a:r>
+            <a:r>
+              <a:rPr lang="en-AU" baseline="0" dirty="0" smtClean="0"/>
+              <a:t> index to POCO) https://www.elastic.co/guide/en/elasticsearch/client/net-api/master/index-name-inference.html</a:t>
+            </a:r>
+          </a:p>
+          <a:p>
+            <a:r>
+              <a:rPr lang="en-AU" baseline="0" dirty="0" smtClean="0"/>
+              <a:t>So we assume that application is not aware of indexes, types and fields.</a:t>
+            </a:r>
+          </a:p>
+          <a:p>
+            <a:r>
+              <a:rPr lang="en-AU" baseline="0" dirty="0" smtClean="0"/>
+              <a:t>But in general – it must be &lt;dynamic&gt;</a:t>
             </a:r>
             <a:endParaRPr lang="en-AU" dirty="0"/>
           </a:p>
@@ -659,7 +698,7 @@
           <a:p>
             <a:fld id="{147DBD60-72A2-4D24-AFED-423EBE31C632}" type="slidenum">
               <a:rPr lang="en-AU" smtClean="0"/>
-              <a:t>11</a:t>
+              <a:t>10</a:t>
             </a:fld>
             <a:endParaRPr lang="en-AU"/>
           </a:p>
@@ -668,7 +707,7 @@
     </p:spTree>
     <p:extLst>
       <p:ext uri="{BB962C8B-B14F-4D97-AF65-F5344CB8AC3E}">
-        <p14:creationId xmlns:p14="http://schemas.microsoft.com/office/powerpoint/2010/main" val="2240800479"/>
+        <p14:creationId xmlns:p14="http://schemas.microsoft.com/office/powerpoint/2010/main" val="3404796899"/>
       </p:ext>
     </p:extLst>
   </p:cSld>
@@ -722,72 +761,34 @@
           <a:bodyPr/>
           <a:lstStyle/>
           <a:p>
-            <a:pPr marL="0" indent="0">
-              <a:buFont typeface="Arial" panose="020B0604020202020204" pitchFamily="34" charset="0"/>
-              <a:buNone/>
-            </a:pPr>
+            <a:r>
+              <a:rPr lang="en-AU" b="1" dirty="0" smtClean="0"/>
+              <a:t>Connect Power BI to Team Services </a:t>
+            </a:r>
+            <a:r>
+              <a:rPr lang="en-AU" b="0" dirty="0" smtClean="0"/>
+              <a:t>https://www.visualstudio.com/en-au/docs/report/powerbi/connect-vso-pbi-vs</a:t>
+            </a:r>
+          </a:p>
+          <a:p>
+            <a:r>
+              <a:rPr lang="en-AU" b="1" dirty="0" smtClean="0"/>
+              <a:t>Create Power BI dashboards and reports </a:t>
+            </a:r>
             <a:r>
               <a:rPr lang="en-AU" dirty="0" smtClean="0"/>
-              <a:t>*Soundex, </a:t>
-            </a:r>
-            <a:r>
-              <a:rPr lang="en-AU" dirty="0" err="1" smtClean="0"/>
-              <a:t>Metaphone</a:t>
-            </a:r>
-            <a:endParaRPr lang="en-AU" dirty="0" smtClean="0"/>
-          </a:p>
-          <a:p>
-            <a:pPr marL="0" indent="0">
-              <a:buFont typeface="Arial" panose="020B0604020202020204" pitchFamily="34" charset="0"/>
-              <a:buNone/>
-            </a:pPr>
-            <a:endParaRPr lang="en-AU" baseline="0" dirty="0" smtClean="0"/>
-          </a:p>
-          <a:p>
-            <a:pPr marL="0" indent="0">
-              <a:buFont typeface="Arial" panose="020B0604020202020204" pitchFamily="34" charset="0"/>
-              <a:buNone/>
-            </a:pPr>
-            <a:r>
-              <a:rPr lang="en-AU" baseline="0" dirty="0" smtClean="0"/>
-              <a:t>** Breadcrumbing</a:t>
-            </a:r>
-          </a:p>
-          <a:p>
-            <a:pPr marL="171450" indent="-171450">
-              <a:buFont typeface="Arial" panose="020B0604020202020204" pitchFamily="34" charset="0"/>
-              <a:buChar char="•"/>
-            </a:pPr>
-            <a:endParaRPr lang="en-AU" dirty="0" smtClean="0"/>
-          </a:p>
-          <a:p>
-            <a:pPr marL="0" marR="0" lvl="1" indent="0" algn="l" defTabSz="914400" rtl="0" eaLnBrk="1" fontAlgn="auto" latinLnBrk="0" hangingPunct="1">
-              <a:lnSpc>
-                <a:spcPct val="100000"/>
-              </a:lnSpc>
-              <a:spcBef>
-                <a:spcPts val="0"/>
-              </a:spcBef>
-              <a:spcAft>
-                <a:spcPts val="0"/>
-              </a:spcAft>
-              <a:buClrTx/>
-              <a:buSzTx/>
-              <a:buFont typeface="Arial" panose="020B0604020202020204" pitchFamily="34" charset="0"/>
-              <a:buNone/>
-              <a:tabLst/>
-              <a:defRPr/>
-            </a:pPr>
+              <a:t>https://www.visualstudio.com/docs/report/powerbi/report-on-vso-with-power-bi-vs</a:t>
+            </a:r>
+          </a:p>
+          <a:p>
+            <a:r>
+              <a:rPr lang="en-AU" b="1" dirty="0" smtClean="0"/>
+              <a:t>Search code</a:t>
+            </a:r>
             <a:r>
               <a:rPr lang="en-AU" dirty="0" smtClean="0"/>
-              <a:t>Morphology: NEAR, ISABOUT, CONTAINS, LIKE, FORMOF, CLOSE TO</a:t>
-            </a:r>
-          </a:p>
-          <a:p>
-            <a:pPr marL="171450" indent="-171450">
-              <a:buFont typeface="Arial" panose="020B0604020202020204" pitchFamily="34" charset="0"/>
-              <a:buChar char="•"/>
-            </a:pPr>
+              <a:t> https://searchcode.com/</a:t>
+            </a:r>
             <a:endParaRPr lang="en-AU" dirty="0"/>
           </a:p>
         </p:txBody>
@@ -809,7 +810,7 @@
           <a:p>
             <a:fld id="{147DBD60-72A2-4D24-AFED-423EBE31C632}" type="slidenum">
               <a:rPr lang="en-AU" smtClean="0"/>
-              <a:t>12</a:t>
+              <a:t>11</a:t>
             </a:fld>
             <a:endParaRPr lang="en-AU"/>
           </a:p>
@@ -818,7 +819,7 @@
     </p:spTree>
     <p:extLst>
       <p:ext uri="{BB962C8B-B14F-4D97-AF65-F5344CB8AC3E}">
-        <p14:creationId xmlns:p14="http://schemas.microsoft.com/office/powerpoint/2010/main" val="2124449275"/>
+        <p14:creationId xmlns:p14="http://schemas.microsoft.com/office/powerpoint/2010/main" val="2240800479"/>
       </p:ext>
     </p:extLst>
   </p:cSld>
@@ -873,27 +874,61 @@
           <a:lstStyle/>
           <a:p>
             <a:r>
-              <a:rPr lang="en-AU" dirty="0" smtClean="0"/>
-              <a:t>Some</a:t>
-            </a:r>
-            <a:r>
-              <a:rPr lang="en-AU" baseline="0" dirty="0" smtClean="0"/>
-              <a:t> commands depend on other. Some of them could be used on different levels</a:t>
-            </a:r>
-          </a:p>
-          <a:p>
-            <a:r>
-              <a:rPr lang="en-AU" baseline="0" dirty="0" err="1" smtClean="0"/>
-              <a:t>Intellisense</a:t>
-            </a:r>
-            <a:r>
-              <a:rPr lang="en-AU" baseline="0" dirty="0" smtClean="0"/>
-              <a:t> is provided in Sense and </a:t>
-            </a:r>
-            <a:r>
-              <a:rPr lang="en-AU" baseline="0" dirty="0" err="1" smtClean="0"/>
-              <a:t>Kibana</a:t>
-            </a:r>
+              <a:rPr lang="en-AU" sz="1200" b="0" i="0" kern="1200" dirty="0" smtClean="0">
+                <a:solidFill>
+                  <a:schemeClr val="tx1"/>
+                </a:solidFill>
+                <a:effectLst/>
+                <a:latin typeface="+mn-lt"/>
+                <a:ea typeface="+mn-ea"/>
+                <a:cs typeface="+mn-cs"/>
+              </a:rPr>
+              <a:t>My vision when we started Google 15 years ago was that eventually you wouldn't have to have a search query at all. You'd just have information come to you as you needed it. And [Google Glass] is now, 15 years later, sort of the first form factor that I think can deliver that vision."</a:t>
+            </a:r>
+          </a:p>
+          <a:p>
+            <a:r>
+              <a:rPr lang="en-AU" sz="1200" b="0" i="0" kern="1200" dirty="0" smtClean="0">
+                <a:solidFill>
+                  <a:schemeClr val="tx1"/>
+                </a:solidFill>
+                <a:effectLst/>
+                <a:latin typeface="+mn-lt"/>
+                <a:ea typeface="+mn-ea"/>
+                <a:cs typeface="+mn-cs"/>
+              </a:rPr>
+              <a:t>Sergey </a:t>
+            </a:r>
+            <a:r>
+              <a:rPr lang="en-AU" sz="1200" b="0" i="0" kern="1200" dirty="0" err="1" smtClean="0">
+                <a:solidFill>
+                  <a:schemeClr val="tx1"/>
+                </a:solidFill>
+                <a:effectLst/>
+                <a:latin typeface="+mn-lt"/>
+                <a:ea typeface="+mn-ea"/>
+                <a:cs typeface="+mn-cs"/>
+              </a:rPr>
+              <a:t>Brin</a:t>
+            </a:r>
+            <a:r>
+              <a:rPr lang="en-AU" sz="1200" b="0" i="0" kern="1200" dirty="0" smtClean="0">
+                <a:solidFill>
+                  <a:schemeClr val="tx1"/>
+                </a:solidFill>
+                <a:effectLst/>
+                <a:latin typeface="+mn-lt"/>
+                <a:ea typeface="+mn-ea"/>
+                <a:cs typeface="+mn-cs"/>
+              </a:rPr>
+              <a:t> (Google Co-founder) TED 2013 http://www.ted.com/talks/sergey_brin_why_google_glass?utm_source=newsletter_daily&amp;utm_campaign=daily&amp;utm_medium=email&amp;utm_content=quote__2014-06-17</a:t>
+            </a:r>
+          </a:p>
+          <a:p>
+            <a:pPr marL="0" indent="0">
+              <a:buFont typeface="Arial" panose="020B0604020202020204" pitchFamily="34" charset="0"/>
+              <a:buNone/>
+            </a:pPr>
             <a:endParaRPr lang="en-AU" dirty="0"/>
           </a:p>
         </p:txBody>
@@ -915,7 +950,7 @@
           <a:p>
             <a:fld id="{147DBD60-72A2-4D24-AFED-423EBE31C632}" type="slidenum">
               <a:rPr lang="en-AU" smtClean="0"/>
-              <a:t>13</a:t>
+              <a:t>12</a:t>
             </a:fld>
             <a:endParaRPr lang="en-AU"/>
           </a:p>
@@ -924,7 +959,7 @@
     </p:spTree>
     <p:extLst>
       <p:ext uri="{BB962C8B-B14F-4D97-AF65-F5344CB8AC3E}">
-        <p14:creationId xmlns:p14="http://schemas.microsoft.com/office/powerpoint/2010/main" val="4098744912"/>
+        <p14:creationId xmlns:p14="http://schemas.microsoft.com/office/powerpoint/2010/main" val="2124449275"/>
       </p:ext>
     </p:extLst>
   </p:cSld>
@@ -978,823 +1013,43 @@
           <a:bodyPr/>
           <a:lstStyle/>
           <a:p>
-            <a:pPr marL="171450" indent="-171450">
-              <a:buFont typeface="Arial" panose="020B0604020202020204" pitchFamily="34" charset="0"/>
-              <a:buChar char="•"/>
-            </a:pPr>
             <a:r>
               <a:rPr lang="en-AU" dirty="0" smtClean="0"/>
-              <a:t>SQL FTA support up to 170</a:t>
+              <a:t>Some</a:t>
             </a:r>
             <a:r>
               <a:rPr lang="en-AU" baseline="0" dirty="0" smtClean="0"/>
-              <a:t> extensions</a:t>
-            </a:r>
-          </a:p>
-          <a:p>
-            <a:pPr marL="171450" indent="-171450">
-              <a:buFont typeface="Arial" panose="020B0604020202020204" pitchFamily="34" charset="0"/>
-              <a:buChar char="•"/>
-            </a:pPr>
+              <a:t> </a:t>
+            </a:r>
+            <a:r>
+              <a:rPr lang="en-AU" dirty="0" smtClean="0"/>
+              <a:t>DSL </a:t>
+            </a:r>
             <a:r>
               <a:rPr lang="en-AU" baseline="0" dirty="0" smtClean="0"/>
-              <a:t>https://www.elastic.co/guide/en/elasticsearch/reference/current/mapping.html</a:t>
-            </a:r>
-          </a:p>
-          <a:p>
-            <a:r>
-              <a:rPr lang="en-AU" sz="1200" kern="1200" dirty="0" smtClean="0">
-                <a:solidFill>
-                  <a:schemeClr val="tx1"/>
-                </a:solidFill>
-                <a:latin typeface="+mn-lt"/>
-                <a:ea typeface="+mn-ea"/>
-                <a:cs typeface="+mn-cs"/>
-              </a:rPr>
-              <a:t> &amp;$put "adworks_v1/_mapping/</a:t>
-            </a:r>
-            <a:r>
-              <a:rPr lang="en-AU" sz="1200" kern="1200" dirty="0" err="1" smtClean="0">
-                <a:solidFill>
-                  <a:schemeClr val="tx1"/>
-                </a:solidFill>
-                <a:latin typeface="+mn-lt"/>
-                <a:ea typeface="+mn-ea"/>
-                <a:cs typeface="+mn-cs"/>
-              </a:rPr>
-              <a:t>employee?update_all_types</a:t>
-            </a:r>
-            <a:r>
-              <a:rPr lang="en-AU" sz="1200" kern="1200" dirty="0" smtClean="0">
-                <a:solidFill>
-                  <a:schemeClr val="tx1"/>
-                </a:solidFill>
-                <a:latin typeface="+mn-lt"/>
-                <a:ea typeface="+mn-ea"/>
-                <a:cs typeface="+mn-cs"/>
-              </a:rPr>
-              <a:t>" '{"properties":{"</a:t>
-            </a:r>
-            <a:r>
-              <a:rPr lang="en-AU" sz="1200" kern="1200" dirty="0" err="1" smtClean="0">
-                <a:solidFill>
-                  <a:schemeClr val="tx1"/>
-                </a:solidFill>
-                <a:latin typeface="+mn-lt"/>
-                <a:ea typeface="+mn-ea"/>
-                <a:cs typeface="+mn-cs"/>
-              </a:rPr>
-              <a:t>BusinessEntityID</a:t>
-            </a:r>
-            <a:r>
-              <a:rPr lang="en-AU" sz="1200" kern="1200" dirty="0" smtClean="0">
-                <a:solidFill>
-                  <a:schemeClr val="tx1"/>
-                </a:solidFill>
-                <a:latin typeface="+mn-lt"/>
-                <a:ea typeface="+mn-ea"/>
-                <a:cs typeface="+mn-cs"/>
-              </a:rPr>
-              <a:t>":{"</a:t>
-            </a:r>
-            <a:r>
-              <a:rPr lang="en-AU" sz="1200" kern="1200" dirty="0" err="1" smtClean="0">
-                <a:solidFill>
-                  <a:schemeClr val="tx1"/>
-                </a:solidFill>
-                <a:latin typeface="+mn-lt"/>
-                <a:ea typeface="+mn-ea"/>
-                <a:cs typeface="+mn-cs"/>
-              </a:rPr>
-              <a:t>type":"integer</a:t>
-            </a:r>
-            <a:r>
-              <a:rPr lang="en-AU" sz="1200" kern="1200" dirty="0" smtClean="0">
-                <a:solidFill>
-                  <a:schemeClr val="tx1"/>
-                </a:solidFill>
-                <a:latin typeface="+mn-lt"/>
-                <a:ea typeface="+mn-ea"/>
-                <a:cs typeface="+mn-cs"/>
-              </a:rPr>
-              <a:t>"},"</a:t>
-            </a:r>
-            <a:r>
-              <a:rPr lang="en-AU" sz="1200" kern="1200" dirty="0" err="1" smtClean="0">
-                <a:solidFill>
-                  <a:schemeClr val="tx1"/>
-                </a:solidFill>
-                <a:latin typeface="+mn-lt"/>
-                <a:ea typeface="+mn-ea"/>
-                <a:cs typeface="+mn-cs"/>
-              </a:rPr>
-              <a:t>NationalIDNumber</a:t>
-            </a:r>
-            <a:r>
-              <a:rPr lang="en-AU" sz="1200" kern="1200" dirty="0" smtClean="0">
-                <a:solidFill>
-                  <a:schemeClr val="tx1"/>
-                </a:solidFill>
-                <a:latin typeface="+mn-lt"/>
-                <a:ea typeface="+mn-ea"/>
-                <a:cs typeface="+mn-cs"/>
-              </a:rPr>
-              <a:t>":{"</a:t>
-            </a:r>
-            <a:r>
-              <a:rPr lang="en-AU" sz="1200" kern="1200" dirty="0" err="1" smtClean="0">
-                <a:solidFill>
-                  <a:schemeClr val="tx1"/>
-                </a:solidFill>
-                <a:latin typeface="+mn-lt"/>
-                <a:ea typeface="+mn-ea"/>
-                <a:cs typeface="+mn-cs"/>
-              </a:rPr>
-              <a:t>type":"text</a:t>
-            </a:r>
-            <a:r>
-              <a:rPr lang="en-AU" sz="1200" kern="1200" dirty="0" smtClean="0">
-                <a:solidFill>
-                  <a:schemeClr val="tx1"/>
-                </a:solidFill>
-                <a:latin typeface="+mn-lt"/>
-                <a:ea typeface="+mn-ea"/>
-                <a:cs typeface="+mn-cs"/>
-              </a:rPr>
-              <a:t>"},"</a:t>
-            </a:r>
-            <a:r>
-              <a:rPr lang="en-AU" sz="1200" kern="1200" dirty="0" err="1" smtClean="0">
-                <a:solidFill>
-                  <a:schemeClr val="tx1"/>
-                </a:solidFill>
-                <a:latin typeface="+mn-lt"/>
-                <a:ea typeface="+mn-ea"/>
-                <a:cs typeface="+mn-cs"/>
-              </a:rPr>
-              <a:t>LoginID</a:t>
-            </a:r>
-            <a:r>
-              <a:rPr lang="en-AU" sz="1200" kern="1200" dirty="0" smtClean="0">
-                <a:solidFill>
-                  <a:schemeClr val="tx1"/>
-                </a:solidFill>
-                <a:latin typeface="+mn-lt"/>
-                <a:ea typeface="+mn-ea"/>
-                <a:cs typeface="+mn-cs"/>
-              </a:rPr>
-              <a:t>":{"</a:t>
-            </a:r>
-            <a:r>
-              <a:rPr lang="en-AU" sz="1200" kern="1200" dirty="0" err="1" smtClean="0">
-                <a:solidFill>
-                  <a:schemeClr val="tx1"/>
-                </a:solidFill>
-                <a:latin typeface="+mn-lt"/>
-                <a:ea typeface="+mn-ea"/>
-                <a:cs typeface="+mn-cs"/>
-              </a:rPr>
-              <a:t>type":"text</a:t>
-            </a:r>
-            <a:r>
-              <a:rPr lang="en-AU" sz="1200" kern="1200" dirty="0" smtClean="0">
-                <a:solidFill>
-                  <a:schemeClr val="tx1"/>
-                </a:solidFill>
-                <a:latin typeface="+mn-lt"/>
-                <a:ea typeface="+mn-ea"/>
-                <a:cs typeface="+mn-cs"/>
-              </a:rPr>
-              <a:t>"},"</a:t>
-            </a:r>
-            <a:r>
-              <a:rPr lang="en-AU" sz="1200" kern="1200" dirty="0" err="1" smtClean="0">
-                <a:solidFill>
-                  <a:schemeClr val="tx1"/>
-                </a:solidFill>
-                <a:latin typeface="+mn-lt"/>
-                <a:ea typeface="+mn-ea"/>
-                <a:cs typeface="+mn-cs"/>
-              </a:rPr>
-              <a:t>OrganizationNode</a:t>
-            </a:r>
-            <a:r>
-              <a:rPr lang="en-AU" sz="1200" kern="1200" dirty="0" smtClean="0">
-                <a:solidFill>
-                  <a:schemeClr val="tx1"/>
-                </a:solidFill>
-                <a:latin typeface="+mn-lt"/>
-                <a:ea typeface="+mn-ea"/>
-                <a:cs typeface="+mn-cs"/>
-              </a:rPr>
-              <a:t>":{"fields":{"tree":{"type":"string","</a:t>
-            </a:r>
-            <a:r>
-              <a:rPr lang="en-AU" sz="1200" kern="1200" dirty="0" err="1" smtClean="0">
-                <a:solidFill>
-                  <a:schemeClr val="tx1"/>
-                </a:solidFill>
-                <a:latin typeface="+mn-lt"/>
-                <a:ea typeface="+mn-ea"/>
-                <a:cs typeface="+mn-cs"/>
-              </a:rPr>
-              <a:t>analyzer</a:t>
-            </a:r>
-            <a:r>
-              <a:rPr lang="en-AU" sz="1200" kern="1200" dirty="0" smtClean="0">
-                <a:solidFill>
-                  <a:schemeClr val="tx1"/>
-                </a:solidFill>
-                <a:latin typeface="+mn-lt"/>
-                <a:ea typeface="+mn-ea"/>
-                <a:cs typeface="+mn-cs"/>
-              </a:rPr>
-              <a:t>":"</a:t>
-            </a:r>
-            <a:r>
-              <a:rPr lang="en-AU" sz="1200" kern="1200" dirty="0" err="1" smtClean="0">
-                <a:solidFill>
-                  <a:schemeClr val="tx1"/>
-                </a:solidFill>
-                <a:latin typeface="+mn-lt"/>
-                <a:ea typeface="+mn-ea"/>
-                <a:cs typeface="+mn-cs"/>
-              </a:rPr>
-              <a:t>hierarchy_analyzer</a:t>
-            </a:r>
-            <a:r>
-              <a:rPr lang="en-AU" sz="1200" kern="1200" dirty="0" smtClean="0">
-                <a:solidFill>
-                  <a:schemeClr val="tx1"/>
-                </a:solidFill>
-                <a:latin typeface="+mn-lt"/>
-                <a:ea typeface="+mn-ea"/>
-                <a:cs typeface="+mn-cs"/>
-              </a:rPr>
-              <a:t>"}},"type":"string","index":"</a:t>
-            </a:r>
-            <a:r>
-              <a:rPr lang="en-AU" sz="1200" kern="1200" dirty="0" err="1" smtClean="0">
-                <a:solidFill>
-                  <a:schemeClr val="tx1"/>
-                </a:solidFill>
-                <a:latin typeface="+mn-lt"/>
-                <a:ea typeface="+mn-ea"/>
-                <a:cs typeface="+mn-cs"/>
-              </a:rPr>
-              <a:t>not_analyzed</a:t>
-            </a:r>
-            <a:r>
-              <a:rPr lang="en-AU" sz="1200" kern="1200" dirty="0" smtClean="0">
-                <a:solidFill>
-                  <a:schemeClr val="tx1"/>
-                </a:solidFill>
-                <a:latin typeface="+mn-lt"/>
-                <a:ea typeface="+mn-ea"/>
-                <a:cs typeface="+mn-cs"/>
-              </a:rPr>
-              <a:t>"},"</a:t>
-            </a:r>
-            <a:r>
-              <a:rPr lang="en-AU" sz="1200" kern="1200" dirty="0" err="1" smtClean="0">
-                <a:solidFill>
-                  <a:schemeClr val="tx1"/>
-                </a:solidFill>
-                <a:latin typeface="+mn-lt"/>
-                <a:ea typeface="+mn-ea"/>
-                <a:cs typeface="+mn-cs"/>
-              </a:rPr>
-              <a:t>OrganizationLevel</a:t>
-            </a:r>
-            <a:r>
-              <a:rPr lang="en-AU" sz="1200" kern="1200" dirty="0" smtClean="0">
-                <a:solidFill>
-                  <a:schemeClr val="tx1"/>
-                </a:solidFill>
-                <a:latin typeface="+mn-lt"/>
-                <a:ea typeface="+mn-ea"/>
-                <a:cs typeface="+mn-cs"/>
-              </a:rPr>
-              <a:t>":{"</a:t>
-            </a:r>
-            <a:r>
-              <a:rPr lang="en-AU" sz="1200" kern="1200" dirty="0" err="1" smtClean="0">
-                <a:solidFill>
-                  <a:schemeClr val="tx1"/>
-                </a:solidFill>
-                <a:latin typeface="+mn-lt"/>
-                <a:ea typeface="+mn-ea"/>
-                <a:cs typeface="+mn-cs"/>
-              </a:rPr>
-              <a:t>type":"short</a:t>
-            </a:r>
-            <a:r>
-              <a:rPr lang="en-AU" sz="1200" kern="1200" dirty="0" smtClean="0">
-                <a:solidFill>
-                  <a:schemeClr val="tx1"/>
-                </a:solidFill>
-                <a:latin typeface="+mn-lt"/>
-                <a:ea typeface="+mn-ea"/>
-                <a:cs typeface="+mn-cs"/>
-              </a:rPr>
-              <a:t>"},"</a:t>
-            </a:r>
-            <a:r>
-              <a:rPr lang="en-AU" sz="1200" kern="1200" dirty="0" err="1" smtClean="0">
-                <a:solidFill>
-                  <a:schemeClr val="tx1"/>
-                </a:solidFill>
-                <a:latin typeface="+mn-lt"/>
-                <a:ea typeface="+mn-ea"/>
-                <a:cs typeface="+mn-cs"/>
-              </a:rPr>
-              <a:t>JobTitle</a:t>
-            </a:r>
-            <a:r>
-              <a:rPr lang="en-AU" sz="1200" kern="1200" dirty="0" smtClean="0">
-                <a:solidFill>
-                  <a:schemeClr val="tx1"/>
-                </a:solidFill>
-                <a:latin typeface="+mn-lt"/>
-                <a:ea typeface="+mn-ea"/>
-                <a:cs typeface="+mn-cs"/>
-              </a:rPr>
-              <a:t>":{"</a:t>
-            </a:r>
-            <a:r>
-              <a:rPr lang="en-AU" sz="1200" kern="1200" dirty="0" err="1" smtClean="0">
-                <a:solidFill>
-                  <a:schemeClr val="tx1"/>
-                </a:solidFill>
-                <a:latin typeface="+mn-lt"/>
-                <a:ea typeface="+mn-ea"/>
-                <a:cs typeface="+mn-cs"/>
-              </a:rPr>
-              <a:t>type":"text</a:t>
-            </a:r>
-            <a:r>
-              <a:rPr lang="en-AU" sz="1200" kern="1200" dirty="0" smtClean="0">
-                <a:solidFill>
-                  <a:schemeClr val="tx1"/>
-                </a:solidFill>
-                <a:latin typeface="+mn-lt"/>
-                <a:ea typeface="+mn-ea"/>
-                <a:cs typeface="+mn-cs"/>
-              </a:rPr>
-              <a:t>"},"</a:t>
-            </a:r>
-            <a:r>
-              <a:rPr lang="en-AU" sz="1200" kern="1200" dirty="0" err="1" smtClean="0">
-                <a:solidFill>
-                  <a:schemeClr val="tx1"/>
-                </a:solidFill>
-                <a:latin typeface="+mn-lt"/>
-                <a:ea typeface="+mn-ea"/>
-                <a:cs typeface="+mn-cs"/>
-              </a:rPr>
-              <a:t>BirthDate</a:t>
-            </a:r>
-            <a:r>
-              <a:rPr lang="en-AU" sz="1200" kern="1200" dirty="0" smtClean="0">
-                <a:solidFill>
-                  <a:schemeClr val="tx1"/>
-                </a:solidFill>
-                <a:latin typeface="+mn-lt"/>
-                <a:ea typeface="+mn-ea"/>
-                <a:cs typeface="+mn-cs"/>
-              </a:rPr>
-              <a:t>":{"</a:t>
-            </a:r>
-            <a:r>
-              <a:rPr lang="en-AU" sz="1200" kern="1200" dirty="0" err="1" smtClean="0">
-                <a:solidFill>
-                  <a:schemeClr val="tx1"/>
-                </a:solidFill>
-                <a:latin typeface="+mn-lt"/>
-                <a:ea typeface="+mn-ea"/>
-                <a:cs typeface="+mn-cs"/>
-              </a:rPr>
-              <a:t>type":"date","format":"YYYY-MM-DD</a:t>
-            </a:r>
-            <a:r>
-              <a:rPr lang="en-AU" sz="1200" kern="1200" dirty="0" smtClean="0">
-                <a:solidFill>
-                  <a:schemeClr val="tx1"/>
-                </a:solidFill>
-                <a:latin typeface="+mn-lt"/>
-                <a:ea typeface="+mn-ea"/>
-                <a:cs typeface="+mn-cs"/>
-              </a:rPr>
-              <a:t>"},"</a:t>
-            </a:r>
-            <a:r>
-              <a:rPr lang="en-AU" sz="1200" kern="1200" dirty="0" err="1" smtClean="0">
-                <a:solidFill>
-                  <a:schemeClr val="tx1"/>
-                </a:solidFill>
-                <a:latin typeface="+mn-lt"/>
-                <a:ea typeface="+mn-ea"/>
-                <a:cs typeface="+mn-cs"/>
-              </a:rPr>
-              <a:t>MaritalStatus</a:t>
-            </a:r>
-            <a:r>
-              <a:rPr lang="en-AU" sz="1200" kern="1200" dirty="0" smtClean="0">
-                <a:solidFill>
-                  <a:schemeClr val="tx1"/>
-                </a:solidFill>
-                <a:latin typeface="+mn-lt"/>
-                <a:ea typeface="+mn-ea"/>
-                <a:cs typeface="+mn-cs"/>
-              </a:rPr>
-              <a:t>":{"</a:t>
-            </a:r>
-            <a:r>
-              <a:rPr lang="en-AU" sz="1200" kern="1200" dirty="0" err="1" smtClean="0">
-                <a:solidFill>
-                  <a:schemeClr val="tx1"/>
-                </a:solidFill>
-                <a:latin typeface="+mn-lt"/>
-                <a:ea typeface="+mn-ea"/>
-                <a:cs typeface="+mn-cs"/>
-              </a:rPr>
-              <a:t>type":"text</a:t>
-            </a:r>
-            <a:r>
-              <a:rPr lang="en-AU" sz="1200" kern="1200" dirty="0" smtClean="0">
-                <a:solidFill>
-                  <a:schemeClr val="tx1"/>
-                </a:solidFill>
-                <a:latin typeface="+mn-lt"/>
-                <a:ea typeface="+mn-ea"/>
-                <a:cs typeface="+mn-cs"/>
-              </a:rPr>
-              <a:t>"},"Gender":{"</a:t>
-            </a:r>
-            <a:r>
-              <a:rPr lang="en-AU" sz="1200" kern="1200" dirty="0" err="1" smtClean="0">
-                <a:solidFill>
-                  <a:schemeClr val="tx1"/>
-                </a:solidFill>
-                <a:latin typeface="+mn-lt"/>
-                <a:ea typeface="+mn-ea"/>
-                <a:cs typeface="+mn-cs"/>
-              </a:rPr>
-              <a:t>type":"text</a:t>
-            </a:r>
-            <a:r>
-              <a:rPr lang="en-AU" sz="1200" kern="1200" dirty="0" smtClean="0">
-                <a:solidFill>
-                  <a:schemeClr val="tx1"/>
-                </a:solidFill>
-                <a:latin typeface="+mn-lt"/>
-                <a:ea typeface="+mn-ea"/>
-                <a:cs typeface="+mn-cs"/>
-              </a:rPr>
-              <a:t>"},"</a:t>
-            </a:r>
-            <a:r>
-              <a:rPr lang="en-AU" sz="1200" kern="1200" dirty="0" err="1" smtClean="0">
-                <a:solidFill>
-                  <a:schemeClr val="tx1"/>
-                </a:solidFill>
-                <a:latin typeface="+mn-lt"/>
-                <a:ea typeface="+mn-ea"/>
-                <a:cs typeface="+mn-cs"/>
-              </a:rPr>
-              <a:t>HireDate</a:t>
-            </a:r>
-            <a:r>
-              <a:rPr lang="en-AU" sz="1200" kern="1200" dirty="0" smtClean="0">
-                <a:solidFill>
-                  <a:schemeClr val="tx1"/>
-                </a:solidFill>
-                <a:latin typeface="+mn-lt"/>
-                <a:ea typeface="+mn-ea"/>
-                <a:cs typeface="+mn-cs"/>
-              </a:rPr>
-              <a:t>":{"type":"date","format":“</a:t>
-            </a:r>
-            <a:r>
-              <a:rPr lang="en-AU" sz="1200" kern="1200" dirty="0" err="1" smtClean="0">
-                <a:solidFill>
-                  <a:schemeClr val="tx1"/>
-                </a:solidFill>
-                <a:latin typeface="+mn-lt"/>
-                <a:ea typeface="+mn-ea"/>
-                <a:cs typeface="+mn-cs"/>
-              </a:rPr>
-              <a:t>yyyy</a:t>
-            </a:r>
-            <a:r>
-              <a:rPr lang="en-AU" sz="1200" kern="1200" dirty="0" smtClean="0">
-                <a:solidFill>
-                  <a:schemeClr val="tx1"/>
-                </a:solidFill>
-                <a:latin typeface="+mn-lt"/>
-                <a:ea typeface="+mn-ea"/>
-                <a:cs typeface="+mn-cs"/>
-              </a:rPr>
-              <a:t>-MM-DD"},"</a:t>
-            </a:r>
-            <a:r>
-              <a:rPr lang="en-AU" sz="1200" kern="1200" dirty="0" err="1" smtClean="0">
-                <a:solidFill>
-                  <a:schemeClr val="tx1"/>
-                </a:solidFill>
-                <a:latin typeface="+mn-lt"/>
-                <a:ea typeface="+mn-ea"/>
-                <a:cs typeface="+mn-cs"/>
-              </a:rPr>
-              <a:t>SalariedFlag</a:t>
-            </a:r>
-            <a:r>
-              <a:rPr lang="en-AU" sz="1200" kern="1200" dirty="0" smtClean="0">
-                <a:solidFill>
-                  <a:schemeClr val="tx1"/>
-                </a:solidFill>
-                <a:latin typeface="+mn-lt"/>
-                <a:ea typeface="+mn-ea"/>
-                <a:cs typeface="+mn-cs"/>
-              </a:rPr>
-              <a:t>":{"</a:t>
-            </a:r>
-            <a:r>
-              <a:rPr lang="en-AU" sz="1200" kern="1200" dirty="0" err="1" smtClean="0">
-                <a:solidFill>
-                  <a:schemeClr val="tx1"/>
-                </a:solidFill>
-                <a:latin typeface="+mn-lt"/>
-                <a:ea typeface="+mn-ea"/>
-                <a:cs typeface="+mn-cs"/>
-              </a:rPr>
-              <a:t>type":"text</a:t>
-            </a:r>
-            <a:r>
-              <a:rPr lang="en-AU" sz="1200" kern="1200" dirty="0" smtClean="0">
-                <a:solidFill>
-                  <a:schemeClr val="tx1"/>
-                </a:solidFill>
-                <a:latin typeface="+mn-lt"/>
-                <a:ea typeface="+mn-ea"/>
-                <a:cs typeface="+mn-cs"/>
-              </a:rPr>
-              <a:t>"},"</a:t>
-            </a:r>
-            <a:r>
-              <a:rPr lang="en-AU" sz="1200" kern="1200" dirty="0" err="1" smtClean="0">
-                <a:solidFill>
-                  <a:schemeClr val="tx1"/>
-                </a:solidFill>
-                <a:latin typeface="+mn-lt"/>
-                <a:ea typeface="+mn-ea"/>
-                <a:cs typeface="+mn-cs"/>
-              </a:rPr>
-              <a:t>VacationHours</a:t>
-            </a:r>
-            <a:r>
-              <a:rPr lang="en-AU" sz="1200" kern="1200" dirty="0" smtClean="0">
-                <a:solidFill>
-                  <a:schemeClr val="tx1"/>
-                </a:solidFill>
-                <a:latin typeface="+mn-lt"/>
-                <a:ea typeface="+mn-ea"/>
-                <a:cs typeface="+mn-cs"/>
-              </a:rPr>
-              <a:t>":{"</a:t>
-            </a:r>
-            <a:r>
-              <a:rPr lang="en-AU" sz="1200" kern="1200" dirty="0" err="1" smtClean="0">
-                <a:solidFill>
-                  <a:schemeClr val="tx1"/>
-                </a:solidFill>
-                <a:latin typeface="+mn-lt"/>
-                <a:ea typeface="+mn-ea"/>
-                <a:cs typeface="+mn-cs"/>
-              </a:rPr>
-              <a:t>type":"short</a:t>
-            </a:r>
-            <a:r>
-              <a:rPr lang="en-AU" sz="1200" kern="1200" dirty="0" smtClean="0">
-                <a:solidFill>
-                  <a:schemeClr val="tx1"/>
-                </a:solidFill>
-                <a:latin typeface="+mn-lt"/>
-                <a:ea typeface="+mn-ea"/>
-                <a:cs typeface="+mn-cs"/>
-              </a:rPr>
-              <a:t>"},"</a:t>
-            </a:r>
-            <a:r>
-              <a:rPr lang="en-AU" sz="1200" kern="1200" dirty="0" err="1" smtClean="0">
-                <a:solidFill>
-                  <a:schemeClr val="tx1"/>
-                </a:solidFill>
-                <a:latin typeface="+mn-lt"/>
-                <a:ea typeface="+mn-ea"/>
-                <a:cs typeface="+mn-cs"/>
-              </a:rPr>
-              <a:t>SickLeaveHours</a:t>
-            </a:r>
-            <a:r>
-              <a:rPr lang="en-AU" sz="1200" kern="1200" dirty="0" smtClean="0">
-                <a:solidFill>
-                  <a:schemeClr val="tx1"/>
-                </a:solidFill>
-                <a:latin typeface="+mn-lt"/>
-                <a:ea typeface="+mn-ea"/>
-                <a:cs typeface="+mn-cs"/>
-              </a:rPr>
-              <a:t>":{"</a:t>
-            </a:r>
-            <a:r>
-              <a:rPr lang="en-AU" sz="1200" kern="1200" dirty="0" err="1" smtClean="0">
-                <a:solidFill>
-                  <a:schemeClr val="tx1"/>
-                </a:solidFill>
-                <a:latin typeface="+mn-lt"/>
-                <a:ea typeface="+mn-ea"/>
-                <a:cs typeface="+mn-cs"/>
-              </a:rPr>
-              <a:t>type":"short</a:t>
-            </a:r>
-            <a:r>
-              <a:rPr lang="en-AU" sz="1200" kern="1200" dirty="0" smtClean="0">
-                <a:solidFill>
-                  <a:schemeClr val="tx1"/>
-                </a:solidFill>
-                <a:latin typeface="+mn-lt"/>
-                <a:ea typeface="+mn-ea"/>
-                <a:cs typeface="+mn-cs"/>
-              </a:rPr>
-              <a:t>"},"</a:t>
-            </a:r>
-            <a:r>
-              <a:rPr lang="en-AU" sz="1200" kern="1200" dirty="0" err="1" smtClean="0">
-                <a:solidFill>
-                  <a:schemeClr val="tx1"/>
-                </a:solidFill>
-                <a:latin typeface="+mn-lt"/>
-                <a:ea typeface="+mn-ea"/>
-                <a:cs typeface="+mn-cs"/>
-              </a:rPr>
-              <a:t>CurrentFlag</a:t>
-            </a:r>
-            <a:r>
-              <a:rPr lang="en-AU" sz="1200" kern="1200" dirty="0" smtClean="0">
-                <a:solidFill>
-                  <a:schemeClr val="tx1"/>
-                </a:solidFill>
-                <a:latin typeface="+mn-lt"/>
-                <a:ea typeface="+mn-ea"/>
-                <a:cs typeface="+mn-cs"/>
-              </a:rPr>
-              <a:t>":{"</a:t>
-            </a:r>
-            <a:r>
-              <a:rPr lang="en-AU" sz="1200" kern="1200" dirty="0" err="1" smtClean="0">
-                <a:solidFill>
-                  <a:schemeClr val="tx1"/>
-                </a:solidFill>
-                <a:latin typeface="+mn-lt"/>
-                <a:ea typeface="+mn-ea"/>
-                <a:cs typeface="+mn-cs"/>
-              </a:rPr>
-              <a:t>type":"text</a:t>
-            </a:r>
-            <a:r>
-              <a:rPr lang="en-AU" sz="1200" kern="1200" dirty="0" smtClean="0">
-                <a:solidFill>
-                  <a:schemeClr val="tx1"/>
-                </a:solidFill>
-                <a:latin typeface="+mn-lt"/>
-                <a:ea typeface="+mn-ea"/>
-                <a:cs typeface="+mn-cs"/>
-              </a:rPr>
-              <a:t>"},"</a:t>
-            </a:r>
-            <a:r>
-              <a:rPr lang="en-AU" sz="1200" kern="1200" dirty="0" err="1" smtClean="0">
-                <a:solidFill>
-                  <a:schemeClr val="tx1"/>
-                </a:solidFill>
-                <a:latin typeface="+mn-lt"/>
-                <a:ea typeface="+mn-ea"/>
-                <a:cs typeface="+mn-cs"/>
-              </a:rPr>
-              <a:t>rowguid</a:t>
-            </a:r>
-            <a:r>
-              <a:rPr lang="en-AU" sz="1200" kern="1200" dirty="0" smtClean="0">
-                <a:solidFill>
-                  <a:schemeClr val="tx1"/>
-                </a:solidFill>
-                <a:latin typeface="+mn-lt"/>
-                <a:ea typeface="+mn-ea"/>
-                <a:cs typeface="+mn-cs"/>
-              </a:rPr>
-              <a:t>":{"</a:t>
-            </a:r>
-            <a:r>
-              <a:rPr lang="en-AU" sz="1200" kern="1200" dirty="0" err="1" smtClean="0">
-                <a:solidFill>
-                  <a:schemeClr val="tx1"/>
-                </a:solidFill>
-                <a:latin typeface="+mn-lt"/>
-                <a:ea typeface="+mn-ea"/>
-                <a:cs typeface="+mn-cs"/>
-              </a:rPr>
-              <a:t>type":"keyword</a:t>
-            </a:r>
-            <a:r>
-              <a:rPr lang="en-AU" sz="1200" kern="1200" dirty="0" smtClean="0">
-                <a:solidFill>
-                  <a:schemeClr val="tx1"/>
-                </a:solidFill>
-                <a:latin typeface="+mn-lt"/>
-                <a:ea typeface="+mn-ea"/>
-                <a:cs typeface="+mn-cs"/>
-              </a:rPr>
-              <a:t>"},"</a:t>
-            </a:r>
-            <a:r>
-              <a:rPr lang="en-AU" sz="1200" kern="1200" dirty="0" err="1" smtClean="0">
-                <a:solidFill>
-                  <a:schemeClr val="tx1"/>
-                </a:solidFill>
-                <a:latin typeface="+mn-lt"/>
-                <a:ea typeface="+mn-ea"/>
-                <a:cs typeface="+mn-cs"/>
-              </a:rPr>
-              <a:t>ModifiedDate</a:t>
-            </a:r>
-            <a:r>
-              <a:rPr lang="en-AU" sz="1200" kern="1200" dirty="0" smtClean="0">
-                <a:solidFill>
-                  <a:schemeClr val="tx1"/>
-                </a:solidFill>
-                <a:latin typeface="+mn-lt"/>
-                <a:ea typeface="+mn-ea"/>
-                <a:cs typeface="+mn-cs"/>
-              </a:rPr>
-              <a:t>":{"</a:t>
-            </a:r>
-            <a:r>
-              <a:rPr lang="en-AU" sz="1200" kern="1200" dirty="0" err="1" smtClean="0">
-                <a:solidFill>
-                  <a:schemeClr val="tx1"/>
-                </a:solidFill>
-                <a:latin typeface="+mn-lt"/>
-                <a:ea typeface="+mn-ea"/>
-                <a:cs typeface="+mn-cs"/>
-              </a:rPr>
-              <a:t>type":"date","format":"YYYY-MM-DD</a:t>
-            </a:r>
-            <a:r>
-              <a:rPr lang="en-AU" sz="1200" kern="1200" dirty="0" smtClean="0">
-                <a:solidFill>
-                  <a:schemeClr val="tx1"/>
-                </a:solidFill>
-                <a:latin typeface="+mn-lt"/>
-                <a:ea typeface="+mn-ea"/>
-                <a:cs typeface="+mn-cs"/>
-              </a:rPr>
-              <a:t>"}},"</a:t>
-            </a:r>
-            <a:r>
-              <a:rPr lang="en-AU" sz="1200" kern="1200" dirty="0" err="1" smtClean="0">
-                <a:solidFill>
-                  <a:schemeClr val="tx1"/>
-                </a:solidFill>
-                <a:latin typeface="+mn-lt"/>
-                <a:ea typeface="+mn-ea"/>
-                <a:cs typeface="+mn-cs"/>
-              </a:rPr>
-              <a:t>dynamic":true,"date_detection":true</a:t>
-            </a:r>
-            <a:r>
-              <a:rPr lang="en-AU" sz="1200" kern="1200" dirty="0" smtClean="0">
-                <a:solidFill>
-                  <a:schemeClr val="tx1"/>
-                </a:solidFill>
-                <a:latin typeface="+mn-lt"/>
-                <a:ea typeface="+mn-ea"/>
-                <a:cs typeface="+mn-cs"/>
-              </a:rPr>
-              <a:t>}'</a:t>
-            </a:r>
-          </a:p>
-          <a:p>
-            <a:r>
-              <a:rPr lang="en-AU" sz="1200" kern="1200" dirty="0" smtClean="0">
-                <a:solidFill>
-                  <a:schemeClr val="tx1"/>
-                </a:solidFill>
-                <a:latin typeface="+mn-lt"/>
-                <a:ea typeface="+mn-ea"/>
-                <a:cs typeface="+mn-cs"/>
-              </a:rPr>
+              <a:t>commands </a:t>
+            </a:r>
+            <a:r>
+              <a:rPr lang="en-AU" baseline="0" dirty="0" smtClean="0"/>
+              <a:t>depend on other. Some of them could be used on different levels</a:t>
+            </a:r>
+          </a:p>
+          <a:p>
+            <a:r>
+              <a:rPr lang="en-AU" baseline="0" dirty="0" err="1" smtClean="0"/>
+              <a:t>Intellisense</a:t>
+            </a:r>
+            <a:r>
+              <a:rPr lang="en-AU" baseline="0" dirty="0" smtClean="0"/>
               <a:t> </a:t>
+            </a:r>
+            <a:r>
+              <a:rPr lang="en-AU" baseline="0" dirty="0" smtClean="0"/>
+              <a:t>is provided in Sense and </a:t>
+            </a:r>
+            <a:r>
+              <a:rPr lang="en-AU" baseline="0" dirty="0" err="1" smtClean="0"/>
+              <a:t>Kibana</a:t>
             </a:r>
             <a:endParaRPr lang="en-AU" dirty="0"/>
           </a:p>
@@ -1817,16 +1072,16 @@
           <a:p>
             <a:fld id="{147DBD60-72A2-4D24-AFED-423EBE31C632}" type="slidenum">
               <a:rPr lang="en-AU" smtClean="0"/>
-              <a:t>14</a:t>
+              <a:t>13</a:t>
             </a:fld>
-            <a:endParaRPr lang="en-AU" dirty="0"/>
+            <a:endParaRPr lang="en-AU"/>
           </a:p>
         </p:txBody>
       </p:sp>
     </p:spTree>
     <p:extLst>
       <p:ext uri="{BB962C8B-B14F-4D97-AF65-F5344CB8AC3E}">
-        <p14:creationId xmlns:p14="http://schemas.microsoft.com/office/powerpoint/2010/main" val="1082310472"/>
+        <p14:creationId xmlns:p14="http://schemas.microsoft.com/office/powerpoint/2010/main" val="4098744912"/>
       </p:ext>
     </p:extLst>
   </p:cSld>
@@ -1880,35 +1135,825 @@
           <a:bodyPr/>
           <a:lstStyle/>
           <a:p>
-            <a:pPr marL="0" marR="0" lvl="1" indent="0" algn="l" defTabSz="914400" rtl="0" eaLnBrk="1" fontAlgn="auto" latinLnBrk="0" hangingPunct="1">
-              <a:lnSpc>
-                <a:spcPct val="100000"/>
-              </a:lnSpc>
-              <a:spcBef>
-                <a:spcPts val="0"/>
-              </a:spcBef>
-              <a:spcAft>
-                <a:spcPts val="0"/>
-              </a:spcAft>
-              <a:buClrTx/>
-              <a:buSzTx/>
-              <a:buFontTx/>
-              <a:buNone/>
-              <a:tabLst/>
-              <a:defRPr/>
+            <a:pPr marL="171450" indent="-171450">
+              <a:buFont typeface="Arial" panose="020B0604020202020204" pitchFamily="34" charset="0"/>
+              <a:buChar char="•"/>
             </a:pPr>
             <a:r>
-              <a:rPr lang="en-AU" sz="2400" dirty="0" smtClean="0"/>
-              <a:t>*</a:t>
-            </a:r>
-            <a:r>
-              <a:rPr lang="en-AU" sz="2400" baseline="0" dirty="0" smtClean="0"/>
+              <a:rPr lang="en-AU" dirty="0" smtClean="0"/>
+              <a:t>SQL FTA support up to 170</a:t>
+            </a:r>
+            <a:r>
+              <a:rPr lang="en-AU" baseline="0" dirty="0" smtClean="0"/>
+              <a:t> extensions</a:t>
+            </a:r>
+          </a:p>
+          <a:p>
+            <a:pPr marL="171450" indent="-171450">
+              <a:buFont typeface="Arial" panose="020B0604020202020204" pitchFamily="34" charset="0"/>
+              <a:buChar char="•"/>
+            </a:pPr>
+            <a:r>
+              <a:rPr lang="en-AU" baseline="0" dirty="0" smtClean="0"/>
+              <a:t>https://www.elastic.co/guide/en/elasticsearch/reference/current/mapping.html</a:t>
+            </a:r>
+          </a:p>
+          <a:p>
+            <a:r>
+              <a:rPr lang="en-AU" sz="1200" kern="1200" dirty="0" smtClean="0">
+                <a:solidFill>
+                  <a:schemeClr val="tx1"/>
+                </a:solidFill>
+                <a:latin typeface="+mn-lt"/>
+                <a:ea typeface="+mn-ea"/>
+                <a:cs typeface="+mn-cs"/>
+              </a:rPr>
+              <a:t> &amp;$put "adworks_v1/_mapping/</a:t>
+            </a:r>
+            <a:r>
+              <a:rPr lang="en-AU" sz="1200" kern="1200" dirty="0" err="1" smtClean="0">
+                <a:solidFill>
+                  <a:schemeClr val="tx1"/>
+                </a:solidFill>
+                <a:latin typeface="+mn-lt"/>
+                <a:ea typeface="+mn-ea"/>
+                <a:cs typeface="+mn-cs"/>
+              </a:rPr>
+              <a:t>employee?update_all_types</a:t>
+            </a:r>
+            <a:r>
+              <a:rPr lang="en-AU" sz="1200" kern="1200" dirty="0" smtClean="0">
+                <a:solidFill>
+                  <a:schemeClr val="tx1"/>
+                </a:solidFill>
+                <a:latin typeface="+mn-lt"/>
+                <a:ea typeface="+mn-ea"/>
+                <a:cs typeface="+mn-cs"/>
+              </a:rPr>
+              <a:t>" '{"properties":{"</a:t>
+            </a:r>
+            <a:r>
+              <a:rPr lang="en-AU" sz="1200" kern="1200" dirty="0" err="1" smtClean="0">
+                <a:solidFill>
+                  <a:schemeClr val="tx1"/>
+                </a:solidFill>
+                <a:latin typeface="+mn-lt"/>
+                <a:ea typeface="+mn-ea"/>
+                <a:cs typeface="+mn-cs"/>
+              </a:rPr>
+              <a:t>BusinessEntityID</a:t>
+            </a:r>
+            <a:r>
+              <a:rPr lang="en-AU" sz="1200" kern="1200" dirty="0" smtClean="0">
+                <a:solidFill>
+                  <a:schemeClr val="tx1"/>
+                </a:solidFill>
+                <a:latin typeface="+mn-lt"/>
+                <a:ea typeface="+mn-ea"/>
+                <a:cs typeface="+mn-cs"/>
+              </a:rPr>
+              <a:t>":{"</a:t>
+            </a:r>
+            <a:r>
+              <a:rPr lang="en-AU" sz="1200" kern="1200" dirty="0" err="1" smtClean="0">
+                <a:solidFill>
+                  <a:schemeClr val="tx1"/>
+                </a:solidFill>
+                <a:latin typeface="+mn-lt"/>
+                <a:ea typeface="+mn-ea"/>
+                <a:cs typeface="+mn-cs"/>
+              </a:rPr>
+              <a:t>type":"integer</a:t>
+            </a:r>
+            <a:r>
+              <a:rPr lang="en-AU" sz="1200" kern="1200" dirty="0" smtClean="0">
+                <a:solidFill>
+                  <a:schemeClr val="tx1"/>
+                </a:solidFill>
+                <a:latin typeface="+mn-lt"/>
+                <a:ea typeface="+mn-ea"/>
+                <a:cs typeface="+mn-cs"/>
+              </a:rPr>
+              <a:t>"},"</a:t>
+            </a:r>
+            <a:r>
+              <a:rPr lang="en-AU" sz="1200" kern="1200" dirty="0" err="1" smtClean="0">
+                <a:solidFill>
+                  <a:schemeClr val="tx1"/>
+                </a:solidFill>
+                <a:latin typeface="+mn-lt"/>
+                <a:ea typeface="+mn-ea"/>
+                <a:cs typeface="+mn-cs"/>
+              </a:rPr>
+              <a:t>NationalIDNumber</a:t>
+            </a:r>
+            <a:r>
+              <a:rPr lang="en-AU" sz="1200" kern="1200" dirty="0" smtClean="0">
+                <a:solidFill>
+                  <a:schemeClr val="tx1"/>
+                </a:solidFill>
+                <a:latin typeface="+mn-lt"/>
+                <a:ea typeface="+mn-ea"/>
+                <a:cs typeface="+mn-cs"/>
+              </a:rPr>
+              <a:t>":{"</a:t>
+            </a:r>
+            <a:r>
+              <a:rPr lang="en-AU" sz="1200" kern="1200" dirty="0" err="1" smtClean="0">
+                <a:solidFill>
+                  <a:schemeClr val="tx1"/>
+                </a:solidFill>
+                <a:latin typeface="+mn-lt"/>
+                <a:ea typeface="+mn-ea"/>
+                <a:cs typeface="+mn-cs"/>
+              </a:rPr>
+              <a:t>type":"text</a:t>
+            </a:r>
+            <a:r>
+              <a:rPr lang="en-AU" sz="1200" kern="1200" dirty="0" smtClean="0">
+                <a:solidFill>
+                  <a:schemeClr val="tx1"/>
+                </a:solidFill>
+                <a:latin typeface="+mn-lt"/>
+                <a:ea typeface="+mn-ea"/>
+                <a:cs typeface="+mn-cs"/>
+              </a:rPr>
+              <a:t>"},"</a:t>
+            </a:r>
+            <a:r>
+              <a:rPr lang="en-AU" sz="1200" kern="1200" dirty="0" err="1" smtClean="0">
+                <a:solidFill>
+                  <a:schemeClr val="tx1"/>
+                </a:solidFill>
+                <a:latin typeface="+mn-lt"/>
+                <a:ea typeface="+mn-ea"/>
+                <a:cs typeface="+mn-cs"/>
+              </a:rPr>
+              <a:t>LoginID</a:t>
+            </a:r>
+            <a:r>
+              <a:rPr lang="en-AU" sz="1200" kern="1200" dirty="0" smtClean="0">
+                <a:solidFill>
+                  <a:schemeClr val="tx1"/>
+                </a:solidFill>
+                <a:latin typeface="+mn-lt"/>
+                <a:ea typeface="+mn-ea"/>
+                <a:cs typeface="+mn-cs"/>
+              </a:rPr>
+              <a:t>":{"</a:t>
+            </a:r>
+            <a:r>
+              <a:rPr lang="en-AU" sz="1200" kern="1200" dirty="0" err="1" smtClean="0">
+                <a:solidFill>
+                  <a:schemeClr val="tx1"/>
+                </a:solidFill>
+                <a:latin typeface="+mn-lt"/>
+                <a:ea typeface="+mn-ea"/>
+                <a:cs typeface="+mn-cs"/>
+              </a:rPr>
+              <a:t>type":"text</a:t>
+            </a:r>
+            <a:r>
+              <a:rPr lang="en-AU" sz="1200" kern="1200" dirty="0" smtClean="0">
+                <a:solidFill>
+                  <a:schemeClr val="tx1"/>
+                </a:solidFill>
+                <a:latin typeface="+mn-lt"/>
+                <a:ea typeface="+mn-ea"/>
+                <a:cs typeface="+mn-cs"/>
+              </a:rPr>
+              <a:t>"},"</a:t>
+            </a:r>
+            <a:r>
+              <a:rPr lang="en-AU" sz="1200" kern="1200" dirty="0" err="1" smtClean="0">
+                <a:solidFill>
+                  <a:schemeClr val="tx1"/>
+                </a:solidFill>
+                <a:latin typeface="+mn-lt"/>
+                <a:ea typeface="+mn-ea"/>
+                <a:cs typeface="+mn-cs"/>
+              </a:rPr>
+              <a:t>OrganizationNode</a:t>
+            </a:r>
+            <a:r>
+              <a:rPr lang="en-AU" sz="1200" kern="1200" dirty="0" smtClean="0">
+                <a:solidFill>
+                  <a:schemeClr val="tx1"/>
+                </a:solidFill>
+                <a:latin typeface="+mn-lt"/>
+                <a:ea typeface="+mn-ea"/>
+                <a:cs typeface="+mn-cs"/>
+              </a:rPr>
+              <a:t>":{"fields":{"tree":{"type":"string","</a:t>
+            </a:r>
+            <a:r>
+              <a:rPr lang="en-AU" sz="1200" kern="1200" dirty="0" err="1" smtClean="0">
+                <a:solidFill>
+                  <a:schemeClr val="tx1"/>
+                </a:solidFill>
+                <a:latin typeface="+mn-lt"/>
+                <a:ea typeface="+mn-ea"/>
+                <a:cs typeface="+mn-cs"/>
+              </a:rPr>
+              <a:t>analyzer</a:t>
+            </a:r>
+            <a:r>
+              <a:rPr lang="en-AU" sz="1200" kern="1200" dirty="0" smtClean="0">
+                <a:solidFill>
+                  <a:schemeClr val="tx1"/>
+                </a:solidFill>
+                <a:latin typeface="+mn-lt"/>
+                <a:ea typeface="+mn-ea"/>
+                <a:cs typeface="+mn-cs"/>
+              </a:rPr>
+              <a:t>":"</a:t>
+            </a:r>
+            <a:r>
+              <a:rPr lang="en-AU" sz="1200" kern="1200" dirty="0" err="1" smtClean="0">
+                <a:solidFill>
+                  <a:schemeClr val="tx1"/>
+                </a:solidFill>
+                <a:latin typeface="+mn-lt"/>
+                <a:ea typeface="+mn-ea"/>
+                <a:cs typeface="+mn-cs"/>
+              </a:rPr>
+              <a:t>hierarchy_analyzer</a:t>
+            </a:r>
+            <a:r>
+              <a:rPr lang="en-AU" sz="1200" kern="1200" dirty="0" smtClean="0">
+                <a:solidFill>
+                  <a:schemeClr val="tx1"/>
+                </a:solidFill>
+                <a:latin typeface="+mn-lt"/>
+                <a:ea typeface="+mn-ea"/>
+                <a:cs typeface="+mn-cs"/>
+              </a:rPr>
+              <a:t>"}},"type":"string","index":"</a:t>
+            </a:r>
+            <a:r>
+              <a:rPr lang="en-AU" sz="1200" kern="1200" dirty="0" err="1" smtClean="0">
+                <a:solidFill>
+                  <a:schemeClr val="tx1"/>
+                </a:solidFill>
+                <a:latin typeface="+mn-lt"/>
+                <a:ea typeface="+mn-ea"/>
+                <a:cs typeface="+mn-cs"/>
+              </a:rPr>
+              <a:t>not_analyzed</a:t>
+            </a:r>
+            <a:r>
+              <a:rPr lang="en-AU" sz="1200" kern="1200" dirty="0" smtClean="0">
+                <a:solidFill>
+                  <a:schemeClr val="tx1"/>
+                </a:solidFill>
+                <a:latin typeface="+mn-lt"/>
+                <a:ea typeface="+mn-ea"/>
+                <a:cs typeface="+mn-cs"/>
+              </a:rPr>
+              <a:t>"},"</a:t>
+            </a:r>
+            <a:r>
+              <a:rPr lang="en-AU" sz="1200" kern="1200" dirty="0" err="1" smtClean="0">
+                <a:solidFill>
+                  <a:schemeClr val="tx1"/>
+                </a:solidFill>
+                <a:latin typeface="+mn-lt"/>
+                <a:ea typeface="+mn-ea"/>
+                <a:cs typeface="+mn-cs"/>
+              </a:rPr>
+              <a:t>OrganizationLevel</a:t>
+            </a:r>
+            <a:r>
+              <a:rPr lang="en-AU" sz="1200" kern="1200" dirty="0" smtClean="0">
+                <a:solidFill>
+                  <a:schemeClr val="tx1"/>
+                </a:solidFill>
+                <a:latin typeface="+mn-lt"/>
+                <a:ea typeface="+mn-ea"/>
+                <a:cs typeface="+mn-cs"/>
+              </a:rPr>
+              <a:t>":{"</a:t>
+            </a:r>
+            <a:r>
+              <a:rPr lang="en-AU" sz="1200" kern="1200" dirty="0" err="1" smtClean="0">
+                <a:solidFill>
+                  <a:schemeClr val="tx1"/>
+                </a:solidFill>
+                <a:latin typeface="+mn-lt"/>
+                <a:ea typeface="+mn-ea"/>
+                <a:cs typeface="+mn-cs"/>
+              </a:rPr>
+              <a:t>type":"short</a:t>
+            </a:r>
+            <a:r>
+              <a:rPr lang="en-AU" sz="1200" kern="1200" dirty="0" smtClean="0">
+                <a:solidFill>
+                  <a:schemeClr val="tx1"/>
+                </a:solidFill>
+                <a:latin typeface="+mn-lt"/>
+                <a:ea typeface="+mn-ea"/>
+                <a:cs typeface="+mn-cs"/>
+              </a:rPr>
+              <a:t>"},"</a:t>
+            </a:r>
+            <a:r>
+              <a:rPr lang="en-AU" sz="1200" kern="1200" dirty="0" err="1" smtClean="0">
+                <a:solidFill>
+                  <a:schemeClr val="tx1"/>
+                </a:solidFill>
+                <a:latin typeface="+mn-lt"/>
+                <a:ea typeface="+mn-ea"/>
+                <a:cs typeface="+mn-cs"/>
+              </a:rPr>
+              <a:t>JobTitle</a:t>
+            </a:r>
+            <a:r>
+              <a:rPr lang="en-AU" sz="1200" kern="1200" dirty="0" smtClean="0">
+                <a:solidFill>
+                  <a:schemeClr val="tx1"/>
+                </a:solidFill>
+                <a:latin typeface="+mn-lt"/>
+                <a:ea typeface="+mn-ea"/>
+                <a:cs typeface="+mn-cs"/>
+              </a:rPr>
+              <a:t>":{"</a:t>
+            </a:r>
+            <a:r>
+              <a:rPr lang="en-AU" sz="1200" kern="1200" dirty="0" err="1" smtClean="0">
+                <a:solidFill>
+                  <a:schemeClr val="tx1"/>
+                </a:solidFill>
+                <a:latin typeface="+mn-lt"/>
+                <a:ea typeface="+mn-ea"/>
+                <a:cs typeface="+mn-cs"/>
+              </a:rPr>
+              <a:t>type":"text</a:t>
+            </a:r>
+            <a:r>
+              <a:rPr lang="en-AU" sz="1200" kern="1200" dirty="0" smtClean="0">
+                <a:solidFill>
+                  <a:schemeClr val="tx1"/>
+                </a:solidFill>
+                <a:latin typeface="+mn-lt"/>
+                <a:ea typeface="+mn-ea"/>
+                <a:cs typeface="+mn-cs"/>
+              </a:rPr>
+              <a:t>"},"</a:t>
+            </a:r>
+            <a:r>
+              <a:rPr lang="en-AU" sz="1200" kern="1200" dirty="0" err="1" smtClean="0">
+                <a:solidFill>
+                  <a:schemeClr val="tx1"/>
+                </a:solidFill>
+                <a:latin typeface="+mn-lt"/>
+                <a:ea typeface="+mn-ea"/>
+                <a:cs typeface="+mn-cs"/>
+              </a:rPr>
+              <a:t>BirthDate</a:t>
+            </a:r>
+            <a:r>
+              <a:rPr lang="en-AU" sz="1200" kern="1200" dirty="0" smtClean="0">
+                <a:solidFill>
+                  <a:schemeClr val="tx1"/>
+                </a:solidFill>
+                <a:latin typeface="+mn-lt"/>
+                <a:ea typeface="+mn-ea"/>
+                <a:cs typeface="+mn-cs"/>
+              </a:rPr>
+              <a:t>":{"</a:t>
+            </a:r>
+            <a:r>
+              <a:rPr lang="en-AU" sz="1200" kern="1200" dirty="0" err="1" smtClean="0">
+                <a:solidFill>
+                  <a:schemeClr val="tx1"/>
+                </a:solidFill>
+                <a:latin typeface="+mn-lt"/>
+                <a:ea typeface="+mn-ea"/>
+                <a:cs typeface="+mn-cs"/>
+              </a:rPr>
+              <a:t>type":"date","format":"YYYY-MM-DD</a:t>
+            </a:r>
+            <a:r>
+              <a:rPr lang="en-AU" sz="1200" kern="1200" dirty="0" smtClean="0">
+                <a:solidFill>
+                  <a:schemeClr val="tx1"/>
+                </a:solidFill>
+                <a:latin typeface="+mn-lt"/>
+                <a:ea typeface="+mn-ea"/>
+                <a:cs typeface="+mn-cs"/>
+              </a:rPr>
+              <a:t>"},"</a:t>
+            </a:r>
+            <a:r>
+              <a:rPr lang="en-AU" sz="1200" kern="1200" dirty="0" err="1" smtClean="0">
+                <a:solidFill>
+                  <a:schemeClr val="tx1"/>
+                </a:solidFill>
+                <a:latin typeface="+mn-lt"/>
+                <a:ea typeface="+mn-ea"/>
+                <a:cs typeface="+mn-cs"/>
+              </a:rPr>
+              <a:t>MaritalStatus</a:t>
+            </a:r>
+            <a:r>
+              <a:rPr lang="en-AU" sz="1200" kern="1200" dirty="0" smtClean="0">
+                <a:solidFill>
+                  <a:schemeClr val="tx1"/>
+                </a:solidFill>
+                <a:latin typeface="+mn-lt"/>
+                <a:ea typeface="+mn-ea"/>
+                <a:cs typeface="+mn-cs"/>
+              </a:rPr>
+              <a:t>":{"</a:t>
+            </a:r>
+            <a:r>
+              <a:rPr lang="en-AU" sz="1200" kern="1200" dirty="0" err="1" smtClean="0">
+                <a:solidFill>
+                  <a:schemeClr val="tx1"/>
+                </a:solidFill>
+                <a:latin typeface="+mn-lt"/>
+                <a:ea typeface="+mn-ea"/>
+                <a:cs typeface="+mn-cs"/>
+              </a:rPr>
+              <a:t>type":"text</a:t>
+            </a:r>
+            <a:r>
+              <a:rPr lang="en-AU" sz="1200" kern="1200" dirty="0" smtClean="0">
+                <a:solidFill>
+                  <a:schemeClr val="tx1"/>
+                </a:solidFill>
+                <a:latin typeface="+mn-lt"/>
+                <a:ea typeface="+mn-ea"/>
+                <a:cs typeface="+mn-cs"/>
+              </a:rPr>
+              <a:t>"},"Gender":{"</a:t>
+            </a:r>
+            <a:r>
+              <a:rPr lang="en-AU" sz="1200" kern="1200" dirty="0" err="1" smtClean="0">
+                <a:solidFill>
+                  <a:schemeClr val="tx1"/>
+                </a:solidFill>
+                <a:latin typeface="+mn-lt"/>
+                <a:ea typeface="+mn-ea"/>
+                <a:cs typeface="+mn-cs"/>
+              </a:rPr>
+              <a:t>type":"text</a:t>
+            </a:r>
+            <a:r>
+              <a:rPr lang="en-AU" sz="1200" kern="1200" dirty="0" smtClean="0">
+                <a:solidFill>
+                  <a:schemeClr val="tx1"/>
+                </a:solidFill>
+                <a:latin typeface="+mn-lt"/>
+                <a:ea typeface="+mn-ea"/>
+                <a:cs typeface="+mn-cs"/>
+              </a:rPr>
+              <a:t>"},"</a:t>
+            </a:r>
+            <a:r>
+              <a:rPr lang="en-AU" sz="1200" kern="1200" dirty="0" err="1" smtClean="0">
+                <a:solidFill>
+                  <a:schemeClr val="tx1"/>
+                </a:solidFill>
+                <a:latin typeface="+mn-lt"/>
+                <a:ea typeface="+mn-ea"/>
+                <a:cs typeface="+mn-cs"/>
+              </a:rPr>
+              <a:t>HireDate</a:t>
+            </a:r>
+            <a:r>
+              <a:rPr lang="en-AU" sz="1200" kern="1200" dirty="0" smtClean="0">
+                <a:solidFill>
+                  <a:schemeClr val="tx1"/>
+                </a:solidFill>
+                <a:latin typeface="+mn-lt"/>
+                <a:ea typeface="+mn-ea"/>
+                <a:cs typeface="+mn-cs"/>
+              </a:rPr>
+              <a:t>":{"type":"date","format":“</a:t>
+            </a:r>
+            <a:r>
+              <a:rPr lang="en-AU" sz="1200" kern="1200" dirty="0" err="1" smtClean="0">
+                <a:solidFill>
+                  <a:schemeClr val="tx1"/>
+                </a:solidFill>
+                <a:latin typeface="+mn-lt"/>
+                <a:ea typeface="+mn-ea"/>
+                <a:cs typeface="+mn-cs"/>
+              </a:rPr>
+              <a:t>yyyy</a:t>
+            </a:r>
+            <a:r>
+              <a:rPr lang="en-AU" sz="1200" kern="1200" dirty="0" smtClean="0">
+                <a:solidFill>
+                  <a:schemeClr val="tx1"/>
+                </a:solidFill>
+                <a:latin typeface="+mn-lt"/>
+                <a:ea typeface="+mn-ea"/>
+                <a:cs typeface="+mn-cs"/>
+              </a:rPr>
+              <a:t>-MM-DD"},"</a:t>
+            </a:r>
+            <a:r>
+              <a:rPr lang="en-AU" sz="1200" kern="1200" dirty="0" err="1" smtClean="0">
+                <a:solidFill>
+                  <a:schemeClr val="tx1"/>
+                </a:solidFill>
+                <a:latin typeface="+mn-lt"/>
+                <a:ea typeface="+mn-ea"/>
+                <a:cs typeface="+mn-cs"/>
+              </a:rPr>
+              <a:t>SalariedFlag</a:t>
+            </a:r>
+            <a:r>
+              <a:rPr lang="en-AU" sz="1200" kern="1200" dirty="0" smtClean="0">
+                <a:solidFill>
+                  <a:schemeClr val="tx1"/>
+                </a:solidFill>
+                <a:latin typeface="+mn-lt"/>
+                <a:ea typeface="+mn-ea"/>
+                <a:cs typeface="+mn-cs"/>
+              </a:rPr>
+              <a:t>":{"</a:t>
+            </a:r>
+            <a:r>
+              <a:rPr lang="en-AU" sz="1200" kern="1200" dirty="0" err="1" smtClean="0">
+                <a:solidFill>
+                  <a:schemeClr val="tx1"/>
+                </a:solidFill>
+                <a:latin typeface="+mn-lt"/>
+                <a:ea typeface="+mn-ea"/>
+                <a:cs typeface="+mn-cs"/>
+              </a:rPr>
+              <a:t>type":"text</a:t>
+            </a:r>
+            <a:r>
+              <a:rPr lang="en-AU" sz="1200" kern="1200" dirty="0" smtClean="0">
+                <a:solidFill>
+                  <a:schemeClr val="tx1"/>
+                </a:solidFill>
+                <a:latin typeface="+mn-lt"/>
+                <a:ea typeface="+mn-ea"/>
+                <a:cs typeface="+mn-cs"/>
+              </a:rPr>
+              <a:t>"},"</a:t>
+            </a:r>
+            <a:r>
+              <a:rPr lang="en-AU" sz="1200" kern="1200" dirty="0" err="1" smtClean="0">
+                <a:solidFill>
+                  <a:schemeClr val="tx1"/>
+                </a:solidFill>
+                <a:latin typeface="+mn-lt"/>
+                <a:ea typeface="+mn-ea"/>
+                <a:cs typeface="+mn-cs"/>
+              </a:rPr>
+              <a:t>VacationHours</a:t>
+            </a:r>
+            <a:r>
+              <a:rPr lang="en-AU" sz="1200" kern="1200" dirty="0" smtClean="0">
+                <a:solidFill>
+                  <a:schemeClr val="tx1"/>
+                </a:solidFill>
+                <a:latin typeface="+mn-lt"/>
+                <a:ea typeface="+mn-ea"/>
+                <a:cs typeface="+mn-cs"/>
+              </a:rPr>
+              <a:t>":{"</a:t>
+            </a:r>
+            <a:r>
+              <a:rPr lang="en-AU" sz="1200" kern="1200" dirty="0" err="1" smtClean="0">
+                <a:solidFill>
+                  <a:schemeClr val="tx1"/>
+                </a:solidFill>
+                <a:latin typeface="+mn-lt"/>
+                <a:ea typeface="+mn-ea"/>
+                <a:cs typeface="+mn-cs"/>
+              </a:rPr>
+              <a:t>type":"short</a:t>
+            </a:r>
+            <a:r>
+              <a:rPr lang="en-AU" sz="1200" kern="1200" dirty="0" smtClean="0">
+                <a:solidFill>
+                  <a:schemeClr val="tx1"/>
+                </a:solidFill>
+                <a:latin typeface="+mn-lt"/>
+                <a:ea typeface="+mn-ea"/>
+                <a:cs typeface="+mn-cs"/>
+              </a:rPr>
+              <a:t>"},"</a:t>
+            </a:r>
+            <a:r>
+              <a:rPr lang="en-AU" sz="1200" kern="1200" dirty="0" err="1" smtClean="0">
+                <a:solidFill>
+                  <a:schemeClr val="tx1"/>
+                </a:solidFill>
+                <a:latin typeface="+mn-lt"/>
+                <a:ea typeface="+mn-ea"/>
+                <a:cs typeface="+mn-cs"/>
+              </a:rPr>
+              <a:t>SickLeaveHours</a:t>
+            </a:r>
+            <a:r>
+              <a:rPr lang="en-AU" sz="1200" kern="1200" dirty="0" smtClean="0">
+                <a:solidFill>
+                  <a:schemeClr val="tx1"/>
+                </a:solidFill>
+                <a:latin typeface="+mn-lt"/>
+                <a:ea typeface="+mn-ea"/>
+                <a:cs typeface="+mn-cs"/>
+              </a:rPr>
+              <a:t>":{"</a:t>
+            </a:r>
+            <a:r>
+              <a:rPr lang="en-AU" sz="1200" kern="1200" dirty="0" err="1" smtClean="0">
+                <a:solidFill>
+                  <a:schemeClr val="tx1"/>
+                </a:solidFill>
+                <a:latin typeface="+mn-lt"/>
+                <a:ea typeface="+mn-ea"/>
+                <a:cs typeface="+mn-cs"/>
+              </a:rPr>
+              <a:t>type":"short</a:t>
+            </a:r>
+            <a:r>
+              <a:rPr lang="en-AU" sz="1200" kern="1200" dirty="0" smtClean="0">
+                <a:solidFill>
+                  <a:schemeClr val="tx1"/>
+                </a:solidFill>
+                <a:latin typeface="+mn-lt"/>
+                <a:ea typeface="+mn-ea"/>
+                <a:cs typeface="+mn-cs"/>
+              </a:rPr>
+              <a:t>"},"</a:t>
+            </a:r>
+            <a:r>
+              <a:rPr lang="en-AU" sz="1200" kern="1200" dirty="0" err="1" smtClean="0">
+                <a:solidFill>
+                  <a:schemeClr val="tx1"/>
+                </a:solidFill>
+                <a:latin typeface="+mn-lt"/>
+                <a:ea typeface="+mn-ea"/>
+                <a:cs typeface="+mn-cs"/>
+              </a:rPr>
+              <a:t>CurrentFlag</a:t>
+            </a:r>
+            <a:r>
+              <a:rPr lang="en-AU" sz="1200" kern="1200" dirty="0" smtClean="0">
+                <a:solidFill>
+                  <a:schemeClr val="tx1"/>
+                </a:solidFill>
+                <a:latin typeface="+mn-lt"/>
+                <a:ea typeface="+mn-ea"/>
+                <a:cs typeface="+mn-cs"/>
+              </a:rPr>
+              <a:t>":{"</a:t>
+            </a:r>
+            <a:r>
+              <a:rPr lang="en-AU" sz="1200" kern="1200" dirty="0" err="1" smtClean="0">
+                <a:solidFill>
+                  <a:schemeClr val="tx1"/>
+                </a:solidFill>
+                <a:latin typeface="+mn-lt"/>
+                <a:ea typeface="+mn-ea"/>
+                <a:cs typeface="+mn-cs"/>
+              </a:rPr>
+              <a:t>type":"text</a:t>
+            </a:r>
+            <a:r>
+              <a:rPr lang="en-AU" sz="1200" kern="1200" dirty="0" smtClean="0">
+                <a:solidFill>
+                  <a:schemeClr val="tx1"/>
+                </a:solidFill>
+                <a:latin typeface="+mn-lt"/>
+                <a:ea typeface="+mn-ea"/>
+                <a:cs typeface="+mn-cs"/>
+              </a:rPr>
+              <a:t>"},"</a:t>
+            </a:r>
+            <a:r>
+              <a:rPr lang="en-AU" sz="1200" kern="1200" dirty="0" err="1" smtClean="0">
+                <a:solidFill>
+                  <a:schemeClr val="tx1"/>
+                </a:solidFill>
+                <a:latin typeface="+mn-lt"/>
+                <a:ea typeface="+mn-ea"/>
+                <a:cs typeface="+mn-cs"/>
+              </a:rPr>
+              <a:t>rowguid</a:t>
+            </a:r>
+            <a:r>
+              <a:rPr lang="en-AU" sz="1200" kern="1200" dirty="0" smtClean="0">
+                <a:solidFill>
+                  <a:schemeClr val="tx1"/>
+                </a:solidFill>
+                <a:latin typeface="+mn-lt"/>
+                <a:ea typeface="+mn-ea"/>
+                <a:cs typeface="+mn-cs"/>
+              </a:rPr>
+              <a:t>":{"</a:t>
+            </a:r>
+            <a:r>
+              <a:rPr lang="en-AU" sz="1200" kern="1200" dirty="0" err="1" smtClean="0">
+                <a:solidFill>
+                  <a:schemeClr val="tx1"/>
+                </a:solidFill>
+                <a:latin typeface="+mn-lt"/>
+                <a:ea typeface="+mn-ea"/>
+                <a:cs typeface="+mn-cs"/>
+              </a:rPr>
+              <a:t>type":"keyword</a:t>
+            </a:r>
+            <a:r>
+              <a:rPr lang="en-AU" sz="1200" kern="1200" dirty="0" smtClean="0">
+                <a:solidFill>
+                  <a:schemeClr val="tx1"/>
+                </a:solidFill>
+                <a:latin typeface="+mn-lt"/>
+                <a:ea typeface="+mn-ea"/>
+                <a:cs typeface="+mn-cs"/>
+              </a:rPr>
+              <a:t>"},"</a:t>
+            </a:r>
+            <a:r>
+              <a:rPr lang="en-AU" sz="1200" kern="1200" dirty="0" err="1" smtClean="0">
+                <a:solidFill>
+                  <a:schemeClr val="tx1"/>
+                </a:solidFill>
+                <a:latin typeface="+mn-lt"/>
+                <a:ea typeface="+mn-ea"/>
+                <a:cs typeface="+mn-cs"/>
+              </a:rPr>
+              <a:t>ModifiedDate</a:t>
+            </a:r>
+            <a:r>
+              <a:rPr lang="en-AU" sz="1200" kern="1200" dirty="0" smtClean="0">
+                <a:solidFill>
+                  <a:schemeClr val="tx1"/>
+                </a:solidFill>
+                <a:latin typeface="+mn-lt"/>
+                <a:ea typeface="+mn-ea"/>
+                <a:cs typeface="+mn-cs"/>
+              </a:rPr>
+              <a:t>":{"</a:t>
+            </a:r>
+            <a:r>
+              <a:rPr lang="en-AU" sz="1200" kern="1200" dirty="0" err="1" smtClean="0">
+                <a:solidFill>
+                  <a:schemeClr val="tx1"/>
+                </a:solidFill>
+                <a:latin typeface="+mn-lt"/>
+                <a:ea typeface="+mn-ea"/>
+                <a:cs typeface="+mn-cs"/>
+              </a:rPr>
+              <a:t>type":"date","format":"YYYY-MM-DD</a:t>
+            </a:r>
+            <a:r>
+              <a:rPr lang="en-AU" sz="1200" kern="1200" dirty="0" smtClean="0">
+                <a:solidFill>
+                  <a:schemeClr val="tx1"/>
+                </a:solidFill>
+                <a:latin typeface="+mn-lt"/>
+                <a:ea typeface="+mn-ea"/>
+                <a:cs typeface="+mn-cs"/>
+              </a:rPr>
+              <a:t>"}},"</a:t>
+            </a:r>
+            <a:r>
+              <a:rPr lang="en-AU" sz="1200" kern="1200" dirty="0" err="1" smtClean="0">
+                <a:solidFill>
+                  <a:schemeClr val="tx1"/>
+                </a:solidFill>
+                <a:latin typeface="+mn-lt"/>
+                <a:ea typeface="+mn-ea"/>
+                <a:cs typeface="+mn-cs"/>
+              </a:rPr>
+              <a:t>dynamic":true,"date_detection":true</a:t>
+            </a:r>
+            <a:r>
+              <a:rPr lang="en-AU" sz="1200" kern="1200" dirty="0" smtClean="0">
+                <a:solidFill>
+                  <a:schemeClr val="tx1"/>
+                </a:solidFill>
+                <a:latin typeface="+mn-lt"/>
+                <a:ea typeface="+mn-ea"/>
+                <a:cs typeface="+mn-cs"/>
+              </a:rPr>
+              <a:t>}'</a:t>
+            </a:r>
+          </a:p>
+          <a:p>
+            <a:r>
+              <a:rPr lang="en-AU" sz="1200" kern="1200" dirty="0" smtClean="0">
+                <a:solidFill>
+                  <a:schemeClr val="tx1"/>
+                </a:solidFill>
+                <a:latin typeface="+mn-lt"/>
+                <a:ea typeface="+mn-ea"/>
+                <a:cs typeface="+mn-cs"/>
+              </a:rPr>
               <a:t> </a:t>
             </a:r>
-            <a:r>
-              <a:rPr lang="en-AU" sz="2400" dirty="0" smtClean="0"/>
-              <a:t>advisory profile</a:t>
-            </a:r>
+            <a:endParaRPr lang="en-AU" dirty="0"/>
           </a:p>
         </p:txBody>
       </p:sp>
@@ -1929,16 +1974,16 @@
           <a:p>
             <a:fld id="{147DBD60-72A2-4D24-AFED-423EBE31C632}" type="slidenum">
               <a:rPr lang="en-AU" smtClean="0"/>
-              <a:t>15</a:t>
+              <a:t>14</a:t>
             </a:fld>
-            <a:endParaRPr lang="en-AU"/>
+            <a:endParaRPr lang="en-AU" dirty="0"/>
           </a:p>
         </p:txBody>
       </p:sp>
     </p:spTree>
     <p:extLst>
       <p:ext uri="{BB962C8B-B14F-4D97-AF65-F5344CB8AC3E}">
-        <p14:creationId xmlns:p14="http://schemas.microsoft.com/office/powerpoint/2010/main" val="3929079188"/>
+        <p14:creationId xmlns:p14="http://schemas.microsoft.com/office/powerpoint/2010/main" val="1082310472"/>
       </p:ext>
     </p:extLst>
   </p:cSld>
@@ -1992,7 +2037,35 @@
           <a:bodyPr/>
           <a:lstStyle/>
           <a:p>
-            <a:endParaRPr lang="en-AU" dirty="0"/>
+            <a:pPr marL="0" marR="0" lvl="1" indent="0" algn="l" defTabSz="914400" rtl="0" eaLnBrk="1" fontAlgn="auto" latinLnBrk="0" hangingPunct="1">
+              <a:lnSpc>
+                <a:spcPct val="100000"/>
+              </a:lnSpc>
+              <a:spcBef>
+                <a:spcPts val="0"/>
+              </a:spcBef>
+              <a:spcAft>
+                <a:spcPts val="0"/>
+              </a:spcAft>
+              <a:buClrTx/>
+              <a:buSzTx/>
+              <a:buFontTx/>
+              <a:buNone/>
+              <a:tabLst/>
+              <a:defRPr/>
+            </a:pPr>
+            <a:r>
+              <a:rPr lang="en-AU" sz="2400" dirty="0" smtClean="0"/>
+              <a:t>*</a:t>
+            </a:r>
+            <a:r>
+              <a:rPr lang="en-AU" sz="2400" baseline="0" dirty="0" smtClean="0"/>
+              <a:t> </a:t>
+            </a:r>
+            <a:r>
+              <a:rPr lang="en-AU" sz="2400" dirty="0" smtClean="0"/>
+              <a:t>advisory profile</a:t>
+            </a:r>
           </a:p>
         </p:txBody>
       </p:sp>
@@ -2013,7 +2086,7 @@
           <a:p>
             <a:fld id="{147DBD60-72A2-4D24-AFED-423EBE31C632}" type="slidenum">
               <a:rPr lang="en-AU" smtClean="0"/>
-              <a:t>17</a:t>
+              <a:t>15</a:t>
             </a:fld>
             <a:endParaRPr lang="en-AU"/>
           </a:p>
@@ -2022,7 +2095,7 @@
     </p:spTree>
     <p:extLst>
       <p:ext uri="{BB962C8B-B14F-4D97-AF65-F5344CB8AC3E}">
-        <p14:creationId xmlns:p14="http://schemas.microsoft.com/office/powerpoint/2010/main" val="2052517623"/>
+        <p14:creationId xmlns:p14="http://schemas.microsoft.com/office/powerpoint/2010/main" val="3929079188"/>
       </p:ext>
     </p:extLst>
   </p:cSld>
@@ -2076,6 +2149,90 @@
           <a:bodyPr/>
           <a:lstStyle/>
           <a:p>
+            <a:endParaRPr lang="en-AU" dirty="0"/>
+          </a:p>
+        </p:txBody>
+      </p:sp>
+      <p:sp>
+        <p:nvSpPr>
+          <p:cNvPr id="4" name="Slide Number Placeholder 3"/>
+          <p:cNvSpPr>
+            <a:spLocks noGrp="1"/>
+          </p:cNvSpPr>
+          <p:nvPr>
+            <p:ph type="sldNum" sz="quarter" idx="10"/>
+          </p:nvPr>
+        </p:nvSpPr>
+        <p:spPr/>
+        <p:txBody>
+          <a:bodyPr/>
+          <a:lstStyle/>
+          <a:p>
+            <a:fld id="{147DBD60-72A2-4D24-AFED-423EBE31C632}" type="slidenum">
+              <a:rPr lang="en-AU" smtClean="0"/>
+              <a:t>17</a:t>
+            </a:fld>
+            <a:endParaRPr lang="en-AU"/>
+          </a:p>
+        </p:txBody>
+      </p:sp>
+    </p:spTree>
+    <p:extLst>
+      <p:ext uri="{BB962C8B-B14F-4D97-AF65-F5344CB8AC3E}">
+        <p14:creationId xmlns:p14="http://schemas.microsoft.com/office/powerpoint/2010/main" val="2052517623"/>
+      </p:ext>
+    </p:extLst>
+  </p:cSld>
+  <p:clrMapOvr>
+    <a:masterClrMapping/>
+  </p:clrMapOvr>
+</p:notes>
+</file>
+
+<file path=ppt/notesSlides/notesSlide17.xml><?xml version="1.0" encoding="utf-8"?>
+<p:notes xmlns:a="http://schemas.openxmlformats.org/drawingml/2006/main" xmlns:r="http://schemas.openxmlformats.org/officeDocument/2006/relationships" xmlns:p="http://schemas.openxmlformats.org/presentationml/2006/main">
+  <p:cSld>
+    <p:spTree>
+      <p:nvGrpSpPr>
+        <p:cNvPr id="1" name=""/>
+        <p:cNvGrpSpPr/>
+        <p:nvPr/>
+      </p:nvGrpSpPr>
+      <p:grpSpPr>
+        <a:xfrm>
+          <a:off x="0" y="0"/>
+          <a:ext cx="0" cy="0"/>
+          <a:chOff x="0" y="0"/>
+          <a:chExt cx="0" cy="0"/>
+        </a:xfrm>
+      </p:grpSpPr>
+      <p:sp>
+        <p:nvSpPr>
+          <p:cNvPr id="2" name="Slide Image Placeholder 1"/>
+          <p:cNvSpPr>
+            <a:spLocks noGrp="1" noRot="1" noChangeAspect="1"/>
+          </p:cNvSpPr>
+          <p:nvPr>
+            <p:ph type="sldImg"/>
+          </p:nvPr>
+        </p:nvSpPr>
+        <p:spPr/>
+      </p:sp>
+      <p:sp>
+        <p:nvSpPr>
+          <p:cNvPr id="3" name="Notes Placeholder 2"/>
+          <p:cNvSpPr>
+            <a:spLocks noGrp="1"/>
+          </p:cNvSpPr>
+          <p:nvPr>
+            <p:ph type="body" idx="1"/>
+          </p:nvPr>
+        </p:nvSpPr>
+        <p:spPr/>
+        <p:txBody>
+          <a:bodyPr/>
+          <a:lstStyle/>
+          <a:p>
             <a:pPr marL="0" indent="0">
               <a:buFont typeface="Arial" panose="020B0604020202020204" pitchFamily="34" charset="0"/>
               <a:buNone/>
@@ -2141,6 +2298,50 @@
               <a:rPr lang="en-AU" dirty="0" smtClean="0"/>
               <a:t>data at rest and data in motion, integrate with other APIs</a:t>
             </a:r>
+          </a:p>
+          <a:p>
+            <a:pPr marL="0" indent="0">
+              <a:buFont typeface="Arial" panose="020B0604020202020204" pitchFamily="34" charset="0"/>
+              <a:buNone/>
+            </a:pPr>
+            <a:endParaRPr lang="en-AU" dirty="0" smtClean="0"/>
+          </a:p>
+          <a:p>
+            <a:pPr marL="0" marR="0" lvl="1" indent="0" algn="l" defTabSz="914400" rtl="0" eaLnBrk="1" fontAlgn="auto" latinLnBrk="0" hangingPunct="1">
+              <a:lnSpc>
+                <a:spcPct val="100000"/>
+              </a:lnSpc>
+              <a:spcBef>
+                <a:spcPts val="0"/>
+              </a:spcBef>
+              <a:spcAft>
+                <a:spcPts val="0"/>
+              </a:spcAft>
+              <a:buClrTx/>
+              <a:buSzTx/>
+              <a:buFont typeface="Arial" panose="020B0604020202020204" pitchFamily="34" charset="0"/>
+              <a:buNone/>
+              <a:tabLst/>
+              <a:defRPr/>
+            </a:pPr>
+            <a:r>
+              <a:rPr lang="en-AU" sz="2400" b="0" i="0" kern="1200" dirty="0" smtClean="0">
+                <a:solidFill>
+                  <a:schemeClr val="tx1"/>
+                </a:solidFill>
+                <a:effectLst/>
+                <a:latin typeface="+mn-lt"/>
+                <a:ea typeface="+mn-ea"/>
+                <a:cs typeface="+mn-cs"/>
+              </a:rPr>
+              <a:t>100 Data and Analytics Predictions Through 2020 https://www.gartner.com/doc/reprints?id=1-33SAA8U&amp;ct=160418&amp;st=sb</a:t>
+            </a:r>
+          </a:p>
+          <a:p>
+            <a:pPr marL="0" indent="0">
+              <a:buFont typeface="Arial" panose="020B0604020202020204" pitchFamily="34" charset="0"/>
+              <a:buNone/>
+            </a:pPr>
             <a:endParaRPr lang="en-AU" dirty="0"/>
           </a:p>
         </p:txBody>
@@ -2225,9 +2426,9 @@
           <a:bodyPr/>
           <a:lstStyle/>
           <a:p>
-            <a:pPr marL="171450" indent="-171450">
+            <a:pPr marL="0" indent="0">
               <a:buFont typeface="Arial" panose="020B0604020202020204" pitchFamily="34" charset="0"/>
-              <a:buChar char="•"/>
+              <a:buNone/>
             </a:pPr>
             <a:r>
               <a:rPr lang="en-AU" sz="1200" b="0" i="0" kern="1200" dirty="0" smtClean="0">
@@ -2239,51 +2440,8 @@
                 <a:ea typeface="+mn-ea"/>
                 <a:cs typeface="+mn-cs"/>
               </a:rPr>
-              <a:t>It is not search engine, but computational knowledge engine</a:t>
-            </a:r>
-            <a:endParaRPr lang="ru-RU" sz="1200" b="0" i="0" kern="1200" dirty="0" smtClean="0">
-              <a:solidFill>
-                <a:schemeClr val="tx1"/>
-              </a:solidFill>
-              <a:effectLst/>
-              <a:latin typeface="+mn-lt"/>
-              <a:ea typeface="+mn-ea"/>
-              <a:cs typeface="+mn-cs"/>
-            </a:endParaRPr>
-          </a:p>
-          <a:p>
-            <a:pPr marL="171450" indent="-171450">
-              <a:buFont typeface="Arial" panose="020B0604020202020204" pitchFamily="34" charset="0"/>
-              <a:buChar char="•"/>
-            </a:pPr>
-            <a:endParaRPr lang="ru-RU" sz="1200" b="0" i="0" kern="1200" dirty="0" smtClean="0">
-              <a:solidFill>
-                <a:schemeClr val="tx1"/>
-              </a:solidFill>
-              <a:effectLst/>
-              <a:latin typeface="+mn-lt"/>
-              <a:ea typeface="+mn-ea"/>
-              <a:cs typeface="+mn-cs"/>
-            </a:endParaRPr>
-          </a:p>
-          <a:p>
-            <a:pPr marL="171450" marR="0" indent="-171450" algn="l" defTabSz="914400" rtl="0" eaLnBrk="1" fontAlgn="auto" latinLnBrk="0" hangingPunct="1">
-              <a:lnSpc>
-                <a:spcPct val="100000"/>
-              </a:lnSpc>
-              <a:spcBef>
-                <a:spcPts val="0"/>
-              </a:spcBef>
-              <a:spcAft>
-                <a:spcPts val="0"/>
-              </a:spcAft>
-              <a:buClrTx/>
-              <a:buSzTx/>
-              <a:buFont typeface="Arial" panose="020B0604020202020204" pitchFamily="34" charset="0"/>
-              <a:buChar char="•"/>
-              <a:tabLst/>
-              <a:defRPr/>
-            </a:pPr>
+              <a:t>Google</a:t>
+            </a:r>
             <a:r>
               <a:rPr lang="en-AU" sz="1200" b="0" i="0" kern="1200" dirty="0" smtClean="0">
                 <a:solidFill>
@@ -2294,20 +2452,14 @@
                 <a:ea typeface="+mn-ea"/>
                 <a:cs typeface="+mn-cs"/>
               </a:rPr>
-              <a:t>100 Data and Analytics Predictions Through 2020</a:t>
-            </a:r>
-            <a:r>
-              <a:rPr lang="ru-RU" sz="1200" b="0" i="0" kern="1200" dirty="0" smtClean="0">
-                <a:solidFill>
-                  <a:schemeClr val="tx1"/>
-                </a:solidFill>
-                <a:effectLst/>
-                <a:latin typeface="+mn-lt"/>
-                <a:ea typeface="+mn-ea"/>
-                <a:cs typeface="+mn-cs"/>
-              </a:rPr>
-              <a:t> </a:t>
-            </a:r>
+              <a:t> - Offering everything from image searches, map searches, news searches, etc. With impressive keyword relevancy and a continuously improving search algorithm, it's easy to see why Google is still the reigning champ.</a:t>
+            </a:r>
+          </a:p>
+          <a:p>
+            <a:pPr marL="0" indent="0">
+              <a:buFont typeface="Arial" panose="020B0604020202020204" pitchFamily="34" charset="0"/>
+              <a:buNone/>
+            </a:pPr>
             <a:r>
               <a:rPr lang="en-AU" sz="1200" b="0" i="0" kern="1200" dirty="0" smtClean="0">
                 <a:solidFill>
@@ -2318,9 +2470,279 @@
                 <a:ea typeface="+mn-ea"/>
                 <a:cs typeface="+mn-cs"/>
               </a:rPr>
-              <a:t>https://www.gartner.com/doc/reprints?id=1-33SAA8U&amp;ct=160418&amp;st=sb</a:t>
-            </a:r>
-            <a:endParaRPr lang="ru-RU" sz="1200" b="0" i="0" kern="1200" dirty="0" smtClean="0">
+              <a:t>Mahalo - Mahalo is a unique 'human-powered' search engine that employs a group of editors to manually sift and organize thousands of pieces of content. Poor guys. </a:t>
+            </a:r>
+          </a:p>
+          <a:p>
+            <a:pPr marL="0" indent="0">
+              <a:buFont typeface="Arial" panose="020B0604020202020204" pitchFamily="34" charset="0"/>
+              <a:buNone/>
+            </a:pPr>
+            <a:r>
+              <a:rPr lang="en-AU" sz="1200" b="0" i="0" kern="1200" dirty="0" smtClean="0">
+                <a:solidFill>
+                  <a:schemeClr val="tx1"/>
+                </a:solidFill>
+                <a:effectLst/>
+                <a:latin typeface="+mn-lt"/>
+                <a:ea typeface="+mn-ea"/>
+                <a:cs typeface="+mn-cs"/>
+              </a:rPr>
+              <a:t>Yahoo - While Yahoo has been suffering as of late, it's still a classic and a popular search engine.</a:t>
+            </a:r>
+          </a:p>
+          <a:p>
+            <a:pPr marL="0" indent="0">
+              <a:buFont typeface="Arial" panose="020B0604020202020204" pitchFamily="34" charset="0"/>
+              <a:buNone/>
+            </a:pPr>
+            <a:r>
+              <a:rPr lang="en-AU" sz="1200" b="0" i="0" kern="1200" dirty="0" smtClean="0">
+                <a:solidFill>
+                  <a:schemeClr val="tx1"/>
+                </a:solidFill>
+                <a:effectLst/>
+                <a:latin typeface="+mn-lt"/>
+                <a:ea typeface="+mn-ea"/>
+                <a:cs typeface="+mn-cs"/>
+              </a:rPr>
+              <a:t>Bing - The Microsoft powered search engine prides itself on being a "decision engine" by offering search suggestions on the side column and providing extra search options.</a:t>
+            </a:r>
+          </a:p>
+          <a:p>
+            <a:pPr marL="0" indent="0">
+              <a:buFont typeface="Arial" panose="020B0604020202020204" pitchFamily="34" charset="0"/>
+              <a:buNone/>
+            </a:pPr>
+            <a:r>
+              <a:rPr lang="en-AU" sz="1200" b="0" i="0" kern="1200" dirty="0" smtClean="0">
+                <a:solidFill>
+                  <a:schemeClr val="tx1"/>
+                </a:solidFill>
+                <a:effectLst/>
+                <a:latin typeface="+mn-lt"/>
+                <a:ea typeface="+mn-ea"/>
+                <a:cs typeface="+mn-cs"/>
+              </a:rPr>
+              <a:t>Ask - Clean layout and handy results grouping.</a:t>
+            </a:r>
+          </a:p>
+          <a:p>
+            <a:pPr marL="0" indent="0">
+              <a:buFont typeface="Arial" panose="020B0604020202020204" pitchFamily="34" charset="0"/>
+              <a:buNone/>
+            </a:pPr>
+            <a:r>
+              <a:rPr lang="en-AU" sz="1200" b="0" i="0" kern="1200" dirty="0" smtClean="0">
+                <a:solidFill>
+                  <a:schemeClr val="tx1"/>
+                </a:solidFill>
+                <a:effectLst/>
+                <a:latin typeface="+mn-lt"/>
+                <a:ea typeface="+mn-ea"/>
+                <a:cs typeface="+mn-cs"/>
+              </a:rPr>
+              <a:t>AOL Search - AOL continues to be used, primarily by people who still use AOL. They're out there somewhere.</a:t>
+            </a:r>
+          </a:p>
+          <a:p>
+            <a:pPr marL="0" indent="0">
+              <a:buFont typeface="Arial" panose="020B0604020202020204" pitchFamily="34" charset="0"/>
+              <a:buNone/>
+            </a:pPr>
+            <a:r>
+              <a:rPr lang="en-AU" sz="1200" b="0" i="0" kern="1200" dirty="0" err="1" smtClean="0">
+                <a:solidFill>
+                  <a:schemeClr val="tx1"/>
+                </a:solidFill>
+                <a:effectLst/>
+                <a:latin typeface="+mn-lt"/>
+                <a:ea typeface="+mn-ea"/>
+                <a:cs typeface="+mn-cs"/>
+              </a:rPr>
+              <a:t>Blekko</a:t>
+            </a:r>
+            <a:r>
+              <a:rPr lang="en-AU" sz="1200" b="0" i="0" kern="1200" dirty="0" smtClean="0">
+                <a:solidFill>
+                  <a:schemeClr val="tx1"/>
+                </a:solidFill>
+                <a:effectLst/>
+                <a:latin typeface="+mn-lt"/>
+                <a:ea typeface="+mn-ea"/>
+                <a:cs typeface="+mn-cs"/>
+              </a:rPr>
+              <a:t> - </a:t>
+            </a:r>
+            <a:r>
+              <a:rPr lang="en-AU" sz="1200" b="0" i="0" kern="1200" dirty="0" err="1" smtClean="0">
+                <a:solidFill>
+                  <a:schemeClr val="tx1"/>
+                </a:solidFill>
+                <a:effectLst/>
+                <a:latin typeface="+mn-lt"/>
+                <a:ea typeface="+mn-ea"/>
+                <a:cs typeface="+mn-cs"/>
+              </a:rPr>
+              <a:t>Blekko's</a:t>
+            </a:r>
+            <a:r>
+              <a:rPr lang="en-AU" sz="1200" b="0" i="0" kern="1200" dirty="0" smtClean="0">
+                <a:solidFill>
+                  <a:schemeClr val="tx1"/>
+                </a:solidFill>
+                <a:effectLst/>
+                <a:latin typeface="+mn-lt"/>
+                <a:ea typeface="+mn-ea"/>
+                <a:cs typeface="+mn-cs"/>
+              </a:rPr>
+              <a:t> clean, minimalist layout is easy to navigate, and /tags allow for grouping searches.</a:t>
+            </a:r>
+          </a:p>
+          <a:p>
+            <a:pPr marL="0" indent="0">
+              <a:buFont typeface="Arial" panose="020B0604020202020204" pitchFamily="34" charset="0"/>
+              <a:buNone/>
+            </a:pPr>
+            <a:r>
+              <a:rPr lang="en-AU" sz="1200" b="0" i="0" kern="1200" dirty="0" err="1" smtClean="0">
+                <a:solidFill>
+                  <a:schemeClr val="tx1"/>
+                </a:solidFill>
+                <a:effectLst/>
+                <a:latin typeface="+mn-lt"/>
+                <a:ea typeface="+mn-ea"/>
+                <a:cs typeface="+mn-cs"/>
+              </a:rPr>
+              <a:t>DogPile</a:t>
+            </a:r>
+            <a:r>
+              <a:rPr lang="en-AU" sz="1200" b="0" i="0" kern="1200" dirty="0" smtClean="0">
+                <a:solidFill>
+                  <a:schemeClr val="tx1"/>
+                </a:solidFill>
+                <a:effectLst/>
+                <a:latin typeface="+mn-lt"/>
+                <a:ea typeface="+mn-ea"/>
+                <a:cs typeface="+mn-cs"/>
+              </a:rPr>
+              <a:t> - the once alternative to Google is getting a comeback and is a great alternative to bigger search engines.</a:t>
+            </a:r>
+          </a:p>
+          <a:p>
+            <a:pPr marL="0" indent="0">
+              <a:buFont typeface="Arial" panose="020B0604020202020204" pitchFamily="34" charset="0"/>
+              <a:buNone/>
+            </a:pPr>
+            <a:r>
+              <a:rPr lang="en-AU" sz="1200" b="0" i="0" kern="1200" dirty="0" smtClean="0">
+                <a:solidFill>
+                  <a:schemeClr val="tx1"/>
+                </a:solidFill>
+                <a:effectLst/>
+                <a:latin typeface="+mn-lt"/>
+                <a:ea typeface="+mn-ea"/>
+                <a:cs typeface="+mn-cs"/>
+              </a:rPr>
+              <a:t>Duck </a:t>
+            </a:r>
+            <a:r>
+              <a:rPr lang="en-AU" sz="1200" b="0" i="0" kern="1200" dirty="0" err="1" smtClean="0">
+                <a:solidFill>
+                  <a:schemeClr val="tx1"/>
+                </a:solidFill>
+                <a:effectLst/>
+                <a:latin typeface="+mn-lt"/>
+                <a:ea typeface="+mn-ea"/>
+                <a:cs typeface="+mn-cs"/>
+              </a:rPr>
+              <a:t>Duck</a:t>
+            </a:r>
+            <a:r>
+              <a:rPr lang="en-AU" sz="1200" b="0" i="0" kern="1200" dirty="0" smtClean="0">
+                <a:solidFill>
+                  <a:schemeClr val="tx1"/>
+                </a:solidFill>
+                <a:effectLst/>
+                <a:latin typeface="+mn-lt"/>
+                <a:ea typeface="+mn-ea"/>
+                <a:cs typeface="+mn-cs"/>
+              </a:rPr>
+              <a:t> Go - Doesn't track your search history and avoids </a:t>
+            </a:r>
+            <a:r>
+              <a:rPr lang="en-AU" sz="1200" b="0" i="0" kern="1200" dirty="0" err="1" smtClean="0">
+                <a:solidFill>
+                  <a:schemeClr val="tx1"/>
+                </a:solidFill>
+                <a:effectLst/>
+                <a:latin typeface="+mn-lt"/>
+                <a:ea typeface="+mn-ea"/>
+                <a:cs typeface="+mn-cs"/>
+              </a:rPr>
+              <a:t>spammy</a:t>
+            </a:r>
+            <a:r>
+              <a:rPr lang="en-AU" sz="1200" b="0" i="0" kern="1200" dirty="0" smtClean="0">
+                <a:solidFill>
+                  <a:schemeClr val="tx1"/>
+                </a:solidFill>
+                <a:effectLst/>
+                <a:latin typeface="+mn-lt"/>
+                <a:ea typeface="+mn-ea"/>
+                <a:cs typeface="+mn-cs"/>
+              </a:rPr>
+              <a:t> sites.</a:t>
+            </a:r>
+          </a:p>
+          <a:p>
+            <a:pPr marL="0" indent="0">
+              <a:buFont typeface="Arial" panose="020B0604020202020204" pitchFamily="34" charset="0"/>
+              <a:buNone/>
+            </a:pPr>
+            <a:r>
+              <a:rPr lang="en-AU" sz="1200" b="0" i="0" kern="1200" dirty="0" smtClean="0">
+                <a:solidFill>
+                  <a:schemeClr val="tx1"/>
+                </a:solidFill>
+                <a:effectLst/>
+                <a:latin typeface="+mn-lt"/>
+                <a:ea typeface="+mn-ea"/>
+                <a:cs typeface="+mn-cs"/>
+              </a:rPr>
+              <a:t>The Internet Archive - This search engine lets users travel back in time to see how web pages looked in years gone by. A very fun search engine to play around with.</a:t>
+            </a:r>
+          </a:p>
+          <a:p>
+            <a:pPr marL="0" indent="0">
+              <a:buFont typeface="Arial" panose="020B0604020202020204" pitchFamily="34" charset="0"/>
+              <a:buNone/>
+            </a:pPr>
+            <a:r>
+              <a:rPr lang="en-AU" sz="1200" b="0" i="0" kern="1200" dirty="0" smtClean="0">
+                <a:solidFill>
+                  <a:schemeClr val="tx1"/>
+                </a:solidFill>
+                <a:effectLst/>
+                <a:latin typeface="+mn-lt"/>
+                <a:ea typeface="+mn-ea"/>
+                <a:cs typeface="+mn-cs"/>
+              </a:rPr>
+              <a:t>Wolfram alpha  - It is not search engine, but computational knowledge </a:t>
+            </a:r>
+            <a:r>
+              <a:rPr lang="en-AU" sz="1200" b="0" i="0" kern="1200" dirty="0" smtClean="0">
+                <a:solidFill>
+                  <a:schemeClr val="tx1"/>
+                </a:solidFill>
+                <a:effectLst/>
+                <a:latin typeface="+mn-lt"/>
+                <a:ea typeface="+mn-ea"/>
+                <a:cs typeface="+mn-cs"/>
+              </a:rPr>
+              <a:t>engine</a:t>
+            </a:r>
+            <a:endParaRPr lang="en-AU" sz="1200" b="0" i="0" kern="1200" dirty="0" smtClean="0">
               <a:solidFill>
                 <a:schemeClr val="tx1"/>
               </a:solidFill>
@@ -2329,33 +2751,6 @@
               <a:ea typeface="+mn-ea"/>
               <a:cs typeface="+mn-cs"/>
             </a:endParaRPr>
-          </a:p>
-          <a:p>
-            <a:pPr marL="171450" marR="0" indent="-171450" algn="l" defTabSz="914400" rtl="0" eaLnBrk="1" fontAlgn="auto" latinLnBrk="0" hangingPunct="1">
-              <a:lnSpc>
-                <a:spcPct val="100000"/>
-              </a:lnSpc>
-              <a:spcBef>
-                <a:spcPts val="0"/>
-              </a:spcBef>
-              <a:spcAft>
-                <a:spcPts val="0"/>
-              </a:spcAft>
-              <a:buClrTx/>
-              <a:buSzTx/>
-              <a:buFont typeface="Arial" panose="020B0604020202020204" pitchFamily="34" charset="0"/>
-              <a:buChar char="•"/>
-              <a:tabLst/>
-              <a:defRPr/>
-            </a:pPr>
-            <a:r>
-              <a:rPr lang="ru-RU" dirty="0" smtClean="0"/>
-              <a:t/>
-            </a:r>
-            <a:br>
-              <a:rPr lang="ru-RU" dirty="0" smtClean="0"/>
-            </a:br>
-            <a:endParaRPr lang="en-AU" dirty="0"/>
           </a:p>
         </p:txBody>
       </p:sp>
@@ -2466,12 +2861,9 @@
                 <a:ea typeface="+mn-ea"/>
                 <a:cs typeface="+mn-cs"/>
               </a:rPr>
-              <a:t>100 Data and Analytics Predictions Through 2020 reprint: </a:t>
-            </a:r>
-            <a:r>
-              <a:rPr lang="en-AU" dirty="0" smtClean="0"/>
-              <a:t>https://www.gartner.com/doc/reprints?id=1-33SAA8U&amp;ct=160418&amp;st=sb</a:t>
-            </a:r>
+              <a:t>Search expectations changed and search engines have no recourse but to respond</a:t>
+            </a:r>
+            <a:endParaRPr lang="en-AU" dirty="0" smtClean="0"/>
           </a:p>
           <a:p>
             <a:endParaRPr lang="en-AU" dirty="0"/>
@@ -2560,12 +2952,31 @@
           <a:p>
             <a:r>
               <a:rPr lang="en-AU" dirty="0" smtClean="0"/>
-              <a:t>* All types share space of</a:t>
+              <a:t>* All </a:t>
+            </a:r>
+            <a:r>
+              <a:rPr lang="en-AU" dirty="0" smtClean="0"/>
+              <a:t>types share space of</a:t>
             </a:r>
             <a:r>
               <a:rPr lang="en-AU" baseline="0" dirty="0" smtClean="0"/>
-              <a:t> index and need the same field types. You can’t use the same field name with different field types across the index</a:t>
-            </a:r>
+              <a:t> index and need the same field types. You can’t use the same field name with different field types across the </a:t>
+            </a:r>
+            <a:r>
+              <a:rPr lang="en-AU" baseline="0" dirty="0" smtClean="0"/>
+              <a:t>index</a:t>
+            </a:r>
+          </a:p>
+          <a:p>
+            <a:r>
+              <a:rPr lang="en-AU" dirty="0" smtClean="0"/>
+              <a:t>** Alias allows to merge, split, swap</a:t>
+            </a:r>
+          </a:p>
+          <a:p>
+            <a:endParaRPr lang="en-AU" dirty="0" smtClean="0"/>
+          </a:p>
+          <a:p>
             <a:endParaRPr lang="en-AU" dirty="0"/>
           </a:p>
         </p:txBody>
@@ -2651,44 +3062,8 @@
           <a:lstStyle/>
           <a:p>
             <a:r>
-              <a:rPr lang="en-AU" sz="1200" b="0" i="0" kern="1200" dirty="0" smtClean="0">
-                <a:solidFill>
-                  <a:schemeClr val="tx1"/>
-                </a:solidFill>
-                <a:effectLst/>
-                <a:latin typeface="+mn-lt"/>
-                <a:ea typeface="+mn-ea"/>
-                <a:cs typeface="+mn-cs"/>
-              </a:rPr>
-              <a:t>Deploying and Scaling </a:t>
-            </a:r>
-            <a:r>
-              <a:rPr lang="en-AU" sz="1200" b="0" i="0" kern="1200" dirty="0" err="1" smtClean="0">
-                <a:solidFill>
-                  <a:schemeClr val="tx1"/>
-                </a:solidFill>
-                <a:effectLst/>
-                <a:latin typeface="+mn-lt"/>
-                <a:ea typeface="+mn-ea"/>
-                <a:cs typeface="+mn-cs"/>
-              </a:rPr>
-              <a:t>Logstash</a:t>
-            </a:r>
-            <a:r>
-              <a:rPr lang="en-AU" sz="1200" b="0" i="0" kern="1200" dirty="0" smtClean="0">
-                <a:solidFill>
-                  <a:schemeClr val="tx1"/>
-                </a:solidFill>
-                <a:effectLst/>
-                <a:latin typeface="+mn-lt"/>
-                <a:ea typeface="+mn-ea"/>
-                <a:cs typeface="+mn-cs"/>
-              </a:rPr>
-              <a:t> </a:t>
-            </a:r>
-            <a:r>
               <a:rPr lang="en-AU" dirty="0" smtClean="0"/>
-              <a:t>https://www.elastic.co/guide/en/logstash/5.0/deploying-and-scaling.html</a:t>
+              <a:t>DSL – domain specific language </a:t>
             </a:r>
             <a:endParaRPr lang="en-AU" dirty="0"/>
           </a:p>
@@ -2711,7 +3086,7 @@
           <a:p>
             <a:fld id="{147DBD60-72A2-4D24-AFED-423EBE31C632}" type="slidenum">
               <a:rPr lang="en-AU" smtClean="0"/>
-              <a:t>6</a:t>
+              <a:t>5</a:t>
             </a:fld>
             <a:endParaRPr lang="en-AU"/>
           </a:p>
@@ -2720,7 +3095,7 @@
     </p:spTree>
     <p:extLst>
       <p:ext uri="{BB962C8B-B14F-4D97-AF65-F5344CB8AC3E}">
-        <p14:creationId xmlns:p14="http://schemas.microsoft.com/office/powerpoint/2010/main" val="3140506622"/>
+        <p14:creationId xmlns:p14="http://schemas.microsoft.com/office/powerpoint/2010/main" val="4238395280"/>
       </p:ext>
     </p:extLst>
   </p:cSld>
@@ -2774,6 +3149,46 @@
           <a:bodyPr/>
           <a:lstStyle/>
           <a:p>
+            <a:r>
+              <a:rPr lang="en-AU" sz="1200" b="0" i="0" kern="1200" dirty="0" smtClean="0">
+                <a:solidFill>
+                  <a:schemeClr val="tx1"/>
+                </a:solidFill>
+                <a:effectLst/>
+                <a:latin typeface="+mn-lt"/>
+                <a:ea typeface="+mn-ea"/>
+                <a:cs typeface="+mn-cs"/>
+              </a:rPr>
+              <a:t>Deploying and Scaling </a:t>
+            </a:r>
+            <a:r>
+              <a:rPr lang="en-AU" sz="1200" b="0" i="0" kern="1200" dirty="0" err="1" smtClean="0">
+                <a:solidFill>
+                  <a:schemeClr val="tx1"/>
+                </a:solidFill>
+                <a:effectLst/>
+                <a:latin typeface="+mn-lt"/>
+                <a:ea typeface="+mn-ea"/>
+                <a:cs typeface="+mn-cs"/>
+              </a:rPr>
+              <a:t>Logstash</a:t>
+            </a:r>
+            <a:r>
+              <a:rPr lang="en-AU" sz="1200" b="0" i="0" kern="1200" dirty="0" smtClean="0">
+                <a:solidFill>
+                  <a:schemeClr val="tx1"/>
+                </a:solidFill>
+                <a:effectLst/>
+                <a:latin typeface="+mn-lt"/>
+                <a:ea typeface="+mn-ea"/>
+                <a:cs typeface="+mn-cs"/>
+              </a:rPr>
+              <a:t> </a:t>
+            </a:r>
+            <a:r>
+              <a:rPr lang="en-AU" dirty="0" smtClean="0"/>
+              <a:t>https://www.elastic.co/guide/en/logstash/5.0/deploying-and-scaling.html</a:t>
+            </a:r>
             <a:endParaRPr lang="en-AU" dirty="0"/>
           </a:p>
         </p:txBody>
@@ -2795,7 +3210,7 @@
           <a:p>
             <a:fld id="{147DBD60-72A2-4D24-AFED-423EBE31C632}" type="slidenum">
               <a:rPr lang="en-AU" smtClean="0"/>
-              <a:t>7</a:t>
+              <a:t>6</a:t>
             </a:fld>
             <a:endParaRPr lang="en-AU"/>
           </a:p>
@@ -2804,7 +3219,7 @@
     </p:spTree>
     <p:extLst>
       <p:ext uri="{BB962C8B-B14F-4D97-AF65-F5344CB8AC3E}">
-        <p14:creationId xmlns:p14="http://schemas.microsoft.com/office/powerpoint/2010/main" val="1039974734"/>
+        <p14:creationId xmlns:p14="http://schemas.microsoft.com/office/powerpoint/2010/main" val="3140506622"/>
       </p:ext>
     </p:extLst>
   </p:cSld>
@@ -2858,14 +3273,6 @@
           <a:bodyPr/>
           <a:lstStyle/>
           <a:p>
-            <a:r>
-              <a:rPr lang="en-AU" dirty="0" smtClean="0"/>
-              <a:t>The content is stored in hidden folder and hidden files. You can rename, move parent folder or delete hidden one. It</a:t>
-            </a:r>
-            <a:r>
-              <a:rPr lang="en-AU" baseline="0" dirty="0" smtClean="0"/>
-              <a:t> is stable</a:t>
-            </a:r>
             <a:endParaRPr lang="en-AU" dirty="0"/>
           </a:p>
         </p:txBody>
@@ -2887,7 +3294,7 @@
           <a:p>
             <a:fld id="{147DBD60-72A2-4D24-AFED-423EBE31C632}" type="slidenum">
               <a:rPr lang="en-AU" smtClean="0"/>
-              <a:t>8</a:t>
+              <a:t>7</a:t>
             </a:fld>
             <a:endParaRPr lang="en-AU"/>
           </a:p>
@@ -2896,7 +3303,7 @@
     </p:spTree>
     <p:extLst>
       <p:ext uri="{BB962C8B-B14F-4D97-AF65-F5344CB8AC3E}">
-        <p14:creationId xmlns:p14="http://schemas.microsoft.com/office/powerpoint/2010/main" val="3071915243"/>
+        <p14:creationId xmlns:p14="http://schemas.microsoft.com/office/powerpoint/2010/main" val="1039974734"/>
       </p:ext>
     </p:extLst>
   </p:cSld>
@@ -2952,7 +3359,52 @@
           <a:p>
             <a:r>
               <a:rPr lang="en-AU" dirty="0" smtClean="0"/>
-              <a:t>Project Oxford</a:t>
+              <a:t>* The </a:t>
+            </a:r>
+            <a:r>
+              <a:rPr lang="en-AU" dirty="0" smtClean="0"/>
+              <a:t>content is stored in hidden folder and hidden </a:t>
+            </a:r>
+            <a:r>
+              <a:rPr lang="en-AU" dirty="0" err="1" smtClean="0"/>
+              <a:t>Json</a:t>
+            </a:r>
+            <a:r>
+              <a:rPr lang="en-AU" dirty="0" smtClean="0"/>
+              <a:t> files</a:t>
+            </a:r>
+            <a:r>
+              <a:rPr lang="en-AU" dirty="0" smtClean="0"/>
+              <a:t>. You can rename, move parent folder or delete hidden one. It</a:t>
+            </a:r>
+            <a:r>
+              <a:rPr lang="en-AU" baseline="0" dirty="0" smtClean="0"/>
+              <a:t> is </a:t>
+            </a:r>
+            <a:r>
+              <a:rPr lang="en-AU" baseline="0" dirty="0" smtClean="0"/>
+              <a:t>stable</a:t>
+            </a:r>
+          </a:p>
+          <a:p>
+            <a:endParaRPr lang="en-AU" baseline="0" dirty="0" smtClean="0"/>
+          </a:p>
+          <a:p>
+            <a:r>
+              <a:rPr lang="en-AU" dirty="0" smtClean="0"/>
+              <a:t>** Index could be done</a:t>
+            </a:r>
+            <a:r>
+              <a:rPr lang="en-AU" baseline="0" dirty="0" smtClean="0"/>
+              <a:t> with different  DFS (logical) full path. </a:t>
+            </a:r>
+            <a:r>
+              <a:rPr lang="en-AU" baseline="0" dirty="0" err="1" smtClean="0"/>
+              <a:t>Json</a:t>
+            </a:r>
+            <a:r>
+              <a:rPr lang="en-AU" baseline="0" dirty="0" smtClean="0"/>
+              <a:t> file does not have full path attribute!</a:t>
             </a:r>
             <a:endParaRPr lang="en-AU" dirty="0"/>
           </a:p>
@@ -2975,7 +3427,7 @@
           <a:p>
             <a:fld id="{147DBD60-72A2-4D24-AFED-423EBE31C632}" type="slidenum">
               <a:rPr lang="en-AU" smtClean="0"/>
-              <a:t>9</a:t>
+              <a:t>8</a:t>
             </a:fld>
             <a:endParaRPr lang="en-AU"/>
           </a:p>
@@ -2984,7 +3436,7 @@
     </p:spTree>
     <p:extLst>
       <p:ext uri="{BB962C8B-B14F-4D97-AF65-F5344CB8AC3E}">
-        <p14:creationId xmlns:p14="http://schemas.microsoft.com/office/powerpoint/2010/main" val="2136666312"/>
+        <p14:creationId xmlns:p14="http://schemas.microsoft.com/office/powerpoint/2010/main" val="3071915243"/>
       </p:ext>
     </p:extLst>
   </p:cSld>
@@ -3039,8 +3491,147 @@
           <a:lstStyle/>
           <a:p>
             <a:r>
+              <a:rPr lang="en-AU" dirty="0" smtClean="0">
+                <a:hlinkClick r:id="rId3"/>
+              </a:rPr>
+              <a:t>Cognitive services</a:t>
+            </a:r>
+            <a:r>
               <a:rPr lang="en-AU" dirty="0" smtClean="0"/>
-              <a:t>* controllers</a:t>
+              <a:t> aka Project Oxford.</a:t>
+            </a:r>
+          </a:p>
+          <a:p>
+            <a:endParaRPr lang="en-AU" dirty="0" smtClean="0"/>
+          </a:p>
+          <a:p>
+            <a:r>
+              <a:rPr lang="en-AU" dirty="0" smtClean="0"/>
+              <a:t>Scott </a:t>
+            </a:r>
+            <a:r>
+              <a:rPr lang="en-AU" dirty="0" err="1" smtClean="0"/>
+              <a:t>Hanselman</a:t>
+            </a:r>
+            <a:r>
+              <a:rPr lang="en-AU" dirty="0" smtClean="0"/>
+              <a:t>: </a:t>
+            </a:r>
+            <a:r>
+              <a:rPr lang="en-AU" sz="1200" b="1" i="0" u="none" strike="noStrike" kern="1200" dirty="0" smtClean="0">
+                <a:solidFill>
+                  <a:schemeClr val="tx1"/>
+                </a:solidFill>
+                <a:effectLst/>
+                <a:latin typeface="+mn-lt"/>
+                <a:ea typeface="+mn-ea"/>
+                <a:cs typeface="+mn-cs"/>
+                <a:hlinkClick r:id="rId4"/>
+              </a:rPr>
+              <a:t>RFC: Server-side Image and Graphics Processing with .NET Core and ASP.NET 5</a:t>
+            </a:r>
+            <a:endParaRPr lang="en-AU" sz="1200" b="1" i="0" kern="1200" dirty="0" smtClean="0">
+              <a:solidFill>
+                <a:schemeClr val="tx1"/>
+              </a:solidFill>
+              <a:effectLst/>
+              <a:latin typeface="+mn-lt"/>
+              <a:ea typeface="+mn-ea"/>
+              <a:cs typeface="+mn-cs"/>
+            </a:endParaRPr>
+          </a:p>
+          <a:p>
+            <a:r>
+              <a:rPr lang="en-AU" sz="1200" b="0" i="0" kern="1200" dirty="0" smtClean="0">
+                <a:solidFill>
+                  <a:schemeClr val="tx1"/>
+                </a:solidFill>
+                <a:effectLst/>
+                <a:latin typeface="+mn-lt"/>
+                <a:ea typeface="+mn-ea"/>
+                <a:cs typeface="+mn-cs"/>
+              </a:rPr>
+              <a:t>Currently, as of the time of this blog post's writing, .NET Core has no good built-in option for image resizing or image generation/creation. There is no </a:t>
+            </a:r>
+            <a:r>
+              <a:rPr lang="en-AU" sz="1200" b="0" i="0" kern="1200" dirty="0" err="1" smtClean="0">
+                <a:solidFill>
+                  <a:schemeClr val="tx1"/>
+                </a:solidFill>
+                <a:effectLst/>
+                <a:latin typeface="+mn-lt"/>
+                <a:ea typeface="+mn-ea"/>
+                <a:cs typeface="+mn-cs"/>
+              </a:rPr>
+              <a:t>System.Drawing</a:t>
+            </a:r>
+            <a:r>
+              <a:rPr lang="en-AU" sz="1200" b="0" i="0" kern="1200" dirty="0" smtClean="0">
+                <a:solidFill>
+                  <a:schemeClr val="tx1"/>
+                </a:solidFill>
+                <a:effectLst/>
+                <a:latin typeface="+mn-lt"/>
+                <a:ea typeface="+mn-ea"/>
+                <a:cs typeface="+mn-cs"/>
+              </a:rPr>
+              <a:t> because there is no Win32 GDI. There are some options, that I'll point out later, but this clearly hasn't been a priority so it's not done yet. There has been some work on </a:t>
+            </a:r>
+            <a:r>
+              <a:rPr lang="en-AU" sz="1200" b="0" i="0" kern="1200" dirty="0" err="1" smtClean="0">
+                <a:solidFill>
+                  <a:schemeClr val="tx1"/>
+                </a:solidFill>
+                <a:effectLst/>
+                <a:latin typeface="+mn-lt"/>
+                <a:ea typeface="+mn-ea"/>
+                <a:cs typeface="+mn-cs"/>
+              </a:rPr>
+              <a:t>System.Drawing.Graphics</a:t>
+            </a:r>
+            <a:r>
+              <a:rPr lang="en-AU" sz="1200" b="0" i="0" kern="1200" dirty="0" smtClean="0">
+                <a:solidFill>
+                  <a:schemeClr val="tx1"/>
+                </a:solidFill>
+                <a:effectLst/>
+                <a:latin typeface="+mn-lt"/>
+                <a:ea typeface="+mn-ea"/>
+                <a:cs typeface="+mn-cs"/>
+              </a:rPr>
+              <a:t>, but </a:t>
+            </a:r>
+            <a:r>
+              <a:rPr lang="en-AU" sz="1200" b="0" i="0" u="none" strike="noStrike" kern="1200" dirty="0" smtClean="0">
+                <a:solidFill>
+                  <a:schemeClr val="tx1"/>
+                </a:solidFill>
+                <a:effectLst/>
+                <a:latin typeface="+mn-lt"/>
+                <a:ea typeface="+mn-ea"/>
+                <a:cs typeface="+mn-cs"/>
+                <a:hlinkClick r:id="rId5"/>
+              </a:rPr>
+              <a:t>it seems stalled</a:t>
+            </a:r>
+            <a:r>
+              <a:rPr lang="en-AU" sz="1200" b="0" i="0" kern="1200" dirty="0" smtClean="0">
+                <a:solidFill>
+                  <a:schemeClr val="tx1"/>
+                </a:solidFill>
+                <a:effectLst/>
+                <a:latin typeface="+mn-lt"/>
+                <a:ea typeface="+mn-ea"/>
+                <a:cs typeface="+mn-cs"/>
+              </a:rPr>
+              <a:t>.</a:t>
+            </a:r>
+            <a:endParaRPr lang="en-AU" dirty="0" smtClean="0"/>
+          </a:p>
+          <a:p>
+            <a:r>
+              <a:rPr lang="en-AU" dirty="0" smtClean="0"/>
+              <a:t>http://www.hanselman.com/blog/RFCServersideImageAndGraphicsProcessingWithNETCoreAndASPNET5.aspx</a:t>
             </a:r>
             <a:endParaRPr lang="en-AU" dirty="0"/>
           </a:p>
@@ -3063,7 +3654,7 @@
           <a:p>
             <a:fld id="{147DBD60-72A2-4D24-AFED-423EBE31C632}" type="slidenum">
               <a:rPr lang="en-AU" smtClean="0"/>
-              <a:t>10</a:t>
+              <a:t>9</a:t>
             </a:fld>
             <a:endParaRPr lang="en-AU"/>
           </a:p>
@@ -3072,7 +3663,7 @@
     </p:spTree>
     <p:extLst>
       <p:ext uri="{BB962C8B-B14F-4D97-AF65-F5344CB8AC3E}">
-        <p14:creationId xmlns:p14="http://schemas.microsoft.com/office/powerpoint/2010/main" val="3404796899"/>
+        <p14:creationId xmlns:p14="http://schemas.microsoft.com/office/powerpoint/2010/main" val="2136666312"/>
       </p:ext>
     </p:extLst>
   </p:cSld>
@@ -3485,7 +4076,7 @@
           <a:p>
             <a:fld id="{83284890-85D2-4D7B-8EF5-15A9C1DB8F42}" type="datetimeFigureOut">
               <a:rPr lang="en-US" dirty="0"/>
-              <a:t>6/9/2016</a:t>
+              <a:t>6/11/2016</a:t>
             </a:fld>
             <a:endParaRPr lang="en-US" dirty="0"/>
           </a:p>
@@ -3660,7 +4251,7 @@
           <a:p>
             <a:fld id="{87157CC2-0FC8-4686-B024-99790E0F5162}" type="datetimeFigureOut">
               <a:rPr lang="en-US" dirty="0"/>
-              <a:t>6/9/2016</a:t>
+              <a:t>6/11/2016</a:t>
             </a:fld>
             <a:endParaRPr lang="en-US" dirty="0"/>
           </a:p>
@@ -3835,7 +4426,7 @@
           <a:p>
             <a:fld id="{F6764DA5-CD3D-4590-A511-FCD3BC7A793E}" type="datetimeFigureOut">
               <a:rPr lang="en-US" dirty="0"/>
-              <a:t>6/9/2016</a:t>
+              <a:t>6/11/2016</a:t>
             </a:fld>
             <a:endParaRPr lang="en-US" dirty="0"/>
           </a:p>
@@ -4000,7 +4591,7 @@
           <a:p>
             <a:fld id="{82F5661D-6934-4B32-B92C-470368BF1EC6}" type="datetimeFigureOut">
               <a:rPr lang="en-US" dirty="0"/>
-              <a:t>6/9/2016</a:t>
+              <a:t>6/11/2016</a:t>
             </a:fld>
             <a:endParaRPr lang="en-US" dirty="0"/>
           </a:p>
@@ -4308,7 +4899,7 @@
           <a:p>
             <a:fld id="{C6F822A4-8DA6-4447-9B1F-C5DB58435268}" type="datetimeFigureOut">
               <a:rPr lang="en-US" dirty="0"/>
-              <a:t>6/9/2016</a:t>
+              <a:t>6/11/2016</a:t>
             </a:fld>
             <a:endParaRPr lang="en-US" dirty="0"/>
           </a:p>
@@ -4690,7 +5281,7 @@
           <a:p>
             <a:fld id="{E548D31E-DCDA-41A7-9C67-C4B11B94D21D}" type="datetimeFigureOut">
               <a:rPr lang="en-US" dirty="0"/>
-              <a:t>6/9/2016</a:t>
+              <a:t>6/11/2016</a:t>
             </a:fld>
             <a:endParaRPr lang="en-US" dirty="0"/>
           </a:p>
@@ -5119,7 +5710,7 @@
           <a:p>
             <a:fld id="{9B3762C0-B258-48F1-ADE6-176B4174CCDD}" type="datetimeFigureOut">
               <a:rPr lang="en-US" dirty="0"/>
-              <a:t>6/9/2016</a:t>
+              <a:t>6/11/2016</a:t>
             </a:fld>
             <a:endParaRPr lang="en-US" dirty="0"/>
           </a:p>
@@ -5232,7 +5823,7 @@
           <a:p>
             <a:fld id="{677919A6-33EB-49BD-A62F-1FA56B9F9712}" type="datetimeFigureOut">
               <a:rPr lang="en-US" dirty="0"/>
-              <a:t>6/9/2016</a:t>
+              <a:t>6/11/2016</a:t>
             </a:fld>
             <a:endParaRPr lang="en-US" dirty="0"/>
           </a:p>
@@ -5322,7 +5913,7 @@
           <a:p>
             <a:fld id="{CA4E7D1B-D673-4CF6-8672-009D42ABD2A0}" type="datetimeFigureOut">
               <a:rPr lang="en-US" dirty="0"/>
-              <a:t>6/9/2016</a:t>
+              <a:t>6/11/2016</a:t>
             </a:fld>
             <a:endParaRPr lang="en-US" dirty="0"/>
           </a:p>
@@ -5667,7 +6258,7 @@
           <a:p>
             <a:fld id="{DA16AA21-1863-4931-97CB-99D0A168701B}" type="datetimeFigureOut">
               <a:rPr lang="en-US" dirty="0"/>
-              <a:t>6/9/2016</a:t>
+              <a:t>6/11/2016</a:t>
             </a:fld>
             <a:endParaRPr lang="en-US" dirty="0"/>
           </a:p>
@@ -6087,7 +6678,7 @@
           <a:p>
             <a:fld id="{3772C379-9A7C-4C87-A116-CBE9F58B04C5}" type="datetimeFigureOut">
               <a:rPr lang="en-US" dirty="0"/>
-              <a:t>6/9/2016</a:t>
+              <a:t>6/11/2016</a:t>
             </a:fld>
             <a:endParaRPr lang="en-US" dirty="0"/>
           </a:p>
@@ -6363,7 +6954,7 @@
           <a:p>
             <a:fld id="{8664C608-40B1-4030-A28D-5B74BC98ADCE}" type="datetimeFigureOut">
               <a:rPr lang="en-US" dirty="0"/>
-              <a:t>6/9/2016</a:t>
+              <a:t>6/11/2016</a:t>
             </a:fld>
             <a:endParaRPr lang="en-US" dirty="0"/>
           </a:p>
@@ -7528,6 +8119,14 @@
               <a:rPr lang="en-AU" dirty="0" err="1" smtClean="0"/>
               <a:t>Grok</a:t>
             </a:r>
+            <a:r>
+              <a:rPr lang="en-AU" dirty="0" smtClean="0"/>
+              <a:t>,  </a:t>
+            </a:r>
+            <a:r>
+              <a:rPr lang="en-AU" dirty="0" err="1" smtClean="0"/>
+              <a:t>Redis</a:t>
+            </a:r>
             <a:endParaRPr lang="en-AU" dirty="0"/>
           </a:p>
         </p:txBody>
@@ -7720,8 +8319,8 @@
         </p:nvSpPr>
         <p:spPr>
           <a:xfrm>
-            <a:off x="273132" y="3154236"/>
-            <a:ext cx="1441473" cy="500865"/>
+            <a:off x="171141" y="3154236"/>
+            <a:ext cx="3280229" cy="500865"/>
           </a:xfrm>
           <a:prstGeom prst="flowChartMultidocument">
             <a:avLst/>
@@ -7752,10 +8351,26 @@
           <a:p>
             <a:pPr algn="ctr"/>
             <a:r>
-              <a:rPr lang="en-AU" dirty="0" smtClean="0"/>
-              <a:t>plugins</a:t>
-            </a:r>
-            <a:endParaRPr lang="en-AU" dirty="0"/>
+              <a:rPr lang="en-AU" sz="1600" dirty="0" smtClean="0"/>
+              <a:t>Plugins (x-pack, </a:t>
+            </a:r>
+            <a:r>
+              <a:rPr lang="en-AU" sz="1600" dirty="0" err="1" smtClean="0"/>
+              <a:t>timelion</a:t>
+            </a:r>
+            <a:r>
+              <a:rPr lang="en-AU" sz="1600" dirty="0"/>
+              <a:t> </a:t>
+            </a:r>
+            <a:r>
+              <a:rPr lang="en-AU" sz="1600" dirty="0" smtClean="0"/>
+              <a:t>.</a:t>
+            </a:r>
+            <a:r>
+              <a:rPr lang="en-AU" sz="1600" dirty="0" smtClean="0"/>
+              <a:t>..)</a:t>
+            </a:r>
+            <a:endParaRPr lang="en-AU" sz="1600" dirty="0"/>
           </a:p>
         </p:txBody>
       </p:sp>
@@ -7960,17 +8575,10 @@
           <a:p>
             <a:pPr algn="ctr"/>
             <a:r>
-              <a:rPr lang="en-AU" sz="1100" dirty="0" smtClean="0"/>
-              <a:t>Search</a:t>
-            </a:r>
-          </a:p>
-          <a:p>
-            <a:pPr algn="ctr"/>
-            <a:r>
-              <a:rPr lang="en-AU" sz="1100" dirty="0" smtClean="0"/>
+              <a:rPr lang="en-AU" sz="1400" dirty="0" smtClean="0"/>
               <a:t>Bulk</a:t>
             </a:r>
-            <a:endParaRPr lang="en-AU" sz="1100" dirty="0"/>
+            <a:endParaRPr lang="en-AU" sz="1400" dirty="0"/>
           </a:p>
         </p:txBody>
       </p:sp>
@@ -8025,6 +8633,10 @@
           </a:p>
           <a:p>
             <a:pPr algn="ctr"/>
+            <a:endParaRPr lang="en-AU" sz="1100" dirty="0" smtClean="0"/>
+          </a:p>
+          <a:p>
+            <a:pPr algn="ctr"/>
             <a:endParaRPr lang="en-AU" sz="1100" dirty="0"/>
           </a:p>
           <a:p>
@@ -8034,15 +8646,8 @@
           <a:p>
             <a:pPr algn="ctr"/>
             <a:r>
-              <a:rPr lang="en-AU" sz="1100" dirty="0" smtClean="0"/>
-              <a:t>Search</a:t>
-            </a:r>
-          </a:p>
-          <a:p>
-            <a:pPr algn="ctr"/>
-            <a:r>
-              <a:rPr lang="en-AU" sz="1100" dirty="0" smtClean="0"/>
-              <a:t>Bulk</a:t>
+              <a:rPr lang="en-AU" sz="1400" smtClean="0"/>
+              <a:t>Call</a:t>
             </a:r>
           </a:p>
           <a:p>
@@ -8052,53 +8657,6 @@
           <a:p>
             <a:pPr algn="ctr"/>
             <a:endParaRPr lang="en-AU" sz="1400" dirty="0" smtClean="0"/>
-          </a:p>
-        </p:txBody>
-      </p:sp>
-      <p:sp>
-        <p:nvSpPr>
-          <p:cNvPr id="21" name="Flowchart: Predefined Process 20"/>
-          <p:cNvSpPr/>
-          <p:nvPr/>
-        </p:nvSpPr>
-        <p:spPr>
-          <a:xfrm>
-            <a:off x="2040183" y="3168031"/>
-            <a:ext cx="1391064" cy="439387"/>
-          </a:xfrm>
-          <a:prstGeom prst="flowChartPredefinedProcess">
-            <a:avLst/>
-          </a:prstGeom>
-          <a:solidFill>
-            <a:srgbClr val="92D050"/>
-          </a:solidFill>
-        </p:spPr>
-        <p:style>
-          <a:lnRef idx="2">
-            <a:schemeClr val="accent1">
-              <a:shade val="50000"/>
-            </a:schemeClr>
-          </a:lnRef>
-          <a:fillRef idx="1">
-            <a:schemeClr val="accent1"/>
-          </a:fillRef>
-          <a:effectRef idx="0">
-            <a:schemeClr val="accent1"/>
-          </a:effectRef>
-          <a:fontRef idx="minor">
-            <a:schemeClr val="lt1"/>
-          </a:fontRef>
-        </p:style>
-        <p:txBody>
-          <a:bodyPr rtlCol="0" anchor="ctr"/>
-          <a:lstStyle/>
-          <a:p>
-            <a:pPr algn="ctr"/>
-            <a:r>
-              <a:rPr lang="en-AU" dirty="0" err="1" smtClean="0"/>
-              <a:t>xPack</a:t>
-            </a:r>
-            <a:endParaRPr lang="en-AU" dirty="0"/>
           </a:p>
         </p:txBody>
       </p:sp>
@@ -8555,7 +9113,7 @@
                                           </p:stCondLst>
                                         </p:cTn>
                                         <p:tgtEl>
-                                          <p:spTgt spid="21"/>
+                                          <p:spTgt spid="23"/>
                                         </p:tgtEl>
                                         <p:attrNameLst>
                                           <p:attrName>style.visibility</p:attrName>
@@ -8569,7 +9127,7 @@
                                       <p:cBhvr additive="base">
                                         <p:cTn id="31" dur="500" fill="hold"/>
                                         <p:tgtEl>
-                                          <p:spTgt spid="21"/>
+                                          <p:spTgt spid="23"/>
                                         </p:tgtEl>
                                         <p:attrNameLst>
                                           <p:attrName>ppt_x</p:attrName>
@@ -8592,7 +9150,7 @@
                                       <p:cBhvr additive="base">
                                         <p:cTn id="32" dur="500" fill="hold"/>
                                         <p:tgtEl>
-                                          <p:spTgt spid="21"/>
+                                          <p:spTgt spid="23"/>
                                         </p:tgtEl>
                                         <p:attrNameLst>
                                           <p:attrName>ppt_y</p:attrName>
@@ -8628,7 +9186,7 @@
                                           </p:stCondLst>
                                         </p:cTn>
                                         <p:tgtEl>
-                                          <p:spTgt spid="23"/>
+                                          <p:spTgt spid="12"/>
                                         </p:tgtEl>
                                         <p:attrNameLst>
                                           <p:attrName>style.visibility</p:attrName>
@@ -8642,7 +9200,7 @@
                                       <p:cBhvr additive="base">
                                         <p:cTn id="35" dur="500" fill="hold"/>
                                         <p:tgtEl>
-                                          <p:spTgt spid="23"/>
+                                          <p:spTgt spid="12"/>
                                         </p:tgtEl>
                                         <p:attrNameLst>
                                           <p:attrName>ppt_x</p:attrName>
@@ -8665,7 +9223,7 @@
                                       <p:cBhvr additive="base">
                                         <p:cTn id="36" dur="500" fill="hold"/>
                                         <p:tgtEl>
-                                          <p:spTgt spid="23"/>
+                                          <p:spTgt spid="12"/>
                                         </p:tgtEl>
                                         <p:attrNameLst>
                                           <p:attrName>ppt_y</p:attrName>
@@ -8701,7 +9259,7 @@
                                           </p:stCondLst>
                                         </p:cTn>
                                         <p:tgtEl>
-                                          <p:spTgt spid="12"/>
+                                          <p:spTgt spid="13"/>
                                         </p:tgtEl>
                                         <p:attrNameLst>
                                           <p:attrName>style.visibility</p:attrName>
@@ -8715,7 +9273,7 @@
                                       <p:cBhvr additive="base">
                                         <p:cTn id="39" dur="500" fill="hold"/>
                                         <p:tgtEl>
-                                          <p:spTgt spid="12"/>
+                                          <p:spTgt spid="13"/>
                                         </p:tgtEl>
                                         <p:attrNameLst>
                                           <p:attrName>ppt_x</p:attrName>
@@ -8738,7 +9296,7 @@
                                       <p:cBhvr additive="base">
                                         <p:cTn id="40" dur="500" fill="hold"/>
                                         <p:tgtEl>
-                                          <p:spTgt spid="12"/>
+                                          <p:spTgt spid="13"/>
                                         </p:tgtEl>
                                         <p:attrNameLst>
                                           <p:attrName>ppt_y</p:attrName>
@@ -8774,7 +9332,7 @@
                                           </p:stCondLst>
                                         </p:cTn>
                                         <p:tgtEl>
-                                          <p:spTgt spid="13"/>
+                                          <p:spTgt spid="22"/>
                                         </p:tgtEl>
                                         <p:attrNameLst>
                                           <p:attrName>style.visibility</p:attrName>
@@ -8788,7 +9346,7 @@
                                       <p:cBhvr additive="base">
                                         <p:cTn id="43" dur="500" fill="hold"/>
                                         <p:tgtEl>
-                                          <p:spTgt spid="13"/>
+                                          <p:spTgt spid="22"/>
                                         </p:tgtEl>
                                         <p:attrNameLst>
                                           <p:attrName>ppt_x</p:attrName>
@@ -8811,7 +9369,7 @@
                                       <p:cBhvr additive="base">
                                         <p:cTn id="44" dur="500" fill="hold"/>
                                         <p:tgtEl>
-                                          <p:spTgt spid="13"/>
+                                          <p:spTgt spid="22"/>
                                         </p:tgtEl>
                                         <p:attrNameLst>
                                           <p:attrName>ppt_y</p:attrName>
@@ -8847,7 +9405,7 @@
                                           </p:stCondLst>
                                         </p:cTn>
                                         <p:tgtEl>
-                                          <p:spTgt spid="22"/>
+                                          <p:spTgt spid="8"/>
                                         </p:tgtEl>
                                         <p:attrNameLst>
                                           <p:attrName>style.visibility</p:attrName>
@@ -8861,7 +9419,7 @@
                                       <p:cBhvr additive="base">
                                         <p:cTn id="47" dur="500" fill="hold"/>
                                         <p:tgtEl>
-                                          <p:spTgt spid="22"/>
+                                          <p:spTgt spid="8"/>
                                         </p:tgtEl>
                                         <p:attrNameLst>
                                           <p:attrName>ppt_x</p:attrName>
@@ -8884,7 +9442,7 @@
                                       <p:cBhvr additive="base">
                                         <p:cTn id="48" dur="500" fill="hold"/>
                                         <p:tgtEl>
-                                          <p:spTgt spid="22"/>
+                                          <p:spTgt spid="8"/>
                                         </p:tgtEl>
                                         <p:attrNameLst>
                                           <p:attrName>ppt_y</p:attrName>
@@ -8920,7 +9478,7 @@
                                           </p:stCondLst>
                                         </p:cTn>
                                         <p:tgtEl>
-                                          <p:spTgt spid="8"/>
+                                          <p:spTgt spid="4"/>
                                         </p:tgtEl>
                                         <p:attrNameLst>
                                           <p:attrName>style.visibility</p:attrName>
@@ -8934,7 +9492,7 @@
                                       <p:cBhvr additive="base">
                                         <p:cTn id="51" dur="500" fill="hold"/>
                                         <p:tgtEl>
-                                          <p:spTgt spid="8"/>
+                                          <p:spTgt spid="4"/>
                                         </p:tgtEl>
                                         <p:attrNameLst>
                                           <p:attrName>ppt_x</p:attrName>
@@ -8957,7 +9515,7 @@
                                       <p:cBhvr additive="base">
                                         <p:cTn id="52" dur="500" fill="hold"/>
                                         <p:tgtEl>
-                                          <p:spTgt spid="8"/>
+                                          <p:spTgt spid="4"/>
                                         </p:tgtEl>
                                         <p:attrNameLst>
                                           <p:attrName>ppt_y</p:attrName>
@@ -8980,7 +9538,7 @@
                                 </p:cTn>
                               </p:par>
                               <p:par>
-                                <p:cTn id="53" presetID="2" presetClass="entr" presetSubtype="4" fill="hold" grpId="0" nodeType="withEffect">
+                                <p:cTn id="53" presetID="2" presetClass="entr" presetSubtype="4" fill="hold" nodeType="withEffect">
                                   <p:stCondLst>
                                     <p:cond delay="0"/>
                                   </p:stCondLst>
@@ -8993,7 +9551,7 @@
                                           </p:stCondLst>
                                         </p:cTn>
                                         <p:tgtEl>
-                                          <p:spTgt spid="4"/>
+                                          <p:spTgt spid="6"/>
                                         </p:tgtEl>
                                         <p:attrNameLst>
                                           <p:attrName>style.visibility</p:attrName>
@@ -9007,7 +9565,7 @@
                                       <p:cBhvr additive="base">
                                         <p:cTn id="55" dur="500" fill="hold"/>
                                         <p:tgtEl>
-                                          <p:spTgt spid="4"/>
+                                          <p:spTgt spid="6"/>
                                         </p:tgtEl>
                                         <p:attrNameLst>
                                           <p:attrName>ppt_x</p:attrName>
@@ -9029,79 +9587,6 @@
                                     <p:anim calcmode="lin" valueType="num">
                                       <p:cBhvr additive="base">
                                         <p:cTn id="56" dur="500" fill="hold"/>
-                                        <p:tgtEl>
-                                          <p:spTgt spid="4"/>
-                                        </p:tgtEl>
-                                        <p:attrNameLst>
-                                          <p:attrName>ppt_y</p:attrName>
-                                        </p:attrNameLst>
-                                      </p:cBhvr>
-                                      <p:tavLst>
-                                        <p:tav tm="0">
-                                          <p:val>
-                                            <p:strVal val="1+#ppt_h/2"/>
-                                          </p:val>
-                                        </p:tav>
-                                        <p:tav tm="100000">
-                                          <p:val>
-                                            <p:strVal val="#ppt_y"/>
-                                          </p:val>
-                                        </p:tav>
-                                      </p:tavLst>
-                                    </p:anim>
-                                  </p:childTnLst>
-                                </p:cTn>
-                              </p:par>
-                              <p:par>
-                                <p:cTn id="57" presetID="2" presetClass="entr" presetSubtype="4" fill="hold" nodeType="withEffect">
-                                  <p:stCondLst>
-                                    <p:cond delay="0"/>
-                                  </p:stCondLst>
-                                  <p:childTnLst>
-                                    <p:set>
-                                      <p:cBhvr>
-                                        <p:cTn id="58" dur="1" fill="hold">
-                                          <p:stCondLst>
-                                            <p:cond delay="0"/>
-                                          </p:stCondLst>
-                                        </p:cTn>
-                                        <p:tgtEl>
-                                          <p:spTgt spid="6"/>
-                                        </p:tgtEl>
-                                        <p:attrNameLst>
-                                          <p:attrName>style.visibility</p:attrName>
-                                        </p:attrNameLst>
-                                      </p:cBhvr>
-                                      <p:to>
-                                        <p:strVal val="visible"/>
-                                      </p:to>
-                                    </p:set>
-                                    <p:anim calcmode="lin" valueType="num">
-                                      <p:cBhvr additive="base">
-                                        <p:cTn id="59" dur="500" fill="hold"/>
-                                        <p:tgtEl>
-                                          <p:spTgt spid="6"/>
-                                        </p:tgtEl>
-                                        <p:attrNameLst>
-                                          <p:attrName>ppt_x</p:attrName>
-                                        </p:attrNameLst>
-                                      </p:cBhvr>
-                                      <p:tavLst>
-                                        <p:tav tm="0">
-                                          <p:val>
-                                            <p:strVal val="#ppt_x"/>
-                                          </p:val>
-                                        </p:tav>
-                                        <p:tav tm="100000">
-                                          <p:val>
-                                            <p:strVal val="#ppt_x"/>
-                                          </p:val>
-                                        </p:tav>
-                                      </p:tavLst>
-                                    </p:anim>
-                                    <p:anim calcmode="lin" valueType="num">
-                                      <p:cBhvr additive="base">
-                                        <p:cTn id="60" dur="500" fill="hold"/>
                                         <p:tgtEl>
                                           <p:spTgt spid="6"/>
                                         </p:tgtEl>
@@ -9164,7 +9649,6 @@
       <p:bldP spid="4" grpId="0" animBg="1"/>
       <p:bldP spid="7" grpId="0" animBg="1"/>
       <p:bldP spid="10" grpId="0" animBg="1"/>
-      <p:bldP spid="21" grpId="0" animBg="1"/>
     </p:bldLst>
   </p:timing>
 </p:sld>
@@ -11287,26 +11771,11 @@
             <a:pPr lvl="1"/>
             <a:r>
               <a:rPr lang="en-AU" dirty="0" smtClean="0"/>
-              <a:t>File extension </a:t>
-            </a:r>
-            <a:r>
-              <a:rPr lang="en-AU" dirty="0"/>
-              <a:t>(.pdf, .</a:t>
+              <a:t>Date </a:t>
             </a:r>
             <a:r>
               <a:rPr lang="en-AU" dirty="0" smtClean="0"/>
-              <a:t>doc, </a:t>
-            </a:r>
-            <a:r>
-              <a:rPr lang="en-AU" dirty="0"/>
-              <a:t>…)</a:t>
-            </a:r>
-          </a:p>
-          <a:p>
-            <a:pPr lvl="1"/>
-            <a:r>
-              <a:rPr lang="en-AU" dirty="0" smtClean="0"/>
-              <a:t>Date ranges (</a:t>
+              <a:t>ranges (</a:t>
             </a:r>
             <a:r>
               <a:rPr lang="en-AU" dirty="0"/>
@@ -11318,14 +11787,23 @@
             </a:r>
             <a:r>
               <a:rPr lang="en-AU" dirty="0"/>
-              <a:t>, …)</a:t>
-            </a:r>
+              <a:t>, </a:t>
+            </a:r>
+            <a:r>
+              <a:rPr lang="en-AU" dirty="0" smtClean="0"/>
+              <a:t>…), Geo shapes</a:t>
+            </a:r>
+            <a:endParaRPr lang="en-AU" dirty="0"/>
           </a:p>
           <a:p>
             <a:pPr lvl="1"/>
             <a:r>
               <a:rPr lang="en-AU" dirty="0" smtClean="0"/>
-              <a:t>Attributes (Author</a:t>
+              <a:t>Attributes </a:t>
+            </a:r>
+            <a:r>
+              <a:rPr lang="en-AU" dirty="0" smtClean="0"/>
+              <a:t>(Extension, Author</a:t>
             </a:r>
             <a:r>
               <a:rPr lang="en-AU" dirty="0"/>
@@ -11333,7 +11811,7 @@
             </a:r>
             <a:r>
               <a:rPr lang="en-AU" dirty="0" smtClean="0"/>
-              <a:t>Aircraft, </a:t>
+              <a:t>Aircraft Type, </a:t>
             </a:r>
             <a:r>
               <a:rPr lang="en-AU" dirty="0"/>
@@ -11354,36 +11832,27 @@
           <a:p>
             <a:pPr lvl="1"/>
             <a:r>
+              <a:rPr lang="en-AU" dirty="0" err="1"/>
+              <a:t>Multy</a:t>
+            </a:r>
+            <a:r>
+              <a:rPr lang="en-AU" dirty="0"/>
+              <a:t>-language and </a:t>
+            </a:r>
+            <a:r>
+              <a:rPr lang="en-AU" dirty="0" err="1"/>
+              <a:t>unicode</a:t>
+            </a:r>
+            <a:r>
+              <a:rPr lang="en-AU" dirty="0"/>
+              <a:t> support. Phonetic analysis, morphology</a:t>
+            </a:r>
+          </a:p>
+          <a:p>
+            <a:pPr lvl="1"/>
+            <a:r>
               <a:rPr lang="en-AU" dirty="0" smtClean="0"/>
-              <a:t>Other languages and </a:t>
-            </a:r>
-            <a:r>
-              <a:rPr lang="en-AU" dirty="0" err="1" smtClean="0"/>
-              <a:t>unicode</a:t>
-            </a:r>
-            <a:r>
-              <a:rPr lang="en-AU" dirty="0" smtClean="0"/>
-              <a:t> </a:t>
-            </a:r>
-            <a:r>
-              <a:rPr lang="en-AU" dirty="0"/>
-              <a:t>support</a:t>
-            </a:r>
-            <a:endParaRPr lang="en-AU" dirty="0" smtClean="0"/>
-          </a:p>
-          <a:p>
-            <a:pPr lvl="1"/>
-            <a:r>
-              <a:rPr lang="en-AU" dirty="0" smtClean="0"/>
-              <a:t>Phonetic analysis </a:t>
-            </a:r>
-            <a:r>
-              <a:rPr lang="en-AU" dirty="0"/>
-              <a:t>and morphology </a:t>
-            </a:r>
-            <a:r>
-              <a:rPr lang="en-AU" dirty="0" smtClean="0"/>
-              <a:t>*</a:t>
+              <a:t>Query history, percolating, boosting</a:t>
             </a:r>
           </a:p>
           <a:p>
@@ -11444,19 +11913,32 @@
           <a:p>
             <a:pPr lvl="1"/>
             <a:r>
+              <a:rPr lang="en-AU" dirty="0" smtClean="0">
+                <a:hlinkClick r:id="rId3"/>
+              </a:rPr>
+              <a:t>Cognitive </a:t>
+            </a:r>
+            <a:r>
+              <a:rPr lang="en-AU" dirty="0" smtClean="0">
+                <a:hlinkClick r:id="rId3"/>
+              </a:rPr>
+              <a:t>services</a:t>
+            </a:r>
+            <a:r>
               <a:rPr lang="en-AU" dirty="0" smtClean="0"/>
-              <a:t>SPA </a:t>
-            </a:r>
+              <a:t>. Type less, take more *</a:t>
+            </a:r>
+            <a:endParaRPr lang="en-AU" dirty="0"/>
+          </a:p>
+          <a:p>
+            <a:pPr lvl="1"/>
             <a:r>
               <a:rPr lang="en-AU" dirty="0"/>
-              <a:t>vs MPA, Zoom, Drill, Modal Dialog</a:t>
-            </a:r>
-          </a:p>
-          <a:p>
-            <a:pPr lvl="1"/>
+              <a:t>Layouts: SPA vs </a:t>
+            </a:r>
             <a:r>
               <a:rPr lang="en-AU" dirty="0" smtClean="0"/>
-              <a:t>Layouts, paging, scrolling, form factor, highlights</a:t>
+              <a:t>MPA, paging, scrolling, form factor, highlights</a:t>
             </a:r>
           </a:p>
           <a:p>
@@ -11485,15 +11967,20 @@
             </a:r>
             <a:r>
               <a:rPr lang="en-AU" dirty="0" smtClean="0"/>
-              <a:t>Social)</a:t>
+              <a:t>Social</a:t>
+            </a:r>
+            <a:r>
+              <a:rPr lang="en-AU" dirty="0" smtClean="0"/>
+              <a:t>)</a:t>
+            </a:r>
+          </a:p>
+          <a:p>
+            <a:pPr lvl="1"/>
+            <a:r>
+              <a:rPr lang="en-AU" dirty="0" smtClean="0"/>
+              <a:t>API controllers</a:t>
             </a:r>
             <a:endParaRPr lang="en-AU" dirty="0"/>
-          </a:p>
-          <a:p>
-            <a:pPr marL="274320" lvl="1" indent="0">
-              <a:buNone/>
-            </a:pPr>
-            <a:endParaRPr lang="en-AU" dirty="0" smtClean="0"/>
           </a:p>
         </p:txBody>
       </p:sp>
@@ -11506,7 +11993,7 @@
           <p:nvPr/>
         </p:nvPicPr>
         <p:blipFill>
-          <a:blip r:embed="rId3"/>
+          <a:blip r:embed="rId4"/>
           <a:stretch>
             <a:fillRect/>
           </a:stretch>
@@ -11530,7 +12017,7 @@
           <p:nvPr/>
         </p:nvPicPr>
         <p:blipFill>
-          <a:blip r:embed="rId4">
+          <a:blip r:embed="rId5">
             <a:extLst>
               <a:ext uri="{28A0092B-C50C-407E-A947-70E740481C1C}">
                 <a14:useLocalDpi xmlns:a14="http://schemas.microsoft.com/office/drawing/2010/main" val="0"/>
@@ -11544,8 +12031,8 @@
         </p:blipFill>
         <p:spPr bwMode="auto">
           <a:xfrm>
-            <a:off x="7448680" y="2765408"/>
-            <a:ext cx="4603962" cy="3309938"/>
+            <a:off x="7839689" y="3089120"/>
+            <a:ext cx="4202401" cy="3021242"/>
           </a:xfrm>
           <a:prstGeom prst="rect">
             <a:avLst/>
@@ -11820,7 +12307,7 @@
         </p:blipFill>
         <p:spPr>
           <a:xfrm>
-            <a:off x="8168492" y="856343"/>
+            <a:off x="8168492" y="338822"/>
             <a:ext cx="3793106" cy="4491038"/>
           </a:xfrm>
           <a:prstGeom prst="rect">
@@ -12192,6 +12679,30 @@
           </a:p>
         </p:txBody>
       </p:sp>
+      <p:pic>
+        <p:nvPicPr>
+          <p:cNvPr id="4" name="Picture 3"/>
+          <p:cNvPicPr>
+            <a:picLocks noChangeAspect="1"/>
+          </p:cNvPicPr>
+          <p:nvPr/>
+        </p:nvPicPr>
+        <p:blipFill>
+          <a:blip r:embed="rId4"/>
+          <a:stretch>
+            <a:fillRect/>
+          </a:stretch>
+        </p:blipFill>
+        <p:spPr>
+          <a:xfrm>
+            <a:off x="5604091" y="3986213"/>
+            <a:ext cx="3087687" cy="2786062"/>
+          </a:xfrm>
+          <a:prstGeom prst="rect">
+            <a:avLst/>
+          </a:prstGeom>
+        </p:spPr>
+      </p:pic>
     </p:spTree>
     <p:extLst>
       <p:ext uri="{BB962C8B-B14F-4D97-AF65-F5344CB8AC3E}">
@@ -12202,10 +12713,205 @@
   <p:clrMapOvr>
     <a:masterClrMapping/>
   </p:clrMapOvr>
+  <mc:AlternateContent xmlns:mc="http://schemas.openxmlformats.org/markup-compatibility/2006" xmlns:p14="http://schemas.microsoft.com/office/powerpoint/2010/main">
+    <mc:Choice Requires="p14">
+      <p:transition p14:dur="0"/>
+    </mc:Choice>
+    <mc:Fallback xmlns="">
+      <p:transition/>
+    </mc:Fallback>
+  </mc:AlternateContent>
   <p:timing>
     <p:tnLst>
       <p:par>
-        <p:cTn id="1" dur="indefinite" restart="never" nodeType="tmRoot"/>
+        <p:cTn id="1" dur="indefinite" restart="never" nodeType="tmRoot">
+          <p:childTnLst>
+            <p:seq concurrent="1" nextAc="seek">
+              <p:cTn id="2" dur="indefinite" nodeType="mainSeq">
+                <p:childTnLst>
+                  <p:par>
+                    <p:cTn id="3" fill="hold">
+                      <p:stCondLst>
+                        <p:cond delay="indefinite"/>
+                      </p:stCondLst>
+                      <p:childTnLst>
+                        <p:par>
+                          <p:cTn id="4" fill="hold">
+                            <p:stCondLst>
+                              <p:cond delay="0"/>
+                            </p:stCondLst>
+                            <p:childTnLst>
+                              <p:par>
+                                <p:cTn id="5" presetID="2" presetClass="entr" presetSubtype="2" fill="hold" nodeType="clickEffect">
+                                  <p:stCondLst>
+                                    <p:cond delay="0"/>
+                                  </p:stCondLst>
+                                  <p:childTnLst>
+                                    <p:set>
+                                      <p:cBhvr>
+                                        <p:cTn id="6" dur="1" fill="hold">
+                                          <p:stCondLst>
+                                            <p:cond delay="0"/>
+                                          </p:stCondLst>
+                                        </p:cTn>
+                                        <p:tgtEl>
+                                          <p:spTgt spid="5"/>
+                                        </p:tgtEl>
+                                        <p:attrNameLst>
+                                          <p:attrName>style.visibility</p:attrName>
+                                        </p:attrNameLst>
+                                      </p:cBhvr>
+                                      <p:to>
+                                        <p:strVal val="visible"/>
+                                      </p:to>
+                                    </p:set>
+                                    <p:anim calcmode="lin" valueType="num">
+                                      <p:cBhvr additive="base">
+                                        <p:cTn id="7" dur="500" fill="hold"/>
+                                        <p:tgtEl>
+                                          <p:spTgt spid="5"/>
+                                        </p:tgtEl>
+                                        <p:attrNameLst>
+                                          <p:attrName>ppt_x</p:attrName>
+                                        </p:attrNameLst>
+                                      </p:cBhvr>
+                                      <p:tavLst>
+                                        <p:tav tm="0">
+                                          <p:val>
+                                            <p:strVal val="1+#ppt_w/2"/>
+                                          </p:val>
+                                        </p:tav>
+                                        <p:tav tm="100000">
+                                          <p:val>
+                                            <p:strVal val="#ppt_x"/>
+                                          </p:val>
+                                        </p:tav>
+                                      </p:tavLst>
+                                    </p:anim>
+                                    <p:anim calcmode="lin" valueType="num">
+                                      <p:cBhvr additive="base">
+                                        <p:cTn id="8" dur="500" fill="hold"/>
+                                        <p:tgtEl>
+                                          <p:spTgt spid="5"/>
+                                        </p:tgtEl>
+                                        <p:attrNameLst>
+                                          <p:attrName>ppt_y</p:attrName>
+                                        </p:attrNameLst>
+                                      </p:cBhvr>
+                                      <p:tavLst>
+                                        <p:tav tm="0">
+                                          <p:val>
+                                            <p:strVal val="#ppt_y"/>
+                                          </p:val>
+                                        </p:tav>
+                                        <p:tav tm="100000">
+                                          <p:val>
+                                            <p:strVal val="#ppt_y"/>
+                                          </p:val>
+                                        </p:tav>
+                                      </p:tavLst>
+                                    </p:anim>
+                                  </p:childTnLst>
+                                </p:cTn>
+                              </p:par>
+                              <p:par>
+                                <p:cTn id="9" presetID="2" presetClass="entr" presetSubtype="4" fill="hold" nodeType="withEffect">
+                                  <p:stCondLst>
+                                    <p:cond delay="0"/>
+                                  </p:stCondLst>
+                                  <p:childTnLst>
+                                    <p:set>
+                                      <p:cBhvr>
+                                        <p:cTn id="10" dur="1" fill="hold">
+                                          <p:stCondLst>
+                                            <p:cond delay="0"/>
+                                          </p:stCondLst>
+                                        </p:cTn>
+                                        <p:tgtEl>
+                                          <p:spTgt spid="4"/>
+                                        </p:tgtEl>
+                                        <p:attrNameLst>
+                                          <p:attrName>style.visibility</p:attrName>
+                                        </p:attrNameLst>
+                                      </p:cBhvr>
+                                      <p:to>
+                                        <p:strVal val="visible"/>
+                                      </p:to>
+                                    </p:set>
+                                    <p:anim calcmode="lin" valueType="num">
+                                      <p:cBhvr additive="base">
+                                        <p:cTn id="11" dur="500" fill="hold"/>
+                                        <p:tgtEl>
+                                          <p:spTgt spid="4"/>
+                                        </p:tgtEl>
+                                        <p:attrNameLst>
+                                          <p:attrName>ppt_x</p:attrName>
+                                        </p:attrNameLst>
+                                      </p:cBhvr>
+                                      <p:tavLst>
+                                        <p:tav tm="0">
+                                          <p:val>
+                                            <p:strVal val="#ppt_x"/>
+                                          </p:val>
+                                        </p:tav>
+                                        <p:tav tm="100000">
+                                          <p:val>
+                                            <p:strVal val="#ppt_x"/>
+                                          </p:val>
+                                        </p:tav>
+                                      </p:tavLst>
+                                    </p:anim>
+                                    <p:anim calcmode="lin" valueType="num">
+                                      <p:cBhvr additive="base">
+                                        <p:cTn id="12" dur="500" fill="hold"/>
+                                        <p:tgtEl>
+                                          <p:spTgt spid="4"/>
+                                        </p:tgtEl>
+                                        <p:attrNameLst>
+                                          <p:attrName>ppt_y</p:attrName>
+                                        </p:attrNameLst>
+                                      </p:cBhvr>
+                                      <p:tavLst>
+                                        <p:tav tm="0">
+                                          <p:val>
+                                            <p:strVal val="1+#ppt_h/2"/>
+                                          </p:val>
+                                        </p:tav>
+                                        <p:tav tm="100000">
+                                          <p:val>
+                                            <p:strVal val="#ppt_y"/>
+                                          </p:val>
+                                        </p:tav>
+                                      </p:tavLst>
+                                    </p:anim>
+                                  </p:childTnLst>
+                                </p:cTn>
+                              </p:par>
+                            </p:childTnLst>
+                          </p:cTn>
+                        </p:par>
+                      </p:childTnLst>
+                    </p:cTn>
+                  </p:par>
+                </p:childTnLst>
+              </p:cTn>
+              <p:prevCondLst>
+                <p:cond evt="onPrev" delay="0">
+                  <p:tgtEl>
+                    <p:sldTgt/>
+                  </p:tgtEl>
+                </p:cond>
+              </p:prevCondLst>
+              <p:nextCondLst>
+                <p:cond evt="onNext" delay="0">
+                  <p:tgtEl>
+                    <p:sldTgt/>
+                  </p:tgtEl>
+                </p:cond>
+              </p:nextCondLst>
+            </p:seq>
+          </p:childTnLst>
+        </p:cTn>
       </p:par>
     </p:tnLst>
   </p:timing>
@@ -12804,282 +13510,371 @@
           </a:xfrm>
         </p:spPr>
         <p:txBody>
-          <a:bodyPr/>
+          <a:bodyPr>
+            <a:normAutofit/>
+          </a:bodyPr>
           <a:lstStyle/>
           <a:p>
+            <a:r>
+              <a:rPr lang="en-AU" smtClean="0"/>
+              <a:t>Back End</a:t>
+            </a:r>
+            <a:endParaRPr lang="en-AU" dirty="0" smtClean="0"/>
+          </a:p>
+          <a:p>
+            <a:pPr lvl="1"/>
+            <a:r>
+              <a:rPr lang="en-AU" dirty="0" smtClean="0"/>
+              <a:t>PowerShell </a:t>
+            </a:r>
+            <a:r>
+              <a:rPr lang="en-AU" dirty="0"/>
+              <a:t>in-house </a:t>
+            </a:r>
             <a:r>
               <a:rPr lang="en-AU" dirty="0">
                 <a:hlinkClick r:id="rId2"/>
               </a:rPr>
-              <a:t>Microsoft Office Compatibility Pack for Word, Excel, and PowerPoint File Formats</a:t>
-            </a:r>
-            <a:endParaRPr lang="en-AU" dirty="0"/>
-          </a:p>
-          <a:p>
+              <a:t>scripts and modules</a:t>
+            </a:r>
+            <a:r>
+              <a:rPr lang="en-AU" dirty="0"/>
+              <a:t> + dependent ones (</a:t>
+            </a:r>
             <a:r>
               <a:rPr lang="en-AU" dirty="0">
                 <a:hlinkClick r:id="rId3"/>
               </a:rPr>
-              <a:t>Microsoft Office Compatibility Pack (SP3</a:t>
-            </a:r>
+              <a:t>Image module</a:t>
+            </a:r>
+            <a:r>
+              <a:rPr lang="en-AU" dirty="0"/>
+              <a:t>, etc.)</a:t>
+            </a:r>
+          </a:p>
+          <a:p>
+            <a:pPr lvl="1"/>
+            <a:r>
+              <a:rPr lang="en-AU" dirty="0" smtClean="0"/>
+              <a:t>File transformations</a:t>
+            </a:r>
+            <a:endParaRPr lang="en-AU" dirty="0" smtClean="0">
+              <a:hlinkClick r:id="rId4"/>
+            </a:endParaRPr>
+          </a:p>
+          <a:p>
+            <a:pPr lvl="2"/>
             <a:r>
               <a:rPr lang="en-AU" dirty="0" smtClean="0">
-                <a:hlinkClick r:id="rId3"/>
-              </a:rPr>
-              <a:t>)</a:t>
-            </a:r>
-            <a:r>
-              <a:rPr lang="en-AU" dirty="0"/>
-              <a:t> , </a:t>
-            </a:r>
-            <a:r>
-              <a:rPr lang="en-AU" dirty="0" err="1">
                 <a:hlinkClick r:id="rId4"/>
               </a:rPr>
-              <a:t>OfficeFileConverter</a:t>
-            </a:r>
-            <a:r>
-              <a:rPr lang="en-AU" dirty="0"/>
-              <a:t>, </a:t>
-            </a:r>
+              <a:t>Microsoft </a:t>
+            </a:r>
+            <a:r>
+              <a:rPr lang="en-AU" dirty="0">
+                <a:hlinkClick r:id="rId4"/>
+              </a:rPr>
+              <a:t>Office Compatibility Pack for Word, Excel, and PowerPoint File Formats</a:t>
+            </a:r>
+            <a:endParaRPr lang="en-AU" dirty="0"/>
+          </a:p>
+          <a:p>
+            <a:pPr lvl="2"/>
             <a:r>
               <a:rPr lang="en-AU" dirty="0">
                 <a:hlinkClick r:id="rId5"/>
               </a:rPr>
-              <a:t>b2xtranslator</a:t>
-            </a:r>
-            <a:endParaRPr lang="en-AU" dirty="0"/>
-          </a:p>
-          <a:p>
-            <a:r>
-              <a:rPr lang="en-AU" dirty="0">
+              <a:t>Microsoft Office Compatibility Pack (SP3</a:t>
+            </a:r>
+            <a:r>
+              <a:rPr lang="en-AU" dirty="0" smtClean="0">
+                <a:hlinkClick r:id="rId5"/>
+              </a:rPr>
+              <a:t>)</a:t>
+            </a:r>
+            <a:r>
+              <a:rPr lang="en-AU" dirty="0"/>
+              <a:t> , </a:t>
+            </a:r>
+            <a:r>
+              <a:rPr lang="en-AU" dirty="0" err="1">
                 <a:hlinkClick r:id="rId6"/>
               </a:rPr>
+              <a:t>OfficeFileConverter</a:t>
+            </a:r>
+            <a:r>
+              <a:rPr lang="en-AU" dirty="0"/>
+              <a:t>, </a:t>
+            </a:r>
+            <a:r>
+              <a:rPr lang="en-AU" dirty="0">
+                <a:hlinkClick r:id="rId7"/>
+              </a:rPr>
+              <a:t>b2xtranslator</a:t>
+            </a:r>
+            <a:endParaRPr lang="en-AU" dirty="0"/>
+          </a:p>
+          <a:p>
+            <a:pPr lvl="2"/>
+            <a:r>
+              <a:rPr lang="en-AU" dirty="0">
+                <a:hlinkClick r:id="rId8"/>
+              </a:rPr>
               <a:t>Microsoft Open XML SDK (</a:t>
             </a:r>
             <a:r>
               <a:rPr lang="en-AU" dirty="0" smtClean="0">
-                <a:hlinkClick r:id="rId6"/>
+                <a:hlinkClick r:id="rId8"/>
               </a:rPr>
               <a:t>v2.5+)</a:t>
             </a:r>
             <a:endParaRPr lang="en-AU" dirty="0">
-              <a:hlinkClick r:id="rId7"/>
+              <a:hlinkClick r:id="rId9"/>
             </a:endParaRPr>
           </a:p>
           <a:p>
+            <a:pPr lvl="2"/>
             <a:r>
               <a:rPr lang="en-AU" dirty="0" err="1" smtClean="0">
-                <a:hlinkClick r:id="rId8"/>
+                <a:hlinkClick r:id="rId10"/>
               </a:rPr>
               <a:t>Itextsharp</a:t>
             </a:r>
-            <a:endParaRPr lang="en-AU" dirty="0" smtClean="0">
-              <a:hlinkClick r:id="rId9"/>
-            </a:endParaRPr>
-          </a:p>
-          <a:p>
-            <a:r>
-              <a:rPr lang="en-AU" dirty="0" smtClean="0">
-                <a:hlinkClick r:id="rId9"/>
-              </a:rPr>
-              <a:t>Image </a:t>
-            </a:r>
-            <a:r>
-              <a:rPr lang="en-AU" dirty="0" err="1">
-                <a:hlinkClick r:id="rId9"/>
-              </a:rPr>
-              <a:t>Magick</a:t>
-            </a:r>
+            <a:endParaRPr lang="en-AU" dirty="0" smtClean="0"/>
+          </a:p>
+          <a:p>
+            <a:pPr lvl="2"/>
             <a:r>
               <a:rPr lang="en-AU" dirty="0"/>
-              <a:t>  &amp; </a:t>
-            </a:r>
-            <a:r>
-              <a:rPr lang="en-AU" dirty="0">
-                <a:hlinkClick r:id="rId10"/>
-              </a:rPr>
-              <a:t>GPL Ghostscript</a:t>
-            </a:r>
-            <a:endParaRPr lang="en-AU" dirty="0"/>
-          </a:p>
-          <a:p>
+              <a:t>SQL Server 2014+ &amp; Full Text Search &amp; Semantic Similarity &amp; </a:t>
+            </a:r>
             <a:r>
               <a:rPr lang="en-AU" dirty="0">
                 <a:hlinkClick r:id="rId11"/>
               </a:rPr>
-              <a:t>Tesseract </a:t>
+              <a:t>Microsoft Filter Pack (2.0</a:t>
             </a:r>
             <a:r>
               <a:rPr lang="en-AU" dirty="0" smtClean="0">
                 <a:hlinkClick r:id="rId11"/>
               </a:rPr>
-              <a:t>OCR(v3.02)</a:t>
-            </a:r>
+              <a:t>)</a:t>
+            </a:r>
+            <a:endParaRPr lang="en-AU" dirty="0" smtClean="0">
+              <a:hlinkClick r:id="rId12"/>
+            </a:endParaRPr>
+          </a:p>
+          <a:p>
+            <a:pPr lvl="1"/>
             <a:r>
               <a:rPr lang="en-AU" dirty="0" smtClean="0"/>
-              <a:t> </a:t>
-            </a:r>
-            <a:r>
-              <a:rPr lang="en-AU" dirty="0"/>
-              <a:t>&amp; </a:t>
-            </a:r>
-            <a:r>
-              <a:rPr lang="en-AU" dirty="0">
+              <a:t>Image transformations</a:t>
+            </a:r>
+            <a:endParaRPr lang="en-AU" dirty="0" smtClean="0">
+              <a:hlinkClick r:id="rId12"/>
+            </a:endParaRPr>
+          </a:p>
+          <a:p>
+            <a:pPr lvl="2"/>
+            <a:r>
+              <a:rPr lang="en-AU" dirty="0" smtClean="0">
                 <a:hlinkClick r:id="rId12"/>
               </a:rPr>
-              <a:t>Leptonica</a:t>
-            </a:r>
-            <a:endParaRPr lang="en-AU" dirty="0"/>
-          </a:p>
-          <a:p>
-            <a:r>
-              <a:rPr lang="en-AU" dirty="0" smtClean="0"/>
-              <a:t>SQL </a:t>
+              <a:t>Image </a:t>
+            </a:r>
+            <a:r>
+              <a:rPr lang="en-AU" dirty="0" err="1">
+                <a:hlinkClick r:id="rId12"/>
+              </a:rPr>
+              <a:t>Magick</a:t>
             </a:r>
             <a:r>
               <a:rPr lang="en-AU" dirty="0"/>
-              <a:t>Server </a:t>
-            </a:r>
-            <a:r>
-              <a:rPr lang="en-AU" dirty="0" smtClean="0"/>
-              <a:t>2014+ </a:t>
-            </a:r>
-            <a:r>
-              <a:rPr lang="en-AU" dirty="0"/>
-              <a:t>&amp; Full Text Search &amp; Semantic Similarity &amp; </a:t>
+              <a:t>  &amp; </a:t>
             </a:r>
             <a:r>
               <a:rPr lang="en-AU" dirty="0">
                 <a:hlinkClick r:id="rId13"/>
               </a:rPr>
-              <a:t>Microsoft Filter Pack </a:t>
-            </a:r>
-            <a:r>
-              <a:rPr lang="en-AU" dirty="0" smtClean="0">
+              <a:t>GPL </a:t>
+            </a:r>
+            <a:r>
+              <a:rPr lang="en-AU" dirty="0" err="1" smtClean="0">
                 <a:hlinkClick r:id="rId13"/>
               </a:rPr>
-              <a:t>(2.0)</a:t>
-            </a:r>
-            <a:endParaRPr lang="en-AU" dirty="0"/>
-          </a:p>
-          <a:p>
-            <a:r>
-              <a:rPr lang="en-AU" dirty="0" smtClean="0">
+              <a:t>Ghostscript</a:t>
+            </a:r>
+            <a:r>
+              <a:rPr lang="en-AU" dirty="0" smtClean="0"/>
+              <a:t>, </a:t>
+            </a:r>
+            <a:r>
+              <a:rPr lang="en-AU" dirty="0" err="1" smtClean="0">
                 <a:hlinkClick r:id="rId14"/>
               </a:rPr>
-              <a:t>Asp.Net Core</a:t>
-            </a:r>
+              <a:t>Inkscape</a:t>
+            </a:r>
+            <a:endParaRPr lang="en-AU" dirty="0"/>
+          </a:p>
+          <a:p>
+            <a:pPr lvl="1"/>
             <a:r>
               <a:rPr lang="en-AU" dirty="0" smtClean="0"/>
-              <a:t>, </a:t>
-            </a:r>
-            <a:r>
-              <a:rPr lang="en-AU" dirty="0">
+              <a:t>OCR</a:t>
+            </a:r>
+            <a:endParaRPr lang="en-AU" dirty="0" smtClean="0">
+              <a:hlinkClick r:id="rId15"/>
+            </a:endParaRPr>
+          </a:p>
+          <a:p>
+            <a:pPr lvl="2"/>
+            <a:r>
+              <a:rPr lang="en-AU" dirty="0" smtClean="0">
                 <a:hlinkClick r:id="rId15"/>
               </a:rPr>
-              <a:t>Bootstrap</a:t>
+              <a:t>Tesseract OCR(v3.02)</a:t>
+            </a:r>
+            <a:r>
+              <a:rPr lang="en-AU" dirty="0" smtClean="0"/>
+              <a:t> </a:t>
             </a:r>
             <a:r>
               <a:rPr lang="en-AU" dirty="0"/>
-              <a:t>, </a:t>
-            </a:r>
-            <a:r>
-              <a:rPr lang="en-AU" dirty="0" err="1" smtClean="0">
+              <a:t>&amp; </a:t>
+            </a:r>
+            <a:r>
+              <a:rPr lang="en-AU" dirty="0">
                 <a:hlinkClick r:id="rId16"/>
               </a:rPr>
-              <a:t>Bootswatch</a:t>
-            </a:r>
+              <a:t>Leptonica</a:t>
+            </a:r>
+            <a:endParaRPr lang="en-AU" dirty="0"/>
+          </a:p>
+          <a:p>
+            <a:pPr lvl="1"/>
             <a:r>
               <a:rPr lang="en-AU" dirty="0" smtClean="0"/>
-              <a:t>, </a:t>
-            </a:r>
+              <a:t>Search</a:t>
+            </a:r>
+            <a:endParaRPr lang="en-AU" dirty="0" smtClean="0">
+              <a:hlinkClick r:id="rId17"/>
+            </a:endParaRPr>
+          </a:p>
+          <a:p>
+            <a:pPr lvl="2"/>
             <a:r>
               <a:rPr lang="en-AU" dirty="0" smtClean="0">
                 <a:hlinkClick r:id="rId17"/>
               </a:rPr>
-              <a:t>jQuery</a:t>
-            </a:r>
-            <a:r>
-              <a:rPr lang="en-AU" dirty="0"/>
-              <a:t>, </a:t>
-            </a:r>
-            <a:r>
-              <a:rPr lang="en-AU" dirty="0">
-                <a:hlinkClick r:id="rId18" action="ppaction://hlinkfile"/>
+              <a:t>Elastic Search</a:t>
+            </a:r>
+            <a:r>
+              <a:rPr lang="en-AU" dirty="0" smtClean="0"/>
+              <a:t> (v5.0), </a:t>
+            </a:r>
+          </a:p>
+          <a:p>
+            <a:pPr lvl="2"/>
+            <a:r>
+              <a:rPr lang="en-AU" dirty="0" smtClean="0">
+                <a:hlinkClick r:id="rId18"/>
               </a:rPr>
-              <a:t>D3</a:t>
-            </a:r>
-            <a:r>
-              <a:rPr lang="en-AU" dirty="0"/>
-              <a:t>, </a:t>
+              <a:t>Java 8 JDK or JRE 1.8.0_73+</a:t>
+            </a:r>
+            <a:endParaRPr lang="en-AU" dirty="0" smtClean="0"/>
+          </a:p>
+          <a:p>
+            <a:r>
+              <a:rPr lang="en-AU" dirty="0" smtClean="0"/>
+              <a:t>Front End</a:t>
+            </a:r>
+            <a:endParaRPr lang="en-AU" dirty="0" smtClean="0">
+              <a:hlinkClick r:id="rId19"/>
+            </a:endParaRPr>
+          </a:p>
+          <a:p>
+            <a:pPr marL="274320" lvl="1" indent="0">
+              <a:buNone/>
+            </a:pPr>
+            <a:r>
+              <a:rPr lang="en-AU" dirty="0" err="1" smtClean="0">
+                <a:hlinkClick r:id="rId19"/>
+              </a:rPr>
+              <a:t>Asp.Net</a:t>
             </a:r>
             <a:r>
               <a:rPr lang="en-AU" dirty="0" smtClean="0">
                 <a:hlinkClick r:id="rId19"/>
               </a:rPr>
-              <a:t>C3</a:t>
+              <a:t> Core</a:t>
+            </a:r>
+            <a:r>
+              <a:rPr lang="en-AU" dirty="0" smtClean="0"/>
+              <a:t> (and more…), </a:t>
+            </a:r>
+            <a:r>
+              <a:rPr lang="en-AU" dirty="0">
+                <a:hlinkClick r:id="rId20"/>
+              </a:rPr>
+              <a:t>Bootstrap</a:t>
+            </a:r>
+            <a:r>
+              <a:rPr lang="en-AU" dirty="0"/>
+              <a:t>, </a:t>
+            </a:r>
+            <a:r>
+              <a:rPr lang="en-AU" dirty="0" err="1" smtClean="0">
+                <a:hlinkClick r:id="rId21"/>
+              </a:rPr>
+              <a:t>Bootswatch</a:t>
             </a:r>
             <a:r>
               <a:rPr lang="en-AU" dirty="0" smtClean="0"/>
               <a:t>, </a:t>
-            </a:r>
-            <a:r>
-              <a:rPr lang="en-AU" dirty="0" smtClean="0">
-                <a:hlinkClick r:id="rId20"/>
-              </a:rPr>
-              <a:t>Github</a:t>
-            </a:r>
-            <a:endParaRPr lang="en-AU" dirty="0" smtClean="0"/>
-          </a:p>
-          <a:p>
-            <a:r>
-              <a:rPr lang="en-AU" dirty="0" smtClean="0">
-                <a:hlinkClick r:id="rId21"/>
-              </a:rPr>
-              <a:t>Elastic Search</a:t>
-            </a:r>
-            <a:r>
-              <a:rPr lang="en-AU" dirty="0" smtClean="0"/>
-              <a:t> (v5.0), Java 8 JDK or JRE 1.8.0_73+</a:t>
-            </a:r>
-          </a:p>
-          <a:p>
-            <a:r>
-              <a:rPr lang="en-AU" dirty="0" smtClean="0"/>
-              <a:t>PowerShell in-house </a:t>
             </a:r>
             <a:r>
               <a:rPr lang="en-AU" dirty="0">
                 <a:hlinkClick r:id="rId22"/>
               </a:rPr>
-              <a:t>scripts and modules</a:t>
+              <a:t>jQuery</a:t>
             </a:r>
             <a:r>
               <a:rPr lang="en-AU" dirty="0"/>
-              <a:t> </a:t>
-            </a:r>
-            <a:r>
-              <a:rPr lang="en-AU" dirty="0" smtClean="0"/>
-              <a:t>+ dependent ones (</a:t>
-            </a:r>
-            <a:r>
-              <a:rPr lang="en-AU" dirty="0" smtClean="0">
-                <a:hlinkClick r:id="rId23"/>
+              <a:t>, </a:t>
+            </a:r>
+            <a:r>
+              <a:rPr lang="en-AU" dirty="0">
+                <a:hlinkClick r:id="rId23" action="ppaction://hlinkfile"/>
               </a:rPr>
-              <a:t>Image module</a:t>
-            </a:r>
-            <a:r>
-              <a:rPr lang="en-AU" dirty="0" smtClean="0"/>
-              <a:t>, etc.)</a:t>
+              <a:t>D3</a:t>
+            </a:r>
+            <a:r>
+              <a:rPr lang="en-AU" dirty="0"/>
+              <a:t>, </a:t>
+            </a:r>
+            <a:r>
+              <a:rPr lang="en-AU" dirty="0">
+                <a:hlinkClick r:id="rId24"/>
+              </a:rPr>
+              <a:t>C3</a:t>
+            </a:r>
+            <a:r>
+              <a:rPr lang="en-AU" dirty="0"/>
+              <a:t>, </a:t>
+            </a:r>
+            <a:r>
+              <a:rPr lang="en-AU" dirty="0">
+                <a:hlinkClick r:id="rId25"/>
+              </a:rPr>
+              <a:t>Github</a:t>
             </a:r>
             <a:endParaRPr lang="en-AU" dirty="0"/>
           </a:p>
           <a:p>
-            <a:pPr marL="0" indent="0">
+            <a:pPr marL="274320" lvl="1" indent="0">
               <a:buNone/>
             </a:pPr>
-            <a:endParaRPr lang="en-AU" dirty="0"/>
+            <a:endParaRPr lang="en-AU" dirty="0" smtClean="0"/>
           </a:p>
         </p:txBody>
       </p:sp>
@@ -13604,7 +14399,7 @@
             </a:pPr>
             <a:r>
               <a:rPr lang="en-AU" sz="2400" dirty="0" smtClean="0"/>
-              <a:t>Ask me:	 </a:t>
+              <a:t>Ask:	</a:t>
             </a:r>
             <a:r>
               <a:rPr lang="en-AU" sz="2400" dirty="0" smtClean="0">
@@ -13626,7 +14421,7 @@
             </a:pPr>
             <a:r>
               <a:rPr lang="en-AU" sz="2400" dirty="0" smtClean="0"/>
-              <a:t>Read me:	 </a:t>
+              <a:t>Read:	</a:t>
             </a:r>
             <a:r>
               <a:rPr lang="en-AU" sz="2400" dirty="0" smtClean="0">
@@ -13642,7 +14437,7 @@
             </a:pPr>
             <a:r>
               <a:rPr lang="en-AU" sz="2400" dirty="0" smtClean="0"/>
-              <a:t>Code with me: </a:t>
+              <a:t>Code:	</a:t>
             </a:r>
             <a:r>
               <a:rPr lang="en-AU" sz="2400" dirty="0" smtClean="0">
@@ -13831,7 +14626,7 @@
         </p:spPr>
         <p:txBody>
           <a:bodyPr>
-            <a:normAutofit fontScale="62500" lnSpcReduction="20000"/>
+            <a:normAutofit fontScale="70000" lnSpcReduction="20000"/>
           </a:bodyPr>
           <a:lstStyle/>
           <a:p>
@@ -13923,17 +14718,18 @@
           <a:p>
             <a:pPr lvl="1"/>
             <a:r>
-              <a:rPr lang="en-AU" sz="2800" dirty="0"/>
-              <a:t>Azure, </a:t>
-            </a:r>
-            <a:r>
               <a:rPr lang="en-AU" sz="2800" dirty="0" smtClean="0"/>
-              <a:t>Bing, </a:t>
-            </a:r>
-            <a:r>
-              <a:rPr lang="en-AU" sz="2900" dirty="0"/>
+              <a:t>SQL FTS, </a:t>
+            </a:r>
+            <a:r>
+              <a:rPr lang="en-AU" sz="2800" dirty="0" smtClean="0"/>
+              <a:t>Office </a:t>
+            </a:r>
+            <a:r>
+              <a:rPr lang="en-AU" sz="2900" dirty="0" smtClean="0"/>
               <a:t>Hybrid</a:t>
             </a:r>
+            <a:endParaRPr lang="en-AU" sz="2900" dirty="0"/>
           </a:p>
           <a:p>
             <a:r>
@@ -13966,22 +14762,10 @@
           <a:p>
             <a:pPr lvl="1"/>
             <a:r>
-              <a:rPr lang="en-AU" sz="3000" dirty="0"/>
+              <a:rPr lang="en-AU" sz="3000" dirty="0" smtClean="0"/>
               <a:t>craigslist.org</a:t>
             </a:r>
-          </a:p>
-          <a:p>
-            <a:r>
-              <a:rPr lang="en-AU" sz="3200" dirty="0"/>
-              <a:t>duckduckgo.com</a:t>
-            </a:r>
             <a:endParaRPr lang="en-AU" sz="3200" dirty="0" smtClean="0"/>
-          </a:p>
-          <a:p>
-            <a:r>
-              <a:rPr lang="en-AU" sz="3200" dirty="0" smtClean="0"/>
-              <a:t>wolframalpha.com *</a:t>
-            </a:r>
           </a:p>
         </p:txBody>
       </p:sp>
@@ -14267,13 +15051,13 @@
         </p:nvSpPr>
         <p:spPr>
           <a:xfrm>
-            <a:off x="199698" y="1091325"/>
-            <a:ext cx="11183006" cy="5080876"/>
+            <a:off x="199698" y="837324"/>
+            <a:ext cx="11061860" cy="5820150"/>
           </a:xfrm>
         </p:spPr>
         <p:txBody>
           <a:bodyPr>
-            <a:normAutofit fontScale="92500" lnSpcReduction="10000"/>
+            <a:normAutofit fontScale="85000" lnSpcReduction="20000"/>
           </a:bodyPr>
           <a:lstStyle/>
           <a:p>
@@ -14333,12 +15117,9 @@
           <a:p>
             <a:r>
               <a:rPr lang="en-AU" dirty="0" smtClean="0"/>
-              <a:t>Cardinality	=  </a:t>
-            </a:r>
-            <a:r>
-              <a:rPr lang="en-AU" dirty="0"/>
-              <a:t>Distinct values</a:t>
-            </a:r>
+              <a:t>Alias		= View + Synonym **</a:t>
+            </a:r>
+            <a:endParaRPr lang="en-AU" dirty="0"/>
           </a:p>
           <a:p>
             <a:r>
@@ -14374,8 +15155,18 @@
           </a:p>
           <a:p>
             <a:r>
+              <a:rPr lang="en-AU" dirty="0"/>
+              <a:t>Cardinality	=  Distinct values</a:t>
+            </a:r>
+          </a:p>
+          <a:p>
+            <a:r>
               <a:rPr lang="en-AU" dirty="0" smtClean="0"/>
-              <a:t>Similarity 	</a:t>
+              <a:t>Similarity </a:t>
+            </a:r>
+            <a:r>
+              <a:rPr lang="en-AU" dirty="0" smtClean="0"/>
+              <a:t>	</a:t>
             </a:r>
             <a:r>
               <a:rPr lang="en-AU" dirty="0" smtClean="0">
@@ -14409,23 +15200,87 @@
               </a:spcAft>
             </a:pPr>
             <a:r>
+              <a:rPr lang="en-AU" sz="2100" dirty="0" smtClean="0"/>
+              <a:t>CURL </a:t>
+            </a:r>
+            <a:r>
+              <a:rPr lang="en-AU" sz="2100" dirty="0"/>
+              <a:t>(CRUD</a:t>
+            </a:r>
+            <a:r>
+              <a:rPr lang="en-AU" sz="2100" dirty="0" smtClean="0"/>
+              <a:t>)	= DDL</a:t>
+            </a:r>
+          </a:p>
+          <a:p>
+            <a:pPr marL="182880" lvl="1">
+              <a:spcBef>
+                <a:spcPts val="1200"/>
+              </a:spcBef>
+              <a:spcAft>
+                <a:spcPts val="0"/>
+              </a:spcAft>
+            </a:pPr>
+            <a:r>
+              <a:rPr lang="en-AU" sz="2100" dirty="0" smtClean="0"/>
+              <a:t>Query DSL</a:t>
+            </a:r>
+            <a:r>
+              <a:rPr lang="en-AU" sz="2100" dirty="0"/>
+              <a:t>	= DML</a:t>
+            </a:r>
+          </a:p>
+          <a:p>
+            <a:pPr marL="0" lvl="1" indent="0">
+              <a:spcBef>
+                <a:spcPts val="1200"/>
+              </a:spcBef>
+              <a:spcAft>
+                <a:spcPts val="0"/>
+              </a:spcAft>
+              <a:buNone/>
+            </a:pPr>
+            <a:endParaRPr lang="en-AU" dirty="0" smtClean="0"/>
+          </a:p>
+          <a:p>
+            <a:pPr marL="182880" lvl="1">
+              <a:spcBef>
+                <a:spcPts val="1200"/>
+              </a:spcBef>
+              <a:spcAft>
+                <a:spcPts val="0"/>
+              </a:spcAft>
+            </a:pPr>
+            <a:r>
+              <a:rPr lang="en-AU" sz="2100" dirty="0" err="1" smtClean="0"/>
+              <a:t>ElasticSearch</a:t>
+            </a:r>
+            <a:r>
+              <a:rPr lang="en-AU" sz="2100" dirty="0" smtClean="0"/>
+              <a:t> </a:t>
+            </a:r>
+            <a:r>
+              <a:rPr lang="en-AU" sz="2100" dirty="0"/>
+              <a:t>does not support ACID transactions</a:t>
+            </a:r>
+            <a:r>
+              <a:rPr lang="en-AU" sz="2100" dirty="0" smtClean="0"/>
+              <a:t>.</a:t>
+            </a:r>
+            <a:endParaRPr lang="en-AU" sz="2100" dirty="0"/>
+          </a:p>
+          <a:p>
+            <a:r>
+              <a:rPr lang="en-AU" dirty="0" err="1"/>
+              <a:t>ElasticSearch</a:t>
+            </a:r>
+            <a:r>
+              <a:rPr lang="en-AU" dirty="0"/>
+              <a:t> </a:t>
+            </a:r>
+            <a:r>
               <a:rPr lang="en-AU" dirty="0" smtClean="0"/>
-              <a:t>ES </a:t>
-            </a:r>
-            <a:r>
-              <a:rPr lang="en-AU" dirty="0"/>
-              <a:t>does not support ACID transactions. CRUD </a:t>
-            </a:r>
-            <a:r>
-              <a:rPr lang="en-AU" dirty="0" smtClean="0"/>
-              <a:t>&amp; CURL operations</a:t>
-            </a:r>
-            <a:endParaRPr lang="en-AU" dirty="0"/>
-          </a:p>
-          <a:p>
-            <a:r>
-              <a:rPr lang="en-AU" dirty="0" smtClean="0"/>
-              <a:t>ES - simple like </a:t>
+              <a:t>- simple like </a:t>
             </a:r>
             <a:r>
               <a:rPr lang="en-AU" dirty="0"/>
@@ -14489,40 +15344,6 @@
       </p:grpSpPr>
       <p:sp>
         <p:nvSpPr>
-          <p:cNvPr id="2" name="Title 1"/>
-          <p:cNvSpPr>
-            <a:spLocks noGrp="1"/>
-          </p:cNvSpPr>
-          <p:nvPr>
-            <p:ph type="title"/>
-          </p:nvPr>
-        </p:nvSpPr>
-        <p:spPr>
-          <a:xfrm>
-            <a:off x="155448" y="111653"/>
-            <a:ext cx="7972552" cy="501957"/>
-          </a:xfrm>
-        </p:spPr>
-        <p:txBody>
-          <a:bodyPr>
-            <a:normAutofit fontScale="90000"/>
-          </a:bodyPr>
-          <a:lstStyle/>
-          <a:p>
-            <a:r>
-              <a:rPr lang="en-AU" dirty="0" err="1" smtClean="0"/>
-              <a:t>SEArCH</a:t>
-            </a:r>
-            <a:r>
-              <a:rPr lang="en-AU" dirty="0" smtClean="0"/>
-              <a:t> Glossary</a:t>
-            </a:r>
-            <a:endParaRPr lang="en-AU" dirty="0"/>
-          </a:p>
-        </p:txBody>
-      </p:sp>
-      <p:sp>
-        <p:nvSpPr>
           <p:cNvPr id="3" name="Content Placeholder 2"/>
           <p:cNvSpPr>
             <a:spLocks noGrp="1"/>
@@ -14562,12 +15383,12 @@
               <a:t>- new replacement for facets, nested. Facet - not nested, is </a:t>
             </a:r>
             <a:r>
-              <a:rPr lang="en-AU" sz="1300" dirty="0" err="1"/>
-              <a:t>depricated</a:t>
+              <a:rPr lang="en-AU" sz="1300" dirty="0" smtClean="0"/>
+              <a:t>deprecated </a:t>
             </a:r>
             <a:r>
               <a:rPr lang="en-AU" sz="1300" dirty="0"/>
-              <a:t> and not used </a:t>
+              <a:t>and not used </a:t>
             </a:r>
             <a:r>
               <a:rPr lang="en-AU" sz="1300" dirty="0" smtClean="0"/>
@@ -14661,12 +15482,16 @@
               <a:t> cluster. </a:t>
             </a:r>
             <a:r>
-              <a:rPr lang="en-AU" sz="1300" dirty="0" err="1"/>
+              <a:rPr lang="en-AU" sz="1300" dirty="0" err="1" smtClean="0"/>
               <a:t>Fielddata</a:t>
             </a:r>
             <a:r>
+              <a:rPr lang="en-AU" sz="1300" dirty="0" smtClean="0"/>
+              <a:t> </a:t>
+            </a:r>
+            <a:r>
               <a:rPr lang="en-AU" sz="1300" dirty="0"/>
-              <a:t> is not just used for aggregations. It is required for any operation that needs to look up the value contained in a specific document. Besides aggregations, this includes sorting, scripts that access field values, parent-child relationships</a:t>
+              <a:t>is not just used for aggregations. It is required for any operation that needs to look up the value contained in a specific document. Besides aggregations, this includes sorting, scripts that access field values, parent-child relationships</a:t>
             </a:r>
           </a:p>
           <a:p>
@@ -14832,7 +15657,7 @@
           <a:p>
             <a:r>
               <a:rPr lang="en-AU" sz="1300" b="1" dirty="0" smtClean="0"/>
-              <a:t>Precision</a:t>
+              <a:t>Percolate</a:t>
             </a:r>
             <a:r>
               <a:rPr lang="en-AU" sz="1300" dirty="0" smtClean="0"/>
@@ -14840,6 +15665,21 @@
             </a:r>
             <a:r>
               <a:rPr lang="en-AU" sz="1300" dirty="0"/>
+              <a:t>query can be used to match queries stored in an index. The percolate query itself contains the document that will be used as query to match with the stored queries.</a:t>
+            </a:r>
+            <a:endParaRPr lang="en-AU" sz="1300" dirty="0" smtClean="0"/>
+          </a:p>
+          <a:p>
+            <a:r>
+              <a:rPr lang="en-AU" sz="1300" b="1" dirty="0" smtClean="0"/>
+              <a:t>Precision</a:t>
+            </a:r>
+            <a:r>
+              <a:rPr lang="en-AU" sz="1300" dirty="0" smtClean="0"/>
+              <a:t> </a:t>
+            </a:r>
+            <a:r>
+              <a:rPr lang="en-AU" sz="1300" dirty="0"/>
               <a:t>- returning as few irrelevant documents as possible.</a:t>
             </a:r>
           </a:p>
@@ -14992,12 +15832,20 @@
             </a:r>
             <a:r>
               <a:rPr lang="en-AU" sz="1300" dirty="0"/>
-              <a:t>are not restricted to being pairs of words; you could index word triplets (trigrams) as well: ["sue ate the", "ate the alligator"]</a:t>
-            </a:r>
-          </a:p>
-          <a:p>
-            <a:r>
-              <a:rPr lang="en-AU" sz="1300" b="1" dirty="0"/>
+              <a:t>are not restricted to being pairs of words; you could index word triplets (trigrams) as well: ["sue ate the", "ate the alligator</a:t>
+            </a:r>
+            <a:r>
+              <a:rPr lang="en-AU" sz="1300" dirty="0" smtClean="0"/>
+              <a:t>"]. </a:t>
+            </a:r>
+            <a:r>
+              <a:rPr lang="en-AU" sz="1300" dirty="0"/>
+              <a:t>Trigrams give you a higher degree of precision, but greatly increase the number of unique terms in the index. </a:t>
+            </a:r>
+          </a:p>
+          <a:p>
+            <a:r>
+              <a:rPr lang="en-AU" sz="1300" b="1" dirty="0" smtClean="0"/>
               <a:t>Source </a:t>
             </a:r>
             <a:r>
@@ -15082,26 +15930,16 @@
           </a:p>
           <a:p>
             <a:r>
+              <a:rPr lang="en-AU" sz="1300" b="1" dirty="0" err="1" smtClean="0"/>
+              <a:t>Typoes</a:t>
+            </a:r>
+            <a:r>
               <a:rPr lang="en-AU" sz="1300" b="1" dirty="0" smtClean="0"/>
-              <a:t>Trigrams</a:t>
-            </a:r>
-            <a:r>
-              <a:rPr lang="en-AU" sz="1300" dirty="0" smtClean="0"/>
               <a:t> </a:t>
             </a:r>
             <a:r>
-              <a:rPr lang="en-AU" sz="1300" dirty="0"/>
-              <a:t>give you a higher degree of precision, but greatly increase the number of unique terms in the index. </a:t>
-            </a:r>
-          </a:p>
-          <a:p>
-            <a:r>
-              <a:rPr lang="en-AU" sz="1300" b="1" dirty="0" err="1"/>
-              <a:t>Typoes</a:t>
-            </a:r>
-            <a:r>
               <a:rPr lang="en-AU" sz="1300" b="1" dirty="0"/>
-              <a:t> and </a:t>
+              <a:t>and </a:t>
             </a:r>
             <a:r>
               <a:rPr lang="en-AU" sz="1300" b="1" dirty="0" err="1"/>
@@ -15116,6 +15954,36 @@
               <a:t>.</a:t>
             </a:r>
             <a:endParaRPr lang="en-AU" sz="1300" dirty="0"/>
+          </a:p>
+        </p:txBody>
+      </p:sp>
+      <p:sp>
+        <p:nvSpPr>
+          <p:cNvPr id="2" name="Title 1"/>
+          <p:cNvSpPr>
+            <a:spLocks noGrp="1"/>
+          </p:cNvSpPr>
+          <p:nvPr>
+            <p:ph type="title"/>
+          </p:nvPr>
+        </p:nvSpPr>
+        <p:spPr>
+          <a:xfrm>
+            <a:off x="155448" y="111653"/>
+            <a:ext cx="2649536" cy="501957"/>
+          </a:xfrm>
+        </p:spPr>
+        <p:txBody>
+          <a:bodyPr>
+            <a:normAutofit fontScale="90000"/>
+          </a:bodyPr>
+          <a:lstStyle/>
+          <a:p>
+            <a:r>
+              <a:rPr lang="en-AU" dirty="0" smtClean="0"/>
+              <a:t>Glossary</a:t>
+            </a:r>
+            <a:endParaRPr lang="en-AU" dirty="0"/>
           </a:p>
         </p:txBody>
       </p:sp>
@@ -18540,7 +19408,7 @@
             <a:pPr algn="ctr"/>
             <a:r>
               <a:rPr lang="en-AU" dirty="0" smtClean="0"/>
-              <a:t>Index</a:t>
+              <a:t>Index **</a:t>
             </a:r>
             <a:endParaRPr lang="en-AU" dirty="0"/>
           </a:p>
@@ -19378,7 +20246,7 @@
         <p:spPr>
           <a:xfrm>
             <a:off x="137007" y="4472314"/>
-            <a:ext cx="1783001" cy="2062103"/>
+            <a:ext cx="2350616" cy="2308324"/>
           </a:xfrm>
           <a:prstGeom prst="rect">
             <a:avLst/>
@@ -19391,97 +20259,102 @@
           <a:lstStyle/>
           <a:p>
             <a:r>
-              <a:rPr lang="en-AU" sz="800" dirty="0"/>
+              <a:rPr lang="en-AU" sz="900" dirty="0"/>
               <a:t>"Entities": [</a:t>
             </a:r>
           </a:p>
           <a:p>
             <a:r>
-              <a:rPr lang="en-AU" sz="800" dirty="0"/>
+              <a:rPr lang="en-AU" sz="900" dirty="0"/>
               <a:t>{</a:t>
             </a:r>
           </a:p>
           <a:p>
             <a:r>
-              <a:rPr lang="en-AU" sz="800" dirty="0"/>
+              <a:rPr lang="en-AU" sz="900" dirty="0"/>
               <a:t>	"Count": 22,</a:t>
             </a:r>
           </a:p>
           <a:p>
             <a:r>
-              <a:rPr lang="en-AU" sz="800" dirty="0"/>
+              <a:rPr lang="en-AU" sz="900" dirty="0"/>
               <a:t>	"Mention": "BOEING",</a:t>
             </a:r>
           </a:p>
           <a:p>
             <a:r>
-              <a:rPr lang="en-AU" sz="800" dirty="0"/>
+              <a:rPr lang="en-AU" sz="900" dirty="0"/>
               <a:t>	"Type": "ORG"</a:t>
             </a:r>
           </a:p>
           <a:p>
             <a:r>
-              <a:rPr lang="en-AU" sz="800" dirty="0"/>
+              <a:rPr lang="en-AU" sz="900" dirty="0"/>
               <a:t>},</a:t>
             </a:r>
           </a:p>
           <a:p>
             <a:r>
-              <a:rPr lang="en-AU" sz="800" dirty="0"/>
+              <a:rPr lang="en-AU" sz="900" dirty="0"/>
               <a:t>{</a:t>
             </a:r>
           </a:p>
           <a:p>
             <a:r>
-              <a:rPr lang="en-AU" sz="800" dirty="0"/>
+              <a:rPr lang="en-AU" sz="900" dirty="0"/>
               <a:t>	"Count": 20,</a:t>
             </a:r>
           </a:p>
           <a:p>
             <a:r>
-              <a:rPr lang="en-AU" sz="800" dirty="0"/>
+              <a:rPr lang="en-AU" sz="900" dirty="0"/>
               <a:t>	"Mention": "SEATTLE",</a:t>
             </a:r>
           </a:p>
           <a:p>
             <a:r>
-              <a:rPr lang="en-AU" sz="800" dirty="0"/>
+              <a:rPr lang="en-AU" sz="900" dirty="0"/>
               <a:t>	"Type": "LOC"</a:t>
             </a:r>
           </a:p>
           <a:p>
             <a:r>
-              <a:rPr lang="en-AU" sz="800" dirty="0"/>
+              <a:rPr lang="en-AU" sz="900" dirty="0"/>
               <a:t>},</a:t>
             </a:r>
           </a:p>
           <a:p>
             <a:r>
-              <a:rPr lang="en-AU" sz="800" dirty="0"/>
+              <a:rPr lang="en-AU" sz="900" dirty="0"/>
               <a:t>{</a:t>
             </a:r>
           </a:p>
           <a:p>
             <a:r>
-              <a:rPr lang="en-AU" sz="800" dirty="0"/>
+              <a:rPr lang="en-AU" sz="900" dirty="0"/>
               <a:t>	"Count": 3,</a:t>
             </a:r>
           </a:p>
           <a:p>
             <a:r>
-              <a:rPr lang="en-AU" sz="800" dirty="0"/>
-              <a:t>	"Mention": "B. YBARRA",</a:t>
-            </a:r>
-          </a:p>
-          <a:p>
-            <a:r>
-              <a:rPr lang="en-AU" sz="800" dirty="0"/>
+              <a:rPr lang="en-AU" sz="900" dirty="0"/>
+              <a:t>	"Mention": “J. </a:t>
+            </a:r>
+            <a:r>
+              <a:rPr lang="en-AU" sz="900" dirty="0" smtClean="0"/>
+              <a:t>Bieber",</a:t>
+            </a:r>
+            <a:endParaRPr lang="en-AU" sz="900" dirty="0"/>
+          </a:p>
+          <a:p>
+            <a:r>
+              <a:rPr lang="en-AU" sz="900" dirty="0"/>
               <a:t>	"Type": "PER"</a:t>
             </a:r>
           </a:p>
           <a:p>
             <a:r>
-              <a:rPr lang="en-AU" sz="800" dirty="0"/>
+              <a:rPr lang="en-AU" sz="900" dirty="0"/>
               <a:t>}]</a:t>
             </a:r>
           </a:p>
@@ -19704,7 +20577,11 @@
             <a:pPr algn="ctr"/>
             <a:r>
               <a:rPr lang="en-AU" dirty="0" smtClean="0"/>
-              <a:t>_search</a:t>
+              <a:t>_</a:t>
+            </a:r>
+            <a:r>
+              <a:rPr lang="en-AU" dirty="0" smtClean="0"/>
+              <a:t>search *</a:t>
             </a:r>
             <a:endParaRPr lang="en-AU" dirty="0"/>
           </a:p>

--- a/OhMySearch.pptx
+++ b/OhMySearch.pptx
@@ -214,7 +214,7 @@
           <a:p>
             <a:fld id="{52486836-1DD4-4B5A-B7F8-A31B08770D42}" type="datetimeFigureOut">
               <a:rPr lang="en-AU" smtClean="0"/>
-              <a:t>11/06/2016</a:t>
+              <a:t>13/06/2016</a:t>
             </a:fld>
             <a:endParaRPr lang="en-AU"/>
           </a:p>
@@ -1027,11 +1027,7 @@
             </a:r>
             <a:r>
               <a:rPr lang="en-AU" baseline="0" dirty="0" smtClean="0"/>
-              <a:t>commands </a:t>
-            </a:r>
-            <a:r>
-              <a:rPr lang="en-AU" baseline="0" dirty="0" smtClean="0"/>
-              <a:t>depend on other. Some of them could be used on different levels</a:t>
+              <a:t>commands depend on other. Some of them could be used on different levels</a:t>
             </a:r>
           </a:p>
           <a:p>
@@ -1041,11 +1037,7 @@
             </a:r>
             <a:r>
               <a:rPr lang="en-AU" baseline="0" dirty="0" smtClean="0"/>
-              <a:t> </a:t>
-            </a:r>
-            <a:r>
-              <a:rPr lang="en-AU" baseline="0" dirty="0" smtClean="0"/>
-              <a:t>is provided in Sense and </a:t>
+              <a:t> is provided in Sense and </a:t>
             </a:r>
             <a:r>
               <a:rPr lang="en-AU" baseline="0" dirty="0" err="1" smtClean="0"/>
@@ -2440,19 +2432,7 @@
                 <a:ea typeface="+mn-ea"/>
                 <a:cs typeface="+mn-cs"/>
               </a:rPr>
-              <a:t>Google</a:t>
-            </a:r>
-            <a:r>
-              <a:rPr lang="en-AU" sz="1200" b="0" i="0" kern="1200" dirty="0" smtClean="0">
-                <a:solidFill>
-                  <a:schemeClr val="tx1"/>
-                </a:solidFill>
-                <a:effectLst/>
-                <a:latin typeface="+mn-lt"/>
-                <a:ea typeface="+mn-ea"/>
-                <a:cs typeface="+mn-cs"/>
-              </a:rPr>
-              <a:t> - Offering everything from image searches, map searches, news searches, etc. With impressive keyword relevancy and a continuously improving search algorithm, it's easy to see why Google is still the reigning champ.</a:t>
+              <a:t>Google - Offering everything from image searches, map searches, news searches, etc. With impressive keyword relevancy and a continuously improving search algorithm, it's easy to see why Google is still the reigning champ.</a:t>
             </a:r>
           </a:p>
           <a:p>
@@ -2728,29 +2708,8 @@
                 <a:ea typeface="+mn-ea"/>
                 <a:cs typeface="+mn-cs"/>
               </a:rPr>
-              <a:t>Wolfram alpha  - It is not search engine, but computational knowledge </a:t>
-            </a:r>
-            <a:r>
-              <a:rPr lang="en-AU" sz="1200" b="0" i="0" kern="1200" dirty="0" smtClean="0">
-                <a:solidFill>
-                  <a:schemeClr val="tx1"/>
-                </a:solidFill>
-                <a:effectLst/>
-                <a:latin typeface="+mn-lt"/>
-                <a:ea typeface="+mn-ea"/>
-                <a:cs typeface="+mn-cs"/>
-              </a:rPr>
-              <a:t>engine</a:t>
-            </a:r>
-            <a:endParaRPr lang="en-AU" sz="1200" b="0" i="0" kern="1200" dirty="0" smtClean="0">
-              <a:solidFill>
-                <a:schemeClr val="tx1"/>
-              </a:solidFill>
-              <a:effectLst/>
-              <a:latin typeface="+mn-lt"/>
-              <a:ea typeface="+mn-ea"/>
-              <a:cs typeface="+mn-cs"/>
-            </a:endParaRPr>
+              <a:t>Wolfram alpha  - It is not search engine, but computational knowledge engine</a:t>
+            </a:r>
           </a:p>
         </p:txBody>
       </p:sp>
@@ -2952,19 +2911,11 @@
           <a:p>
             <a:r>
               <a:rPr lang="en-AU" dirty="0" smtClean="0"/>
-              <a:t>* All </a:t>
-            </a:r>
-            <a:r>
-              <a:rPr lang="en-AU" dirty="0" smtClean="0"/>
-              <a:t>types share space of</a:t>
+              <a:t>* All types share space of</a:t>
             </a:r>
             <a:r>
               <a:rPr lang="en-AU" baseline="0" dirty="0" smtClean="0"/>
-              <a:t> index and need the same field types. You can’t use the same field name with different field types across the </a:t>
-            </a:r>
-            <a:r>
-              <a:rPr lang="en-AU" baseline="0" dirty="0" smtClean="0"/>
-              <a:t>index</a:t>
+              <a:t> index and need the same field types. You can’t use the same field name with different field types across the index</a:t>
             </a:r>
           </a:p>
           <a:p>
@@ -3359,11 +3310,7 @@
           <a:p>
             <a:r>
               <a:rPr lang="en-AU" dirty="0" smtClean="0"/>
-              <a:t>* The </a:t>
-            </a:r>
-            <a:r>
-              <a:rPr lang="en-AU" dirty="0" smtClean="0"/>
-              <a:t>content is stored in hidden folder and hidden </a:t>
+              <a:t>* The content is stored in hidden folder and hidden </a:t>
             </a:r>
             <a:r>
               <a:rPr lang="en-AU" dirty="0" err="1" smtClean="0"/>
@@ -3371,19 +3318,11 @@
             </a:r>
             <a:r>
               <a:rPr lang="en-AU" dirty="0" smtClean="0"/>
-              <a:t> files</a:t>
-            </a:r>
-            <a:r>
-              <a:rPr lang="en-AU" dirty="0" smtClean="0"/>
-              <a:t>. You can rename, move parent folder or delete hidden one. It</a:t>
+              <a:t> files. You can rename, move parent folder or delete hidden one. It</a:t>
             </a:r>
             <a:r>
               <a:rPr lang="en-AU" baseline="0" dirty="0" smtClean="0"/>
-              <a:t> is </a:t>
-            </a:r>
-            <a:r>
-              <a:rPr lang="en-AU" baseline="0" dirty="0" smtClean="0"/>
-              <a:t>stable</a:t>
+              <a:t> is stable</a:t>
             </a:r>
           </a:p>
           <a:p>
@@ -4076,7 +4015,7 @@
           <a:p>
             <a:fld id="{83284890-85D2-4D7B-8EF5-15A9C1DB8F42}" type="datetimeFigureOut">
               <a:rPr lang="en-US" dirty="0"/>
-              <a:t>6/11/2016</a:t>
+              <a:t>6/13/2016</a:t>
             </a:fld>
             <a:endParaRPr lang="en-US" dirty="0"/>
           </a:p>
@@ -4251,7 +4190,7 @@
           <a:p>
             <a:fld id="{87157CC2-0FC8-4686-B024-99790E0F5162}" type="datetimeFigureOut">
               <a:rPr lang="en-US" dirty="0"/>
-              <a:t>6/11/2016</a:t>
+              <a:t>6/13/2016</a:t>
             </a:fld>
             <a:endParaRPr lang="en-US" dirty="0"/>
           </a:p>
@@ -4426,7 +4365,7 @@
           <a:p>
             <a:fld id="{F6764DA5-CD3D-4590-A511-FCD3BC7A793E}" type="datetimeFigureOut">
               <a:rPr lang="en-US" dirty="0"/>
-              <a:t>6/11/2016</a:t>
+              <a:t>6/13/2016</a:t>
             </a:fld>
             <a:endParaRPr lang="en-US" dirty="0"/>
           </a:p>
@@ -4591,7 +4530,7 @@
           <a:p>
             <a:fld id="{82F5661D-6934-4B32-B92C-470368BF1EC6}" type="datetimeFigureOut">
               <a:rPr lang="en-US" dirty="0"/>
-              <a:t>6/11/2016</a:t>
+              <a:t>6/13/2016</a:t>
             </a:fld>
             <a:endParaRPr lang="en-US" dirty="0"/>
           </a:p>
@@ -4899,7 +4838,7 @@
           <a:p>
             <a:fld id="{C6F822A4-8DA6-4447-9B1F-C5DB58435268}" type="datetimeFigureOut">
               <a:rPr lang="en-US" dirty="0"/>
-              <a:t>6/11/2016</a:t>
+              <a:t>6/13/2016</a:t>
             </a:fld>
             <a:endParaRPr lang="en-US" dirty="0"/>
           </a:p>
@@ -5281,7 +5220,7 @@
           <a:p>
             <a:fld id="{E548D31E-DCDA-41A7-9C67-C4B11B94D21D}" type="datetimeFigureOut">
               <a:rPr lang="en-US" dirty="0"/>
-              <a:t>6/11/2016</a:t>
+              <a:t>6/13/2016</a:t>
             </a:fld>
             <a:endParaRPr lang="en-US" dirty="0"/>
           </a:p>
@@ -5710,7 +5649,7 @@
           <a:p>
             <a:fld id="{9B3762C0-B258-48F1-ADE6-176B4174CCDD}" type="datetimeFigureOut">
               <a:rPr lang="en-US" dirty="0"/>
-              <a:t>6/11/2016</a:t>
+              <a:t>6/13/2016</a:t>
             </a:fld>
             <a:endParaRPr lang="en-US" dirty="0"/>
           </a:p>
@@ -5823,7 +5762,7 @@
           <a:p>
             <a:fld id="{677919A6-33EB-49BD-A62F-1FA56B9F9712}" type="datetimeFigureOut">
               <a:rPr lang="en-US" dirty="0"/>
-              <a:t>6/11/2016</a:t>
+              <a:t>6/13/2016</a:t>
             </a:fld>
             <a:endParaRPr lang="en-US" dirty="0"/>
           </a:p>
@@ -5913,7 +5852,7 @@
           <a:p>
             <a:fld id="{CA4E7D1B-D673-4CF6-8672-009D42ABD2A0}" type="datetimeFigureOut">
               <a:rPr lang="en-US" dirty="0"/>
-              <a:t>6/11/2016</a:t>
+              <a:t>6/13/2016</a:t>
             </a:fld>
             <a:endParaRPr lang="en-US" dirty="0"/>
           </a:p>
@@ -6258,7 +6197,7 @@
           <a:p>
             <a:fld id="{DA16AA21-1863-4931-97CB-99D0A168701B}" type="datetimeFigureOut">
               <a:rPr lang="en-US" dirty="0"/>
-              <a:t>6/11/2016</a:t>
+              <a:t>6/13/2016</a:t>
             </a:fld>
             <a:endParaRPr lang="en-US" dirty="0"/>
           </a:p>
@@ -6678,7 +6617,7 @@
           <a:p>
             <a:fld id="{3772C379-9A7C-4C87-A116-CBE9F58B04C5}" type="datetimeFigureOut">
               <a:rPr lang="en-US" dirty="0"/>
-              <a:t>6/11/2016</a:t>
+              <a:t>6/13/2016</a:t>
             </a:fld>
             <a:endParaRPr lang="en-US" dirty="0"/>
           </a:p>
@@ -6954,7 +6893,7 @@
           <a:p>
             <a:fld id="{8664C608-40B1-4030-A28D-5B74BC98ADCE}" type="datetimeFigureOut">
               <a:rPr lang="en-US" dirty="0"/>
-              <a:t>6/11/2016</a:t>
+              <a:t>6/13/2016</a:t>
             </a:fld>
             <a:endParaRPr lang="en-US" dirty="0"/>
           </a:p>
@@ -7803,7 +7742,7 @@
         <p:spPr>
           <a:xfrm>
             <a:off x="2449919" y="1944242"/>
-            <a:ext cx="8607020" cy="571223"/>
+            <a:ext cx="8607020" cy="680257"/>
           </a:xfrm>
           <a:prstGeom prst="flowChartMultidocument">
             <a:avLst/>
@@ -7829,17 +7768,27 @@
           <a:bodyPr rtlCol="0" anchor="ctr"/>
           <a:lstStyle/>
           <a:p>
-            <a:pPr algn="ctr"/>
             <a:r>
               <a:rPr lang="en-AU" dirty="0" smtClean="0"/>
               <a:t>Authentication &amp; Authorization </a:t>
             </a:r>
           </a:p>
           <a:p>
-            <a:pPr algn="ctr"/>
             <a:r>
               <a:rPr lang="en-AU" sz="1300" dirty="0" smtClean="0"/>
-              <a:t>Session, Ticket,  Claim, OWIN, AD, Kerberos, NTLM, Secret, API Key</a:t>
+              <a:t>Session, Ticket,  Claim, OWIN, </a:t>
+            </a:r>
+            <a:r>
+              <a:rPr lang="en-AU" sz="1300" dirty="0" smtClean="0"/>
+              <a:t>Basic, </a:t>
+            </a:r>
+            <a:r>
+              <a:rPr lang="en-AU" sz="1300" dirty="0" smtClean="0"/>
+              <a:t>Kerberos, NTLM, </a:t>
+            </a:r>
+            <a:r>
+              <a:rPr lang="en-AU" sz="1300" dirty="0" smtClean="0"/>
+              <a:t>API Secrets and Keys</a:t>
             </a:r>
             <a:endParaRPr lang="en-AU" sz="1300" dirty="0"/>
           </a:p>
@@ -7962,7 +7911,15 @@
             <a:pPr algn="ctr"/>
             <a:r>
               <a:rPr lang="en-AU" sz="1100" dirty="0" smtClean="0"/>
-              <a:t>SharePoint, Power BI, Azure, Visual Studio</a:t>
+              <a:t>SharePoint, Power BI, </a:t>
+            </a:r>
+            <a:r>
+              <a:rPr lang="en-AU" sz="1100" dirty="0" smtClean="0"/>
+              <a:t>Cortana Analytics, </a:t>
+            </a:r>
+            <a:r>
+              <a:rPr lang="en-AU" sz="1100" dirty="0" smtClean="0"/>
+              <a:t>Visual Studio</a:t>
             </a:r>
             <a:endParaRPr lang="en-AU" sz="1600" dirty="0"/>
           </a:p>
@@ -8364,11 +8321,7 @@
             </a:r>
             <a:r>
               <a:rPr lang="en-AU" sz="1600" dirty="0" smtClean="0"/>
-              <a:t>.</a:t>
-            </a:r>
-            <a:r>
-              <a:rPr lang="en-AU" sz="1600" dirty="0" smtClean="0"/>
-              <a:t>..)</a:t>
+              <a:t>...)</a:t>
             </a:r>
             <a:endParaRPr lang="en-AU" sz="1600" dirty="0"/>
           </a:p>
@@ -8428,49 +8381,6 @@
           </a:p>
         </p:txBody>
       </p:sp>
-      <p:sp>
-        <p:nvSpPr>
-          <p:cNvPr id="4" name="Right Arrow 3"/>
-          <p:cNvSpPr/>
-          <p:nvPr/>
-        </p:nvSpPr>
-        <p:spPr>
-          <a:xfrm>
-            <a:off x="9324974" y="4975590"/>
-            <a:ext cx="1114425" cy="468658"/>
-          </a:xfrm>
-          <a:prstGeom prst="rightArrow">
-            <a:avLst/>
-          </a:prstGeom>
-        </p:spPr>
-        <p:style>
-          <a:lnRef idx="2">
-            <a:schemeClr val="accent1">
-              <a:shade val="50000"/>
-            </a:schemeClr>
-          </a:lnRef>
-          <a:fillRef idx="1">
-            <a:schemeClr val="accent1"/>
-          </a:fillRef>
-          <a:effectRef idx="0">
-            <a:schemeClr val="accent1"/>
-          </a:effectRef>
-          <a:fontRef idx="minor">
-            <a:schemeClr val="lt1"/>
-          </a:fontRef>
-        </p:style>
-        <p:txBody>
-          <a:bodyPr rtlCol="0" anchor="ctr"/>
-          <a:lstStyle/>
-          <a:p>
-            <a:pPr algn="ctr"/>
-            <a:r>
-              <a:rPr lang="en-AU" sz="1400" dirty="0" smtClean="0"/>
-              <a:t>UI</a:t>
-            </a:r>
-          </a:p>
-        </p:txBody>
-      </p:sp>
       <p:pic>
         <p:nvPicPr>
           <p:cNvPr id="6" name="Picture 5"/>
@@ -8493,8 +8403,8 @@
         </p:blipFill>
         <p:spPr>
           <a:xfrm>
-            <a:off x="10441132" y="4739035"/>
-            <a:ext cx="1193199" cy="1193199"/>
+            <a:off x="6050511" y="6008204"/>
+            <a:ext cx="727729" cy="727729"/>
           </a:xfrm>
           <a:prstGeom prst="rect">
             <a:avLst/>
@@ -8657,6 +8567,581 @@
           <a:p>
             <a:pPr algn="ctr"/>
             <a:endParaRPr lang="en-AU" sz="1400" dirty="0" smtClean="0"/>
+          </a:p>
+        </p:txBody>
+      </p:sp>
+      <p:sp>
+        <p:nvSpPr>
+          <p:cNvPr id="3" name="Rectangle 2"/>
+          <p:cNvSpPr/>
+          <p:nvPr/>
+        </p:nvSpPr>
+        <p:spPr>
+          <a:xfrm>
+            <a:off x="8572501" y="2541613"/>
+            <a:ext cx="3277656" cy="4524315"/>
+          </a:xfrm>
+          <a:prstGeom prst="rect">
+            <a:avLst/>
+          </a:prstGeom>
+        </p:spPr>
+        <p:txBody>
+          <a:bodyPr wrap="square">
+            <a:spAutoFit/>
+          </a:bodyPr>
+          <a:lstStyle/>
+          <a:p>
+            <a:r>
+              <a:rPr lang="en-AU" sz="1200" dirty="0">
+                <a:solidFill>
+                  <a:srgbClr val="006400"/>
+                </a:solidFill>
+                <a:latin typeface="Lucida Console" panose="020B0609040504020204" pitchFamily="49" charset="0"/>
+              </a:rPr>
+              <a:t>#find </a:t>
+            </a:r>
+            <a:r>
+              <a:rPr lang="en-AU" sz="1200" dirty="0" smtClean="0">
+                <a:solidFill>
+                  <a:srgbClr val="006400"/>
+                </a:solidFill>
+                <a:latin typeface="Lucida Console" panose="020B0609040504020204" pitchFamily="49" charset="0"/>
+              </a:rPr>
+              <a:t>address, postal code…</a:t>
+            </a:r>
+          </a:p>
+          <a:p>
+            <a:r>
+              <a:rPr lang="en-AU" sz="1200" dirty="0">
+                <a:solidFill>
+                  <a:srgbClr val="006400"/>
+                </a:solidFill>
+                <a:latin typeface="Lucida Console" panose="020B0609040504020204" pitchFamily="49" charset="0"/>
+              </a:rPr>
+              <a:t>#find </a:t>
+            </a:r>
+            <a:r>
+              <a:rPr lang="en-AU" sz="1200" dirty="0" smtClean="0">
+                <a:solidFill>
+                  <a:srgbClr val="006400"/>
+                </a:solidFill>
+                <a:latin typeface="Lucida Console" panose="020B0609040504020204" pitchFamily="49" charset="0"/>
+              </a:rPr>
+              <a:t>trend, images…</a:t>
+            </a:r>
+            <a:endParaRPr lang="en-AU" sz="1200" dirty="0">
+              <a:solidFill>
+                <a:srgbClr val="006400"/>
+              </a:solidFill>
+              <a:latin typeface="Lucida Console" panose="020B0609040504020204" pitchFamily="49" charset="0"/>
+            </a:endParaRPr>
+          </a:p>
+          <a:p>
+            <a:r>
+              <a:rPr lang="en-AU" sz="1200" dirty="0" smtClean="0"/>
+              <a:t> </a:t>
+            </a:r>
+            <a:r>
+              <a:rPr lang="en-AU" sz="1200" dirty="0">
+                <a:solidFill>
+                  <a:srgbClr val="006400"/>
+                </a:solidFill>
+                <a:latin typeface="Lucida Console" panose="020B0609040504020204" pitchFamily="49" charset="0"/>
+              </a:rPr>
+              <a:t>#find coffee</a:t>
+            </a:r>
+            <a:endParaRPr lang="en-AU" sz="1200" dirty="0">
+              <a:solidFill>
+                <a:prstClr val="black"/>
+              </a:solidFill>
+              <a:latin typeface="Lucida Console" panose="020B0609040504020204" pitchFamily="49" charset="0"/>
+            </a:endParaRPr>
+          </a:p>
+          <a:p>
+            <a:r>
+              <a:rPr lang="fi-FI" sz="1200" dirty="0">
+                <a:solidFill>
+                  <a:srgbClr val="FF4500"/>
+                </a:solidFill>
+                <a:latin typeface="Lucida Console" panose="020B0609040504020204" pitchFamily="49" charset="0"/>
+              </a:rPr>
+              <a:t>$uri</a:t>
+            </a:r>
+            <a:r>
+              <a:rPr lang="fi-FI" sz="1200" dirty="0">
+                <a:solidFill>
+                  <a:prstClr val="black"/>
+                </a:solidFill>
+                <a:latin typeface="Lucida Console" panose="020B0609040504020204" pitchFamily="49" charset="0"/>
+              </a:rPr>
+              <a:t> </a:t>
+            </a:r>
+            <a:r>
+              <a:rPr lang="fi-FI" sz="1200" dirty="0">
+                <a:solidFill>
+                  <a:srgbClr val="A9A9A9"/>
+                </a:solidFill>
+                <a:latin typeface="Lucida Console" panose="020B0609040504020204" pitchFamily="49" charset="0"/>
+              </a:rPr>
+              <a:t>=</a:t>
+            </a:r>
+            <a:r>
+              <a:rPr lang="fi-FI" sz="1200" dirty="0">
+                <a:solidFill>
+                  <a:prstClr val="black"/>
+                </a:solidFill>
+                <a:latin typeface="Lucida Console" panose="020B0609040504020204" pitchFamily="49" charset="0"/>
+              </a:rPr>
+              <a:t> </a:t>
+            </a:r>
+            <a:r>
+              <a:rPr lang="fi-FI" sz="1200" dirty="0">
+                <a:solidFill>
+                  <a:srgbClr val="8B0000"/>
+                </a:solidFill>
+                <a:latin typeface="Lucida Console" panose="020B0609040504020204" pitchFamily="49" charset="0"/>
+              </a:rPr>
+              <a:t>"https://api.foursquare.com/v2/venues/search?client_id=</a:t>
+            </a:r>
+            <a:r>
+              <a:rPr lang="fi-FI" sz="1200" dirty="0">
+                <a:solidFill>
+                  <a:srgbClr val="FF4500"/>
+                </a:solidFill>
+                <a:latin typeface="Lucida Console" panose="020B0609040504020204" pitchFamily="49" charset="0"/>
+              </a:rPr>
+              <a:t>$env:Foursquare_ClientId</a:t>
+            </a:r>
+            <a:r>
+              <a:rPr lang="fi-FI" sz="1200" dirty="0">
+                <a:solidFill>
+                  <a:srgbClr val="8B0000"/>
+                </a:solidFill>
+                <a:latin typeface="Lucida Console" panose="020B0609040504020204" pitchFamily="49" charset="0"/>
+              </a:rPr>
+              <a:t>&amp;client_secret=</a:t>
+            </a:r>
+            <a:r>
+              <a:rPr lang="fi-FI" sz="1200" dirty="0">
+                <a:solidFill>
+                  <a:srgbClr val="FF4500"/>
+                </a:solidFill>
+                <a:latin typeface="Lucida Console" panose="020B0609040504020204" pitchFamily="49" charset="0"/>
+              </a:rPr>
+              <a:t>$env:Foursquare_ClientSecret</a:t>
+            </a:r>
+            <a:r>
+              <a:rPr lang="fi-FI" sz="1200" dirty="0">
+                <a:solidFill>
+                  <a:srgbClr val="8B0000"/>
+                </a:solidFill>
+                <a:latin typeface="Lucida Console" panose="020B0609040504020204" pitchFamily="49" charset="0"/>
+              </a:rPr>
+              <a:t>&amp;v=20140806&amp;ll=-34.93727%2C138.57384&amp;query=coffee"</a:t>
+            </a:r>
+            <a:endParaRPr lang="fi-FI" sz="1200" dirty="0">
+              <a:solidFill>
+                <a:prstClr val="black"/>
+              </a:solidFill>
+              <a:latin typeface="Lucida Console" panose="020B0609040504020204" pitchFamily="49" charset="0"/>
+            </a:endParaRPr>
+          </a:p>
+          <a:p>
+            <a:r>
+              <a:rPr lang="en-AU" sz="1200" dirty="0">
+                <a:solidFill>
+                  <a:srgbClr val="006400"/>
+                </a:solidFill>
+                <a:latin typeface="Lucida Console" panose="020B0609040504020204" pitchFamily="49" charset="0"/>
+              </a:rPr>
+              <a:t>#find sushi </a:t>
+            </a:r>
+            <a:endParaRPr lang="en-AU" sz="1200" dirty="0">
+              <a:solidFill>
+                <a:prstClr val="black"/>
+              </a:solidFill>
+              <a:latin typeface="Lucida Console" panose="020B0609040504020204" pitchFamily="49" charset="0"/>
+            </a:endParaRPr>
+          </a:p>
+          <a:p>
+            <a:r>
+              <a:rPr lang="fi-FI" sz="1200" dirty="0">
+                <a:solidFill>
+                  <a:srgbClr val="FF4500"/>
+                </a:solidFill>
+                <a:latin typeface="Lucida Console" panose="020B0609040504020204" pitchFamily="49" charset="0"/>
+              </a:rPr>
+              <a:t>$uri</a:t>
+            </a:r>
+            <a:r>
+              <a:rPr lang="fi-FI" sz="1200" dirty="0">
+                <a:solidFill>
+                  <a:prstClr val="black"/>
+                </a:solidFill>
+                <a:latin typeface="Lucida Console" panose="020B0609040504020204" pitchFamily="49" charset="0"/>
+              </a:rPr>
+              <a:t> </a:t>
+            </a:r>
+            <a:r>
+              <a:rPr lang="fi-FI" sz="1200" dirty="0">
+                <a:solidFill>
+                  <a:srgbClr val="A9A9A9"/>
+                </a:solidFill>
+                <a:latin typeface="Lucida Console" panose="020B0609040504020204" pitchFamily="49" charset="0"/>
+              </a:rPr>
+              <a:t>=</a:t>
+            </a:r>
+            <a:r>
+              <a:rPr lang="fi-FI" sz="1200" dirty="0">
+                <a:solidFill>
+                  <a:prstClr val="black"/>
+                </a:solidFill>
+                <a:latin typeface="Lucida Console" panose="020B0609040504020204" pitchFamily="49" charset="0"/>
+              </a:rPr>
+              <a:t> </a:t>
+            </a:r>
+            <a:r>
+              <a:rPr lang="fi-FI" sz="1200" dirty="0">
+                <a:solidFill>
+                  <a:srgbClr val="8B0000"/>
+                </a:solidFill>
+                <a:latin typeface="Lucida Console" panose="020B0609040504020204" pitchFamily="49" charset="0"/>
+              </a:rPr>
+              <a:t>"https://api.foursquare.com/v2/venues/search?client_id=</a:t>
+            </a:r>
+            <a:r>
+              <a:rPr lang="fi-FI" sz="1200" dirty="0">
+                <a:solidFill>
+                  <a:srgbClr val="FF4500"/>
+                </a:solidFill>
+                <a:latin typeface="Lucida Console" panose="020B0609040504020204" pitchFamily="49" charset="0"/>
+              </a:rPr>
+              <a:t>$env:Foursquare_ClientId</a:t>
+            </a:r>
+            <a:r>
+              <a:rPr lang="fi-FI" sz="1200" dirty="0">
+                <a:solidFill>
+                  <a:srgbClr val="8B0000"/>
+                </a:solidFill>
+                <a:latin typeface="Lucida Console" panose="020B0609040504020204" pitchFamily="49" charset="0"/>
+              </a:rPr>
+              <a:t>&amp;client_secret=</a:t>
+            </a:r>
+            <a:r>
+              <a:rPr lang="fi-FI" sz="1200" dirty="0">
+                <a:solidFill>
+                  <a:srgbClr val="FF4500"/>
+                </a:solidFill>
+                <a:latin typeface="Lucida Console" panose="020B0609040504020204" pitchFamily="49" charset="0"/>
+              </a:rPr>
+              <a:t>$env:Foursquare_ClientSecret</a:t>
+            </a:r>
+            <a:r>
+              <a:rPr lang="fi-FI" sz="1200" dirty="0">
+                <a:solidFill>
+                  <a:srgbClr val="8B0000"/>
+                </a:solidFill>
+                <a:latin typeface="Lucida Console" panose="020B0609040504020204" pitchFamily="49" charset="0"/>
+              </a:rPr>
+              <a:t>&amp;v=20140806&amp;ll=40.7,-74&amp;query=sushi"</a:t>
+            </a:r>
+            <a:endParaRPr lang="fi-FI" sz="1200" dirty="0">
+              <a:solidFill>
+                <a:prstClr val="black"/>
+              </a:solidFill>
+              <a:latin typeface="Lucida Console" panose="020B0609040504020204" pitchFamily="49" charset="0"/>
+            </a:endParaRPr>
+          </a:p>
+          <a:p>
+            <a:r>
+              <a:rPr lang="en-AU" sz="1200" dirty="0">
+                <a:solidFill>
+                  <a:srgbClr val="FF4500"/>
+                </a:solidFill>
+                <a:latin typeface="Lucida Console" panose="020B0609040504020204" pitchFamily="49" charset="0"/>
+              </a:rPr>
+              <a:t>$response</a:t>
+            </a:r>
+            <a:r>
+              <a:rPr lang="en-AU" sz="1200" dirty="0">
+                <a:solidFill>
+                  <a:prstClr val="black"/>
+                </a:solidFill>
+                <a:latin typeface="Lucida Console" panose="020B0609040504020204" pitchFamily="49" charset="0"/>
+              </a:rPr>
+              <a:t> </a:t>
+            </a:r>
+            <a:r>
+              <a:rPr lang="en-AU" sz="1200" dirty="0">
+                <a:solidFill>
+                  <a:srgbClr val="A9A9A9"/>
+                </a:solidFill>
+                <a:latin typeface="Lucida Console" panose="020B0609040504020204" pitchFamily="49" charset="0"/>
+              </a:rPr>
+              <a:t>=</a:t>
+            </a:r>
+            <a:r>
+              <a:rPr lang="en-AU" sz="1200" dirty="0">
+                <a:solidFill>
+                  <a:prstClr val="black"/>
+                </a:solidFill>
+                <a:latin typeface="Lucida Console" panose="020B0609040504020204" pitchFamily="49" charset="0"/>
+              </a:rPr>
+              <a:t> </a:t>
+            </a:r>
+            <a:r>
+              <a:rPr lang="en-AU" sz="1200" dirty="0" err="1">
+                <a:solidFill>
+                  <a:srgbClr val="8A2BE2"/>
+                </a:solidFill>
+                <a:latin typeface="Lucida Console" panose="020B0609040504020204" pitchFamily="49" charset="0"/>
+              </a:rPr>
+              <a:t>wget</a:t>
+            </a:r>
+            <a:r>
+              <a:rPr lang="en-AU" sz="1200" dirty="0">
+                <a:solidFill>
+                  <a:prstClr val="black"/>
+                </a:solidFill>
+                <a:latin typeface="Lucida Console" panose="020B0609040504020204" pitchFamily="49" charset="0"/>
+              </a:rPr>
+              <a:t> </a:t>
+            </a:r>
+            <a:r>
+              <a:rPr lang="en-AU" sz="1200" dirty="0">
+                <a:solidFill>
+                  <a:srgbClr val="000080"/>
+                </a:solidFill>
+                <a:latin typeface="Lucida Console" panose="020B0609040504020204" pitchFamily="49" charset="0"/>
+              </a:rPr>
+              <a:t>-Uri</a:t>
+            </a:r>
+            <a:r>
+              <a:rPr lang="en-AU" sz="1200" dirty="0">
+                <a:solidFill>
+                  <a:prstClr val="black"/>
+                </a:solidFill>
+                <a:latin typeface="Lucida Console" panose="020B0609040504020204" pitchFamily="49" charset="0"/>
+              </a:rPr>
+              <a:t> </a:t>
+            </a:r>
+            <a:r>
+              <a:rPr lang="en-AU" sz="1200" dirty="0">
+                <a:solidFill>
+                  <a:srgbClr val="FF4500"/>
+                </a:solidFill>
+                <a:latin typeface="Lucida Console" panose="020B0609040504020204" pitchFamily="49" charset="0"/>
+              </a:rPr>
+              <a:t>$</a:t>
+            </a:r>
+            <a:r>
+              <a:rPr lang="en-AU" sz="1200" dirty="0" err="1">
+                <a:solidFill>
+                  <a:srgbClr val="FF4500"/>
+                </a:solidFill>
+                <a:latin typeface="Lucida Console" panose="020B0609040504020204" pitchFamily="49" charset="0"/>
+              </a:rPr>
+              <a:t>uri</a:t>
+            </a:r>
+            <a:r>
+              <a:rPr lang="en-AU" sz="1200" dirty="0">
+                <a:solidFill>
+                  <a:prstClr val="black"/>
+                </a:solidFill>
+                <a:latin typeface="Lucida Console" panose="020B0609040504020204" pitchFamily="49" charset="0"/>
+              </a:rPr>
+              <a:t> </a:t>
+            </a:r>
+            <a:r>
+              <a:rPr lang="en-AU" sz="1200" dirty="0">
+                <a:solidFill>
+                  <a:srgbClr val="000080"/>
+                </a:solidFill>
+                <a:latin typeface="Lucida Console" panose="020B0609040504020204" pitchFamily="49" charset="0"/>
+              </a:rPr>
+              <a:t>-method</a:t>
+            </a:r>
+            <a:r>
+              <a:rPr lang="en-AU" sz="1200" dirty="0">
+                <a:solidFill>
+                  <a:prstClr val="black"/>
+                </a:solidFill>
+                <a:latin typeface="Lucida Console" panose="020B0609040504020204" pitchFamily="49" charset="0"/>
+              </a:rPr>
+              <a:t> </a:t>
+            </a:r>
+            <a:r>
+              <a:rPr lang="en-AU" sz="1200" dirty="0">
+                <a:solidFill>
+                  <a:srgbClr val="8B0000"/>
+                </a:solidFill>
+                <a:latin typeface="Lucida Console" panose="020B0609040504020204" pitchFamily="49" charset="0"/>
+              </a:rPr>
+              <a:t>"Get"</a:t>
+            </a:r>
+            <a:r>
+              <a:rPr lang="en-AU" sz="1200" dirty="0">
+                <a:solidFill>
+                  <a:prstClr val="black"/>
+                </a:solidFill>
+                <a:latin typeface="Lucida Console" panose="020B0609040504020204" pitchFamily="49" charset="0"/>
+              </a:rPr>
+              <a:t> </a:t>
+            </a:r>
+            <a:r>
+              <a:rPr lang="en-AU" sz="1200" dirty="0">
+                <a:solidFill>
+                  <a:srgbClr val="000080"/>
+                </a:solidFill>
+                <a:latin typeface="Lucida Console" panose="020B0609040504020204" pitchFamily="49" charset="0"/>
+              </a:rPr>
+              <a:t>-</a:t>
+            </a:r>
+            <a:r>
+              <a:rPr lang="en-AU" sz="1200" dirty="0" err="1">
+                <a:solidFill>
+                  <a:srgbClr val="000080"/>
+                </a:solidFill>
+                <a:latin typeface="Lucida Console" panose="020B0609040504020204" pitchFamily="49" charset="0"/>
+              </a:rPr>
+              <a:t>ContentType</a:t>
+            </a:r>
+            <a:r>
+              <a:rPr lang="en-AU" sz="1200" dirty="0">
+                <a:solidFill>
+                  <a:prstClr val="black"/>
+                </a:solidFill>
+                <a:latin typeface="Lucida Console" panose="020B0609040504020204" pitchFamily="49" charset="0"/>
+              </a:rPr>
+              <a:t> </a:t>
+            </a:r>
+            <a:r>
+              <a:rPr lang="en-AU" sz="1200" dirty="0">
+                <a:solidFill>
+                  <a:srgbClr val="8B0000"/>
+                </a:solidFill>
+                <a:latin typeface="Lucida Console" panose="020B0609040504020204" pitchFamily="49" charset="0"/>
+              </a:rPr>
+              <a:t>'application/</a:t>
+            </a:r>
+            <a:r>
+              <a:rPr lang="en-AU" sz="1200" dirty="0" err="1">
+                <a:solidFill>
+                  <a:srgbClr val="8B0000"/>
+                </a:solidFill>
+                <a:latin typeface="Lucida Console" panose="020B0609040504020204" pitchFamily="49" charset="0"/>
+              </a:rPr>
+              <a:t>json</a:t>
+            </a:r>
+            <a:r>
+              <a:rPr lang="en-AU" sz="1200" dirty="0">
+                <a:solidFill>
+                  <a:srgbClr val="8B0000"/>
+                </a:solidFill>
+                <a:latin typeface="Lucida Console" panose="020B0609040504020204" pitchFamily="49" charset="0"/>
+              </a:rPr>
+              <a:t>'</a:t>
+            </a:r>
+            <a:r>
+              <a:rPr lang="en-AU" sz="1200" dirty="0">
+                <a:solidFill>
+                  <a:prstClr val="black"/>
+                </a:solidFill>
+                <a:latin typeface="Lucida Console" panose="020B0609040504020204" pitchFamily="49" charset="0"/>
+              </a:rPr>
+              <a:t> </a:t>
+            </a:r>
+          </a:p>
+          <a:p>
+            <a:r>
+              <a:rPr lang="en-AU" sz="1200" dirty="0" smtClean="0">
+                <a:solidFill>
+                  <a:srgbClr val="8A2BE2"/>
+                </a:solidFill>
+                <a:latin typeface="Lucida Console" panose="020B0609040504020204" pitchFamily="49" charset="0"/>
+              </a:rPr>
+              <a:t>$finder = </a:t>
+            </a:r>
+            <a:r>
+              <a:rPr lang="en-AU" sz="1200" dirty="0" err="1" smtClean="0">
+                <a:solidFill>
+                  <a:srgbClr val="8A2BE2"/>
+                </a:solidFill>
+                <a:latin typeface="Lucida Console" panose="020B0609040504020204" pitchFamily="49" charset="0"/>
+              </a:rPr>
+              <a:t>ConvertFrom</a:t>
+            </a:r>
+            <a:r>
+              <a:rPr lang="en-AU" sz="1200" dirty="0" err="1" smtClean="0">
+                <a:solidFill>
+                  <a:srgbClr val="000080"/>
+                </a:solidFill>
+                <a:latin typeface="Lucida Console" panose="020B0609040504020204" pitchFamily="49" charset="0"/>
+              </a:rPr>
+              <a:t>-Json</a:t>
+            </a:r>
+            <a:r>
+              <a:rPr lang="en-AU" sz="1200" dirty="0" smtClean="0">
+                <a:solidFill>
+                  <a:prstClr val="black"/>
+                </a:solidFill>
+                <a:latin typeface="Lucida Console" panose="020B0609040504020204" pitchFamily="49" charset="0"/>
+              </a:rPr>
+              <a:t> </a:t>
+            </a:r>
+            <a:r>
+              <a:rPr lang="en-AU" sz="1200" dirty="0">
+                <a:solidFill>
+                  <a:srgbClr val="FF4500"/>
+                </a:solidFill>
+                <a:latin typeface="Lucida Console" panose="020B0609040504020204" pitchFamily="49" charset="0"/>
+              </a:rPr>
+              <a:t>$</a:t>
+            </a:r>
+            <a:r>
+              <a:rPr lang="en-AU" sz="1200" dirty="0" err="1">
+                <a:solidFill>
+                  <a:srgbClr val="FF4500"/>
+                </a:solidFill>
+                <a:latin typeface="Lucida Console" panose="020B0609040504020204" pitchFamily="49" charset="0"/>
+              </a:rPr>
+              <a:t>response</a:t>
+            </a:r>
+            <a:r>
+              <a:rPr lang="en-AU" sz="1200" dirty="0" err="1">
+                <a:solidFill>
+                  <a:srgbClr val="A9A9A9"/>
+                </a:solidFill>
+                <a:latin typeface="Lucida Console" panose="020B0609040504020204" pitchFamily="49" charset="0"/>
+              </a:rPr>
+              <a:t>.</a:t>
+            </a:r>
+            <a:r>
+              <a:rPr lang="en-AU" sz="1200" dirty="0" err="1">
+                <a:solidFill>
+                  <a:srgbClr val="8A2BE2"/>
+                </a:solidFill>
+                <a:latin typeface="Lucida Console" panose="020B0609040504020204" pitchFamily="49" charset="0"/>
+              </a:rPr>
+              <a:t>Content</a:t>
+            </a:r>
+            <a:endParaRPr lang="en-AU" sz="1200" dirty="0">
+              <a:solidFill>
+                <a:prstClr val="black"/>
+              </a:solidFill>
+              <a:latin typeface="Lucida Console" panose="020B0609040504020204" pitchFamily="49" charset="0"/>
+            </a:endParaRPr>
+          </a:p>
+          <a:p>
+            <a:r>
+              <a:rPr lang="en-AU" sz="1200" dirty="0">
+                <a:solidFill>
+                  <a:prstClr val="black"/>
+                </a:solidFill>
+                <a:latin typeface="Lucida Console" panose="020B0609040504020204" pitchFamily="49" charset="0"/>
+              </a:rPr>
+              <a:t> </a:t>
+            </a:r>
           </a:p>
         </p:txBody>
       </p:sp>
@@ -9464,21 +9949,39 @@
                                   </p:childTnLst>
                                 </p:cTn>
                               </p:par>
+                            </p:childTnLst>
+                          </p:cTn>
+                        </p:par>
+                      </p:childTnLst>
+                    </p:cTn>
+                  </p:par>
+                  <p:par>
+                    <p:cTn id="49" fill="hold">
+                      <p:stCondLst>
+                        <p:cond delay="indefinite"/>
+                      </p:stCondLst>
+                      <p:childTnLst>
+                        <p:par>
+                          <p:cTn id="50" fill="hold">
+                            <p:stCondLst>
+                              <p:cond delay="0"/>
+                            </p:stCondLst>
+                            <p:childTnLst>
                               <p:par>
-                                <p:cTn id="49" presetID="2" presetClass="entr" presetSubtype="4" fill="hold" grpId="0" nodeType="withEffect">
+                                <p:cTn id="51" presetID="2" presetClass="entr" presetSubtype="2" fill="hold" grpId="0" nodeType="clickEffect">
                                   <p:stCondLst>
                                     <p:cond delay="0"/>
                                   </p:stCondLst>
                                   <p:childTnLst>
                                     <p:set>
                                       <p:cBhvr>
-                                        <p:cTn id="50" dur="1" fill="hold">
+                                        <p:cTn id="52" dur="1" fill="hold">
                                           <p:stCondLst>
                                             <p:cond delay="0"/>
                                           </p:stCondLst>
                                         </p:cTn>
                                         <p:tgtEl>
-                                          <p:spTgt spid="4"/>
+                                          <p:spTgt spid="9"/>
                                         </p:tgtEl>
                                         <p:attrNameLst>
                                           <p:attrName>style.visibility</p:attrName>
@@ -9490,9 +9993,9 @@
                                     </p:set>
                                     <p:anim calcmode="lin" valueType="num">
                                       <p:cBhvr additive="base">
-                                        <p:cTn id="51" dur="500" fill="hold"/>
-                                        <p:tgtEl>
-                                          <p:spTgt spid="4"/>
+                                        <p:cTn id="53" dur="500" fill="hold"/>
+                                        <p:tgtEl>
+                                          <p:spTgt spid="9"/>
                                         </p:tgtEl>
                                         <p:attrNameLst>
                                           <p:attrName>ppt_x</p:attrName>
@@ -9501,7 +10004,7 @@
                                       <p:tavLst>
                                         <p:tav tm="0">
                                           <p:val>
-                                            <p:strVal val="#ppt_x"/>
+                                            <p:strVal val="1+#ppt_w/2"/>
                                           </p:val>
                                         </p:tav>
                                         <p:tav tm="100000">
@@ -9513,9 +10016,9 @@
                                     </p:anim>
                                     <p:anim calcmode="lin" valueType="num">
                                       <p:cBhvr additive="base">
-                                        <p:cTn id="52" dur="500" fill="hold"/>
-                                        <p:tgtEl>
-                                          <p:spTgt spid="4"/>
+                                        <p:cTn id="54" dur="500" fill="hold"/>
+                                        <p:tgtEl>
+                                          <p:spTgt spid="9"/>
                                         </p:tgtEl>
                                         <p:attrNameLst>
                                           <p:attrName>ppt_y</p:attrName>
@@ -9524,7 +10027,7 @@
                                       <p:tavLst>
                                         <p:tav tm="0">
                                           <p:val>
-                                            <p:strVal val="1+#ppt_h/2"/>
+                                            <p:strVal val="#ppt_y"/>
                                           </p:val>
                                         </p:tav>
                                         <p:tav tm="100000">
@@ -9538,20 +10041,20 @@
                                 </p:cTn>
                               </p:par>
                               <p:par>
-                                <p:cTn id="53" presetID="2" presetClass="entr" presetSubtype="4" fill="hold" nodeType="withEffect">
+                                <p:cTn id="55" presetID="2" presetClass="entr" presetSubtype="2" fill="hold" grpId="0" nodeType="withEffect">
                                   <p:stCondLst>
                                     <p:cond delay="0"/>
                                   </p:stCondLst>
                                   <p:childTnLst>
                                     <p:set>
                                       <p:cBhvr>
-                                        <p:cTn id="54" dur="1" fill="hold">
+                                        <p:cTn id="56" dur="1" fill="hold">
                                           <p:stCondLst>
                                             <p:cond delay="0"/>
                                           </p:stCondLst>
                                         </p:cTn>
                                         <p:tgtEl>
-                                          <p:spTgt spid="6"/>
+                                          <p:spTgt spid="3"/>
                                         </p:tgtEl>
                                         <p:attrNameLst>
                                           <p:attrName>style.visibility</p:attrName>
@@ -9563,9 +10066,9 @@
                                     </p:set>
                                     <p:anim calcmode="lin" valueType="num">
                                       <p:cBhvr additive="base">
-                                        <p:cTn id="55" dur="500" fill="hold"/>
-                                        <p:tgtEl>
-                                          <p:spTgt spid="6"/>
+                                        <p:cTn id="57" dur="500" fill="hold"/>
+                                        <p:tgtEl>
+                                          <p:spTgt spid="3"/>
                                         </p:tgtEl>
                                         <p:attrNameLst>
                                           <p:attrName>ppt_x</p:attrName>
@@ -9574,7 +10077,7 @@
                                       <p:tavLst>
                                         <p:tav tm="0">
                                           <p:val>
-                                            <p:strVal val="#ppt_x"/>
+                                            <p:strVal val="1+#ppt_w/2"/>
                                           </p:val>
                                         </p:tav>
                                         <p:tav tm="100000">
@@ -9586,7 +10089,98 @@
                                     </p:anim>
                                     <p:anim calcmode="lin" valueType="num">
                                       <p:cBhvr additive="base">
-                                        <p:cTn id="56" dur="500" fill="hold"/>
+                                        <p:cTn id="58" dur="500" fill="hold"/>
+                                        <p:tgtEl>
+                                          <p:spTgt spid="3"/>
+                                        </p:tgtEl>
+                                        <p:attrNameLst>
+                                          <p:attrName>ppt_y</p:attrName>
+                                        </p:attrNameLst>
+                                      </p:cBhvr>
+                                      <p:tavLst>
+                                        <p:tav tm="0">
+                                          <p:val>
+                                            <p:strVal val="#ppt_y"/>
+                                          </p:val>
+                                        </p:tav>
+                                        <p:tav tm="100000">
+                                          <p:val>
+                                            <p:strVal val="#ppt_y"/>
+                                          </p:val>
+                                        </p:tav>
+                                      </p:tavLst>
+                                    </p:anim>
+                                  </p:childTnLst>
+                                </p:cTn>
+                              </p:par>
+                            </p:childTnLst>
+                          </p:cTn>
+                        </p:par>
+                      </p:childTnLst>
+                    </p:cTn>
+                  </p:par>
+                  <p:par>
+                    <p:cTn id="59" fill="hold">
+                      <p:stCondLst>
+                        <p:cond delay="indefinite"/>
+                      </p:stCondLst>
+                      <p:childTnLst>
+                        <p:par>
+                          <p:cTn id="60" fill="hold">
+                            <p:stCondLst>
+                              <p:cond delay="0"/>
+                            </p:stCondLst>
+                            <p:childTnLst>
+                              <p:par>
+                                <p:cTn id="61" presetID="2" presetClass="entr" presetSubtype="4" fill="hold" nodeType="clickEffect">
+                                  <p:stCondLst>
+                                    <p:cond delay="0"/>
+                                  </p:stCondLst>
+                                  <p:childTnLst>
+                                    <p:set>
+                                      <p:cBhvr>
+                                        <p:cTn id="62" dur="1" fill="hold">
+                                          <p:stCondLst>
+                                            <p:cond delay="0"/>
+                                          </p:stCondLst>
+                                        </p:cTn>
+                                        <p:tgtEl>
+                                          <p:spTgt spid="6"/>
+                                        </p:tgtEl>
+                                        <p:attrNameLst>
+                                          <p:attrName>style.visibility</p:attrName>
+                                        </p:attrNameLst>
+                                      </p:cBhvr>
+                                      <p:to>
+                                        <p:strVal val="visible"/>
+                                      </p:to>
+                                    </p:set>
+                                    <p:anim calcmode="lin" valueType="num">
+                                      <p:cBhvr additive="base">
+                                        <p:cTn id="63" dur="500" fill="hold"/>
+                                        <p:tgtEl>
+                                          <p:spTgt spid="6"/>
+                                        </p:tgtEl>
+                                        <p:attrNameLst>
+                                          <p:attrName>ppt_x</p:attrName>
+                                        </p:attrNameLst>
+                                      </p:cBhvr>
+                                      <p:tavLst>
+                                        <p:tav tm="0">
+                                          <p:val>
+                                            <p:strVal val="#ppt_x"/>
+                                          </p:val>
+                                        </p:tav>
+                                        <p:tav tm="100000">
+                                          <p:val>
+                                            <p:strVal val="#ppt_x"/>
+                                          </p:val>
+                                        </p:tav>
+                                      </p:tavLst>
+                                    </p:anim>
+                                    <p:anim calcmode="lin" valueType="num">
+                                      <p:cBhvr additive="base">
+                                        <p:cTn id="64" dur="500" fill="hold"/>
                                         <p:tgtEl>
                                           <p:spTgt spid="6"/>
                                         </p:tgtEl>
@@ -9640,15 +10234,16 @@
     <p:bldLst>
       <p:bldP spid="19" grpId="0" animBg="1"/>
       <p:bldP spid="28" grpId="0" animBg="1"/>
+      <p:bldP spid="9" grpId="0" animBg="1"/>
       <p:bldP spid="12" grpId="0" animBg="1"/>
       <p:bldP spid="8" grpId="0" animBg="1"/>
       <p:bldP spid="13" grpId="0" animBg="1"/>
       <p:bldP spid="22" grpId="0" animBg="1"/>
       <p:bldP spid="23" grpId="0" animBg="1"/>
       <p:bldP spid="17" grpId="0" animBg="1"/>
-      <p:bldP spid="4" grpId="0" animBg="1"/>
       <p:bldP spid="7" grpId="0" animBg="1"/>
       <p:bldP spid="10" grpId="0" animBg="1"/>
+      <p:bldP spid="3" grpId="0"/>
     </p:bldLst>
   </p:timing>
 </p:sld>
@@ -11771,11 +12366,7 @@
             <a:pPr lvl="1"/>
             <a:r>
               <a:rPr lang="en-AU" dirty="0" smtClean="0"/>
-              <a:t>Date </a:t>
-            </a:r>
-            <a:r>
-              <a:rPr lang="en-AU" dirty="0" smtClean="0"/>
-              <a:t>ranges (</a:t>
+              <a:t>Date ranges (</a:t>
             </a:r>
             <a:r>
               <a:rPr lang="en-AU" dirty="0"/>
@@ -11799,11 +12390,7 @@
             <a:pPr lvl="1"/>
             <a:r>
               <a:rPr lang="en-AU" dirty="0" smtClean="0"/>
-              <a:t>Attributes </a:t>
-            </a:r>
-            <a:r>
-              <a:rPr lang="en-AU" dirty="0" smtClean="0"/>
-              <a:t>(Extension, Author</a:t>
+              <a:t>Attributes (Extension, Author</a:t>
             </a:r>
             <a:r>
               <a:rPr lang="en-AU" dirty="0"/>
@@ -11916,13 +12503,7 @@
               <a:rPr lang="en-AU" dirty="0" smtClean="0">
                 <a:hlinkClick r:id="rId3"/>
               </a:rPr>
-              <a:t>Cognitive </a:t>
-            </a:r>
-            <a:r>
-              <a:rPr lang="en-AU" dirty="0" smtClean="0">
-                <a:hlinkClick r:id="rId3"/>
-              </a:rPr>
-              <a:t>services</a:t>
+              <a:t>Cognitive services</a:t>
             </a:r>
             <a:r>
               <a:rPr lang="en-AU" dirty="0" smtClean="0"/>
@@ -11967,11 +12548,7 @@
             </a:r>
             <a:r>
               <a:rPr lang="en-AU" dirty="0" smtClean="0"/>
-              <a:t>Social</a:t>
-            </a:r>
-            <a:r>
-              <a:rPr lang="en-AU" dirty="0" smtClean="0"/>
-              <a:t>)</a:t>
+              <a:t>Social)</a:t>
             </a:r>
           </a:p>
           <a:p>
@@ -13389,8 +13966,16 @@
           <a:p>
             <a:pPr lvl="1"/>
             <a:r>
+              <a:rPr lang="en-AU" sz="2400" smtClean="0"/>
+              <a:t>Process </a:t>
+            </a:r>
+            <a:r>
+              <a:rPr lang="en-AU" sz="2400" smtClean="0"/>
+              <a:t>tenants’ </a:t>
+            </a:r>
+            <a:r>
               <a:rPr lang="en-AU" sz="2400" dirty="0" smtClean="0"/>
-              <a:t>Process tenants content and monetize</a:t>
+              <a:t>content and monetize</a:t>
             </a:r>
             <a:endParaRPr lang="en-AU" sz="2400" dirty="0"/>
           </a:p>
@@ -13958,7 +14543,7 @@
         <p:spPr>
           <a:xfrm>
             <a:off x="367862" y="985652"/>
-            <a:ext cx="11414234" cy="5186548"/>
+            <a:ext cx="10876787" cy="5514002"/>
           </a:xfrm>
         </p:spPr>
         <p:txBody>
@@ -14140,48 +14725,119 @@
               <a:rPr lang="en-AU" dirty="0" smtClean="0">
                 <a:hlinkClick r:id="rId10"/>
               </a:rPr>
-              <a:t>searchcode.com</a:t>
-            </a:r>
-            <a:endParaRPr lang="en-AU" dirty="0" smtClean="0"/>
-          </a:p>
-          <a:p>
+              <a:t>Azure </a:t>
+            </a:r>
+            <a:r>
+              <a:rPr lang="en-AU" dirty="0" err="1">
+                <a:hlinkClick r:id="rId10"/>
+              </a:rPr>
+              <a:t>Quickstart</a:t>
+            </a:r>
+            <a:r>
+              <a:rPr lang="en-AU" dirty="0">
+                <a:hlinkClick r:id="rId10"/>
+              </a:rPr>
+              <a:t> </a:t>
+            </a:r>
+            <a:r>
+              <a:rPr lang="en-AU" dirty="0" smtClean="0">
+                <a:hlinkClick r:id="rId10"/>
+              </a:rPr>
+              <a:t>Templates</a:t>
+            </a:r>
+            <a:r>
+              <a:rPr lang="en-AU" dirty="0" smtClean="0"/>
+              <a:t> (</a:t>
+            </a:r>
+            <a:r>
+              <a:rPr lang="en-AU" dirty="0" smtClean="0"/>
+              <a:t>find elastic </a:t>
+            </a:r>
             <a:r>
               <a:rPr lang="en-AU" dirty="0"/>
-              <a:t>Azure templates: </a:t>
-            </a:r>
+              <a:t>templates</a:t>
+            </a:r>
+            <a:r>
+              <a:rPr lang="en-AU" dirty="0" smtClean="0"/>
+              <a:t>)</a:t>
+            </a:r>
+          </a:p>
+          <a:p>
             <a:r>
               <a:rPr lang="en-AU" dirty="0">
                 <a:hlinkClick r:id="rId11"/>
               </a:rPr>
-              <a:t>azure.microsoft.com/</a:t>
-            </a:r>
-            <a:r>
-              <a:rPr lang="en-AU" dirty="0" err="1">
-                <a:hlinkClick r:id="rId11"/>
+              <a:t>Cortana Intelligence Suite</a:t>
+            </a:r>
+            <a:endParaRPr lang="en-AU" dirty="0" smtClean="0"/>
+          </a:p>
+          <a:p>
+            <a:r>
+              <a:rPr lang="en-AU" dirty="0" err="1" smtClean="0">
+                <a:hlinkClick r:id="rId12"/>
               </a:rPr>
-              <a:t>en</a:t>
-            </a:r>
-            <a:r>
-              <a:rPr lang="en-AU" dirty="0">
-                <a:hlinkClick r:id="rId11"/>
-              </a:rPr>
-              <a:t>-us/documentation/templates</a:t>
+              <a:t>ASP.Net</a:t>
             </a:r>
             <a:r>
               <a:rPr lang="en-AU" dirty="0"/>
               <a:t> </a:t>
             </a:r>
-          </a:p>
-          <a:p>
-            <a:pPr marL="0" indent="0">
-              <a:buNone/>
-            </a:pPr>
-            <a:endParaRPr lang="ru-RU" dirty="0" smtClean="0"/>
-          </a:p>
-          <a:p>
-            <a:pPr marL="0" indent="0">
-              <a:buNone/>
-            </a:pPr>
+            <a:r>
+              <a:rPr lang="en-AU" dirty="0" smtClean="0"/>
+              <a:t> &amp; </a:t>
+            </a:r>
+            <a:r>
+              <a:rPr lang="en-AU" dirty="0" smtClean="0">
+                <a:hlinkClick r:id="rId13"/>
+              </a:rPr>
+              <a:t>VisualStudio.com</a:t>
+            </a:r>
+            <a:r>
+              <a:rPr lang="en-AU" dirty="0" smtClean="0"/>
+              <a:t> </a:t>
+            </a:r>
+          </a:p>
+          <a:p>
+            <a:r>
+              <a:rPr lang="en-AU" dirty="0" smtClean="0">
+                <a:hlinkClick r:id="rId14"/>
+              </a:rPr>
+              <a:t>SearchCode.com</a:t>
+            </a:r>
+            <a:r>
+              <a:rPr lang="en-AU" dirty="0" smtClean="0"/>
+              <a:t>, </a:t>
+            </a:r>
+            <a:r>
+              <a:rPr lang="en-AU" dirty="0" smtClean="0">
+                <a:hlinkClick r:id="rId15" action="ppaction://hlinkfile"/>
+              </a:rPr>
+              <a:t>GitHub.com</a:t>
+            </a:r>
+            <a:r>
+              <a:rPr lang="en-AU" dirty="0" smtClean="0"/>
+              <a:t>, </a:t>
+            </a:r>
+            <a:r>
+              <a:rPr lang="en-AU" dirty="0" smtClean="0">
+                <a:hlinkClick r:id="rId16"/>
+              </a:rPr>
+              <a:t>Foursquare.com</a:t>
+            </a:r>
+            <a:r>
+              <a:rPr lang="en-AU" dirty="0" smtClean="0"/>
+              <a:t>, </a:t>
+            </a:r>
+            <a:r>
+              <a:rPr lang="en-AU" dirty="0" smtClean="0">
+                <a:hlinkClick r:id="rId17"/>
+              </a:rPr>
+              <a:t>Flickr.com</a:t>
+            </a:r>
+            <a:r>
+              <a:rPr lang="en-AU" dirty="0" smtClean="0"/>
+              <a:t> </a:t>
+            </a:r>
             <a:endParaRPr lang="en-AU" dirty="0"/>
           </a:p>
         </p:txBody>
@@ -14719,11 +15375,7 @@
             <a:pPr lvl="1"/>
             <a:r>
               <a:rPr lang="en-AU" sz="2800" dirty="0" smtClean="0"/>
-              <a:t>SQL FTS, </a:t>
-            </a:r>
-            <a:r>
-              <a:rPr lang="en-AU" sz="2800" dirty="0" smtClean="0"/>
-              <a:t>Office </a:t>
+              <a:t>SQL FTS, Office </a:t>
             </a:r>
             <a:r>
               <a:rPr lang="en-AU" sz="2900" dirty="0" smtClean="0"/>
@@ -15162,11 +15814,7 @@
           <a:p>
             <a:r>
               <a:rPr lang="en-AU" dirty="0" smtClean="0"/>
-              <a:t>Similarity </a:t>
-            </a:r>
-            <a:r>
-              <a:rPr lang="en-AU" dirty="0" smtClean="0"/>
-              <a:t>	</a:t>
+              <a:t>Similarity 	</a:t>
             </a:r>
             <a:r>
               <a:rPr lang="en-AU" dirty="0" smtClean="0">
@@ -20577,11 +21225,7 @@
             <a:pPr algn="ctr"/>
             <a:r>
               <a:rPr lang="en-AU" dirty="0" smtClean="0"/>
-              <a:t>_</a:t>
-            </a:r>
-            <a:r>
-              <a:rPr lang="en-AU" dirty="0" smtClean="0"/>
-              <a:t>search *</a:t>
+              <a:t>_search *</a:t>
             </a:r>
             <a:endParaRPr lang="en-AU" dirty="0"/>
           </a:p>

--- a/OhMySearch.pptx
+++ b/OhMySearch.pptx
@@ -13,14 +13,14 @@
     <p:sldId id="258" r:id="rId4"/>
     <p:sldId id="260" r:id="rId5"/>
     <p:sldId id="262" r:id="rId6"/>
-    <p:sldId id="272" r:id="rId7"/>
-    <p:sldId id="263" r:id="rId8"/>
+    <p:sldId id="263" r:id="rId7"/>
+    <p:sldId id="272" r:id="rId8"/>
     <p:sldId id="269" r:id="rId9"/>
     <p:sldId id="270" r:id="rId10"/>
     <p:sldId id="271" r:id="rId11"/>
     <p:sldId id="273" r:id="rId12"/>
-    <p:sldId id="268" r:id="rId13"/>
-    <p:sldId id="261" r:id="rId14"/>
+    <p:sldId id="261" r:id="rId13"/>
+    <p:sldId id="268" r:id="rId14"/>
     <p:sldId id="266" r:id="rId15"/>
     <p:sldId id="267" r:id="rId16"/>
     <p:sldId id="265" r:id="rId17"/>
@@ -214,7 +214,7 @@
           <a:p>
             <a:fld id="{52486836-1DD4-4B5A-B7F8-A31B08770D42}" type="datetimeFigureOut">
               <a:rPr lang="en-AU" smtClean="0"/>
-              <a:t>13/06/2016</a:t>
+              <a:t>14/06/2016</a:t>
             </a:fld>
             <a:endParaRPr lang="en-AU"/>
           </a:p>
@@ -781,6 +781,9 @@
             </a:r>
           </a:p>
           <a:p>
+            <a:endParaRPr lang="en-AU" b="1" dirty="0" smtClean="0"/>
+          </a:p>
+          <a:p>
             <a:r>
               <a:rPr lang="en-AU" b="1" dirty="0" smtClean="0"/>
               <a:t>Search code</a:t>
@@ -789,6 +792,49 @@
               <a:rPr lang="en-AU" dirty="0" smtClean="0"/>
               <a:t> https://searchcode.com/</a:t>
             </a:r>
+          </a:p>
+          <a:p>
+            <a:r>
+              <a:rPr lang="en-AU" b="1" dirty="0" smtClean="0"/>
+              <a:t>Search packages</a:t>
+            </a:r>
+            <a:r>
+              <a:rPr lang="en-AU" baseline="0" dirty="0" smtClean="0"/>
+              <a:t> </a:t>
+            </a:r>
+            <a:r>
+              <a:rPr lang="en-AU" dirty="0" smtClean="0"/>
+              <a:t>http://go-search.org/</a:t>
+            </a:r>
+          </a:p>
+          <a:p>
+            <a:pPr marL="0" marR="0" indent="0" algn="l" defTabSz="914400" rtl="0" eaLnBrk="1" fontAlgn="auto" latinLnBrk="0" hangingPunct="1">
+              <a:lnSpc>
+                <a:spcPct val="100000"/>
+              </a:lnSpc>
+              <a:spcBef>
+                <a:spcPts val="0"/>
+              </a:spcBef>
+              <a:spcAft>
+                <a:spcPts val="0"/>
+              </a:spcAft>
+              <a:buClrTx/>
+              <a:buSzTx/>
+              <a:buFontTx/>
+              <a:buNone/>
+              <a:tabLst/>
+              <a:defRPr/>
+            </a:pPr>
+            <a:r>
+              <a:rPr lang="en-AU" b="1" dirty="0" smtClean="0"/>
+              <a:t>Code galaxy</a:t>
+            </a:r>
+            <a:r>
+              <a:rPr lang="en-AU" dirty="0" smtClean="0"/>
+              <a:t>  http://anvaka.github.io/pm/#/?_k=fsi3be</a:t>
+            </a:r>
+          </a:p>
+          <a:p>
             <a:endParaRPr lang="en-AU" dirty="0"/>
           </a:p>
         </p:txBody>
@@ -873,63 +919,94 @@
           <a:bodyPr/>
           <a:lstStyle/>
           <a:p>
-            <a:r>
-              <a:rPr lang="en-AU" sz="1200" b="0" i="0" kern="1200" dirty="0" smtClean="0">
-                <a:solidFill>
-                  <a:schemeClr val="tx1"/>
-                </a:solidFill>
-                <a:effectLst/>
-                <a:latin typeface="+mn-lt"/>
-                <a:ea typeface="+mn-ea"/>
-                <a:cs typeface="+mn-cs"/>
-              </a:rPr>
-              <a:t>My vision when we started Google 15 years ago was that eventually you wouldn't have to have a search query at all. You'd just have information come to you as you needed it. And [Google Glass] is now, 15 years later, sort of the first form factor that I think can deliver that vision."</a:t>
-            </a:r>
-          </a:p>
-          <a:p>
-            <a:r>
-              <a:rPr lang="en-AU" sz="1200" b="0" i="0" kern="1200" dirty="0" smtClean="0">
-                <a:solidFill>
-                  <a:schemeClr val="tx1"/>
-                </a:solidFill>
-                <a:effectLst/>
-                <a:latin typeface="+mn-lt"/>
-                <a:ea typeface="+mn-ea"/>
-                <a:cs typeface="+mn-cs"/>
-              </a:rPr>
-              <a:t>Sergey </a:t>
-            </a:r>
-            <a:r>
-              <a:rPr lang="en-AU" sz="1200" b="0" i="0" kern="1200" dirty="0" err="1" smtClean="0">
-                <a:solidFill>
-                  <a:schemeClr val="tx1"/>
-                </a:solidFill>
-                <a:effectLst/>
-                <a:latin typeface="+mn-lt"/>
-                <a:ea typeface="+mn-ea"/>
-                <a:cs typeface="+mn-cs"/>
-              </a:rPr>
-              <a:t>Brin</a:t>
-            </a:r>
-            <a:r>
-              <a:rPr lang="en-AU" sz="1200" b="0" i="0" kern="1200" dirty="0" smtClean="0">
-                <a:solidFill>
-                  <a:schemeClr val="tx1"/>
-                </a:solidFill>
-                <a:effectLst/>
-                <a:latin typeface="+mn-lt"/>
-                <a:ea typeface="+mn-ea"/>
-                <a:cs typeface="+mn-cs"/>
-              </a:rPr>
-              <a:t> (Google Co-founder) TED 2013 http://www.ted.com/talks/sergey_brin_why_google_glass?utm_source=newsletter_daily&amp;utm_campaign=daily&amp;utm_medium=email&amp;utm_content=quote__2014-06-17</a:t>
-            </a:r>
-          </a:p>
-          <a:p>
-            <a:pPr marL="0" indent="0">
-              <a:buFont typeface="Arial" panose="020B0604020202020204" pitchFamily="34" charset="0"/>
+            <a:pPr marL="0" marR="0" indent="0" algn="l" defTabSz="914400" rtl="0" eaLnBrk="1" fontAlgn="auto" latinLnBrk="0" hangingPunct="1">
+              <a:lnSpc>
+                <a:spcPct val="100000"/>
+              </a:lnSpc>
+              <a:spcBef>
+                <a:spcPts val="0"/>
+              </a:spcBef>
+              <a:spcAft>
+                <a:spcPts val="0"/>
+              </a:spcAft>
+              <a:buClrTx/>
+              <a:buSzTx/>
+              <a:buFontTx/>
               <a:buNone/>
+              <a:tabLst/>
+              <a:defRPr/>
             </a:pPr>
-            <a:endParaRPr lang="en-AU" dirty="0"/>
+            <a:r>
+              <a:rPr lang="en-AU" dirty="0" smtClean="0"/>
+              <a:t>Demo: </a:t>
+            </a:r>
+            <a:r>
+              <a:rPr lang="en-AU" dirty="0" err="1" smtClean="0"/>
+              <a:t>Kibana</a:t>
+            </a:r>
+            <a:endParaRPr lang="en-AU" dirty="0" smtClean="0"/>
+          </a:p>
+          <a:p>
+            <a:endParaRPr lang="en-AU" baseline="0" dirty="0" smtClean="0"/>
+          </a:p>
+          <a:p>
+            <a:r>
+              <a:rPr lang="en-AU" baseline="0" dirty="0" smtClean="0"/>
+              <a:t>There are many syntax notations: </a:t>
+            </a:r>
+          </a:p>
+          <a:p>
+            <a:r>
+              <a:rPr lang="en-AU" baseline="0" dirty="0" err="1" smtClean="0"/>
+              <a:t>Json</a:t>
+            </a:r>
+            <a:r>
+              <a:rPr lang="en-AU" baseline="0" dirty="0" smtClean="0"/>
+              <a:t>: {}</a:t>
+            </a:r>
+          </a:p>
+          <a:p>
+            <a:r>
+              <a:rPr lang="en-AU" baseline="0" dirty="0" smtClean="0"/>
+              <a:t>DSL: .().().(), </a:t>
+            </a:r>
+          </a:p>
+          <a:p>
+            <a:r>
+              <a:rPr lang="en-AU" baseline="0" dirty="0" smtClean="0"/>
+              <a:t>object</a:t>
+            </a:r>
+          </a:p>
+          <a:p>
+            <a:endParaRPr lang="en-AU" baseline="0" dirty="0" smtClean="0"/>
+          </a:p>
+          <a:p>
+            <a:r>
+              <a:rPr lang="en-AU" dirty="0" smtClean="0"/>
+              <a:t>Some</a:t>
+            </a:r>
+            <a:r>
+              <a:rPr lang="en-AU" baseline="0" dirty="0" smtClean="0"/>
+              <a:t> commands depend on others. Some of them could be reused on different levels</a:t>
+            </a:r>
+          </a:p>
+          <a:p>
+            <a:r>
+              <a:rPr lang="en-AU" baseline="0" dirty="0" err="1" smtClean="0"/>
+              <a:t>Intellisense</a:t>
+            </a:r>
+            <a:r>
+              <a:rPr lang="en-AU" baseline="0" dirty="0" smtClean="0"/>
+              <a:t> is provided in Sense and </a:t>
+            </a:r>
+            <a:r>
+              <a:rPr lang="en-AU" baseline="0" dirty="0" err="1" smtClean="0"/>
+              <a:t>Kibana</a:t>
+            </a:r>
+            <a:endParaRPr lang="en-AU" baseline="0" dirty="0" smtClean="0"/>
+          </a:p>
+          <a:p>
+            <a:endParaRPr lang="en-AU" dirty="0" smtClean="0"/>
           </a:p>
         </p:txBody>
       </p:sp>
@@ -959,7 +1036,7 @@
     </p:spTree>
     <p:extLst>
       <p:ext uri="{BB962C8B-B14F-4D97-AF65-F5344CB8AC3E}">
-        <p14:creationId xmlns:p14="http://schemas.microsoft.com/office/powerpoint/2010/main" val="2124449275"/>
+        <p14:creationId xmlns:p14="http://schemas.microsoft.com/office/powerpoint/2010/main" val="4098744912"/>
       </p:ext>
     </p:extLst>
   </p:cSld>
@@ -1013,37 +1090,226 @@
           <a:bodyPr/>
           <a:lstStyle/>
           <a:p>
-            <a:r>
-              <a:rPr lang="en-AU" dirty="0" smtClean="0"/>
-              <a:t>Some</a:t>
-            </a:r>
-            <a:r>
-              <a:rPr lang="en-AU" baseline="0" dirty="0" smtClean="0"/>
+            <a:pPr marL="0" marR="0" indent="0" algn="l" defTabSz="914400" rtl="0" eaLnBrk="1" fontAlgn="auto" latinLnBrk="0" hangingPunct="1">
+              <a:lnSpc>
+                <a:spcPct val="100000"/>
+              </a:lnSpc>
+              <a:spcBef>
+                <a:spcPts val="0"/>
+              </a:spcBef>
+              <a:spcAft>
+                <a:spcPts val="0"/>
+              </a:spcAft>
+              <a:buClrTx/>
+              <a:buSzTx/>
+              <a:buFont typeface="Arial" panose="020B0604020202020204" pitchFamily="34" charset="0"/>
+              <a:buNone/>
+              <a:tabLst/>
+              <a:defRPr/>
+            </a:pPr>
+            <a:r>
+              <a:rPr lang="en-AU" sz="1200" kern="1200" baseline="0" dirty="0" smtClean="0">
+                <a:solidFill>
+                  <a:schemeClr val="tx1"/>
+                </a:solidFill>
+                <a:latin typeface="+mn-lt"/>
+                <a:ea typeface="+mn-ea"/>
+                <a:cs typeface="+mn-cs"/>
+              </a:rPr>
+              <a:t>Demo: </a:t>
+            </a:r>
+            <a:r>
+              <a:rPr lang="en-AU" sz="1200" kern="1200" dirty="0" smtClean="0">
+                <a:solidFill>
+                  <a:schemeClr val="tx1"/>
+                </a:solidFill>
+                <a:latin typeface="+mn-lt"/>
+                <a:ea typeface="+mn-ea"/>
+                <a:cs typeface="+mn-cs"/>
+              </a:rPr>
+              <a:t>Application</a:t>
+            </a:r>
+          </a:p>
+          <a:p>
+            <a:pPr marL="0" indent="0">
+              <a:buFont typeface="Arial" panose="020B0604020202020204" pitchFamily="34" charset="0"/>
+              <a:buNone/>
+            </a:pPr>
+            <a:endParaRPr lang="en-AU" sz="1200" b="0" i="0" kern="1200" dirty="0" smtClean="0">
+              <a:solidFill>
+                <a:schemeClr val="tx1"/>
+              </a:solidFill>
+              <a:effectLst/>
+              <a:latin typeface="+mn-lt"/>
+              <a:ea typeface="+mn-ea"/>
+              <a:cs typeface="+mn-cs"/>
+            </a:endParaRPr>
+          </a:p>
+          <a:p>
+            <a:pPr marL="0" indent="0">
+              <a:buFont typeface="Arial" panose="020B0604020202020204" pitchFamily="34" charset="0"/>
+              <a:buNone/>
+            </a:pPr>
+            <a:r>
+              <a:rPr lang="en-AU" sz="1200" b="0" i="0" kern="1200" dirty="0" smtClean="0">
+                <a:solidFill>
+                  <a:schemeClr val="tx1"/>
+                </a:solidFill>
+                <a:effectLst/>
+                <a:latin typeface="+mn-lt"/>
+                <a:ea typeface="+mn-ea"/>
+                <a:cs typeface="+mn-cs"/>
+              </a:rPr>
+              <a:t>* Sergey </a:t>
+            </a:r>
+            <a:r>
+              <a:rPr lang="en-AU" sz="1200" b="0" i="0" kern="1200" dirty="0" err="1" smtClean="0">
+                <a:solidFill>
+                  <a:schemeClr val="tx1"/>
+                </a:solidFill>
+                <a:effectLst/>
+                <a:latin typeface="+mn-lt"/>
+                <a:ea typeface="+mn-ea"/>
+                <a:cs typeface="+mn-cs"/>
+              </a:rPr>
+              <a:t>Brin</a:t>
+            </a:r>
+            <a:r>
+              <a:rPr lang="en-AU" sz="1200" b="0" i="0" kern="1200" dirty="0" smtClean="0">
+                <a:solidFill>
+                  <a:schemeClr val="tx1"/>
+                </a:solidFill>
+                <a:effectLst/>
+                <a:latin typeface="+mn-lt"/>
+                <a:ea typeface="+mn-ea"/>
+                <a:cs typeface="+mn-cs"/>
+              </a:rPr>
+              <a:t> (Google Co-founder) TED 2013 : My vision when we started Google 15 years ago was that eventually you wouldn't have to have a search query at all. You'd just have information come to you as you needed it. “</a:t>
+            </a:r>
+          </a:p>
+          <a:p>
+            <a:pPr marL="0" indent="0">
+              <a:buFont typeface="Arial" panose="020B0604020202020204" pitchFamily="34" charset="0"/>
+              <a:buNone/>
+            </a:pPr>
+            <a:endParaRPr lang="en-AU" sz="1200" b="0" i="0" kern="1200" dirty="0" smtClean="0">
+              <a:solidFill>
+                <a:schemeClr val="tx1"/>
+              </a:solidFill>
+              <a:effectLst/>
+              <a:latin typeface="+mn-lt"/>
+              <a:ea typeface="+mn-ea"/>
+              <a:cs typeface="+mn-cs"/>
+            </a:endParaRPr>
+          </a:p>
+          <a:p>
+            <a:r>
+              <a:rPr lang="en-AU" sz="1200" kern="1200" dirty="0" smtClean="0">
+                <a:solidFill>
+                  <a:schemeClr val="tx1"/>
+                </a:solidFill>
+                <a:latin typeface="+mn-lt"/>
+                <a:ea typeface="+mn-ea"/>
+                <a:cs typeface="+mn-cs"/>
+              </a:rPr>
+              <a:t>** now+1h = the current time plus one hour, with </a:t>
+            </a:r>
+            <a:r>
+              <a:rPr lang="en-AU" sz="1200" kern="1200" dirty="0" err="1" smtClean="0">
+                <a:solidFill>
+                  <a:schemeClr val="tx1"/>
+                </a:solidFill>
+                <a:latin typeface="+mn-lt"/>
+                <a:ea typeface="+mn-ea"/>
+                <a:cs typeface="+mn-cs"/>
+              </a:rPr>
+              <a:t>ms</a:t>
+            </a:r>
+            <a:r>
+              <a:rPr lang="en-AU" sz="1200" kern="1200" dirty="0" smtClean="0">
+                <a:solidFill>
+                  <a:schemeClr val="tx1"/>
+                </a:solidFill>
+                <a:latin typeface="+mn-lt"/>
+                <a:ea typeface="+mn-ea"/>
+                <a:cs typeface="+mn-cs"/>
+              </a:rPr>
+              <a:t> resolution.</a:t>
+            </a:r>
+          </a:p>
+          <a:p>
+            <a:r>
+              <a:rPr lang="en-AU" sz="1200" kern="1200" dirty="0" smtClean="0">
+                <a:solidFill>
+                  <a:schemeClr val="tx1"/>
+                </a:solidFill>
+                <a:latin typeface="+mn-lt"/>
+                <a:ea typeface="+mn-ea"/>
+                <a:cs typeface="+mn-cs"/>
+              </a:rPr>
+              <a:t>    now+1h+1m = The current time plus one hour plus one minute, with </a:t>
+            </a:r>
+            <a:r>
+              <a:rPr lang="en-AU" sz="1200" kern="1200" dirty="0" err="1" smtClean="0">
+                <a:solidFill>
+                  <a:schemeClr val="tx1"/>
+                </a:solidFill>
+                <a:latin typeface="+mn-lt"/>
+                <a:ea typeface="+mn-ea"/>
+                <a:cs typeface="+mn-cs"/>
+              </a:rPr>
+              <a:t>ms</a:t>
+            </a:r>
+            <a:r>
+              <a:rPr lang="en-AU" sz="1200" kern="1200" dirty="0" smtClean="0">
+                <a:solidFill>
+                  <a:schemeClr val="tx1"/>
+                </a:solidFill>
+                <a:latin typeface="+mn-lt"/>
+                <a:ea typeface="+mn-ea"/>
+                <a:cs typeface="+mn-cs"/>
+              </a:rPr>
+              <a:t> resolution.</a:t>
+            </a:r>
+          </a:p>
+          <a:p>
+            <a:r>
+              <a:rPr lang="en-AU" sz="1200" kern="1200" dirty="0" smtClean="0">
+                <a:solidFill>
+                  <a:schemeClr val="tx1"/>
+                </a:solidFill>
+                <a:latin typeface="+mn-lt"/>
+                <a:ea typeface="+mn-ea"/>
+                <a:cs typeface="+mn-cs"/>
+              </a:rPr>
+              <a:t>    now+1h/d = The current time plus one hour, rounded down to the nearest day.</a:t>
+            </a:r>
+          </a:p>
+          <a:p>
+            <a:r>
+              <a:rPr lang="en-AU" sz="1200" kern="1200" dirty="0" smtClean="0">
+                <a:solidFill>
+                  <a:schemeClr val="tx1"/>
+                </a:solidFill>
+                <a:latin typeface="+mn-lt"/>
+                <a:ea typeface="+mn-ea"/>
+                <a:cs typeface="+mn-cs"/>
+              </a:rPr>
+              <a:t>    2015-01-01||+1M/d  = 2015-01-01 plus one month, rounded down to the nearest day.</a:t>
+            </a:r>
+          </a:p>
+          <a:p>
+            <a:r>
+              <a:rPr lang="en-AU" sz="1200" kern="1200" dirty="0" smtClean="0">
+                <a:solidFill>
+                  <a:schemeClr val="tx1"/>
+                </a:solidFill>
+                <a:latin typeface="+mn-lt"/>
+                <a:ea typeface="+mn-ea"/>
+                <a:cs typeface="+mn-cs"/>
+              </a:rPr>
               <a:t> </a:t>
             </a:r>
-            <a:r>
-              <a:rPr lang="en-AU" dirty="0" smtClean="0"/>
-              <a:t>DSL </a:t>
-            </a:r>
-            <a:r>
-              <a:rPr lang="en-AU" baseline="0" dirty="0" smtClean="0"/>
-              <a:t>commands depend on other. Some of them could be used on different levels</a:t>
-            </a:r>
-          </a:p>
-          <a:p>
-            <a:r>
-              <a:rPr lang="en-AU" baseline="0" dirty="0" err="1" smtClean="0"/>
-              <a:t>Intellisense</a:t>
-            </a:r>
-            <a:r>
-              <a:rPr lang="en-AU" baseline="0" dirty="0" smtClean="0"/>
-              <a:t> is provided in Sense and </a:t>
-            </a:r>
-            <a:r>
-              <a:rPr lang="en-AU" baseline="0" dirty="0" err="1" smtClean="0"/>
-              <a:t>Kibana</a:t>
-            </a:r>
-            <a:endParaRPr lang="en-AU" dirty="0"/>
           </a:p>
         </p:txBody>
       </p:sp>
@@ -1073,7 +1339,7 @@
     </p:spTree>
     <p:extLst>
       <p:ext uri="{BB962C8B-B14F-4D97-AF65-F5344CB8AC3E}">
-        <p14:creationId xmlns:p14="http://schemas.microsoft.com/office/powerpoint/2010/main" val="4098744912"/>
+        <p14:creationId xmlns:p14="http://schemas.microsoft.com/office/powerpoint/2010/main" val="2124449275"/>
       </p:ext>
     </p:extLst>
   </p:cSld>
@@ -1127,13 +1393,13 @@
           <a:bodyPr/>
           <a:lstStyle/>
           <a:p>
-            <a:pPr marL="171450" indent="-171450">
+            <a:pPr marL="0" indent="0">
               <a:buFont typeface="Arial" panose="020B0604020202020204" pitchFamily="34" charset="0"/>
-              <a:buChar char="•"/>
+              <a:buNone/>
             </a:pPr>
             <a:r>
               <a:rPr lang="en-AU" dirty="0" smtClean="0"/>
-              <a:t>SQL FTA support up to 170</a:t>
+              <a:t>* SQL FTS supports up to 170</a:t>
             </a:r>
             <a:r>
               <a:rPr lang="en-AU" baseline="0" dirty="0" smtClean="0"/>
@@ -1141,13 +1407,36 @@
             </a:r>
           </a:p>
           <a:p>
-            <a:pPr marL="171450" indent="-171450">
+            <a:pPr marL="0" indent="0">
               <a:buFont typeface="Arial" panose="020B0604020202020204" pitchFamily="34" charset="0"/>
-              <a:buChar char="•"/>
+              <a:buNone/>
             </a:pPr>
             <a:r>
               <a:rPr lang="en-AU" baseline="0" dirty="0" smtClean="0"/>
-              <a:t>https://www.elastic.co/guide/en/elasticsearch/reference/current/mapping.html</a:t>
+              <a:t>** https://www.elastic.co/guide/en/elasticsearch/reference/current/mapping.html</a:t>
+            </a:r>
+          </a:p>
+          <a:p>
+            <a:endParaRPr lang="en-AU" sz="1200" kern="1200" dirty="0" smtClean="0">
+              <a:solidFill>
+                <a:schemeClr val="tx1"/>
+              </a:solidFill>
+              <a:latin typeface="+mn-lt"/>
+              <a:ea typeface="+mn-ea"/>
+              <a:cs typeface="+mn-cs"/>
+            </a:endParaRPr>
+          </a:p>
+          <a:p>
+            <a:r>
+              <a:rPr lang="en-AU" sz="1200" kern="1200" dirty="0" smtClean="0">
+                <a:solidFill>
+                  <a:schemeClr val="tx1"/>
+                </a:solidFill>
+                <a:latin typeface="+mn-lt"/>
+                <a:ea typeface="+mn-ea"/>
+                <a:cs typeface="+mn-cs"/>
+              </a:rPr>
+              <a:t>Explicit mapping is preferable:</a:t>
             </a:r>
           </a:p>
           <a:p>
@@ -2141,6 +2430,86 @@
           <a:bodyPr/>
           <a:lstStyle/>
           <a:p>
+            <a:r>
+              <a:rPr lang="en-AU" dirty="0" smtClean="0"/>
+              <a:t>*</a:t>
+            </a:r>
+            <a:r>
+              <a:rPr lang="en-AU" baseline="0" dirty="0" smtClean="0"/>
+              <a:t> </a:t>
+            </a:r>
+            <a:r>
+              <a:rPr lang="en-AU" dirty="0" smtClean="0"/>
+              <a:t>The Official Hosted </a:t>
+            </a:r>
+            <a:r>
+              <a:rPr lang="en-AU" dirty="0" err="1" smtClean="0"/>
+              <a:t>Elasticsearch</a:t>
+            </a:r>
+            <a:r>
+              <a:rPr lang="en-AU" dirty="0" smtClean="0"/>
+              <a:t> &amp; </a:t>
+            </a:r>
+            <a:r>
+              <a:rPr lang="en-AU" dirty="0" err="1" smtClean="0"/>
+              <a:t>Kibana</a:t>
+            </a:r>
+            <a:r>
+              <a:rPr lang="en-AU" dirty="0" smtClean="0"/>
+              <a:t> Offering on AWS: </a:t>
+            </a:r>
+            <a:r>
+              <a:rPr lang="en-AU" sz="1200" b="0" i="0" kern="1200" dirty="0" smtClean="0">
+                <a:solidFill>
+                  <a:schemeClr val="tx1"/>
+                </a:solidFill>
+                <a:effectLst/>
+                <a:latin typeface="+mn-lt"/>
+                <a:ea typeface="+mn-ea"/>
+                <a:cs typeface="+mn-cs"/>
+              </a:rPr>
+              <a:t>$65/month 1GB 1 datacentre Sydney</a:t>
+            </a:r>
+          </a:p>
+          <a:p>
+            <a:endParaRPr lang="en-AU" dirty="0" smtClean="0"/>
+          </a:p>
+          <a:p>
+            <a:pPr marL="0" marR="0" indent="0" algn="l" defTabSz="914400" rtl="0" eaLnBrk="1" fontAlgn="auto" latinLnBrk="0" hangingPunct="1">
+              <a:lnSpc>
+                <a:spcPct val="100000"/>
+              </a:lnSpc>
+              <a:spcBef>
+                <a:spcPts val="0"/>
+              </a:spcBef>
+              <a:spcAft>
+                <a:spcPts val="0"/>
+              </a:spcAft>
+              <a:buClrTx/>
+              <a:buSzTx/>
+              <a:buFontTx/>
+              <a:buNone/>
+              <a:tabLst/>
+              <a:defRPr/>
+            </a:pPr>
+            <a:r>
+              <a:rPr lang="en-AU" dirty="0" smtClean="0"/>
+              <a:t>** RTM will be released as</a:t>
+            </a:r>
+            <a:r>
+              <a:rPr lang="en-AU" baseline="0" dirty="0" smtClean="0"/>
+              <a:t> v1 27</a:t>
+            </a:r>
+            <a:r>
+              <a:rPr lang="en-AU" baseline="30000" dirty="0" smtClean="0"/>
+              <a:t>th</a:t>
+            </a:r>
+            <a:r>
+              <a:rPr lang="en-AU" baseline="0" dirty="0" smtClean="0"/>
+              <a:t> of June 2016</a:t>
+            </a:r>
+          </a:p>
+          <a:p>
             <a:endParaRPr lang="en-AU" dirty="0"/>
           </a:p>
         </p:txBody>
@@ -2241,11 +2610,7 @@
             </a:pPr>
             <a:r>
               <a:rPr lang="en-AU" dirty="0" smtClean="0"/>
-              <a:t>Virtual</a:t>
-            </a:r>
-            <a:r>
-              <a:rPr lang="en-AU" baseline="0" dirty="0" smtClean="0"/>
-              <a:t> machines on premise or local. Build cluster</a:t>
+              <a:t>Install last version, build environments</a:t>
             </a:r>
           </a:p>
           <a:p>
@@ -2255,8 +2620,21 @@
             </a:pPr>
             <a:r>
               <a:rPr lang="en-AU" dirty="0" smtClean="0"/>
-              <a:t>install last version, build environments, scripts</a:t>
-            </a:r>
+              <a:t>Test files, web, </a:t>
+            </a:r>
+            <a:r>
+              <a:rPr lang="en-AU" dirty="0" err="1" smtClean="0"/>
+              <a:t>sql</a:t>
+            </a:r>
+            <a:r>
+              <a:rPr lang="en-AU" dirty="0" smtClean="0"/>
+              <a:t>, other</a:t>
+            </a:r>
+            <a:r>
+              <a:rPr lang="en-AU" baseline="0" dirty="0" smtClean="0"/>
+              <a:t> search cases</a:t>
+            </a:r>
+            <a:endParaRPr lang="en-AU" dirty="0" smtClean="0"/>
           </a:p>
           <a:p>
             <a:pPr marL="171450" indent="-171450">
@@ -2265,21 +2643,31 @@
             </a:pPr>
             <a:r>
               <a:rPr lang="en-AU" dirty="0" smtClean="0"/>
-              <a:t>files, web, </a:t>
-            </a:r>
-            <a:r>
-              <a:rPr lang="en-AU" dirty="0" err="1" smtClean="0"/>
-              <a:t>sql</a:t>
-            </a:r>
+              <a:t>Plan data at rest and data in motion indexing</a:t>
+            </a:r>
+          </a:p>
+          <a:p>
+            <a:pPr marL="171450" marR="0" indent="-171450" algn="l" defTabSz="914400" rtl="0" eaLnBrk="1" fontAlgn="auto" latinLnBrk="0" hangingPunct="1">
+              <a:lnSpc>
+                <a:spcPct val="100000"/>
+              </a:lnSpc>
+              <a:spcBef>
+                <a:spcPts val="0"/>
+              </a:spcBef>
+              <a:spcAft>
+                <a:spcPts val="0"/>
+              </a:spcAft>
+              <a:buClrTx/>
+              <a:buSzTx/>
+              <a:buFont typeface="Arial" panose="020B0604020202020204" pitchFamily="34" charset="0"/>
+              <a:buChar char="•"/>
+              <a:tabLst/>
+              <a:defRPr/>
+            </a:pPr>
             <a:r>
               <a:rPr lang="en-AU" dirty="0" smtClean="0"/>
-              <a:t>, other</a:t>
-            </a:r>
-            <a:r>
-              <a:rPr lang="en-AU" baseline="0" dirty="0" smtClean="0"/>
-              <a:t> search engines</a:t>
-            </a:r>
-            <a:endParaRPr lang="en-AU" dirty="0" smtClean="0"/>
+              <a:t>Visualise</a:t>
+            </a:r>
           </a:p>
           <a:p>
             <a:pPr marL="171450" indent="-171450">
@@ -2288,8 +2676,27 @@
             </a:pPr>
             <a:r>
               <a:rPr lang="en-AU" dirty="0" smtClean="0"/>
-              <a:t>data at rest and data in motion, integrate with other APIs</a:t>
-            </a:r>
+              <a:t>Integrate with other APIs</a:t>
+            </a:r>
+          </a:p>
+          <a:p>
+            <a:pPr marL="171450" indent="-171450">
+              <a:buFont typeface="Arial" panose="020B0604020202020204" pitchFamily="34" charset="0"/>
+              <a:buChar char="•"/>
+            </a:pPr>
+            <a:r>
+              <a:rPr lang="en-AU" baseline="0" dirty="0" smtClean="0"/>
+              <a:t>Build your cluster, </a:t>
+            </a:r>
+            <a:r>
+              <a:rPr lang="en-AU" dirty="0" smtClean="0"/>
+              <a:t>virtual</a:t>
+            </a:r>
+            <a:r>
+              <a:rPr lang="en-AU" baseline="0" dirty="0" smtClean="0"/>
+              <a:t> machines, templates </a:t>
+            </a:r>
+            <a:endParaRPr lang="en-AU" dirty="0" smtClean="0"/>
           </a:p>
           <a:p>
             <a:pPr marL="0" indent="0">
@@ -2418,6 +2825,41 @@
           <a:bodyPr/>
           <a:lstStyle/>
           <a:p>
+            <a:r>
+              <a:rPr lang="en-AU" dirty="0" err="1" smtClean="0"/>
+              <a:t>Elasticsearch</a:t>
+            </a:r>
+            <a:r>
+              <a:rPr lang="en-AU" dirty="0" smtClean="0"/>
+              <a:t> - simple like SQL Server. </a:t>
+            </a:r>
+          </a:p>
+          <a:p>
+            <a:r>
+              <a:rPr lang="en-AU" dirty="0" err="1" smtClean="0"/>
+              <a:t>Solr</a:t>
+            </a:r>
+            <a:r>
+              <a:rPr lang="en-AU" dirty="0" smtClean="0"/>
+              <a:t> - like Oracle. You need PHD to configure Oracle :)</a:t>
+            </a:r>
+          </a:p>
+          <a:p>
+            <a:pPr marL="0" indent="0">
+              <a:buFont typeface="Arial" panose="020B0604020202020204" pitchFamily="34" charset="0"/>
+              <a:buNone/>
+            </a:pPr>
+            <a:endParaRPr lang="en-AU" sz="1200" b="0" i="0" kern="1200" dirty="0" smtClean="0">
+              <a:solidFill>
+                <a:schemeClr val="tx1"/>
+              </a:solidFill>
+              <a:effectLst/>
+              <a:latin typeface="+mn-lt"/>
+              <a:ea typeface="+mn-ea"/>
+              <a:cs typeface="+mn-cs"/>
+            </a:endParaRPr>
+          </a:p>
+          <a:p>
             <a:pPr marL="0" indent="0">
               <a:buFont typeface="Arial" panose="020B0604020202020204" pitchFamily="34" charset="0"/>
               <a:buNone/>
@@ -2909,6 +3351,69 @@
           <a:bodyPr/>
           <a:lstStyle/>
           <a:p>
+            <a:pPr marL="0" marR="0" indent="0" algn="l" defTabSz="914400" rtl="0" eaLnBrk="1" fontAlgn="auto" latinLnBrk="0" hangingPunct="1">
+              <a:lnSpc>
+                <a:spcPct val="100000"/>
+              </a:lnSpc>
+              <a:spcBef>
+                <a:spcPts val="0"/>
+              </a:spcBef>
+              <a:spcAft>
+                <a:spcPts val="0"/>
+              </a:spcAft>
+              <a:buClrTx/>
+              <a:buSzTx/>
+              <a:buFontTx/>
+              <a:buNone/>
+              <a:tabLst/>
+              <a:defRPr/>
+            </a:pPr>
+            <a:r>
+              <a:rPr lang="en-AU" sz="1200" b="0" i="0" kern="1200" dirty="0" err="1" smtClean="0">
+                <a:solidFill>
+                  <a:schemeClr val="tx1"/>
+                </a:solidFill>
+                <a:effectLst/>
+                <a:latin typeface="+mn-lt"/>
+                <a:ea typeface="+mn-ea"/>
+                <a:cs typeface="+mn-cs"/>
+              </a:rPr>
+              <a:t>Elasticsearch</a:t>
+            </a:r>
+            <a:r>
+              <a:rPr lang="en-AU" sz="1200" b="0" i="0" kern="1200" dirty="0" smtClean="0">
+                <a:solidFill>
+                  <a:schemeClr val="tx1"/>
+                </a:solidFill>
+                <a:effectLst/>
+                <a:latin typeface="+mn-lt"/>
+                <a:ea typeface="+mn-ea"/>
+                <a:cs typeface="+mn-cs"/>
+              </a:rPr>
+              <a:t> is a near real time search platform. </a:t>
+            </a:r>
+            <a:r>
+              <a:rPr lang="en-AU" sz="2100" dirty="0" smtClean="0"/>
+              <a:t>It does not support ACID transactions,</a:t>
+            </a:r>
+            <a:r>
+              <a:rPr lang="en-AU" sz="2100" baseline="0" dirty="0" smtClean="0"/>
+              <a:t> but use </a:t>
+            </a:r>
+            <a:r>
+              <a:rPr lang="en-AU" sz="2100" baseline="0" dirty="0" smtClean="0"/>
+              <a:t>optimistic concurrency control </a:t>
+            </a:r>
+            <a:r>
+              <a:rPr lang="en-AU" sz="2100" baseline="0" dirty="0" smtClean="0"/>
+              <a:t>based on version. </a:t>
+            </a:r>
+            <a:endParaRPr lang="en-AU" sz="2100" dirty="0" smtClean="0"/>
+          </a:p>
+          <a:p>
+            <a:endParaRPr lang="en-AU" dirty="0" smtClean="0"/>
+          </a:p>
+          <a:p>
             <a:r>
               <a:rPr lang="en-AU" dirty="0" smtClean="0"/>
               <a:t>* All types share space of</a:t>
@@ -2925,10 +3430,180 @@
             </a:r>
           </a:p>
           <a:p>
+            <a:pPr marL="0" marR="0" indent="0" algn="l" defTabSz="914400" rtl="0" eaLnBrk="1" fontAlgn="auto" latinLnBrk="0" hangingPunct="1">
+              <a:lnSpc>
+                <a:spcPct val="100000"/>
+              </a:lnSpc>
+              <a:spcBef>
+                <a:spcPts val="0"/>
+              </a:spcBef>
+              <a:spcAft>
+                <a:spcPts val="0"/>
+              </a:spcAft>
+              <a:buClrTx/>
+              <a:buSzTx/>
+              <a:buFontTx/>
+              <a:buNone/>
+              <a:tabLst/>
+              <a:defRPr/>
+            </a:pPr>
+            <a:r>
+              <a:rPr lang="en-AU" sz="2400" b="0" i="0" kern="1200" dirty="0" smtClean="0">
+                <a:solidFill>
+                  <a:schemeClr val="tx1"/>
+                </a:solidFill>
+                <a:effectLst/>
+                <a:latin typeface="+mn-lt"/>
+                <a:ea typeface="+mn-ea"/>
+                <a:cs typeface="+mn-cs"/>
+              </a:rPr>
+              <a:t>*** Each </a:t>
+            </a:r>
+            <a:r>
+              <a:rPr lang="en-AU" sz="2400" b="0" i="0" kern="1200" dirty="0" err="1" smtClean="0">
+                <a:solidFill>
+                  <a:schemeClr val="tx1"/>
+                </a:solidFill>
+                <a:effectLst/>
+                <a:latin typeface="+mn-lt"/>
+                <a:ea typeface="+mn-ea"/>
+                <a:cs typeface="+mn-cs"/>
+              </a:rPr>
+              <a:t>Elasticsearch</a:t>
+            </a:r>
+            <a:r>
+              <a:rPr lang="en-AU" sz="2400" b="0" i="0" kern="1200" dirty="0" smtClean="0">
+                <a:solidFill>
+                  <a:schemeClr val="tx1"/>
+                </a:solidFill>
+                <a:effectLst/>
+                <a:latin typeface="+mn-lt"/>
+                <a:ea typeface="+mn-ea"/>
+                <a:cs typeface="+mn-cs"/>
+              </a:rPr>
+              <a:t> shard is a Lucene index. There is a maximum number of documents you can have in a single Lucene index. As of </a:t>
+            </a:r>
+            <a:r>
+              <a:rPr lang="en-AU" sz="2400" b="0" i="0" u="none" strike="noStrike" kern="1200" dirty="0" smtClean="0">
+                <a:solidFill>
+                  <a:schemeClr val="tx1"/>
+                </a:solidFill>
+                <a:effectLst/>
+                <a:latin typeface="+mn-lt"/>
+                <a:ea typeface="+mn-ea"/>
+                <a:cs typeface="+mn-cs"/>
+                <a:hlinkClick r:id="rId3"/>
+              </a:rPr>
+              <a:t>LUCENE-5843</a:t>
+            </a:r>
+            <a:r>
+              <a:rPr lang="en-AU" sz="2400" b="0" i="0" kern="1200" dirty="0" smtClean="0">
+                <a:solidFill>
+                  <a:schemeClr val="tx1"/>
+                </a:solidFill>
+                <a:effectLst/>
+                <a:latin typeface="+mn-lt"/>
+                <a:ea typeface="+mn-ea"/>
+                <a:cs typeface="+mn-cs"/>
+              </a:rPr>
+              <a:t>, the limit is </a:t>
+            </a:r>
+            <a:r>
+              <a:rPr lang="en-AU" sz="2400" dirty="0" smtClean="0"/>
+              <a:t>2,147,483,519</a:t>
+            </a:r>
+            <a:r>
+              <a:rPr lang="en-AU" sz="2400" b="0" i="0" kern="1200" dirty="0" smtClean="0">
+                <a:solidFill>
+                  <a:schemeClr val="tx1"/>
+                </a:solidFill>
+                <a:effectLst/>
+                <a:latin typeface="+mn-lt"/>
+                <a:ea typeface="+mn-ea"/>
+                <a:cs typeface="+mn-cs"/>
+              </a:rPr>
+              <a:t>(= </a:t>
+            </a:r>
+            <a:r>
+              <a:rPr lang="en-AU" sz="2400" b="0" i="0" kern="1200" dirty="0" err="1" smtClean="0">
+                <a:solidFill>
+                  <a:schemeClr val="tx1"/>
+                </a:solidFill>
+                <a:effectLst/>
+                <a:latin typeface="+mn-lt"/>
+                <a:ea typeface="+mn-ea"/>
+                <a:cs typeface="+mn-cs"/>
+              </a:rPr>
+              <a:t>Integer.MAX_VALUE</a:t>
+            </a:r>
+            <a:r>
+              <a:rPr lang="en-AU" sz="2400" b="0" i="0" kern="1200" dirty="0" smtClean="0">
+                <a:solidFill>
+                  <a:schemeClr val="tx1"/>
+                </a:solidFill>
+                <a:effectLst/>
+                <a:latin typeface="+mn-lt"/>
+                <a:ea typeface="+mn-ea"/>
+                <a:cs typeface="+mn-cs"/>
+              </a:rPr>
+              <a:t> - 128) documents. You can monitor shard sizes using the </a:t>
+            </a:r>
+            <a:r>
+              <a:rPr lang="en-AU" sz="2400" b="0" i="0" u="none" strike="noStrike" kern="1200" dirty="0" smtClean="0">
+                <a:solidFill>
+                  <a:schemeClr val="tx1"/>
+                </a:solidFill>
+                <a:effectLst/>
+                <a:latin typeface="+mn-lt"/>
+                <a:ea typeface="+mn-ea"/>
+                <a:cs typeface="+mn-cs"/>
+                <a:hlinkClick r:id="rId4" tooltip="cat shards"/>
+              </a:rPr>
+              <a:t>_cat/shards</a:t>
+            </a:r>
+            <a:r>
+              <a:rPr lang="en-AU" sz="2400" b="0" i="0" kern="1200" dirty="0" smtClean="0">
+                <a:solidFill>
+                  <a:schemeClr val="tx1"/>
+                </a:solidFill>
+                <a:effectLst/>
+                <a:latin typeface="+mn-lt"/>
+                <a:ea typeface="+mn-ea"/>
+                <a:cs typeface="+mn-cs"/>
+              </a:rPr>
+              <a:t> </a:t>
+            </a:r>
+            <a:r>
+              <a:rPr lang="en-AU" sz="2400" b="0" i="0" kern="1200" dirty="0" err="1" smtClean="0">
+                <a:solidFill>
+                  <a:schemeClr val="tx1"/>
+                </a:solidFill>
+                <a:effectLst/>
+                <a:latin typeface="+mn-lt"/>
+                <a:ea typeface="+mn-ea"/>
+                <a:cs typeface="+mn-cs"/>
+              </a:rPr>
+              <a:t>api</a:t>
+            </a:r>
+            <a:r>
+              <a:rPr lang="en-AU" sz="2400" b="0" i="0" kern="1200" dirty="0" smtClean="0">
+                <a:solidFill>
+                  <a:schemeClr val="tx1"/>
+                </a:solidFill>
+                <a:effectLst/>
+                <a:latin typeface="+mn-lt"/>
+                <a:ea typeface="+mn-ea"/>
+                <a:cs typeface="+mn-cs"/>
+              </a:rPr>
+              <a:t>.</a:t>
+            </a:r>
+            <a:endParaRPr lang="en-AU" sz="2400" dirty="0" smtClean="0"/>
+          </a:p>
+          <a:p>
+            <a:endParaRPr lang="en-AU" sz="2100" dirty="0" smtClean="0"/>
+          </a:p>
+          <a:p>
             <a:endParaRPr lang="en-AU" dirty="0" smtClean="0"/>
-          </a:p>
-          <a:p>
-            <a:endParaRPr lang="en-AU" dirty="0"/>
           </a:p>
         </p:txBody>
       </p:sp>
@@ -3101,44 +3776,8 @@
           <a:lstStyle/>
           <a:p>
             <a:r>
-              <a:rPr lang="en-AU" sz="1200" b="0" i="0" kern="1200" dirty="0" smtClean="0">
-                <a:solidFill>
-                  <a:schemeClr val="tx1"/>
-                </a:solidFill>
-                <a:effectLst/>
-                <a:latin typeface="+mn-lt"/>
-                <a:ea typeface="+mn-ea"/>
-                <a:cs typeface="+mn-cs"/>
-              </a:rPr>
-              <a:t>Deploying and Scaling </a:t>
-            </a:r>
-            <a:r>
-              <a:rPr lang="en-AU" sz="1200" b="0" i="0" kern="1200" dirty="0" err="1" smtClean="0">
-                <a:solidFill>
-                  <a:schemeClr val="tx1"/>
-                </a:solidFill>
-                <a:effectLst/>
-                <a:latin typeface="+mn-lt"/>
-                <a:ea typeface="+mn-ea"/>
-                <a:cs typeface="+mn-cs"/>
-              </a:rPr>
-              <a:t>Logstash</a:t>
-            </a:r>
-            <a:r>
-              <a:rPr lang="en-AU" sz="1200" b="0" i="0" kern="1200" dirty="0" smtClean="0">
-                <a:solidFill>
-                  <a:schemeClr val="tx1"/>
-                </a:solidFill>
-                <a:effectLst/>
-                <a:latin typeface="+mn-lt"/>
-                <a:ea typeface="+mn-ea"/>
-                <a:cs typeface="+mn-cs"/>
-              </a:rPr>
-              <a:t> </a:t>
-            </a:r>
-            <a:r>
               <a:rPr lang="en-AU" dirty="0" smtClean="0"/>
-              <a:t>https://www.elastic.co/guide/en/logstash/5.0/deploying-and-scaling.html</a:t>
+              <a:t>Sketching time</a:t>
             </a:r>
             <a:endParaRPr lang="en-AU" dirty="0"/>
           </a:p>
@@ -3170,7 +3809,7 @@
     </p:spTree>
     <p:extLst>
       <p:ext uri="{BB962C8B-B14F-4D97-AF65-F5344CB8AC3E}">
-        <p14:creationId xmlns:p14="http://schemas.microsoft.com/office/powerpoint/2010/main" val="3140506622"/>
+        <p14:creationId xmlns:p14="http://schemas.microsoft.com/office/powerpoint/2010/main" val="1039974734"/>
       </p:ext>
     </p:extLst>
   </p:cSld>
@@ -3224,6 +3863,46 @@
           <a:bodyPr/>
           <a:lstStyle/>
           <a:p>
+            <a:r>
+              <a:rPr lang="en-AU" sz="1200" b="0" i="0" kern="1200" dirty="0" smtClean="0">
+                <a:solidFill>
+                  <a:schemeClr val="tx1"/>
+                </a:solidFill>
+                <a:effectLst/>
+                <a:latin typeface="+mn-lt"/>
+                <a:ea typeface="+mn-ea"/>
+                <a:cs typeface="+mn-cs"/>
+              </a:rPr>
+              <a:t>Deploying and Scaling </a:t>
+            </a:r>
+            <a:r>
+              <a:rPr lang="en-AU" sz="1200" b="0" i="0" kern="1200" dirty="0" err="1" smtClean="0">
+                <a:solidFill>
+                  <a:schemeClr val="tx1"/>
+                </a:solidFill>
+                <a:effectLst/>
+                <a:latin typeface="+mn-lt"/>
+                <a:ea typeface="+mn-ea"/>
+                <a:cs typeface="+mn-cs"/>
+              </a:rPr>
+              <a:t>Logstash</a:t>
+            </a:r>
+            <a:r>
+              <a:rPr lang="en-AU" sz="1200" b="0" i="0" kern="1200" dirty="0" smtClean="0">
+                <a:solidFill>
+                  <a:schemeClr val="tx1"/>
+                </a:solidFill>
+                <a:effectLst/>
+                <a:latin typeface="+mn-lt"/>
+                <a:ea typeface="+mn-ea"/>
+                <a:cs typeface="+mn-cs"/>
+              </a:rPr>
+              <a:t> </a:t>
+            </a:r>
+            <a:r>
+              <a:rPr lang="en-AU" dirty="0" smtClean="0"/>
+              <a:t>https://www.elastic.co/guide/en/logstash/5.0/deploying-and-scaling.html</a:t>
+            </a:r>
             <a:endParaRPr lang="en-AU" dirty="0"/>
           </a:p>
         </p:txBody>
@@ -3254,7 +3933,7 @@
     </p:spTree>
     <p:extLst>
       <p:ext uri="{BB962C8B-B14F-4D97-AF65-F5344CB8AC3E}">
-        <p14:creationId xmlns:p14="http://schemas.microsoft.com/office/powerpoint/2010/main" val="1039974734"/>
+        <p14:creationId xmlns:p14="http://schemas.microsoft.com/office/powerpoint/2010/main" val="3140506622"/>
       </p:ext>
     </p:extLst>
   </p:cSld>
@@ -3335,7 +4014,7 @@
             </a:r>
             <a:r>
               <a:rPr lang="en-AU" baseline="0" dirty="0" smtClean="0"/>
-              <a:t> with different  DFS (logical) full path. </a:t>
+              <a:t> with different (logical) full path (DFS ). </a:t>
             </a:r>
             <a:r>
               <a:rPr lang="en-AU" baseline="0" dirty="0" err="1" smtClean="0"/>
@@ -4015,7 +4694,7 @@
           <a:p>
             <a:fld id="{83284890-85D2-4D7B-8EF5-15A9C1DB8F42}" type="datetimeFigureOut">
               <a:rPr lang="en-US" dirty="0"/>
-              <a:t>6/13/2016</a:t>
+              <a:t>6/14/2016</a:t>
             </a:fld>
             <a:endParaRPr lang="en-US" dirty="0"/>
           </a:p>
@@ -4190,7 +4869,7 @@
           <a:p>
             <a:fld id="{87157CC2-0FC8-4686-B024-99790E0F5162}" type="datetimeFigureOut">
               <a:rPr lang="en-US" dirty="0"/>
-              <a:t>6/13/2016</a:t>
+              <a:t>6/14/2016</a:t>
             </a:fld>
             <a:endParaRPr lang="en-US" dirty="0"/>
           </a:p>
@@ -4365,7 +5044,7 @@
           <a:p>
             <a:fld id="{F6764DA5-CD3D-4590-A511-FCD3BC7A793E}" type="datetimeFigureOut">
               <a:rPr lang="en-US" dirty="0"/>
-              <a:t>6/13/2016</a:t>
+              <a:t>6/14/2016</a:t>
             </a:fld>
             <a:endParaRPr lang="en-US" dirty="0"/>
           </a:p>
@@ -4530,7 +5209,7 @@
           <a:p>
             <a:fld id="{82F5661D-6934-4B32-B92C-470368BF1EC6}" type="datetimeFigureOut">
               <a:rPr lang="en-US" dirty="0"/>
-              <a:t>6/13/2016</a:t>
+              <a:t>6/14/2016</a:t>
             </a:fld>
             <a:endParaRPr lang="en-US" dirty="0"/>
           </a:p>
@@ -4838,7 +5517,7 @@
           <a:p>
             <a:fld id="{C6F822A4-8DA6-4447-9B1F-C5DB58435268}" type="datetimeFigureOut">
               <a:rPr lang="en-US" dirty="0"/>
-              <a:t>6/13/2016</a:t>
+              <a:t>6/14/2016</a:t>
             </a:fld>
             <a:endParaRPr lang="en-US" dirty="0"/>
           </a:p>
@@ -5220,7 +5899,7 @@
           <a:p>
             <a:fld id="{E548D31E-DCDA-41A7-9C67-C4B11B94D21D}" type="datetimeFigureOut">
               <a:rPr lang="en-US" dirty="0"/>
-              <a:t>6/13/2016</a:t>
+              <a:t>6/14/2016</a:t>
             </a:fld>
             <a:endParaRPr lang="en-US" dirty="0"/>
           </a:p>
@@ -5649,7 +6328,7 @@
           <a:p>
             <a:fld id="{9B3762C0-B258-48F1-ADE6-176B4174CCDD}" type="datetimeFigureOut">
               <a:rPr lang="en-US" dirty="0"/>
-              <a:t>6/13/2016</a:t>
+              <a:t>6/14/2016</a:t>
             </a:fld>
             <a:endParaRPr lang="en-US" dirty="0"/>
           </a:p>
@@ -5762,7 +6441,7 @@
           <a:p>
             <a:fld id="{677919A6-33EB-49BD-A62F-1FA56B9F9712}" type="datetimeFigureOut">
               <a:rPr lang="en-US" dirty="0"/>
-              <a:t>6/13/2016</a:t>
+              <a:t>6/14/2016</a:t>
             </a:fld>
             <a:endParaRPr lang="en-US" dirty="0"/>
           </a:p>
@@ -5852,7 +6531,7 @@
           <a:p>
             <a:fld id="{CA4E7D1B-D673-4CF6-8672-009D42ABD2A0}" type="datetimeFigureOut">
               <a:rPr lang="en-US" dirty="0"/>
-              <a:t>6/13/2016</a:t>
+              <a:t>6/14/2016</a:t>
             </a:fld>
             <a:endParaRPr lang="en-US" dirty="0"/>
           </a:p>
@@ -6197,7 +6876,7 @@
           <a:p>
             <a:fld id="{DA16AA21-1863-4931-97CB-99D0A168701B}" type="datetimeFigureOut">
               <a:rPr lang="en-US" dirty="0"/>
-              <a:t>6/13/2016</a:t>
+              <a:t>6/14/2016</a:t>
             </a:fld>
             <a:endParaRPr lang="en-US" dirty="0"/>
           </a:p>
@@ -6617,7 +7296,7 @@
           <a:p>
             <a:fld id="{3772C379-9A7C-4C87-A116-CBE9F58B04C5}" type="datetimeFigureOut">
               <a:rPr lang="en-US" dirty="0"/>
-              <a:t>6/13/2016</a:t>
+              <a:t>6/14/2016</a:t>
             </a:fld>
             <a:endParaRPr lang="en-US" dirty="0"/>
           </a:p>
@@ -6893,7 +7572,7 @@
           <a:p>
             <a:fld id="{8664C608-40B1-4030-A28D-5B74BC98ADCE}" type="datetimeFigureOut">
               <a:rPr lang="en-US" dirty="0"/>
-              <a:t>6/13/2016</a:t>
+              <a:t>6/14/2016</a:t>
             </a:fld>
             <a:endParaRPr lang="en-US" dirty="0"/>
           </a:p>
@@ -7776,19 +8455,7 @@
           <a:p>
             <a:r>
               <a:rPr lang="en-AU" sz="1300" dirty="0" smtClean="0"/>
-              <a:t>Session, Ticket,  Claim, OWIN, </a:t>
-            </a:r>
-            <a:r>
-              <a:rPr lang="en-AU" sz="1300" dirty="0" smtClean="0"/>
-              <a:t>Basic, </a:t>
-            </a:r>
-            <a:r>
-              <a:rPr lang="en-AU" sz="1300" dirty="0" smtClean="0"/>
-              <a:t>Kerberos, NTLM, </a:t>
-            </a:r>
-            <a:r>
-              <a:rPr lang="en-AU" sz="1300" dirty="0" smtClean="0"/>
-              <a:t>API Secrets and Keys</a:t>
+              <a:t>Session, Ticket,  Claim, OWIN, Basic, Kerberos, NTLM, API Secrets and Keys</a:t>
             </a:r>
             <a:endParaRPr lang="en-AU" sz="1300" dirty="0"/>
           </a:p>
@@ -7911,15 +8578,7 @@
             <a:pPr algn="ctr"/>
             <a:r>
               <a:rPr lang="en-AU" sz="1100" dirty="0" smtClean="0"/>
-              <a:t>SharePoint, Power BI, </a:t>
-            </a:r>
-            <a:r>
-              <a:rPr lang="en-AU" sz="1100" dirty="0" smtClean="0"/>
-              <a:t>Cortana Analytics, </a:t>
-            </a:r>
-            <a:r>
-              <a:rPr lang="en-AU" sz="1100" dirty="0" smtClean="0"/>
-              <a:t>Visual Studio</a:t>
+              <a:t>SharePoint, Power BI, Cortana Analytics, Visual Studio</a:t>
             </a:r>
             <a:endParaRPr lang="en-AU" sz="1600" dirty="0"/>
           </a:p>
@@ -8579,7 +9238,7 @@
         <p:spPr>
           <a:xfrm>
             <a:off x="8572501" y="2541613"/>
-            <a:ext cx="3277656" cy="4524315"/>
+            <a:ext cx="3277656" cy="3970318"/>
           </a:xfrm>
           <a:prstGeom prst="rect">
             <a:avLst/>
@@ -8611,6 +9270,23 @@
             </a:r>
           </a:p>
           <a:p>
+            <a:endParaRPr lang="en-AU" sz="1200" dirty="0" smtClean="0">
+              <a:solidFill>
+                <a:srgbClr val="006400"/>
+              </a:solidFill>
+              <a:latin typeface="Lucida Console" panose="020B0609040504020204" pitchFamily="49" charset="0"/>
+            </a:endParaRPr>
+          </a:p>
+          <a:p>
+            <a:r>
+              <a:rPr lang="en-AU" sz="1200" dirty="0" smtClean="0">
+                <a:solidFill>
+                  <a:srgbClr val="006400"/>
+                </a:solidFill>
+                <a:latin typeface="Lucida Console" panose="020B0609040504020204" pitchFamily="49" charset="0"/>
+              </a:rPr>
+              <a:t>#</a:t>
+            </a:r>
             <a:r>
               <a:rPr lang="en-AU" sz="1200" dirty="0">
                 <a:solidFill>
@@ -8618,7 +9294,7 @@
                 </a:solidFill>
                 <a:latin typeface="Lucida Console" panose="020B0609040504020204" pitchFamily="49" charset="0"/>
               </a:rPr>
-              <a:t>#find </a:t>
+              <a:t>find </a:t>
             </a:r>
             <a:r>
               <a:rPr lang="en-AU" sz="1200" dirty="0" smtClean="0">
@@ -8637,6 +9313,9 @@
             </a:endParaRPr>
           </a:p>
           <a:p>
+            <a:endParaRPr lang="en-AU" sz="1200" dirty="0" smtClean="0"/>
+          </a:p>
+          <a:p>
             <a:r>
               <a:rPr lang="en-AU" sz="1200" dirty="0" smtClean="0"/>
               <a:t> </a:t>
@@ -8843,287 +9522,16 @@
                 </a:solidFill>
                 <a:latin typeface="Lucida Console" panose="020B0609040504020204" pitchFamily="49" charset="0"/>
               </a:rPr>
-              <a:t>&amp;v=20140806&amp;ll=40.7,-74&amp;query=sushi"</a:t>
-            </a:r>
-            <a:endParaRPr lang="fi-FI" sz="1200" dirty="0">
-              <a:solidFill>
-                <a:prstClr val="black"/>
-              </a:solidFill>
-              <a:latin typeface="Lucida Console" panose="020B0609040504020204" pitchFamily="49" charset="0"/>
-            </a:endParaRPr>
-          </a:p>
-          <a:p>
-            <a:r>
-              <a:rPr lang="en-AU" sz="1200" dirty="0">
-                <a:solidFill>
-                  <a:srgbClr val="FF4500"/>
-                </a:solidFill>
-                <a:latin typeface="Lucida Console" panose="020B0609040504020204" pitchFamily="49" charset="0"/>
-              </a:rPr>
-              <a:t>$response</a:t>
-            </a:r>
-            <a:r>
-              <a:rPr lang="en-AU" sz="1200" dirty="0">
-                <a:solidFill>
-                  <a:prstClr val="black"/>
-                </a:solidFill>
-                <a:latin typeface="Lucida Console" panose="020B0609040504020204" pitchFamily="49" charset="0"/>
-              </a:rPr>
-              <a:t> </a:t>
-            </a:r>
-            <a:r>
-              <a:rPr lang="en-AU" sz="1200" dirty="0">
-                <a:solidFill>
-                  <a:srgbClr val="A9A9A9"/>
-                </a:solidFill>
-                <a:latin typeface="Lucida Console" panose="020B0609040504020204" pitchFamily="49" charset="0"/>
-              </a:rPr>
-              <a:t>=</a:t>
-            </a:r>
-            <a:r>
-              <a:rPr lang="en-AU" sz="1200" dirty="0">
-                <a:solidFill>
-                  <a:prstClr val="black"/>
-                </a:solidFill>
-                <a:latin typeface="Lucida Console" panose="020B0609040504020204" pitchFamily="49" charset="0"/>
-              </a:rPr>
-              <a:t> </a:t>
-            </a:r>
-            <a:r>
-              <a:rPr lang="en-AU" sz="1200" dirty="0" err="1">
-                <a:solidFill>
-                  <a:srgbClr val="8A2BE2"/>
-                </a:solidFill>
-                <a:latin typeface="Lucida Console" panose="020B0609040504020204" pitchFamily="49" charset="0"/>
-              </a:rPr>
-              <a:t>wget</a:t>
-            </a:r>
-            <a:r>
-              <a:rPr lang="en-AU" sz="1200" dirty="0">
-                <a:solidFill>
-                  <a:prstClr val="black"/>
-                </a:solidFill>
-                <a:latin typeface="Lucida Console" panose="020B0609040504020204" pitchFamily="49" charset="0"/>
-              </a:rPr>
-              <a:t> </a:t>
-            </a:r>
-            <a:r>
-              <a:rPr lang="en-AU" sz="1200" dirty="0">
-                <a:solidFill>
-                  <a:srgbClr val="000080"/>
-                </a:solidFill>
-                <a:latin typeface="Lucida Console" panose="020B0609040504020204" pitchFamily="49" charset="0"/>
-              </a:rPr>
-              <a:t>-Uri</a:t>
-            </a:r>
-            <a:r>
-              <a:rPr lang="en-AU" sz="1200" dirty="0">
-                <a:solidFill>
-                  <a:prstClr val="black"/>
-                </a:solidFill>
-                <a:latin typeface="Lucida Console" panose="020B0609040504020204" pitchFamily="49" charset="0"/>
-              </a:rPr>
-              <a:t> </a:t>
-            </a:r>
-            <a:r>
-              <a:rPr lang="en-AU" sz="1200" dirty="0">
-                <a:solidFill>
-                  <a:srgbClr val="FF4500"/>
-                </a:solidFill>
-                <a:latin typeface="Lucida Console" panose="020B0609040504020204" pitchFamily="49" charset="0"/>
-              </a:rPr>
-              <a:t>$</a:t>
-            </a:r>
-            <a:r>
-              <a:rPr lang="en-AU" sz="1200" dirty="0" err="1">
-                <a:solidFill>
-                  <a:srgbClr val="FF4500"/>
-                </a:solidFill>
-                <a:latin typeface="Lucida Console" panose="020B0609040504020204" pitchFamily="49" charset="0"/>
-              </a:rPr>
-              <a:t>uri</a:t>
-            </a:r>
-            <a:r>
-              <a:rPr lang="en-AU" sz="1200" dirty="0">
-                <a:solidFill>
-                  <a:prstClr val="black"/>
-                </a:solidFill>
-                <a:latin typeface="Lucida Console" panose="020B0609040504020204" pitchFamily="49" charset="0"/>
-              </a:rPr>
-              <a:t> </a:t>
-            </a:r>
-            <a:r>
-              <a:rPr lang="en-AU" sz="1200" dirty="0">
-                <a:solidFill>
-                  <a:srgbClr val="000080"/>
-                </a:solidFill>
-                <a:latin typeface="Lucida Console" panose="020B0609040504020204" pitchFamily="49" charset="0"/>
-              </a:rPr>
-              <a:t>-method</a:t>
-            </a:r>
-            <a:r>
-              <a:rPr lang="en-AU" sz="1200" dirty="0">
-                <a:solidFill>
-                  <a:prstClr val="black"/>
-                </a:solidFill>
-                <a:latin typeface="Lucida Console" panose="020B0609040504020204" pitchFamily="49" charset="0"/>
-              </a:rPr>
-              <a:t> </a:t>
-            </a:r>
-            <a:r>
-              <a:rPr lang="en-AU" sz="1200" dirty="0">
+              <a:t>&amp;v=20140806&amp;ll=40.7,-74&amp;query=sushi</a:t>
+            </a:r>
+            <a:r>
+              <a:rPr lang="fi-FI" sz="1200" dirty="0" smtClean="0">
                 <a:solidFill>
                   <a:srgbClr val="8B0000"/>
                 </a:solidFill>
                 <a:latin typeface="Lucida Console" panose="020B0609040504020204" pitchFamily="49" charset="0"/>
               </a:rPr>
-              <a:t>"Get"</a:t>
-            </a:r>
-            <a:r>
-              <a:rPr lang="en-AU" sz="1200" dirty="0">
-                <a:solidFill>
-                  <a:prstClr val="black"/>
-                </a:solidFill>
-                <a:latin typeface="Lucida Console" panose="020B0609040504020204" pitchFamily="49" charset="0"/>
-              </a:rPr>
-              <a:t> </a:t>
-            </a:r>
-            <a:r>
-              <a:rPr lang="en-AU" sz="1200" dirty="0">
-                <a:solidFill>
-                  <a:srgbClr val="000080"/>
-                </a:solidFill>
-                <a:latin typeface="Lucida Console" panose="020B0609040504020204" pitchFamily="49" charset="0"/>
-              </a:rPr>
-              <a:t>-</a:t>
-            </a:r>
-            <a:r>
-              <a:rPr lang="en-AU" sz="1200" dirty="0" err="1">
-                <a:solidFill>
-                  <a:srgbClr val="000080"/>
-                </a:solidFill>
-                <a:latin typeface="Lucida Console" panose="020B0609040504020204" pitchFamily="49" charset="0"/>
-              </a:rPr>
-              <a:t>ContentType</a:t>
-            </a:r>
-            <a:r>
-              <a:rPr lang="en-AU" sz="1200" dirty="0">
-                <a:solidFill>
-                  <a:prstClr val="black"/>
-                </a:solidFill>
-                <a:latin typeface="Lucida Console" panose="020B0609040504020204" pitchFamily="49" charset="0"/>
-              </a:rPr>
-              <a:t> </a:t>
-            </a:r>
-            <a:r>
-              <a:rPr lang="en-AU" sz="1200" dirty="0">
-                <a:solidFill>
-                  <a:srgbClr val="8B0000"/>
-                </a:solidFill>
-                <a:latin typeface="Lucida Console" panose="020B0609040504020204" pitchFamily="49" charset="0"/>
-              </a:rPr>
-              <a:t>'application/</a:t>
-            </a:r>
-            <a:r>
-              <a:rPr lang="en-AU" sz="1200" dirty="0" err="1">
-                <a:solidFill>
-                  <a:srgbClr val="8B0000"/>
-                </a:solidFill>
-                <a:latin typeface="Lucida Console" panose="020B0609040504020204" pitchFamily="49" charset="0"/>
-              </a:rPr>
-              <a:t>json</a:t>
-            </a:r>
-            <a:r>
-              <a:rPr lang="en-AU" sz="1200" dirty="0">
-                <a:solidFill>
-                  <a:srgbClr val="8B0000"/>
-                </a:solidFill>
-                <a:latin typeface="Lucida Console" panose="020B0609040504020204" pitchFamily="49" charset="0"/>
-              </a:rPr>
-              <a:t>'</a:t>
-            </a:r>
-            <a:r>
-              <a:rPr lang="en-AU" sz="1200" dirty="0">
-                <a:solidFill>
-                  <a:prstClr val="black"/>
-                </a:solidFill>
-                <a:latin typeface="Lucida Console" panose="020B0609040504020204" pitchFamily="49" charset="0"/>
-              </a:rPr>
-              <a:t> </a:t>
-            </a:r>
-          </a:p>
-          <a:p>
-            <a:r>
-              <a:rPr lang="en-AU" sz="1200" dirty="0" smtClean="0">
-                <a:solidFill>
-                  <a:srgbClr val="8A2BE2"/>
-                </a:solidFill>
-                <a:latin typeface="Lucida Console" panose="020B0609040504020204" pitchFamily="49" charset="0"/>
-              </a:rPr>
-              <a:t>$finder = </a:t>
-            </a:r>
-            <a:r>
-              <a:rPr lang="en-AU" sz="1200" dirty="0" err="1" smtClean="0">
-                <a:solidFill>
-                  <a:srgbClr val="8A2BE2"/>
-                </a:solidFill>
-                <a:latin typeface="Lucida Console" panose="020B0609040504020204" pitchFamily="49" charset="0"/>
-              </a:rPr>
-              <a:t>ConvertFrom</a:t>
-            </a:r>
-            <a:r>
-              <a:rPr lang="en-AU" sz="1200" dirty="0" err="1" smtClean="0">
-                <a:solidFill>
-                  <a:srgbClr val="000080"/>
-                </a:solidFill>
-                <a:latin typeface="Lucida Console" panose="020B0609040504020204" pitchFamily="49" charset="0"/>
-              </a:rPr>
-              <a:t>-Json</a:t>
-            </a:r>
-            <a:r>
-              <a:rPr lang="en-AU" sz="1200" dirty="0" smtClean="0">
-                <a:solidFill>
-                  <a:prstClr val="black"/>
-                </a:solidFill>
-                <a:latin typeface="Lucida Console" panose="020B0609040504020204" pitchFamily="49" charset="0"/>
-              </a:rPr>
-              <a:t> </a:t>
-            </a:r>
-            <a:r>
-              <a:rPr lang="en-AU" sz="1200" dirty="0">
-                <a:solidFill>
-                  <a:srgbClr val="FF4500"/>
-                </a:solidFill>
-                <a:latin typeface="Lucida Console" panose="020B0609040504020204" pitchFamily="49" charset="0"/>
-              </a:rPr>
-              <a:t>$</a:t>
-            </a:r>
-            <a:r>
-              <a:rPr lang="en-AU" sz="1200" dirty="0" err="1">
-                <a:solidFill>
-                  <a:srgbClr val="FF4500"/>
-                </a:solidFill>
-                <a:latin typeface="Lucida Console" panose="020B0609040504020204" pitchFamily="49" charset="0"/>
-              </a:rPr>
-              <a:t>response</a:t>
-            </a:r>
-            <a:r>
-              <a:rPr lang="en-AU" sz="1200" dirty="0" err="1">
-                <a:solidFill>
-                  <a:srgbClr val="A9A9A9"/>
-                </a:solidFill>
-                <a:latin typeface="Lucida Console" panose="020B0609040504020204" pitchFamily="49" charset="0"/>
-              </a:rPr>
-              <a:t>.</a:t>
-            </a:r>
-            <a:r>
-              <a:rPr lang="en-AU" sz="1200" dirty="0" err="1">
-                <a:solidFill>
-                  <a:srgbClr val="8A2BE2"/>
-                </a:solidFill>
-                <a:latin typeface="Lucida Console" panose="020B0609040504020204" pitchFamily="49" charset="0"/>
-              </a:rPr>
-              <a:t>Content</a:t>
+              <a:t>"</a:t>
             </a:r>
             <a:endParaRPr lang="en-AU" sz="1200" dirty="0">
               <a:solidFill>
@@ -12293,6 +12701,958 @@
           <a:chExt cx="0" cy="0"/>
         </a:xfrm>
       </p:grpSpPr>
+      <p:pic>
+        <p:nvPicPr>
+          <p:cNvPr id="4" name="Picture 3"/>
+          <p:cNvPicPr>
+            <a:picLocks noChangeAspect="1"/>
+          </p:cNvPicPr>
+          <p:nvPr/>
+        </p:nvPicPr>
+        <p:blipFill>
+          <a:blip r:embed="rId3"/>
+          <a:stretch>
+            <a:fillRect/>
+          </a:stretch>
+        </p:blipFill>
+        <p:spPr>
+          <a:xfrm>
+            <a:off x="5648325" y="5153469"/>
+            <a:ext cx="4095750" cy="1533525"/>
+          </a:xfrm>
+          <a:prstGeom prst="rect">
+            <a:avLst/>
+          </a:prstGeom>
+        </p:spPr>
+      </p:pic>
+      <p:pic>
+        <p:nvPicPr>
+          <p:cNvPr id="5" name="Picture 4"/>
+          <p:cNvPicPr>
+            <a:picLocks noChangeAspect="1"/>
+          </p:cNvPicPr>
+          <p:nvPr/>
+        </p:nvPicPr>
+        <p:blipFill>
+          <a:blip r:embed="rId4"/>
+          <a:stretch>
+            <a:fillRect/>
+          </a:stretch>
+        </p:blipFill>
+        <p:spPr>
+          <a:xfrm>
+            <a:off x="8496300" y="26115"/>
+            <a:ext cx="3579597" cy="4238243"/>
+          </a:xfrm>
+          <a:prstGeom prst="rect">
+            <a:avLst/>
+          </a:prstGeom>
+        </p:spPr>
+      </p:pic>
+      <p:sp>
+        <p:nvSpPr>
+          <p:cNvPr id="2" name="Title 1"/>
+          <p:cNvSpPr>
+            <a:spLocks noGrp="1"/>
+          </p:cNvSpPr>
+          <p:nvPr>
+            <p:ph type="title"/>
+          </p:nvPr>
+        </p:nvSpPr>
+        <p:spPr>
+          <a:xfrm>
+            <a:off x="387219" y="0"/>
+            <a:ext cx="11574379" cy="625711"/>
+          </a:xfrm>
+        </p:spPr>
+        <p:txBody>
+          <a:bodyPr>
+            <a:normAutofit fontScale="90000"/>
+          </a:bodyPr>
+          <a:lstStyle/>
+          <a:p>
+            <a:r>
+              <a:rPr lang="en-AU" dirty="0" smtClean="0"/>
+              <a:t>Search </a:t>
+            </a:r>
+            <a:r>
+              <a:rPr lang="en-AU" dirty="0"/>
+              <a:t>lexicon</a:t>
+            </a:r>
+          </a:p>
+        </p:txBody>
+      </p:sp>
+      <p:sp>
+        <p:nvSpPr>
+          <p:cNvPr id="3" name="Content Placeholder 2"/>
+          <p:cNvSpPr>
+            <a:spLocks noGrp="1"/>
+          </p:cNvSpPr>
+          <p:nvPr>
+            <p:ph idx="1"/>
+          </p:nvPr>
+        </p:nvSpPr>
+        <p:spPr>
+          <a:xfrm>
+            <a:off x="317241" y="856343"/>
+            <a:ext cx="7626609" cy="5616645"/>
+          </a:xfrm>
+        </p:spPr>
+        <p:txBody>
+          <a:bodyPr numCol="3">
+            <a:normAutofit/>
+          </a:bodyPr>
+          <a:lstStyle/>
+          <a:p>
+            <a:r>
+              <a:rPr lang="en-AU" dirty="0" smtClean="0"/>
+              <a:t>_alias</a:t>
+            </a:r>
+            <a:r>
+              <a:rPr lang="en-AU" sz="1400" dirty="0" smtClean="0"/>
+              <a:t> – index name synonym used to merge, split or swap and hide from end user physical index names</a:t>
+            </a:r>
+          </a:p>
+          <a:p>
+            <a:r>
+              <a:rPr lang="en-AU" dirty="0" smtClean="0"/>
+              <a:t>_cat </a:t>
+            </a:r>
+            <a:r>
+              <a:rPr lang="en-AU" sz="1400" dirty="0" smtClean="0"/>
+              <a:t>– group of commands</a:t>
+            </a:r>
+          </a:p>
+          <a:p>
+            <a:r>
+              <a:rPr lang="en-AU" dirty="0" smtClean="0"/>
+              <a:t>_cluster –</a:t>
+            </a:r>
+            <a:r>
+              <a:rPr lang="en-AU" sz="1400" dirty="0" smtClean="0"/>
+              <a:t> collection of nodes</a:t>
+            </a:r>
+          </a:p>
+          <a:p>
+            <a:r>
+              <a:rPr lang="en-AU" dirty="0"/>
+              <a:t>_</a:t>
+            </a:r>
+            <a:r>
+              <a:rPr lang="en-AU" dirty="0" smtClean="0"/>
+              <a:t>explain - </a:t>
+            </a:r>
+            <a:r>
+              <a:rPr lang="en-AU" sz="1400" dirty="0"/>
+              <a:t>give useful feedback whether a document matches or didn’t match a specific query.</a:t>
+            </a:r>
+          </a:p>
+          <a:p>
+            <a:r>
+              <a:rPr lang="en-AU" dirty="0" smtClean="0"/>
+              <a:t>_mapping - </a:t>
+            </a:r>
+            <a:r>
+              <a:rPr lang="en-AU" sz="1400" dirty="0" smtClean="0"/>
+              <a:t>Field-Type </a:t>
+            </a:r>
+            <a:r>
+              <a:rPr lang="en-AU" sz="1400" dirty="0"/>
+              <a:t>mapping</a:t>
+            </a:r>
+          </a:p>
+          <a:p>
+            <a:r>
+              <a:rPr lang="en-AU" dirty="0" smtClean="0"/>
+              <a:t>_type	- </a:t>
+            </a:r>
+            <a:r>
+              <a:rPr lang="en-AU" sz="1400" dirty="0" smtClean="0"/>
+              <a:t>type(table) inside index</a:t>
+            </a:r>
+            <a:endParaRPr lang="en-AU" sz="1400" dirty="0"/>
+          </a:p>
+          <a:p>
+            <a:r>
+              <a:rPr lang="en-AU" dirty="0"/>
+              <a:t>_</a:t>
+            </a:r>
+            <a:r>
+              <a:rPr lang="en-AU" dirty="0" smtClean="0"/>
+              <a:t>id</a:t>
+            </a:r>
+            <a:r>
+              <a:rPr lang="en-AU" dirty="0"/>
+              <a:t> </a:t>
+            </a:r>
+            <a:r>
+              <a:rPr lang="en-AU" sz="1400" dirty="0" smtClean="0"/>
+              <a:t>unique </a:t>
+            </a:r>
+            <a:r>
+              <a:rPr lang="en-AU" sz="1400" dirty="0"/>
+              <a:t>ID </a:t>
+            </a:r>
+            <a:r>
+              <a:rPr lang="en-AU" sz="1400" dirty="0" smtClean="0"/>
+              <a:t>(PK). </a:t>
+            </a:r>
+            <a:r>
+              <a:rPr lang="en-AU" sz="1400" dirty="0"/>
+              <a:t>Is </a:t>
+            </a:r>
+            <a:r>
+              <a:rPr lang="en-AU" sz="1400" dirty="0" smtClean="0"/>
+              <a:t>auto generated </a:t>
+            </a:r>
+            <a:r>
+              <a:rPr lang="en-AU" sz="1400" dirty="0"/>
+              <a:t>20 </a:t>
+            </a:r>
+            <a:r>
+              <a:rPr lang="en-AU" sz="1400" dirty="0" smtClean="0"/>
+              <a:t>character </a:t>
+            </a:r>
+            <a:r>
+              <a:rPr lang="en-AU" sz="1400" dirty="0"/>
+              <a:t>hash (if not provided</a:t>
+            </a:r>
+            <a:r>
+              <a:rPr lang="en-AU" sz="1400" dirty="0" smtClean="0"/>
+              <a:t>). The </a:t>
+            </a:r>
+            <a:r>
+              <a:rPr lang="en-AU" sz="1400" dirty="0"/>
+              <a:t>_id field </a:t>
+            </a:r>
+            <a:r>
+              <a:rPr lang="en-AU" sz="1400" dirty="0" smtClean="0"/>
+              <a:t>is </a:t>
+            </a:r>
+            <a:r>
+              <a:rPr lang="en-AU" sz="1400" dirty="0"/>
+              <a:t>not indexed as its value can be derived automatically from the _</a:t>
+            </a:r>
+            <a:r>
+              <a:rPr lang="en-AU" sz="1400" dirty="0" err="1"/>
+              <a:t>uid</a:t>
+            </a:r>
+            <a:r>
+              <a:rPr lang="en-AU" sz="1400" dirty="0"/>
+              <a:t> field.</a:t>
+            </a:r>
+          </a:p>
+          <a:p>
+            <a:r>
+              <a:rPr lang="en-AU" dirty="0"/>
+              <a:t>_</a:t>
+            </a:r>
+            <a:r>
+              <a:rPr lang="en-AU" dirty="0" err="1" smtClean="0"/>
+              <a:t>uid</a:t>
+            </a:r>
+            <a:r>
+              <a:rPr lang="en-AU" dirty="0"/>
+              <a:t> </a:t>
+            </a:r>
+            <a:r>
+              <a:rPr lang="en-AU" sz="1400" dirty="0" smtClean="0"/>
+              <a:t>=&gt; _type </a:t>
+            </a:r>
+            <a:r>
+              <a:rPr lang="en-AU" sz="1400" dirty="0"/>
+              <a:t>+ _id</a:t>
+            </a:r>
+          </a:p>
+          <a:p>
+            <a:r>
+              <a:rPr lang="en-AU" dirty="0" smtClean="0"/>
+              <a:t>_nodes</a:t>
+            </a:r>
+            <a:r>
+              <a:rPr lang="en-AU" sz="1400" dirty="0" smtClean="0"/>
+              <a:t> shows cluster node stats and settings</a:t>
+            </a:r>
+            <a:endParaRPr lang="en-AU" dirty="0"/>
+          </a:p>
+          <a:p>
+            <a:r>
+              <a:rPr lang="en-AU" dirty="0" smtClean="0"/>
+              <a:t>_query </a:t>
+            </a:r>
+            <a:r>
+              <a:rPr lang="en-AU" sz="1400" dirty="0" smtClean="0"/>
+              <a:t>structured request with many options</a:t>
+            </a:r>
+          </a:p>
+          <a:p>
+            <a:r>
+              <a:rPr lang="en-AU" dirty="0" smtClean="0"/>
+              <a:t>_restore </a:t>
+            </a:r>
+            <a:r>
+              <a:rPr lang="en-AU" sz="1400" dirty="0" smtClean="0"/>
+              <a:t>recover from back up</a:t>
+            </a:r>
+            <a:endParaRPr lang="en-AU" dirty="0" smtClean="0"/>
+          </a:p>
+          <a:p>
+            <a:r>
+              <a:rPr lang="en-AU" dirty="0" smtClean="0"/>
+              <a:t>_</a:t>
+            </a:r>
+            <a:r>
+              <a:rPr lang="en-AU" dirty="0"/>
+              <a:t>search</a:t>
+            </a:r>
+          </a:p>
+          <a:p>
+            <a:r>
+              <a:rPr lang="en-AU" dirty="0" smtClean="0"/>
+              <a:t>_settings </a:t>
+            </a:r>
+            <a:r>
+              <a:rPr lang="en-AU" sz="1400" dirty="0" smtClean="0"/>
+              <a:t>shows index </a:t>
+            </a:r>
+            <a:r>
+              <a:rPr lang="en-AU" sz="1400" dirty="0"/>
+              <a:t>settings (analysers, matchings, etc.)</a:t>
+            </a:r>
+          </a:p>
+          <a:p>
+            <a:r>
+              <a:rPr lang="en-AU" dirty="0" smtClean="0"/>
+              <a:t>_snapshot</a:t>
+            </a:r>
+          </a:p>
+          <a:p>
+            <a:r>
+              <a:rPr lang="en-AU" dirty="0" smtClean="0"/>
+              <a:t>_</a:t>
+            </a:r>
+            <a:r>
+              <a:rPr lang="en-AU" dirty="0"/>
+              <a:t>score </a:t>
+            </a:r>
+            <a:r>
+              <a:rPr lang="en-AU" sz="1400" dirty="0" smtClean="0"/>
+              <a:t>= rank</a:t>
+            </a:r>
+            <a:endParaRPr lang="en-AU" sz="1400" dirty="0"/>
+          </a:p>
+          <a:p>
+            <a:r>
+              <a:rPr lang="en-AU" dirty="0"/>
+              <a:t>_</a:t>
+            </a:r>
+            <a:r>
+              <a:rPr lang="en-AU" dirty="0" smtClean="0"/>
+              <a:t>source - </a:t>
+            </a:r>
+            <a:r>
+              <a:rPr lang="en-AU" sz="1400" dirty="0" smtClean="0"/>
+              <a:t>by </a:t>
+            </a:r>
+            <a:r>
+              <a:rPr lang="en-AU" sz="1400" dirty="0"/>
+              <a:t>default, the JSON document that you index will be stored in the _source field and will be returned by all get and search requests.</a:t>
+            </a:r>
+          </a:p>
+          <a:p>
+            <a:r>
+              <a:rPr lang="en-AU" dirty="0"/>
+              <a:t>_</a:t>
+            </a:r>
+            <a:r>
+              <a:rPr lang="en-AU" dirty="0" smtClean="0"/>
+              <a:t>stats</a:t>
+            </a:r>
+            <a:r>
+              <a:rPr lang="en-AU" sz="1400" dirty="0" smtClean="0"/>
+              <a:t> – statistics from specific levels</a:t>
+            </a:r>
+            <a:endParaRPr lang="en-AU" sz="1400" dirty="0"/>
+          </a:p>
+          <a:p>
+            <a:r>
+              <a:rPr lang="en-AU" dirty="0" smtClean="0"/>
+              <a:t>?version - </a:t>
+            </a:r>
+            <a:r>
+              <a:rPr lang="en-AU" sz="1400" dirty="0" smtClean="0"/>
+              <a:t>is </a:t>
+            </a:r>
+            <a:r>
+              <a:rPr lang="en-AU" sz="1400" dirty="0"/>
+              <a:t>deprecated. Instead, use a normal date field and set its value explicitly.</a:t>
+            </a:r>
+          </a:p>
+          <a:p>
+            <a:r>
+              <a:rPr lang="en-AU" dirty="0" smtClean="0"/>
+              <a:t>_template – </a:t>
+            </a:r>
+            <a:r>
+              <a:rPr lang="en-AU" sz="1400" dirty="0" smtClean="0"/>
+              <a:t>predefined prototype of index or </a:t>
+            </a:r>
+            <a:r>
+              <a:rPr lang="en-AU" dirty="0"/>
+              <a:t>mapping</a:t>
+            </a:r>
+            <a:endParaRPr lang="en-AU" sz="1400" dirty="0"/>
+          </a:p>
+        </p:txBody>
+      </p:sp>
+      <p:sp>
+        <p:nvSpPr>
+          <p:cNvPr id="6" name="Rectangle 5"/>
+          <p:cNvSpPr/>
+          <p:nvPr/>
+        </p:nvSpPr>
+        <p:spPr>
+          <a:xfrm>
+            <a:off x="4559300" y="25346"/>
+            <a:ext cx="3822701" cy="830997"/>
+          </a:xfrm>
+          <a:prstGeom prst="rect">
+            <a:avLst/>
+          </a:prstGeom>
+        </p:spPr>
+        <p:txBody>
+          <a:bodyPr wrap="square">
+            <a:spAutoFit/>
+          </a:bodyPr>
+          <a:lstStyle/>
+          <a:p>
+            <a:pPr marL="285750" indent="-285750">
+              <a:buFont typeface="Arial" panose="020B0604020202020204" pitchFamily="34" charset="0"/>
+              <a:buChar char="•"/>
+            </a:pPr>
+            <a:r>
+              <a:rPr lang="en-AU" sz="1600" b="1" dirty="0" err="1" smtClean="0"/>
+              <a:t>Json</a:t>
+            </a:r>
+            <a:r>
+              <a:rPr lang="en-AU" sz="1600" b="1" dirty="0" smtClean="0"/>
+              <a:t>: 		 </a:t>
+            </a:r>
+            <a:r>
+              <a:rPr lang="en-AU" sz="1600" dirty="0" smtClean="0"/>
+              <a:t>{a:1;b:2}</a:t>
+            </a:r>
+          </a:p>
+          <a:p>
+            <a:pPr marL="285750" indent="-285750">
+              <a:buFont typeface="Arial" panose="020B0604020202020204" pitchFamily="34" charset="0"/>
+              <a:buChar char="•"/>
+            </a:pPr>
+            <a:r>
+              <a:rPr lang="en-AU" sz="1600" b="1" dirty="0" smtClean="0"/>
+              <a:t>DSL:            </a:t>
+            </a:r>
+            <a:r>
+              <a:rPr lang="en-AU" sz="1600" dirty="0" smtClean="0"/>
+              <a:t>.</a:t>
+            </a:r>
+            <a:r>
+              <a:rPr lang="en-AU" sz="1600" dirty="0" smtClean="0"/>
+              <a:t>a(1).b(2)</a:t>
+            </a:r>
+          </a:p>
+          <a:p>
+            <a:pPr marL="285750" indent="-285750">
+              <a:buFont typeface="Arial" panose="020B0604020202020204" pitchFamily="34" charset="0"/>
+              <a:buChar char="•"/>
+            </a:pPr>
+            <a:r>
+              <a:rPr lang="en-AU" sz="1600" b="1" dirty="0" smtClean="0"/>
+              <a:t>Object:	</a:t>
+            </a:r>
+            <a:r>
+              <a:rPr lang="en-AU" sz="1600" dirty="0" err="1" smtClean="0"/>
+              <a:t>obj.a</a:t>
+            </a:r>
+            <a:r>
+              <a:rPr lang="en-AU" sz="1600" dirty="0" smtClean="0"/>
+              <a:t> </a:t>
+            </a:r>
+            <a:r>
+              <a:rPr lang="en-AU" sz="1600" dirty="0" smtClean="0"/>
+              <a:t>= 1; </a:t>
+            </a:r>
+            <a:r>
+              <a:rPr lang="en-AU" sz="1600" dirty="0" err="1" smtClean="0"/>
+              <a:t>obj.b</a:t>
+            </a:r>
+            <a:r>
+              <a:rPr lang="en-AU" sz="1600" dirty="0" smtClean="0"/>
+              <a:t> = 2;</a:t>
+            </a:r>
+            <a:endParaRPr lang="en-AU" sz="1600" dirty="0"/>
+          </a:p>
+        </p:txBody>
+      </p:sp>
+      <p:pic>
+        <p:nvPicPr>
+          <p:cNvPr id="7" name="Picture 6"/>
+          <p:cNvPicPr>
+            <a:picLocks noChangeAspect="1"/>
+          </p:cNvPicPr>
+          <p:nvPr/>
+        </p:nvPicPr>
+        <p:blipFill>
+          <a:blip r:embed="rId5"/>
+          <a:stretch>
+            <a:fillRect/>
+          </a:stretch>
+        </p:blipFill>
+        <p:spPr>
+          <a:xfrm>
+            <a:off x="7943850" y="4494990"/>
+            <a:ext cx="3910776" cy="1194610"/>
+          </a:xfrm>
+          <a:prstGeom prst="rect">
+            <a:avLst/>
+          </a:prstGeom>
+        </p:spPr>
+      </p:pic>
+    </p:spTree>
+    <p:extLst>
+      <p:ext uri="{BB962C8B-B14F-4D97-AF65-F5344CB8AC3E}">
+        <p14:creationId xmlns:p14="http://schemas.microsoft.com/office/powerpoint/2010/main" val="3702426076"/>
+      </p:ext>
+    </p:extLst>
+  </p:cSld>
+  <p:clrMapOvr>
+    <a:masterClrMapping/>
+  </p:clrMapOvr>
+  <mc:AlternateContent xmlns:mc="http://schemas.openxmlformats.org/markup-compatibility/2006" xmlns:p14="http://schemas.microsoft.com/office/powerpoint/2010/main">
+    <mc:Choice Requires="p14">
+      <p:transition p14:dur="10"/>
+    </mc:Choice>
+    <mc:Fallback xmlns="">
+      <p:transition/>
+    </mc:Fallback>
+  </mc:AlternateContent>
+  <p:timing>
+    <p:tnLst>
+      <p:par>
+        <p:cTn id="1" dur="indefinite" restart="never" nodeType="tmRoot">
+          <p:childTnLst>
+            <p:seq concurrent="1" nextAc="seek">
+              <p:cTn id="2" dur="indefinite" nodeType="mainSeq">
+                <p:childTnLst>
+                  <p:par>
+                    <p:cTn id="3" fill="hold">
+                      <p:stCondLst>
+                        <p:cond delay="indefinite"/>
+                      </p:stCondLst>
+                      <p:childTnLst>
+                        <p:par>
+                          <p:cTn id="4" fill="hold">
+                            <p:stCondLst>
+                              <p:cond delay="0"/>
+                            </p:stCondLst>
+                            <p:childTnLst>
+                              <p:par>
+                                <p:cTn id="5" presetID="2" presetClass="entr" presetSubtype="1" fill="hold" grpId="0" nodeType="clickEffect">
+                                  <p:stCondLst>
+                                    <p:cond delay="0"/>
+                                  </p:stCondLst>
+                                  <p:childTnLst>
+                                    <p:set>
+                                      <p:cBhvr>
+                                        <p:cTn id="6" dur="1" fill="hold">
+                                          <p:stCondLst>
+                                            <p:cond delay="0"/>
+                                          </p:stCondLst>
+                                        </p:cTn>
+                                        <p:tgtEl>
+                                          <p:spTgt spid="6"/>
+                                        </p:tgtEl>
+                                        <p:attrNameLst>
+                                          <p:attrName>style.visibility</p:attrName>
+                                        </p:attrNameLst>
+                                      </p:cBhvr>
+                                      <p:to>
+                                        <p:strVal val="visible"/>
+                                      </p:to>
+                                    </p:set>
+                                    <p:anim calcmode="lin" valueType="num">
+                                      <p:cBhvr additive="base">
+                                        <p:cTn id="7" dur="500" fill="hold"/>
+                                        <p:tgtEl>
+                                          <p:spTgt spid="6"/>
+                                        </p:tgtEl>
+                                        <p:attrNameLst>
+                                          <p:attrName>ppt_x</p:attrName>
+                                        </p:attrNameLst>
+                                      </p:cBhvr>
+                                      <p:tavLst>
+                                        <p:tav tm="0">
+                                          <p:val>
+                                            <p:strVal val="#ppt_x"/>
+                                          </p:val>
+                                        </p:tav>
+                                        <p:tav tm="100000">
+                                          <p:val>
+                                            <p:strVal val="#ppt_x"/>
+                                          </p:val>
+                                        </p:tav>
+                                      </p:tavLst>
+                                    </p:anim>
+                                    <p:anim calcmode="lin" valueType="num">
+                                      <p:cBhvr additive="base">
+                                        <p:cTn id="8" dur="500" fill="hold"/>
+                                        <p:tgtEl>
+                                          <p:spTgt spid="6"/>
+                                        </p:tgtEl>
+                                        <p:attrNameLst>
+                                          <p:attrName>ppt_y</p:attrName>
+                                        </p:attrNameLst>
+                                      </p:cBhvr>
+                                      <p:tavLst>
+                                        <p:tav tm="0">
+                                          <p:val>
+                                            <p:strVal val="0-#ppt_h/2"/>
+                                          </p:val>
+                                        </p:tav>
+                                        <p:tav tm="100000">
+                                          <p:val>
+                                            <p:strVal val="#ppt_y"/>
+                                          </p:val>
+                                        </p:tav>
+                                      </p:tavLst>
+                                    </p:anim>
+                                  </p:childTnLst>
+                                </p:cTn>
+                              </p:par>
+                            </p:childTnLst>
+                          </p:cTn>
+                        </p:par>
+                      </p:childTnLst>
+                    </p:cTn>
+                  </p:par>
+                  <p:par>
+                    <p:cTn id="9" fill="hold">
+                      <p:stCondLst>
+                        <p:cond delay="indefinite"/>
+                      </p:stCondLst>
+                      <p:childTnLst>
+                        <p:par>
+                          <p:cTn id="10" fill="hold">
+                            <p:stCondLst>
+                              <p:cond delay="0"/>
+                            </p:stCondLst>
+                            <p:childTnLst>
+                              <p:par>
+                                <p:cTn id="11" presetID="2" presetClass="entr" presetSubtype="2" fill="hold" nodeType="clickEffect">
+                                  <p:stCondLst>
+                                    <p:cond delay="0"/>
+                                  </p:stCondLst>
+                                  <p:childTnLst>
+                                    <p:set>
+                                      <p:cBhvr>
+                                        <p:cTn id="12" dur="1" fill="hold">
+                                          <p:stCondLst>
+                                            <p:cond delay="0"/>
+                                          </p:stCondLst>
+                                        </p:cTn>
+                                        <p:tgtEl>
+                                          <p:spTgt spid="5"/>
+                                        </p:tgtEl>
+                                        <p:attrNameLst>
+                                          <p:attrName>style.visibility</p:attrName>
+                                        </p:attrNameLst>
+                                      </p:cBhvr>
+                                      <p:to>
+                                        <p:strVal val="visible"/>
+                                      </p:to>
+                                    </p:set>
+                                    <p:anim calcmode="lin" valueType="num">
+                                      <p:cBhvr additive="base">
+                                        <p:cTn id="13" dur="500" fill="hold"/>
+                                        <p:tgtEl>
+                                          <p:spTgt spid="5"/>
+                                        </p:tgtEl>
+                                        <p:attrNameLst>
+                                          <p:attrName>ppt_x</p:attrName>
+                                        </p:attrNameLst>
+                                      </p:cBhvr>
+                                      <p:tavLst>
+                                        <p:tav tm="0">
+                                          <p:val>
+                                            <p:strVal val="1+#ppt_w/2"/>
+                                          </p:val>
+                                        </p:tav>
+                                        <p:tav tm="100000">
+                                          <p:val>
+                                            <p:strVal val="#ppt_x"/>
+                                          </p:val>
+                                        </p:tav>
+                                      </p:tavLst>
+                                    </p:anim>
+                                    <p:anim calcmode="lin" valueType="num">
+                                      <p:cBhvr additive="base">
+                                        <p:cTn id="14" dur="500" fill="hold"/>
+                                        <p:tgtEl>
+                                          <p:spTgt spid="5"/>
+                                        </p:tgtEl>
+                                        <p:attrNameLst>
+                                          <p:attrName>ppt_y</p:attrName>
+                                        </p:attrNameLst>
+                                      </p:cBhvr>
+                                      <p:tavLst>
+                                        <p:tav tm="0">
+                                          <p:val>
+                                            <p:strVal val="#ppt_y"/>
+                                          </p:val>
+                                        </p:tav>
+                                        <p:tav tm="100000">
+                                          <p:val>
+                                            <p:strVal val="#ppt_y"/>
+                                          </p:val>
+                                        </p:tav>
+                                      </p:tavLst>
+                                    </p:anim>
+                                  </p:childTnLst>
+                                </p:cTn>
+                              </p:par>
+                            </p:childTnLst>
+                          </p:cTn>
+                        </p:par>
+                      </p:childTnLst>
+                    </p:cTn>
+                  </p:par>
+                  <p:par>
+                    <p:cTn id="15" fill="hold">
+                      <p:stCondLst>
+                        <p:cond delay="indefinite"/>
+                      </p:stCondLst>
+                      <p:childTnLst>
+                        <p:par>
+                          <p:cTn id="16" fill="hold">
+                            <p:stCondLst>
+                              <p:cond delay="0"/>
+                            </p:stCondLst>
+                            <p:childTnLst>
+                              <p:par>
+                                <p:cTn id="17" presetID="2" presetClass="entr" presetSubtype="4" fill="hold" nodeType="clickEffect">
+                                  <p:stCondLst>
+                                    <p:cond delay="0"/>
+                                  </p:stCondLst>
+                                  <p:childTnLst>
+                                    <p:set>
+                                      <p:cBhvr>
+                                        <p:cTn id="18" dur="1" fill="hold">
+                                          <p:stCondLst>
+                                            <p:cond delay="0"/>
+                                          </p:stCondLst>
+                                        </p:cTn>
+                                        <p:tgtEl>
+                                          <p:spTgt spid="7"/>
+                                        </p:tgtEl>
+                                        <p:attrNameLst>
+                                          <p:attrName>style.visibility</p:attrName>
+                                        </p:attrNameLst>
+                                      </p:cBhvr>
+                                      <p:to>
+                                        <p:strVal val="visible"/>
+                                      </p:to>
+                                    </p:set>
+                                    <p:anim calcmode="lin" valueType="num">
+                                      <p:cBhvr additive="base">
+                                        <p:cTn id="19" dur="500" fill="hold"/>
+                                        <p:tgtEl>
+                                          <p:spTgt spid="7"/>
+                                        </p:tgtEl>
+                                        <p:attrNameLst>
+                                          <p:attrName>ppt_x</p:attrName>
+                                        </p:attrNameLst>
+                                      </p:cBhvr>
+                                      <p:tavLst>
+                                        <p:tav tm="0">
+                                          <p:val>
+                                            <p:strVal val="#ppt_x"/>
+                                          </p:val>
+                                        </p:tav>
+                                        <p:tav tm="100000">
+                                          <p:val>
+                                            <p:strVal val="#ppt_x"/>
+                                          </p:val>
+                                        </p:tav>
+                                      </p:tavLst>
+                                    </p:anim>
+                                    <p:anim calcmode="lin" valueType="num">
+                                      <p:cBhvr additive="base">
+                                        <p:cTn id="20" dur="500" fill="hold"/>
+                                        <p:tgtEl>
+                                          <p:spTgt spid="7"/>
+                                        </p:tgtEl>
+                                        <p:attrNameLst>
+                                          <p:attrName>ppt_y</p:attrName>
+                                        </p:attrNameLst>
+                                      </p:cBhvr>
+                                      <p:tavLst>
+                                        <p:tav tm="0">
+                                          <p:val>
+                                            <p:strVal val="1+#ppt_h/2"/>
+                                          </p:val>
+                                        </p:tav>
+                                        <p:tav tm="100000">
+                                          <p:val>
+                                            <p:strVal val="#ppt_y"/>
+                                          </p:val>
+                                        </p:tav>
+                                      </p:tavLst>
+                                    </p:anim>
+                                  </p:childTnLst>
+                                </p:cTn>
+                              </p:par>
+                            </p:childTnLst>
+                          </p:cTn>
+                        </p:par>
+                      </p:childTnLst>
+                    </p:cTn>
+                  </p:par>
+                  <p:par>
+                    <p:cTn id="21" fill="hold">
+                      <p:stCondLst>
+                        <p:cond delay="indefinite"/>
+                      </p:stCondLst>
+                      <p:childTnLst>
+                        <p:par>
+                          <p:cTn id="22" fill="hold">
+                            <p:stCondLst>
+                              <p:cond delay="0"/>
+                            </p:stCondLst>
+                            <p:childTnLst>
+                              <p:par>
+                                <p:cTn id="23" presetID="2" presetClass="entr" presetSubtype="4" fill="hold" nodeType="clickEffect">
+                                  <p:stCondLst>
+                                    <p:cond delay="0"/>
+                                  </p:stCondLst>
+                                  <p:childTnLst>
+                                    <p:set>
+                                      <p:cBhvr>
+                                        <p:cTn id="24" dur="1" fill="hold">
+                                          <p:stCondLst>
+                                            <p:cond delay="0"/>
+                                          </p:stCondLst>
+                                        </p:cTn>
+                                        <p:tgtEl>
+                                          <p:spTgt spid="4"/>
+                                        </p:tgtEl>
+                                        <p:attrNameLst>
+                                          <p:attrName>style.visibility</p:attrName>
+                                        </p:attrNameLst>
+                                      </p:cBhvr>
+                                      <p:to>
+                                        <p:strVal val="visible"/>
+                                      </p:to>
+                                    </p:set>
+                                    <p:anim calcmode="lin" valueType="num">
+                                      <p:cBhvr additive="base">
+                                        <p:cTn id="25" dur="500" fill="hold"/>
+                                        <p:tgtEl>
+                                          <p:spTgt spid="4"/>
+                                        </p:tgtEl>
+                                        <p:attrNameLst>
+                                          <p:attrName>ppt_x</p:attrName>
+                                        </p:attrNameLst>
+                                      </p:cBhvr>
+                                      <p:tavLst>
+                                        <p:tav tm="0">
+                                          <p:val>
+                                            <p:strVal val="#ppt_x"/>
+                                          </p:val>
+                                        </p:tav>
+                                        <p:tav tm="100000">
+                                          <p:val>
+                                            <p:strVal val="#ppt_x"/>
+                                          </p:val>
+                                        </p:tav>
+                                      </p:tavLst>
+                                    </p:anim>
+                                    <p:anim calcmode="lin" valueType="num">
+                                      <p:cBhvr additive="base">
+                                        <p:cTn id="26" dur="500" fill="hold"/>
+                                        <p:tgtEl>
+                                          <p:spTgt spid="4"/>
+                                        </p:tgtEl>
+                                        <p:attrNameLst>
+                                          <p:attrName>ppt_y</p:attrName>
+                                        </p:attrNameLst>
+                                      </p:cBhvr>
+                                      <p:tavLst>
+                                        <p:tav tm="0">
+                                          <p:val>
+                                            <p:strVal val="1+#ppt_h/2"/>
+                                          </p:val>
+                                        </p:tav>
+                                        <p:tav tm="100000">
+                                          <p:val>
+                                            <p:strVal val="#ppt_y"/>
+                                          </p:val>
+                                        </p:tav>
+                                      </p:tavLst>
+                                    </p:anim>
+                                  </p:childTnLst>
+                                </p:cTn>
+                              </p:par>
+                            </p:childTnLst>
+                          </p:cTn>
+                        </p:par>
+                      </p:childTnLst>
+                    </p:cTn>
+                  </p:par>
+                </p:childTnLst>
+              </p:cTn>
+              <p:prevCondLst>
+                <p:cond evt="onPrev" delay="0">
+                  <p:tgtEl>
+                    <p:sldTgt/>
+                  </p:tgtEl>
+                </p:cond>
+              </p:prevCondLst>
+              <p:nextCondLst>
+                <p:cond evt="onNext" delay="0">
+                  <p:tgtEl>
+                    <p:sldTgt/>
+                  </p:tgtEl>
+                </p:cond>
+              </p:nextCondLst>
+            </p:seq>
+          </p:childTnLst>
+        </p:cTn>
+      </p:par>
+    </p:tnLst>
+    <p:bldLst>
+      <p:bldP spid="6" grpId="0"/>
+    </p:bldLst>
+  </p:timing>
+</p:sld>
+</file>
+
+<file path=ppt/slides/slide13.xml><?xml version="1.0" encoding="utf-8"?>
+<p:sld xmlns:a="http://schemas.openxmlformats.org/drawingml/2006/main" xmlns:r="http://schemas.openxmlformats.org/officeDocument/2006/relationships" xmlns:p="http://schemas.openxmlformats.org/presentationml/2006/main">
+  <p:cSld>
+    <p:spTree>
+      <p:nvGrpSpPr>
+        <p:cNvPr id="1" name=""/>
+        <p:cNvGrpSpPr/>
+        <p:nvPr/>
+      </p:nvGrpSpPr>
+      <p:grpSpPr>
+        <a:xfrm>
+          <a:off x="0" y="0"/>
+          <a:ext cx="0" cy="0"/>
+          <a:chOff x="0" y="0"/>
+          <a:chExt cx="0" cy="0"/>
+        </a:xfrm>
+      </p:grpSpPr>
       <p:sp>
         <p:nvSpPr>
           <p:cNvPr id="2" name="Title 1"/>
@@ -12335,18 +13695,118 @@
         </p:nvSpPr>
         <p:spPr>
           <a:xfrm>
-            <a:off x="285007" y="736269"/>
-            <a:ext cx="8339704" cy="5961413"/>
+            <a:off x="139485" y="697425"/>
+            <a:ext cx="7470183" cy="6160576"/>
           </a:xfrm>
         </p:spPr>
         <p:txBody>
           <a:bodyPr>
-            <a:normAutofit/>
+            <a:normAutofit fontScale="85000" lnSpcReduction="20000"/>
           </a:bodyPr>
           <a:lstStyle/>
           <a:p>
             <a:r>
               <a:rPr lang="en-AU" dirty="0" smtClean="0"/>
+              <a:t>Cross platform, cross browser</a:t>
+            </a:r>
+          </a:p>
+          <a:p>
+            <a:r>
+              <a:rPr lang="en-AU" dirty="0" smtClean="0"/>
+              <a:t>Discover</a:t>
+            </a:r>
+            <a:r>
+              <a:rPr lang="en-AU" dirty="0"/>
+              <a:t>, iterate, navigate, pin, </a:t>
+            </a:r>
+            <a:r>
+              <a:rPr lang="en-AU" dirty="0" smtClean="0"/>
+              <a:t>dashboard, map</a:t>
+            </a:r>
+            <a:endParaRPr lang="en-AU" dirty="0"/>
+          </a:p>
+          <a:p>
+            <a:r>
+              <a:rPr lang="en-AU" dirty="0" smtClean="0"/>
+              <a:t>Type </a:t>
+            </a:r>
+            <a:r>
+              <a:rPr lang="en-AU" dirty="0"/>
+              <a:t>less, </a:t>
+            </a:r>
+            <a:r>
+              <a:rPr lang="en-AU" dirty="0" smtClean="0"/>
+              <a:t>take </a:t>
+            </a:r>
+            <a:r>
+              <a:rPr lang="en-AU" dirty="0"/>
+              <a:t>more *</a:t>
+            </a:r>
+          </a:p>
+          <a:p>
+            <a:pPr lvl="1"/>
+            <a:r>
+              <a:rPr lang="en-AU" dirty="0" smtClean="0"/>
+              <a:t>Autocomplete, highlights, scope</a:t>
+            </a:r>
+          </a:p>
+          <a:p>
+            <a:pPr lvl="1"/>
+            <a:r>
+              <a:rPr lang="en-AU" dirty="0" smtClean="0"/>
+              <a:t>Level </a:t>
+            </a:r>
+            <a:r>
+              <a:rPr lang="en-AU" dirty="0"/>
+              <a:t>of </a:t>
+            </a:r>
+            <a:r>
+              <a:rPr lang="en-AU" dirty="0" smtClean="0"/>
+              <a:t>confidence</a:t>
+            </a:r>
+            <a:endParaRPr lang="en-AU" dirty="0"/>
+          </a:p>
+          <a:p>
+            <a:pPr lvl="2"/>
+            <a:r>
+              <a:rPr lang="en-AU" dirty="0"/>
+              <a:t>I know what I need</a:t>
+            </a:r>
+          </a:p>
+          <a:p>
+            <a:pPr lvl="2"/>
+            <a:r>
+              <a:rPr lang="en-AU" dirty="0"/>
+              <a:t>Not sure, help </a:t>
+            </a:r>
+            <a:r>
+              <a:rPr lang="en-AU" dirty="0" smtClean="0"/>
+              <a:t>me</a:t>
+            </a:r>
+          </a:p>
+          <a:p>
+            <a:pPr lvl="1"/>
+            <a:r>
+              <a:rPr lang="en-AU" dirty="0"/>
+              <a:t>Cognitive </a:t>
+            </a:r>
+            <a:r>
+              <a:rPr lang="en-AU" dirty="0" smtClean="0"/>
+              <a:t>services</a:t>
+            </a:r>
+            <a:r>
+              <a:rPr lang="en-AU" dirty="0"/>
+              <a:t>: gestures, </a:t>
+            </a:r>
+            <a:r>
+              <a:rPr lang="en-AU" dirty="0" smtClean="0"/>
+              <a:t>speech, emotion, face recognitions</a:t>
+            </a:r>
+            <a:endParaRPr lang="en-AU" dirty="0"/>
+          </a:p>
+          <a:p>
+            <a:r>
+              <a:rPr lang="en-AU" dirty="0" smtClean="0"/>
               <a:t>Filtering and aggregations (ex. facets)</a:t>
             </a:r>
             <a:endParaRPr lang="en-AU" dirty="0"/>
@@ -12374,7 +13834,31 @@
             </a:r>
             <a:r>
               <a:rPr lang="en-AU" dirty="0" smtClean="0"/>
-              <a:t>2015, 2016/01</a:t>
+              <a:t>2015, Last </a:t>
+            </a:r>
+            <a:r>
+              <a:rPr lang="en-AU" dirty="0" smtClean="0"/>
+              <a:t>7 Days</a:t>
+            </a:r>
+            <a:r>
+              <a:rPr lang="en-AU" dirty="0" smtClean="0"/>
+              <a:t>, </a:t>
+            </a:r>
+            <a:r>
+              <a:rPr lang="en-AU" dirty="0"/>
+              <a:t>now+1h, now+1h+1m, now+1h/d, 2015-01-01||+1M/d</a:t>
+            </a:r>
+            <a:r>
+              <a:rPr lang="en-AU" dirty="0" smtClean="0"/>
+              <a:t>) **</a:t>
+            </a:r>
+            <a:endParaRPr lang="en-AU" dirty="0"/>
+          </a:p>
+          <a:p>
+            <a:pPr lvl="1"/>
+            <a:r>
+              <a:rPr lang="en-AU" dirty="0" smtClean="0"/>
+              <a:t>Attributes (Extension, Author</a:t>
             </a:r>
             <a:r>
               <a:rPr lang="en-AU" dirty="0"/>
@@ -12382,15 +13866,35 @@
             </a:r>
             <a:r>
               <a:rPr lang="en-AU" dirty="0" smtClean="0"/>
-              <a:t>…), Geo shapes</a:t>
+              <a:t>EXIF, custom attributes)</a:t>
+            </a:r>
+          </a:p>
+          <a:p>
+            <a:pPr lvl="1"/>
+            <a:r>
+              <a:rPr lang="en-AU" dirty="0" smtClean="0"/>
+              <a:t>Geo shapes (distance, intersections)</a:t>
+            </a:r>
+          </a:p>
+          <a:p>
+            <a:pPr lvl="1"/>
+            <a:r>
+              <a:rPr lang="en-AU" dirty="0" smtClean="0"/>
+              <a:t>Morphology operators (AND NOT OR NEAR)</a:t>
             </a:r>
             <a:endParaRPr lang="en-AU" dirty="0"/>
           </a:p>
           <a:p>
+            <a:r>
+              <a:rPr lang="en-AU" dirty="0" smtClean="0"/>
+              <a:t>Analysis and plugins</a:t>
+            </a:r>
+          </a:p>
+          <a:p>
             <a:pPr lvl="1"/>
             <a:r>
               <a:rPr lang="en-AU" dirty="0" smtClean="0"/>
-              <a:t>Attributes (Extension, Author</a:t>
+              <a:t>Fuzzy</a:t>
             </a:r>
             <a:r>
               <a:rPr lang="en-AU" dirty="0"/>
@@ -12398,41 +13902,39 @@
             </a:r>
             <a:r>
               <a:rPr lang="en-AU" dirty="0" smtClean="0"/>
-              <a:t>Aircraft Type, </a:t>
+              <a:t>MLT </a:t>
             </a:r>
             <a:r>
               <a:rPr lang="en-AU" dirty="0"/>
-              <a:t>Model, </a:t>
+              <a:t>similarity</a:t>
             </a:r>
             <a:r>
               <a:rPr lang="en-AU" dirty="0" smtClean="0"/>
-              <a:t>Manufacturer…)</a:t>
+              <a:t>, </a:t>
+            </a:r>
+            <a:r>
+              <a:rPr lang="en-AU" dirty="0" smtClean="0"/>
+              <a:t>phonetic, stop words</a:t>
             </a:r>
             <a:endParaRPr lang="en-AU" dirty="0"/>
           </a:p>
           <a:p>
+            <a:pPr lvl="1"/>
+            <a:r>
+              <a:rPr lang="en-AU" dirty="0" err="1" smtClean="0"/>
+              <a:t>Multy</a:t>
+            </a:r>
             <a:r>
               <a:rPr lang="en-AU" dirty="0" smtClean="0"/>
-              <a:t>Analysis</a:t>
-            </a:r>
-          </a:p>
-          <a:p>
-            <a:pPr lvl="1"/>
-            <a:r>
-              <a:rPr lang="en-AU" dirty="0" err="1"/>
-              <a:t>Multy</a:t>
+              <a:t>-language </a:t>
             </a:r>
             <a:r>
               <a:rPr lang="en-AU" dirty="0"/>
-              <a:t>-language and </a:t>
-            </a:r>
-            <a:r>
-              <a:rPr lang="en-AU" dirty="0" err="1"/>
-              <a:t>unicode</a:t>
-            </a:r>
-            <a:r>
-              <a:rPr lang="en-AU" dirty="0"/>
-              <a:t> support. Phonetic analysis, morphology</a:t>
+              <a:t>and </a:t>
+            </a:r>
+            <a:r>
+              <a:rPr lang="en-AU" dirty="0" smtClean="0"/>
+              <a:t>Unicode support</a:t>
             </a:r>
           </a:p>
           <a:p>
@@ -12445,97 +13947,23 @@
           <a:p>
             <a:r>
               <a:rPr lang="en-AU" dirty="0" smtClean="0"/>
-              <a:t>Level </a:t>
-            </a:r>
+              <a:t>Layouts and styles</a:t>
+            </a:r>
+            <a:endParaRPr lang="en-AU" dirty="0"/>
+          </a:p>
+          <a:p>
+            <a:pPr lvl="1"/>
             <a:r>
               <a:rPr lang="en-AU" dirty="0"/>
-              <a:t>of confidence </a:t>
+              <a:t>SPA vs MPA, paging, scrolling, form </a:t>
             </a:r>
             <a:r>
               <a:rPr lang="en-AU" dirty="0" smtClean="0"/>
-              <a:t>(fuzzy</a:t>
-            </a:r>
-            <a:r>
-              <a:rPr lang="en-AU" dirty="0"/>
-              <a:t>, MLT, </a:t>
-            </a:r>
-            <a:r>
-              <a:rPr lang="en-AU" dirty="0" smtClean="0"/>
-              <a:t>autocomplete</a:t>
-            </a:r>
-            <a:r>
-              <a:rPr lang="en-AU" dirty="0"/>
-              <a:t>, </a:t>
-            </a:r>
-            <a:r>
-              <a:rPr lang="en-AU" dirty="0" smtClean="0"/>
-              <a:t>similarity)</a:t>
-            </a:r>
-            <a:endParaRPr lang="en-AU" dirty="0"/>
-          </a:p>
-          <a:p>
-            <a:pPr lvl="1"/>
-            <a:r>
-              <a:rPr lang="en-AU" dirty="0"/>
-              <a:t>I know what I need</a:t>
-            </a:r>
-          </a:p>
-          <a:p>
-            <a:pPr lvl="1"/>
-            <a:r>
-              <a:rPr lang="en-AU" dirty="0"/>
-              <a:t>Not sure, </a:t>
-            </a:r>
-            <a:r>
-              <a:rPr lang="en-AU" dirty="0" smtClean="0"/>
-              <a:t>help me</a:t>
-            </a:r>
-          </a:p>
-          <a:p>
-            <a:r>
-              <a:rPr lang="en-AU" dirty="0" smtClean="0"/>
-              <a:t>UI: </a:t>
-            </a:r>
-          </a:p>
-          <a:p>
-            <a:pPr lvl="1"/>
-            <a:r>
-              <a:rPr lang="en-AU" dirty="0" smtClean="0">
-                <a:hlinkClick r:id="rId3"/>
-              </a:rPr>
-              <a:t>Cognitive services</a:t>
-            </a:r>
-            <a:r>
-              <a:rPr lang="en-AU" dirty="0" smtClean="0"/>
-              <a:t>. Type less, take more *</a:t>
-            </a:r>
-            <a:endParaRPr lang="en-AU" dirty="0"/>
-          </a:p>
-          <a:p>
-            <a:pPr lvl="1"/>
-            <a:r>
-              <a:rPr lang="en-AU" dirty="0"/>
-              <a:t>Layouts: SPA vs </a:t>
-            </a:r>
-            <a:r>
-              <a:rPr lang="en-AU" dirty="0" smtClean="0"/>
-              <a:t>MPA, paging, scrolling, form factor, highlights</a:t>
-            </a:r>
-          </a:p>
-          <a:p>
-            <a:pPr lvl="1"/>
-            <a:r>
-              <a:rPr lang="en-AU" dirty="0" smtClean="0"/>
-              <a:t>Discover</a:t>
-            </a:r>
-            <a:r>
-              <a:rPr lang="en-AU" dirty="0"/>
-              <a:t>, iterate, </a:t>
-            </a:r>
-            <a:r>
-              <a:rPr lang="en-AU" dirty="0" smtClean="0"/>
-              <a:t>navigate, pin, dashboards, maps</a:t>
-            </a:r>
+              <a:t>factor, bootstrap, CSS options</a:t>
+            </a:r>
+            <a:endParaRPr lang="en-AU" dirty="0">
+              <a:hlinkClick r:id="rId3"/>
+            </a:endParaRPr>
           </a:p>
           <a:p>
             <a:r>
@@ -12577,7 +14005,7 @@
         </p:blipFill>
         <p:spPr>
           <a:xfrm>
-            <a:off x="8464178" y="211345"/>
+            <a:off x="8464178" y="290945"/>
             <a:ext cx="2953425" cy="2554063"/>
           </a:xfrm>
           <a:prstGeom prst="rect">
@@ -12608,8 +14036,8 @@
         </p:blipFill>
         <p:spPr bwMode="auto">
           <a:xfrm>
-            <a:off x="7839689" y="3089120"/>
-            <a:ext cx="4202401" cy="3021242"/>
+            <a:off x="8128000" y="2849753"/>
+            <a:ext cx="4003085" cy="2877947"/>
           </a:xfrm>
           <a:prstGeom prst="rect">
             <a:avLst/>
@@ -12624,6 +14052,30 @@
               </a14:hiddenFill>
             </a:ext>
           </a:extLst>
+        </p:spPr>
+      </p:pic>
+      <p:pic>
+        <p:nvPicPr>
+          <p:cNvPr id="5" name="Picture 4"/>
+          <p:cNvPicPr>
+            <a:picLocks noChangeAspect="1"/>
+          </p:cNvPicPr>
+          <p:nvPr/>
+        </p:nvPicPr>
+        <p:blipFill>
+          <a:blip r:embed="rId6"/>
+          <a:stretch>
+            <a:fillRect/>
+          </a:stretch>
+        </p:blipFill>
+        <p:spPr>
+          <a:xfrm>
+            <a:off x="7129219" y="5891846"/>
+            <a:ext cx="3930193" cy="966154"/>
+          </a:xfrm>
+          <a:prstGeom prst="rect">
+            <a:avLst/>
+          </a:prstGeom>
         </p:spPr>
       </p:pic>
     </p:spTree>
@@ -12820,513 +14272,15 @@
                                   </p:childTnLst>
                                 </p:cTn>
                               </p:par>
-                            </p:childTnLst>
-                          </p:cTn>
-                        </p:par>
-                      </p:childTnLst>
-                    </p:cTn>
-                  </p:par>
-                </p:childTnLst>
-              </p:cTn>
-              <p:prevCondLst>
-                <p:cond evt="onPrev" delay="0">
-                  <p:tgtEl>
-                    <p:sldTgt/>
-                  </p:tgtEl>
-                </p:cond>
-              </p:prevCondLst>
-              <p:nextCondLst>
-                <p:cond evt="onNext" delay="0">
-                  <p:tgtEl>
-                    <p:sldTgt/>
-                  </p:tgtEl>
-                </p:cond>
-              </p:nextCondLst>
-            </p:seq>
-          </p:childTnLst>
-        </p:cTn>
-      </p:par>
-    </p:tnLst>
-  </p:timing>
-</p:sld>
-</file>
-
-<file path=ppt/slides/slide13.xml><?xml version="1.0" encoding="utf-8"?>
-<p:sld xmlns:a="http://schemas.openxmlformats.org/drawingml/2006/main" xmlns:r="http://schemas.openxmlformats.org/officeDocument/2006/relationships" xmlns:p="http://schemas.openxmlformats.org/presentationml/2006/main">
-  <p:cSld>
-    <p:spTree>
-      <p:nvGrpSpPr>
-        <p:cNvPr id="1" name=""/>
-        <p:cNvGrpSpPr/>
-        <p:nvPr/>
-      </p:nvGrpSpPr>
-      <p:grpSpPr>
-        <a:xfrm>
-          <a:off x="0" y="0"/>
-          <a:ext cx="0" cy="0"/>
-          <a:chOff x="0" y="0"/>
-          <a:chExt cx="0" cy="0"/>
-        </a:xfrm>
-      </p:grpSpPr>
-      <p:pic>
-        <p:nvPicPr>
-          <p:cNvPr id="5" name="Picture 4"/>
-          <p:cNvPicPr>
-            <a:picLocks noChangeAspect="1"/>
-          </p:cNvPicPr>
-          <p:nvPr/>
-        </p:nvPicPr>
-        <p:blipFill>
-          <a:blip r:embed="rId3"/>
-          <a:stretch>
-            <a:fillRect/>
-          </a:stretch>
-        </p:blipFill>
-        <p:spPr>
-          <a:xfrm>
-            <a:off x="8168492" y="338822"/>
-            <a:ext cx="3793106" cy="4491038"/>
-          </a:xfrm>
-          <a:prstGeom prst="rect">
-            <a:avLst/>
-          </a:prstGeom>
-        </p:spPr>
-      </p:pic>
-      <p:sp>
-        <p:nvSpPr>
-          <p:cNvPr id="2" name="Title 1"/>
-          <p:cNvSpPr>
-            <a:spLocks noGrp="1"/>
-          </p:cNvSpPr>
-          <p:nvPr>
-            <p:ph type="title"/>
-          </p:nvPr>
-        </p:nvSpPr>
-        <p:spPr>
-          <a:xfrm>
-            <a:off x="387219" y="0"/>
-            <a:ext cx="11574379" cy="625711"/>
-          </a:xfrm>
-        </p:spPr>
-        <p:txBody>
-          <a:bodyPr>
-            <a:normAutofit fontScale="90000"/>
-          </a:bodyPr>
-          <a:lstStyle/>
-          <a:p>
-            <a:r>
-              <a:rPr lang="en-AU" dirty="0" smtClean="0"/>
-              <a:t>Search </a:t>
-            </a:r>
-            <a:r>
-              <a:rPr lang="en-AU" dirty="0"/>
-              <a:t>lexicon</a:t>
-            </a:r>
-          </a:p>
-        </p:txBody>
-      </p:sp>
-      <p:sp>
-        <p:nvSpPr>
-          <p:cNvPr id="3" name="Content Placeholder 2"/>
-          <p:cNvSpPr>
-            <a:spLocks noGrp="1"/>
-          </p:cNvSpPr>
-          <p:nvPr>
-            <p:ph idx="1"/>
-          </p:nvPr>
-        </p:nvSpPr>
-        <p:spPr>
-          <a:xfrm>
-            <a:off x="317241" y="856343"/>
-            <a:ext cx="7626609" cy="5616645"/>
-          </a:xfrm>
-        </p:spPr>
-        <p:txBody>
-          <a:bodyPr numCol="3">
-            <a:normAutofit/>
-          </a:bodyPr>
-          <a:lstStyle/>
-          <a:p>
-            <a:r>
-              <a:rPr lang="en-AU" dirty="0" smtClean="0"/>
-              <a:t>_alias</a:t>
-            </a:r>
-            <a:r>
-              <a:rPr lang="en-AU" sz="1400" dirty="0" smtClean="0"/>
-              <a:t> – index name synonym used to merge, split or swap and hide from end user physical index names</a:t>
-            </a:r>
-          </a:p>
-          <a:p>
-            <a:r>
-              <a:rPr lang="en-AU" dirty="0" smtClean="0"/>
-              <a:t>_cat </a:t>
-            </a:r>
-            <a:r>
-              <a:rPr lang="en-AU" sz="1400" dirty="0" smtClean="0"/>
-              <a:t>– group of commands</a:t>
-            </a:r>
-          </a:p>
-          <a:p>
-            <a:r>
-              <a:rPr lang="en-AU" dirty="0" smtClean="0"/>
-              <a:t>_cluster –</a:t>
-            </a:r>
-            <a:r>
-              <a:rPr lang="en-AU" sz="1400" dirty="0" smtClean="0"/>
-              <a:t> collection of nodes</a:t>
-            </a:r>
-          </a:p>
-          <a:p>
-            <a:r>
-              <a:rPr lang="en-AU" dirty="0" smtClean="0"/>
-              <a:t>_mapping - </a:t>
-            </a:r>
-            <a:r>
-              <a:rPr lang="en-AU" sz="1400" dirty="0" smtClean="0"/>
-              <a:t>Field-Type </a:t>
-            </a:r>
-            <a:r>
-              <a:rPr lang="en-AU" sz="1400" dirty="0"/>
-              <a:t>mapping</a:t>
-            </a:r>
-          </a:p>
-          <a:p>
-            <a:r>
-              <a:rPr lang="en-AU" dirty="0" smtClean="0"/>
-              <a:t>_type	- </a:t>
-            </a:r>
-            <a:r>
-              <a:rPr lang="en-AU" sz="1400" dirty="0" smtClean="0"/>
-              <a:t>type(table) inside index</a:t>
-            </a:r>
-            <a:endParaRPr lang="en-AU" sz="1400" dirty="0"/>
-          </a:p>
-          <a:p>
-            <a:r>
-              <a:rPr lang="en-AU" dirty="0"/>
-              <a:t>_</a:t>
-            </a:r>
-            <a:r>
-              <a:rPr lang="en-AU" dirty="0" smtClean="0"/>
-              <a:t>id</a:t>
-            </a:r>
-            <a:r>
-              <a:rPr lang="en-AU" dirty="0"/>
-              <a:t> </a:t>
-            </a:r>
-            <a:r>
-              <a:rPr lang="en-AU" sz="1400" dirty="0" smtClean="0"/>
-              <a:t>unique </a:t>
-            </a:r>
-            <a:r>
-              <a:rPr lang="en-AU" sz="1400" dirty="0"/>
-              <a:t>ID </a:t>
-            </a:r>
-            <a:r>
-              <a:rPr lang="en-AU" sz="1400" dirty="0" smtClean="0"/>
-              <a:t>(PK). </a:t>
-            </a:r>
-            <a:r>
-              <a:rPr lang="en-AU" sz="1400" dirty="0"/>
-              <a:t>Is </a:t>
-            </a:r>
-            <a:r>
-              <a:rPr lang="en-AU" sz="1400" dirty="0" smtClean="0"/>
-              <a:t>auto generated </a:t>
-            </a:r>
-            <a:r>
-              <a:rPr lang="en-AU" sz="1400" dirty="0"/>
-              <a:t>20 </a:t>
-            </a:r>
-            <a:r>
-              <a:rPr lang="en-AU" sz="1400" dirty="0" smtClean="0"/>
-              <a:t>character </a:t>
-            </a:r>
-            <a:r>
-              <a:rPr lang="en-AU" sz="1400" dirty="0"/>
-              <a:t>hash (if not provided</a:t>
-            </a:r>
-            <a:r>
-              <a:rPr lang="en-AU" sz="1400" dirty="0" smtClean="0"/>
-              <a:t>). The </a:t>
-            </a:r>
-            <a:r>
-              <a:rPr lang="en-AU" sz="1400" dirty="0"/>
-              <a:t>_id field </a:t>
-            </a:r>
-            <a:r>
-              <a:rPr lang="en-AU" sz="1400" dirty="0" smtClean="0"/>
-              <a:t>is </a:t>
-            </a:r>
-            <a:r>
-              <a:rPr lang="en-AU" sz="1400" dirty="0"/>
-              <a:t>not indexed as its value can be derived automatically from the _</a:t>
-            </a:r>
-            <a:r>
-              <a:rPr lang="en-AU" sz="1400" dirty="0" err="1"/>
-              <a:t>uid</a:t>
-            </a:r>
-            <a:r>
-              <a:rPr lang="en-AU" sz="1400" dirty="0"/>
-              <a:t> field.</a:t>
-            </a:r>
-          </a:p>
-          <a:p>
-            <a:r>
-              <a:rPr lang="en-AU" dirty="0"/>
-              <a:t>_</a:t>
-            </a:r>
-            <a:r>
-              <a:rPr lang="en-AU" dirty="0" err="1" smtClean="0"/>
-              <a:t>uid</a:t>
-            </a:r>
-            <a:r>
-              <a:rPr lang="en-AU" dirty="0"/>
-              <a:t> </a:t>
-            </a:r>
-            <a:r>
-              <a:rPr lang="en-AU" sz="1400" dirty="0" smtClean="0"/>
-              <a:t>=&gt; _type </a:t>
-            </a:r>
-            <a:r>
-              <a:rPr lang="en-AU" sz="1400" dirty="0"/>
-              <a:t>+ _id</a:t>
-            </a:r>
-          </a:p>
-          <a:p>
-            <a:r>
-              <a:rPr lang="en-AU" dirty="0" smtClean="0"/>
-              <a:t>_nodes</a:t>
-            </a:r>
-            <a:r>
-              <a:rPr lang="en-AU" sz="1400" dirty="0" smtClean="0"/>
-              <a:t> shows cluster node stats and settings</a:t>
-            </a:r>
-            <a:endParaRPr lang="en-AU" dirty="0"/>
-          </a:p>
-          <a:p>
-            <a:r>
-              <a:rPr lang="en-AU" dirty="0" smtClean="0"/>
-              <a:t>_query </a:t>
-            </a:r>
-            <a:r>
-              <a:rPr lang="en-AU" sz="1400" dirty="0" smtClean="0"/>
-              <a:t>structured request with many options</a:t>
-            </a:r>
-          </a:p>
-          <a:p>
-            <a:r>
-              <a:rPr lang="en-AU" dirty="0" smtClean="0"/>
-              <a:t>_restore </a:t>
-            </a:r>
-            <a:r>
-              <a:rPr lang="en-AU" sz="1400" dirty="0" smtClean="0"/>
-              <a:t>recover from back up</a:t>
-            </a:r>
-            <a:endParaRPr lang="en-AU" dirty="0" smtClean="0"/>
-          </a:p>
-          <a:p>
-            <a:r>
-              <a:rPr lang="en-AU" dirty="0" smtClean="0"/>
-              <a:t>_</a:t>
-            </a:r>
-            <a:r>
-              <a:rPr lang="en-AU" dirty="0"/>
-              <a:t>search</a:t>
-            </a:r>
-          </a:p>
-          <a:p>
-            <a:r>
-              <a:rPr lang="en-AU" dirty="0" smtClean="0"/>
-              <a:t>_settings </a:t>
-            </a:r>
-            <a:r>
-              <a:rPr lang="en-AU" sz="1400" dirty="0" smtClean="0"/>
-              <a:t>shows index </a:t>
-            </a:r>
-            <a:r>
-              <a:rPr lang="en-AU" sz="1400" dirty="0"/>
-              <a:t>settings (analysers, matchings, etc.)</a:t>
-            </a:r>
-          </a:p>
-          <a:p>
-            <a:r>
-              <a:rPr lang="en-AU" dirty="0" smtClean="0"/>
-              <a:t>_snapshot</a:t>
-            </a:r>
-          </a:p>
-          <a:p>
-            <a:r>
-              <a:rPr lang="en-AU" dirty="0" smtClean="0"/>
-              <a:t>_</a:t>
-            </a:r>
-            <a:r>
-              <a:rPr lang="en-AU" dirty="0"/>
-              <a:t>score </a:t>
-            </a:r>
-            <a:r>
-              <a:rPr lang="en-AU" sz="1400" dirty="0" smtClean="0"/>
-              <a:t>= rank</a:t>
-            </a:r>
-            <a:endParaRPr lang="en-AU" sz="1400" dirty="0"/>
-          </a:p>
-          <a:p>
-            <a:r>
-              <a:rPr lang="en-AU" dirty="0"/>
-              <a:t>_</a:t>
-            </a:r>
-            <a:r>
-              <a:rPr lang="en-AU" dirty="0" smtClean="0"/>
-              <a:t>source - </a:t>
-            </a:r>
-            <a:r>
-              <a:rPr lang="en-AU" sz="1400" dirty="0" smtClean="0"/>
-              <a:t>by </a:t>
-            </a:r>
-            <a:r>
-              <a:rPr lang="en-AU" sz="1400" dirty="0"/>
-              <a:t>default, the JSON document that you index will be stored in the _source field and will be returned by all get and search requests.</a:t>
-            </a:r>
-          </a:p>
-          <a:p>
-            <a:r>
-              <a:rPr lang="en-AU" dirty="0"/>
-              <a:t>_</a:t>
-            </a:r>
-            <a:r>
-              <a:rPr lang="en-AU" dirty="0" smtClean="0"/>
-              <a:t>stats</a:t>
-            </a:r>
-            <a:r>
-              <a:rPr lang="en-AU" sz="1400" dirty="0" smtClean="0"/>
-              <a:t> – statistics from specific levels</a:t>
-            </a:r>
-            <a:endParaRPr lang="en-AU" sz="1400" dirty="0"/>
-          </a:p>
-          <a:p>
-            <a:r>
-              <a:rPr lang="en-AU" dirty="0" smtClean="0"/>
-              <a:t>_timestamp - </a:t>
-            </a:r>
-            <a:r>
-              <a:rPr lang="en-AU" sz="1400" dirty="0" smtClean="0"/>
-              <a:t>is </a:t>
-            </a:r>
-            <a:r>
-              <a:rPr lang="en-AU" sz="1400" dirty="0"/>
-              <a:t>deprecated. Instead, use a normal date field and set its value explicitly.</a:t>
-            </a:r>
-          </a:p>
-          <a:p>
-            <a:r>
-              <a:rPr lang="en-AU" dirty="0"/>
-              <a:t>_</a:t>
-            </a:r>
-            <a:r>
-              <a:rPr lang="en-AU" dirty="0" err="1" smtClean="0"/>
-              <a:t>ttl</a:t>
-            </a:r>
-            <a:r>
-              <a:rPr lang="en-AU" dirty="0" smtClean="0"/>
-              <a:t> - </a:t>
-            </a:r>
-            <a:r>
-              <a:rPr lang="en-AU" sz="1400" dirty="0" smtClean="0"/>
-              <a:t>time </a:t>
-            </a:r>
-            <a:r>
-              <a:rPr lang="en-AU" sz="1400" dirty="0"/>
-              <a:t>to live </a:t>
-            </a:r>
-            <a:r>
-              <a:rPr lang="en-AU" sz="1400" dirty="0" smtClean="0"/>
-              <a:t>is deprecated</a:t>
-            </a:r>
-          </a:p>
-          <a:p>
-            <a:r>
-              <a:rPr lang="en-AU" dirty="0" smtClean="0"/>
-              <a:t>_template – </a:t>
-            </a:r>
-            <a:r>
-              <a:rPr lang="en-AU" sz="1400" dirty="0" smtClean="0"/>
-              <a:t>predefined prototype of index or mapping</a:t>
-            </a:r>
-            <a:endParaRPr lang="en-AU" sz="1400" dirty="0"/>
-          </a:p>
-        </p:txBody>
-      </p:sp>
-      <p:pic>
-        <p:nvPicPr>
-          <p:cNvPr id="4" name="Picture 3"/>
-          <p:cNvPicPr>
-            <a:picLocks noChangeAspect="1"/>
-          </p:cNvPicPr>
-          <p:nvPr/>
-        </p:nvPicPr>
-        <p:blipFill>
-          <a:blip r:embed="rId4"/>
-          <a:stretch>
-            <a:fillRect/>
-          </a:stretch>
-        </p:blipFill>
-        <p:spPr>
-          <a:xfrm>
-            <a:off x="5604091" y="3986213"/>
-            <a:ext cx="3087687" cy="2786062"/>
-          </a:xfrm>
-          <a:prstGeom prst="rect">
-            <a:avLst/>
-          </a:prstGeom>
-        </p:spPr>
-      </p:pic>
-    </p:spTree>
-    <p:extLst>
-      <p:ext uri="{BB962C8B-B14F-4D97-AF65-F5344CB8AC3E}">
-        <p14:creationId xmlns:p14="http://schemas.microsoft.com/office/powerpoint/2010/main" val="3702426076"/>
-      </p:ext>
-    </p:extLst>
-  </p:cSld>
-  <p:clrMapOvr>
-    <a:masterClrMapping/>
-  </p:clrMapOvr>
-  <mc:AlternateContent xmlns:mc="http://schemas.openxmlformats.org/markup-compatibility/2006" xmlns:p14="http://schemas.microsoft.com/office/powerpoint/2010/main">
-    <mc:Choice Requires="p14">
-      <p:transition p14:dur="0"/>
-    </mc:Choice>
-    <mc:Fallback xmlns="">
-      <p:transition/>
-    </mc:Fallback>
-  </mc:AlternateContent>
-  <p:timing>
-    <p:tnLst>
-      <p:par>
-        <p:cTn id="1" dur="indefinite" restart="never" nodeType="tmRoot">
-          <p:childTnLst>
-            <p:seq concurrent="1" nextAc="seek">
-              <p:cTn id="2" dur="indefinite" nodeType="mainSeq">
-                <p:childTnLst>
-                  <p:par>
-                    <p:cTn id="3" fill="hold">
-                      <p:stCondLst>
-                        <p:cond delay="indefinite"/>
-                      </p:stCondLst>
-                      <p:childTnLst>
-                        <p:par>
-                          <p:cTn id="4" fill="hold">
-                            <p:stCondLst>
-                              <p:cond delay="0"/>
-                            </p:stCondLst>
-                            <p:childTnLst>
                               <p:par>
-                                <p:cTn id="5" presetID="2" presetClass="entr" presetSubtype="2" fill="hold" nodeType="clickEffect">
+                                <p:cTn id="15" presetID="2" presetClass="entr" presetSubtype="4" fill="hold" nodeType="withEffect">
                                   <p:stCondLst>
                                     <p:cond delay="0"/>
                                   </p:stCondLst>
                                   <p:childTnLst>
                                     <p:set>
                                       <p:cBhvr>
-                                        <p:cTn id="6" dur="1" fill="hold">
+                                        <p:cTn id="16" dur="1" fill="hold">
                                           <p:stCondLst>
                                             <p:cond delay="0"/>
                                           </p:stCondLst>
@@ -13344,7 +14298,7 @@
                                     </p:set>
                                     <p:anim calcmode="lin" valueType="num">
                                       <p:cBhvr additive="base">
-                                        <p:cTn id="7" dur="500" fill="hold"/>
+                                        <p:cTn id="17" dur="500" fill="hold"/>
                                         <p:tgtEl>
                                           <p:spTgt spid="5"/>
                                         </p:tgtEl>
@@ -13355,7 +14309,7 @@
                                       <p:tavLst>
                                         <p:tav tm="0">
                                           <p:val>
-                                            <p:strVal val="1+#ppt_w/2"/>
+                                            <p:strVal val="#ppt_x"/>
                                           </p:val>
                                         </p:tav>
                                         <p:tav tm="100000">
@@ -13367,82 +14321,9 @@
                                     </p:anim>
                                     <p:anim calcmode="lin" valueType="num">
                                       <p:cBhvr additive="base">
-                                        <p:cTn id="8" dur="500" fill="hold"/>
+                                        <p:cTn id="18" dur="500" fill="hold"/>
                                         <p:tgtEl>
                                           <p:spTgt spid="5"/>
-                                        </p:tgtEl>
-                                        <p:attrNameLst>
-                                          <p:attrName>ppt_y</p:attrName>
-                                        </p:attrNameLst>
-                                      </p:cBhvr>
-                                      <p:tavLst>
-                                        <p:tav tm="0">
-                                          <p:val>
-                                            <p:strVal val="#ppt_y"/>
-                                          </p:val>
-                                        </p:tav>
-                                        <p:tav tm="100000">
-                                          <p:val>
-                                            <p:strVal val="#ppt_y"/>
-                                          </p:val>
-                                        </p:tav>
-                                      </p:tavLst>
-                                    </p:anim>
-                                  </p:childTnLst>
-                                </p:cTn>
-                              </p:par>
-                              <p:par>
-                                <p:cTn id="9" presetID="2" presetClass="entr" presetSubtype="4" fill="hold" nodeType="withEffect">
-                                  <p:stCondLst>
-                                    <p:cond delay="0"/>
-                                  </p:stCondLst>
-                                  <p:childTnLst>
-                                    <p:set>
-                                      <p:cBhvr>
-                                        <p:cTn id="10" dur="1" fill="hold">
-                                          <p:stCondLst>
-                                            <p:cond delay="0"/>
-                                          </p:stCondLst>
-                                        </p:cTn>
-                                        <p:tgtEl>
-                                          <p:spTgt spid="4"/>
-                                        </p:tgtEl>
-                                        <p:attrNameLst>
-                                          <p:attrName>style.visibility</p:attrName>
-                                        </p:attrNameLst>
-                                      </p:cBhvr>
-                                      <p:to>
-                                        <p:strVal val="visible"/>
-                                      </p:to>
-                                    </p:set>
-                                    <p:anim calcmode="lin" valueType="num">
-                                      <p:cBhvr additive="base">
-                                        <p:cTn id="11" dur="500" fill="hold"/>
-                                        <p:tgtEl>
-                                          <p:spTgt spid="4"/>
-                                        </p:tgtEl>
-                                        <p:attrNameLst>
-                                          <p:attrName>ppt_x</p:attrName>
-                                        </p:attrNameLst>
-                                      </p:cBhvr>
-                                      <p:tavLst>
-                                        <p:tav tm="0">
-                                          <p:val>
-                                            <p:strVal val="#ppt_x"/>
-                                          </p:val>
-                                        </p:tav>
-                                        <p:tav tm="100000">
-                                          <p:val>
-                                            <p:strVal val="#ppt_x"/>
-                                          </p:val>
-                                        </p:tav>
-                                      </p:tavLst>
-                                    </p:anim>
-                                    <p:anim calcmode="lin" valueType="num">
-                                      <p:cBhvr additive="base">
-                                        <p:cTn id="12" dur="500" fill="hold"/>
-                                        <p:tgtEl>
-                                          <p:spTgt spid="4"/>
                                         </p:tgtEl>
                                         <p:attrNameLst>
                                           <p:attrName>ppt_y</p:attrName>
@@ -13524,8 +14405,8 @@
         </p:nvSpPr>
         <p:spPr>
           <a:xfrm>
-            <a:off x="296882" y="0"/>
-            <a:ext cx="9761517" cy="771896"/>
+            <a:off x="296883" y="0"/>
+            <a:ext cx="4999018" cy="771896"/>
           </a:xfrm>
         </p:spPr>
         <p:txBody>
@@ -13675,7 +14556,7 @@
             </a:r>
             <a:r>
               <a:rPr lang="en-AU" sz="2200" dirty="0" smtClean="0"/>
-              <a:t>all types in index</a:t>
+              <a:t>all types in index **</a:t>
             </a:r>
           </a:p>
           <a:p>
@@ -13703,6 +14584,47 @@
           </a:p>
         </p:txBody>
       </p:sp>
+      <p:pic>
+        <p:nvPicPr>
+          <p:cNvPr id="2050" name="Picture 2" descr="http://cdn.business2community.com/wp-content/uploads/2012/11/socialmediamistakes2012.jpg"/>
+          <p:cNvPicPr>
+            <a:picLocks noChangeAspect="1" noChangeArrowheads="1"/>
+          </p:cNvPicPr>
+          <p:nvPr/>
+        </p:nvPicPr>
+        <p:blipFill>
+          <a:blip r:embed="rId3">
+            <a:extLst>
+              <a:ext uri="{28A0092B-C50C-407E-A947-70E740481C1C}">
+                <a14:useLocalDpi xmlns:a14="http://schemas.microsoft.com/office/drawing/2010/main" val="0"/>
+              </a:ext>
+            </a:extLst>
+          </a:blip>
+          <a:srcRect/>
+          <a:stretch>
+            <a:fillRect/>
+          </a:stretch>
+        </p:blipFill>
+        <p:spPr bwMode="auto">
+          <a:xfrm>
+            <a:off x="9556751" y="0"/>
+            <a:ext cx="2440010" cy="1352550"/>
+          </a:xfrm>
+          <a:prstGeom prst="rect">
+            <a:avLst/>
+          </a:prstGeom>
+          <a:noFill/>
+          <a:extLst>
+            <a:ext uri="{909E8E84-426E-40DD-AFC4-6F175D3DCCD1}">
+              <a14:hiddenFill xmlns:a14="http://schemas.microsoft.com/office/drawing/2010/main">
+                <a:solidFill>
+                  <a:srgbClr val="FFFFFF"/>
+                </a:solidFill>
+              </a14:hiddenFill>
+            </a:ext>
+          </a:extLst>
+        </p:spPr>
+      </p:pic>
     </p:spTree>
     <p:extLst>
       <p:ext uri="{BB962C8B-B14F-4D97-AF65-F5344CB8AC3E}">
@@ -13844,8 +14766,21 @@
             </a:r>
             <a:r>
               <a:rPr lang="en-AU" sz="2400" dirty="0"/>
-              <a:t>corrupted files or content changes</a:t>
-            </a:r>
+              <a:t>corrupted </a:t>
+            </a:r>
+            <a:r>
+              <a:rPr lang="en-AU" sz="2400" dirty="0" smtClean="0"/>
+              <a:t>or </a:t>
+            </a:r>
+            <a:r>
+              <a:rPr lang="en-AU" sz="2400" dirty="0"/>
+              <a:t>changed </a:t>
+            </a:r>
+            <a:r>
+              <a:rPr lang="en-AU" sz="2400" dirty="0" smtClean="0"/>
+              <a:t>content</a:t>
+            </a:r>
+            <a:endParaRPr lang="en-AU" sz="2400" dirty="0"/>
           </a:p>
           <a:p>
             <a:pPr lvl="1"/>
@@ -13902,80 +14837,31 @@
           <a:p>
             <a:pPr lvl="1"/>
             <a:r>
-              <a:rPr lang="en-AU" sz="2400" dirty="0"/>
-              <a:t>Containerizing and </a:t>
-            </a:r>
-            <a:r>
               <a:rPr lang="en-AU" sz="2400" dirty="0" smtClean="0"/>
-              <a:t>scaffolding: </a:t>
-            </a:r>
-            <a:r>
-              <a:rPr lang="en-AU" sz="2400" dirty="0">
-                <a:hlinkClick r:id="rId3"/>
-              </a:rPr>
-              <a:t>System </a:t>
-            </a:r>
-            <a:r>
-              <a:rPr lang="en-AU" sz="2400" dirty="0" err="1" smtClean="0">
-                <a:hlinkClick r:id="rId3"/>
-              </a:rPr>
+              <a:t>Packaging and scaffolding: System </a:t>
+            </a:r>
+            <a:r>
+              <a:rPr lang="en-AU" sz="2400" dirty="0" err="1" smtClean="0"/>
               <a:t>Center</a:t>
             </a:r>
             <a:r>
               <a:rPr lang="en-AU" sz="2400" dirty="0" smtClean="0"/>
-              <a:t>, </a:t>
-            </a:r>
-            <a:r>
-              <a:rPr lang="en-AU" sz="2400" dirty="0" smtClean="0">
-                <a:hlinkClick r:id="rId4" action="ppaction://hlinkfile"/>
-              </a:rPr>
-              <a:t>Docker</a:t>
+              <a:t>, Docker, Chocolatey, Chef, Yeoman, </a:t>
+            </a:r>
+            <a:r>
+              <a:rPr lang="en-AU" sz="2400" dirty="0" err="1" smtClean="0"/>
+              <a:t>NuGet</a:t>
             </a:r>
             <a:r>
               <a:rPr lang="en-AU" sz="2400" dirty="0" smtClean="0"/>
-              <a:t> , </a:t>
-            </a:r>
-            <a:r>
-              <a:rPr lang="en-AU" sz="2400" dirty="0" smtClean="0">
-                <a:hlinkClick r:id="rId5" action="ppaction://hlinkfile"/>
-              </a:rPr>
-              <a:t>Chocolatey</a:t>
-            </a:r>
+              <a:t>, Bower, NPM Gulp, Node.js</a:t>
+            </a:r>
+          </a:p>
+          <a:p>
+            <a:pPr lvl="1"/>
             <a:r>
               <a:rPr lang="en-AU" sz="2400" dirty="0" smtClean="0"/>
-              <a:t>, </a:t>
-            </a:r>
-            <a:r>
-              <a:rPr lang="en-AU" sz="2400" dirty="0" smtClean="0">
-                <a:hlinkClick r:id="rId6" action="ppaction://hlinkfile"/>
-              </a:rPr>
-              <a:t>Chef</a:t>
-            </a:r>
-            <a:r>
-              <a:rPr lang="en-AU" sz="2400" dirty="0" smtClean="0"/>
-              <a:t>, </a:t>
-            </a:r>
-            <a:r>
-              <a:rPr lang="en-AU" sz="2400" dirty="0" smtClean="0">
-                <a:hlinkClick r:id="rId7" action="ppaction://hlinkfile"/>
-              </a:rPr>
-              <a:t>Yeoman</a:t>
-            </a:r>
-            <a:endParaRPr lang="en-AU" sz="2400" dirty="0"/>
-          </a:p>
-          <a:p>
-            <a:pPr lvl="1"/>
-            <a:r>
-              <a:rPr lang="en-AU" sz="2400" smtClean="0"/>
-              <a:t>Process </a:t>
-            </a:r>
-            <a:r>
-              <a:rPr lang="en-AU" sz="2400" smtClean="0"/>
-              <a:t>tenants’ </a:t>
-            </a:r>
-            <a:r>
-              <a:rPr lang="en-AU" sz="2400" dirty="0" smtClean="0"/>
-              <a:t>content and monetize</a:t>
+              <a:t>Process tenants’ content and monetize</a:t>
             </a:r>
             <a:endParaRPr lang="en-AU" sz="2400" dirty="0"/>
           </a:p>
@@ -13990,7 +14876,7 @@
           <p:nvPr/>
         </p:nvPicPr>
         <p:blipFill>
-          <a:blip r:embed="rId8">
+          <a:blip r:embed="rId3">
             <a:extLst>
               <a:ext uri="{28A0092B-C50C-407E-A947-70E740481C1C}">
                 <a14:useLocalDpi xmlns:a14="http://schemas.microsoft.com/office/drawing/2010/main" val="0"/>
@@ -14003,8 +14889,8 @@
         </p:blipFill>
         <p:spPr>
           <a:xfrm>
-            <a:off x="9082863" y="736270"/>
-            <a:ext cx="2665730" cy="3640388"/>
+            <a:off x="9323126" y="194598"/>
+            <a:ext cx="2549786" cy="3482052"/>
           </a:xfrm>
           <a:prstGeom prst="rect">
             <a:avLst/>
@@ -14101,10 +14987,9 @@
           <a:lstStyle/>
           <a:p>
             <a:r>
-              <a:rPr lang="en-AU" smtClean="0"/>
+              <a:rPr lang="en-AU" dirty="0" smtClean="0"/>
               <a:t>Back End</a:t>
             </a:r>
-            <a:endParaRPr lang="en-AU" dirty="0" smtClean="0"/>
           </a:p>
           <a:p>
             <a:pPr lvl="1"/>
@@ -14117,31 +15002,47 @@
               <a:t>in-house </a:t>
             </a:r>
             <a:r>
-              <a:rPr lang="en-AU" dirty="0">
+              <a:rPr lang="en-AU" dirty="0" smtClean="0">
                 <a:hlinkClick r:id="rId2"/>
               </a:rPr>
-              <a:t>scripts and modules</a:t>
+              <a:t>scripts</a:t>
+            </a:r>
+            <a:r>
+              <a:rPr lang="en-AU" dirty="0" smtClean="0"/>
+              <a:t> </a:t>
             </a:r>
             <a:r>
               <a:rPr lang="en-AU" dirty="0"/>
-              <a:t> + dependent ones (</a:t>
-            </a:r>
-            <a:r>
-              <a:rPr lang="en-AU" dirty="0">
+              <a:t>+ </a:t>
+            </a:r>
+            <a:r>
+              <a:rPr lang="en-AU" dirty="0" smtClean="0"/>
+              <a:t>community modules </a:t>
+            </a:r>
+            <a:r>
+              <a:rPr lang="en-AU" dirty="0"/>
+              <a:t>(</a:t>
+            </a:r>
+            <a:r>
+              <a:rPr lang="en-AU" dirty="0" smtClean="0">
                 <a:hlinkClick r:id="rId3"/>
               </a:rPr>
-              <a:t>Image module</a:t>
+              <a:t>Image</a:t>
+            </a:r>
+            <a:r>
+              <a:rPr lang="en-AU" dirty="0" smtClean="0"/>
+              <a:t>, </a:t>
             </a:r>
             <a:r>
               <a:rPr lang="en-AU" dirty="0"/>
-              <a:t>, etc.)</a:t>
+              <a:t>etc.)</a:t>
             </a:r>
           </a:p>
           <a:p>
             <a:pPr lvl="1"/>
             <a:r>
               <a:rPr lang="en-AU" dirty="0" smtClean="0"/>
-              <a:t>File transformations</a:t>
+              <a:t>Text transformations</a:t>
             </a:r>
             <a:endParaRPr lang="en-AU" dirty="0" smtClean="0">
               <a:hlinkClick r:id="rId4"/>
@@ -14228,110 +15129,100 @@
             <a:endParaRPr lang="en-AU" dirty="0" smtClean="0"/>
           </a:p>
           <a:p>
+            <a:pPr lvl="1"/>
+            <a:r>
+              <a:rPr lang="en-AU" dirty="0" smtClean="0"/>
+              <a:t>Image transformations</a:t>
+            </a:r>
+            <a:endParaRPr lang="en-AU" dirty="0" smtClean="0">
+              <a:hlinkClick r:id="rId11"/>
+            </a:endParaRPr>
+          </a:p>
+          <a:p>
             <a:pPr lvl="2"/>
-            <a:r>
-              <a:rPr lang="en-AU" dirty="0"/>
-              <a:t>SQL Server 2014+ &amp; Full Text Search &amp; Semantic Similarity &amp; </a:t>
-            </a:r>
-            <a:r>
-              <a:rPr lang="en-AU" dirty="0">
-                <a:hlinkClick r:id="rId11"/>
-              </a:rPr>
-              <a:t>Microsoft Filter Pack (2.0</a:t>
-            </a:r>
             <a:r>
               <a:rPr lang="en-AU" dirty="0" smtClean="0">
                 <a:hlinkClick r:id="rId11"/>
               </a:rPr>
-              <a:t>)</a:t>
-            </a:r>
-            <a:endParaRPr lang="en-AU" dirty="0" smtClean="0">
-              <a:hlinkClick r:id="rId12"/>
-            </a:endParaRPr>
-          </a:p>
-          <a:p>
-            <a:pPr lvl="1"/>
-            <a:r>
-              <a:rPr lang="en-AU" dirty="0" smtClean="0"/>
-              <a:t>Image transformations</a:t>
-            </a:r>
-            <a:endParaRPr lang="en-AU" dirty="0" smtClean="0">
-              <a:hlinkClick r:id="rId12"/>
-            </a:endParaRPr>
-          </a:p>
-          <a:p>
-            <a:pPr lvl="2"/>
-            <a:r>
-              <a:rPr lang="en-AU" dirty="0" smtClean="0">
+              <a:t>Image </a:t>
+            </a:r>
+            <a:r>
+              <a:rPr lang="en-AU" dirty="0" err="1">
+                <a:hlinkClick r:id="rId11"/>
+              </a:rPr>
+              <a:t>Magick</a:t>
+            </a:r>
+            <a:r>
+              <a:rPr lang="en-AU" dirty="0"/>
+              <a:t>  &amp; </a:t>
+            </a:r>
+            <a:r>
+              <a:rPr lang="en-AU" dirty="0">
                 <a:hlinkClick r:id="rId12"/>
               </a:rPr>
-              <a:t>Image </a:t>
-            </a:r>
-            <a:r>
-              <a:rPr lang="en-AU" dirty="0" err="1">
+              <a:t>GPL </a:t>
+            </a:r>
+            <a:r>
+              <a:rPr lang="en-AU" dirty="0" err="1" smtClean="0">
                 <a:hlinkClick r:id="rId12"/>
               </a:rPr>
-              <a:t>Magick</a:t>
-            </a:r>
-            <a:r>
-              <a:rPr lang="en-AU" dirty="0"/>
-              <a:t>  &amp; </a:t>
-            </a:r>
-            <a:r>
-              <a:rPr lang="en-AU" dirty="0">
-                <a:hlinkClick r:id="rId13"/>
-              </a:rPr>
-              <a:t>GPL </a:t>
+              <a:t>Ghostscript</a:t>
+            </a:r>
+            <a:r>
+              <a:rPr lang="en-AU" dirty="0" smtClean="0"/>
+              <a:t>, </a:t>
             </a:r>
             <a:r>
               <a:rPr lang="en-AU" dirty="0" err="1" smtClean="0">
                 <a:hlinkClick r:id="rId13"/>
               </a:rPr>
-              <a:t>Ghostscript</a:t>
-            </a:r>
+              <a:t>Inkscape</a:t>
+            </a:r>
+            <a:endParaRPr lang="en-AU" dirty="0"/>
+          </a:p>
+          <a:p>
+            <a:pPr lvl="1"/>
             <a:r>
               <a:rPr lang="en-AU" dirty="0" smtClean="0"/>
-              <a:t>, </a:t>
-            </a:r>
-            <a:r>
-              <a:rPr lang="en-AU" dirty="0" err="1" smtClean="0">
+              <a:t>Recognition</a:t>
+            </a:r>
+            <a:endParaRPr lang="en-AU" dirty="0" smtClean="0">
+              <a:hlinkClick r:id="rId14"/>
+            </a:endParaRPr>
+          </a:p>
+          <a:p>
+            <a:pPr lvl="2"/>
+            <a:r>
+              <a:rPr lang="en-AU" dirty="0" smtClean="0">
                 <a:hlinkClick r:id="rId14"/>
               </a:rPr>
-              <a:t>Inkscape</a:t>
-            </a:r>
-            <a:endParaRPr lang="en-AU" dirty="0"/>
-          </a:p>
-          <a:p>
-            <a:pPr lvl="1"/>
+              <a:t>Tesseract OCR(v3.02)</a:t>
+            </a:r>
             <a:r>
               <a:rPr lang="en-AU" dirty="0" smtClean="0"/>
-              <a:t>OCR</a:t>
-            </a:r>
-            <a:endParaRPr lang="en-AU" dirty="0" smtClean="0">
-              <a:hlinkClick r:id="rId15"/>
-            </a:endParaRPr>
-          </a:p>
-          <a:p>
-            <a:pPr lvl="2"/>
-            <a:r>
-              <a:rPr lang="en-AU" dirty="0" smtClean="0">
+              <a:t> &amp; </a:t>
+            </a:r>
+            <a:r>
+              <a:rPr lang="en-AU" dirty="0" err="1" smtClean="0">
                 <a:hlinkClick r:id="rId15"/>
               </a:rPr>
-              <a:t>Tesseract OCR(v3.02)</a:t>
-            </a:r>
-            <a:r>
-              <a:rPr lang="en-AU" dirty="0" smtClean="0"/>
-              <a:t> </a:t>
-            </a:r>
-            <a:r>
-              <a:rPr lang="en-AU" dirty="0"/>
-              <a:t>&amp; </a:t>
+              <a:t>Leptonica</a:t>
+            </a:r>
+            <a:endParaRPr lang="en-AU" dirty="0"/>
+          </a:p>
+          <a:p>
+            <a:pPr lvl="2"/>
+            <a:r>
+              <a:rPr lang="en-AU" dirty="0" smtClean="0">
+                <a:hlinkClick r:id="rId16"/>
+              </a:rPr>
+              <a:t>Microsoft Cognitive </a:t>
             </a:r>
             <a:r>
               <a:rPr lang="en-AU" dirty="0">
                 <a:hlinkClick r:id="rId16"/>
               </a:rPr>
-              <a:t>Leptonica</a:t>
+              <a:t>services</a:t>
             </a:r>
             <a:endParaRPr lang="en-AU" dirty="0"/>
           </a:p>
@@ -14357,6 +15248,22 @@
               <a:rPr lang="en-AU" dirty="0" smtClean="0"/>
               <a:t> (v5.0), </a:t>
             </a:r>
+            <a:r>
+              <a:rPr lang="en-AU" dirty="0" err="1" smtClean="0"/>
+              <a:t>Kibana</a:t>
+            </a:r>
+            <a:r>
+              <a:rPr lang="en-AU" dirty="0" smtClean="0"/>
+              <a:t>, </a:t>
+            </a:r>
+            <a:r>
+              <a:rPr lang="en-AU" dirty="0" err="1" smtClean="0"/>
+              <a:t>Logstash</a:t>
+            </a:r>
+            <a:r>
+              <a:rPr lang="en-AU" dirty="0" smtClean="0"/>
+              <a:t>, x-Pack, other plugins</a:t>
+            </a:r>
           </a:p>
           <a:p>
             <a:pPr lvl="2"/>
@@ -14369,12 +15276,28 @@
             <a:endParaRPr lang="en-AU" dirty="0" smtClean="0"/>
           </a:p>
           <a:p>
+            <a:pPr lvl="2"/>
+            <a:r>
+              <a:rPr lang="en-AU" dirty="0"/>
+              <a:t>SQL Server 2014+ &amp; Full Text Search &amp; Semantic Similarity &amp; </a:t>
+            </a:r>
+            <a:r>
+              <a:rPr lang="en-AU" dirty="0">
+                <a:hlinkClick r:id="rId19"/>
+              </a:rPr>
+              <a:t>Microsoft Filter Pack (2.0)</a:t>
+            </a:r>
+            <a:endParaRPr lang="en-AU" dirty="0">
+              <a:hlinkClick r:id="rId11"/>
+            </a:endParaRPr>
+          </a:p>
+          <a:p>
             <a:r>
               <a:rPr lang="en-AU" dirty="0" smtClean="0"/>
               <a:t>Front End</a:t>
             </a:r>
             <a:endParaRPr lang="en-AU" dirty="0" smtClean="0">
-              <a:hlinkClick r:id="rId19"/>
+              <a:hlinkClick r:id="rId20"/>
             </a:endParaRPr>
           </a:p>
           <a:p>
@@ -14383,23 +15306,23 @@
             </a:pPr>
             <a:r>
               <a:rPr lang="en-AU" dirty="0" err="1" smtClean="0">
-                <a:hlinkClick r:id="rId19"/>
+                <a:hlinkClick r:id="rId20"/>
               </a:rPr>
               <a:t>Asp.Net</a:t>
             </a:r>
             <a:r>
               <a:rPr lang="en-AU" dirty="0" smtClean="0">
-                <a:hlinkClick r:id="rId19"/>
+                <a:hlinkClick r:id="rId20"/>
               </a:rPr>
               <a:t> Core</a:t>
             </a:r>
             <a:r>
               <a:rPr lang="en-AU" dirty="0" smtClean="0"/>
-              <a:t> (and more…), </a:t>
+              <a:t>, </a:t>
             </a:r>
             <a:r>
               <a:rPr lang="en-AU" dirty="0">
-                <a:hlinkClick r:id="rId20"/>
+                <a:hlinkClick r:id="rId21"/>
               </a:rPr>
               <a:t>Bootstrap</a:t>
             </a:r>
@@ -14409,7 +15332,7 @@
             </a:r>
             <a:r>
               <a:rPr lang="en-AU" dirty="0" err="1" smtClean="0">
-                <a:hlinkClick r:id="rId21"/>
+                <a:hlinkClick r:id="rId22"/>
               </a:rPr>
               <a:t>Bootswatch</a:t>
             </a:r>
@@ -14419,7 +15342,7 @@
             </a:r>
             <a:r>
               <a:rPr lang="en-AU" dirty="0">
-                <a:hlinkClick r:id="rId22"/>
+                <a:hlinkClick r:id="rId23"/>
               </a:rPr>
               <a:t>jQuery</a:t>
             </a:r>
@@ -14428,30 +15351,34 @@
               <a:t>, </a:t>
             </a:r>
             <a:r>
-              <a:rPr lang="en-AU" dirty="0">
-                <a:hlinkClick r:id="rId23" action="ppaction://hlinkfile"/>
+              <a:rPr lang="en-AU" dirty="0" smtClean="0">
+                <a:hlinkClick r:id="rId24" action="ppaction://hlinkfile"/>
               </a:rPr>
               <a:t>D3</a:t>
             </a:r>
             <a:r>
-              <a:rPr lang="en-AU" dirty="0"/>
+              <a:rPr lang="en-AU" dirty="0" smtClean="0"/>
               <a:t>, </a:t>
             </a:r>
             <a:r>
-              <a:rPr lang="en-AU" dirty="0">
-                <a:hlinkClick r:id="rId24"/>
-              </a:rPr>
-              <a:t>C3</a:t>
-            </a:r>
-            <a:r>
-              <a:rPr lang="en-AU" dirty="0"/>
-              <a:t>, </a:t>
-            </a:r>
-            <a:r>
-              <a:rPr lang="en-AU" dirty="0">
+              <a:rPr lang="en-AU" dirty="0" smtClean="0">
                 <a:hlinkClick r:id="rId25"/>
               </a:rPr>
-              <a:t>Github</a:t>
+              <a:t>Chart.js</a:t>
+            </a:r>
+            <a:r>
+              <a:rPr lang="en-AU" dirty="0" smtClean="0"/>
+              <a:t>, </a:t>
+            </a:r>
+            <a:r>
+              <a:rPr lang="en-AU" dirty="0" smtClean="0">
+                <a:hlinkClick r:id="rId26"/>
+              </a:rPr>
+              <a:t>LESS</a:t>
+            </a:r>
+            <a:r>
+              <a:rPr lang="en-AU" dirty="0" smtClean="0"/>
+              <a:t> and more…</a:t>
             </a:r>
             <a:endParaRPr lang="en-AU" dirty="0"/>
           </a:p>
@@ -14463,6 +15390,47 @@
           </a:p>
         </p:txBody>
       </p:sp>
+      <p:pic>
+        <p:nvPicPr>
+          <p:cNvPr id="1026" name="Picture 2" descr="https://blog.rootshell.be/wp-content/uploads/2014/03/dependencies.png"/>
+          <p:cNvPicPr>
+            <a:picLocks noChangeAspect="1" noChangeArrowheads="1"/>
+          </p:cNvPicPr>
+          <p:nvPr/>
+        </p:nvPicPr>
+        <p:blipFill>
+          <a:blip r:embed="rId27">
+            <a:extLst>
+              <a:ext uri="{28A0092B-C50C-407E-A947-70E740481C1C}">
+                <a14:useLocalDpi xmlns:a14="http://schemas.microsoft.com/office/drawing/2010/main" val="0"/>
+              </a:ext>
+            </a:extLst>
+          </a:blip>
+          <a:srcRect/>
+          <a:stretch>
+            <a:fillRect/>
+          </a:stretch>
+        </p:blipFill>
+        <p:spPr bwMode="auto">
+          <a:xfrm>
+            <a:off x="9680575" y="760021"/>
+            <a:ext cx="2076450" cy="1981201"/>
+          </a:xfrm>
+          <a:prstGeom prst="rect">
+            <a:avLst/>
+          </a:prstGeom>
+          <a:noFill/>
+          <a:extLst>
+            <a:ext uri="{909E8E84-426E-40DD-AFC4-6F175D3DCCD1}">
+              <a14:hiddenFill xmlns:a14="http://schemas.microsoft.com/office/drawing/2010/main">
+                <a:solidFill>
+                  <a:srgbClr val="FFFFFF"/>
+                </a:solidFill>
+              </a14:hiddenFill>
+            </a:ext>
+          </a:extLst>
+        </p:spPr>
+      </p:pic>
     </p:spTree>
     <p:extLst>
       <p:ext uri="{BB962C8B-B14F-4D97-AF65-F5344CB8AC3E}">
@@ -14548,18 +15516,17 @@
         </p:spPr>
         <p:txBody>
           <a:bodyPr>
-            <a:normAutofit/>
+            <a:normAutofit fontScale="92500" lnSpcReduction="10000"/>
           </a:bodyPr>
           <a:lstStyle/>
           <a:p>
             <a:r>
               <a:rPr lang="en-AU" dirty="0" smtClean="0"/>
-              <a:t>ES guide</a:t>
-            </a:r>
-            <a:r>
-              <a:rPr lang="en-AU" dirty="0"/>
-              <a:t>:  </a:t>
-            </a:r>
+              <a:t>ES documentation, forum, cheat sheets</a:t>
+            </a:r>
+          </a:p>
+          <a:p>
+            <a:pPr lvl="1"/>
             <a:r>
               <a:rPr lang="en-AU" dirty="0" smtClean="0">
                 <a:hlinkClick r:id="rId3"/>
@@ -14568,241 +15535,302 @@
             </a:r>
             <a:r>
               <a:rPr lang="en-AU" dirty="0" smtClean="0"/>
-              <a:t> </a:t>
-            </a:r>
-          </a:p>
-          <a:p>
-            <a:r>
-              <a:rPr lang="en-AU" dirty="0" smtClean="0"/>
-              <a:t>ES client</a:t>
-            </a:r>
-            <a:r>
-              <a:rPr lang="en-AU" dirty="0"/>
-              <a:t>: </a:t>
+              <a:t>, </a:t>
             </a:r>
             <a:r>
               <a:rPr lang="en-AU" dirty="0" smtClean="0">
                 <a:hlinkClick r:id="rId4"/>
               </a:rPr>
-              <a:t>elastic.co/guide/</a:t>
-            </a:r>
-            <a:r>
-              <a:rPr lang="en-AU" dirty="0" err="1" smtClean="0">
-                <a:hlinkClick r:id="rId4"/>
+              <a:t>discuss.elastic.co</a:t>
+            </a:r>
+            <a:r>
+              <a:rPr lang="en-AU" dirty="0" smtClean="0"/>
+              <a:t>, </a:t>
+            </a:r>
+            <a:r>
+              <a:rPr lang="en-AU" dirty="0">
+                <a:hlinkClick r:id="rId5"/>
               </a:rPr>
-              <a:t>en</a:t>
-            </a:r>
-            <a:r>
-              <a:rPr lang="en-AU" dirty="0" smtClean="0">
-                <a:hlinkClick r:id="rId4"/>
-              </a:rPr>
-              <a:t>/</a:t>
-            </a:r>
-            <a:r>
-              <a:rPr lang="en-AU" dirty="0" err="1" smtClean="0">
-                <a:hlinkClick r:id="rId4"/>
-              </a:rPr>
-              <a:t>elasticsearch</a:t>
-            </a:r>
-            <a:r>
-              <a:rPr lang="en-AU" dirty="0" smtClean="0">
-                <a:hlinkClick r:id="rId4"/>
-              </a:rPr>
-              <a:t>/client/net-</a:t>
-            </a:r>
-            <a:r>
-              <a:rPr lang="en-AU" dirty="0" err="1" smtClean="0">
-                <a:hlinkClick r:id="rId4"/>
-              </a:rPr>
-              <a:t>api</a:t>
-            </a:r>
-            <a:endParaRPr lang="en-AU" dirty="0" smtClean="0"/>
-          </a:p>
-          <a:p>
-            <a:r>
-              <a:rPr lang="en-AU" dirty="0" smtClean="0"/>
-              <a:t>ES cheat sheet</a:t>
-            </a:r>
-            <a:r>
-              <a:rPr lang="en-AU" dirty="0"/>
-              <a:t>: </a:t>
+              <a:t>cheat </a:t>
             </a:r>
             <a:r>
               <a:rPr lang="en-AU" dirty="0" smtClean="0">
                 <a:hlinkClick r:id="rId5"/>
               </a:rPr>
-              <a:t>elasticsearch-cheatsheet.jolicode.com</a:t>
-            </a:r>
-            <a:r>
-              <a:rPr lang="en-AU" dirty="0" smtClean="0"/>
-              <a:t> </a:t>
-            </a:r>
-            <a:endParaRPr lang="en-AU" dirty="0"/>
-          </a:p>
-          <a:p>
+              <a:t>sheet</a:t>
+            </a:r>
             <a:r>
               <a:rPr lang="en-AU" dirty="0"/>
-              <a:t>ES </a:t>
-            </a:r>
-            <a:r>
-              <a:rPr lang="en-AU" dirty="0" smtClean="0"/>
-              <a:t>forum</a:t>
-            </a:r>
-            <a:r>
-              <a:rPr lang="en-AU" dirty="0"/>
-              <a:t>: </a:t>
-            </a:r>
-            <a:r>
-              <a:rPr lang="en-AU" dirty="0">
+              <a:t>, </a:t>
+            </a:r>
+            <a:r>
+              <a:rPr lang="en-AU" dirty="0" smtClean="0">
                 <a:hlinkClick r:id="rId6"/>
               </a:rPr>
-              <a:t>discuss.elastic.co</a:t>
+              <a:t>twitter.com/elastic</a:t>
             </a:r>
             <a:endParaRPr lang="en-AU" dirty="0"/>
           </a:p>
           <a:p>
             <a:r>
               <a:rPr lang="en-AU" dirty="0" smtClean="0"/>
-              <a:t>ES </a:t>
-            </a:r>
-            <a:r>
-              <a:rPr lang="en-AU" dirty="0"/>
-              <a:t>with PowerShell: </a:t>
+              <a:t>ES clients and plugins</a:t>
+            </a:r>
+          </a:p>
+          <a:p>
+            <a:pPr lvl="1"/>
+            <a:r>
+              <a:rPr lang="en-AU" dirty="0" err="1" smtClean="0">
+                <a:hlinkClick r:id="rId7"/>
+              </a:rPr>
+              <a:t>.Net</a:t>
             </a:r>
             <a:r>
               <a:rPr lang="en-AU" dirty="0" smtClean="0">
                 <a:hlinkClick r:id="rId7"/>
               </a:rPr>
-              <a:t>netfxharmonics.com/2015/11/</a:t>
+              <a:t> Client</a:t>
+            </a:r>
+            <a:r>
+              <a:rPr lang="en-AU" dirty="0" smtClean="0"/>
+              <a:t>, </a:t>
             </a:r>
             <a:r>
               <a:rPr lang="en-AU" dirty="0" err="1" smtClean="0">
-                <a:hlinkClick r:id="rId7"/>
-              </a:rPr>
-              <a:t>learningelasticps</a:t>
-            </a:r>
-            <a:r>
-              <a:rPr lang="en-AU" dirty="0" smtClean="0"/>
-              <a:t> </a:t>
-            </a:r>
-            <a:endParaRPr lang="en-AU" dirty="0"/>
-          </a:p>
-          <a:p>
-            <a:r>
-              <a:rPr lang="en-AU" dirty="0" err="1" smtClean="0"/>
-              <a:t>SOLr</a:t>
-            </a:r>
-            <a:r>
-              <a:rPr lang="en-AU" dirty="0" smtClean="0"/>
-              <a:t> vs ES: </a:t>
-            </a:r>
-            <a:r>
-              <a:rPr lang="en-AU" dirty="0" smtClean="0">
                 <a:hlinkClick r:id="rId8"/>
               </a:rPr>
-              <a:t>solr-vs-elasticsearch.com</a:t>
+              <a:t>Kibana</a:t>
             </a:r>
             <a:r>
               <a:rPr lang="en-AU" dirty="0" smtClean="0"/>
-              <a:t> </a:t>
-            </a:r>
-          </a:p>
-          <a:p>
-            <a:r>
-              <a:rPr lang="en-AU" dirty="0" smtClean="0">
+              <a:t>, </a:t>
+            </a:r>
+            <a:r>
+              <a:rPr lang="en-AU" dirty="0" err="1" smtClean="0">
                 <a:hlinkClick r:id="rId9"/>
               </a:rPr>
-              <a:t>Sense Google Chrome add in</a:t>
+              <a:t>Timelion</a:t>
             </a:r>
             <a:r>
               <a:rPr lang="en-AU" dirty="0" smtClean="0"/>
-              <a:t> </a:t>
-            </a:r>
-            <a:endParaRPr lang="en-AU" dirty="0"/>
-          </a:p>
-          <a:p>
+              <a:t>, </a:t>
+            </a:r>
+            <a:r>
+              <a:rPr lang="en-AU" dirty="0">
+                <a:hlinkClick r:id="rId10"/>
+              </a:rPr>
+              <a:t>Sense Google Chrome add </a:t>
+            </a:r>
             <a:r>
               <a:rPr lang="en-AU" dirty="0" smtClean="0">
                 <a:hlinkClick r:id="rId10"/>
               </a:rPr>
-              <a:t>Azure </a:t>
-            </a:r>
-            <a:r>
-              <a:rPr lang="en-AU" dirty="0" err="1">
-                <a:hlinkClick r:id="rId10"/>
-              </a:rPr>
-              <a:t>Quickstart</a:t>
-            </a:r>
-            <a:r>
-              <a:rPr lang="en-AU" dirty="0">
-                <a:hlinkClick r:id="rId10"/>
-              </a:rPr>
-              <a:t> </a:t>
+              <a:t>in</a:t>
+            </a:r>
+            <a:r>
+              <a:rPr lang="en-AU" dirty="0" smtClean="0"/>
+              <a:t>, </a:t>
             </a:r>
             <a:r>
               <a:rPr lang="en-AU" dirty="0" smtClean="0">
-                <a:hlinkClick r:id="rId10"/>
-              </a:rPr>
-              <a:t>Templates</a:t>
-            </a:r>
-            <a:r>
-              <a:rPr lang="en-AU" dirty="0" smtClean="0"/>
-              <a:t> (</a:t>
-            </a:r>
-            <a:r>
-              <a:rPr lang="en-AU" dirty="0" smtClean="0"/>
-              <a:t>find elastic </a:t>
-            </a:r>
-            <a:r>
-              <a:rPr lang="en-AU" dirty="0"/>
-              <a:t>templates</a:t>
-            </a:r>
-            <a:r>
-              <a:rPr lang="en-AU" dirty="0" smtClean="0"/>
-              <a:t>)</a:t>
-            </a:r>
-          </a:p>
-          <a:p>
-            <a:r>
-              <a:rPr lang="en-AU" dirty="0">
                 <a:hlinkClick r:id="rId11"/>
               </a:rPr>
-              <a:t>Cortana Intelligence Suite</a:t>
-            </a:r>
-            <a:endParaRPr lang="en-AU" dirty="0" smtClean="0"/>
-          </a:p>
-          <a:p>
+              <a:t>PowerShell example</a:t>
+            </a:r>
+            <a:endParaRPr lang="en-AU" dirty="0"/>
+          </a:p>
+          <a:p>
+            <a:r>
+              <a:rPr lang="en-AU" dirty="0"/>
+              <a:t>ES </a:t>
+            </a:r>
+            <a:r>
+              <a:rPr lang="en-AU" dirty="0" smtClean="0"/>
+              <a:t>vs Others</a:t>
+            </a:r>
+          </a:p>
+          <a:p>
+            <a:pPr lvl="1"/>
             <a:r>
               <a:rPr lang="en-AU" dirty="0" err="1" smtClean="0">
                 <a:hlinkClick r:id="rId12"/>
               </a:rPr>
-              <a:t>ASP.Net</a:t>
-            </a:r>
-            <a:r>
-              <a:rPr lang="en-AU" dirty="0"/>
-              <a:t> </a:t>
-            </a:r>
-            <a:r>
-              <a:rPr lang="en-AU" dirty="0" smtClean="0"/>
-              <a:t> &amp; </a:t>
-            </a:r>
+              <a:t>Solr</a:t>
+            </a:r>
+            <a:r>
+              <a:rPr lang="en-AU" dirty="0" smtClean="0">
+                <a:hlinkClick r:id="rId12"/>
+              </a:rPr>
+              <a:t> vs </a:t>
+            </a:r>
+            <a:r>
+              <a:rPr lang="en-AU" dirty="0" err="1" smtClean="0">
+                <a:hlinkClick r:id="rId12"/>
+              </a:rPr>
+              <a:t>Elasticsearch</a:t>
+            </a:r>
+            <a:endParaRPr lang="en-AU" dirty="0" smtClean="0"/>
+          </a:p>
+          <a:p>
+            <a:pPr lvl="1"/>
             <a:r>
               <a:rPr lang="en-AU" dirty="0" smtClean="0">
                 <a:hlinkClick r:id="rId13"/>
               </a:rPr>
-              <a:t>VisualStudio.com</a:t>
-            </a:r>
-            <a:r>
-              <a:rPr lang="en-AU" dirty="0" smtClean="0"/>
-              <a:t> </a:t>
-            </a:r>
-          </a:p>
-          <a:p>
+              <a:t>Elastic vs </a:t>
+            </a:r>
+            <a:r>
+              <a:rPr lang="en-AU" dirty="0" err="1" smtClean="0">
+                <a:hlinkClick r:id="rId13"/>
+              </a:rPr>
+              <a:t>MongoDV</a:t>
+            </a:r>
+            <a:r>
+              <a:rPr lang="en-AU" dirty="0" smtClean="0">
+                <a:hlinkClick r:id="rId13"/>
+              </a:rPr>
+              <a:t> vs </a:t>
+            </a:r>
+            <a:r>
+              <a:rPr lang="en-AU" dirty="0" err="1" smtClean="0">
+                <a:hlinkClick r:id="rId13"/>
+              </a:rPr>
+              <a:t>Solr</a:t>
+            </a:r>
+            <a:endParaRPr lang="en-AU" dirty="0" smtClean="0"/>
+          </a:p>
+          <a:p>
+            <a:r>
+              <a:rPr lang="en-AU" dirty="0"/>
+              <a:t>Cloud solutions</a:t>
+            </a:r>
+          </a:p>
+          <a:p>
+            <a:pPr lvl="1"/>
+            <a:r>
+              <a:rPr lang="en-AU" dirty="0">
+                <a:hlinkClick r:id="rId14"/>
+              </a:rPr>
+              <a:t>Elastic </a:t>
+            </a:r>
             <a:r>
               <a:rPr lang="en-AU" dirty="0" smtClean="0">
                 <a:hlinkClick r:id="rId14"/>
               </a:rPr>
-              <a:t>SearchCode.com</a:t>
+              <a:t>Cloud</a:t>
+            </a:r>
+            <a:r>
+              <a:rPr lang="en-AU" dirty="0" smtClean="0"/>
+              <a:t> *</a:t>
+            </a:r>
+            <a:endParaRPr lang="en-AU" dirty="0"/>
+          </a:p>
+          <a:p>
+            <a:pPr lvl="1"/>
+            <a:r>
+              <a:rPr lang="en-AU" dirty="0">
+                <a:hlinkClick r:id="rId15"/>
+              </a:rPr>
+              <a:t>Azure </a:t>
+            </a:r>
+            <a:r>
+              <a:rPr lang="en-AU" dirty="0" err="1">
+                <a:hlinkClick r:id="rId15"/>
+              </a:rPr>
+              <a:t>Quickstart</a:t>
+            </a:r>
+            <a:r>
+              <a:rPr lang="en-AU" dirty="0">
+                <a:hlinkClick r:id="rId15"/>
+              </a:rPr>
+              <a:t> Templates</a:t>
+            </a:r>
+            <a:r>
+              <a:rPr lang="en-AU" dirty="0"/>
+              <a:t> (find elastic templates), </a:t>
+            </a:r>
+            <a:r>
+              <a:rPr lang="en-AU" dirty="0">
+                <a:hlinkClick r:id="rId16"/>
+              </a:rPr>
+              <a:t>Cortana Intelligence Suite</a:t>
+            </a:r>
+            <a:r>
+              <a:rPr lang="en-AU" dirty="0"/>
+              <a:t>, </a:t>
+            </a:r>
+            <a:r>
+              <a:rPr lang="en-AU" dirty="0">
+                <a:hlinkClick r:id="rId17"/>
+              </a:rPr>
+              <a:t>Azure Search</a:t>
+            </a:r>
+            <a:endParaRPr lang="en-AU" dirty="0"/>
+          </a:p>
+          <a:p>
+            <a:r>
+              <a:rPr lang="en-AU" dirty="0" smtClean="0"/>
+              <a:t>Development: </a:t>
+            </a:r>
+          </a:p>
+          <a:p>
+            <a:pPr lvl="1"/>
+            <a:r>
+              <a:rPr lang="en-AU" dirty="0" err="1" smtClean="0">
+                <a:hlinkClick r:id="rId18"/>
+              </a:rPr>
+              <a:t>ASP.Net</a:t>
+            </a:r>
+            <a:r>
+              <a:rPr lang="en-AU" dirty="0" smtClean="0">
+                <a:hlinkClick r:id="rId18"/>
+              </a:rPr>
+              <a:t> Core RC2</a:t>
+            </a:r>
+            <a:r>
+              <a:rPr lang="en-AU" dirty="0" smtClean="0"/>
+              <a:t>**,  </a:t>
+            </a:r>
+            <a:r>
+              <a:rPr lang="en-AU" dirty="0" smtClean="0">
+                <a:hlinkClick r:id="rId19"/>
+              </a:rPr>
+              <a:t>VisualStudio.com</a:t>
+            </a:r>
+            <a:r>
+              <a:rPr lang="en-AU" dirty="0" smtClean="0"/>
+              <a:t> </a:t>
+            </a:r>
+            <a:r>
+              <a:rPr lang="en-AU" dirty="0"/>
+              <a:t>, </a:t>
+            </a:r>
+            <a:r>
+              <a:rPr lang="en-AU" dirty="0">
+                <a:hlinkClick r:id="rId20" action="ppaction://hlinkfile"/>
+              </a:rPr>
+              <a:t>GitHub.com</a:t>
+            </a:r>
+            <a:endParaRPr lang="en-AU" dirty="0" smtClean="0"/>
+          </a:p>
+          <a:p>
+            <a:r>
+              <a:rPr lang="en-AU" dirty="0" smtClean="0"/>
+              <a:t>Other APIs </a:t>
+            </a:r>
+            <a:r>
+              <a:rPr lang="en-AU" smtClean="0"/>
+              <a:t>and code engines</a:t>
+            </a:r>
+            <a:endParaRPr lang="en-AU" dirty="0" smtClean="0"/>
+          </a:p>
+          <a:p>
+            <a:pPr lvl="1"/>
+            <a:r>
+              <a:rPr lang="en-AU" dirty="0" smtClean="0">
+                <a:hlinkClick r:id="rId21"/>
+              </a:rPr>
+              <a:t>Foursquare.com</a:t>
             </a:r>
             <a:r>
               <a:rPr lang="en-AU" dirty="0" smtClean="0"/>
@@ -14810,9 +15838,9 @@
             </a:r>
             <a:r>
               <a:rPr lang="en-AU" dirty="0" smtClean="0">
-                <a:hlinkClick r:id="rId15" action="ppaction://hlinkfile"/>
+                <a:hlinkClick r:id="rId22"/>
               </a:rPr>
-              <a:t>GitHub.com</a:t>
+              <a:t>Flickr.com</a:t>
             </a:r>
             <a:r>
               <a:rPr lang="en-AU" dirty="0" smtClean="0"/>
@@ -14820,9 +15848,9 @@
             </a:r>
             <a:r>
               <a:rPr lang="en-AU" dirty="0" smtClean="0">
-                <a:hlinkClick r:id="rId16"/>
+                <a:hlinkClick r:id="rId23"/>
               </a:rPr>
-              <a:t>Foursquare.com</a:t>
+              <a:t>Twitter.com</a:t>
             </a:r>
             <a:r>
               <a:rPr lang="en-AU" dirty="0" smtClean="0"/>
@@ -14830,15 +15858,138 @@
             </a:r>
             <a:r>
               <a:rPr lang="en-AU" dirty="0" smtClean="0">
-                <a:hlinkClick r:id="rId17"/>
+                <a:hlinkClick r:id="rId24"/>
               </a:rPr>
-              <a:t>Flickr.com</a:t>
+              <a:t>Search Code</a:t>
             </a:r>
             <a:r>
               <a:rPr lang="en-AU" dirty="0" smtClean="0"/>
-              <a:t> </a:t>
+              <a:t>, </a:t>
+            </a:r>
+            <a:r>
+              <a:rPr lang="en-AU" dirty="0" smtClean="0">
+                <a:hlinkClick r:id="rId25"/>
+              </a:rPr>
+              <a:t>Go Search packages</a:t>
+            </a:r>
+            <a:r>
+              <a:rPr lang="en-AU" dirty="0" smtClean="0"/>
+              <a:t>, </a:t>
+            </a:r>
+            <a:r>
+              <a:rPr lang="en-AU" dirty="0" smtClean="0">
+                <a:hlinkClick r:id="rId26"/>
+              </a:rPr>
+              <a:t>Code Galaxies</a:t>
             </a:r>
             <a:endParaRPr lang="en-AU" dirty="0"/>
+          </a:p>
+          <a:p>
+            <a:r>
+              <a:rPr lang="en-AU" dirty="0" smtClean="0"/>
+              <a:t>Packaging </a:t>
+            </a:r>
+            <a:r>
+              <a:rPr lang="en-AU" dirty="0"/>
+              <a:t>and scaffolding</a:t>
+            </a:r>
+            <a:endParaRPr lang="en-AU" dirty="0" smtClean="0"/>
+          </a:p>
+          <a:p>
+            <a:pPr lvl="1"/>
+            <a:r>
+              <a:rPr lang="en-AU" dirty="0">
+                <a:hlinkClick r:id="rId27"/>
+              </a:rPr>
+              <a:t>System </a:t>
+            </a:r>
+            <a:r>
+              <a:rPr lang="en-AU" dirty="0" err="1">
+                <a:hlinkClick r:id="rId27"/>
+              </a:rPr>
+              <a:t>Center</a:t>
+            </a:r>
+            <a:r>
+              <a:rPr lang="en-AU" dirty="0"/>
+              <a:t>, </a:t>
+            </a:r>
+            <a:r>
+              <a:rPr lang="en-AU" dirty="0" smtClean="0">
+                <a:hlinkClick r:id="rId28" action="ppaction://hlinkfile"/>
+              </a:rPr>
+              <a:t>Docker</a:t>
+            </a:r>
+            <a:r>
+              <a:rPr lang="en-AU" dirty="0" smtClean="0"/>
+              <a:t>, </a:t>
+            </a:r>
+            <a:r>
+              <a:rPr lang="en-AU" dirty="0">
+                <a:hlinkClick r:id="rId29" action="ppaction://hlinkfile"/>
+              </a:rPr>
+              <a:t>Chocolatey</a:t>
+            </a:r>
+            <a:r>
+              <a:rPr lang="en-AU" dirty="0"/>
+              <a:t>, </a:t>
+            </a:r>
+            <a:r>
+              <a:rPr lang="en-AU" dirty="0">
+                <a:hlinkClick r:id="rId30" action="ppaction://hlinkfile"/>
+              </a:rPr>
+              <a:t>Chef</a:t>
+            </a:r>
+            <a:r>
+              <a:rPr lang="en-AU" dirty="0" smtClean="0"/>
+              <a:t>, </a:t>
+            </a:r>
+            <a:r>
+              <a:rPr lang="en-AU" dirty="0" smtClean="0">
+                <a:hlinkClick r:id="rId31" action="ppaction://hlinkfile"/>
+              </a:rPr>
+              <a:t>Yeoman</a:t>
+            </a:r>
+            <a:r>
+              <a:rPr lang="en-AU" dirty="0" smtClean="0"/>
+              <a:t>, </a:t>
+            </a:r>
+            <a:r>
+              <a:rPr lang="en-AU" dirty="0" err="1" smtClean="0">
+                <a:hlinkClick r:id="rId32"/>
+              </a:rPr>
+              <a:t>NuGet</a:t>
+            </a:r>
+            <a:r>
+              <a:rPr lang="en-AU" dirty="0" smtClean="0"/>
+              <a:t>, </a:t>
+            </a:r>
+            <a:r>
+              <a:rPr lang="en-AU" dirty="0" smtClean="0">
+                <a:hlinkClick r:id="rId33"/>
+              </a:rPr>
+              <a:t>NPM</a:t>
+            </a:r>
+            <a:r>
+              <a:rPr lang="en-AU" dirty="0" smtClean="0"/>
+              <a:t>, </a:t>
+            </a:r>
+            <a:r>
+              <a:rPr lang="en-AU" dirty="0" smtClean="0">
+                <a:hlinkClick r:id="rId34"/>
+              </a:rPr>
+              <a:t>Node.js</a:t>
+            </a:r>
+            <a:r>
+              <a:rPr lang="en-AU" dirty="0" smtClean="0"/>
+              <a:t>, </a:t>
+            </a:r>
+            <a:r>
+              <a:rPr lang="en-AU" dirty="0" smtClean="0">
+                <a:hlinkClick r:id="rId35"/>
+              </a:rPr>
+              <a:t>Bower</a:t>
+            </a:r>
+            <a:endParaRPr lang="en-AU" dirty="0" smtClean="0"/>
           </a:p>
         </p:txBody>
       </p:sp>
@@ -15227,8 +16378,8 @@
         </p:blipFill>
         <p:spPr>
           <a:xfrm>
-            <a:off x="4013858" y="1425038"/>
-            <a:ext cx="7089569" cy="4707145"/>
+            <a:off x="6731100" y="784329"/>
+            <a:ext cx="4882224" cy="3241570"/>
           </a:xfrm>
           <a:prstGeom prst="rect">
             <a:avLst/>
@@ -15276,48 +16427,18 @@
         </p:nvSpPr>
         <p:spPr>
           <a:xfrm>
-            <a:off x="388713" y="784330"/>
-            <a:ext cx="3625146" cy="5960853"/>
+            <a:off x="388712" y="784330"/>
+            <a:ext cx="8132988" cy="5960853"/>
           </a:xfrm>
         </p:spPr>
         <p:txBody>
           <a:bodyPr>
-            <a:normAutofit fontScale="70000" lnSpcReduction="20000"/>
+            <a:normAutofit fontScale="77500" lnSpcReduction="20000"/>
           </a:bodyPr>
           <a:lstStyle/>
           <a:p>
             <a:r>
               <a:rPr lang="en-AU" sz="3200" dirty="0" err="1" smtClean="0"/>
-              <a:t>Solr</a:t>
-            </a:r>
-            <a:endParaRPr lang="en-AU" sz="3200" dirty="0" smtClean="0"/>
-          </a:p>
-          <a:p>
-            <a:pPr lvl="1"/>
-            <a:r>
-              <a:rPr lang="en-AU" sz="3000" dirty="0" err="1" smtClean="0"/>
-              <a:t>Cnet</a:t>
-            </a:r>
-            <a:endParaRPr lang="en-AU" sz="3000" dirty="0" smtClean="0"/>
-          </a:p>
-          <a:p>
-            <a:pPr lvl="1"/>
-            <a:r>
-              <a:rPr lang="en-AU" sz="3000" dirty="0" smtClean="0"/>
-              <a:t>Netflix</a:t>
-            </a:r>
-          </a:p>
-          <a:p>
-            <a:pPr lvl="1"/>
-            <a:r>
-              <a:rPr lang="en-AU" sz="3000" dirty="0" smtClean="0"/>
-              <a:t>digg.com</a:t>
-            </a:r>
-            <a:endParaRPr lang="en-AU" sz="3000" dirty="0"/>
-          </a:p>
-          <a:p>
-            <a:r>
-              <a:rPr lang="en-AU" sz="3200" dirty="0" err="1" smtClean="0"/>
               <a:t>Elasticsearch</a:t>
             </a:r>
             <a:r>
@@ -15367,6 +16488,49 @@
           </a:p>
           <a:p>
             <a:r>
+              <a:rPr lang="en-AU" sz="3200" dirty="0" err="1"/>
+              <a:t>Solr</a:t>
+            </a:r>
+            <a:endParaRPr lang="en-AU" sz="3200" dirty="0"/>
+          </a:p>
+          <a:p>
+            <a:pPr lvl="1"/>
+            <a:r>
+              <a:rPr lang="en-AU" sz="3000" dirty="0" err="1"/>
+              <a:t>Cnet</a:t>
+            </a:r>
+            <a:endParaRPr lang="en-AU" sz="3000" dirty="0"/>
+          </a:p>
+          <a:p>
+            <a:pPr lvl="1"/>
+            <a:r>
+              <a:rPr lang="en-AU" sz="3000" dirty="0"/>
+              <a:t>Netflix</a:t>
+            </a:r>
+          </a:p>
+          <a:p>
+            <a:pPr lvl="1"/>
+            <a:r>
+              <a:rPr lang="en-AU" sz="3000" dirty="0"/>
+              <a:t>digg.com</a:t>
+            </a:r>
+          </a:p>
+          <a:p>
+            <a:r>
+              <a:rPr lang="en-AU" sz="3200" dirty="0"/>
+              <a:t>Sphinx </a:t>
+            </a:r>
+          </a:p>
+          <a:p>
+            <a:pPr lvl="1"/>
+            <a:r>
+              <a:rPr lang="en-AU" sz="3000" dirty="0"/>
+              <a:t>craigslist.org</a:t>
+            </a:r>
+            <a:endParaRPr lang="en-AU" sz="3200" dirty="0"/>
+          </a:p>
+          <a:p>
+            <a:r>
               <a:rPr lang="en-AU" sz="3200" dirty="0" smtClean="0"/>
               <a:t>Microsoft: </a:t>
             </a:r>
@@ -15400,24 +16564,10 @@
               <a:t>Google Search Appliance discontinued</a:t>
             </a:r>
             <a:r>
-              <a:rPr lang="en-AU" sz="3000" dirty="0"/>
+              <a:rPr lang="en-AU" sz="3000" dirty="0" smtClean="0"/>
               <a:t>)</a:t>
             </a:r>
-          </a:p>
-          <a:p>
-            <a:r>
-              <a:rPr lang="en-AU" sz="3200" dirty="0" smtClean="0"/>
-              <a:t>Sphinx </a:t>
-            </a:r>
-            <a:endParaRPr lang="en-AU" sz="3200" dirty="0"/>
-          </a:p>
-          <a:p>
-            <a:pPr lvl="1"/>
-            <a:r>
-              <a:rPr lang="en-AU" sz="3000" dirty="0" smtClean="0"/>
-              <a:t>craigslist.org</a:t>
-            </a:r>
-            <a:endParaRPr lang="en-AU" sz="3200" dirty="0" smtClean="0"/>
+            <a:endParaRPr lang="en-AU" sz="3000" dirty="0"/>
           </a:p>
         </p:txBody>
       </p:sp>
@@ -15674,7 +16824,7 @@
         <p:spPr>
           <a:xfrm>
             <a:off x="199698" y="0"/>
-            <a:ext cx="11183007" cy="674437"/>
+            <a:ext cx="7582557" cy="674437"/>
           </a:xfrm>
         </p:spPr>
         <p:txBody>
@@ -15704,18 +16854,18 @@
         <p:spPr>
           <a:xfrm>
             <a:off x="199698" y="837324"/>
-            <a:ext cx="11061860" cy="5820150"/>
+            <a:ext cx="7823857" cy="5820150"/>
           </a:xfrm>
         </p:spPr>
         <p:txBody>
           <a:bodyPr>
-            <a:normAutofit fontScale="85000" lnSpcReduction="20000"/>
+            <a:normAutofit lnSpcReduction="10000"/>
           </a:bodyPr>
           <a:lstStyle/>
           <a:p>
             <a:r>
               <a:rPr lang="en-AU" dirty="0" smtClean="0"/>
-              <a:t>Cluster	=  </a:t>
+              <a:t>Cluster node		=  </a:t>
             </a:r>
             <a:r>
               <a:rPr lang="en-AU" dirty="0"/>
@@ -15725,7 +16875,7 @@
           <a:p>
             <a:r>
               <a:rPr lang="en-AU" dirty="0" smtClean="0"/>
-              <a:t>Index		=  </a:t>
+              <a:t>Index			=  </a:t>
             </a:r>
             <a:r>
               <a:rPr lang="en-AU" dirty="0"/>
@@ -15735,52 +16885,53 @@
           <a:p>
             <a:r>
               <a:rPr lang="en-AU" dirty="0" smtClean="0"/>
-              <a:t>Type		=  Table</a:t>
+              <a:t>Type			=  Table</a:t>
             </a:r>
             <a:endParaRPr lang="en-AU" dirty="0"/>
           </a:p>
           <a:p>
             <a:r>
               <a:rPr lang="en-AU" dirty="0" smtClean="0"/>
-              <a:t>Document	=  </a:t>
-            </a:r>
+              <a:t>Document		= Row</a:t>
+            </a:r>
+            <a:endParaRPr lang="en-AU" dirty="0"/>
+          </a:p>
+          <a:p>
+            <a:r>
+              <a:rPr lang="en-AU" dirty="0" smtClean="0"/>
+              <a:t>Field			= Column</a:t>
+            </a:r>
+            <a:endParaRPr lang="en-AU" dirty="0"/>
+          </a:p>
+          <a:p>
+            <a:r>
+              <a:rPr lang="en-AU" dirty="0" smtClean="0"/>
+              <a:t>Mapping *		= Schema</a:t>
+            </a:r>
+            <a:endParaRPr lang="en-AU" dirty="0"/>
+          </a:p>
+          <a:p>
+            <a:r>
+              <a:rPr lang="en-AU" dirty="0" smtClean="0"/>
+              <a:t>Alias	**		= View + Synonym</a:t>
+            </a:r>
+            <a:endParaRPr lang="en-AU" dirty="0"/>
+          </a:p>
+          <a:p>
+            <a:r>
+              <a:rPr lang="en-AU" dirty="0" smtClean="0"/>
+              <a:t>Shard</a:t>
+            </a:r>
+            <a:r>
+              <a:rPr lang="en-AU" dirty="0" smtClean="0"/>
+              <a:t>	***		= Partition</a:t>
+            </a:r>
+            <a:endParaRPr lang="en-AU" dirty="0"/>
+          </a:p>
+          <a:p>
             <a:r>
               <a:rPr lang="en-AU" dirty="0"/>
-              <a:t>Row</a:t>
-            </a:r>
-          </a:p>
-          <a:p>
-            <a:r>
-              <a:rPr lang="en-AU" dirty="0" smtClean="0"/>
-              <a:t>Field		=  Column</a:t>
-            </a:r>
-            <a:endParaRPr lang="en-AU" dirty="0"/>
-          </a:p>
-          <a:p>
-            <a:r>
-              <a:rPr lang="en-AU" dirty="0" smtClean="0"/>
-              <a:t>Mapping	=  Schema</a:t>
-            </a:r>
-            <a:r>
-              <a:rPr lang="en-AU" dirty="0"/>
-              <a:t> *</a:t>
-            </a:r>
-          </a:p>
-          <a:p>
-            <a:r>
-              <a:rPr lang="en-AU" dirty="0" smtClean="0"/>
-              <a:t>Alias		= View + Synonym **</a:t>
-            </a:r>
-            <a:endParaRPr lang="en-AU" dirty="0"/>
-          </a:p>
-          <a:p>
-            <a:r>
-              <a:rPr lang="en-AU" dirty="0" smtClean="0"/>
-              <a:t>Stemming	=  </a:t>
-            </a:r>
-            <a:r>
-              <a:rPr lang="en-AU" dirty="0"/>
-              <a:t>FORMOF, word breaker</a:t>
+              <a:t>Stemming		= FORMOF, word breaker</a:t>
             </a:r>
           </a:p>
           <a:p>
@@ -15802,19 +16953,27 @@
             </a:r>
             <a:r>
               <a:rPr lang="en-AU" dirty="0" smtClean="0"/>
-              <a:t>Similarity. </a:t>
+              <a:t>Search similarity</a:t>
             </a:r>
           </a:p>
           <a:p>
             <a:r>
               <a:rPr lang="en-AU" dirty="0"/>
-              <a:t>Cardinality	=  Distinct values</a:t>
-            </a:r>
-          </a:p>
-          <a:p>
+              <a:t>Cardinality	</a:t>
+            </a:r>
             <a:r>
               <a:rPr lang="en-AU" dirty="0" smtClean="0"/>
-              <a:t>Similarity 	</a:t>
+              <a:t>	=  </a:t>
+            </a:r>
+            <a:r>
+              <a:rPr lang="en-AU" dirty="0"/>
+              <a:t>Distinct values</a:t>
+            </a:r>
+          </a:p>
+          <a:p>
+            <a:r>
+              <a:rPr lang="en-AU" dirty="0" smtClean="0"/>
+              <a:t>Similarity 		= Rank	</a:t>
             </a:r>
             <a:r>
               <a:rPr lang="en-AU" dirty="0" smtClean="0">
@@ -15834,7 +16993,7 @@
             </a:r>
             <a:r>
               <a:rPr lang="en-AU" dirty="0" smtClean="0"/>
-              <a:t>Similarity. It is matching document with score</a:t>
+              <a:t>Similarity</a:t>
             </a:r>
             <a:endParaRPr lang="en-AU" dirty="0"/>
           </a:p>
@@ -15849,15 +17008,7 @@
             </a:pPr>
             <a:r>
               <a:rPr lang="en-AU" sz="2100" dirty="0" smtClean="0"/>
-              <a:t>CURL </a:t>
-            </a:r>
-            <a:r>
-              <a:rPr lang="en-AU" sz="2100" dirty="0"/>
-              <a:t>(CRUD</a:t>
-            </a:r>
-            <a:r>
-              <a:rPr lang="en-AU" sz="2100" dirty="0" smtClean="0"/>
-              <a:t>)	= DDL</a:t>
+              <a:t>CURL(CRUD)		= DDL</a:t>
             </a:r>
           </a:p>
           <a:p>
@@ -15875,7 +17026,15 @@
             </a:r>
             <a:r>
               <a:rPr lang="en-AU" sz="2100" dirty="0"/>
-              <a:t>	= DML</a:t>
+              <a:t>	</a:t>
+            </a:r>
+            <a:r>
+              <a:rPr lang="en-AU" sz="2100" dirty="0" smtClean="0"/>
+              <a:t>	= </a:t>
+            </a:r>
+            <a:r>
+              <a:rPr lang="en-AU" sz="2100" dirty="0"/>
+              <a:t>DML</a:t>
             </a:r>
           </a:p>
           <a:p>
@@ -15890,66 +17049,99 @@
             </a:pPr>
             <a:endParaRPr lang="en-AU" dirty="0" smtClean="0"/>
           </a:p>
-          <a:p>
-            <a:pPr marL="182880" lvl="1">
-              <a:spcBef>
-                <a:spcPts val="1200"/>
-              </a:spcBef>
-              <a:spcAft>
-                <a:spcPts val="0"/>
-              </a:spcAft>
-            </a:pPr>
-            <a:r>
-              <a:rPr lang="en-AU" sz="2100" dirty="0" err="1" smtClean="0"/>
-              <a:t>ElasticSearch</a:t>
-            </a:r>
-            <a:r>
-              <a:rPr lang="en-AU" sz="2100" dirty="0" smtClean="0"/>
-              <a:t> </a:t>
-            </a:r>
-            <a:r>
-              <a:rPr lang="en-AU" sz="2100" dirty="0"/>
-              <a:t>does not support ACID transactions</a:t>
-            </a:r>
-            <a:r>
-              <a:rPr lang="en-AU" sz="2100" dirty="0" smtClean="0"/>
-              <a:t>.</a:t>
-            </a:r>
-            <a:endParaRPr lang="en-AU" sz="2100" dirty="0"/>
-          </a:p>
-          <a:p>
-            <a:r>
-              <a:rPr lang="en-AU" dirty="0" err="1"/>
-              <a:t>ElasticSearch</a:t>
-            </a:r>
-            <a:r>
-              <a:rPr lang="en-AU" dirty="0"/>
-              <a:t> </a:t>
-            </a:r>
-            <a:r>
-              <a:rPr lang="en-AU" dirty="0" smtClean="0"/>
-              <a:t>- simple like </a:t>
-            </a:r>
-            <a:r>
-              <a:rPr lang="en-AU" dirty="0"/>
-              <a:t>SQL Server. </a:t>
-            </a:r>
-            <a:endParaRPr lang="en-AU" dirty="0" smtClean="0"/>
-          </a:p>
-          <a:p>
-            <a:r>
-              <a:rPr lang="en-AU" dirty="0" err="1"/>
-              <a:t>Solr</a:t>
-            </a:r>
-            <a:r>
-              <a:rPr lang="en-AU" dirty="0"/>
-              <a:t> - like Oracle. You need PHD to configure Oracle </a:t>
-            </a:r>
-            <a:r>
-              <a:rPr lang="en-AU" dirty="0" smtClean="0"/>
-              <a:t>:)</a:t>
-            </a:r>
-            <a:endParaRPr lang="en-AU" dirty="0"/>
+        </p:txBody>
+      </p:sp>
+      <p:pic>
+        <p:nvPicPr>
+          <p:cNvPr id="1026" name="Picture 2" descr="http://2.bp.blogspot.com/-LpUYvUz9dzo/TbUlUSG7VNI/AAAAAAAAI0E/QLy5zUAFAK8/s1600/blog-1.png"/>
+          <p:cNvPicPr>
+            <a:picLocks noChangeAspect="1" noChangeArrowheads="1"/>
+          </p:cNvPicPr>
+          <p:nvPr/>
+        </p:nvPicPr>
+        <p:blipFill>
+          <a:blip r:embed="rId3">
+            <a:extLst>
+              <a:ext uri="{28A0092B-C50C-407E-A947-70E740481C1C}">
+                <a14:useLocalDpi xmlns:a14="http://schemas.microsoft.com/office/drawing/2010/main" val="0"/>
+              </a:ext>
+            </a:extLst>
+          </a:blip>
+          <a:srcRect/>
+          <a:stretch>
+            <a:fillRect/>
+          </a:stretch>
+        </p:blipFill>
+        <p:spPr bwMode="auto">
+          <a:xfrm>
+            <a:off x="8036255" y="801437"/>
+            <a:ext cx="3600450" cy="2800351"/>
+          </a:xfrm>
+          <a:prstGeom prst="rect">
+            <a:avLst/>
+          </a:prstGeom>
+          <a:noFill/>
+          <a:extLst>
+            <a:ext uri="{909E8E84-426E-40DD-AFC4-6F175D3DCCD1}">
+              <a14:hiddenFill xmlns:a14="http://schemas.microsoft.com/office/drawing/2010/main">
+                <a:solidFill>
+                  <a:srgbClr val="FFFFFF"/>
+                </a:solidFill>
+              </a14:hiddenFill>
+            </a:ext>
+          </a:extLst>
+        </p:spPr>
+      </p:pic>
+      <p:sp>
+        <p:nvSpPr>
+          <p:cNvPr id="4" name="Rectangle 3"/>
+          <p:cNvSpPr/>
+          <p:nvPr/>
+        </p:nvSpPr>
+        <p:spPr>
+          <a:xfrm>
+            <a:off x="8023555" y="5675155"/>
+            <a:ext cx="3613150" cy="830997"/>
+          </a:xfrm>
+          <a:prstGeom prst="rect">
+            <a:avLst/>
+          </a:prstGeom>
+        </p:spPr>
+        <p:txBody>
+          <a:bodyPr wrap="square">
+            <a:spAutoFit/>
+          </a:bodyPr>
+          <a:lstStyle/>
+          <a:p>
+            <a:r>
+              <a:rPr lang="en-AU" sz="1600" dirty="0" err="1">
+                <a:solidFill>
+                  <a:srgbClr val="FF0000"/>
+                </a:solidFill>
+              </a:rPr>
+              <a:t>Elasticsearch</a:t>
+            </a:r>
+            <a:r>
+              <a:rPr lang="en-AU" sz="1600" dirty="0">
+                <a:solidFill>
+                  <a:srgbClr val="FF0000"/>
+                </a:solidFill>
+              </a:rPr>
+              <a:t> does not support ACID </a:t>
+            </a:r>
+            <a:r>
+              <a:rPr lang="en-AU" sz="1600" dirty="0" smtClean="0">
+                <a:solidFill>
+                  <a:srgbClr val="FF0000"/>
+                </a:solidFill>
+              </a:rPr>
+              <a:t>transactions, but uses version as optimistic concurrency control</a:t>
+            </a:r>
+            <a:endParaRPr lang="en-AU" sz="1600" dirty="0">
+              <a:solidFill>
+                <a:srgbClr val="FF0000"/>
+              </a:solidFill>
+            </a:endParaRPr>
           </a:p>
         </p:txBody>
       </p:sp>
@@ -16305,7 +17497,22 @@
           <a:p>
             <a:r>
               <a:rPr lang="en-AU" sz="1300" b="1" dirty="0" smtClean="0"/>
-              <a:t>Percolate</a:t>
+              <a:t>Percolate Query - </a:t>
+            </a:r>
+            <a:r>
+              <a:rPr lang="en-AU" sz="1300" dirty="0" smtClean="0"/>
+              <a:t>can </a:t>
+            </a:r>
+            <a:r>
+              <a:rPr lang="en-AU" sz="1300" dirty="0"/>
+              <a:t>be used to match queries stored in an index. The percolate query itself contains the document that will be used as query to match with the stored queries.</a:t>
+            </a:r>
+            <a:endParaRPr lang="en-AU" sz="1300" dirty="0" smtClean="0"/>
+          </a:p>
+          <a:p>
+            <a:r>
+              <a:rPr lang="en-AU" sz="1300" b="1" dirty="0" smtClean="0"/>
+              <a:t>Precision</a:t>
             </a:r>
             <a:r>
               <a:rPr lang="en-AU" sz="1300" dirty="0" smtClean="0"/>
@@ -16313,14 +17520,13 @@
             </a:r>
             <a:r>
               <a:rPr lang="en-AU" sz="1300" dirty="0"/>
-              <a:t>query can be used to match queries stored in an index. The percolate query itself contains the document that will be used as query to match with the stored queries.</a:t>
-            </a:r>
-            <a:endParaRPr lang="en-AU" sz="1300" dirty="0" smtClean="0"/>
+              <a:t>- returning as few irrelevant documents as possible.</a:t>
+            </a:r>
           </a:p>
           <a:p>
             <a:r>
               <a:rPr lang="en-AU" sz="1300" b="1" dirty="0" smtClean="0"/>
-              <a:t>Precision</a:t>
+              <a:t>Pagination</a:t>
             </a:r>
             <a:r>
               <a:rPr lang="en-AU" sz="1300" dirty="0" smtClean="0"/>
@@ -16328,13 +17534,40 @@
             </a:r>
             <a:r>
               <a:rPr lang="en-AU" sz="1300" dirty="0"/>
-              <a:t>- returning as few irrelevant documents as possible.</a:t>
-            </a:r>
+              <a:t>- </a:t>
+            </a:r>
+            <a:r>
+              <a:rPr lang="en-AU" sz="1300" dirty="0" smtClean="0"/>
+              <a:t>results </a:t>
+            </a:r>
+            <a:r>
+              <a:rPr lang="en-AU" sz="1300" dirty="0"/>
+              <a:t>by </a:t>
+            </a:r>
+            <a:r>
+              <a:rPr lang="en-AU" sz="1300" dirty="0" smtClean="0"/>
+              <a:t>page (from, size, skip, take )</a:t>
+            </a:r>
+            <a:endParaRPr lang="en-AU" sz="1300" dirty="0"/>
           </a:p>
           <a:p>
             <a:r>
               <a:rPr lang="en-AU" sz="1300" b="1" dirty="0" smtClean="0"/>
-              <a:t>Pagination</a:t>
+              <a:t>Proximity </a:t>
+            </a:r>
+            <a:r>
+              <a:rPr lang="en-AU" sz="1300" b="1" dirty="0"/>
+              <a:t>query</a:t>
+            </a:r>
+            <a:r>
+              <a:rPr lang="en-AU" sz="1300" dirty="0"/>
+              <a:t> - a phrase query with slop. </a:t>
+            </a:r>
+          </a:p>
+          <a:p>
+            <a:r>
+              <a:rPr lang="en-AU" sz="1300" b="1" dirty="0" smtClean="0"/>
+              <a:t>Query</a:t>
             </a:r>
             <a:r>
               <a:rPr lang="en-AU" sz="1300" dirty="0" smtClean="0"/>
@@ -16346,36 +17579,47 @@
             </a:r>
             <a:r>
               <a:rPr lang="en-AU" sz="1300" dirty="0" smtClean="0"/>
-              <a:t>results </a:t>
+              <a:t>non cacheable request.  See Filter definition</a:t>
+            </a:r>
+            <a:endParaRPr lang="en-AU" sz="1300" dirty="0"/>
+          </a:p>
+          <a:p>
+            <a:r>
+              <a:rPr lang="en-AU" sz="1300" b="1" dirty="0"/>
+              <a:t>Recall</a:t>
             </a:r>
             <a:r>
               <a:rPr lang="en-AU" sz="1300" dirty="0"/>
-              <a:t>by </a:t>
+              <a:t> - </a:t>
             </a:r>
             <a:r>
               <a:rPr lang="en-AU" sz="1300" dirty="0" smtClean="0"/>
-              <a:t>page (from, size, skip, take )</a:t>
+              <a:t>the </a:t>
+            </a:r>
+            <a:r>
+              <a:rPr lang="en-AU" sz="1300" dirty="0"/>
+              <a:t>number of relevant documents that a search returns.</a:t>
+            </a:r>
+          </a:p>
+          <a:p>
+            <a:r>
+              <a:rPr lang="en-AU" sz="1300" b="1" dirty="0"/>
+              <a:t>Relevance</a:t>
+            </a:r>
+            <a:r>
+              <a:rPr lang="en-AU" sz="1300" dirty="0"/>
+              <a:t> aka Score - calculated weight or </a:t>
+            </a:r>
+            <a:r>
+              <a:rPr lang="en-AU" sz="1300" dirty="0" smtClean="0"/>
+              <a:t>rank</a:t>
             </a:r>
             <a:endParaRPr lang="en-AU" sz="1300" dirty="0"/>
           </a:p>
           <a:p>
             <a:r>
               <a:rPr lang="en-AU" sz="1300" b="1" dirty="0" smtClean="0"/>
-              <a:t>Proximity </a:t>
-            </a:r>
-            <a:r>
-              <a:rPr lang="en-AU" sz="1300" b="1" dirty="0"/>
-              <a:t>query</a:t>
-            </a:r>
-            <a:r>
-              <a:rPr lang="en-AU" sz="1300" dirty="0"/>
-              <a:t> - a phrase query with slop. </a:t>
-            </a:r>
-          </a:p>
-          <a:p>
-            <a:r>
-              <a:rPr lang="en-AU" sz="1300" b="1" dirty="0" smtClean="0"/>
-              <a:t>Query</a:t>
+              <a:t>Routing</a:t>
             </a:r>
             <a:r>
               <a:rPr lang="en-AU" sz="1300" dirty="0" smtClean="0"/>
@@ -16383,51 +17627,28 @@
             </a:r>
             <a:r>
               <a:rPr lang="en-AU" sz="1300" dirty="0"/>
-              <a:t>- not </a:t>
+              <a:t>- shard placement controlled by using a hash of the document’s id value. Data can be saved to multiple directories, and if each directory is mounted on a different hard drive, </a:t>
+            </a:r>
+          </a:p>
+          <a:p>
+            <a:r>
+              <a:rPr lang="en-AU" sz="1300" b="1" dirty="0"/>
+              <a:t>Similarity</a:t>
+            </a:r>
+            <a:r>
+              <a:rPr lang="en-AU" sz="1300" dirty="0"/>
+              <a:t>  - (scoring / ranking model) defines how matching documents are scored. Similarity is per field, meaning that via the mapping one can define a different similarity per field. The default similarity that is based on the TF/IDF </a:t>
             </a:r>
             <a:r>
               <a:rPr lang="en-AU" sz="1300" dirty="0" smtClean="0"/>
-              <a:t>cacheable request.  See Filter definition</a:t>
+              <a:t>mode..</a:t>
             </a:r>
             <a:endParaRPr lang="en-AU" sz="1300" dirty="0"/>
           </a:p>
           <a:p>
             <a:r>
-              <a:rPr lang="en-AU" sz="1300" b="1" dirty="0"/>
-              <a:t>Recall</a:t>
-            </a:r>
-            <a:r>
-              <a:rPr lang="en-AU" sz="1300" dirty="0"/>
-              <a:t> - </a:t>
-            </a:r>
-            <a:r>
-              <a:rPr lang="en-AU" sz="1300" dirty="0" smtClean="0"/>
-              <a:t>the </a:t>
-            </a:r>
-            <a:r>
-              <a:rPr lang="en-AU" sz="1300" dirty="0"/>
-              <a:t>number of relevant documents that a search returns.</a:t>
-            </a:r>
-          </a:p>
-          <a:p>
-            <a:r>
-              <a:rPr lang="en-AU" sz="1300" b="1" dirty="0"/>
-              <a:t>Relevance</a:t>
-            </a:r>
-            <a:r>
-              <a:rPr lang="en-AU" sz="1300" dirty="0"/>
-              <a:t> aka Score - calculated weight or </a:t>
-            </a:r>
-            <a:r>
-              <a:rPr lang="en-AU" sz="1300" dirty="0" smtClean="0"/>
-              <a:t>rank</a:t>
-            </a:r>
-            <a:endParaRPr lang="en-AU" sz="1300" dirty="0"/>
-          </a:p>
-          <a:p>
-            <a:r>
               <a:rPr lang="en-AU" sz="1300" b="1" dirty="0" smtClean="0"/>
-              <a:t>Routing</a:t>
+              <a:t>Shingles</a:t>
             </a:r>
             <a:r>
               <a:rPr lang="en-AU" sz="1300" dirty="0" smtClean="0"/>
@@ -16435,28 +17656,59 @@
             </a:r>
             <a:r>
               <a:rPr lang="en-AU" sz="1300" dirty="0"/>
-              <a:t>- shard placement controlled by using a hash of the document’s id value. Data can be saved to multiple directories, and if each directory is mounted on a different hard drive, </a:t>
-            </a:r>
-          </a:p>
-          <a:p>
-            <a:r>
-              <a:rPr lang="en-AU" sz="1300" b="1" dirty="0"/>
-              <a:t>Similarity</a:t>
+              <a:t>- </a:t>
+            </a:r>
+            <a:r>
+              <a:rPr lang="en-AU" sz="1300" dirty="0" smtClean="0"/>
+              <a:t>these </a:t>
             </a:r>
             <a:r>
               <a:rPr lang="en-AU" sz="1300" dirty="0"/>
-              <a:t>  - (scoring / ranking model) defines how matching documents are scored. Similarity is per field, meaning that via the mapping one can define a different similarity per field. The default similarity that is based on the TF/IDF </a:t>
+              <a:t>word pairs (or bigrams) : ["sue ate", "ate the", "the alligator</a:t>
             </a:r>
             <a:r>
               <a:rPr lang="en-AU" sz="1300" dirty="0" smtClean="0"/>
-              <a:t>mode..</a:t>
-            </a:r>
-            <a:endParaRPr lang="en-AU" sz="1300" dirty="0"/>
+              <a:t>"]. Shingles </a:t>
+            </a:r>
+            <a:r>
+              <a:rPr lang="en-AU" sz="1300" dirty="0"/>
+              <a:t>are not restricted to being pairs of words; you could index word triplets (trigrams) as well: ["sue ate the", "ate the alligator</a:t>
+            </a:r>
+            <a:r>
+              <a:rPr lang="en-AU" sz="1300" dirty="0" smtClean="0"/>
+              <a:t>"]. </a:t>
+            </a:r>
+            <a:r>
+              <a:rPr lang="en-AU" sz="1300" dirty="0"/>
+              <a:t>Trigrams give you a higher degree of precision, but greatly increase the number of unique terms in the index. </a:t>
+            </a:r>
           </a:p>
           <a:p>
             <a:r>
               <a:rPr lang="en-AU" sz="1300" b="1" dirty="0" smtClean="0"/>
-              <a:t>Shingles</a:t>
+              <a:t>Source </a:t>
+            </a:r>
+            <a:r>
+              <a:rPr lang="en-AU" sz="1300" dirty="0" smtClean="0"/>
+              <a:t>- by </a:t>
+            </a:r>
+            <a:r>
+              <a:rPr lang="en-AU" sz="1300" dirty="0"/>
+              <a:t>default, the JSON document that you index will be stored in the _source field and will be returned by all get and search requests. This allows you </a:t>
+            </a:r>
+            <a:r>
+              <a:rPr lang="en-AU" sz="1300" dirty="0" smtClean="0"/>
+              <a:t>access </a:t>
+            </a:r>
+            <a:r>
+              <a:rPr lang="en-AU" sz="1300" dirty="0"/>
+              <a:t>to the original object directly from search result</a:t>
+            </a:r>
+          </a:p>
+          <a:p>
+            <a:r>
+              <a:rPr lang="en-AU" sz="1300" b="1" dirty="0" smtClean="0"/>
+              <a:t>Stemming</a:t>
             </a:r>
             <a:r>
               <a:rPr lang="en-AU" sz="1300" dirty="0" smtClean="0"/>
@@ -16464,66 +17716,6 @@
             </a:r>
             <a:r>
               <a:rPr lang="en-AU" sz="1300" dirty="0"/>
-              <a:t>- </a:t>
-            </a:r>
-            <a:r>
-              <a:rPr lang="en-AU" sz="1300" dirty="0" smtClean="0"/>
-              <a:t>these </a:t>
-            </a:r>
-            <a:r>
-              <a:rPr lang="en-AU" sz="1300" dirty="0"/>
-              <a:t>word pairs (or bigrams) : ["sue ate", "ate the", "the alligator</a:t>
-            </a:r>
-            <a:r>
-              <a:rPr lang="en-AU" sz="1300" dirty="0" smtClean="0"/>
-              <a:t>"]. Shingles </a:t>
-            </a:r>
-            <a:r>
-              <a:rPr lang="en-AU" sz="1300" dirty="0"/>
-              <a:t>are not restricted to being pairs of words; you could index word triplets (trigrams) as well: ["sue ate the", "ate the alligator</a:t>
-            </a:r>
-            <a:r>
-              <a:rPr lang="en-AU" sz="1300" dirty="0" smtClean="0"/>
-              <a:t>"]. </a:t>
-            </a:r>
-            <a:r>
-              <a:rPr lang="en-AU" sz="1300" dirty="0"/>
-              <a:t>Trigrams give you a higher degree of precision, but greatly increase the number of unique terms in the index. </a:t>
-            </a:r>
-          </a:p>
-          <a:p>
-            <a:r>
-              <a:rPr lang="en-AU" sz="1300" b="1" dirty="0" smtClean="0"/>
-              <a:t>Source </a:t>
-            </a:r>
-            <a:r>
-              <a:rPr lang="en-AU" sz="1300" dirty="0" smtClean="0"/>
-              <a:t>- by </a:t>
-            </a:r>
-            <a:r>
-              <a:rPr lang="en-AU" sz="1300" dirty="0"/>
-              <a:t>default, the JSON document that you index will be stored in the _source field and will be returned by all get and search requests. This allows you </a:t>
-            </a:r>
-            <a:r>
-              <a:rPr lang="en-AU" sz="1300" dirty="0" smtClean="0"/>
-              <a:t>access </a:t>
-            </a:r>
-            <a:r>
-              <a:rPr lang="en-AU" sz="1300" dirty="0"/>
-              <a:t>to the original object directly from search result</a:t>
-            </a:r>
-          </a:p>
-          <a:p>
-            <a:r>
-              <a:rPr lang="en-AU" sz="1300" b="1" dirty="0" smtClean="0"/>
-              <a:t>Stemming</a:t>
-            </a:r>
-            <a:r>
-              <a:rPr lang="en-AU" sz="1300" dirty="0" smtClean="0"/>
-              <a:t> </a:t>
-            </a:r>
-            <a:r>
-              <a:rPr lang="en-AU" sz="1300" dirty="0"/>
               <a:t>- reduce tokens to their root form: foxes → fox</a:t>
             </a:r>
           </a:p>
@@ -16537,8 +17729,8 @@
               <a:t> - is a single Lucene instance. It is a low-level “worker” unit which is managed automatically by </a:t>
             </a:r>
             <a:r>
-              <a:rPr lang="en-AU" sz="1300" dirty="0" err="1"/>
-              <a:t>elasticsearch</a:t>
+              <a:rPr lang="en-AU" sz="1300" dirty="0" err="1" smtClean="0"/>
+              <a:t>Elasticsearch</a:t>
             </a:r>
             <a:endParaRPr lang="en-AU" sz="1300" dirty="0"/>
           </a:p>
@@ -16685,6 +17877,284 @@
         <p:spPr>
           <a:xfrm>
             <a:off x="127456" y="0"/>
+            <a:ext cx="10058400" cy="653143"/>
+          </a:xfrm>
+        </p:spPr>
+        <p:txBody>
+          <a:bodyPr>
+            <a:normAutofit fontScale="90000"/>
+          </a:bodyPr>
+          <a:lstStyle/>
+          <a:p>
+            <a:r>
+              <a:rPr lang="en-AU" dirty="0" smtClean="0"/>
+              <a:t>Search FLOWS</a:t>
+            </a:r>
+            <a:endParaRPr lang="en-AU" dirty="0"/>
+          </a:p>
+        </p:txBody>
+      </p:sp>
+      <p:pic>
+        <p:nvPicPr>
+          <p:cNvPr id="1028" name="Picture 4" descr="https://pbs.twimg.com/media/CiGJ_n7VIAAq0AQ.jpg:large"/>
+          <p:cNvPicPr>
+            <a:picLocks noChangeAspect="1" noChangeArrowheads="1"/>
+          </p:cNvPicPr>
+          <p:nvPr/>
+        </p:nvPicPr>
+        <p:blipFill>
+          <a:blip r:embed="rId3">
+            <a:extLst>
+              <a:ext uri="{28A0092B-C50C-407E-A947-70E740481C1C}">
+                <a14:useLocalDpi xmlns:a14="http://schemas.microsoft.com/office/drawing/2010/main" val="0"/>
+              </a:ext>
+            </a:extLst>
+          </a:blip>
+          <a:srcRect/>
+          <a:stretch>
+            <a:fillRect/>
+          </a:stretch>
+        </p:blipFill>
+        <p:spPr bwMode="auto">
+          <a:xfrm>
+            <a:off x="2159456" y="1161143"/>
+            <a:ext cx="6276975" cy="3533776"/>
+          </a:xfrm>
+          <a:prstGeom prst="rect">
+            <a:avLst/>
+          </a:prstGeom>
+          <a:extLst/>
+        </p:spPr>
+        <p:style>
+          <a:lnRef idx="1">
+            <a:schemeClr val="accent6"/>
+          </a:lnRef>
+          <a:fillRef idx="2">
+            <a:schemeClr val="accent6"/>
+          </a:fillRef>
+          <a:effectRef idx="1">
+            <a:schemeClr val="accent6"/>
+          </a:effectRef>
+          <a:fontRef idx="minor">
+            <a:schemeClr val="dk1"/>
+          </a:fontRef>
+        </p:style>
+      </p:pic>
+      <p:pic>
+        <p:nvPicPr>
+          <p:cNvPr id="4" name="Content Placeholder 3"/>
+          <p:cNvPicPr>
+            <a:picLocks noGrp="1" noChangeAspect="1"/>
+          </p:cNvPicPr>
+          <p:nvPr>
+            <p:ph idx="1"/>
+          </p:nvPr>
+        </p:nvPicPr>
+        <p:blipFill>
+          <a:blip r:embed="rId4">
+            <a:extLst>
+              <a:ext uri="{28A0092B-C50C-407E-A947-70E740481C1C}">
+                <a14:useLocalDpi xmlns:a14="http://schemas.microsoft.com/office/drawing/2010/main" val="0"/>
+              </a:ext>
+            </a:extLst>
+          </a:blip>
+          <a:stretch>
+            <a:fillRect/>
+          </a:stretch>
+        </p:blipFill>
+        <p:spPr>
+          <a:xfrm>
+            <a:off x="554263" y="604983"/>
+            <a:ext cx="10636658" cy="6253017"/>
+          </a:xfrm>
+        </p:spPr>
+        <p:style>
+          <a:lnRef idx="1">
+            <a:schemeClr val="accent5"/>
+          </a:lnRef>
+          <a:fillRef idx="1001">
+            <a:schemeClr val="lt1"/>
+          </a:fillRef>
+          <a:effectRef idx="1">
+            <a:schemeClr val="accent5"/>
+          </a:effectRef>
+          <a:fontRef idx="minor">
+            <a:schemeClr val="dk1"/>
+          </a:fontRef>
+        </p:style>
+      </p:pic>
+    </p:spTree>
+    <p:extLst>
+      <p:ext uri="{BB962C8B-B14F-4D97-AF65-F5344CB8AC3E}">
+        <p14:creationId xmlns:p14="http://schemas.microsoft.com/office/powerpoint/2010/main" val="3653774320"/>
+      </p:ext>
+    </p:extLst>
+  </p:cSld>
+  <p:clrMapOvr>
+    <a:masterClrMapping/>
+  </p:clrMapOvr>
+  <mc:AlternateContent xmlns:mc="http://schemas.openxmlformats.org/markup-compatibility/2006">
+    <mc:Choice xmlns:p14="http://schemas.microsoft.com/office/powerpoint/2010/main" Requires="p14">
+      <p:transition p14:dur="10"/>
+    </mc:Choice>
+    <mc:Fallback>
+      <p:transition/>
+    </mc:Fallback>
+  </mc:AlternateContent>
+  <p:timing>
+    <p:tnLst>
+      <p:par>
+        <p:cTn id="1" dur="indefinite" restart="never" nodeType="tmRoot">
+          <p:childTnLst>
+            <p:seq concurrent="1" nextAc="seek">
+              <p:cTn id="2" dur="indefinite" nodeType="mainSeq">
+                <p:childTnLst>
+                  <p:par>
+                    <p:cTn id="3" fill="hold">
+                      <p:stCondLst>
+                        <p:cond delay="indefinite"/>
+                      </p:stCondLst>
+                      <p:childTnLst>
+                        <p:par>
+                          <p:cTn id="4" fill="hold">
+                            <p:stCondLst>
+                              <p:cond delay="0"/>
+                            </p:stCondLst>
+                            <p:childTnLst>
+                              <p:par>
+                                <p:cTn id="5" presetID="2" presetClass="entr" presetSubtype="4" fill="hold" nodeType="clickEffect">
+                                  <p:stCondLst>
+                                    <p:cond delay="0"/>
+                                  </p:stCondLst>
+                                  <p:childTnLst>
+                                    <p:set>
+                                      <p:cBhvr>
+                                        <p:cTn id="6" dur="1" fill="hold">
+                                          <p:stCondLst>
+                                            <p:cond delay="0"/>
+                                          </p:stCondLst>
+                                        </p:cTn>
+                                        <p:tgtEl>
+                                          <p:spTgt spid="4"/>
+                                        </p:tgtEl>
+                                        <p:attrNameLst>
+                                          <p:attrName>style.visibility</p:attrName>
+                                        </p:attrNameLst>
+                                      </p:cBhvr>
+                                      <p:to>
+                                        <p:strVal val="visible"/>
+                                      </p:to>
+                                    </p:set>
+                                    <p:anim calcmode="lin" valueType="num">
+                                      <p:cBhvr additive="base">
+                                        <p:cTn id="7" dur="500" fill="hold"/>
+                                        <p:tgtEl>
+                                          <p:spTgt spid="4"/>
+                                        </p:tgtEl>
+                                        <p:attrNameLst>
+                                          <p:attrName>ppt_x</p:attrName>
+                                        </p:attrNameLst>
+                                      </p:cBhvr>
+                                      <p:tavLst>
+                                        <p:tav tm="0">
+                                          <p:val>
+                                            <p:strVal val="#ppt_x"/>
+                                          </p:val>
+                                        </p:tav>
+                                        <p:tav tm="100000">
+                                          <p:val>
+                                            <p:strVal val="#ppt_x"/>
+                                          </p:val>
+                                        </p:tav>
+                                      </p:tavLst>
+                                    </p:anim>
+                                    <p:anim calcmode="lin" valueType="num">
+                                      <p:cBhvr additive="base">
+                                        <p:cTn id="8" dur="500" fill="hold"/>
+                                        <p:tgtEl>
+                                          <p:spTgt spid="4"/>
+                                        </p:tgtEl>
+                                        <p:attrNameLst>
+                                          <p:attrName>ppt_y</p:attrName>
+                                        </p:attrNameLst>
+                                      </p:cBhvr>
+                                      <p:tavLst>
+                                        <p:tav tm="0">
+                                          <p:val>
+                                            <p:strVal val="1+#ppt_h/2"/>
+                                          </p:val>
+                                        </p:tav>
+                                        <p:tav tm="100000">
+                                          <p:val>
+                                            <p:strVal val="#ppt_y"/>
+                                          </p:val>
+                                        </p:tav>
+                                      </p:tavLst>
+                                    </p:anim>
+                                  </p:childTnLst>
+                                </p:cTn>
+                              </p:par>
+                            </p:childTnLst>
+                          </p:cTn>
+                        </p:par>
+                      </p:childTnLst>
+                    </p:cTn>
+                  </p:par>
+                </p:childTnLst>
+              </p:cTn>
+              <p:prevCondLst>
+                <p:cond evt="onPrev" delay="0">
+                  <p:tgtEl>
+                    <p:sldTgt/>
+                  </p:tgtEl>
+                </p:cond>
+              </p:prevCondLst>
+              <p:nextCondLst>
+                <p:cond evt="onNext" delay="0">
+                  <p:tgtEl>
+                    <p:sldTgt/>
+                  </p:tgtEl>
+                </p:cond>
+              </p:nextCondLst>
+            </p:seq>
+          </p:childTnLst>
+        </p:cTn>
+      </p:par>
+    </p:tnLst>
+  </p:timing>
+</p:sld>
+</file>
+
+<file path=ppt/slides/slide7.xml><?xml version="1.0" encoding="utf-8"?>
+<p:sld xmlns:a="http://schemas.openxmlformats.org/drawingml/2006/main" xmlns:r="http://schemas.openxmlformats.org/officeDocument/2006/relationships" xmlns:p="http://schemas.openxmlformats.org/presentationml/2006/main">
+  <p:cSld>
+    <p:spTree>
+      <p:nvGrpSpPr>
+        <p:cNvPr id="1" name=""/>
+        <p:cNvGrpSpPr/>
+        <p:nvPr/>
+      </p:nvGrpSpPr>
+      <p:grpSpPr>
+        <a:xfrm>
+          <a:off x="0" y="0"/>
+          <a:ext cx="0" cy="0"/>
+          <a:chOff x="0" y="0"/>
+          <a:chExt cx="0" cy="0"/>
+        </a:xfrm>
+      </p:grpSpPr>
+      <p:sp>
+        <p:nvSpPr>
+          <p:cNvPr id="2" name="Title 1"/>
+          <p:cNvSpPr>
+            <a:spLocks noGrp="1"/>
+          </p:cNvSpPr>
+          <p:nvPr>
+            <p:ph type="title"/>
+          </p:nvPr>
+        </p:nvSpPr>
+        <p:spPr>
+          <a:xfrm>
+            <a:off x="127456" y="0"/>
             <a:ext cx="8445044" cy="653143"/>
           </a:xfrm>
         </p:spPr>
@@ -16739,10 +18209,6 @@
           <a:p>
             <a:pPr algn="ctr"/>
             <a:r>
-              <a:rPr lang="en-AU" dirty="0"/>
-              <a:t>Bulk </a:t>
-            </a:r>
-            <a:r>
               <a:rPr lang="en-AU" dirty="0" smtClean="0"/>
               <a:t>JSON</a:t>
             </a:r>
@@ -16831,10 +18297,24 @@
           <a:p>
             <a:pPr algn="ctr"/>
             <a:r>
+              <a:rPr lang="en-AU" dirty="0"/>
+              <a:t>Index</a:t>
+            </a:r>
+            <a:br>
+              <a:rPr lang="en-AU" dirty="0"/>
+            </a:br>
+            <a:r>
+              <a:rPr lang="en-AU" dirty="0"/>
+              <a:t>Bulk </a:t>
+            </a:r>
+            <a:r>
               <a:rPr lang="en-AU" dirty="0" smtClean="0"/>
-              <a:t>Index</a:t>
-            </a:r>
-            <a:endParaRPr lang="en-AU" dirty="0"/>
+              <a:t>or </a:t>
+            </a:r>
+            <a:r>
+              <a:rPr lang="en-AU" dirty="0"/>
+              <a:t>Document</a:t>
+            </a:r>
           </a:p>
         </p:txBody>
       </p:sp>
@@ -16974,7 +18454,7 @@
             <a:pPr algn="ctr"/>
             <a:r>
               <a:rPr lang="en-AU" sz="1600" dirty="0" smtClean="0"/>
-              <a:t>Files</a:t>
+              <a:t>Files, Events</a:t>
             </a:r>
             <a:endParaRPr lang="en-AU" sz="1600" dirty="0"/>
           </a:p>
@@ -17211,8 +18691,8 @@
         </p:nvSpPr>
         <p:spPr>
           <a:xfrm>
-            <a:off x="4731738" y="1350818"/>
-            <a:ext cx="960718" cy="401661"/>
+            <a:off x="4695326" y="1352984"/>
+            <a:ext cx="1046237" cy="401661"/>
           </a:xfrm>
           <a:prstGeom prst="rect">
             <a:avLst/>
@@ -17244,7 +18724,7 @@
             <a:pPr algn="ctr"/>
             <a:r>
               <a:rPr lang="en-AU" sz="1600" dirty="0" smtClean="0"/>
-              <a:t>Queries</a:t>
+              <a:t>Queries, Events</a:t>
             </a:r>
             <a:endParaRPr lang="en-AU" sz="1600" dirty="0"/>
           </a:p>
@@ -17435,7 +18915,7 @@
         <p:spPr>
           <a:xfrm>
             <a:off x="8014220" y="3700784"/>
-            <a:ext cx="3768436" cy="2092881"/>
+            <a:ext cx="3904878" cy="2092881"/>
           </a:xfrm>
           <a:prstGeom prst="rect">
             <a:avLst/>
@@ -17455,7 +18935,15 @@
           <a:p>
             <a:r>
               <a:rPr lang="en-AU" sz="1000" dirty="0"/>
-              <a:t>{"PersonType":"EM","MiddleName":"J","FirstName":"Ken","ModifiedDate":"2003-02-08","LastName":"Sánchez"}</a:t>
+              <a:t>{"PersonType":"EM","MiddleName":"J","FirstName":"Ken</a:t>
+            </a:r>
+            <a:r>
+              <a:rPr lang="en-AU" sz="1000" dirty="0" smtClean="0"/>
+              <a:t>", "ModifiedDate</a:t>
+            </a:r>
+            <a:r>
+              <a:rPr lang="en-AU" sz="1000" dirty="0"/>
+              <a:t>":"2003-02-08","LastName":"Sánchez"}</a:t>
             </a:r>
           </a:p>
           <a:p>
@@ -17470,7 +18958,15 @@
           <a:p>
             <a:r>
               <a:rPr lang="en-AU" sz="1000" dirty="0"/>
-              <a:t>{"MiddleName":"Lee","FirstName":"Terri","LastName":"Duffy","EmailPromotion":1,"PersonType":"EM","ModifiedDate":"2002-02-24"}</a:t>
+              <a:t>{"MiddleName":"Lee","FirstName":"Terri","LastName":"Duffy","EmailPromotion":1,"PersonType":"EM","ModifiedDate</a:t>
+            </a:r>
+            <a:r>
+              <a:rPr lang="en-AU" sz="1000" dirty="0" smtClean="0"/>
+              <a:t>": "</a:t>
+            </a:r>
+            <a:r>
+              <a:rPr lang="en-AU" sz="1000" dirty="0"/>
+              <a:t>2002-02-24"}</a:t>
             </a:r>
           </a:p>
           <a:p>
@@ -19179,102 +20675,6 @@
       <p:bldP spid="23" grpId="0" animBg="1"/>
       <p:bldP spid="25" grpId="0" animBg="1"/>
     </p:bldLst>
-  </p:timing>
-</p:sld>
-</file>
-
-<file path=ppt/slides/slide7.xml><?xml version="1.0" encoding="utf-8"?>
-<p:sld xmlns:a="http://schemas.openxmlformats.org/drawingml/2006/main" xmlns:r="http://schemas.openxmlformats.org/officeDocument/2006/relationships" xmlns:p="http://schemas.openxmlformats.org/presentationml/2006/main">
-  <p:cSld>
-    <p:spTree>
-      <p:nvGrpSpPr>
-        <p:cNvPr id="1" name=""/>
-        <p:cNvGrpSpPr/>
-        <p:nvPr/>
-      </p:nvGrpSpPr>
-      <p:grpSpPr>
-        <a:xfrm>
-          <a:off x="0" y="0"/>
-          <a:ext cx="0" cy="0"/>
-          <a:chOff x="0" y="0"/>
-          <a:chExt cx="0" cy="0"/>
-        </a:xfrm>
-      </p:grpSpPr>
-      <p:sp>
-        <p:nvSpPr>
-          <p:cNvPr id="2" name="Title 1"/>
-          <p:cNvSpPr>
-            <a:spLocks noGrp="1"/>
-          </p:cNvSpPr>
-          <p:nvPr>
-            <p:ph type="title"/>
-          </p:nvPr>
-        </p:nvSpPr>
-        <p:spPr>
-          <a:xfrm>
-            <a:off x="127456" y="0"/>
-            <a:ext cx="10058400" cy="653143"/>
-          </a:xfrm>
-        </p:spPr>
-        <p:txBody>
-          <a:bodyPr>
-            <a:normAutofit fontScale="90000"/>
-          </a:bodyPr>
-          <a:lstStyle/>
-          <a:p>
-            <a:r>
-              <a:rPr lang="en-AU" dirty="0" smtClean="0"/>
-              <a:t>Search FLOW</a:t>
-            </a:r>
-            <a:endParaRPr lang="en-AU" dirty="0"/>
-          </a:p>
-        </p:txBody>
-      </p:sp>
-      <p:pic>
-        <p:nvPicPr>
-          <p:cNvPr id="4" name="Content Placeholder 3"/>
-          <p:cNvPicPr>
-            <a:picLocks noGrp="1" noChangeAspect="1"/>
-          </p:cNvPicPr>
-          <p:nvPr>
-            <p:ph idx="1"/>
-          </p:nvPr>
-        </p:nvPicPr>
-        <p:blipFill>
-          <a:blip r:embed="rId3">
-            <a:extLst>
-              <a:ext uri="{28A0092B-C50C-407E-A947-70E740481C1C}">
-                <a14:useLocalDpi xmlns:a14="http://schemas.microsoft.com/office/drawing/2010/main" val="0"/>
-              </a:ext>
-            </a:extLst>
-          </a:blip>
-          <a:stretch>
-            <a:fillRect/>
-          </a:stretch>
-        </p:blipFill>
-        <p:spPr>
-          <a:xfrm>
-            <a:off x="635456" y="777291"/>
-            <a:ext cx="10173540" cy="5980761"/>
-          </a:xfrm>
-        </p:spPr>
-      </p:pic>
-    </p:spTree>
-    <p:extLst>
-      <p:ext uri="{BB962C8B-B14F-4D97-AF65-F5344CB8AC3E}">
-        <p14:creationId xmlns:p14="http://schemas.microsoft.com/office/powerpoint/2010/main" val="3653774320"/>
-      </p:ext>
-    </p:extLst>
-  </p:cSld>
-  <p:clrMapOvr>
-    <a:masterClrMapping/>
-  </p:clrMapOvr>
-  <p:timing>
-    <p:tnLst>
-      <p:par>
-        <p:cTn id="1" dur="indefinite" restart="never" nodeType="tmRoot"/>
-      </p:par>
-    </p:tnLst>
   </p:timing>
 </p:sld>
 </file>

--- a/OhMySearch.pptx
+++ b/OhMySearch.pptx
@@ -214,7 +214,7 @@
           <a:p>
             <a:fld id="{52486836-1DD4-4B5A-B7F8-A31B08770D42}" type="datetimeFigureOut">
               <a:rPr lang="en-AU" smtClean="0"/>
-              <a:t>14/06/2016</a:t>
+              <a:t>15/06/2016</a:t>
             </a:fld>
             <a:endParaRPr lang="en-AU"/>
           </a:p>
@@ -3398,15 +3398,7 @@
             </a:r>
             <a:r>
               <a:rPr lang="en-AU" sz="2100" baseline="0" dirty="0" smtClean="0"/>
-              <a:t> but use </a:t>
-            </a:r>
-            <a:r>
-              <a:rPr lang="en-AU" sz="2100" baseline="0" dirty="0" smtClean="0"/>
-              <a:t>optimistic concurrency control </a:t>
-            </a:r>
-            <a:r>
-              <a:rPr lang="en-AU" sz="2100" baseline="0" dirty="0" smtClean="0"/>
-              <a:t>based on version. </a:t>
+              <a:t> but use optimistic concurrency control based on version. </a:t>
             </a:r>
             <a:endParaRPr lang="en-AU" sz="2100" dirty="0" smtClean="0"/>
           </a:p>
@@ -4005,12 +3997,13 @@
             </a:r>
           </a:p>
           <a:p>
-            <a:endParaRPr lang="en-AU" baseline="0" dirty="0" smtClean="0"/>
-          </a:p>
-          <a:p>
             <a:r>
               <a:rPr lang="en-AU" dirty="0" smtClean="0"/>
-              <a:t>** Index could be done</a:t>
+              <a:t>** </a:t>
+            </a:r>
+            <a:r>
+              <a:rPr lang="en-AU" dirty="0" smtClean="0"/>
+              <a:t>Index could be done</a:t>
             </a:r>
             <a:r>
               <a:rPr lang="en-AU" baseline="0" dirty="0" smtClean="0"/>
@@ -4022,7 +4015,17 @@
             </a:r>
             <a:r>
               <a:rPr lang="en-AU" baseline="0" dirty="0" smtClean="0"/>
-              <a:t> file does not have full path attribute!</a:t>
+              <a:t> file does not have full path attribute</a:t>
+            </a:r>
+            <a:r>
+              <a:rPr lang="en-AU" baseline="0" dirty="0" smtClean="0"/>
+              <a:t>!</a:t>
+            </a:r>
+          </a:p>
+          <a:p>
+            <a:r>
+              <a:rPr lang="en-AU" baseline="0" dirty="0" smtClean="0"/>
+              <a:t>Azure ML demo</a:t>
             </a:r>
             <a:endParaRPr lang="en-AU" dirty="0"/>
           </a:p>
@@ -4694,7 +4697,7 @@
           <a:p>
             <a:fld id="{83284890-85D2-4D7B-8EF5-15A9C1DB8F42}" type="datetimeFigureOut">
               <a:rPr lang="en-US" dirty="0"/>
-              <a:t>6/14/2016</a:t>
+              <a:t>6/15/2016</a:t>
             </a:fld>
             <a:endParaRPr lang="en-US" dirty="0"/>
           </a:p>
@@ -4869,7 +4872,7 @@
           <a:p>
             <a:fld id="{87157CC2-0FC8-4686-B024-99790E0F5162}" type="datetimeFigureOut">
               <a:rPr lang="en-US" dirty="0"/>
-              <a:t>6/14/2016</a:t>
+              <a:t>6/15/2016</a:t>
             </a:fld>
             <a:endParaRPr lang="en-US" dirty="0"/>
           </a:p>
@@ -5044,7 +5047,7 @@
           <a:p>
             <a:fld id="{F6764DA5-CD3D-4590-A511-FCD3BC7A793E}" type="datetimeFigureOut">
               <a:rPr lang="en-US" dirty="0"/>
-              <a:t>6/14/2016</a:t>
+              <a:t>6/15/2016</a:t>
             </a:fld>
             <a:endParaRPr lang="en-US" dirty="0"/>
           </a:p>
@@ -5209,7 +5212,7 @@
           <a:p>
             <a:fld id="{82F5661D-6934-4B32-B92C-470368BF1EC6}" type="datetimeFigureOut">
               <a:rPr lang="en-US" dirty="0"/>
-              <a:t>6/14/2016</a:t>
+              <a:t>6/15/2016</a:t>
             </a:fld>
             <a:endParaRPr lang="en-US" dirty="0"/>
           </a:p>
@@ -5517,7 +5520,7 @@
           <a:p>
             <a:fld id="{C6F822A4-8DA6-4447-9B1F-C5DB58435268}" type="datetimeFigureOut">
               <a:rPr lang="en-US" dirty="0"/>
-              <a:t>6/14/2016</a:t>
+              <a:t>6/15/2016</a:t>
             </a:fld>
             <a:endParaRPr lang="en-US" dirty="0"/>
           </a:p>
@@ -5899,7 +5902,7 @@
           <a:p>
             <a:fld id="{E548D31E-DCDA-41A7-9C67-C4B11B94D21D}" type="datetimeFigureOut">
               <a:rPr lang="en-US" dirty="0"/>
-              <a:t>6/14/2016</a:t>
+              <a:t>6/15/2016</a:t>
             </a:fld>
             <a:endParaRPr lang="en-US" dirty="0"/>
           </a:p>
@@ -6328,7 +6331,7 @@
           <a:p>
             <a:fld id="{9B3762C0-B258-48F1-ADE6-176B4174CCDD}" type="datetimeFigureOut">
               <a:rPr lang="en-US" dirty="0"/>
-              <a:t>6/14/2016</a:t>
+              <a:t>6/15/2016</a:t>
             </a:fld>
             <a:endParaRPr lang="en-US" dirty="0"/>
           </a:p>
@@ -6441,7 +6444,7 @@
           <a:p>
             <a:fld id="{677919A6-33EB-49BD-A62F-1FA56B9F9712}" type="datetimeFigureOut">
               <a:rPr lang="en-US" dirty="0"/>
-              <a:t>6/14/2016</a:t>
+              <a:t>6/15/2016</a:t>
             </a:fld>
             <a:endParaRPr lang="en-US" dirty="0"/>
           </a:p>
@@ -6531,7 +6534,7 @@
           <a:p>
             <a:fld id="{CA4E7D1B-D673-4CF6-8672-009D42ABD2A0}" type="datetimeFigureOut">
               <a:rPr lang="en-US" dirty="0"/>
-              <a:t>6/14/2016</a:t>
+              <a:t>6/15/2016</a:t>
             </a:fld>
             <a:endParaRPr lang="en-US" dirty="0"/>
           </a:p>
@@ -6876,7 +6879,7 @@
           <a:p>
             <a:fld id="{DA16AA21-1863-4931-97CB-99D0A168701B}" type="datetimeFigureOut">
               <a:rPr lang="en-US" dirty="0"/>
-              <a:t>6/14/2016</a:t>
+              <a:t>6/15/2016</a:t>
             </a:fld>
             <a:endParaRPr lang="en-US" dirty="0"/>
           </a:p>
@@ -7296,7 +7299,7 @@
           <a:p>
             <a:fld id="{3772C379-9A7C-4C87-A116-CBE9F58B04C5}" type="datetimeFigureOut">
               <a:rPr lang="en-US" dirty="0"/>
-              <a:t>6/14/2016</a:t>
+              <a:t>6/15/2016</a:t>
             </a:fld>
             <a:endParaRPr lang="en-US" dirty="0"/>
           </a:p>
@@ -7572,7 +7575,7 @@
           <a:p>
             <a:fld id="{8664C608-40B1-4030-A28D-5B74BC98ADCE}" type="datetimeFigureOut">
               <a:rPr lang="en-US" dirty="0"/>
-              <a:t>6/14/2016</a:t>
+              <a:t>6/15/2016</a:t>
             </a:fld>
             <a:endParaRPr lang="en-US" dirty="0"/>
           </a:p>
@@ -13154,11 +13157,7 @@
             </a:r>
             <a:r>
               <a:rPr lang="en-AU" sz="1600" dirty="0" smtClean="0"/>
-              <a:t>.</a:t>
-            </a:r>
-            <a:r>
-              <a:rPr lang="en-AU" sz="1600" dirty="0" smtClean="0"/>
-              <a:t>a(1).b(2)</a:t>
+              <a:t>.a(1).b(2)</a:t>
             </a:r>
           </a:p>
           <a:p>
@@ -13176,11 +13175,7 @@
             </a:r>
             <a:r>
               <a:rPr lang="en-AU" sz="1600" dirty="0" smtClean="0"/>
-              <a:t> </a:t>
-            </a:r>
-            <a:r>
-              <a:rPr lang="en-AU" sz="1600" dirty="0" smtClean="0"/>
-              <a:t>= 1; </a:t>
+              <a:t> = 1; </a:t>
             </a:r>
             <a:r>
               <a:rPr lang="en-AU" sz="1600" dirty="0" err="1" smtClean="0"/>
@@ -13834,15 +13829,7 @@
             </a:r>
             <a:r>
               <a:rPr lang="en-AU" dirty="0" smtClean="0"/>
-              <a:t>2015, Last </a:t>
-            </a:r>
-            <a:r>
-              <a:rPr lang="en-AU" dirty="0" smtClean="0"/>
-              <a:t>7 Days</a:t>
-            </a:r>
-            <a:r>
-              <a:rPr lang="en-AU" dirty="0" smtClean="0"/>
-              <a:t>, </a:t>
+              <a:t>2015, Last 7 Days, </a:t>
             </a:r>
             <a:r>
               <a:rPr lang="en-AU" dirty="0"/>
@@ -13910,11 +13897,7 @@
             </a:r>
             <a:r>
               <a:rPr lang="en-AU" dirty="0" smtClean="0"/>
-              <a:t>, </a:t>
-            </a:r>
-            <a:r>
-              <a:rPr lang="en-AU" dirty="0" smtClean="0"/>
-              <a:t>phonetic, stop words</a:t>
+              <a:t>, phonetic, stop words</a:t>
             </a:r>
             <a:endParaRPr lang="en-AU" dirty="0"/>
           </a:p>
@@ -16655,7 +16638,7 @@
           </a:xfrm>
         </p:spPr>
         <p:txBody>
-          <a:bodyPr>
+          <a:bodyPr numCol="2">
             <a:normAutofit/>
           </a:bodyPr>
           <a:lstStyle/>
@@ -16719,12 +16702,19 @@
               <a:t>is a different kind of beast, especially if you come from the world of SQL</a:t>
             </a:r>
             <a:r>
-              <a:rPr lang="en-AU" dirty="0" smtClean="0"/>
+              <a:rPr lang="en-AU" smtClean="0"/>
               <a:t>. </a:t>
             </a:r>
+            <a:endParaRPr lang="en-AU" smtClean="0"/>
+          </a:p>
+          <a:p>
+            <a:r>
+              <a:rPr lang="en-AU" smtClean="0"/>
+              <a:t>Out-of-the-box </a:t>
+            </a:r>
             <a:r>
               <a:rPr lang="en-AU" dirty="0"/>
-              <a:t>Out-of-the-box stemming solutions are never perfect. </a:t>
+              <a:t>stemming solutions are never perfect. </a:t>
             </a:r>
             <a:endParaRPr lang="en-AU" dirty="0" smtClean="0"/>
           </a:p>
@@ -16745,30 +16735,30 @@
           <a:p>
             <a:pPr lvl="1"/>
             <a:r>
-              <a:rPr lang="en-AU" dirty="0"/>
+              <a:rPr lang="en-AU" sz="2000" dirty="0"/>
               <a:t>Good reason: documents are immutable. Updates involve marking the existing item as deleted and inserting a new document. This is exactly how SQL Server 2014 IMOLTP works. It's one secret of extreme </a:t>
             </a:r>
             <a:r>
-              <a:rPr lang="en-AU" dirty="0" smtClean="0"/>
+              <a:rPr lang="en-AU" sz="2000" dirty="0" smtClean="0"/>
               <a:t>efficiency and an </a:t>
             </a:r>
             <a:r>
-              <a:rPr lang="en-AU" dirty="0"/>
+              <a:rPr lang="en-AU" sz="2000" dirty="0"/>
               <a:t>excellent practice to follow.</a:t>
             </a:r>
           </a:p>
           <a:p>
             <a:pPr lvl="1"/>
             <a:r>
-              <a:rPr lang="en-AU" dirty="0"/>
+              <a:rPr lang="en-AU" sz="2000" dirty="0"/>
               <a:t>Weird reason: you have to </a:t>
             </a:r>
             <a:r>
-              <a:rPr lang="en-AU" dirty="0" smtClean="0"/>
+              <a:rPr lang="en-AU" sz="2000" dirty="0" smtClean="0"/>
               <a:t>know </a:t>
             </a:r>
             <a:r>
-              <a:rPr lang="en-AU" dirty="0"/>
+              <a:rPr lang="en-AU" sz="2000" dirty="0"/>
               <a:t>the integer ID to update a document. It's highly efficient, which makes it, at worst, "weird"; not "bad". </a:t>
             </a:r>
           </a:p>
@@ -16920,11 +16910,7 @@
           <a:p>
             <a:r>
               <a:rPr lang="en-AU" dirty="0" smtClean="0"/>
-              <a:t>Shard</a:t>
-            </a:r>
-            <a:r>
-              <a:rPr lang="en-AU" dirty="0" smtClean="0"/>
-              <a:t>	***		= Partition</a:t>
+              <a:t>Shard	***		= Partition</a:t>
             </a:r>
             <a:endParaRPr lang="en-AU" dirty="0"/>
           </a:p>
@@ -17993,11 +17979,11 @@
   <p:clrMapOvr>
     <a:masterClrMapping/>
   </p:clrMapOvr>
-  <mc:AlternateContent xmlns:mc="http://schemas.openxmlformats.org/markup-compatibility/2006">
-    <mc:Choice xmlns:p14="http://schemas.microsoft.com/office/powerpoint/2010/main" Requires="p14">
+  <mc:AlternateContent xmlns:mc="http://schemas.openxmlformats.org/markup-compatibility/2006" xmlns:p14="http://schemas.microsoft.com/office/powerpoint/2010/main">
+    <mc:Choice Requires="p14">
       <p:transition p14:dur="10"/>
     </mc:Choice>
-    <mc:Fallback>
+    <mc:Fallback xmlns="">
       <p:transition/>
     </mc:Fallback>
   </mc:AlternateContent>
